--- a/images/theory_analysis/AWS_EKS_Service_Account_IAM_Role/AWS_EKS_Service_Account_IAM_Role.pptx
+++ b/images/theory_analysis/AWS_EKS_Service_Account_IAM_Role/AWS_EKS_Service_Account_IAM_Role.pptx
@@ -5,10 +5,13 @@
     <p:sldMasterId id="2147483648" r:id="rId1"/>
   </p:sldMasterIdLst>
   <p:notesMasterIdLst>
-    <p:notesMasterId r:id="rId3"/>
+    <p:notesMasterId r:id="rId6"/>
   </p:notesMasterIdLst>
   <p:sldIdLst>
     <p:sldId id="361" r:id="rId2"/>
+    <p:sldId id="363" r:id="rId3"/>
+    <p:sldId id="364" r:id="rId4"/>
+    <p:sldId id="362" r:id="rId5"/>
   </p:sldIdLst>
   <p:sldSz cx="9144000" cy="5143500" type="screen16x9"/>
   <p:notesSz cx="6858000" cy="9144000"/>
@@ -213,7 +216,7 @@
           <a:p>
             <a:fld id="{6CD5550B-26C4-49A9-A5BA-636EF7BE6CE9}" type="datetimeFigureOut">
               <a:rPr lang="ko-KR" altLang="en-US" smtClean="0"/>
-              <a:t>2021-04-15</a:t>
+              <a:t>2021-04-18</a:t>
             </a:fld>
             <a:endParaRPr lang="ko-KR" altLang="en-US"/>
           </a:p>
@@ -659,7 +662,7 @@
           <a:p>
             <a:fld id="{FB30EDBD-1C2D-4C1E-B459-B60219FAB484}" type="datetimeFigureOut">
               <a:rPr lang="ko-KR" altLang="en-US" smtClean="0"/>
-              <a:t>2021-04-15</a:t>
+              <a:t>2021-04-18</a:t>
             </a:fld>
             <a:endParaRPr lang="ko-KR" altLang="en-US"/>
           </a:p>
@@ -822,7 +825,7 @@
           <a:p>
             <a:fld id="{FB30EDBD-1C2D-4C1E-B459-B60219FAB484}" type="datetimeFigureOut">
               <a:rPr lang="ko-KR" altLang="en-US" smtClean="0"/>
-              <a:t>2021-04-15</a:t>
+              <a:t>2021-04-18</a:t>
             </a:fld>
             <a:endParaRPr lang="ko-KR" altLang="en-US"/>
           </a:p>
@@ -995,7 +998,7 @@
           <a:p>
             <a:fld id="{FB30EDBD-1C2D-4C1E-B459-B60219FAB484}" type="datetimeFigureOut">
               <a:rPr lang="ko-KR" altLang="en-US" smtClean="0"/>
-              <a:t>2021-04-15</a:t>
+              <a:t>2021-04-18</a:t>
             </a:fld>
             <a:endParaRPr lang="ko-KR" altLang="en-US"/>
           </a:p>
@@ -1158,7 +1161,7 @@
           <a:p>
             <a:fld id="{FB30EDBD-1C2D-4C1E-B459-B60219FAB484}" type="datetimeFigureOut">
               <a:rPr lang="ko-KR" altLang="en-US" smtClean="0"/>
-              <a:t>2021-04-15</a:t>
+              <a:t>2021-04-18</a:t>
             </a:fld>
             <a:endParaRPr lang="ko-KR" altLang="en-US"/>
           </a:p>
@@ -1398,7 +1401,7 @@
           <a:p>
             <a:fld id="{FB30EDBD-1C2D-4C1E-B459-B60219FAB484}" type="datetimeFigureOut">
               <a:rPr lang="ko-KR" altLang="en-US" smtClean="0"/>
-              <a:t>2021-04-15</a:t>
+              <a:t>2021-04-18</a:t>
             </a:fld>
             <a:endParaRPr lang="ko-KR" altLang="en-US"/>
           </a:p>
@@ -1678,7 +1681,7 @@
           <a:p>
             <a:fld id="{FB30EDBD-1C2D-4C1E-B459-B60219FAB484}" type="datetimeFigureOut">
               <a:rPr lang="ko-KR" altLang="en-US" smtClean="0"/>
-              <a:t>2021-04-15</a:t>
+              <a:t>2021-04-18</a:t>
             </a:fld>
             <a:endParaRPr lang="ko-KR" altLang="en-US"/>
           </a:p>
@@ -2092,7 +2095,7 @@
           <a:p>
             <a:fld id="{FB30EDBD-1C2D-4C1E-B459-B60219FAB484}" type="datetimeFigureOut">
               <a:rPr lang="ko-KR" altLang="en-US" smtClean="0"/>
-              <a:t>2021-04-15</a:t>
+              <a:t>2021-04-18</a:t>
             </a:fld>
             <a:endParaRPr lang="ko-KR" altLang="en-US"/>
           </a:p>
@@ -2204,7 +2207,7 @@
           <a:p>
             <a:fld id="{FB30EDBD-1C2D-4C1E-B459-B60219FAB484}" type="datetimeFigureOut">
               <a:rPr lang="ko-KR" altLang="en-US" smtClean="0"/>
-              <a:t>2021-04-15</a:t>
+              <a:t>2021-04-18</a:t>
             </a:fld>
             <a:endParaRPr lang="ko-KR" altLang="en-US"/>
           </a:p>
@@ -2294,7 +2297,7 @@
           <a:p>
             <a:fld id="{FB30EDBD-1C2D-4C1E-B459-B60219FAB484}" type="datetimeFigureOut">
               <a:rPr lang="ko-KR" altLang="en-US" smtClean="0"/>
-              <a:t>2021-04-15</a:t>
+              <a:t>2021-04-18</a:t>
             </a:fld>
             <a:endParaRPr lang="ko-KR" altLang="en-US"/>
           </a:p>
@@ -2564,7 +2567,7 @@
           <a:p>
             <a:fld id="{FB30EDBD-1C2D-4C1E-B459-B60219FAB484}" type="datetimeFigureOut">
               <a:rPr lang="ko-KR" altLang="en-US" smtClean="0"/>
-              <a:t>2021-04-15</a:t>
+              <a:t>2021-04-18</a:t>
             </a:fld>
             <a:endParaRPr lang="ko-KR" altLang="en-US"/>
           </a:p>
@@ -2811,7 +2814,7 @@
           <a:p>
             <a:fld id="{FB30EDBD-1C2D-4C1E-B459-B60219FAB484}" type="datetimeFigureOut">
               <a:rPr lang="ko-KR" altLang="en-US" smtClean="0"/>
-              <a:t>2021-04-15</a:t>
+              <a:t>2021-04-18</a:t>
             </a:fld>
             <a:endParaRPr lang="ko-KR" altLang="en-US"/>
           </a:p>
@@ -3017,7 +3020,7 @@
           <a:p>
             <a:fld id="{FB30EDBD-1C2D-4C1E-B459-B60219FAB484}" type="datetimeFigureOut">
               <a:rPr lang="ko-KR" altLang="en-US" smtClean="0"/>
-              <a:t>2021-04-15</a:t>
+              <a:t>2021-04-18</a:t>
             </a:fld>
             <a:endParaRPr lang="ko-KR" altLang="en-US"/>
           </a:p>
@@ -3389,6 +3392,108 @@
       </p:grpSpPr>
       <p:sp>
         <p:nvSpPr>
+          <p:cNvPr id="69" name="사각형: 둥근 모서리 68">
+            <a:extLst>
+              <a:ext uri="{FF2B5EF4-FFF2-40B4-BE49-F238E27FC236}">
+                <a16:creationId xmlns:a16="http://schemas.microsoft.com/office/drawing/2014/main" id="{3DC0E73D-14C7-4C36-A254-E52DEDB1542F}"/>
+              </a:ext>
+            </a:extLst>
+          </p:cNvPr>
+          <p:cNvSpPr/>
+          <p:nvPr/>
+        </p:nvSpPr>
+        <p:spPr>
+          <a:xfrm>
+            <a:off x="6213772" y="1761805"/>
+            <a:ext cx="2174652" cy="2304256"/>
+          </a:xfrm>
+          <a:prstGeom prst="roundRect">
+            <a:avLst>
+              <a:gd name="adj" fmla="val 6060"/>
+            </a:avLst>
+          </a:prstGeom>
+          <a:ln>
+            <a:prstDash val="dash"/>
+          </a:ln>
+        </p:spPr>
+        <p:style>
+          <a:lnRef idx="2">
+            <a:schemeClr val="dk1"/>
+          </a:lnRef>
+          <a:fillRef idx="1">
+            <a:schemeClr val="lt1"/>
+          </a:fillRef>
+          <a:effectRef idx="0">
+            <a:schemeClr val="dk1"/>
+          </a:effectRef>
+          <a:fontRef idx="minor">
+            <a:schemeClr val="dk1"/>
+          </a:fontRef>
+        </p:style>
+        <p:txBody>
+          <a:bodyPr rtlCol="0" anchor="b"/>
+          <a:lstStyle/>
+          <a:p>
+            <a:r>
+              <a:rPr lang="en-US" altLang="ko-KR" sz="1200"/>
+              <a:t>EKS Worker Node</a:t>
+            </a:r>
+          </a:p>
+        </p:txBody>
+      </p:sp>
+      <p:sp>
+        <p:nvSpPr>
+          <p:cNvPr id="68" name="사각형: 둥근 모서리 67">
+            <a:extLst>
+              <a:ext uri="{FF2B5EF4-FFF2-40B4-BE49-F238E27FC236}">
+                <a16:creationId xmlns:a16="http://schemas.microsoft.com/office/drawing/2014/main" id="{86CCA4AC-047F-4BCC-8B5B-CFCB6D84A8E2}"/>
+              </a:ext>
+            </a:extLst>
+          </p:cNvPr>
+          <p:cNvSpPr/>
+          <p:nvPr/>
+        </p:nvSpPr>
+        <p:spPr>
+          <a:xfrm>
+            <a:off x="637707" y="1761805"/>
+            <a:ext cx="4692878" cy="2304256"/>
+          </a:xfrm>
+          <a:prstGeom prst="roundRect">
+            <a:avLst>
+              <a:gd name="adj" fmla="val 6060"/>
+            </a:avLst>
+          </a:prstGeom>
+          <a:ln>
+            <a:prstDash val="dash"/>
+          </a:ln>
+        </p:spPr>
+        <p:style>
+          <a:lnRef idx="2">
+            <a:schemeClr val="dk1"/>
+          </a:lnRef>
+          <a:fillRef idx="1">
+            <a:schemeClr val="lt1"/>
+          </a:fillRef>
+          <a:effectRef idx="0">
+            <a:schemeClr val="dk1"/>
+          </a:effectRef>
+          <a:fontRef idx="minor">
+            <a:schemeClr val="dk1"/>
+          </a:fontRef>
+        </p:style>
+        <p:txBody>
+          <a:bodyPr rtlCol="0" anchor="b"/>
+          <a:lstStyle/>
+          <a:p>
+            <a:r>
+              <a:rPr lang="en-US" altLang="ko-KR" sz="1200"/>
+              <a:t>EKS Control Plane</a:t>
+            </a:r>
+          </a:p>
+        </p:txBody>
+      </p:sp>
+      <p:sp>
+        <p:nvSpPr>
           <p:cNvPr id="2" name="제목 1"/>
           <p:cNvSpPr>
             <a:spLocks noGrp="1"/>
@@ -3419,10 +3524,10 @@
       </p:sp>
       <p:sp>
         <p:nvSpPr>
-          <p:cNvPr id="3" name="사각형: 둥근 모서리 2">
-            <a:extLst>
-              <a:ext uri="{FF2B5EF4-FFF2-40B4-BE49-F238E27FC236}">
-                <a16:creationId xmlns:a16="http://schemas.microsoft.com/office/drawing/2014/main" id="{D3D7A814-FC3C-4572-A544-F1EC3D78E5EF}"/>
+          <p:cNvPr id="55" name="사각형: 둥근 모서리 54">
+            <a:extLst>
+              <a:ext uri="{FF2B5EF4-FFF2-40B4-BE49-F238E27FC236}">
+                <a16:creationId xmlns:a16="http://schemas.microsoft.com/office/drawing/2014/main" id="{91C3F0A6-A416-4A50-87EB-F8635EB440EB}"/>
               </a:ext>
             </a:extLst>
           </p:cNvPr>
@@ -3431,8 +3536,8 @@
         </p:nvSpPr>
         <p:spPr>
           <a:xfrm>
-            <a:off x="1190776" y="1150306"/>
-            <a:ext cx="3888432" cy="504056"/>
+            <a:off x="3240341" y="1851670"/>
+            <a:ext cx="2016224" cy="504056"/>
           </a:xfrm>
           <a:prstGeom prst="roundRect">
             <a:avLst/>
@@ -3458,27 +3563,38 @@
           <a:p>
             <a:pPr algn="ctr"/>
             <a:r>
-              <a:rPr lang="en-US" altLang="ko-KR" sz="1200"/>
-              <a:t>https://oidc.eks.&lt;region&gt;.amazonaws.com/id/&lt;id&gt;</a:t>
-            </a:r>
-            <a:endParaRPr lang="en-US" altLang="ko-KR" sz="1400"/>
-          </a:p>
-          <a:p>
-            <a:pPr algn="ctr"/>
-            <a:r>
-              <a:rPr lang="en-US" altLang="ko-KR" sz="1400" b="1"/>
-              <a:t>AWS EKS OIDC Identity Provider</a:t>
-            </a:r>
-            <a:endParaRPr lang="ko-KR" altLang="en-US" sz="1400" b="1"/>
-          </a:p>
-        </p:txBody>
-      </p:sp>
-      <p:sp>
-        <p:nvSpPr>
-          <p:cNvPr id="42" name="사각형: 둥근 모서리 41">
-            <a:extLst>
-              <a:ext uri="{FF2B5EF4-FFF2-40B4-BE49-F238E27FC236}">
-                <a16:creationId xmlns:a16="http://schemas.microsoft.com/office/drawing/2014/main" id="{0FDB96E6-2149-4CCF-BE68-82CB50955BBF}"/>
+              <a:rPr lang="en-US" altLang="ko-KR" sz="1200" b="1"/>
+              <a:t>P</a:t>
+            </a:r>
+            <a:r>
+              <a:rPr lang="ko-KR" altLang="en-US" sz="1200" b="1"/>
+              <a:t>od </a:t>
+            </a:r>
+            <a:r>
+              <a:rPr lang="en-US" altLang="ko-KR" sz="1200" b="1"/>
+              <a:t>I</a:t>
+            </a:r>
+            <a:r>
+              <a:rPr lang="ko-KR" altLang="en-US" sz="1200" b="1"/>
+              <a:t>dentity </a:t>
+            </a:r>
+            <a:r>
+              <a:rPr lang="en-US" altLang="ko-KR" sz="1200" b="1"/>
+              <a:t>W</a:t>
+            </a:r>
+            <a:r>
+              <a:rPr lang="ko-KR" altLang="en-US" sz="1200" b="1"/>
+              <a:t>ebhook</a:t>
+            </a:r>
+          </a:p>
+        </p:txBody>
+      </p:sp>
+      <p:sp>
+        <p:nvSpPr>
+          <p:cNvPr id="56" name="사각형: 둥근 모서리 55">
+            <a:extLst>
+              <a:ext uri="{FF2B5EF4-FFF2-40B4-BE49-F238E27FC236}">
+                <a16:creationId xmlns:a16="http://schemas.microsoft.com/office/drawing/2014/main" id="{E190258D-7580-4011-AA1D-0F2CC6C74000}"/>
               </a:ext>
             </a:extLst>
           </p:cNvPr>
@@ -3487,8 +3603,8 @@
         </p:nvSpPr>
         <p:spPr>
           <a:xfrm>
-            <a:off x="3425003" y="2329080"/>
-            <a:ext cx="2156282" cy="504056"/>
+            <a:off x="3240341" y="3201965"/>
+            <a:ext cx="2016224" cy="504056"/>
           </a:xfrm>
           <a:prstGeom prst="roundRect">
             <a:avLst/>
@@ -3514,38 +3630,25 @@
           <a:p>
             <a:pPr algn="ctr"/>
             <a:r>
-              <a:rPr lang="en-US" altLang="ko-KR" sz="1400" b="1"/>
-              <a:t>P</a:t>
-            </a:r>
-            <a:r>
-              <a:rPr lang="ko-KR" altLang="en-US" sz="1400" b="1"/>
-              <a:t>od </a:t>
-            </a:r>
-            <a:r>
-              <a:rPr lang="en-US" altLang="ko-KR" sz="1400" b="1"/>
-              <a:t>I</a:t>
-            </a:r>
-            <a:r>
-              <a:rPr lang="ko-KR" altLang="en-US" sz="1400" b="1"/>
-              <a:t>dentity </a:t>
-            </a:r>
-            <a:r>
-              <a:rPr lang="en-US" altLang="ko-KR" sz="1400" b="1"/>
-              <a:t>W</a:t>
-            </a:r>
-            <a:r>
-              <a:rPr lang="ko-KR" altLang="en-US" sz="1400" b="1"/>
-              <a:t>ebhook</a:t>
-            </a:r>
-          </a:p>
-        </p:txBody>
-      </p:sp>
-      <p:sp>
-        <p:nvSpPr>
-          <p:cNvPr id="43" name="사각형: 둥근 모서리 42">
-            <a:extLst>
-              <a:ext uri="{FF2B5EF4-FFF2-40B4-BE49-F238E27FC236}">
-                <a16:creationId xmlns:a16="http://schemas.microsoft.com/office/drawing/2014/main" id="{62CE5840-0427-4D9B-9819-4254E0314D78}"/>
+              <a:rPr lang="en-US" altLang="ko-KR" sz="1200"/>
+              <a:t>AWS EKS (k8s) </a:t>
+            </a:r>
+          </a:p>
+          <a:p>
+            <a:pPr algn="ctr"/>
+            <a:r>
+              <a:rPr lang="en-US" altLang="ko-KR" sz="1200"/>
+              <a:t>API Server</a:t>
+            </a:r>
+          </a:p>
+        </p:txBody>
+      </p:sp>
+      <p:sp>
+        <p:nvSpPr>
+          <p:cNvPr id="53" name="사각형: 둥근 모서리 52">
+            <a:extLst>
+              <a:ext uri="{FF2B5EF4-FFF2-40B4-BE49-F238E27FC236}">
+                <a16:creationId xmlns:a16="http://schemas.microsoft.com/office/drawing/2014/main" id="{4EDBFAC3-BC02-4D26-8CAD-5CE93FBBB003}"/>
               </a:ext>
             </a:extLst>
           </p:cNvPr>
@@ -3554,8 +3657,8 @@
         </p:nvSpPr>
         <p:spPr>
           <a:xfrm>
-            <a:off x="6162480" y="1140948"/>
-            <a:ext cx="2081928" cy="504056"/>
+            <a:off x="385191" y="771550"/>
+            <a:ext cx="3589247" cy="432048"/>
           </a:xfrm>
           <a:prstGeom prst="roundRect">
             <a:avLst/>
@@ -3581,19 +3684,27 @@
           <a:p>
             <a:pPr algn="ctr"/>
             <a:r>
-              <a:rPr lang="en-US" altLang="ko-KR" sz="1400"/>
-              <a:t>AWS Services</a:t>
-            </a:r>
-            <a:endParaRPr lang="ko-KR" altLang="en-US" sz="1400"/>
-          </a:p>
-        </p:txBody>
-      </p:sp>
-      <p:sp>
-        <p:nvSpPr>
-          <p:cNvPr id="44" name="사각형: 둥근 모서리 43">
-            <a:extLst>
-              <a:ext uri="{FF2B5EF4-FFF2-40B4-BE49-F238E27FC236}">
-                <a16:creationId xmlns:a16="http://schemas.microsoft.com/office/drawing/2014/main" id="{FF2FFECE-A2E7-4297-A450-217C6FD8E690}"/>
+              <a:rPr lang="en-US" altLang="ko-KR" sz="1100"/>
+              <a:t>https://oidc.eks.&lt;region&gt;.amazonaws.com/id/&lt;id&gt;</a:t>
+            </a:r>
+            <a:endParaRPr lang="en-US" altLang="ko-KR" sz="1200"/>
+          </a:p>
+          <a:p>
+            <a:pPr algn="ctr"/>
+            <a:r>
+              <a:rPr lang="en-US" altLang="ko-KR" sz="1200" b="1"/>
+              <a:t>AWS EKS OIDC Identity Provider</a:t>
+            </a:r>
+            <a:endParaRPr lang="ko-KR" altLang="en-US" sz="1200" b="1"/>
+          </a:p>
+        </p:txBody>
+      </p:sp>
+      <p:sp>
+        <p:nvSpPr>
+          <p:cNvPr id="57" name="사각형: 둥근 모서리 56">
+            <a:extLst>
+              <a:ext uri="{FF2B5EF4-FFF2-40B4-BE49-F238E27FC236}">
+                <a16:creationId xmlns:a16="http://schemas.microsoft.com/office/drawing/2014/main" id="{862DCA16-D022-40A8-A1CE-34C25881B2F3}"/>
               </a:ext>
             </a:extLst>
           </p:cNvPr>
@@ -3602,8 +3713,8 @@
         </p:nvSpPr>
         <p:spPr>
           <a:xfrm>
-            <a:off x="3425003" y="3507854"/>
-            <a:ext cx="2156282" cy="504056"/>
+            <a:off x="4439711" y="771550"/>
+            <a:ext cx="1921740" cy="432048"/>
           </a:xfrm>
           <a:prstGeom prst="roundRect">
             <a:avLst/>
@@ -3629,19 +3740,19 @@
           <a:p>
             <a:pPr algn="ctr"/>
             <a:r>
-              <a:rPr lang="en-US" altLang="ko-KR" sz="1400"/>
-              <a:t>Pod</a:t>
-            </a:r>
-            <a:endParaRPr lang="ko-KR" altLang="en-US" sz="1400"/>
-          </a:p>
-        </p:txBody>
-      </p:sp>
-      <p:sp>
-        <p:nvSpPr>
-          <p:cNvPr id="47" name="사각형: 둥근 모서리 46">
-            <a:extLst>
-              <a:ext uri="{FF2B5EF4-FFF2-40B4-BE49-F238E27FC236}">
-                <a16:creationId xmlns:a16="http://schemas.microsoft.com/office/drawing/2014/main" id="{F6E37BFC-C0A5-4F70-AEE2-5F9124151167}"/>
+              <a:rPr lang="en-US" altLang="ko-KR" sz="1200"/>
+              <a:t>AWS STS/IAM</a:t>
+            </a:r>
+            <a:endParaRPr lang="ko-KR" altLang="en-US" sz="1200"/>
+          </a:p>
+        </p:txBody>
+      </p:sp>
+      <p:sp>
+        <p:nvSpPr>
+          <p:cNvPr id="58" name="사각형: 둥근 모서리 57">
+            <a:extLst>
+              <a:ext uri="{FF2B5EF4-FFF2-40B4-BE49-F238E27FC236}">
+                <a16:creationId xmlns:a16="http://schemas.microsoft.com/office/drawing/2014/main" id="{CECC978C-4AD3-46B1-BDCF-28286E7F0027}"/>
               </a:ext>
             </a:extLst>
           </p:cNvPr>
@@ -3650,8 +3761,8 @@
         </p:nvSpPr>
         <p:spPr>
           <a:xfrm>
-            <a:off x="688699" y="2329080"/>
-            <a:ext cx="2156282" cy="504056"/>
+            <a:off x="6828461" y="774520"/>
+            <a:ext cx="1921740" cy="432048"/>
           </a:xfrm>
           <a:prstGeom prst="roundRect">
             <a:avLst/>
@@ -3677,25 +3788,19 @@
           <a:p>
             <a:pPr algn="ctr"/>
             <a:r>
-              <a:rPr lang="en-US" altLang="ko-KR" sz="1400"/>
-              <a:t>AWS EKS (k8s) </a:t>
-            </a:r>
-          </a:p>
-          <a:p>
-            <a:pPr algn="ctr"/>
-            <a:r>
-              <a:rPr lang="en-US" altLang="ko-KR" sz="1400"/>
-              <a:t>API Server</a:t>
-            </a:r>
-          </a:p>
-        </p:txBody>
-      </p:sp>
-      <p:sp>
-        <p:nvSpPr>
-          <p:cNvPr id="48" name="사각형: 둥근 모서리 47">
-            <a:extLst>
-              <a:ext uri="{FF2B5EF4-FFF2-40B4-BE49-F238E27FC236}">
-                <a16:creationId xmlns:a16="http://schemas.microsoft.com/office/drawing/2014/main" id="{1BFD2B29-0C97-432D-87B6-B068177FDD1A}"/>
+              <a:rPr lang="en-US" altLang="ko-KR" sz="1200"/>
+              <a:t>AWS Services</a:t>
+            </a:r>
+            <a:endParaRPr lang="ko-KR" altLang="en-US" sz="1200"/>
+          </a:p>
+        </p:txBody>
+      </p:sp>
+      <p:sp>
+        <p:nvSpPr>
+          <p:cNvPr id="62" name="사각형: 둥근 모서리 61">
+            <a:extLst>
+              <a:ext uri="{FF2B5EF4-FFF2-40B4-BE49-F238E27FC236}">
+                <a16:creationId xmlns:a16="http://schemas.microsoft.com/office/drawing/2014/main" id="{03FB28A7-3F69-45AB-B8CA-811FCC97195A}"/>
               </a:ext>
             </a:extLst>
           </p:cNvPr>
@@ -3704,11 +3809,13 @@
         </p:nvSpPr>
         <p:spPr>
           <a:xfrm>
-            <a:off x="6162480" y="2319722"/>
-            <a:ext cx="2081928" cy="504056"/>
+            <a:off x="709716" y="2339433"/>
+            <a:ext cx="2016224" cy="1008112"/>
           </a:xfrm>
           <a:prstGeom prst="roundRect">
-            <a:avLst/>
+            <a:avLst>
+              <a:gd name="adj" fmla="val 8474"/>
+            </a:avLst>
           </a:prstGeom>
         </p:spPr>
         <p:style>
@@ -3726,45 +3833,251 @@
           </a:fontRef>
         </p:style>
         <p:txBody>
+          <a:bodyPr rtlCol="0" anchor="b"/>
+          <a:lstStyle/>
+          <a:p>
+            <a:pPr algn="ctr"/>
+            <a:r>
+              <a:rPr lang="en-US" altLang="ko-KR" sz="1200"/>
+              <a:t>AWS EKS (k8s) </a:t>
+            </a:r>
+          </a:p>
+          <a:p>
+            <a:pPr algn="ctr"/>
+            <a:r>
+              <a:rPr lang="en-US" altLang="ko-KR" sz="1200"/>
+              <a:t>Controller manager</a:t>
+            </a:r>
+          </a:p>
+        </p:txBody>
+      </p:sp>
+      <p:sp>
+        <p:nvSpPr>
+          <p:cNvPr id="61" name="사각형: 둥근 모서리 60">
+            <a:extLst>
+              <a:ext uri="{FF2B5EF4-FFF2-40B4-BE49-F238E27FC236}">
+                <a16:creationId xmlns:a16="http://schemas.microsoft.com/office/drawing/2014/main" id="{B5CC1BC7-063B-478A-A7E8-980B11777761}"/>
+              </a:ext>
+            </a:extLst>
+          </p:cNvPr>
+          <p:cNvSpPr/>
+          <p:nvPr/>
+        </p:nvSpPr>
+        <p:spPr>
+          <a:xfrm>
+            <a:off x="781724" y="2411441"/>
+            <a:ext cx="1872208" cy="432048"/>
+          </a:xfrm>
+          <a:prstGeom prst="roundRect">
+            <a:avLst>
+              <a:gd name="adj" fmla="val 13936"/>
+            </a:avLst>
+          </a:prstGeom>
+        </p:spPr>
+        <p:style>
+          <a:lnRef idx="2">
+            <a:schemeClr val="dk1"/>
+          </a:lnRef>
+          <a:fillRef idx="1">
+            <a:schemeClr val="lt1"/>
+          </a:fillRef>
+          <a:effectRef idx="0">
+            <a:schemeClr val="dk1"/>
+          </a:effectRef>
+          <a:fontRef idx="minor">
+            <a:schemeClr val="dk1"/>
+          </a:fontRef>
+        </p:style>
+        <p:txBody>
           <a:bodyPr rtlCol="0" anchor="ctr"/>
           <a:lstStyle/>
           <a:p>
             <a:pPr algn="ctr"/>
             <a:r>
-              <a:rPr lang="en-US" altLang="ko-KR" sz="1400"/>
-              <a:t>AWS STS</a:t>
-            </a:r>
-            <a:endParaRPr lang="ko-KR" altLang="en-US" sz="1400"/>
+              <a:rPr lang="en-US" altLang="ko-KR" sz="1100" b="1"/>
+              <a:t>serviceaccount-token</a:t>
+            </a:r>
+          </a:p>
+          <a:p>
+            <a:pPr algn="ctr"/>
+            <a:r>
+              <a:rPr lang="en-US" altLang="ko-KR" sz="1100"/>
+              <a:t>Controller</a:t>
+            </a:r>
+            <a:endParaRPr lang="ko-KR" altLang="en-US" sz="1100"/>
+          </a:p>
+        </p:txBody>
+      </p:sp>
+      <p:sp>
+        <p:nvSpPr>
+          <p:cNvPr id="65" name="사각형: 둥근 모서리 64">
+            <a:extLst>
+              <a:ext uri="{FF2B5EF4-FFF2-40B4-BE49-F238E27FC236}">
+                <a16:creationId xmlns:a16="http://schemas.microsoft.com/office/drawing/2014/main" id="{AB9D8FB2-BE66-43E6-B2EC-A45837F7664C}"/>
+              </a:ext>
+            </a:extLst>
+          </p:cNvPr>
+          <p:cNvSpPr/>
+          <p:nvPr/>
+        </p:nvSpPr>
+        <p:spPr>
+          <a:xfrm>
+            <a:off x="6292986" y="3201965"/>
+            <a:ext cx="2016224" cy="504056"/>
+          </a:xfrm>
+          <a:prstGeom prst="roundRect">
+            <a:avLst/>
+          </a:prstGeom>
+        </p:spPr>
+        <p:style>
+          <a:lnRef idx="2">
+            <a:schemeClr val="dk1"/>
+          </a:lnRef>
+          <a:fillRef idx="1">
+            <a:schemeClr val="lt1"/>
+          </a:fillRef>
+          <a:effectRef idx="0">
+            <a:schemeClr val="dk1"/>
+          </a:effectRef>
+          <a:fontRef idx="minor">
+            <a:schemeClr val="dk1"/>
+          </a:fontRef>
+        </p:style>
+        <p:txBody>
+          <a:bodyPr rtlCol="0" anchor="ctr"/>
+          <a:lstStyle/>
+          <a:p>
+            <a:pPr algn="ctr"/>
+            <a:r>
+              <a:rPr lang="en-US" altLang="ko-KR" sz="1200"/>
+              <a:t>kubelet</a:t>
+            </a:r>
+            <a:endParaRPr lang="ko-KR" altLang="en-US" sz="1200"/>
+          </a:p>
+        </p:txBody>
+      </p:sp>
+      <p:sp>
+        <p:nvSpPr>
+          <p:cNvPr id="66" name="사각형: 둥근 모서리 65">
+            <a:extLst>
+              <a:ext uri="{FF2B5EF4-FFF2-40B4-BE49-F238E27FC236}">
+                <a16:creationId xmlns:a16="http://schemas.microsoft.com/office/drawing/2014/main" id="{F50A3FF7-B2FB-462F-8CAC-6232200B42EA}"/>
+              </a:ext>
+            </a:extLst>
+          </p:cNvPr>
+          <p:cNvSpPr/>
+          <p:nvPr/>
+        </p:nvSpPr>
+        <p:spPr>
+          <a:xfrm>
+            <a:off x="6292986" y="1835376"/>
+            <a:ext cx="2016224" cy="663963"/>
+          </a:xfrm>
+          <a:prstGeom prst="roundRect">
+            <a:avLst/>
+          </a:prstGeom>
+        </p:spPr>
+        <p:style>
+          <a:lnRef idx="2">
+            <a:schemeClr val="dk1"/>
+          </a:lnRef>
+          <a:fillRef idx="1">
+            <a:schemeClr val="lt1"/>
+          </a:fillRef>
+          <a:effectRef idx="0">
+            <a:schemeClr val="dk1"/>
+          </a:effectRef>
+          <a:fontRef idx="minor">
+            <a:schemeClr val="dk1"/>
+          </a:fontRef>
+        </p:style>
+        <p:txBody>
+          <a:bodyPr rtlCol="0" anchor="b"/>
+          <a:lstStyle/>
+          <a:p>
+            <a:pPr algn="ctr"/>
+            <a:r>
+              <a:rPr lang="en-US" altLang="ko-KR" sz="1200"/>
+              <a:t>Pod</a:t>
+            </a:r>
+            <a:endParaRPr lang="ko-KR" altLang="en-US" sz="1200"/>
+          </a:p>
+        </p:txBody>
+      </p:sp>
+      <p:sp>
+        <p:nvSpPr>
+          <p:cNvPr id="67" name="사각형: 둥근 모서리 66">
+            <a:extLst>
+              <a:ext uri="{FF2B5EF4-FFF2-40B4-BE49-F238E27FC236}">
+                <a16:creationId xmlns:a16="http://schemas.microsoft.com/office/drawing/2014/main" id="{A83626D8-9CC6-4F27-90EE-1ABB64DA476E}"/>
+              </a:ext>
+            </a:extLst>
+          </p:cNvPr>
+          <p:cNvSpPr/>
+          <p:nvPr/>
+        </p:nvSpPr>
+        <p:spPr>
+          <a:xfrm>
+            <a:off x="3240341" y="4371950"/>
+            <a:ext cx="2016224" cy="504056"/>
+          </a:xfrm>
+          <a:prstGeom prst="roundRect">
+            <a:avLst/>
+          </a:prstGeom>
+        </p:spPr>
+        <p:style>
+          <a:lnRef idx="2">
+            <a:schemeClr val="dk1"/>
+          </a:lnRef>
+          <a:fillRef idx="1">
+            <a:schemeClr val="lt1"/>
+          </a:fillRef>
+          <a:effectRef idx="0">
+            <a:schemeClr val="dk1"/>
+          </a:effectRef>
+          <a:fontRef idx="minor">
+            <a:schemeClr val="dk1"/>
+          </a:fontRef>
+        </p:style>
+        <p:txBody>
+          <a:bodyPr rtlCol="0" anchor="ctr"/>
+          <a:lstStyle/>
+          <a:p>
+            <a:pPr algn="ctr"/>
+            <a:r>
+              <a:rPr lang="en-US" altLang="ko-KR" sz="1200"/>
+              <a:t>kubectl (k8s Client)</a:t>
+            </a:r>
           </a:p>
         </p:txBody>
       </p:sp>
       <p:cxnSp>
         <p:nvCxnSpPr>
-          <p:cNvPr id="7" name="직선 화살표 연결선 6">
-            <a:extLst>
-              <a:ext uri="{FF2B5EF4-FFF2-40B4-BE49-F238E27FC236}">
-                <a16:creationId xmlns:a16="http://schemas.microsoft.com/office/drawing/2014/main" id="{89C6788B-84E5-4421-8886-4F82C6A1B227}"/>
+          <p:cNvPr id="70" name="직선 화살표 연결선 69">
+            <a:extLst>
+              <a:ext uri="{FF2B5EF4-FFF2-40B4-BE49-F238E27FC236}">
+                <a16:creationId xmlns:a16="http://schemas.microsoft.com/office/drawing/2014/main" id="{52F9E773-9FDA-4A2E-935B-D41B20C3B31F}"/>
               </a:ext>
             </a:extLst>
           </p:cNvPr>
           <p:cNvCxnSpPr>
             <a:cxnSpLocks/>
-            <a:stCxn id="47" idx="2"/>
-            <a:endCxn id="44" idx="1"/>
           </p:cNvCxnSpPr>
           <p:nvPr/>
         </p:nvCxnSpPr>
         <p:spPr>
-          <a:xfrm>
-            <a:off x="1766840" y="2833136"/>
-            <a:ext cx="1658163" cy="926746"/>
+          <a:xfrm flipV="1">
+            <a:off x="3699461" y="3706021"/>
+            <a:ext cx="0" cy="665929"/>
           </a:xfrm>
           <a:prstGeom prst="straightConnector1">
             <a:avLst/>
           </a:prstGeom>
           <a:ln w="19050">
             <a:solidFill>
-              <a:srgbClr val="C00000"/>
+              <a:schemeClr val="accent3">
+                <a:lumMod val="75000"/>
+              </a:schemeClr>
             </a:solidFill>
             <a:headEnd type="none" w="med" len="med"/>
             <a:tailEnd type="arrow" w="med" len="med"/>
@@ -3785,102 +4098,12 @@
           </a:fontRef>
         </p:style>
       </p:cxnSp>
-      <p:cxnSp>
-        <p:nvCxnSpPr>
-          <p:cNvPr id="51" name="직선 화살표 연결선 50">
-            <a:extLst>
-              <a:ext uri="{FF2B5EF4-FFF2-40B4-BE49-F238E27FC236}">
-                <a16:creationId xmlns:a16="http://schemas.microsoft.com/office/drawing/2014/main" id="{C5B48D1E-D833-4215-8230-080F9F3EE690}"/>
-              </a:ext>
-            </a:extLst>
-          </p:cNvPr>
-          <p:cNvCxnSpPr>
-            <a:cxnSpLocks/>
-          </p:cNvCxnSpPr>
-          <p:nvPr/>
-        </p:nvCxnSpPr>
-        <p:spPr>
-          <a:xfrm>
-            <a:off x="2844981" y="2499742"/>
-            <a:ext cx="580022" cy="0"/>
-          </a:xfrm>
-          <a:prstGeom prst="straightConnector1">
-            <a:avLst/>
-          </a:prstGeom>
-          <a:ln w="19050">
-            <a:solidFill>
-              <a:srgbClr val="C00000"/>
-            </a:solidFill>
-            <a:headEnd type="none" w="med" len="med"/>
-            <a:tailEnd type="arrow" w="med" len="med"/>
-          </a:ln>
-        </p:spPr>
-        <p:style>
-          <a:lnRef idx="1">
-            <a:schemeClr val="accent1"/>
-          </a:lnRef>
-          <a:fillRef idx="0">
-            <a:schemeClr val="accent1"/>
-          </a:fillRef>
-          <a:effectRef idx="0">
-            <a:schemeClr val="accent1"/>
-          </a:effectRef>
-          <a:fontRef idx="minor">
-            <a:schemeClr val="tx1"/>
-          </a:fontRef>
-        </p:style>
-      </p:cxnSp>
-      <p:cxnSp>
-        <p:nvCxnSpPr>
-          <p:cNvPr id="54" name="직선 화살표 연결선 53">
-            <a:extLst>
-              <a:ext uri="{FF2B5EF4-FFF2-40B4-BE49-F238E27FC236}">
-                <a16:creationId xmlns:a16="http://schemas.microsoft.com/office/drawing/2014/main" id="{79CC5ADD-8241-45FD-AC80-371CC10AF9D2}"/>
-              </a:ext>
-            </a:extLst>
-          </p:cNvPr>
-          <p:cNvCxnSpPr>
-            <a:cxnSpLocks/>
-          </p:cNvCxnSpPr>
-          <p:nvPr/>
-        </p:nvCxnSpPr>
-        <p:spPr>
-          <a:xfrm flipH="1" flipV="1">
-            <a:off x="2987824" y="1654362"/>
-            <a:ext cx="1368152" cy="674718"/>
-          </a:xfrm>
-          <a:prstGeom prst="straightConnector1">
-            <a:avLst/>
-          </a:prstGeom>
-          <a:ln w="19050">
-            <a:solidFill>
-              <a:srgbClr val="C00000"/>
-            </a:solidFill>
-            <a:headEnd type="none" w="med" len="med"/>
-            <a:tailEnd type="arrow" w="med" len="med"/>
-          </a:ln>
-        </p:spPr>
-        <p:style>
-          <a:lnRef idx="1">
-            <a:schemeClr val="accent1"/>
-          </a:lnRef>
-          <a:fillRef idx="0">
-            <a:schemeClr val="accent1"/>
-          </a:fillRef>
-          <a:effectRef idx="0">
-            <a:schemeClr val="accent1"/>
-          </a:effectRef>
-          <a:fontRef idx="minor">
-            <a:schemeClr val="tx1"/>
-          </a:fontRef>
-        </p:style>
-      </p:cxnSp>
-      <p:sp>
-        <p:nvSpPr>
-          <p:cNvPr id="59" name="사각형: 둥근 모서리 58">
-            <a:extLst>
-              <a:ext uri="{FF2B5EF4-FFF2-40B4-BE49-F238E27FC236}">
-                <a16:creationId xmlns:a16="http://schemas.microsoft.com/office/drawing/2014/main" id="{C6365AFE-66B5-433F-A1B8-99CDD034C192}"/>
+      <p:sp>
+        <p:nvSpPr>
+          <p:cNvPr id="71" name="타원 70">
+            <a:extLst>
+              <a:ext uri="{FF2B5EF4-FFF2-40B4-BE49-F238E27FC236}">
+                <a16:creationId xmlns:a16="http://schemas.microsoft.com/office/drawing/2014/main" id="{68A2EDAC-80FE-4FC7-B882-6072AB8D05A2}"/>
               </a:ext>
             </a:extLst>
           </p:cNvPr>
@@ -3889,191 +4112,7 @@
         </p:nvSpPr>
         <p:spPr>
           <a:xfrm>
-            <a:off x="688699" y="3507854"/>
-            <a:ext cx="2156282" cy="504056"/>
-          </a:xfrm>
-          <a:prstGeom prst="roundRect">
-            <a:avLst/>
-          </a:prstGeom>
-        </p:spPr>
-        <p:style>
-          <a:lnRef idx="2">
-            <a:schemeClr val="dk1"/>
-          </a:lnRef>
-          <a:fillRef idx="1">
-            <a:schemeClr val="lt1"/>
-          </a:fillRef>
-          <a:effectRef idx="0">
-            <a:schemeClr val="dk1"/>
-          </a:effectRef>
-          <a:fontRef idx="minor">
-            <a:schemeClr val="dk1"/>
-          </a:fontRef>
-        </p:style>
-        <p:txBody>
-          <a:bodyPr rtlCol="0" anchor="ctr"/>
-          <a:lstStyle/>
-          <a:p>
-            <a:pPr algn="ctr"/>
-            <a:r>
-              <a:rPr lang="en-US" altLang="ko-KR" sz="1400"/>
-              <a:t>kubectl (k8s Client)</a:t>
-            </a:r>
-          </a:p>
-        </p:txBody>
-      </p:sp>
-      <p:cxnSp>
-        <p:nvCxnSpPr>
-          <p:cNvPr id="60" name="직선 화살표 연결선 59">
-            <a:extLst>
-              <a:ext uri="{FF2B5EF4-FFF2-40B4-BE49-F238E27FC236}">
-                <a16:creationId xmlns:a16="http://schemas.microsoft.com/office/drawing/2014/main" id="{9A6148F8-B8C7-45A2-AB90-49DA6AD648D8}"/>
-              </a:ext>
-            </a:extLst>
-          </p:cNvPr>
-          <p:cNvCxnSpPr>
-            <a:cxnSpLocks/>
-            <a:stCxn id="59" idx="0"/>
-            <a:endCxn id="47" idx="2"/>
-          </p:cNvCxnSpPr>
-          <p:nvPr/>
-        </p:nvCxnSpPr>
-        <p:spPr>
-          <a:xfrm flipV="1">
-            <a:off x="1766840" y="2833136"/>
-            <a:ext cx="0" cy="674718"/>
-          </a:xfrm>
-          <a:prstGeom prst="straightConnector1">
-            <a:avLst/>
-          </a:prstGeom>
-          <a:ln w="19050">
-            <a:solidFill>
-              <a:srgbClr val="C00000"/>
-            </a:solidFill>
-            <a:headEnd type="none" w="med" len="med"/>
-            <a:tailEnd type="arrow" w="med" len="med"/>
-          </a:ln>
-        </p:spPr>
-        <p:style>
-          <a:lnRef idx="1">
-            <a:schemeClr val="accent1"/>
-          </a:lnRef>
-          <a:fillRef idx="0">
-            <a:schemeClr val="accent1"/>
-          </a:fillRef>
-          <a:effectRef idx="0">
-            <a:schemeClr val="accent1"/>
-          </a:effectRef>
-          <a:fontRef idx="minor">
-            <a:schemeClr val="tx1"/>
-          </a:fontRef>
-        </p:style>
-      </p:cxnSp>
-      <p:cxnSp>
-        <p:nvCxnSpPr>
-          <p:cNvPr id="78" name="직선 화살표 연결선 77">
-            <a:extLst>
-              <a:ext uri="{FF2B5EF4-FFF2-40B4-BE49-F238E27FC236}">
-                <a16:creationId xmlns:a16="http://schemas.microsoft.com/office/drawing/2014/main" id="{DA3050A3-35DB-462A-9C83-E244D633B56A}"/>
-              </a:ext>
-            </a:extLst>
-          </p:cNvPr>
-          <p:cNvCxnSpPr>
-            <a:cxnSpLocks/>
-          </p:cNvCxnSpPr>
-          <p:nvPr/>
-        </p:nvCxnSpPr>
-        <p:spPr>
-          <a:xfrm flipH="1" flipV="1">
-            <a:off x="3347864" y="1654362"/>
-            <a:ext cx="1368152" cy="674718"/>
-          </a:xfrm>
-          <a:prstGeom prst="straightConnector1">
-            <a:avLst/>
-          </a:prstGeom>
-          <a:ln w="19050">
-            <a:solidFill>
-              <a:srgbClr val="C00000"/>
-            </a:solidFill>
-            <a:headEnd type="arrow" w="med" len="med"/>
-            <a:tailEnd type="none" w="med" len="med"/>
-          </a:ln>
-        </p:spPr>
-        <p:style>
-          <a:lnRef idx="1">
-            <a:schemeClr val="accent1"/>
-          </a:lnRef>
-          <a:fillRef idx="0">
-            <a:schemeClr val="accent1"/>
-          </a:fillRef>
-          <a:effectRef idx="0">
-            <a:schemeClr val="accent1"/>
-          </a:effectRef>
-          <a:fontRef idx="minor">
-            <a:schemeClr val="tx1"/>
-          </a:fontRef>
-        </p:style>
-      </p:cxnSp>
-      <p:cxnSp>
-        <p:nvCxnSpPr>
-          <p:cNvPr id="80" name="직선 화살표 연결선 79">
-            <a:extLst>
-              <a:ext uri="{FF2B5EF4-FFF2-40B4-BE49-F238E27FC236}">
-                <a16:creationId xmlns:a16="http://schemas.microsoft.com/office/drawing/2014/main" id="{88BABD45-6362-4259-B96C-E401AF9CE238}"/>
-              </a:ext>
-            </a:extLst>
-          </p:cNvPr>
-          <p:cNvCxnSpPr>
-            <a:cxnSpLocks/>
-          </p:cNvCxnSpPr>
-          <p:nvPr/>
-        </p:nvCxnSpPr>
-        <p:spPr>
-          <a:xfrm>
-            <a:off x="2844981" y="2643758"/>
-            <a:ext cx="580022" cy="0"/>
-          </a:xfrm>
-          <a:prstGeom prst="straightConnector1">
-            <a:avLst/>
-          </a:prstGeom>
-          <a:ln w="19050">
-            <a:solidFill>
-              <a:srgbClr val="C00000"/>
-            </a:solidFill>
-            <a:headEnd type="arrow" w="med" len="med"/>
-            <a:tailEnd type="none" w="med" len="med"/>
-          </a:ln>
-        </p:spPr>
-        <p:style>
-          <a:lnRef idx="1">
-            <a:schemeClr val="accent1"/>
-          </a:lnRef>
-          <a:fillRef idx="0">
-            <a:schemeClr val="accent1"/>
-          </a:fillRef>
-          <a:effectRef idx="0">
-            <a:schemeClr val="accent1"/>
-          </a:effectRef>
-          <a:fontRef idx="minor">
-            <a:schemeClr val="tx1"/>
-          </a:fontRef>
-        </p:style>
-      </p:cxnSp>
-      <p:sp>
-        <p:nvSpPr>
-          <p:cNvPr id="38" name="타원 37">
-            <a:extLst>
-              <a:ext uri="{FF2B5EF4-FFF2-40B4-BE49-F238E27FC236}">
-                <a16:creationId xmlns:a16="http://schemas.microsoft.com/office/drawing/2014/main" id="{85E1D308-4AF2-4701-B3FC-D5E616A0DF27}"/>
-              </a:ext>
-            </a:extLst>
-          </p:cNvPr>
-          <p:cNvSpPr/>
-          <p:nvPr/>
-        </p:nvSpPr>
-        <p:spPr>
-          <a:xfrm>
-            <a:off x="1662792" y="3403807"/>
+            <a:off x="3595414" y="4270416"/>
             <a:ext cx="208094" cy="208094"/>
           </a:xfrm>
           <a:prstGeom prst="ellipse">
@@ -4081,7 +4120,9 @@
           </a:prstGeom>
           <a:ln>
             <a:solidFill>
-              <a:srgbClr val="C00000"/>
+              <a:schemeClr val="accent3">
+                <a:lumMod val="75000"/>
+              </a:schemeClr>
             </a:solidFill>
           </a:ln>
         </p:spPr>
@@ -4114,10 +4155,145 @@
       </p:sp>
       <p:sp>
         <p:nvSpPr>
-          <p:cNvPr id="86" name="타원 85">
-            <a:extLst>
-              <a:ext uri="{FF2B5EF4-FFF2-40B4-BE49-F238E27FC236}">
-                <a16:creationId xmlns:a16="http://schemas.microsoft.com/office/drawing/2014/main" id="{9479DF86-D158-446E-BD2F-A9522C1AFFA8}"/>
+          <p:cNvPr id="72" name="TextBox 71">
+            <a:extLst>
+              <a:ext uri="{FF2B5EF4-FFF2-40B4-BE49-F238E27FC236}">
+                <a16:creationId xmlns:a16="http://schemas.microsoft.com/office/drawing/2014/main" id="{25EBABF8-0598-4006-A530-A0478A4786DA}"/>
+              </a:ext>
+            </a:extLst>
+          </p:cNvPr>
+          <p:cNvSpPr txBox="1"/>
+          <p:nvPr/>
+        </p:nvSpPr>
+        <p:spPr>
+          <a:xfrm>
+            <a:off x="3024846" y="3700282"/>
+            <a:ext cx="660758" cy="707886"/>
+          </a:xfrm>
+          <a:prstGeom prst="rect">
+            <a:avLst/>
+          </a:prstGeom>
+          <a:noFill/>
+        </p:spPr>
+        <p:txBody>
+          <a:bodyPr wrap="none" rtlCol="0" anchor="ctr">
+            <a:spAutoFit/>
+          </a:bodyPr>
+          <a:lstStyle/>
+          <a:p>
+            <a:pPr algn="ctr"/>
+            <a:r>
+              <a:rPr lang="en-US" altLang="ko-KR" sz="1000">
+                <a:solidFill>
+                  <a:schemeClr val="accent3">
+                    <a:lumMod val="75000"/>
+                  </a:schemeClr>
+                </a:solidFill>
+              </a:rPr>
+              <a:t>Request</a:t>
+            </a:r>
+          </a:p>
+          <a:p>
+            <a:pPr algn="ctr"/>
+            <a:r>
+              <a:rPr lang="en-US" altLang="ko-KR" sz="1000">
+                <a:solidFill>
+                  <a:schemeClr val="accent3">
+                    <a:lumMod val="75000"/>
+                  </a:schemeClr>
+                </a:solidFill>
+              </a:rPr>
+              <a:t>Create</a:t>
+            </a:r>
+          </a:p>
+          <a:p>
+            <a:pPr algn="ctr"/>
+            <a:r>
+              <a:rPr lang="en-US" altLang="ko-KR" sz="1000">
+                <a:solidFill>
+                  <a:schemeClr val="accent3">
+                    <a:lumMod val="75000"/>
+                  </a:schemeClr>
+                </a:solidFill>
+              </a:rPr>
+              <a:t>Service</a:t>
+            </a:r>
+          </a:p>
+          <a:p>
+            <a:pPr algn="ctr"/>
+            <a:r>
+              <a:rPr lang="en-US" altLang="ko-KR" sz="1000">
+                <a:solidFill>
+                  <a:schemeClr val="accent3">
+                    <a:lumMod val="75000"/>
+                  </a:schemeClr>
+                </a:solidFill>
+              </a:rPr>
+              <a:t>Account</a:t>
+            </a:r>
+            <a:endParaRPr lang="ko-KR" altLang="en-US" sz="1000">
+              <a:solidFill>
+                <a:schemeClr val="accent3">
+                  <a:lumMod val="75000"/>
+                </a:schemeClr>
+              </a:solidFill>
+            </a:endParaRPr>
+          </a:p>
+        </p:txBody>
+      </p:sp>
+      <p:cxnSp>
+        <p:nvCxnSpPr>
+          <p:cNvPr id="74" name="직선 화살표 연결선 73">
+            <a:extLst>
+              <a:ext uri="{FF2B5EF4-FFF2-40B4-BE49-F238E27FC236}">
+                <a16:creationId xmlns:a16="http://schemas.microsoft.com/office/drawing/2014/main" id="{9183BF93-4CEC-4DA2-A605-7585B84E58BB}"/>
+              </a:ext>
+            </a:extLst>
+          </p:cNvPr>
+          <p:cNvCxnSpPr>
+            <a:cxnSpLocks/>
+            <a:stCxn id="67" idx="0"/>
+            <a:endCxn id="56" idx="2"/>
+          </p:cNvCxnSpPr>
+          <p:nvPr/>
+        </p:nvCxnSpPr>
+        <p:spPr>
+          <a:xfrm flipV="1">
+            <a:off x="4248453" y="3706021"/>
+            <a:ext cx="0" cy="665929"/>
+          </a:xfrm>
+          <a:prstGeom prst="straightConnector1">
+            <a:avLst/>
+          </a:prstGeom>
+          <a:ln w="19050">
+            <a:solidFill>
+              <a:srgbClr val="C00000"/>
+            </a:solidFill>
+            <a:headEnd type="none" w="med" len="med"/>
+            <a:tailEnd type="arrow" w="med" len="med"/>
+          </a:ln>
+        </p:spPr>
+        <p:style>
+          <a:lnRef idx="1">
+            <a:schemeClr val="accent1"/>
+          </a:lnRef>
+          <a:fillRef idx="0">
+            <a:schemeClr val="accent1"/>
+          </a:fillRef>
+          <a:effectRef idx="0">
+            <a:schemeClr val="accent1"/>
+          </a:effectRef>
+          <a:fontRef idx="minor">
+            <a:schemeClr val="tx1"/>
+          </a:fontRef>
+        </p:style>
+      </p:cxnSp>
+      <p:sp>
+        <p:nvSpPr>
+          <p:cNvPr id="75" name="타원 74">
+            <a:extLst>
+              <a:ext uri="{FF2B5EF4-FFF2-40B4-BE49-F238E27FC236}">
+                <a16:creationId xmlns:a16="http://schemas.microsoft.com/office/drawing/2014/main" id="{06A92FA1-1196-457E-9296-D1706CAE4055}"/>
               </a:ext>
             </a:extLst>
           </p:cNvPr>
@@ -4126,7 +4302,7 @@
         </p:nvSpPr>
         <p:spPr>
           <a:xfrm>
-            <a:off x="1966157" y="2792681"/>
+            <a:off x="4150305" y="4265390"/>
             <a:ext cx="208094" cy="208094"/>
           </a:xfrm>
           <a:prstGeom prst="ellipse">
@@ -4159,18 +4335,108 @@
             <a:pPr algn="ctr"/>
             <a:r>
               <a:rPr lang="en-US" altLang="ko-KR" sz="1100"/>
-              <a:t>6</a:t>
+              <a:t>1</a:t>
             </a:r>
             <a:endParaRPr lang="ko-KR" altLang="en-US" sz="1100"/>
           </a:p>
         </p:txBody>
       </p:sp>
-      <p:sp>
-        <p:nvSpPr>
-          <p:cNvPr id="87" name="타원 86">
-            <a:extLst>
-              <a:ext uri="{FF2B5EF4-FFF2-40B4-BE49-F238E27FC236}">
-                <a16:creationId xmlns:a16="http://schemas.microsoft.com/office/drawing/2014/main" id="{122A7FEC-ED1B-4FE8-819D-04B025A9E604}"/>
+      <p:cxnSp>
+        <p:nvCxnSpPr>
+          <p:cNvPr id="76" name="직선 화살표 연결선 75">
+            <a:extLst>
+              <a:ext uri="{FF2B5EF4-FFF2-40B4-BE49-F238E27FC236}">
+                <a16:creationId xmlns:a16="http://schemas.microsoft.com/office/drawing/2014/main" id="{617AE5FA-E004-43B4-8C84-92E925ED1CC5}"/>
+              </a:ext>
+            </a:extLst>
+          </p:cNvPr>
+          <p:cNvCxnSpPr>
+            <a:cxnSpLocks/>
+          </p:cNvCxnSpPr>
+          <p:nvPr/>
+        </p:nvCxnSpPr>
+        <p:spPr>
+          <a:xfrm flipV="1">
+            <a:off x="4427984" y="2355726"/>
+            <a:ext cx="0" cy="846239"/>
+          </a:xfrm>
+          <a:prstGeom prst="straightConnector1">
+            <a:avLst/>
+          </a:prstGeom>
+          <a:ln w="19050">
+            <a:solidFill>
+              <a:srgbClr val="C00000"/>
+            </a:solidFill>
+            <a:headEnd type="arrow" w="med" len="med"/>
+            <a:tailEnd type="none" w="med" len="med"/>
+          </a:ln>
+        </p:spPr>
+        <p:style>
+          <a:lnRef idx="1">
+            <a:schemeClr val="accent1"/>
+          </a:lnRef>
+          <a:fillRef idx="0">
+            <a:schemeClr val="accent1"/>
+          </a:fillRef>
+          <a:effectRef idx="0">
+            <a:schemeClr val="accent1"/>
+          </a:effectRef>
+          <a:fontRef idx="minor">
+            <a:schemeClr val="tx1"/>
+          </a:fontRef>
+        </p:style>
+      </p:cxnSp>
+      <p:cxnSp>
+        <p:nvCxnSpPr>
+          <p:cNvPr id="77" name="직선 화살표 연결선 76">
+            <a:extLst>
+              <a:ext uri="{FF2B5EF4-FFF2-40B4-BE49-F238E27FC236}">
+                <a16:creationId xmlns:a16="http://schemas.microsoft.com/office/drawing/2014/main" id="{A0AA02E3-CA5C-4FB3-AA81-41118C0D1DE2}"/>
+              </a:ext>
+            </a:extLst>
+          </p:cNvPr>
+          <p:cNvCxnSpPr>
+            <a:cxnSpLocks/>
+          </p:cNvCxnSpPr>
+          <p:nvPr/>
+        </p:nvCxnSpPr>
+        <p:spPr>
+          <a:xfrm flipV="1">
+            <a:off x="4067944" y="2355726"/>
+            <a:ext cx="0" cy="846239"/>
+          </a:xfrm>
+          <a:prstGeom prst="straightConnector1">
+            <a:avLst/>
+          </a:prstGeom>
+          <a:ln w="19050">
+            <a:solidFill>
+              <a:srgbClr val="C00000"/>
+            </a:solidFill>
+            <a:headEnd type="none" w="med" len="med"/>
+            <a:tailEnd type="arrow" w="med" len="med"/>
+          </a:ln>
+        </p:spPr>
+        <p:style>
+          <a:lnRef idx="1">
+            <a:schemeClr val="accent1"/>
+          </a:lnRef>
+          <a:fillRef idx="0">
+            <a:schemeClr val="accent1"/>
+          </a:fillRef>
+          <a:effectRef idx="0">
+            <a:schemeClr val="accent1"/>
+          </a:effectRef>
+          <a:fontRef idx="minor">
+            <a:schemeClr val="tx1"/>
+          </a:fontRef>
+        </p:style>
+      </p:cxnSp>
+      <p:sp>
+        <p:nvSpPr>
+          <p:cNvPr id="79" name="타원 78">
+            <a:extLst>
+              <a:ext uri="{FF2B5EF4-FFF2-40B4-BE49-F238E27FC236}">
+                <a16:creationId xmlns:a16="http://schemas.microsoft.com/office/drawing/2014/main" id="{88FC27C3-6EE6-416B-BD87-BDEEA7A3E681}"/>
               </a:ext>
             </a:extLst>
           </p:cNvPr>
@@ -4179,7 +4445,7 @@
         </p:nvSpPr>
         <p:spPr>
           <a:xfrm>
-            <a:off x="2707755" y="2395695"/>
+            <a:off x="3958175" y="3093536"/>
             <a:ext cx="208094" cy="208094"/>
           </a:xfrm>
           <a:prstGeom prst="ellipse">
@@ -4220,10 +4486,10 @@
       </p:sp>
       <p:sp>
         <p:nvSpPr>
-          <p:cNvPr id="88" name="타원 87">
-            <a:extLst>
-              <a:ext uri="{FF2B5EF4-FFF2-40B4-BE49-F238E27FC236}">
-                <a16:creationId xmlns:a16="http://schemas.microsoft.com/office/drawing/2014/main" id="{97C435A4-D442-4CBD-B4BD-23AF6147074E}"/>
+          <p:cNvPr id="81" name="타원 80">
+            <a:extLst>
+              <a:ext uri="{FF2B5EF4-FFF2-40B4-BE49-F238E27FC236}">
+                <a16:creationId xmlns:a16="http://schemas.microsoft.com/office/drawing/2014/main" id="{B1ED6542-60DA-4954-81AF-AFFF6FC12401}"/>
               </a:ext>
             </a:extLst>
           </p:cNvPr>
@@ -4232,7 +4498,7 @@
         </p:nvSpPr>
         <p:spPr>
           <a:xfrm>
-            <a:off x="3320956" y="2541789"/>
+            <a:off x="4323937" y="2247297"/>
             <a:ext cx="208094" cy="208094"/>
           </a:xfrm>
           <a:prstGeom prst="ellipse">
@@ -4265,7 +4531,7 @@
             <a:pPr algn="ctr"/>
             <a:r>
               <a:rPr lang="en-US" altLang="ko-KR" sz="1100"/>
-              <a:t>5</a:t>
+              <a:t>3</a:t>
             </a:r>
             <a:endParaRPr lang="ko-KR" altLang="en-US" sz="1100"/>
           </a:p>
@@ -4273,10 +4539,189 @@
       </p:sp>
       <p:sp>
         <p:nvSpPr>
-          <p:cNvPr id="89" name="타원 88">
-            <a:extLst>
-              <a:ext uri="{FF2B5EF4-FFF2-40B4-BE49-F238E27FC236}">
-                <a16:creationId xmlns:a16="http://schemas.microsoft.com/office/drawing/2014/main" id="{32D1DC52-7430-4118-A747-D0BFB655962C}"/>
+          <p:cNvPr id="82" name="TextBox 81">
+            <a:extLst>
+              <a:ext uri="{FF2B5EF4-FFF2-40B4-BE49-F238E27FC236}">
+                <a16:creationId xmlns:a16="http://schemas.microsoft.com/office/drawing/2014/main" id="{B98B92B5-2833-41D8-8B04-ED673EEB9865}"/>
+              </a:ext>
+            </a:extLst>
+          </p:cNvPr>
+          <p:cNvSpPr txBox="1"/>
+          <p:nvPr/>
+        </p:nvSpPr>
+        <p:spPr>
+          <a:xfrm>
+            <a:off x="3455768" y="2462286"/>
+            <a:ext cx="652743" cy="553998"/>
+          </a:xfrm>
+          <a:prstGeom prst="rect">
+            <a:avLst/>
+          </a:prstGeom>
+          <a:noFill/>
+        </p:spPr>
+        <p:txBody>
+          <a:bodyPr wrap="none" rtlCol="0" anchor="ctr">
+            <a:spAutoFit/>
+          </a:bodyPr>
+          <a:lstStyle/>
+          <a:p>
+            <a:pPr algn="ctr"/>
+            <a:r>
+              <a:rPr lang="en-US" altLang="ko-KR" sz="1000">
+                <a:solidFill>
+                  <a:srgbClr val="C00000"/>
+                </a:solidFill>
+              </a:rPr>
+              <a:t>Request</a:t>
+            </a:r>
+          </a:p>
+          <a:p>
+            <a:pPr algn="ctr"/>
+            <a:r>
+              <a:rPr lang="en-US" altLang="ko-KR" sz="1000">
+                <a:solidFill>
+                  <a:srgbClr val="C00000"/>
+                </a:solidFill>
+              </a:rPr>
+              <a:t>Create</a:t>
+            </a:r>
+          </a:p>
+          <a:p>
+            <a:pPr algn="ctr"/>
+            <a:r>
+              <a:rPr lang="en-US" altLang="ko-KR" sz="1000">
+                <a:solidFill>
+                  <a:srgbClr val="C00000"/>
+                </a:solidFill>
+              </a:rPr>
+              <a:t>Pod</a:t>
+            </a:r>
+            <a:endParaRPr lang="ko-KR" altLang="en-US" sz="1000">
+              <a:solidFill>
+                <a:srgbClr val="C00000"/>
+              </a:solidFill>
+            </a:endParaRPr>
+          </a:p>
+        </p:txBody>
+      </p:sp>
+      <p:sp>
+        <p:nvSpPr>
+          <p:cNvPr id="83" name="TextBox 82">
+            <a:extLst>
+              <a:ext uri="{FF2B5EF4-FFF2-40B4-BE49-F238E27FC236}">
+                <a16:creationId xmlns:a16="http://schemas.microsoft.com/office/drawing/2014/main" id="{D045A945-FF71-4C47-8F7D-14AF5770C08B}"/>
+              </a:ext>
+            </a:extLst>
+          </p:cNvPr>
+          <p:cNvSpPr txBox="1"/>
+          <p:nvPr/>
+        </p:nvSpPr>
+        <p:spPr>
+          <a:xfrm>
+            <a:off x="4386671" y="2501846"/>
+            <a:ext cx="950902" cy="553998"/>
+          </a:xfrm>
+          <a:prstGeom prst="rect">
+            <a:avLst/>
+          </a:prstGeom>
+          <a:noFill/>
+        </p:spPr>
+        <p:txBody>
+          <a:bodyPr wrap="none" rtlCol="0" anchor="ctr">
+            <a:spAutoFit/>
+          </a:bodyPr>
+          <a:lstStyle/>
+          <a:p>
+            <a:pPr algn="ctr"/>
+            <a:r>
+              <a:rPr lang="en-US" altLang="ko-KR" sz="1000">
+                <a:solidFill>
+                  <a:srgbClr val="C00000"/>
+                </a:solidFill>
+              </a:rPr>
+              <a:t>Request</a:t>
+            </a:r>
+          </a:p>
+          <a:p>
+            <a:pPr algn="ctr"/>
+            <a:r>
+              <a:rPr lang="en-US" altLang="ko-KR" sz="1000">
+                <a:solidFill>
+                  <a:srgbClr val="C00000"/>
+                </a:solidFill>
+              </a:rPr>
+              <a:t>Create</a:t>
+            </a:r>
+          </a:p>
+          <a:p>
+            <a:pPr algn="ctr"/>
+            <a:r>
+              <a:rPr lang="en-US" altLang="ko-KR" sz="1000">
+                <a:solidFill>
+                  <a:srgbClr val="C00000"/>
+                </a:solidFill>
+              </a:rPr>
+              <a:t>Mutated Pod</a:t>
+            </a:r>
+            <a:endParaRPr lang="ko-KR" altLang="en-US" sz="1000">
+              <a:solidFill>
+                <a:srgbClr val="C00000"/>
+              </a:solidFill>
+            </a:endParaRPr>
+          </a:p>
+        </p:txBody>
+      </p:sp>
+      <p:cxnSp>
+        <p:nvCxnSpPr>
+          <p:cNvPr id="84" name="직선 화살표 연결선 83">
+            <a:extLst>
+              <a:ext uri="{FF2B5EF4-FFF2-40B4-BE49-F238E27FC236}">
+                <a16:creationId xmlns:a16="http://schemas.microsoft.com/office/drawing/2014/main" id="{28EAF5A8-C60E-40F7-94C8-8F58DAD6DF0D}"/>
+              </a:ext>
+            </a:extLst>
+          </p:cNvPr>
+          <p:cNvCxnSpPr>
+            <a:cxnSpLocks/>
+          </p:cNvCxnSpPr>
+          <p:nvPr/>
+        </p:nvCxnSpPr>
+        <p:spPr>
+          <a:xfrm flipH="1">
+            <a:off x="5256567" y="3254335"/>
+            <a:ext cx="1036419" cy="0"/>
+          </a:xfrm>
+          <a:prstGeom prst="straightConnector1">
+            <a:avLst/>
+          </a:prstGeom>
+          <a:ln w="19050">
+            <a:solidFill>
+              <a:srgbClr val="C00000"/>
+            </a:solidFill>
+            <a:headEnd type="arrow" w="med" len="med"/>
+            <a:tailEnd type="none" w="med" len="med"/>
+          </a:ln>
+        </p:spPr>
+        <p:style>
+          <a:lnRef idx="1">
+            <a:schemeClr val="accent1"/>
+          </a:lnRef>
+          <a:fillRef idx="0">
+            <a:schemeClr val="accent1"/>
+          </a:fillRef>
+          <a:effectRef idx="0">
+            <a:schemeClr val="accent1"/>
+          </a:effectRef>
+          <a:fontRef idx="minor">
+            <a:schemeClr val="tx1"/>
+          </a:fontRef>
+        </p:style>
+      </p:cxnSp>
+      <p:sp>
+        <p:nvSpPr>
+          <p:cNvPr id="93" name="타원 92">
+            <a:extLst>
+              <a:ext uri="{FF2B5EF4-FFF2-40B4-BE49-F238E27FC236}">
+                <a16:creationId xmlns:a16="http://schemas.microsoft.com/office/drawing/2014/main" id="{FF2E83FC-E21A-4B8E-ACB2-8C2262D7A51C}"/>
               </a:ext>
             </a:extLst>
           </p:cNvPr>
@@ -4285,7 +4730,7 @@
         </p:nvSpPr>
         <p:spPr>
           <a:xfrm>
-            <a:off x="4219890" y="2211710"/>
+            <a:off x="5137502" y="3155744"/>
             <a:ext cx="208094" cy="208094"/>
           </a:xfrm>
           <a:prstGeom prst="ellipse">
@@ -4318,18 +4763,157 @@
             <a:pPr algn="ctr"/>
             <a:r>
               <a:rPr lang="en-US" altLang="ko-KR" sz="1100"/>
-              <a:t>3</a:t>
+              <a:t>4</a:t>
             </a:r>
             <a:endParaRPr lang="ko-KR" altLang="en-US" sz="1100"/>
           </a:p>
         </p:txBody>
       </p:sp>
-      <p:sp>
-        <p:nvSpPr>
-          <p:cNvPr id="90" name="타원 89">
-            <a:extLst>
-              <a:ext uri="{FF2B5EF4-FFF2-40B4-BE49-F238E27FC236}">
-                <a16:creationId xmlns:a16="http://schemas.microsoft.com/office/drawing/2014/main" id="{6576F18F-E536-46CA-997E-87904C76316A}"/>
+      <p:cxnSp>
+        <p:nvCxnSpPr>
+          <p:cNvPr id="95" name="직선 화살표 연결선 94">
+            <a:extLst>
+              <a:ext uri="{FF2B5EF4-FFF2-40B4-BE49-F238E27FC236}">
+                <a16:creationId xmlns:a16="http://schemas.microsoft.com/office/drawing/2014/main" id="{E68AA666-0964-483D-8949-4F48C39CAF63}"/>
+              </a:ext>
+            </a:extLst>
+          </p:cNvPr>
+          <p:cNvCxnSpPr>
+            <a:cxnSpLocks/>
+            <a:stCxn id="66" idx="2"/>
+            <a:endCxn id="65" idx="0"/>
+          </p:cNvCxnSpPr>
+          <p:nvPr/>
+        </p:nvCxnSpPr>
+        <p:spPr>
+          <a:xfrm>
+            <a:off x="7301098" y="2499339"/>
+            <a:ext cx="0" cy="702626"/>
+          </a:xfrm>
+          <a:prstGeom prst="straightConnector1">
+            <a:avLst/>
+          </a:prstGeom>
+          <a:ln w="19050">
+            <a:solidFill>
+              <a:srgbClr val="C00000"/>
+            </a:solidFill>
+            <a:headEnd type="arrow" w="med" len="med"/>
+            <a:tailEnd type="none" w="med" len="med"/>
+          </a:ln>
+        </p:spPr>
+        <p:style>
+          <a:lnRef idx="1">
+            <a:schemeClr val="accent1"/>
+          </a:lnRef>
+          <a:fillRef idx="0">
+            <a:schemeClr val="accent1"/>
+          </a:fillRef>
+          <a:effectRef idx="0">
+            <a:schemeClr val="accent1"/>
+          </a:effectRef>
+          <a:fontRef idx="minor">
+            <a:schemeClr val="tx1"/>
+          </a:fontRef>
+        </p:style>
+      </p:cxnSp>
+      <p:cxnSp>
+        <p:nvCxnSpPr>
+          <p:cNvPr id="96" name="직선 화살표 연결선 95">
+            <a:extLst>
+              <a:ext uri="{FF2B5EF4-FFF2-40B4-BE49-F238E27FC236}">
+                <a16:creationId xmlns:a16="http://schemas.microsoft.com/office/drawing/2014/main" id="{3DFA7201-E3B5-49D1-B65F-1ABC5EFDFCA6}"/>
+              </a:ext>
+            </a:extLst>
+          </p:cNvPr>
+          <p:cNvCxnSpPr>
+            <a:cxnSpLocks/>
+          </p:cNvCxnSpPr>
+          <p:nvPr/>
+        </p:nvCxnSpPr>
+        <p:spPr>
+          <a:xfrm flipH="1" flipV="1">
+            <a:off x="5004048" y="1203598"/>
+            <a:ext cx="2044533" cy="631778"/>
+          </a:xfrm>
+          <a:prstGeom prst="straightConnector1">
+            <a:avLst/>
+          </a:prstGeom>
+          <a:ln w="19050">
+            <a:solidFill>
+              <a:schemeClr val="tx2"/>
+            </a:solidFill>
+            <a:headEnd type="none" w="med" len="med"/>
+            <a:tailEnd type="arrow" w="med" len="med"/>
+          </a:ln>
+        </p:spPr>
+        <p:style>
+          <a:lnRef idx="1">
+            <a:schemeClr val="accent1"/>
+          </a:lnRef>
+          <a:fillRef idx="0">
+            <a:schemeClr val="accent1"/>
+          </a:fillRef>
+          <a:effectRef idx="0">
+            <a:schemeClr val="accent1"/>
+          </a:effectRef>
+          <a:fontRef idx="minor">
+            <a:schemeClr val="tx1"/>
+          </a:fontRef>
+        </p:style>
+      </p:cxnSp>
+      <p:cxnSp>
+        <p:nvCxnSpPr>
+          <p:cNvPr id="98" name="직선 화살표 연결선 97">
+            <a:extLst>
+              <a:ext uri="{FF2B5EF4-FFF2-40B4-BE49-F238E27FC236}">
+                <a16:creationId xmlns:a16="http://schemas.microsoft.com/office/drawing/2014/main" id="{8C531752-C3E2-4741-8EB6-DCC5E0042A5F}"/>
+              </a:ext>
+            </a:extLst>
+          </p:cNvPr>
+          <p:cNvCxnSpPr>
+            <a:cxnSpLocks/>
+            <a:stCxn id="57" idx="2"/>
+            <a:endCxn id="66" idx="0"/>
+          </p:cNvCxnSpPr>
+          <p:nvPr/>
+        </p:nvCxnSpPr>
+        <p:spPr>
+          <a:xfrm>
+            <a:off x="5400581" y="1203598"/>
+            <a:ext cx="1900517" cy="631778"/>
+          </a:xfrm>
+          <a:prstGeom prst="straightConnector1">
+            <a:avLst/>
+          </a:prstGeom>
+          <a:ln w="19050">
+            <a:solidFill>
+              <a:schemeClr val="tx2"/>
+            </a:solidFill>
+            <a:headEnd type="none" w="med" len="med"/>
+            <a:tailEnd type="arrow" w="med" len="med"/>
+          </a:ln>
+        </p:spPr>
+        <p:style>
+          <a:lnRef idx="1">
+            <a:schemeClr val="accent1"/>
+          </a:lnRef>
+          <a:fillRef idx="0">
+            <a:schemeClr val="accent1"/>
+          </a:fillRef>
+          <a:effectRef idx="0">
+            <a:schemeClr val="accent1"/>
+          </a:effectRef>
+          <a:fontRef idx="minor">
+            <a:schemeClr val="tx1"/>
+          </a:fontRef>
+        </p:style>
+      </p:cxnSp>
+      <p:sp>
+        <p:nvSpPr>
+          <p:cNvPr id="100" name="타원 99">
+            <a:extLst>
+              <a:ext uri="{FF2B5EF4-FFF2-40B4-BE49-F238E27FC236}">
+                <a16:creationId xmlns:a16="http://schemas.microsoft.com/office/drawing/2014/main" id="{F4E99537-40FF-4B90-BB3D-A60A963AD5C0}"/>
               </a:ext>
             </a:extLst>
           </p:cNvPr>
@@ -4338,7 +4922,7 @@
         </p:nvSpPr>
         <p:spPr>
           <a:xfrm>
-            <a:off x="3243817" y="1564933"/>
+            <a:off x="5323896" y="1090762"/>
             <a:ext cx="208094" cy="208094"/>
           </a:xfrm>
           <a:prstGeom prst="ellipse">
@@ -4346,7 +4930,7 @@
           </a:prstGeom>
           <a:ln>
             <a:solidFill>
-              <a:srgbClr val="C00000"/>
+              <a:srgbClr val="002060"/>
             </a:solidFill>
           </a:ln>
         </p:spPr>
@@ -4371,7 +4955,7 @@
             <a:pPr algn="ctr"/>
             <a:r>
               <a:rPr lang="en-US" altLang="ko-KR" sz="1100"/>
-              <a:t>4</a:t>
+              <a:t>2</a:t>
             </a:r>
             <a:endParaRPr lang="ko-KR" altLang="en-US" sz="1100"/>
           </a:p>
@@ -4379,22 +4963,24 @@
       </p:sp>
       <p:cxnSp>
         <p:nvCxnSpPr>
-          <p:cNvPr id="91" name="직선 화살표 연결선 90">
-            <a:extLst>
-              <a:ext uri="{FF2B5EF4-FFF2-40B4-BE49-F238E27FC236}">
-                <a16:creationId xmlns:a16="http://schemas.microsoft.com/office/drawing/2014/main" id="{CEE858E5-8AA7-462E-A6C6-69013D6018FA}"/>
+          <p:cNvPr id="102" name="직선 화살표 연결선 101">
+            <a:extLst>
+              <a:ext uri="{FF2B5EF4-FFF2-40B4-BE49-F238E27FC236}">
+                <a16:creationId xmlns:a16="http://schemas.microsoft.com/office/drawing/2014/main" id="{5BA71101-B25B-4AEC-B6E1-2F533E214A03}"/>
               </a:ext>
             </a:extLst>
           </p:cNvPr>
           <p:cNvCxnSpPr>
             <a:cxnSpLocks/>
+            <a:stCxn id="66" idx="0"/>
+            <a:endCxn id="58" idx="2"/>
           </p:cNvCxnSpPr>
           <p:nvPr/>
         </p:nvCxnSpPr>
         <p:spPr>
           <a:xfrm flipV="1">
-            <a:off x="5574687" y="2823779"/>
-            <a:ext cx="1411560" cy="814572"/>
+            <a:off x="7301098" y="1206568"/>
+            <a:ext cx="488233" cy="628808"/>
           </a:xfrm>
           <a:prstGeom prst="straightConnector1">
             <a:avLst/>
@@ -4422,194 +5008,12 @@
           </a:fontRef>
         </p:style>
       </p:cxnSp>
-      <p:cxnSp>
-        <p:nvCxnSpPr>
-          <p:cNvPr id="97" name="직선 화살표 연결선 96">
-            <a:extLst>
-              <a:ext uri="{FF2B5EF4-FFF2-40B4-BE49-F238E27FC236}">
-                <a16:creationId xmlns:a16="http://schemas.microsoft.com/office/drawing/2014/main" id="{E7115422-6FFE-4EBC-9ACA-5BF6C8F60987}"/>
-              </a:ext>
-            </a:extLst>
-          </p:cNvPr>
-          <p:cNvCxnSpPr>
-            <a:cxnSpLocks/>
-          </p:cNvCxnSpPr>
-          <p:nvPr/>
-        </p:nvCxnSpPr>
-        <p:spPr>
-          <a:xfrm flipH="1" flipV="1">
-            <a:off x="5079208" y="1294322"/>
-            <a:ext cx="2343748" cy="1012188"/>
-          </a:xfrm>
-          <a:prstGeom prst="straightConnector1">
-            <a:avLst/>
-          </a:prstGeom>
-          <a:ln w="19050">
-            <a:solidFill>
-              <a:schemeClr val="tx2"/>
-            </a:solidFill>
-            <a:headEnd type="arrow" w="med" len="med"/>
-            <a:tailEnd type="none" w="med" len="med"/>
-          </a:ln>
-        </p:spPr>
-        <p:style>
-          <a:lnRef idx="1">
-            <a:schemeClr val="accent1"/>
-          </a:lnRef>
-          <a:fillRef idx="0">
-            <a:schemeClr val="accent1"/>
-          </a:fillRef>
-          <a:effectRef idx="0">
-            <a:schemeClr val="accent1"/>
-          </a:effectRef>
-          <a:fontRef idx="minor">
-            <a:schemeClr val="tx1"/>
-          </a:fontRef>
-        </p:style>
-      </p:cxnSp>
-      <p:cxnSp>
-        <p:nvCxnSpPr>
-          <p:cNvPr id="101" name="직선 화살표 연결선 100">
-            <a:extLst>
-              <a:ext uri="{FF2B5EF4-FFF2-40B4-BE49-F238E27FC236}">
-                <a16:creationId xmlns:a16="http://schemas.microsoft.com/office/drawing/2014/main" id="{10488E81-13E0-4BB2-BAC4-0B69A3CC1FD0}"/>
-              </a:ext>
-            </a:extLst>
-          </p:cNvPr>
-          <p:cNvCxnSpPr>
-            <a:cxnSpLocks/>
-          </p:cNvCxnSpPr>
-          <p:nvPr/>
-        </p:nvCxnSpPr>
-        <p:spPr>
-          <a:xfrm>
-            <a:off x="5082333" y="1481959"/>
-            <a:ext cx="1909269" cy="824551"/>
-          </a:xfrm>
-          <a:prstGeom prst="straightConnector1">
-            <a:avLst/>
-          </a:prstGeom>
-          <a:ln w="19050">
-            <a:solidFill>
-              <a:schemeClr val="tx2"/>
-            </a:solidFill>
-            <a:headEnd type="arrow" w="med" len="med"/>
-            <a:tailEnd type="none" w="med" len="med"/>
-          </a:ln>
-        </p:spPr>
-        <p:style>
-          <a:lnRef idx="1">
-            <a:schemeClr val="accent1"/>
-          </a:lnRef>
-          <a:fillRef idx="0">
-            <a:schemeClr val="accent1"/>
-          </a:fillRef>
-          <a:effectRef idx="0">
-            <a:schemeClr val="accent1"/>
-          </a:effectRef>
-          <a:fontRef idx="minor">
-            <a:schemeClr val="tx1"/>
-          </a:fontRef>
-        </p:style>
-      </p:cxnSp>
-      <p:cxnSp>
-        <p:nvCxnSpPr>
-          <p:cNvPr id="108" name="직선 화살표 연결선 107">
-            <a:extLst>
-              <a:ext uri="{FF2B5EF4-FFF2-40B4-BE49-F238E27FC236}">
-                <a16:creationId xmlns:a16="http://schemas.microsoft.com/office/drawing/2014/main" id="{82CF4214-DF0B-44E3-8BF4-4116C0E99FC1}"/>
-              </a:ext>
-            </a:extLst>
-          </p:cNvPr>
-          <p:cNvCxnSpPr>
-            <a:cxnSpLocks/>
-          </p:cNvCxnSpPr>
-          <p:nvPr/>
-        </p:nvCxnSpPr>
-        <p:spPr>
-          <a:xfrm flipV="1">
-            <a:off x="5569045" y="2823778"/>
-            <a:ext cx="1849250" cy="1067152"/>
-          </a:xfrm>
-          <a:prstGeom prst="straightConnector1">
-            <a:avLst/>
-          </a:prstGeom>
-          <a:ln w="19050">
-            <a:solidFill>
-              <a:schemeClr val="tx2"/>
-            </a:solidFill>
-            <a:headEnd type="arrow" w="med" len="med"/>
-            <a:tailEnd type="none" w="med" len="med"/>
-          </a:ln>
-        </p:spPr>
-        <p:style>
-          <a:lnRef idx="1">
-            <a:schemeClr val="accent1"/>
-          </a:lnRef>
-          <a:fillRef idx="0">
-            <a:schemeClr val="accent1"/>
-          </a:fillRef>
-          <a:effectRef idx="0">
-            <a:schemeClr val="accent1"/>
-          </a:effectRef>
-          <a:fontRef idx="minor">
-            <a:schemeClr val="tx1"/>
-          </a:fontRef>
-        </p:style>
-      </p:cxnSp>
-      <p:cxnSp>
-        <p:nvCxnSpPr>
-          <p:cNvPr id="126" name="직선 화살표 연결선 125">
-            <a:extLst>
-              <a:ext uri="{FF2B5EF4-FFF2-40B4-BE49-F238E27FC236}">
-                <a16:creationId xmlns:a16="http://schemas.microsoft.com/office/drawing/2014/main" id="{E457D12B-14E9-4076-B766-D7D09CCF16FD}"/>
-              </a:ext>
-            </a:extLst>
-          </p:cNvPr>
-          <p:cNvCxnSpPr>
-            <a:cxnSpLocks/>
-            <a:stCxn id="44" idx="0"/>
-            <a:endCxn id="43" idx="2"/>
-          </p:cNvCxnSpPr>
-          <p:nvPr/>
-        </p:nvCxnSpPr>
-        <p:spPr>
-          <a:xfrm flipV="1">
-            <a:off x="4503144" y="1645004"/>
-            <a:ext cx="2700300" cy="1862850"/>
-          </a:xfrm>
-          <a:prstGeom prst="straightConnector1">
-            <a:avLst/>
-          </a:prstGeom>
-          <a:ln w="19050">
-            <a:solidFill>
-              <a:schemeClr val="tx2"/>
-            </a:solidFill>
-            <a:headEnd type="none" w="med" len="med"/>
-            <a:tailEnd type="arrow" w="med" len="med"/>
-          </a:ln>
-        </p:spPr>
-        <p:style>
-          <a:lnRef idx="1">
-            <a:schemeClr val="accent1"/>
-          </a:lnRef>
-          <a:fillRef idx="0">
-            <a:schemeClr val="accent1"/>
-          </a:fillRef>
-          <a:effectRef idx="0">
-            <a:schemeClr val="accent1"/>
-          </a:effectRef>
-          <a:fontRef idx="minor">
-            <a:schemeClr val="tx1"/>
-          </a:fontRef>
-        </p:style>
-      </p:cxnSp>
-      <p:sp>
-        <p:nvSpPr>
-          <p:cNvPr id="130" name="타원 129">
-            <a:extLst>
-              <a:ext uri="{FF2B5EF4-FFF2-40B4-BE49-F238E27FC236}">
-                <a16:creationId xmlns:a16="http://schemas.microsoft.com/office/drawing/2014/main" id="{FC0476CB-AA75-4B94-9C39-724D0E33DEFE}"/>
+      <p:sp>
+        <p:nvSpPr>
+          <p:cNvPr id="103" name="타원 102">
+            <a:extLst>
+              <a:ext uri="{FF2B5EF4-FFF2-40B4-BE49-F238E27FC236}">
+                <a16:creationId xmlns:a16="http://schemas.microsoft.com/office/drawing/2014/main" id="{F3167E06-D7D9-4850-85D9-0C617B18F2AA}"/>
               </a:ext>
             </a:extLst>
           </p:cNvPr>
@@ -4618,7 +5022,7 @@
         </p:nvSpPr>
         <p:spPr>
           <a:xfrm>
-            <a:off x="5464998" y="3531339"/>
+            <a:off x="7316234" y="1563638"/>
             <a:ext cx="208094" cy="208094"/>
           </a:xfrm>
           <a:prstGeom prst="ellipse">
@@ -4651,7 +5055,7 @@
             <a:pPr algn="ctr"/>
             <a:r>
               <a:rPr lang="en-US" altLang="ko-KR" sz="1100"/>
-              <a:t>1</a:t>
+              <a:t>3</a:t>
             </a:r>
             <a:endParaRPr lang="ko-KR" altLang="en-US" sz="1100"/>
           </a:p>
@@ -4659,10 +5063,10 @@
       </p:sp>
       <p:sp>
         <p:nvSpPr>
-          <p:cNvPr id="131" name="타원 130">
-            <a:extLst>
-              <a:ext uri="{FF2B5EF4-FFF2-40B4-BE49-F238E27FC236}">
-                <a16:creationId xmlns:a16="http://schemas.microsoft.com/office/drawing/2014/main" id="{454D2841-C8AB-49B4-AA88-52303939D329}"/>
+          <p:cNvPr id="106" name="사각형: 둥근 모서리 105">
+            <a:extLst>
+              <a:ext uri="{FF2B5EF4-FFF2-40B4-BE49-F238E27FC236}">
+                <a16:creationId xmlns:a16="http://schemas.microsoft.com/office/drawing/2014/main" id="{E699AFBD-CFBA-4CEE-B82C-BB02505CBE39}"/>
               </a:ext>
             </a:extLst>
           </p:cNvPr>
@@ -4671,7 +5075,57 @@
         </p:nvSpPr>
         <p:spPr>
           <a:xfrm>
-            <a:off x="6882200" y="2224992"/>
+            <a:off x="6372200" y="1915559"/>
+            <a:ext cx="1862084" cy="287573"/>
+          </a:xfrm>
+          <a:prstGeom prst="roundRect">
+            <a:avLst>
+              <a:gd name="adj" fmla="val 15988"/>
+            </a:avLst>
+          </a:prstGeom>
+        </p:spPr>
+        <p:style>
+          <a:lnRef idx="2">
+            <a:schemeClr val="dk1"/>
+          </a:lnRef>
+          <a:fillRef idx="1">
+            <a:schemeClr val="lt1"/>
+          </a:fillRef>
+          <a:effectRef idx="0">
+            <a:schemeClr val="dk1"/>
+          </a:effectRef>
+          <a:fontRef idx="minor">
+            <a:schemeClr val="dk1"/>
+          </a:fontRef>
+        </p:style>
+        <p:txBody>
+          <a:bodyPr rtlCol="0" anchor="ctr"/>
+          <a:lstStyle/>
+          <a:p>
+            <a:pPr algn="ctr"/>
+            <a:r>
+              <a:rPr lang="en-US" altLang="ko-KR" sz="1100" b="1"/>
+              <a:t>AWS SA Token</a:t>
+            </a:r>
+            <a:endParaRPr lang="ko-KR" altLang="en-US" sz="1100" b="1"/>
+          </a:p>
+        </p:txBody>
+      </p:sp>
+      <p:sp>
+        <p:nvSpPr>
+          <p:cNvPr id="99" name="타원 98">
+            <a:extLst>
+              <a:ext uri="{FF2B5EF4-FFF2-40B4-BE49-F238E27FC236}">
+                <a16:creationId xmlns:a16="http://schemas.microsoft.com/office/drawing/2014/main" id="{2C9551E3-6696-4F62-998F-CE014C2403F9}"/>
+              </a:ext>
+            </a:extLst>
+          </p:cNvPr>
+          <p:cNvSpPr/>
+          <p:nvPr/>
+        </p:nvSpPr>
+        <p:spPr>
+          <a:xfrm>
+            <a:off x="6804248" y="1736008"/>
             <a:ext cx="208094" cy="208094"/>
           </a:xfrm>
           <a:prstGeom prst="ellipse">
@@ -4704,7 +5158,7 @@
             <a:pPr algn="ctr"/>
             <a:r>
               <a:rPr lang="en-US" altLang="ko-KR" sz="1100"/>
-              <a:t>2</a:t>
+              <a:t>1</a:t>
             </a:r>
             <a:endParaRPr lang="ko-KR" altLang="en-US" sz="1100"/>
           </a:p>
@@ -4712,10 +5166,77 @@
       </p:sp>
       <p:sp>
         <p:nvSpPr>
-          <p:cNvPr id="132" name="타원 131">
-            <a:extLst>
-              <a:ext uri="{FF2B5EF4-FFF2-40B4-BE49-F238E27FC236}">
-                <a16:creationId xmlns:a16="http://schemas.microsoft.com/office/drawing/2014/main" id="{3BF493AB-E180-424E-8D72-9ACB33B86528}"/>
+          <p:cNvPr id="113" name="TextBox 112">
+            <a:extLst>
+              <a:ext uri="{FF2B5EF4-FFF2-40B4-BE49-F238E27FC236}">
+                <a16:creationId xmlns:a16="http://schemas.microsoft.com/office/drawing/2014/main" id="{2B10E519-9CB1-4CC9-AE88-42A70E172D3B}"/>
+              </a:ext>
+            </a:extLst>
+          </p:cNvPr>
+          <p:cNvSpPr txBox="1"/>
+          <p:nvPr/>
+        </p:nvSpPr>
+        <p:spPr>
+          <a:xfrm>
+            <a:off x="5295725" y="2694438"/>
+            <a:ext cx="950902" cy="553998"/>
+          </a:xfrm>
+          <a:prstGeom prst="rect">
+            <a:avLst/>
+          </a:prstGeom>
+          <a:noFill/>
+        </p:spPr>
+        <p:txBody>
+          <a:bodyPr wrap="none" rtlCol="0" anchor="ctr">
+            <a:spAutoFit/>
+          </a:bodyPr>
+          <a:lstStyle/>
+          <a:p>
+            <a:pPr algn="ctr"/>
+            <a:r>
+              <a:rPr lang="en-US" altLang="ko-KR" sz="1000">
+                <a:solidFill>
+                  <a:srgbClr val="C00000"/>
+                </a:solidFill>
+              </a:rPr>
+              <a:t>Request</a:t>
+            </a:r>
+          </a:p>
+          <a:p>
+            <a:pPr algn="ctr"/>
+            <a:r>
+              <a:rPr lang="en-US" altLang="ko-KR" sz="1000">
+                <a:solidFill>
+                  <a:srgbClr val="C00000"/>
+                </a:solidFill>
+              </a:rPr>
+              <a:t>Create</a:t>
+            </a:r>
+          </a:p>
+          <a:p>
+            <a:pPr algn="ctr"/>
+            <a:r>
+              <a:rPr lang="en-US" altLang="ko-KR" sz="1000">
+                <a:solidFill>
+                  <a:srgbClr val="C00000"/>
+                </a:solidFill>
+              </a:rPr>
+              <a:t>Mutated Pod</a:t>
+            </a:r>
+            <a:endParaRPr lang="ko-KR" altLang="en-US" sz="1000">
+              <a:solidFill>
+                <a:srgbClr val="C00000"/>
+              </a:solidFill>
+            </a:endParaRPr>
+          </a:p>
+        </p:txBody>
+      </p:sp>
+      <p:sp>
+        <p:nvSpPr>
+          <p:cNvPr id="119" name="타원 118">
+            <a:extLst>
+              <a:ext uri="{FF2B5EF4-FFF2-40B4-BE49-F238E27FC236}">
+                <a16:creationId xmlns:a16="http://schemas.microsoft.com/office/drawing/2014/main" id="{5C471B6A-AD3C-4C5F-A004-0D13CB18A4E9}"/>
               </a:ext>
             </a:extLst>
           </p:cNvPr>
@@ -4724,7 +5245,7 @@
         </p:nvSpPr>
         <p:spPr>
           <a:xfrm>
-            <a:off x="4975161" y="1197178"/>
+            <a:off x="7197051" y="3093536"/>
             <a:ext cx="208094" cy="208094"/>
           </a:xfrm>
           <a:prstGeom prst="ellipse">
@@ -4732,7 +5253,7 @@
           </a:prstGeom>
           <a:ln>
             <a:solidFill>
-              <a:srgbClr val="002060"/>
+              <a:srgbClr val="C00000"/>
             </a:solidFill>
           </a:ln>
         </p:spPr>
@@ -4757,7 +5278,7 @@
             <a:pPr algn="ctr"/>
             <a:r>
               <a:rPr lang="en-US" altLang="ko-KR" sz="1100"/>
-              <a:t>3</a:t>
+              <a:t>5</a:t>
             </a:r>
             <a:endParaRPr lang="ko-KR" altLang="en-US" sz="1100"/>
           </a:p>
@@ -4765,10 +5286,124 @@
       </p:sp>
       <p:sp>
         <p:nvSpPr>
-          <p:cNvPr id="133" name="타원 132">
-            <a:extLst>
-              <a:ext uri="{FF2B5EF4-FFF2-40B4-BE49-F238E27FC236}">
-                <a16:creationId xmlns:a16="http://schemas.microsoft.com/office/drawing/2014/main" id="{5C93BE35-629E-4E16-8466-5A8AF93BED34}"/>
+          <p:cNvPr id="120" name="TextBox 119">
+            <a:extLst>
+              <a:ext uri="{FF2B5EF4-FFF2-40B4-BE49-F238E27FC236}">
+                <a16:creationId xmlns:a16="http://schemas.microsoft.com/office/drawing/2014/main" id="{2D7D4E97-5138-4A62-872F-C23C755EDB61}"/>
+              </a:ext>
+            </a:extLst>
+          </p:cNvPr>
+          <p:cNvSpPr txBox="1"/>
+          <p:nvPr/>
+        </p:nvSpPr>
+        <p:spPr>
+          <a:xfrm>
+            <a:off x="6667247" y="2562983"/>
+            <a:ext cx="678391" cy="553998"/>
+          </a:xfrm>
+          <a:prstGeom prst="rect">
+            <a:avLst/>
+          </a:prstGeom>
+          <a:noFill/>
+        </p:spPr>
+        <p:txBody>
+          <a:bodyPr wrap="none" rtlCol="0" anchor="ctr">
+            <a:spAutoFit/>
+          </a:bodyPr>
+          <a:lstStyle/>
+          <a:p>
+            <a:pPr algn="ctr"/>
+            <a:r>
+              <a:rPr lang="en-US" altLang="ko-KR" sz="1000">
+                <a:solidFill>
+                  <a:srgbClr val="C00000"/>
+                </a:solidFill>
+              </a:rPr>
+              <a:t>Create</a:t>
+            </a:r>
+          </a:p>
+          <a:p>
+            <a:pPr algn="ctr"/>
+            <a:r>
+              <a:rPr lang="en-US" altLang="ko-KR" sz="1000">
+                <a:solidFill>
+                  <a:srgbClr val="C00000"/>
+                </a:solidFill>
+              </a:rPr>
+              <a:t>Mutated</a:t>
+            </a:r>
+          </a:p>
+          <a:p>
+            <a:pPr algn="ctr"/>
+            <a:r>
+              <a:rPr lang="en-US" altLang="ko-KR" sz="1000">
+                <a:solidFill>
+                  <a:srgbClr val="C00000"/>
+                </a:solidFill>
+              </a:rPr>
+              <a:t>Pod</a:t>
+            </a:r>
+            <a:endParaRPr lang="ko-KR" altLang="en-US" sz="1000">
+              <a:solidFill>
+                <a:srgbClr val="C00000"/>
+              </a:solidFill>
+            </a:endParaRPr>
+          </a:p>
+        </p:txBody>
+      </p:sp>
+      <p:cxnSp>
+        <p:nvCxnSpPr>
+          <p:cNvPr id="121" name="직선 화살표 연결선 120">
+            <a:extLst>
+              <a:ext uri="{FF2B5EF4-FFF2-40B4-BE49-F238E27FC236}">
+                <a16:creationId xmlns:a16="http://schemas.microsoft.com/office/drawing/2014/main" id="{B27CD7DB-FC8F-4C11-B2A9-F1D2E1020353}"/>
+              </a:ext>
+            </a:extLst>
+          </p:cNvPr>
+          <p:cNvCxnSpPr>
+            <a:cxnSpLocks/>
+            <a:stCxn id="65" idx="1"/>
+            <a:endCxn id="56" idx="3"/>
+          </p:cNvCxnSpPr>
+          <p:nvPr/>
+        </p:nvCxnSpPr>
+        <p:spPr>
+          <a:xfrm flipH="1">
+            <a:off x="5256565" y="3453993"/>
+            <a:ext cx="1036421" cy="0"/>
+          </a:xfrm>
+          <a:prstGeom prst="straightConnector1">
+            <a:avLst/>
+          </a:prstGeom>
+          <a:ln w="19050">
+            <a:solidFill>
+              <a:schemeClr val="accent4"/>
+            </a:solidFill>
+            <a:headEnd type="none" w="med" len="med"/>
+            <a:tailEnd type="arrow" w="med" len="med"/>
+          </a:ln>
+        </p:spPr>
+        <p:style>
+          <a:lnRef idx="1">
+            <a:schemeClr val="accent1"/>
+          </a:lnRef>
+          <a:fillRef idx="0">
+            <a:schemeClr val="accent1"/>
+          </a:fillRef>
+          <a:effectRef idx="0">
+            <a:schemeClr val="accent1"/>
+          </a:effectRef>
+          <a:fontRef idx="minor">
+            <a:schemeClr val="tx1"/>
+          </a:fontRef>
+        </p:style>
+      </p:cxnSp>
+      <p:sp>
+        <p:nvSpPr>
+          <p:cNvPr id="122" name="타원 121">
+            <a:extLst>
+              <a:ext uri="{FF2B5EF4-FFF2-40B4-BE49-F238E27FC236}">
+                <a16:creationId xmlns:a16="http://schemas.microsoft.com/office/drawing/2014/main" id="{72E0FE82-FF3B-4BD1-A5ED-EE0B940BDF7C}"/>
               </a:ext>
             </a:extLst>
           </p:cNvPr>
@@ -4777,7 +5412,7 @@
         </p:nvSpPr>
         <p:spPr>
           <a:xfrm>
-            <a:off x="7314248" y="2727321"/>
+            <a:off x="6193174" y="3349946"/>
             <a:ext cx="208094" cy="208094"/>
           </a:xfrm>
           <a:prstGeom prst="ellipse">
@@ -4785,7 +5420,7 @@
           </a:prstGeom>
           <a:ln>
             <a:solidFill>
-              <a:srgbClr val="002060"/>
+              <a:schemeClr val="accent4"/>
             </a:solidFill>
           </a:ln>
         </p:spPr>
@@ -4810,18 +5445,311 @@
             <a:pPr algn="ctr"/>
             <a:r>
               <a:rPr lang="en-US" altLang="ko-KR" sz="1100"/>
-              <a:t>4</a:t>
+              <a:t>1</a:t>
             </a:r>
             <a:endParaRPr lang="ko-KR" altLang="en-US" sz="1100"/>
           </a:p>
         </p:txBody>
       </p:sp>
-      <p:sp>
-        <p:nvSpPr>
-          <p:cNvPr id="134" name="타원 133">
-            <a:extLst>
-              <a:ext uri="{FF2B5EF4-FFF2-40B4-BE49-F238E27FC236}">
-                <a16:creationId xmlns:a16="http://schemas.microsoft.com/office/drawing/2014/main" id="{DFFD9A8E-059B-4F6A-856B-213B42A8B8DF}"/>
+      <p:cxnSp>
+        <p:nvCxnSpPr>
+          <p:cNvPr id="123" name="직선 화살표 연결선 122">
+            <a:extLst>
+              <a:ext uri="{FF2B5EF4-FFF2-40B4-BE49-F238E27FC236}">
+                <a16:creationId xmlns:a16="http://schemas.microsoft.com/office/drawing/2014/main" id="{AE4D792E-5F64-4D4F-A3E0-7E9290D7A926}"/>
+              </a:ext>
+            </a:extLst>
+          </p:cNvPr>
+          <p:cNvCxnSpPr>
+            <a:cxnSpLocks/>
+          </p:cNvCxnSpPr>
+          <p:nvPr/>
+        </p:nvCxnSpPr>
+        <p:spPr>
+          <a:xfrm flipH="1" flipV="1">
+            <a:off x="2653932" y="2499742"/>
+            <a:ext cx="586409" cy="826528"/>
+          </a:xfrm>
+          <a:prstGeom prst="straightConnector1">
+            <a:avLst/>
+          </a:prstGeom>
+          <a:ln w="19050">
+            <a:solidFill>
+              <a:schemeClr val="accent4"/>
+            </a:solidFill>
+            <a:headEnd type="none" w="med" len="med"/>
+            <a:tailEnd type="arrow" w="med" len="med"/>
+          </a:ln>
+        </p:spPr>
+        <p:style>
+          <a:lnRef idx="1">
+            <a:schemeClr val="accent1"/>
+          </a:lnRef>
+          <a:fillRef idx="0">
+            <a:schemeClr val="accent1"/>
+          </a:fillRef>
+          <a:effectRef idx="0">
+            <a:schemeClr val="accent1"/>
+          </a:effectRef>
+          <a:fontRef idx="minor">
+            <a:schemeClr val="tx1"/>
+          </a:fontRef>
+        </p:style>
+      </p:cxnSp>
+      <p:sp>
+        <p:nvSpPr>
+          <p:cNvPr id="124" name="TextBox 123">
+            <a:extLst>
+              <a:ext uri="{FF2B5EF4-FFF2-40B4-BE49-F238E27FC236}">
+                <a16:creationId xmlns:a16="http://schemas.microsoft.com/office/drawing/2014/main" id="{7DD76318-11C9-4637-9AA8-3506ECA4A8EA}"/>
+              </a:ext>
+            </a:extLst>
+          </p:cNvPr>
+          <p:cNvSpPr txBox="1"/>
+          <p:nvPr/>
+        </p:nvSpPr>
+        <p:spPr>
+          <a:xfrm>
+            <a:off x="5724128" y="1558257"/>
+            <a:ext cx="736099" cy="246221"/>
+          </a:xfrm>
+          <a:prstGeom prst="rect">
+            <a:avLst/>
+          </a:prstGeom>
+          <a:noFill/>
+        </p:spPr>
+        <p:txBody>
+          <a:bodyPr wrap="none" rtlCol="0" anchor="ctr">
+            <a:spAutoFit/>
+          </a:bodyPr>
+          <a:lstStyle/>
+          <a:p>
+            <a:pPr algn="ctr"/>
+            <a:r>
+              <a:rPr lang="en-US" altLang="ko-KR" sz="1000">
+                <a:solidFill>
+                  <a:schemeClr val="tx2"/>
+                </a:solidFill>
+              </a:rPr>
+              <a:t>SA Token</a:t>
+            </a:r>
+            <a:endParaRPr lang="ko-KR" altLang="en-US" sz="1000">
+              <a:solidFill>
+                <a:schemeClr val="tx2"/>
+              </a:solidFill>
+            </a:endParaRPr>
+          </a:p>
+        </p:txBody>
+      </p:sp>
+      <p:sp>
+        <p:nvSpPr>
+          <p:cNvPr id="125" name="TextBox 124">
+            <a:extLst>
+              <a:ext uri="{FF2B5EF4-FFF2-40B4-BE49-F238E27FC236}">
+                <a16:creationId xmlns:a16="http://schemas.microsoft.com/office/drawing/2014/main" id="{AB66F878-F03F-46C1-83B3-D5943E82E897}"/>
+              </a:ext>
+            </a:extLst>
+          </p:cNvPr>
+          <p:cNvSpPr txBox="1"/>
+          <p:nvPr/>
+        </p:nvSpPr>
+        <p:spPr>
+          <a:xfrm>
+            <a:off x="5720669" y="1168181"/>
+            <a:ext cx="832280" cy="246221"/>
+          </a:xfrm>
+          <a:prstGeom prst="rect">
+            <a:avLst/>
+          </a:prstGeom>
+          <a:noFill/>
+        </p:spPr>
+        <p:txBody>
+          <a:bodyPr wrap="none" rtlCol="0" anchor="ctr">
+            <a:spAutoFit/>
+          </a:bodyPr>
+          <a:lstStyle/>
+          <a:p>
+            <a:pPr algn="ctr"/>
+            <a:r>
+              <a:rPr lang="en-US" altLang="ko-KR" sz="1000">
+                <a:solidFill>
+                  <a:schemeClr val="tx2"/>
+                </a:solidFill>
+              </a:rPr>
+              <a:t>Credentials</a:t>
+            </a:r>
+            <a:endParaRPr lang="ko-KR" altLang="en-US" sz="1000">
+              <a:solidFill>
+                <a:schemeClr val="tx2"/>
+              </a:solidFill>
+            </a:endParaRPr>
+          </a:p>
+        </p:txBody>
+      </p:sp>
+      <p:sp>
+        <p:nvSpPr>
+          <p:cNvPr id="128" name="TextBox 127">
+            <a:extLst>
+              <a:ext uri="{FF2B5EF4-FFF2-40B4-BE49-F238E27FC236}">
+                <a16:creationId xmlns:a16="http://schemas.microsoft.com/office/drawing/2014/main" id="{08DE7051-1232-4656-90F5-5A111403C004}"/>
+              </a:ext>
+            </a:extLst>
+          </p:cNvPr>
+          <p:cNvSpPr txBox="1"/>
+          <p:nvPr/>
+        </p:nvSpPr>
+        <p:spPr>
+          <a:xfrm>
+            <a:off x="7621186" y="1286751"/>
+            <a:ext cx="942887" cy="400110"/>
+          </a:xfrm>
+          <a:prstGeom prst="rect">
+            <a:avLst/>
+          </a:prstGeom>
+          <a:noFill/>
+        </p:spPr>
+        <p:txBody>
+          <a:bodyPr wrap="none" rtlCol="0" anchor="ctr">
+            <a:spAutoFit/>
+          </a:bodyPr>
+          <a:lstStyle/>
+          <a:p>
+            <a:pPr algn="ctr"/>
+            <a:r>
+              <a:rPr lang="en-US" altLang="ko-KR" sz="1000">
+                <a:solidFill>
+                  <a:schemeClr val="tx2"/>
+                </a:solidFill>
+              </a:rPr>
+              <a:t>Request with</a:t>
+            </a:r>
+          </a:p>
+          <a:p>
+            <a:pPr algn="ctr"/>
+            <a:r>
+              <a:rPr lang="en-US" altLang="ko-KR" sz="1000">
+                <a:solidFill>
+                  <a:schemeClr val="tx2"/>
+                </a:solidFill>
+              </a:rPr>
+              <a:t>Credentials</a:t>
+            </a:r>
+            <a:endParaRPr lang="ko-KR" altLang="en-US" sz="1000">
+              <a:solidFill>
+                <a:schemeClr val="tx2"/>
+              </a:solidFill>
+            </a:endParaRPr>
+          </a:p>
+        </p:txBody>
+      </p:sp>
+      <p:sp>
+        <p:nvSpPr>
+          <p:cNvPr id="135" name="TextBox 134">
+            <a:extLst>
+              <a:ext uri="{FF2B5EF4-FFF2-40B4-BE49-F238E27FC236}">
+                <a16:creationId xmlns:a16="http://schemas.microsoft.com/office/drawing/2014/main" id="{C652AD4D-2EF7-49A2-940F-F9FC852D59E9}"/>
+              </a:ext>
+            </a:extLst>
+          </p:cNvPr>
+          <p:cNvSpPr txBox="1"/>
+          <p:nvPr/>
+        </p:nvSpPr>
+        <p:spPr>
+          <a:xfrm>
+            <a:off x="5403127" y="3242047"/>
+            <a:ext cx="736099" cy="400110"/>
+          </a:xfrm>
+          <a:prstGeom prst="rect">
+            <a:avLst/>
+          </a:prstGeom>
+          <a:noFill/>
+        </p:spPr>
+        <p:txBody>
+          <a:bodyPr wrap="none" rtlCol="0" anchor="ctr">
+            <a:spAutoFit/>
+          </a:bodyPr>
+          <a:lstStyle/>
+          <a:p>
+            <a:pPr algn="ctr"/>
+            <a:r>
+              <a:rPr lang="en-US" altLang="ko-KR" sz="1000">
+                <a:solidFill>
+                  <a:schemeClr val="accent4"/>
+                </a:solidFill>
+              </a:rPr>
+              <a:t>Request</a:t>
+            </a:r>
+          </a:p>
+          <a:p>
+            <a:pPr algn="ctr"/>
+            <a:r>
+              <a:rPr lang="en-US" altLang="ko-KR" sz="1000">
+                <a:solidFill>
+                  <a:schemeClr val="accent4"/>
+                </a:solidFill>
+              </a:rPr>
+              <a:t>SA Token</a:t>
+            </a:r>
+          </a:p>
+        </p:txBody>
+      </p:sp>
+      <p:sp>
+        <p:nvSpPr>
+          <p:cNvPr id="138" name="TextBox 137">
+            <a:extLst>
+              <a:ext uri="{FF2B5EF4-FFF2-40B4-BE49-F238E27FC236}">
+                <a16:creationId xmlns:a16="http://schemas.microsoft.com/office/drawing/2014/main" id="{6C6E6535-C5B3-48AA-945A-1A1CF8D24F48}"/>
+              </a:ext>
+            </a:extLst>
+          </p:cNvPr>
+          <p:cNvSpPr txBox="1"/>
+          <p:nvPr/>
+        </p:nvSpPr>
+        <p:spPr>
+          <a:xfrm>
+            <a:off x="3058861" y="2815757"/>
+            <a:ext cx="736099" cy="400110"/>
+          </a:xfrm>
+          <a:prstGeom prst="rect">
+            <a:avLst/>
+          </a:prstGeom>
+          <a:noFill/>
+        </p:spPr>
+        <p:txBody>
+          <a:bodyPr wrap="none" rtlCol="0" anchor="ctr">
+            <a:spAutoFit/>
+          </a:bodyPr>
+          <a:lstStyle/>
+          <a:p>
+            <a:pPr algn="ctr"/>
+            <a:r>
+              <a:rPr lang="en-US" altLang="ko-KR" sz="1000">
+                <a:solidFill>
+                  <a:schemeClr val="accent4"/>
+                </a:solidFill>
+              </a:rPr>
+              <a:t>Request</a:t>
+            </a:r>
+          </a:p>
+          <a:p>
+            <a:pPr algn="ctr"/>
+            <a:r>
+              <a:rPr lang="en-US" altLang="ko-KR" sz="1000">
+                <a:solidFill>
+                  <a:schemeClr val="accent4"/>
+                </a:solidFill>
+              </a:rPr>
+              <a:t>SA Token</a:t>
+            </a:r>
+          </a:p>
+        </p:txBody>
+      </p:sp>
+      <p:sp>
+        <p:nvSpPr>
+          <p:cNvPr id="141" name="타원 140">
+            <a:extLst>
+              <a:ext uri="{FF2B5EF4-FFF2-40B4-BE49-F238E27FC236}">
+                <a16:creationId xmlns:a16="http://schemas.microsoft.com/office/drawing/2014/main" id="{970A51CE-D9AC-4451-9033-5EEBE3485E14}"/>
               </a:ext>
             </a:extLst>
           </p:cNvPr>
@@ -4830,7 +5758,7 @@
         </p:nvSpPr>
         <p:spPr>
           <a:xfrm>
-            <a:off x="4424034" y="3404660"/>
+            <a:off x="3136351" y="3215867"/>
             <a:ext cx="208094" cy="208094"/>
           </a:xfrm>
           <a:prstGeom prst="ellipse">
@@ -4838,7 +5766,7 @@
           </a:prstGeom>
           <a:ln>
             <a:solidFill>
-              <a:srgbClr val="002060"/>
+              <a:schemeClr val="accent4"/>
             </a:solidFill>
           </a:ln>
         </p:spPr>
@@ -4863,18 +5791,259 @@
             <a:pPr algn="ctr"/>
             <a:r>
               <a:rPr lang="en-US" altLang="ko-KR" sz="1100"/>
+              <a:t>2</a:t>
+            </a:r>
+            <a:endParaRPr lang="ko-KR" altLang="en-US" sz="1100"/>
+          </a:p>
+        </p:txBody>
+      </p:sp>
+      <p:cxnSp>
+        <p:nvCxnSpPr>
+          <p:cNvPr id="142" name="직선 화살표 연결선 141">
+            <a:extLst>
+              <a:ext uri="{FF2B5EF4-FFF2-40B4-BE49-F238E27FC236}">
+                <a16:creationId xmlns:a16="http://schemas.microsoft.com/office/drawing/2014/main" id="{4311362C-A49D-4666-A728-71CF6DB3FF38}"/>
+              </a:ext>
+            </a:extLst>
+          </p:cNvPr>
+          <p:cNvCxnSpPr>
+            <a:cxnSpLocks/>
+          </p:cNvCxnSpPr>
+          <p:nvPr/>
+        </p:nvCxnSpPr>
+        <p:spPr>
+          <a:xfrm flipH="1" flipV="1">
+            <a:off x="2653932" y="2754898"/>
+            <a:ext cx="586409" cy="826528"/>
+          </a:xfrm>
+          <a:prstGeom prst="straightConnector1">
+            <a:avLst/>
+          </a:prstGeom>
+          <a:ln w="19050">
+            <a:solidFill>
+              <a:schemeClr val="accent4"/>
+            </a:solidFill>
+            <a:headEnd type="arrow" w="med" len="med"/>
+            <a:tailEnd type="none" w="med" len="med"/>
+          </a:ln>
+        </p:spPr>
+        <p:style>
+          <a:lnRef idx="1">
+            <a:schemeClr val="accent1"/>
+          </a:lnRef>
+          <a:fillRef idx="0">
+            <a:schemeClr val="accent1"/>
+          </a:fillRef>
+          <a:effectRef idx="0">
+            <a:schemeClr val="accent1"/>
+          </a:effectRef>
+          <a:fontRef idx="minor">
+            <a:schemeClr val="tx1"/>
+          </a:fontRef>
+        </p:style>
+      </p:cxnSp>
+      <p:sp>
+        <p:nvSpPr>
+          <p:cNvPr id="144" name="타원 143">
+            <a:extLst>
+              <a:ext uri="{FF2B5EF4-FFF2-40B4-BE49-F238E27FC236}">
+                <a16:creationId xmlns:a16="http://schemas.microsoft.com/office/drawing/2014/main" id="{F7C54B1E-2594-45CB-A143-ADBD54FE41A8}"/>
+              </a:ext>
+            </a:extLst>
+          </p:cNvPr>
+          <p:cNvSpPr/>
+          <p:nvPr/>
+        </p:nvSpPr>
+        <p:spPr>
+          <a:xfrm>
+            <a:off x="2495744" y="2646033"/>
+            <a:ext cx="208094" cy="208094"/>
+          </a:xfrm>
+          <a:prstGeom prst="ellipse">
+            <a:avLst/>
+          </a:prstGeom>
+          <a:ln>
+            <a:solidFill>
+              <a:schemeClr val="accent4"/>
+            </a:solidFill>
+          </a:ln>
+        </p:spPr>
+        <p:style>
+          <a:lnRef idx="2">
+            <a:schemeClr val="accent2"/>
+          </a:lnRef>
+          <a:fillRef idx="1">
+            <a:schemeClr val="lt1"/>
+          </a:fillRef>
+          <a:effectRef idx="0">
+            <a:schemeClr val="accent2"/>
+          </a:effectRef>
+          <a:fontRef idx="minor">
+            <a:schemeClr val="dk1"/>
+          </a:fontRef>
+        </p:style>
+        <p:txBody>
+          <a:bodyPr rtlCol="0" anchor="ctr"/>
+          <a:lstStyle/>
+          <a:p>
+            <a:pPr algn="ctr"/>
+            <a:r>
+              <a:rPr lang="en-US" altLang="ko-KR" sz="1100"/>
               <a:t>5</a:t>
             </a:r>
             <a:endParaRPr lang="ko-KR" altLang="en-US" sz="1100"/>
           </a:p>
         </p:txBody>
       </p:sp>
-      <p:sp>
-        <p:nvSpPr>
-          <p:cNvPr id="94" name="TextBox 93">
-            <a:extLst>
-              <a:ext uri="{FF2B5EF4-FFF2-40B4-BE49-F238E27FC236}">
-                <a16:creationId xmlns:a16="http://schemas.microsoft.com/office/drawing/2014/main" id="{F8C65836-7A91-4C5C-B03B-FDCBD9CD6ED8}"/>
+      <p:cxnSp>
+        <p:nvCxnSpPr>
+          <p:cNvPr id="145" name="직선 화살표 연결선 144">
+            <a:extLst>
+              <a:ext uri="{FF2B5EF4-FFF2-40B4-BE49-F238E27FC236}">
+                <a16:creationId xmlns:a16="http://schemas.microsoft.com/office/drawing/2014/main" id="{25E5C7E7-05E1-499E-AB0E-4EA41DD46C72}"/>
+              </a:ext>
+            </a:extLst>
+          </p:cNvPr>
+          <p:cNvCxnSpPr>
+            <a:cxnSpLocks/>
+          </p:cNvCxnSpPr>
+          <p:nvPr/>
+        </p:nvCxnSpPr>
+        <p:spPr>
+          <a:xfrm flipV="1">
+            <a:off x="1877765" y="1203598"/>
+            <a:ext cx="461987" cy="1207843"/>
+          </a:xfrm>
+          <a:prstGeom prst="straightConnector1">
+            <a:avLst/>
+          </a:prstGeom>
+          <a:ln w="19050">
+            <a:solidFill>
+              <a:schemeClr val="accent4"/>
+            </a:solidFill>
+            <a:headEnd type="none" w="med" len="med"/>
+            <a:tailEnd type="arrow" w="med" len="med"/>
+          </a:ln>
+        </p:spPr>
+        <p:style>
+          <a:lnRef idx="1">
+            <a:schemeClr val="accent1"/>
+          </a:lnRef>
+          <a:fillRef idx="0">
+            <a:schemeClr val="accent1"/>
+          </a:fillRef>
+          <a:effectRef idx="0">
+            <a:schemeClr val="accent1"/>
+          </a:effectRef>
+          <a:fontRef idx="minor">
+            <a:schemeClr val="tx1"/>
+          </a:fontRef>
+        </p:style>
+      </p:cxnSp>
+      <p:cxnSp>
+        <p:nvCxnSpPr>
+          <p:cNvPr id="147" name="직선 화살표 연결선 146">
+            <a:extLst>
+              <a:ext uri="{FF2B5EF4-FFF2-40B4-BE49-F238E27FC236}">
+                <a16:creationId xmlns:a16="http://schemas.microsoft.com/office/drawing/2014/main" id="{114BB162-A6E0-4712-BB31-BEB318C157B9}"/>
+              </a:ext>
+            </a:extLst>
+          </p:cNvPr>
+          <p:cNvCxnSpPr>
+            <a:cxnSpLocks/>
+          </p:cNvCxnSpPr>
+          <p:nvPr/>
+        </p:nvCxnSpPr>
+        <p:spPr>
+          <a:xfrm flipV="1">
+            <a:off x="1619672" y="1203598"/>
+            <a:ext cx="461987" cy="1207843"/>
+          </a:xfrm>
+          <a:prstGeom prst="straightConnector1">
+            <a:avLst/>
+          </a:prstGeom>
+          <a:ln w="19050">
+            <a:solidFill>
+              <a:schemeClr val="accent4"/>
+            </a:solidFill>
+            <a:headEnd type="arrow" w="med" len="med"/>
+            <a:tailEnd type="none" w="med" len="med"/>
+          </a:ln>
+        </p:spPr>
+        <p:style>
+          <a:lnRef idx="1">
+            <a:schemeClr val="accent1"/>
+          </a:lnRef>
+          <a:fillRef idx="0">
+            <a:schemeClr val="accent1"/>
+          </a:fillRef>
+          <a:effectRef idx="0">
+            <a:schemeClr val="accent1"/>
+          </a:effectRef>
+          <a:fontRef idx="minor">
+            <a:schemeClr val="tx1"/>
+          </a:fontRef>
+        </p:style>
+      </p:cxnSp>
+      <p:sp>
+        <p:nvSpPr>
+          <p:cNvPr id="148" name="타원 147">
+            <a:extLst>
+              <a:ext uri="{FF2B5EF4-FFF2-40B4-BE49-F238E27FC236}">
+                <a16:creationId xmlns:a16="http://schemas.microsoft.com/office/drawing/2014/main" id="{BA4CE044-DD7C-45E9-B341-DCC02CEAF91D}"/>
+              </a:ext>
+            </a:extLst>
+          </p:cNvPr>
+          <p:cNvSpPr/>
+          <p:nvPr/>
+        </p:nvSpPr>
+        <p:spPr>
+          <a:xfrm>
+            <a:off x="1771179" y="2273257"/>
+            <a:ext cx="208094" cy="208094"/>
+          </a:xfrm>
+          <a:prstGeom prst="ellipse">
+            <a:avLst/>
+          </a:prstGeom>
+          <a:ln>
+            <a:solidFill>
+              <a:schemeClr val="accent4"/>
+            </a:solidFill>
+          </a:ln>
+        </p:spPr>
+        <p:style>
+          <a:lnRef idx="2">
+            <a:schemeClr val="accent2"/>
+          </a:lnRef>
+          <a:fillRef idx="1">
+            <a:schemeClr val="lt1"/>
+          </a:fillRef>
+          <a:effectRef idx="0">
+            <a:schemeClr val="accent2"/>
+          </a:effectRef>
+          <a:fontRef idx="minor">
+            <a:schemeClr val="dk1"/>
+          </a:fontRef>
+        </p:style>
+        <p:txBody>
+          <a:bodyPr rtlCol="0" anchor="ctr"/>
+          <a:lstStyle/>
+          <a:p>
+            <a:pPr algn="ctr"/>
+            <a:r>
+              <a:rPr lang="en-US" altLang="ko-KR" sz="1100"/>
+              <a:t>3</a:t>
+            </a:r>
+            <a:endParaRPr lang="ko-KR" altLang="en-US" sz="1100"/>
+          </a:p>
+        </p:txBody>
+      </p:sp>
+      <p:sp>
+        <p:nvSpPr>
+          <p:cNvPr id="149" name="TextBox 148">
+            <a:extLst>
+              <a:ext uri="{FF2B5EF4-FFF2-40B4-BE49-F238E27FC236}">
+                <a16:creationId xmlns:a16="http://schemas.microsoft.com/office/drawing/2014/main" id="{E0858B33-3708-4EBB-8B5F-14F9401B705F}"/>
               </a:ext>
             </a:extLst>
           </p:cNvPr>
@@ -4883,8 +6052,8 @@
         </p:nvSpPr>
         <p:spPr>
           <a:xfrm>
-            <a:off x="1001813" y="2979822"/>
-            <a:ext cx="833883" cy="400110"/>
+            <a:off x="1989672" y="1835376"/>
+            <a:ext cx="708848" cy="400110"/>
           </a:xfrm>
           <a:prstGeom prst="rect">
             <a:avLst/>
@@ -4899,26 +6068,86 @@
           <a:p>
             <a:pPr algn="ctr"/>
             <a:r>
-              <a:rPr lang="en-US" altLang="ko-KR" sz="1000"/>
-              <a:t>Request </a:t>
-            </a:r>
-          </a:p>
-          <a:p>
-            <a:pPr algn="ctr"/>
-            <a:r>
-              <a:rPr lang="en-US" altLang="ko-KR" sz="1000"/>
-              <a:t>Create Pod</a:t>
-            </a:r>
-            <a:endParaRPr lang="ko-KR" altLang="en-US" sz="1000"/>
-          </a:p>
-        </p:txBody>
-      </p:sp>
-      <p:sp>
-        <p:nvSpPr>
-          <p:cNvPr id="136" name="TextBox 135">
-            <a:extLst>
-              <a:ext uri="{FF2B5EF4-FFF2-40B4-BE49-F238E27FC236}">
-                <a16:creationId xmlns:a16="http://schemas.microsoft.com/office/drawing/2014/main" id="{447C64FA-2C15-43F1-AD84-A52DB2340C51}"/>
+              <a:rPr lang="en-US" altLang="ko-KR" sz="1000">
+                <a:solidFill>
+                  <a:schemeClr val="accent4"/>
+                </a:solidFill>
+              </a:rPr>
+              <a:t>Request</a:t>
+            </a:r>
+          </a:p>
+          <a:p>
+            <a:pPr algn="ctr"/>
+            <a:r>
+              <a:rPr lang="en-US" altLang="ko-KR" sz="1000">
+                <a:solidFill>
+                  <a:schemeClr val="accent4"/>
+                </a:solidFill>
+              </a:rPr>
+              <a:t>ID Token</a:t>
+            </a:r>
+          </a:p>
+        </p:txBody>
+      </p:sp>
+      <p:sp>
+        <p:nvSpPr>
+          <p:cNvPr id="151" name="타원 150">
+            <a:extLst>
+              <a:ext uri="{FF2B5EF4-FFF2-40B4-BE49-F238E27FC236}">
+                <a16:creationId xmlns:a16="http://schemas.microsoft.com/office/drawing/2014/main" id="{565CC922-E195-4C6D-A9E3-DC4DF7E6ABB5}"/>
+              </a:ext>
+            </a:extLst>
+          </p:cNvPr>
+          <p:cNvSpPr/>
+          <p:nvPr/>
+        </p:nvSpPr>
+        <p:spPr>
+          <a:xfrm>
+            <a:off x="1970423" y="1143485"/>
+            <a:ext cx="208094" cy="208094"/>
+          </a:xfrm>
+          <a:prstGeom prst="ellipse">
+            <a:avLst/>
+          </a:prstGeom>
+          <a:ln>
+            <a:solidFill>
+              <a:schemeClr val="accent4"/>
+            </a:solidFill>
+          </a:ln>
+        </p:spPr>
+        <p:style>
+          <a:lnRef idx="2">
+            <a:schemeClr val="accent2"/>
+          </a:lnRef>
+          <a:fillRef idx="1">
+            <a:schemeClr val="lt1"/>
+          </a:fillRef>
+          <a:effectRef idx="0">
+            <a:schemeClr val="accent2"/>
+          </a:effectRef>
+          <a:fontRef idx="minor">
+            <a:schemeClr val="dk1"/>
+          </a:fontRef>
+        </p:style>
+        <p:txBody>
+          <a:bodyPr rtlCol="0" anchor="ctr"/>
+          <a:lstStyle/>
+          <a:p>
+            <a:pPr algn="ctr"/>
+            <a:r>
+              <a:rPr lang="en-US" altLang="ko-KR" sz="1100"/>
+              <a:t>4</a:t>
+            </a:r>
+            <a:endParaRPr lang="ko-KR" altLang="en-US" sz="1100"/>
+          </a:p>
+        </p:txBody>
+      </p:sp>
+      <p:sp>
+        <p:nvSpPr>
+          <p:cNvPr id="152" name="TextBox 151">
+            <a:extLst>
+              <a:ext uri="{FF2B5EF4-FFF2-40B4-BE49-F238E27FC236}">
+                <a16:creationId xmlns:a16="http://schemas.microsoft.com/office/drawing/2014/main" id="{8D654071-27CA-4F19-9C31-26B363F2D0F5}"/>
               </a:ext>
             </a:extLst>
           </p:cNvPr>
@@ -4927,8 +6156,8 @@
         </p:nvSpPr>
         <p:spPr>
           <a:xfrm>
-            <a:off x="2732254" y="1995686"/>
-            <a:ext cx="833883" cy="400110"/>
+            <a:off x="1097919" y="1912320"/>
+            <a:ext cx="708848" cy="246221"/>
           </a:xfrm>
           <a:prstGeom prst="rect">
             <a:avLst/>
@@ -4943,26 +6172,120 @@
           <a:p>
             <a:pPr algn="ctr"/>
             <a:r>
-              <a:rPr lang="en-US" altLang="ko-KR" sz="1000"/>
-              <a:t>Request</a:t>
-            </a:r>
-          </a:p>
-          <a:p>
-            <a:pPr algn="ctr"/>
-            <a:r>
-              <a:rPr lang="en-US" altLang="ko-KR" sz="1000"/>
-              <a:t>Create Pod</a:t>
-            </a:r>
-            <a:endParaRPr lang="ko-KR" altLang="en-US" sz="1000"/>
-          </a:p>
-        </p:txBody>
-      </p:sp>
-      <p:sp>
-        <p:nvSpPr>
-          <p:cNvPr id="137" name="TextBox 136">
-            <a:extLst>
-              <a:ext uri="{FF2B5EF4-FFF2-40B4-BE49-F238E27FC236}">
-                <a16:creationId xmlns:a16="http://schemas.microsoft.com/office/drawing/2014/main" id="{D46A33C9-628B-4E5A-9375-F10969E60B56}"/>
+              <a:rPr lang="en-US" altLang="ko-KR" sz="1000">
+                <a:solidFill>
+                  <a:schemeClr val="accent4"/>
+                </a:solidFill>
+              </a:rPr>
+              <a:t>ID Token</a:t>
+            </a:r>
+          </a:p>
+        </p:txBody>
+      </p:sp>
+      <p:cxnSp>
+        <p:nvCxnSpPr>
+          <p:cNvPr id="155" name="직선 화살표 연결선 154">
+            <a:extLst>
+              <a:ext uri="{FF2B5EF4-FFF2-40B4-BE49-F238E27FC236}">
+                <a16:creationId xmlns:a16="http://schemas.microsoft.com/office/drawing/2014/main" id="{8D189832-DD63-4BC9-B15F-DBA0EC4CDE39}"/>
+              </a:ext>
+            </a:extLst>
+          </p:cNvPr>
+          <p:cNvCxnSpPr>
+            <a:cxnSpLocks/>
+          </p:cNvCxnSpPr>
+          <p:nvPr/>
+        </p:nvCxnSpPr>
+        <p:spPr>
+          <a:xfrm flipH="1">
+            <a:off x="5256567" y="3660157"/>
+            <a:ext cx="1036419" cy="0"/>
+          </a:xfrm>
+          <a:prstGeom prst="straightConnector1">
+            <a:avLst/>
+          </a:prstGeom>
+          <a:ln w="19050">
+            <a:solidFill>
+              <a:schemeClr val="accent4"/>
+            </a:solidFill>
+            <a:headEnd type="arrow" w="med" len="med"/>
+            <a:tailEnd type="none" w="med" len="med"/>
+          </a:ln>
+        </p:spPr>
+        <p:style>
+          <a:lnRef idx="1">
+            <a:schemeClr val="accent1"/>
+          </a:lnRef>
+          <a:fillRef idx="0">
+            <a:schemeClr val="accent1"/>
+          </a:fillRef>
+          <a:effectRef idx="0">
+            <a:schemeClr val="accent1"/>
+          </a:effectRef>
+          <a:fontRef idx="minor">
+            <a:schemeClr val="tx1"/>
+          </a:fontRef>
+        </p:style>
+      </p:cxnSp>
+      <p:sp>
+        <p:nvSpPr>
+          <p:cNvPr id="156" name="타원 155">
+            <a:extLst>
+              <a:ext uri="{FF2B5EF4-FFF2-40B4-BE49-F238E27FC236}">
+                <a16:creationId xmlns:a16="http://schemas.microsoft.com/office/drawing/2014/main" id="{710D55AC-D869-484F-9BF2-5278B069B0CF}"/>
+              </a:ext>
+            </a:extLst>
+          </p:cNvPr>
+          <p:cNvSpPr/>
+          <p:nvPr/>
+        </p:nvSpPr>
+        <p:spPr>
+          <a:xfrm>
+            <a:off x="5141085" y="3557731"/>
+            <a:ext cx="208094" cy="208094"/>
+          </a:xfrm>
+          <a:prstGeom prst="ellipse">
+            <a:avLst/>
+          </a:prstGeom>
+          <a:ln>
+            <a:solidFill>
+              <a:schemeClr val="accent4"/>
+            </a:solidFill>
+          </a:ln>
+        </p:spPr>
+        <p:style>
+          <a:lnRef idx="2">
+            <a:schemeClr val="accent2"/>
+          </a:lnRef>
+          <a:fillRef idx="1">
+            <a:schemeClr val="lt1"/>
+          </a:fillRef>
+          <a:effectRef idx="0">
+            <a:schemeClr val="accent2"/>
+          </a:effectRef>
+          <a:fontRef idx="minor">
+            <a:schemeClr val="dk1"/>
+          </a:fontRef>
+        </p:style>
+        <p:txBody>
+          <a:bodyPr rtlCol="0" anchor="ctr"/>
+          <a:lstStyle/>
+          <a:p>
+            <a:pPr algn="ctr"/>
+            <a:r>
+              <a:rPr lang="en-US" altLang="ko-KR" sz="1100"/>
+              <a:t>6</a:t>
+            </a:r>
+            <a:endParaRPr lang="ko-KR" altLang="en-US" sz="1100"/>
+          </a:p>
+        </p:txBody>
+      </p:sp>
+      <p:sp>
+        <p:nvSpPr>
+          <p:cNvPr id="157" name="TextBox 156">
+            <a:extLst>
+              <a:ext uri="{FF2B5EF4-FFF2-40B4-BE49-F238E27FC236}">
+                <a16:creationId xmlns:a16="http://schemas.microsoft.com/office/drawing/2014/main" id="{BF772D9B-98B2-49E2-A7FA-B2D3F2C40E5C}"/>
               </a:ext>
             </a:extLst>
           </p:cNvPr>
@@ -4971,8 +6294,8 @@
         </p:nvSpPr>
         <p:spPr>
           <a:xfrm>
-            <a:off x="2422993" y="1608188"/>
-            <a:ext cx="708847" cy="400110"/>
+            <a:off x="5403128" y="3654752"/>
+            <a:ext cx="736099" cy="246221"/>
           </a:xfrm>
           <a:prstGeom prst="rect">
             <a:avLst/>
@@ -4987,26 +6310,22 @@
           <a:p>
             <a:pPr algn="ctr"/>
             <a:r>
-              <a:rPr lang="en-US" altLang="ko-KR" sz="1000"/>
-              <a:t>Request</a:t>
-            </a:r>
-          </a:p>
-          <a:p>
-            <a:pPr algn="ctr"/>
-            <a:r>
-              <a:rPr lang="en-US" altLang="ko-KR" sz="1000"/>
-              <a:t>ID Token</a:t>
-            </a:r>
-            <a:endParaRPr lang="ko-KR" altLang="en-US" sz="1000"/>
-          </a:p>
-        </p:txBody>
-      </p:sp>
-      <p:sp>
-        <p:nvSpPr>
-          <p:cNvPr id="139" name="TextBox 138">
-            <a:extLst>
-              <a:ext uri="{FF2B5EF4-FFF2-40B4-BE49-F238E27FC236}">
-                <a16:creationId xmlns:a16="http://schemas.microsoft.com/office/drawing/2014/main" id="{5B11BA11-9885-4D46-9FEF-09A6A9CAA034}"/>
+              <a:rPr lang="en-US" altLang="ko-KR" sz="1000">
+                <a:solidFill>
+                  <a:schemeClr val="accent4"/>
+                </a:solidFill>
+              </a:rPr>
+              <a:t>SA Token</a:t>
+            </a:r>
+          </a:p>
+        </p:txBody>
+      </p:sp>
+      <p:sp>
+        <p:nvSpPr>
+          <p:cNvPr id="158" name="TextBox 157">
+            <a:extLst>
+              <a:ext uri="{FF2B5EF4-FFF2-40B4-BE49-F238E27FC236}">
+                <a16:creationId xmlns:a16="http://schemas.microsoft.com/office/drawing/2014/main" id="{CEEF060C-56FB-439B-A8BC-F28BE24F26EB}"/>
               </a:ext>
             </a:extLst>
           </p:cNvPr>
@@ -5015,8 +6334,8 @@
         </p:nvSpPr>
         <p:spPr>
           <a:xfrm>
-            <a:off x="3571228" y="1614806"/>
-            <a:ext cx="708848" cy="246221"/>
+            <a:off x="4228437" y="3701526"/>
+            <a:ext cx="652743" cy="553998"/>
           </a:xfrm>
           <a:prstGeom prst="rect">
             <a:avLst/>
@@ -5031,19 +6350,49 @@
           <a:p>
             <a:pPr algn="ctr"/>
             <a:r>
-              <a:rPr lang="en-US" altLang="ko-KR" sz="1000"/>
-              <a:t>ID Token</a:t>
-            </a:r>
-            <a:endParaRPr lang="ko-KR" altLang="en-US" sz="1000"/>
-          </a:p>
-        </p:txBody>
-      </p:sp>
-      <p:sp>
-        <p:nvSpPr>
-          <p:cNvPr id="140" name="TextBox 139">
-            <a:extLst>
-              <a:ext uri="{FF2B5EF4-FFF2-40B4-BE49-F238E27FC236}">
-                <a16:creationId xmlns:a16="http://schemas.microsoft.com/office/drawing/2014/main" id="{CF357FE5-36F0-41D4-91C4-BD47505AB0E4}"/>
+              <a:rPr lang="en-US" altLang="ko-KR" sz="1000">
+                <a:solidFill>
+                  <a:srgbClr val="C00000"/>
+                </a:solidFill>
+              </a:rPr>
+              <a:t>Request</a:t>
+            </a:r>
+          </a:p>
+          <a:p>
+            <a:pPr algn="ctr"/>
+            <a:r>
+              <a:rPr lang="en-US" altLang="ko-KR" sz="1000">
+                <a:solidFill>
+                  <a:srgbClr val="C00000"/>
+                </a:solidFill>
+              </a:rPr>
+              <a:t>Create</a:t>
+            </a:r>
+          </a:p>
+          <a:p>
+            <a:pPr algn="ctr"/>
+            <a:r>
+              <a:rPr lang="en-US" altLang="ko-KR" sz="1000">
+                <a:solidFill>
+                  <a:srgbClr val="C00000"/>
+                </a:solidFill>
+              </a:rPr>
+              <a:t>Pod</a:t>
+            </a:r>
+            <a:endParaRPr lang="ko-KR" altLang="en-US" sz="1000">
+              <a:solidFill>
+                <a:srgbClr val="C00000"/>
+              </a:solidFill>
+            </a:endParaRPr>
+          </a:p>
+        </p:txBody>
+      </p:sp>
+      <p:sp>
+        <p:nvSpPr>
+          <p:cNvPr id="159" name="TextBox 158">
+            <a:extLst>
+              <a:ext uri="{FF2B5EF4-FFF2-40B4-BE49-F238E27FC236}">
+                <a16:creationId xmlns:a16="http://schemas.microsoft.com/office/drawing/2014/main" id="{F959D2C3-1ABC-440D-8138-D7D403BE60F9}"/>
               </a:ext>
             </a:extLst>
           </p:cNvPr>
@@ -5052,8 +6401,8 @@
         </p:nvSpPr>
         <p:spPr>
           <a:xfrm>
-            <a:off x="2730005" y="2665824"/>
-            <a:ext cx="833883" cy="553998"/>
+            <a:off x="2475476" y="3365039"/>
+            <a:ext cx="736100" cy="246221"/>
           </a:xfrm>
           <a:prstGeom prst="rect">
             <a:avLst/>
@@ -5068,33 +6417,67 @@
           <a:p>
             <a:pPr algn="ctr"/>
             <a:r>
-              <a:rPr lang="en-US" altLang="ko-KR" sz="1000"/>
-              <a:t>Mutated</a:t>
-            </a:r>
-          </a:p>
-          <a:p>
-            <a:pPr algn="ctr"/>
-            <a:r>
-              <a:rPr lang="en-US" altLang="ko-KR" sz="1000"/>
-              <a:t>Request</a:t>
-            </a:r>
-          </a:p>
-          <a:p>
-            <a:pPr algn="ctr"/>
-            <a:r>
-              <a:rPr lang="en-US" altLang="ko-KR" sz="1000"/>
-              <a:t>Create Pod</a:t>
-            </a:r>
-            <a:endParaRPr lang="ko-KR" altLang="en-US" sz="1000"/>
-          </a:p>
-        </p:txBody>
-      </p:sp>
-      <p:sp>
-        <p:nvSpPr>
-          <p:cNvPr id="146" name="TextBox 145">
-            <a:extLst>
-              <a:ext uri="{FF2B5EF4-FFF2-40B4-BE49-F238E27FC236}">
-                <a16:creationId xmlns:a16="http://schemas.microsoft.com/office/drawing/2014/main" id="{3A6CE7B2-F373-42B2-814B-329A0F50516E}"/>
+              <a:rPr lang="en-US" altLang="ko-KR" sz="1000">
+                <a:solidFill>
+                  <a:schemeClr val="accent4"/>
+                </a:solidFill>
+              </a:rPr>
+              <a:t>SA Token</a:t>
+            </a:r>
+          </a:p>
+        </p:txBody>
+      </p:sp>
+      <p:cxnSp>
+        <p:nvCxnSpPr>
+          <p:cNvPr id="160" name="직선 화살표 연결선 159">
+            <a:extLst>
+              <a:ext uri="{FF2B5EF4-FFF2-40B4-BE49-F238E27FC236}">
+                <a16:creationId xmlns:a16="http://schemas.microsoft.com/office/drawing/2014/main" id="{1A11A6EA-C533-4107-8465-9DFC7BD2C343}"/>
+              </a:ext>
+            </a:extLst>
+          </p:cNvPr>
+          <p:cNvCxnSpPr>
+            <a:cxnSpLocks/>
+          </p:cNvCxnSpPr>
+          <p:nvPr/>
+        </p:nvCxnSpPr>
+        <p:spPr>
+          <a:xfrm>
+            <a:off x="7740352" y="2203132"/>
+            <a:ext cx="0" cy="1012735"/>
+          </a:xfrm>
+          <a:prstGeom prst="straightConnector1">
+            <a:avLst/>
+          </a:prstGeom>
+          <a:ln w="19050">
+            <a:solidFill>
+              <a:schemeClr val="accent4"/>
+            </a:solidFill>
+            <a:headEnd type="arrow" w="med" len="med"/>
+            <a:tailEnd type="none" w="med" len="med"/>
+          </a:ln>
+        </p:spPr>
+        <p:style>
+          <a:lnRef idx="1">
+            <a:schemeClr val="accent1"/>
+          </a:lnRef>
+          <a:fillRef idx="0">
+            <a:schemeClr val="accent1"/>
+          </a:fillRef>
+          <a:effectRef idx="0">
+            <a:schemeClr val="accent1"/>
+          </a:effectRef>
+          <a:fontRef idx="minor">
+            <a:schemeClr val="tx1"/>
+          </a:fontRef>
+        </p:style>
+      </p:cxnSp>
+      <p:sp>
+        <p:nvSpPr>
+          <p:cNvPr id="162" name="TextBox 161">
+            <a:extLst>
+              <a:ext uri="{FF2B5EF4-FFF2-40B4-BE49-F238E27FC236}">
+                <a16:creationId xmlns:a16="http://schemas.microsoft.com/office/drawing/2014/main" id="{F6A31C68-7D55-47C1-857C-15841B5DF84F}"/>
               </a:ext>
             </a:extLst>
           </p:cNvPr>
@@ -5103,8 +6486,8 @@
         </p:nvSpPr>
         <p:spPr>
           <a:xfrm>
-            <a:off x="2792523" y="3611800"/>
-            <a:ext cx="708847" cy="400110"/>
+            <a:off x="7706636" y="2595346"/>
+            <a:ext cx="736099" cy="400110"/>
           </a:xfrm>
           <a:prstGeom prst="rect">
             <a:avLst/>
@@ -5119,26 +6502,133 @@
           <a:p>
             <a:pPr algn="ctr"/>
             <a:r>
-              <a:rPr lang="en-US" altLang="ko-KR" sz="1000"/>
-              <a:t>Inject </a:t>
-            </a:r>
-          </a:p>
-          <a:p>
-            <a:pPr algn="ctr"/>
-            <a:r>
-              <a:rPr lang="en-US" altLang="ko-KR" sz="1000"/>
-              <a:t>ID Token</a:t>
-            </a:r>
-            <a:endParaRPr lang="ko-KR" altLang="en-US" sz="1000"/>
-          </a:p>
-        </p:txBody>
-      </p:sp>
-      <p:sp>
-        <p:nvSpPr>
-          <p:cNvPr id="150" name="TextBox 149">
-            <a:extLst>
-              <a:ext uri="{FF2B5EF4-FFF2-40B4-BE49-F238E27FC236}">
-                <a16:creationId xmlns:a16="http://schemas.microsoft.com/office/drawing/2014/main" id="{D09199DA-B8EA-4484-A0F1-FF79C4CB1ABF}"/>
+              <a:rPr lang="en-US" altLang="ko-KR" sz="1000">
+                <a:solidFill>
+                  <a:schemeClr val="accent4"/>
+                </a:solidFill>
+              </a:rPr>
+              <a:t>Inject</a:t>
+            </a:r>
+          </a:p>
+          <a:p>
+            <a:pPr algn="ctr"/>
+            <a:r>
+              <a:rPr lang="en-US" altLang="ko-KR" sz="1000">
+                <a:solidFill>
+                  <a:schemeClr val="accent4"/>
+                </a:solidFill>
+              </a:rPr>
+              <a:t>SA Token</a:t>
+            </a:r>
+          </a:p>
+        </p:txBody>
+      </p:sp>
+      <p:sp>
+        <p:nvSpPr>
+          <p:cNvPr id="164" name="타원 163">
+            <a:extLst>
+              <a:ext uri="{FF2B5EF4-FFF2-40B4-BE49-F238E27FC236}">
+                <a16:creationId xmlns:a16="http://schemas.microsoft.com/office/drawing/2014/main" id="{9542EE46-3292-4531-8002-3F9FD015D4EC}"/>
+              </a:ext>
+            </a:extLst>
+          </p:cNvPr>
+          <p:cNvSpPr/>
+          <p:nvPr/>
+        </p:nvSpPr>
+        <p:spPr>
+          <a:xfrm>
+            <a:off x="7636306" y="3097918"/>
+            <a:ext cx="208094" cy="208094"/>
+          </a:xfrm>
+          <a:prstGeom prst="ellipse">
+            <a:avLst/>
+          </a:prstGeom>
+          <a:ln>
+            <a:solidFill>
+              <a:schemeClr val="accent4"/>
+            </a:solidFill>
+          </a:ln>
+        </p:spPr>
+        <p:style>
+          <a:lnRef idx="2">
+            <a:schemeClr val="accent2"/>
+          </a:lnRef>
+          <a:fillRef idx="1">
+            <a:schemeClr val="lt1"/>
+          </a:fillRef>
+          <a:effectRef idx="0">
+            <a:schemeClr val="accent2"/>
+          </a:effectRef>
+          <a:fontRef idx="minor">
+            <a:schemeClr val="dk1"/>
+          </a:fontRef>
+        </p:style>
+        <p:txBody>
+          <a:bodyPr rtlCol="0" anchor="ctr"/>
+          <a:lstStyle/>
+          <a:p>
+            <a:pPr algn="ctr"/>
+            <a:r>
+              <a:rPr lang="en-US" altLang="ko-KR" sz="1100"/>
+              <a:t>7</a:t>
+            </a:r>
+            <a:endParaRPr lang="ko-KR" altLang="en-US" sz="1100"/>
+          </a:p>
+        </p:txBody>
+      </p:sp>
+      <p:cxnSp>
+        <p:nvCxnSpPr>
+          <p:cNvPr id="167" name="직선 화살표 연결선 166">
+            <a:extLst>
+              <a:ext uri="{FF2B5EF4-FFF2-40B4-BE49-F238E27FC236}">
+                <a16:creationId xmlns:a16="http://schemas.microsoft.com/office/drawing/2014/main" id="{27B18424-54D8-472C-9DA4-0FA22A5654DF}"/>
+              </a:ext>
+            </a:extLst>
+          </p:cNvPr>
+          <p:cNvCxnSpPr>
+            <a:cxnSpLocks/>
+          </p:cNvCxnSpPr>
+          <p:nvPr/>
+        </p:nvCxnSpPr>
+        <p:spPr>
+          <a:xfrm>
+            <a:off x="5436096" y="4465515"/>
+            <a:ext cx="374194" cy="1"/>
+          </a:xfrm>
+          <a:prstGeom prst="straightConnector1">
+            <a:avLst/>
+          </a:prstGeom>
+          <a:ln w="19050">
+            <a:solidFill>
+              <a:schemeClr val="accent3">
+                <a:lumMod val="75000"/>
+              </a:schemeClr>
+            </a:solidFill>
+            <a:headEnd type="none" w="med" len="med"/>
+            <a:tailEnd type="arrow" w="med" len="med"/>
+          </a:ln>
+        </p:spPr>
+        <p:style>
+          <a:lnRef idx="1">
+            <a:schemeClr val="accent1"/>
+          </a:lnRef>
+          <a:fillRef idx="0">
+            <a:schemeClr val="accent1"/>
+          </a:fillRef>
+          <a:effectRef idx="0">
+            <a:schemeClr val="accent1"/>
+          </a:effectRef>
+          <a:fontRef idx="minor">
+            <a:schemeClr val="tx1"/>
+          </a:fontRef>
+        </p:style>
+      </p:cxnSp>
+      <p:sp>
+        <p:nvSpPr>
+          <p:cNvPr id="169" name="TextBox 168">
+            <a:extLst>
+              <a:ext uri="{FF2B5EF4-FFF2-40B4-BE49-F238E27FC236}">
+                <a16:creationId xmlns:a16="http://schemas.microsoft.com/office/drawing/2014/main" id="{B14DF2C7-3C99-401D-913D-9CB412A0D702}"/>
               </a:ext>
             </a:extLst>
           </p:cNvPr>
@@ -5147,8 +6637,8 @@
         </p:nvSpPr>
         <p:spPr>
           <a:xfrm>
-            <a:off x="5220072" y="3291830"/>
-            <a:ext cx="708848" cy="246221"/>
+            <a:off x="5806860" y="4345601"/>
+            <a:ext cx="1398140" cy="230832"/>
           </a:xfrm>
           <a:prstGeom prst="rect">
             <a:avLst/>
@@ -5161,21 +6651,65 @@
           </a:bodyPr>
           <a:lstStyle/>
           <a:p>
-            <a:pPr algn="ctr"/>
-            <a:r>
-              <a:rPr lang="en-US" altLang="ko-KR" sz="1000"/>
-              <a:t>ID Token</a:t>
-            </a:r>
-            <a:endParaRPr lang="ko-KR" altLang="en-US" sz="1000"/>
-          </a:p>
-        </p:txBody>
-      </p:sp>
-      <p:sp>
-        <p:nvSpPr>
-          <p:cNvPr id="163" name="TextBox 162">
-            <a:extLst>
-              <a:ext uri="{FF2B5EF4-FFF2-40B4-BE49-F238E27FC236}">
-                <a16:creationId xmlns:a16="http://schemas.microsoft.com/office/drawing/2014/main" id="{536F1EFE-F008-417A-A95B-99EB7F120C45}"/>
+            <a:r>
+              <a:rPr lang="en-US" altLang="ko-KR" sz="900"/>
+              <a:t>Create Service Account</a:t>
+            </a:r>
+            <a:endParaRPr lang="ko-KR" altLang="en-US" sz="900"/>
+          </a:p>
+        </p:txBody>
+      </p:sp>
+      <p:cxnSp>
+        <p:nvCxnSpPr>
+          <p:cNvPr id="170" name="직선 화살표 연결선 169">
+            <a:extLst>
+              <a:ext uri="{FF2B5EF4-FFF2-40B4-BE49-F238E27FC236}">
+                <a16:creationId xmlns:a16="http://schemas.microsoft.com/office/drawing/2014/main" id="{0FD39B26-DD32-4BF2-BB2A-4C77D38C9D83}"/>
+              </a:ext>
+            </a:extLst>
+          </p:cNvPr>
+          <p:cNvCxnSpPr>
+            <a:cxnSpLocks/>
+          </p:cNvCxnSpPr>
+          <p:nvPr/>
+        </p:nvCxnSpPr>
+        <p:spPr>
+          <a:xfrm>
+            <a:off x="5436096" y="4697193"/>
+            <a:ext cx="374194" cy="1"/>
+          </a:xfrm>
+          <a:prstGeom prst="straightConnector1">
+            <a:avLst/>
+          </a:prstGeom>
+          <a:ln w="19050">
+            <a:solidFill>
+              <a:srgbClr val="C00000"/>
+            </a:solidFill>
+            <a:headEnd type="none" w="med" len="med"/>
+            <a:tailEnd type="arrow" w="med" len="med"/>
+          </a:ln>
+        </p:spPr>
+        <p:style>
+          <a:lnRef idx="1">
+            <a:schemeClr val="accent1"/>
+          </a:lnRef>
+          <a:fillRef idx="0">
+            <a:schemeClr val="accent1"/>
+          </a:fillRef>
+          <a:effectRef idx="0">
+            <a:schemeClr val="accent1"/>
+          </a:effectRef>
+          <a:fontRef idx="minor">
+            <a:schemeClr val="tx1"/>
+          </a:fontRef>
+        </p:style>
+      </p:cxnSp>
+      <p:sp>
+        <p:nvSpPr>
+          <p:cNvPr id="171" name="TextBox 170">
+            <a:extLst>
+              <a:ext uri="{FF2B5EF4-FFF2-40B4-BE49-F238E27FC236}">
+                <a16:creationId xmlns:a16="http://schemas.microsoft.com/office/drawing/2014/main" id="{3F8955B8-E538-49CA-8996-1874D254F6F1}"/>
               </a:ext>
             </a:extLst>
           </p:cNvPr>
@@ -5184,8 +6718,8 @@
         </p:nvSpPr>
         <p:spPr>
           <a:xfrm>
-            <a:off x="4773141" y="1595168"/>
-            <a:ext cx="891591" cy="400110"/>
+            <a:off x="5806860" y="4577279"/>
+            <a:ext cx="766557" cy="230832"/>
           </a:xfrm>
           <a:prstGeom prst="rect">
             <a:avLst/>
@@ -5198,27 +6732,65 @@
           </a:bodyPr>
           <a:lstStyle/>
           <a:p>
-            <a:pPr algn="ctr"/>
-            <a:r>
-              <a:rPr lang="en-US" altLang="ko-KR" sz="1000"/>
-              <a:t>Request </a:t>
-            </a:r>
-          </a:p>
-          <a:p>
-            <a:pPr algn="ctr"/>
-            <a:r>
-              <a:rPr lang="en-US" altLang="ko-KR" sz="1000"/>
-              <a:t>Check Roles</a:t>
-            </a:r>
-          </a:p>
-        </p:txBody>
-      </p:sp>
-      <p:sp>
-        <p:nvSpPr>
-          <p:cNvPr id="165" name="TextBox 164">
-            <a:extLst>
-              <a:ext uri="{FF2B5EF4-FFF2-40B4-BE49-F238E27FC236}">
-                <a16:creationId xmlns:a16="http://schemas.microsoft.com/office/drawing/2014/main" id="{65C1951F-B882-4D30-8834-668405F6ABAD}"/>
+            <a:r>
+              <a:rPr lang="en-US" altLang="ko-KR" sz="900"/>
+              <a:t>Create Pod</a:t>
+            </a:r>
+            <a:endParaRPr lang="ko-KR" altLang="en-US" sz="900"/>
+          </a:p>
+        </p:txBody>
+      </p:sp>
+      <p:cxnSp>
+        <p:nvCxnSpPr>
+          <p:cNvPr id="172" name="직선 화살표 연결선 171">
+            <a:extLst>
+              <a:ext uri="{FF2B5EF4-FFF2-40B4-BE49-F238E27FC236}">
+                <a16:creationId xmlns:a16="http://schemas.microsoft.com/office/drawing/2014/main" id="{3E4589F8-CBBE-4D57-94B9-65F3285F6E86}"/>
+              </a:ext>
+            </a:extLst>
+          </p:cNvPr>
+          <p:cNvCxnSpPr>
+            <a:cxnSpLocks/>
+          </p:cNvCxnSpPr>
+          <p:nvPr/>
+        </p:nvCxnSpPr>
+        <p:spPr>
+          <a:xfrm>
+            <a:off x="7236296" y="4460731"/>
+            <a:ext cx="374194" cy="1"/>
+          </a:xfrm>
+          <a:prstGeom prst="straightConnector1">
+            <a:avLst/>
+          </a:prstGeom>
+          <a:ln w="19050">
+            <a:solidFill>
+              <a:schemeClr val="accent4"/>
+            </a:solidFill>
+            <a:headEnd type="none" w="med" len="med"/>
+            <a:tailEnd type="arrow" w="med" len="med"/>
+          </a:ln>
+        </p:spPr>
+        <p:style>
+          <a:lnRef idx="1">
+            <a:schemeClr val="accent1"/>
+          </a:lnRef>
+          <a:fillRef idx="0">
+            <a:schemeClr val="accent1"/>
+          </a:fillRef>
+          <a:effectRef idx="0">
+            <a:schemeClr val="accent1"/>
+          </a:effectRef>
+          <a:fontRef idx="minor">
+            <a:schemeClr val="tx1"/>
+          </a:fontRef>
+        </p:style>
+      </p:cxnSp>
+      <p:sp>
+        <p:nvSpPr>
+          <p:cNvPr id="174" name="TextBox 173">
+            <a:extLst>
+              <a:ext uri="{FF2B5EF4-FFF2-40B4-BE49-F238E27FC236}">
+                <a16:creationId xmlns:a16="http://schemas.microsoft.com/office/drawing/2014/main" id="{79D53839-2EBC-4704-8DA1-499975962DD5}"/>
               </a:ext>
             </a:extLst>
           </p:cNvPr>
@@ -5227,8 +6799,8 @@
         </p:nvSpPr>
         <p:spPr>
           <a:xfrm>
-            <a:off x="5148186" y="987574"/>
-            <a:ext cx="891591" cy="400110"/>
+            <a:off x="7607060" y="4340817"/>
+            <a:ext cx="1268296" cy="230832"/>
           </a:xfrm>
           <a:prstGeom prst="rect">
             <a:avLst/>
@@ -5241,27 +6813,65 @@
           </a:bodyPr>
           <a:lstStyle/>
           <a:p>
-            <a:pPr algn="ctr"/>
-            <a:r>
-              <a:rPr lang="en-US" altLang="ko-KR" sz="1000"/>
-              <a:t>Response </a:t>
-            </a:r>
-          </a:p>
-          <a:p>
-            <a:pPr algn="ctr"/>
-            <a:r>
-              <a:rPr lang="en-US" altLang="ko-KR" sz="1000"/>
-              <a:t>Check Roles</a:t>
-            </a:r>
-          </a:p>
-        </p:txBody>
-      </p:sp>
-      <p:sp>
-        <p:nvSpPr>
-          <p:cNvPr id="168" name="TextBox 167">
-            <a:extLst>
-              <a:ext uri="{FF2B5EF4-FFF2-40B4-BE49-F238E27FC236}">
-                <a16:creationId xmlns:a16="http://schemas.microsoft.com/office/drawing/2014/main" id="{39F1D2AA-8D1D-4AD5-B7B9-813E9DE34EE0}"/>
+            <a:r>
+              <a:rPr lang="en-US" altLang="ko-KR" sz="900"/>
+              <a:t>Create/Rotate Token</a:t>
+            </a:r>
+            <a:endParaRPr lang="ko-KR" altLang="en-US" sz="900"/>
+          </a:p>
+        </p:txBody>
+      </p:sp>
+      <p:cxnSp>
+        <p:nvCxnSpPr>
+          <p:cNvPr id="175" name="직선 화살표 연결선 174">
+            <a:extLst>
+              <a:ext uri="{FF2B5EF4-FFF2-40B4-BE49-F238E27FC236}">
+                <a16:creationId xmlns:a16="http://schemas.microsoft.com/office/drawing/2014/main" id="{B44A8906-50BD-48BB-A504-365B907B63BA}"/>
+              </a:ext>
+            </a:extLst>
+          </p:cNvPr>
+          <p:cNvCxnSpPr>
+            <a:cxnSpLocks/>
+          </p:cNvCxnSpPr>
+          <p:nvPr/>
+        </p:nvCxnSpPr>
+        <p:spPr>
+          <a:xfrm>
+            <a:off x="7236296" y="4704390"/>
+            <a:ext cx="374194" cy="1"/>
+          </a:xfrm>
+          <a:prstGeom prst="straightConnector1">
+            <a:avLst/>
+          </a:prstGeom>
+          <a:ln w="19050">
+            <a:solidFill>
+              <a:schemeClr val="tx2"/>
+            </a:solidFill>
+            <a:headEnd type="none" w="med" len="med"/>
+            <a:tailEnd type="arrow" w="med" len="med"/>
+          </a:ln>
+        </p:spPr>
+        <p:style>
+          <a:lnRef idx="1">
+            <a:schemeClr val="accent1"/>
+          </a:lnRef>
+          <a:fillRef idx="0">
+            <a:schemeClr val="accent1"/>
+          </a:fillRef>
+          <a:effectRef idx="0">
+            <a:schemeClr val="accent1"/>
+          </a:effectRef>
+          <a:fontRef idx="minor">
+            <a:schemeClr val="tx1"/>
+          </a:fontRef>
+        </p:style>
+      </p:cxnSp>
+      <p:sp>
+        <p:nvSpPr>
+          <p:cNvPr id="176" name="TextBox 175">
+            <a:extLst>
+              <a:ext uri="{FF2B5EF4-FFF2-40B4-BE49-F238E27FC236}">
+                <a16:creationId xmlns:a16="http://schemas.microsoft.com/office/drawing/2014/main" id="{4A92B1C6-5EA6-436D-930A-BD4AF14DF852}"/>
               </a:ext>
             </a:extLst>
           </p:cNvPr>
@@ -5270,8 +6880,8 @@
         </p:nvSpPr>
         <p:spPr>
           <a:xfrm>
-            <a:off x="7136277" y="2921879"/>
-            <a:ext cx="832280" cy="246221"/>
+            <a:off x="7607060" y="4584476"/>
+            <a:ext cx="736099" cy="230832"/>
           </a:xfrm>
           <a:prstGeom prst="rect">
             <a:avLst/>
@@ -5284,56 +6894,11 @@
           </a:bodyPr>
           <a:lstStyle/>
           <a:p>
-            <a:pPr algn="ctr"/>
-            <a:r>
-              <a:rPr lang="en-US" altLang="ko-KR" sz="1000"/>
-              <a:t>Credentials</a:t>
-            </a:r>
-            <a:endParaRPr lang="ko-KR" altLang="en-US" sz="1000"/>
-          </a:p>
-        </p:txBody>
-      </p:sp>
-      <p:sp>
-        <p:nvSpPr>
-          <p:cNvPr id="173" name="TextBox 172">
-            <a:extLst>
-              <a:ext uri="{FF2B5EF4-FFF2-40B4-BE49-F238E27FC236}">
-                <a16:creationId xmlns:a16="http://schemas.microsoft.com/office/drawing/2014/main" id="{03FA234C-EA5C-4639-B74C-BD3869DD8227}"/>
-              </a:ext>
-            </a:extLst>
-          </p:cNvPr>
-          <p:cNvSpPr txBox="1"/>
-          <p:nvPr/>
-        </p:nvSpPr>
-        <p:spPr>
-          <a:xfrm>
-            <a:off x="3917145" y="3014830"/>
-            <a:ext cx="942887" cy="400110"/>
-          </a:xfrm>
-          <a:prstGeom prst="rect">
-            <a:avLst/>
-          </a:prstGeom>
-          <a:noFill/>
-        </p:spPr>
-        <p:txBody>
-          <a:bodyPr wrap="none" rtlCol="0" anchor="ctr">
-            <a:spAutoFit/>
-          </a:bodyPr>
-          <a:lstStyle/>
-          <a:p>
-            <a:pPr algn="ctr"/>
-            <a:r>
-              <a:rPr lang="en-US" altLang="ko-KR" sz="1000"/>
-              <a:t>Request with</a:t>
-            </a:r>
-          </a:p>
-          <a:p>
-            <a:pPr algn="ctr"/>
-            <a:r>
-              <a:rPr lang="en-US" altLang="ko-KR" sz="1000"/>
-              <a:t>Credentials</a:t>
-            </a:r>
-            <a:endParaRPr lang="ko-KR" altLang="en-US" sz="1000"/>
+            <a:r>
+              <a:rPr lang="en-US" altLang="ko-KR" sz="900"/>
+              <a:t>Use Token</a:t>
+            </a:r>
+            <a:endParaRPr lang="ko-KR" altLang="en-US" sz="900"/>
           </a:p>
         </p:txBody>
       </p:sp>
@@ -5341,6 +6906,3901 @@
     <p:extLst>
       <p:ext uri="{BB962C8B-B14F-4D97-AF65-F5344CB8AC3E}">
         <p14:creationId xmlns:p14="http://schemas.microsoft.com/office/powerpoint/2010/main" val="1828382803"/>
+      </p:ext>
+    </p:extLst>
+  </p:cSld>
+  <p:clrMapOvr>
+    <a:masterClrMapping/>
+  </p:clrMapOvr>
+</p:sld>
+</file>
+
+<file path=ppt/slides/slide2.xml><?xml version="1.0" encoding="utf-8"?>
+<p:sld xmlns:a="http://schemas.openxmlformats.org/drawingml/2006/main" xmlns:r="http://schemas.openxmlformats.org/officeDocument/2006/relationships" xmlns:p="http://schemas.openxmlformats.org/presentationml/2006/main">
+  <p:cSld>
+    <p:spTree>
+      <p:nvGrpSpPr>
+        <p:cNvPr id="1" name=""/>
+        <p:cNvGrpSpPr/>
+        <p:nvPr/>
+      </p:nvGrpSpPr>
+      <p:grpSpPr>
+        <a:xfrm>
+          <a:off x="0" y="0"/>
+          <a:ext cx="0" cy="0"/>
+          <a:chOff x="0" y="0"/>
+          <a:chExt cx="0" cy="0"/>
+        </a:xfrm>
+      </p:grpSpPr>
+    </p:spTree>
+    <p:extLst>
+      <p:ext uri="{BB962C8B-B14F-4D97-AF65-F5344CB8AC3E}">
+        <p14:creationId xmlns:p14="http://schemas.microsoft.com/office/powerpoint/2010/main" val="596596726"/>
+      </p:ext>
+    </p:extLst>
+  </p:cSld>
+  <p:clrMapOvr>
+    <a:masterClrMapping/>
+  </p:clrMapOvr>
+</p:sld>
+</file>
+
+<file path=ppt/slides/slide3.xml><?xml version="1.0" encoding="utf-8"?>
+<p:sld xmlns:a="http://schemas.openxmlformats.org/drawingml/2006/main" xmlns:r="http://schemas.openxmlformats.org/officeDocument/2006/relationships" xmlns:p="http://schemas.openxmlformats.org/presentationml/2006/main">
+  <p:cSld>
+    <p:spTree>
+      <p:nvGrpSpPr>
+        <p:cNvPr id="1" name=""/>
+        <p:cNvGrpSpPr/>
+        <p:nvPr/>
+      </p:nvGrpSpPr>
+      <p:grpSpPr>
+        <a:xfrm>
+          <a:off x="0" y="0"/>
+          <a:ext cx="0" cy="0"/>
+          <a:chOff x="0" y="0"/>
+          <a:chExt cx="0" cy="0"/>
+        </a:xfrm>
+      </p:grpSpPr>
+      <p:sp>
+        <p:nvSpPr>
+          <p:cNvPr id="2" name="제목 1"/>
+          <p:cNvSpPr>
+            <a:spLocks noGrp="1"/>
+          </p:cNvSpPr>
+          <p:nvPr>
+            <p:ph type="title"/>
+          </p:nvPr>
+        </p:nvSpPr>
+        <p:spPr>
+          <a:xfrm>
+            <a:off x="457200" y="-20538"/>
+            <a:ext cx="8229600" cy="720080"/>
+          </a:xfrm>
+        </p:spPr>
+        <p:txBody>
+          <a:bodyPr>
+            <a:normAutofit/>
+          </a:bodyPr>
+          <a:lstStyle/>
+          <a:p>
+            <a:r>
+              <a:rPr lang="en-US" altLang="ko-KR" sz="3600"/>
+              <a:t>AWS</a:t>
+            </a:r>
+            <a:endParaRPr lang="ko-KR" altLang="en-US" sz="3600" dirty="0"/>
+          </a:p>
+        </p:txBody>
+      </p:sp>
+      <p:sp>
+        <p:nvSpPr>
+          <p:cNvPr id="3" name="사각형: 둥근 모서리 2">
+            <a:extLst>
+              <a:ext uri="{FF2B5EF4-FFF2-40B4-BE49-F238E27FC236}">
+                <a16:creationId xmlns:a16="http://schemas.microsoft.com/office/drawing/2014/main" id="{D3D7A814-FC3C-4572-A544-F1EC3D78E5EF}"/>
+              </a:ext>
+            </a:extLst>
+          </p:cNvPr>
+          <p:cNvSpPr/>
+          <p:nvPr/>
+        </p:nvSpPr>
+        <p:spPr>
+          <a:xfrm>
+            <a:off x="1691680" y="1150306"/>
+            <a:ext cx="3888432" cy="504056"/>
+          </a:xfrm>
+          <a:prstGeom prst="roundRect">
+            <a:avLst/>
+          </a:prstGeom>
+        </p:spPr>
+        <p:style>
+          <a:lnRef idx="2">
+            <a:schemeClr val="dk1"/>
+          </a:lnRef>
+          <a:fillRef idx="1">
+            <a:schemeClr val="lt1"/>
+          </a:fillRef>
+          <a:effectRef idx="0">
+            <a:schemeClr val="dk1"/>
+          </a:effectRef>
+          <a:fontRef idx="minor">
+            <a:schemeClr val="dk1"/>
+          </a:fontRef>
+        </p:style>
+        <p:txBody>
+          <a:bodyPr rtlCol="0" anchor="ctr"/>
+          <a:lstStyle/>
+          <a:p>
+            <a:pPr algn="ctr"/>
+            <a:r>
+              <a:rPr lang="en-US" altLang="ko-KR" sz="1200"/>
+              <a:t>https://oidc.eks.&lt;region&gt;.amazonaws.com/id/&lt;id&gt;</a:t>
+            </a:r>
+            <a:endParaRPr lang="en-US" altLang="ko-KR" sz="1400"/>
+          </a:p>
+          <a:p>
+            <a:pPr algn="ctr"/>
+            <a:r>
+              <a:rPr lang="en-US" altLang="ko-KR" sz="1400" b="1"/>
+              <a:t>AWS EKS OIDC Identity Provider</a:t>
+            </a:r>
+            <a:endParaRPr lang="ko-KR" altLang="en-US" sz="1400" b="1"/>
+          </a:p>
+        </p:txBody>
+      </p:sp>
+      <p:sp>
+        <p:nvSpPr>
+          <p:cNvPr id="42" name="사각형: 둥근 모서리 41">
+            <a:extLst>
+              <a:ext uri="{FF2B5EF4-FFF2-40B4-BE49-F238E27FC236}">
+                <a16:creationId xmlns:a16="http://schemas.microsoft.com/office/drawing/2014/main" id="{0FDB96E6-2149-4CCF-BE68-82CB50955BBF}"/>
+              </a:ext>
+            </a:extLst>
+          </p:cNvPr>
+          <p:cNvSpPr/>
+          <p:nvPr/>
+        </p:nvSpPr>
+        <p:spPr>
+          <a:xfrm>
+            <a:off x="3425003" y="2329080"/>
+            <a:ext cx="2156282" cy="504056"/>
+          </a:xfrm>
+          <a:prstGeom prst="roundRect">
+            <a:avLst/>
+          </a:prstGeom>
+        </p:spPr>
+        <p:style>
+          <a:lnRef idx="2">
+            <a:schemeClr val="dk1"/>
+          </a:lnRef>
+          <a:fillRef idx="1">
+            <a:schemeClr val="lt1"/>
+          </a:fillRef>
+          <a:effectRef idx="0">
+            <a:schemeClr val="dk1"/>
+          </a:effectRef>
+          <a:fontRef idx="minor">
+            <a:schemeClr val="dk1"/>
+          </a:fontRef>
+        </p:style>
+        <p:txBody>
+          <a:bodyPr rtlCol="0" anchor="ctr"/>
+          <a:lstStyle/>
+          <a:p>
+            <a:pPr algn="ctr"/>
+            <a:r>
+              <a:rPr lang="en-US" altLang="ko-KR" sz="1400" b="1"/>
+              <a:t>P</a:t>
+            </a:r>
+            <a:r>
+              <a:rPr lang="ko-KR" altLang="en-US" sz="1400" b="1"/>
+              <a:t>od </a:t>
+            </a:r>
+            <a:r>
+              <a:rPr lang="en-US" altLang="ko-KR" sz="1400" b="1"/>
+              <a:t>I</a:t>
+            </a:r>
+            <a:r>
+              <a:rPr lang="ko-KR" altLang="en-US" sz="1400" b="1"/>
+              <a:t>dentity </a:t>
+            </a:r>
+            <a:r>
+              <a:rPr lang="en-US" altLang="ko-KR" sz="1400" b="1"/>
+              <a:t>W</a:t>
+            </a:r>
+            <a:r>
+              <a:rPr lang="ko-KR" altLang="en-US" sz="1400" b="1"/>
+              <a:t>ebhook</a:t>
+            </a:r>
+          </a:p>
+        </p:txBody>
+      </p:sp>
+      <p:sp>
+        <p:nvSpPr>
+          <p:cNvPr id="43" name="사각형: 둥근 모서리 42">
+            <a:extLst>
+              <a:ext uri="{FF2B5EF4-FFF2-40B4-BE49-F238E27FC236}">
+                <a16:creationId xmlns:a16="http://schemas.microsoft.com/office/drawing/2014/main" id="{62CE5840-0427-4D9B-9819-4254E0314D78}"/>
+              </a:ext>
+            </a:extLst>
+          </p:cNvPr>
+          <p:cNvSpPr/>
+          <p:nvPr/>
+        </p:nvSpPr>
+        <p:spPr>
+          <a:xfrm>
+            <a:off x="6162480" y="1140948"/>
+            <a:ext cx="2081928" cy="504056"/>
+          </a:xfrm>
+          <a:prstGeom prst="roundRect">
+            <a:avLst/>
+          </a:prstGeom>
+        </p:spPr>
+        <p:style>
+          <a:lnRef idx="2">
+            <a:schemeClr val="dk1"/>
+          </a:lnRef>
+          <a:fillRef idx="1">
+            <a:schemeClr val="lt1"/>
+          </a:fillRef>
+          <a:effectRef idx="0">
+            <a:schemeClr val="dk1"/>
+          </a:effectRef>
+          <a:fontRef idx="minor">
+            <a:schemeClr val="dk1"/>
+          </a:fontRef>
+        </p:style>
+        <p:txBody>
+          <a:bodyPr rtlCol="0" anchor="ctr"/>
+          <a:lstStyle/>
+          <a:p>
+            <a:pPr algn="ctr"/>
+            <a:r>
+              <a:rPr lang="en-US" altLang="ko-KR" sz="1400"/>
+              <a:t>AWS Services</a:t>
+            </a:r>
+            <a:endParaRPr lang="ko-KR" altLang="en-US" sz="1400"/>
+          </a:p>
+        </p:txBody>
+      </p:sp>
+      <p:sp>
+        <p:nvSpPr>
+          <p:cNvPr id="44" name="사각형: 둥근 모서리 43">
+            <a:extLst>
+              <a:ext uri="{FF2B5EF4-FFF2-40B4-BE49-F238E27FC236}">
+                <a16:creationId xmlns:a16="http://schemas.microsoft.com/office/drawing/2014/main" id="{FF2FFECE-A2E7-4297-A450-217C6FD8E690}"/>
+              </a:ext>
+            </a:extLst>
+          </p:cNvPr>
+          <p:cNvSpPr/>
+          <p:nvPr/>
+        </p:nvSpPr>
+        <p:spPr>
+          <a:xfrm>
+            <a:off x="3425003" y="3507854"/>
+            <a:ext cx="2156282" cy="504056"/>
+          </a:xfrm>
+          <a:prstGeom prst="roundRect">
+            <a:avLst/>
+          </a:prstGeom>
+        </p:spPr>
+        <p:style>
+          <a:lnRef idx="2">
+            <a:schemeClr val="dk1"/>
+          </a:lnRef>
+          <a:fillRef idx="1">
+            <a:schemeClr val="lt1"/>
+          </a:fillRef>
+          <a:effectRef idx="0">
+            <a:schemeClr val="dk1"/>
+          </a:effectRef>
+          <a:fontRef idx="minor">
+            <a:schemeClr val="dk1"/>
+          </a:fontRef>
+        </p:style>
+        <p:txBody>
+          <a:bodyPr rtlCol="0" anchor="ctr"/>
+          <a:lstStyle/>
+          <a:p>
+            <a:pPr algn="ctr"/>
+            <a:r>
+              <a:rPr lang="en-US" altLang="ko-KR" sz="1400"/>
+              <a:t>Pod</a:t>
+            </a:r>
+            <a:endParaRPr lang="ko-KR" altLang="en-US" sz="1400"/>
+          </a:p>
+        </p:txBody>
+      </p:sp>
+      <p:sp>
+        <p:nvSpPr>
+          <p:cNvPr id="47" name="사각형: 둥근 모서리 46">
+            <a:extLst>
+              <a:ext uri="{FF2B5EF4-FFF2-40B4-BE49-F238E27FC236}">
+                <a16:creationId xmlns:a16="http://schemas.microsoft.com/office/drawing/2014/main" id="{F6E37BFC-C0A5-4F70-AEE2-5F9124151167}"/>
+              </a:ext>
+            </a:extLst>
+          </p:cNvPr>
+          <p:cNvSpPr/>
+          <p:nvPr/>
+        </p:nvSpPr>
+        <p:spPr>
+          <a:xfrm>
+            <a:off x="688699" y="2329080"/>
+            <a:ext cx="2156282" cy="504056"/>
+          </a:xfrm>
+          <a:prstGeom prst="roundRect">
+            <a:avLst/>
+          </a:prstGeom>
+        </p:spPr>
+        <p:style>
+          <a:lnRef idx="2">
+            <a:schemeClr val="dk1"/>
+          </a:lnRef>
+          <a:fillRef idx="1">
+            <a:schemeClr val="lt1"/>
+          </a:fillRef>
+          <a:effectRef idx="0">
+            <a:schemeClr val="dk1"/>
+          </a:effectRef>
+          <a:fontRef idx="minor">
+            <a:schemeClr val="dk1"/>
+          </a:fontRef>
+        </p:style>
+        <p:txBody>
+          <a:bodyPr rtlCol="0" anchor="ctr"/>
+          <a:lstStyle/>
+          <a:p>
+            <a:pPr algn="ctr"/>
+            <a:r>
+              <a:rPr lang="en-US" altLang="ko-KR" sz="1400"/>
+              <a:t>AWS EKS (k8s) </a:t>
+            </a:r>
+          </a:p>
+          <a:p>
+            <a:pPr algn="ctr"/>
+            <a:r>
+              <a:rPr lang="en-US" altLang="ko-KR" sz="1400"/>
+              <a:t>API Server</a:t>
+            </a:r>
+          </a:p>
+        </p:txBody>
+      </p:sp>
+      <p:sp>
+        <p:nvSpPr>
+          <p:cNvPr id="48" name="사각형: 둥근 모서리 47">
+            <a:extLst>
+              <a:ext uri="{FF2B5EF4-FFF2-40B4-BE49-F238E27FC236}">
+                <a16:creationId xmlns:a16="http://schemas.microsoft.com/office/drawing/2014/main" id="{1BFD2B29-0C97-432D-87B6-B068177FDD1A}"/>
+              </a:ext>
+            </a:extLst>
+          </p:cNvPr>
+          <p:cNvSpPr/>
+          <p:nvPr/>
+        </p:nvSpPr>
+        <p:spPr>
+          <a:xfrm>
+            <a:off x="6162480" y="2319722"/>
+            <a:ext cx="2081928" cy="504056"/>
+          </a:xfrm>
+          <a:prstGeom prst="roundRect">
+            <a:avLst/>
+          </a:prstGeom>
+        </p:spPr>
+        <p:style>
+          <a:lnRef idx="2">
+            <a:schemeClr val="dk1"/>
+          </a:lnRef>
+          <a:fillRef idx="1">
+            <a:schemeClr val="lt1"/>
+          </a:fillRef>
+          <a:effectRef idx="0">
+            <a:schemeClr val="dk1"/>
+          </a:effectRef>
+          <a:fontRef idx="minor">
+            <a:schemeClr val="dk1"/>
+          </a:fontRef>
+        </p:style>
+        <p:txBody>
+          <a:bodyPr rtlCol="0" anchor="ctr"/>
+          <a:lstStyle/>
+          <a:p>
+            <a:pPr algn="ctr"/>
+            <a:r>
+              <a:rPr lang="en-US" altLang="ko-KR" sz="1400"/>
+              <a:t>AWS STS/IAM</a:t>
+            </a:r>
+            <a:endParaRPr lang="ko-KR" altLang="en-US" sz="1400"/>
+          </a:p>
+        </p:txBody>
+      </p:sp>
+      <p:cxnSp>
+        <p:nvCxnSpPr>
+          <p:cNvPr id="7" name="직선 화살표 연결선 6">
+            <a:extLst>
+              <a:ext uri="{FF2B5EF4-FFF2-40B4-BE49-F238E27FC236}">
+                <a16:creationId xmlns:a16="http://schemas.microsoft.com/office/drawing/2014/main" id="{89C6788B-84E5-4421-8886-4F82C6A1B227}"/>
+              </a:ext>
+            </a:extLst>
+          </p:cNvPr>
+          <p:cNvCxnSpPr>
+            <a:cxnSpLocks/>
+            <a:stCxn id="47" idx="2"/>
+            <a:endCxn id="44" idx="1"/>
+          </p:cNvCxnSpPr>
+          <p:nvPr/>
+        </p:nvCxnSpPr>
+        <p:spPr>
+          <a:xfrm>
+            <a:off x="1766840" y="2833136"/>
+            <a:ext cx="1658163" cy="926746"/>
+          </a:xfrm>
+          <a:prstGeom prst="straightConnector1">
+            <a:avLst/>
+          </a:prstGeom>
+          <a:ln w="19050">
+            <a:solidFill>
+              <a:srgbClr val="C00000"/>
+            </a:solidFill>
+            <a:headEnd type="none" w="med" len="med"/>
+            <a:tailEnd type="arrow" w="med" len="med"/>
+          </a:ln>
+        </p:spPr>
+        <p:style>
+          <a:lnRef idx="1">
+            <a:schemeClr val="accent1"/>
+          </a:lnRef>
+          <a:fillRef idx="0">
+            <a:schemeClr val="accent1"/>
+          </a:fillRef>
+          <a:effectRef idx="0">
+            <a:schemeClr val="accent1"/>
+          </a:effectRef>
+          <a:fontRef idx="minor">
+            <a:schemeClr val="tx1"/>
+          </a:fontRef>
+        </p:style>
+      </p:cxnSp>
+      <p:cxnSp>
+        <p:nvCxnSpPr>
+          <p:cNvPr id="51" name="직선 화살표 연결선 50">
+            <a:extLst>
+              <a:ext uri="{FF2B5EF4-FFF2-40B4-BE49-F238E27FC236}">
+                <a16:creationId xmlns:a16="http://schemas.microsoft.com/office/drawing/2014/main" id="{C5B48D1E-D833-4215-8230-080F9F3EE690}"/>
+              </a:ext>
+            </a:extLst>
+          </p:cNvPr>
+          <p:cNvCxnSpPr>
+            <a:cxnSpLocks/>
+          </p:cNvCxnSpPr>
+          <p:nvPr/>
+        </p:nvCxnSpPr>
+        <p:spPr>
+          <a:xfrm>
+            <a:off x="2844981" y="2499742"/>
+            <a:ext cx="580022" cy="0"/>
+          </a:xfrm>
+          <a:prstGeom prst="straightConnector1">
+            <a:avLst/>
+          </a:prstGeom>
+          <a:ln w="19050">
+            <a:solidFill>
+              <a:srgbClr val="C00000"/>
+            </a:solidFill>
+            <a:headEnd type="none" w="med" len="med"/>
+            <a:tailEnd type="arrow" w="med" len="med"/>
+          </a:ln>
+        </p:spPr>
+        <p:style>
+          <a:lnRef idx="1">
+            <a:schemeClr val="accent1"/>
+          </a:lnRef>
+          <a:fillRef idx="0">
+            <a:schemeClr val="accent1"/>
+          </a:fillRef>
+          <a:effectRef idx="0">
+            <a:schemeClr val="accent1"/>
+          </a:effectRef>
+          <a:fontRef idx="minor">
+            <a:schemeClr val="tx1"/>
+          </a:fontRef>
+        </p:style>
+      </p:cxnSp>
+      <p:sp>
+        <p:nvSpPr>
+          <p:cNvPr id="59" name="사각형: 둥근 모서리 58">
+            <a:extLst>
+              <a:ext uri="{FF2B5EF4-FFF2-40B4-BE49-F238E27FC236}">
+                <a16:creationId xmlns:a16="http://schemas.microsoft.com/office/drawing/2014/main" id="{C6365AFE-66B5-433F-A1B8-99CDD034C192}"/>
+              </a:ext>
+            </a:extLst>
+          </p:cNvPr>
+          <p:cNvSpPr/>
+          <p:nvPr/>
+        </p:nvSpPr>
+        <p:spPr>
+          <a:xfrm>
+            <a:off x="688699" y="3507854"/>
+            <a:ext cx="2156282" cy="504056"/>
+          </a:xfrm>
+          <a:prstGeom prst="roundRect">
+            <a:avLst/>
+          </a:prstGeom>
+        </p:spPr>
+        <p:style>
+          <a:lnRef idx="2">
+            <a:schemeClr val="dk1"/>
+          </a:lnRef>
+          <a:fillRef idx="1">
+            <a:schemeClr val="lt1"/>
+          </a:fillRef>
+          <a:effectRef idx="0">
+            <a:schemeClr val="dk1"/>
+          </a:effectRef>
+          <a:fontRef idx="minor">
+            <a:schemeClr val="dk1"/>
+          </a:fontRef>
+        </p:style>
+        <p:txBody>
+          <a:bodyPr rtlCol="0" anchor="ctr"/>
+          <a:lstStyle/>
+          <a:p>
+            <a:pPr algn="ctr"/>
+            <a:r>
+              <a:rPr lang="en-US" altLang="ko-KR" sz="1400"/>
+              <a:t>kubectl (k8s Client)</a:t>
+            </a:r>
+          </a:p>
+        </p:txBody>
+      </p:sp>
+      <p:cxnSp>
+        <p:nvCxnSpPr>
+          <p:cNvPr id="60" name="직선 화살표 연결선 59">
+            <a:extLst>
+              <a:ext uri="{FF2B5EF4-FFF2-40B4-BE49-F238E27FC236}">
+                <a16:creationId xmlns:a16="http://schemas.microsoft.com/office/drawing/2014/main" id="{9A6148F8-B8C7-45A2-AB90-49DA6AD648D8}"/>
+              </a:ext>
+            </a:extLst>
+          </p:cNvPr>
+          <p:cNvCxnSpPr>
+            <a:cxnSpLocks/>
+            <a:stCxn id="59" idx="0"/>
+            <a:endCxn id="47" idx="2"/>
+          </p:cNvCxnSpPr>
+          <p:nvPr/>
+        </p:nvCxnSpPr>
+        <p:spPr>
+          <a:xfrm flipV="1">
+            <a:off x="1766840" y="2833136"/>
+            <a:ext cx="0" cy="674718"/>
+          </a:xfrm>
+          <a:prstGeom prst="straightConnector1">
+            <a:avLst/>
+          </a:prstGeom>
+          <a:ln w="19050">
+            <a:solidFill>
+              <a:srgbClr val="C00000"/>
+            </a:solidFill>
+            <a:headEnd type="none" w="med" len="med"/>
+            <a:tailEnd type="arrow" w="med" len="med"/>
+          </a:ln>
+        </p:spPr>
+        <p:style>
+          <a:lnRef idx="1">
+            <a:schemeClr val="accent1"/>
+          </a:lnRef>
+          <a:fillRef idx="0">
+            <a:schemeClr val="accent1"/>
+          </a:fillRef>
+          <a:effectRef idx="0">
+            <a:schemeClr val="accent1"/>
+          </a:effectRef>
+          <a:fontRef idx="minor">
+            <a:schemeClr val="tx1"/>
+          </a:fontRef>
+        </p:style>
+      </p:cxnSp>
+      <p:cxnSp>
+        <p:nvCxnSpPr>
+          <p:cNvPr id="80" name="직선 화살표 연결선 79">
+            <a:extLst>
+              <a:ext uri="{FF2B5EF4-FFF2-40B4-BE49-F238E27FC236}">
+                <a16:creationId xmlns:a16="http://schemas.microsoft.com/office/drawing/2014/main" id="{88BABD45-6362-4259-B96C-E401AF9CE238}"/>
+              </a:ext>
+            </a:extLst>
+          </p:cNvPr>
+          <p:cNvCxnSpPr>
+            <a:cxnSpLocks/>
+          </p:cNvCxnSpPr>
+          <p:nvPr/>
+        </p:nvCxnSpPr>
+        <p:spPr>
+          <a:xfrm>
+            <a:off x="2844981" y="2643758"/>
+            <a:ext cx="580022" cy="0"/>
+          </a:xfrm>
+          <a:prstGeom prst="straightConnector1">
+            <a:avLst/>
+          </a:prstGeom>
+          <a:ln w="19050">
+            <a:solidFill>
+              <a:srgbClr val="C00000"/>
+            </a:solidFill>
+            <a:headEnd type="arrow" w="med" len="med"/>
+            <a:tailEnd type="none" w="med" len="med"/>
+          </a:ln>
+        </p:spPr>
+        <p:style>
+          <a:lnRef idx="1">
+            <a:schemeClr val="accent1"/>
+          </a:lnRef>
+          <a:fillRef idx="0">
+            <a:schemeClr val="accent1"/>
+          </a:fillRef>
+          <a:effectRef idx="0">
+            <a:schemeClr val="accent1"/>
+          </a:effectRef>
+          <a:fontRef idx="minor">
+            <a:schemeClr val="tx1"/>
+          </a:fontRef>
+        </p:style>
+      </p:cxnSp>
+      <p:sp>
+        <p:nvSpPr>
+          <p:cNvPr id="38" name="타원 37">
+            <a:extLst>
+              <a:ext uri="{FF2B5EF4-FFF2-40B4-BE49-F238E27FC236}">
+                <a16:creationId xmlns:a16="http://schemas.microsoft.com/office/drawing/2014/main" id="{85E1D308-4AF2-4701-B3FC-D5E616A0DF27}"/>
+              </a:ext>
+            </a:extLst>
+          </p:cNvPr>
+          <p:cNvSpPr/>
+          <p:nvPr/>
+        </p:nvSpPr>
+        <p:spPr>
+          <a:xfrm>
+            <a:off x="1662792" y="3403807"/>
+            <a:ext cx="208094" cy="208094"/>
+          </a:xfrm>
+          <a:prstGeom prst="ellipse">
+            <a:avLst/>
+          </a:prstGeom>
+          <a:ln>
+            <a:solidFill>
+              <a:srgbClr val="C00000"/>
+            </a:solidFill>
+          </a:ln>
+        </p:spPr>
+        <p:style>
+          <a:lnRef idx="2">
+            <a:schemeClr val="accent2"/>
+          </a:lnRef>
+          <a:fillRef idx="1">
+            <a:schemeClr val="lt1"/>
+          </a:fillRef>
+          <a:effectRef idx="0">
+            <a:schemeClr val="accent2"/>
+          </a:effectRef>
+          <a:fontRef idx="minor">
+            <a:schemeClr val="dk1"/>
+          </a:fontRef>
+        </p:style>
+        <p:txBody>
+          <a:bodyPr rtlCol="0" anchor="ctr"/>
+          <a:lstStyle/>
+          <a:p>
+            <a:pPr algn="ctr"/>
+            <a:r>
+              <a:rPr lang="en-US" altLang="ko-KR" sz="1100"/>
+              <a:t>1</a:t>
+            </a:r>
+            <a:endParaRPr lang="ko-KR" altLang="en-US" sz="1100"/>
+          </a:p>
+        </p:txBody>
+      </p:sp>
+      <p:sp>
+        <p:nvSpPr>
+          <p:cNvPr id="86" name="타원 85">
+            <a:extLst>
+              <a:ext uri="{FF2B5EF4-FFF2-40B4-BE49-F238E27FC236}">
+                <a16:creationId xmlns:a16="http://schemas.microsoft.com/office/drawing/2014/main" id="{9479DF86-D158-446E-BD2F-A9522C1AFFA8}"/>
+              </a:ext>
+            </a:extLst>
+          </p:cNvPr>
+          <p:cNvSpPr/>
+          <p:nvPr/>
+        </p:nvSpPr>
+        <p:spPr>
+          <a:xfrm>
+            <a:off x="1915634" y="2867712"/>
+            <a:ext cx="208094" cy="208094"/>
+          </a:xfrm>
+          <a:prstGeom prst="ellipse">
+            <a:avLst/>
+          </a:prstGeom>
+          <a:ln>
+            <a:solidFill>
+              <a:srgbClr val="C00000"/>
+            </a:solidFill>
+          </a:ln>
+        </p:spPr>
+        <p:style>
+          <a:lnRef idx="2">
+            <a:schemeClr val="accent2"/>
+          </a:lnRef>
+          <a:fillRef idx="1">
+            <a:schemeClr val="lt1"/>
+          </a:fillRef>
+          <a:effectRef idx="0">
+            <a:schemeClr val="accent2"/>
+          </a:effectRef>
+          <a:fontRef idx="minor">
+            <a:schemeClr val="dk1"/>
+          </a:fontRef>
+        </p:style>
+        <p:txBody>
+          <a:bodyPr rtlCol="0" anchor="ctr"/>
+          <a:lstStyle/>
+          <a:p>
+            <a:pPr algn="ctr"/>
+            <a:r>
+              <a:rPr lang="en-US" altLang="ko-KR" sz="1100"/>
+              <a:t>6</a:t>
+            </a:r>
+            <a:endParaRPr lang="ko-KR" altLang="en-US" sz="1100"/>
+          </a:p>
+        </p:txBody>
+      </p:sp>
+      <p:sp>
+        <p:nvSpPr>
+          <p:cNvPr id="87" name="타원 86">
+            <a:extLst>
+              <a:ext uri="{FF2B5EF4-FFF2-40B4-BE49-F238E27FC236}">
+                <a16:creationId xmlns:a16="http://schemas.microsoft.com/office/drawing/2014/main" id="{122A7FEC-ED1B-4FE8-819D-04B025A9E604}"/>
+              </a:ext>
+            </a:extLst>
+          </p:cNvPr>
+          <p:cNvSpPr/>
+          <p:nvPr/>
+        </p:nvSpPr>
+        <p:spPr>
+          <a:xfrm>
+            <a:off x="2707755" y="2395695"/>
+            <a:ext cx="208094" cy="208094"/>
+          </a:xfrm>
+          <a:prstGeom prst="ellipse">
+            <a:avLst/>
+          </a:prstGeom>
+          <a:ln>
+            <a:solidFill>
+              <a:srgbClr val="C00000"/>
+            </a:solidFill>
+          </a:ln>
+        </p:spPr>
+        <p:style>
+          <a:lnRef idx="2">
+            <a:schemeClr val="accent2"/>
+          </a:lnRef>
+          <a:fillRef idx="1">
+            <a:schemeClr val="lt1"/>
+          </a:fillRef>
+          <a:effectRef idx="0">
+            <a:schemeClr val="accent2"/>
+          </a:effectRef>
+          <a:fontRef idx="minor">
+            <a:schemeClr val="dk1"/>
+          </a:fontRef>
+        </p:style>
+        <p:txBody>
+          <a:bodyPr rtlCol="0" anchor="ctr"/>
+          <a:lstStyle/>
+          <a:p>
+            <a:pPr algn="ctr"/>
+            <a:r>
+              <a:rPr lang="en-US" altLang="ko-KR" sz="1100"/>
+              <a:t>2</a:t>
+            </a:r>
+            <a:endParaRPr lang="ko-KR" altLang="en-US" sz="1100"/>
+          </a:p>
+        </p:txBody>
+      </p:sp>
+      <p:sp>
+        <p:nvSpPr>
+          <p:cNvPr id="88" name="타원 87">
+            <a:extLst>
+              <a:ext uri="{FF2B5EF4-FFF2-40B4-BE49-F238E27FC236}">
+                <a16:creationId xmlns:a16="http://schemas.microsoft.com/office/drawing/2014/main" id="{97C435A4-D442-4CBD-B4BD-23AF6147074E}"/>
+              </a:ext>
+            </a:extLst>
+          </p:cNvPr>
+          <p:cNvSpPr/>
+          <p:nvPr/>
+        </p:nvSpPr>
+        <p:spPr>
+          <a:xfrm>
+            <a:off x="3320956" y="2541789"/>
+            <a:ext cx="208094" cy="208094"/>
+          </a:xfrm>
+          <a:prstGeom prst="ellipse">
+            <a:avLst/>
+          </a:prstGeom>
+          <a:ln>
+            <a:solidFill>
+              <a:srgbClr val="C00000"/>
+            </a:solidFill>
+          </a:ln>
+        </p:spPr>
+        <p:style>
+          <a:lnRef idx="2">
+            <a:schemeClr val="accent2"/>
+          </a:lnRef>
+          <a:fillRef idx="1">
+            <a:schemeClr val="lt1"/>
+          </a:fillRef>
+          <a:effectRef idx="0">
+            <a:schemeClr val="accent2"/>
+          </a:effectRef>
+          <a:fontRef idx="minor">
+            <a:schemeClr val="dk1"/>
+          </a:fontRef>
+        </p:style>
+        <p:txBody>
+          <a:bodyPr rtlCol="0" anchor="ctr"/>
+          <a:lstStyle/>
+          <a:p>
+            <a:pPr algn="ctr"/>
+            <a:r>
+              <a:rPr lang="en-US" altLang="ko-KR" sz="1100"/>
+              <a:t>3</a:t>
+            </a:r>
+            <a:endParaRPr lang="ko-KR" altLang="en-US" sz="1100"/>
+          </a:p>
+        </p:txBody>
+      </p:sp>
+      <p:sp>
+        <p:nvSpPr>
+          <p:cNvPr id="89" name="타원 88">
+            <a:extLst>
+              <a:ext uri="{FF2B5EF4-FFF2-40B4-BE49-F238E27FC236}">
+                <a16:creationId xmlns:a16="http://schemas.microsoft.com/office/drawing/2014/main" id="{32D1DC52-7430-4118-A747-D0BFB655962C}"/>
+              </a:ext>
+            </a:extLst>
+          </p:cNvPr>
+          <p:cNvSpPr/>
+          <p:nvPr/>
+        </p:nvSpPr>
+        <p:spPr>
+          <a:xfrm>
+            <a:off x="4219890" y="2211710"/>
+            <a:ext cx="208094" cy="208094"/>
+          </a:xfrm>
+          <a:prstGeom prst="ellipse">
+            <a:avLst/>
+          </a:prstGeom>
+          <a:ln>
+            <a:solidFill>
+              <a:srgbClr val="C00000"/>
+            </a:solidFill>
+          </a:ln>
+        </p:spPr>
+        <p:style>
+          <a:lnRef idx="2">
+            <a:schemeClr val="accent2"/>
+          </a:lnRef>
+          <a:fillRef idx="1">
+            <a:schemeClr val="lt1"/>
+          </a:fillRef>
+          <a:effectRef idx="0">
+            <a:schemeClr val="accent2"/>
+          </a:effectRef>
+          <a:fontRef idx="minor">
+            <a:schemeClr val="dk1"/>
+          </a:fontRef>
+        </p:style>
+        <p:txBody>
+          <a:bodyPr rtlCol="0" anchor="ctr"/>
+          <a:lstStyle/>
+          <a:p>
+            <a:pPr algn="ctr"/>
+            <a:r>
+              <a:rPr lang="en-US" altLang="ko-KR" sz="1100"/>
+              <a:t>3</a:t>
+            </a:r>
+            <a:endParaRPr lang="ko-KR" altLang="en-US" sz="1100"/>
+          </a:p>
+        </p:txBody>
+      </p:sp>
+      <p:sp>
+        <p:nvSpPr>
+          <p:cNvPr id="90" name="타원 89">
+            <a:extLst>
+              <a:ext uri="{FF2B5EF4-FFF2-40B4-BE49-F238E27FC236}">
+                <a16:creationId xmlns:a16="http://schemas.microsoft.com/office/drawing/2014/main" id="{6576F18F-E536-46CA-997E-87904C76316A}"/>
+              </a:ext>
+            </a:extLst>
+          </p:cNvPr>
+          <p:cNvSpPr/>
+          <p:nvPr/>
+        </p:nvSpPr>
+        <p:spPr>
+          <a:xfrm>
+            <a:off x="3744721" y="1564933"/>
+            <a:ext cx="208094" cy="208094"/>
+          </a:xfrm>
+          <a:prstGeom prst="ellipse">
+            <a:avLst/>
+          </a:prstGeom>
+          <a:ln>
+            <a:solidFill>
+              <a:srgbClr val="C00000"/>
+            </a:solidFill>
+          </a:ln>
+        </p:spPr>
+        <p:style>
+          <a:lnRef idx="2">
+            <a:schemeClr val="accent2"/>
+          </a:lnRef>
+          <a:fillRef idx="1">
+            <a:schemeClr val="lt1"/>
+          </a:fillRef>
+          <a:effectRef idx="0">
+            <a:schemeClr val="accent2"/>
+          </a:effectRef>
+          <a:fontRef idx="minor">
+            <a:schemeClr val="dk1"/>
+          </a:fontRef>
+        </p:style>
+        <p:txBody>
+          <a:bodyPr rtlCol="0" anchor="ctr"/>
+          <a:lstStyle/>
+          <a:p>
+            <a:pPr algn="ctr"/>
+            <a:r>
+              <a:rPr lang="en-US" altLang="ko-KR" sz="1100"/>
+              <a:t>4</a:t>
+            </a:r>
+            <a:endParaRPr lang="ko-KR" altLang="en-US" sz="1100"/>
+          </a:p>
+        </p:txBody>
+      </p:sp>
+      <p:cxnSp>
+        <p:nvCxnSpPr>
+          <p:cNvPr id="91" name="직선 화살표 연결선 90">
+            <a:extLst>
+              <a:ext uri="{FF2B5EF4-FFF2-40B4-BE49-F238E27FC236}">
+                <a16:creationId xmlns:a16="http://schemas.microsoft.com/office/drawing/2014/main" id="{CEE858E5-8AA7-462E-A6C6-69013D6018FA}"/>
+              </a:ext>
+            </a:extLst>
+          </p:cNvPr>
+          <p:cNvCxnSpPr>
+            <a:cxnSpLocks/>
+          </p:cNvCxnSpPr>
+          <p:nvPr/>
+        </p:nvCxnSpPr>
+        <p:spPr>
+          <a:xfrm flipV="1">
+            <a:off x="5574687" y="2823779"/>
+            <a:ext cx="1411560" cy="814572"/>
+          </a:xfrm>
+          <a:prstGeom prst="straightConnector1">
+            <a:avLst/>
+          </a:prstGeom>
+          <a:ln w="19050">
+            <a:solidFill>
+              <a:schemeClr val="tx2"/>
+            </a:solidFill>
+            <a:headEnd type="none" w="med" len="med"/>
+            <a:tailEnd type="arrow" w="med" len="med"/>
+          </a:ln>
+        </p:spPr>
+        <p:style>
+          <a:lnRef idx="1">
+            <a:schemeClr val="accent1"/>
+          </a:lnRef>
+          <a:fillRef idx="0">
+            <a:schemeClr val="accent1"/>
+          </a:fillRef>
+          <a:effectRef idx="0">
+            <a:schemeClr val="accent1"/>
+          </a:effectRef>
+          <a:fontRef idx="minor">
+            <a:schemeClr val="tx1"/>
+          </a:fontRef>
+        </p:style>
+      </p:cxnSp>
+      <p:cxnSp>
+        <p:nvCxnSpPr>
+          <p:cNvPr id="108" name="직선 화살표 연결선 107">
+            <a:extLst>
+              <a:ext uri="{FF2B5EF4-FFF2-40B4-BE49-F238E27FC236}">
+                <a16:creationId xmlns:a16="http://schemas.microsoft.com/office/drawing/2014/main" id="{82CF4214-DF0B-44E3-8BF4-4116C0E99FC1}"/>
+              </a:ext>
+            </a:extLst>
+          </p:cNvPr>
+          <p:cNvCxnSpPr>
+            <a:cxnSpLocks/>
+          </p:cNvCxnSpPr>
+          <p:nvPr/>
+        </p:nvCxnSpPr>
+        <p:spPr>
+          <a:xfrm flipV="1">
+            <a:off x="5569045" y="2823778"/>
+            <a:ext cx="1849250" cy="1067152"/>
+          </a:xfrm>
+          <a:prstGeom prst="straightConnector1">
+            <a:avLst/>
+          </a:prstGeom>
+          <a:ln w="19050">
+            <a:solidFill>
+              <a:schemeClr val="tx2"/>
+            </a:solidFill>
+            <a:headEnd type="arrow" w="med" len="med"/>
+            <a:tailEnd type="none" w="med" len="med"/>
+          </a:ln>
+        </p:spPr>
+        <p:style>
+          <a:lnRef idx="1">
+            <a:schemeClr val="accent1"/>
+          </a:lnRef>
+          <a:fillRef idx="0">
+            <a:schemeClr val="accent1"/>
+          </a:fillRef>
+          <a:effectRef idx="0">
+            <a:schemeClr val="accent1"/>
+          </a:effectRef>
+          <a:fontRef idx="minor">
+            <a:schemeClr val="tx1"/>
+          </a:fontRef>
+        </p:style>
+      </p:cxnSp>
+      <p:cxnSp>
+        <p:nvCxnSpPr>
+          <p:cNvPr id="126" name="직선 화살표 연결선 125">
+            <a:extLst>
+              <a:ext uri="{FF2B5EF4-FFF2-40B4-BE49-F238E27FC236}">
+                <a16:creationId xmlns:a16="http://schemas.microsoft.com/office/drawing/2014/main" id="{E457D12B-14E9-4076-B766-D7D09CCF16FD}"/>
+              </a:ext>
+            </a:extLst>
+          </p:cNvPr>
+          <p:cNvCxnSpPr>
+            <a:cxnSpLocks/>
+            <a:stCxn id="44" idx="0"/>
+            <a:endCxn id="43" idx="2"/>
+          </p:cNvCxnSpPr>
+          <p:nvPr/>
+        </p:nvCxnSpPr>
+        <p:spPr>
+          <a:xfrm flipV="1">
+            <a:off x="4503144" y="1645004"/>
+            <a:ext cx="2700300" cy="1862850"/>
+          </a:xfrm>
+          <a:prstGeom prst="straightConnector1">
+            <a:avLst/>
+          </a:prstGeom>
+          <a:ln w="19050">
+            <a:solidFill>
+              <a:schemeClr val="tx2"/>
+            </a:solidFill>
+            <a:headEnd type="none" w="med" len="med"/>
+            <a:tailEnd type="arrow" w="med" len="med"/>
+          </a:ln>
+        </p:spPr>
+        <p:style>
+          <a:lnRef idx="1">
+            <a:schemeClr val="accent1"/>
+          </a:lnRef>
+          <a:fillRef idx="0">
+            <a:schemeClr val="accent1"/>
+          </a:fillRef>
+          <a:effectRef idx="0">
+            <a:schemeClr val="accent1"/>
+          </a:effectRef>
+          <a:fontRef idx="minor">
+            <a:schemeClr val="tx1"/>
+          </a:fontRef>
+        </p:style>
+      </p:cxnSp>
+      <p:sp>
+        <p:nvSpPr>
+          <p:cNvPr id="130" name="타원 129">
+            <a:extLst>
+              <a:ext uri="{FF2B5EF4-FFF2-40B4-BE49-F238E27FC236}">
+                <a16:creationId xmlns:a16="http://schemas.microsoft.com/office/drawing/2014/main" id="{FC0476CB-AA75-4B94-9C39-724D0E33DEFE}"/>
+              </a:ext>
+            </a:extLst>
+          </p:cNvPr>
+          <p:cNvSpPr/>
+          <p:nvPr/>
+        </p:nvSpPr>
+        <p:spPr>
+          <a:xfrm>
+            <a:off x="5464998" y="3531339"/>
+            <a:ext cx="208094" cy="208094"/>
+          </a:xfrm>
+          <a:prstGeom prst="ellipse">
+            <a:avLst/>
+          </a:prstGeom>
+          <a:ln>
+            <a:solidFill>
+              <a:srgbClr val="002060"/>
+            </a:solidFill>
+          </a:ln>
+        </p:spPr>
+        <p:style>
+          <a:lnRef idx="2">
+            <a:schemeClr val="accent2"/>
+          </a:lnRef>
+          <a:fillRef idx="1">
+            <a:schemeClr val="lt1"/>
+          </a:fillRef>
+          <a:effectRef idx="0">
+            <a:schemeClr val="accent2"/>
+          </a:effectRef>
+          <a:fontRef idx="minor">
+            <a:schemeClr val="dk1"/>
+          </a:fontRef>
+        </p:style>
+        <p:txBody>
+          <a:bodyPr rtlCol="0" anchor="ctr"/>
+          <a:lstStyle/>
+          <a:p>
+            <a:pPr algn="ctr"/>
+            <a:r>
+              <a:rPr lang="en-US" altLang="ko-KR" sz="1100"/>
+              <a:t>1</a:t>
+            </a:r>
+            <a:endParaRPr lang="ko-KR" altLang="en-US" sz="1100"/>
+          </a:p>
+        </p:txBody>
+      </p:sp>
+      <p:sp>
+        <p:nvSpPr>
+          <p:cNvPr id="133" name="타원 132">
+            <a:extLst>
+              <a:ext uri="{FF2B5EF4-FFF2-40B4-BE49-F238E27FC236}">
+                <a16:creationId xmlns:a16="http://schemas.microsoft.com/office/drawing/2014/main" id="{5C93BE35-629E-4E16-8466-5A8AF93BED34}"/>
+              </a:ext>
+            </a:extLst>
+          </p:cNvPr>
+          <p:cNvSpPr/>
+          <p:nvPr/>
+        </p:nvSpPr>
+        <p:spPr>
+          <a:xfrm>
+            <a:off x="7314248" y="2727321"/>
+            <a:ext cx="208094" cy="208094"/>
+          </a:xfrm>
+          <a:prstGeom prst="ellipse">
+            <a:avLst/>
+          </a:prstGeom>
+          <a:ln>
+            <a:solidFill>
+              <a:srgbClr val="002060"/>
+            </a:solidFill>
+          </a:ln>
+        </p:spPr>
+        <p:style>
+          <a:lnRef idx="2">
+            <a:schemeClr val="accent2"/>
+          </a:lnRef>
+          <a:fillRef idx="1">
+            <a:schemeClr val="lt1"/>
+          </a:fillRef>
+          <a:effectRef idx="0">
+            <a:schemeClr val="accent2"/>
+          </a:effectRef>
+          <a:fontRef idx="minor">
+            <a:schemeClr val="dk1"/>
+          </a:fontRef>
+        </p:style>
+        <p:txBody>
+          <a:bodyPr rtlCol="0" anchor="ctr"/>
+          <a:lstStyle/>
+          <a:p>
+            <a:pPr algn="ctr"/>
+            <a:r>
+              <a:rPr lang="en-US" altLang="ko-KR" sz="1100"/>
+              <a:t>2</a:t>
+            </a:r>
+            <a:endParaRPr lang="ko-KR" altLang="en-US" sz="1100"/>
+          </a:p>
+        </p:txBody>
+      </p:sp>
+      <p:sp>
+        <p:nvSpPr>
+          <p:cNvPr id="134" name="타원 133">
+            <a:extLst>
+              <a:ext uri="{FF2B5EF4-FFF2-40B4-BE49-F238E27FC236}">
+                <a16:creationId xmlns:a16="http://schemas.microsoft.com/office/drawing/2014/main" id="{DFFD9A8E-059B-4F6A-856B-213B42A8B8DF}"/>
+              </a:ext>
+            </a:extLst>
+          </p:cNvPr>
+          <p:cNvSpPr/>
+          <p:nvPr/>
+        </p:nvSpPr>
+        <p:spPr>
+          <a:xfrm>
+            <a:off x="4424034" y="3404660"/>
+            <a:ext cx="208094" cy="208094"/>
+          </a:xfrm>
+          <a:prstGeom prst="ellipse">
+            <a:avLst/>
+          </a:prstGeom>
+          <a:ln>
+            <a:solidFill>
+              <a:srgbClr val="002060"/>
+            </a:solidFill>
+          </a:ln>
+        </p:spPr>
+        <p:style>
+          <a:lnRef idx="2">
+            <a:schemeClr val="accent2"/>
+          </a:lnRef>
+          <a:fillRef idx="1">
+            <a:schemeClr val="lt1"/>
+          </a:fillRef>
+          <a:effectRef idx="0">
+            <a:schemeClr val="accent2"/>
+          </a:effectRef>
+          <a:fontRef idx="minor">
+            <a:schemeClr val="dk1"/>
+          </a:fontRef>
+        </p:style>
+        <p:txBody>
+          <a:bodyPr rtlCol="0" anchor="ctr"/>
+          <a:lstStyle/>
+          <a:p>
+            <a:pPr algn="ctr"/>
+            <a:r>
+              <a:rPr lang="en-US" altLang="ko-KR" sz="1100"/>
+              <a:t>3</a:t>
+            </a:r>
+            <a:endParaRPr lang="ko-KR" altLang="en-US" sz="1100"/>
+          </a:p>
+        </p:txBody>
+      </p:sp>
+      <p:sp>
+        <p:nvSpPr>
+          <p:cNvPr id="94" name="TextBox 93">
+            <a:extLst>
+              <a:ext uri="{FF2B5EF4-FFF2-40B4-BE49-F238E27FC236}">
+                <a16:creationId xmlns:a16="http://schemas.microsoft.com/office/drawing/2014/main" id="{F8C65836-7A91-4C5C-B03B-FDCBD9CD6ED8}"/>
+              </a:ext>
+            </a:extLst>
+          </p:cNvPr>
+          <p:cNvSpPr txBox="1"/>
+          <p:nvPr/>
+        </p:nvSpPr>
+        <p:spPr>
+          <a:xfrm>
+            <a:off x="1001813" y="2979822"/>
+            <a:ext cx="833883" cy="400110"/>
+          </a:xfrm>
+          <a:prstGeom prst="rect">
+            <a:avLst/>
+          </a:prstGeom>
+          <a:noFill/>
+        </p:spPr>
+        <p:txBody>
+          <a:bodyPr wrap="none" rtlCol="0" anchor="ctr">
+            <a:spAutoFit/>
+          </a:bodyPr>
+          <a:lstStyle/>
+          <a:p>
+            <a:pPr algn="ctr"/>
+            <a:r>
+              <a:rPr lang="en-US" altLang="ko-KR" sz="1000">
+                <a:solidFill>
+                  <a:srgbClr val="C00000"/>
+                </a:solidFill>
+              </a:rPr>
+              <a:t>Request </a:t>
+            </a:r>
+          </a:p>
+          <a:p>
+            <a:pPr algn="ctr"/>
+            <a:r>
+              <a:rPr lang="en-US" altLang="ko-KR" sz="1000">
+                <a:solidFill>
+                  <a:srgbClr val="C00000"/>
+                </a:solidFill>
+              </a:rPr>
+              <a:t>Create Pod</a:t>
+            </a:r>
+            <a:endParaRPr lang="ko-KR" altLang="en-US" sz="1000">
+              <a:solidFill>
+                <a:srgbClr val="C00000"/>
+              </a:solidFill>
+            </a:endParaRPr>
+          </a:p>
+        </p:txBody>
+      </p:sp>
+      <p:sp>
+        <p:nvSpPr>
+          <p:cNvPr id="136" name="TextBox 135">
+            <a:extLst>
+              <a:ext uri="{FF2B5EF4-FFF2-40B4-BE49-F238E27FC236}">
+                <a16:creationId xmlns:a16="http://schemas.microsoft.com/office/drawing/2014/main" id="{447C64FA-2C15-43F1-AD84-A52DB2340C51}"/>
+              </a:ext>
+            </a:extLst>
+          </p:cNvPr>
+          <p:cNvSpPr txBox="1"/>
+          <p:nvPr/>
+        </p:nvSpPr>
+        <p:spPr>
+          <a:xfrm>
+            <a:off x="2732254" y="1995686"/>
+            <a:ext cx="833883" cy="400110"/>
+          </a:xfrm>
+          <a:prstGeom prst="rect">
+            <a:avLst/>
+          </a:prstGeom>
+          <a:noFill/>
+        </p:spPr>
+        <p:txBody>
+          <a:bodyPr wrap="none" rtlCol="0" anchor="ctr">
+            <a:spAutoFit/>
+          </a:bodyPr>
+          <a:lstStyle/>
+          <a:p>
+            <a:pPr algn="ctr"/>
+            <a:r>
+              <a:rPr lang="en-US" altLang="ko-KR" sz="1000">
+                <a:solidFill>
+                  <a:srgbClr val="C00000"/>
+                </a:solidFill>
+              </a:rPr>
+              <a:t>Request</a:t>
+            </a:r>
+          </a:p>
+          <a:p>
+            <a:pPr algn="ctr"/>
+            <a:r>
+              <a:rPr lang="en-US" altLang="ko-KR" sz="1000">
+                <a:solidFill>
+                  <a:srgbClr val="C00000"/>
+                </a:solidFill>
+              </a:rPr>
+              <a:t>Create Pod</a:t>
+            </a:r>
+            <a:endParaRPr lang="ko-KR" altLang="en-US" sz="1000">
+              <a:solidFill>
+                <a:srgbClr val="C00000"/>
+              </a:solidFill>
+            </a:endParaRPr>
+          </a:p>
+        </p:txBody>
+      </p:sp>
+      <p:sp>
+        <p:nvSpPr>
+          <p:cNvPr id="137" name="TextBox 136">
+            <a:extLst>
+              <a:ext uri="{FF2B5EF4-FFF2-40B4-BE49-F238E27FC236}">
+                <a16:creationId xmlns:a16="http://schemas.microsoft.com/office/drawing/2014/main" id="{D46A33C9-628B-4E5A-9375-F10969E60B56}"/>
+              </a:ext>
+            </a:extLst>
+          </p:cNvPr>
+          <p:cNvSpPr txBox="1"/>
+          <p:nvPr/>
+        </p:nvSpPr>
+        <p:spPr>
+          <a:xfrm>
+            <a:off x="2923897" y="1608188"/>
+            <a:ext cx="708847" cy="400110"/>
+          </a:xfrm>
+          <a:prstGeom prst="rect">
+            <a:avLst/>
+          </a:prstGeom>
+          <a:noFill/>
+        </p:spPr>
+        <p:txBody>
+          <a:bodyPr wrap="none" rtlCol="0" anchor="ctr">
+            <a:spAutoFit/>
+          </a:bodyPr>
+          <a:lstStyle/>
+          <a:p>
+            <a:pPr algn="ctr"/>
+            <a:r>
+              <a:rPr lang="en-US" altLang="ko-KR" sz="1000">
+                <a:solidFill>
+                  <a:srgbClr val="C00000"/>
+                </a:solidFill>
+              </a:rPr>
+              <a:t>Request</a:t>
+            </a:r>
+          </a:p>
+          <a:p>
+            <a:pPr algn="ctr"/>
+            <a:r>
+              <a:rPr lang="en-US" altLang="ko-KR" sz="1000">
+                <a:solidFill>
+                  <a:srgbClr val="C00000"/>
+                </a:solidFill>
+              </a:rPr>
+              <a:t>ID Token</a:t>
+            </a:r>
+            <a:endParaRPr lang="ko-KR" altLang="en-US" sz="1000">
+              <a:solidFill>
+                <a:srgbClr val="C00000"/>
+              </a:solidFill>
+            </a:endParaRPr>
+          </a:p>
+        </p:txBody>
+      </p:sp>
+      <p:sp>
+        <p:nvSpPr>
+          <p:cNvPr id="139" name="TextBox 138">
+            <a:extLst>
+              <a:ext uri="{FF2B5EF4-FFF2-40B4-BE49-F238E27FC236}">
+                <a16:creationId xmlns:a16="http://schemas.microsoft.com/office/drawing/2014/main" id="{5B11BA11-9885-4D46-9FEF-09A6A9CAA034}"/>
+              </a:ext>
+            </a:extLst>
+          </p:cNvPr>
+          <p:cNvSpPr txBox="1"/>
+          <p:nvPr/>
+        </p:nvSpPr>
+        <p:spPr>
+          <a:xfrm>
+            <a:off x="4072132" y="1614806"/>
+            <a:ext cx="708848" cy="246221"/>
+          </a:xfrm>
+          <a:prstGeom prst="rect">
+            <a:avLst/>
+          </a:prstGeom>
+          <a:noFill/>
+        </p:spPr>
+        <p:txBody>
+          <a:bodyPr wrap="none" rtlCol="0" anchor="ctr">
+            <a:spAutoFit/>
+          </a:bodyPr>
+          <a:lstStyle/>
+          <a:p>
+            <a:pPr algn="ctr"/>
+            <a:r>
+              <a:rPr lang="en-US" altLang="ko-KR" sz="1000">
+                <a:solidFill>
+                  <a:srgbClr val="C00000"/>
+                </a:solidFill>
+              </a:rPr>
+              <a:t>ID Token</a:t>
+            </a:r>
+            <a:endParaRPr lang="ko-KR" altLang="en-US" sz="1000">
+              <a:solidFill>
+                <a:srgbClr val="C00000"/>
+              </a:solidFill>
+            </a:endParaRPr>
+          </a:p>
+        </p:txBody>
+      </p:sp>
+      <p:sp>
+        <p:nvSpPr>
+          <p:cNvPr id="140" name="TextBox 139">
+            <a:extLst>
+              <a:ext uri="{FF2B5EF4-FFF2-40B4-BE49-F238E27FC236}">
+                <a16:creationId xmlns:a16="http://schemas.microsoft.com/office/drawing/2014/main" id="{CF357FE5-36F0-41D4-91C4-BD47505AB0E4}"/>
+              </a:ext>
+            </a:extLst>
+          </p:cNvPr>
+          <p:cNvSpPr txBox="1"/>
+          <p:nvPr/>
+        </p:nvSpPr>
+        <p:spPr>
+          <a:xfrm>
+            <a:off x="2730005" y="2665824"/>
+            <a:ext cx="833883" cy="553998"/>
+          </a:xfrm>
+          <a:prstGeom prst="rect">
+            <a:avLst/>
+          </a:prstGeom>
+          <a:noFill/>
+        </p:spPr>
+        <p:txBody>
+          <a:bodyPr wrap="none" rtlCol="0" anchor="ctr">
+            <a:spAutoFit/>
+          </a:bodyPr>
+          <a:lstStyle/>
+          <a:p>
+            <a:pPr algn="ctr"/>
+            <a:r>
+              <a:rPr lang="en-US" altLang="ko-KR" sz="1000">
+                <a:solidFill>
+                  <a:srgbClr val="C00000"/>
+                </a:solidFill>
+              </a:rPr>
+              <a:t>Mutated</a:t>
+            </a:r>
+          </a:p>
+          <a:p>
+            <a:pPr algn="ctr"/>
+            <a:r>
+              <a:rPr lang="en-US" altLang="ko-KR" sz="1000">
+                <a:solidFill>
+                  <a:srgbClr val="C00000"/>
+                </a:solidFill>
+              </a:rPr>
+              <a:t>Request</a:t>
+            </a:r>
+          </a:p>
+          <a:p>
+            <a:pPr algn="ctr"/>
+            <a:r>
+              <a:rPr lang="en-US" altLang="ko-KR" sz="1000">
+                <a:solidFill>
+                  <a:srgbClr val="C00000"/>
+                </a:solidFill>
+              </a:rPr>
+              <a:t>Create Pod</a:t>
+            </a:r>
+            <a:endParaRPr lang="ko-KR" altLang="en-US" sz="1000">
+              <a:solidFill>
+                <a:srgbClr val="C00000"/>
+              </a:solidFill>
+            </a:endParaRPr>
+          </a:p>
+        </p:txBody>
+      </p:sp>
+      <p:sp>
+        <p:nvSpPr>
+          <p:cNvPr id="146" name="TextBox 145">
+            <a:extLst>
+              <a:ext uri="{FF2B5EF4-FFF2-40B4-BE49-F238E27FC236}">
+                <a16:creationId xmlns:a16="http://schemas.microsoft.com/office/drawing/2014/main" id="{3A6CE7B2-F373-42B2-814B-329A0F50516E}"/>
+              </a:ext>
+            </a:extLst>
+          </p:cNvPr>
+          <p:cNvSpPr txBox="1"/>
+          <p:nvPr/>
+        </p:nvSpPr>
+        <p:spPr>
+          <a:xfrm>
+            <a:off x="2866261" y="3611800"/>
+            <a:ext cx="561371" cy="400110"/>
+          </a:xfrm>
+          <a:prstGeom prst="rect">
+            <a:avLst/>
+          </a:prstGeom>
+          <a:noFill/>
+        </p:spPr>
+        <p:txBody>
+          <a:bodyPr wrap="none" rtlCol="0" anchor="ctr">
+            <a:spAutoFit/>
+          </a:bodyPr>
+          <a:lstStyle/>
+          <a:p>
+            <a:pPr algn="ctr"/>
+            <a:r>
+              <a:rPr lang="en-US" altLang="ko-KR" sz="1000">
+                <a:solidFill>
+                  <a:srgbClr val="C00000"/>
+                </a:solidFill>
+              </a:rPr>
+              <a:t>Create</a:t>
+            </a:r>
+          </a:p>
+          <a:p>
+            <a:pPr algn="ctr"/>
+            <a:r>
+              <a:rPr lang="en-US" altLang="ko-KR" sz="1000">
+                <a:solidFill>
+                  <a:srgbClr val="C00000"/>
+                </a:solidFill>
+              </a:rPr>
+              <a:t>Pod</a:t>
+            </a:r>
+            <a:endParaRPr lang="ko-KR" altLang="en-US" sz="1000">
+              <a:solidFill>
+                <a:srgbClr val="C00000"/>
+              </a:solidFill>
+            </a:endParaRPr>
+          </a:p>
+        </p:txBody>
+      </p:sp>
+      <p:sp>
+        <p:nvSpPr>
+          <p:cNvPr id="150" name="TextBox 149">
+            <a:extLst>
+              <a:ext uri="{FF2B5EF4-FFF2-40B4-BE49-F238E27FC236}">
+                <a16:creationId xmlns:a16="http://schemas.microsoft.com/office/drawing/2014/main" id="{D09199DA-B8EA-4484-A0F1-FF79C4CB1ABF}"/>
+              </a:ext>
+            </a:extLst>
+          </p:cNvPr>
+          <p:cNvSpPr txBox="1"/>
+          <p:nvPr/>
+        </p:nvSpPr>
+        <p:spPr>
+          <a:xfrm>
+            <a:off x="5220072" y="3291830"/>
+            <a:ext cx="708848" cy="246221"/>
+          </a:xfrm>
+          <a:prstGeom prst="rect">
+            <a:avLst/>
+          </a:prstGeom>
+          <a:noFill/>
+        </p:spPr>
+        <p:txBody>
+          <a:bodyPr wrap="none" rtlCol="0" anchor="ctr">
+            <a:spAutoFit/>
+          </a:bodyPr>
+          <a:lstStyle/>
+          <a:p>
+            <a:pPr algn="ctr"/>
+            <a:r>
+              <a:rPr lang="en-US" altLang="ko-KR" sz="1000">
+                <a:solidFill>
+                  <a:schemeClr val="tx2"/>
+                </a:solidFill>
+              </a:rPr>
+              <a:t>ID Token</a:t>
+            </a:r>
+            <a:endParaRPr lang="ko-KR" altLang="en-US" sz="1000">
+              <a:solidFill>
+                <a:schemeClr val="tx2"/>
+              </a:solidFill>
+            </a:endParaRPr>
+          </a:p>
+        </p:txBody>
+      </p:sp>
+      <p:sp>
+        <p:nvSpPr>
+          <p:cNvPr id="168" name="TextBox 167">
+            <a:extLst>
+              <a:ext uri="{FF2B5EF4-FFF2-40B4-BE49-F238E27FC236}">
+                <a16:creationId xmlns:a16="http://schemas.microsoft.com/office/drawing/2014/main" id="{39F1D2AA-8D1D-4AD5-B7B9-813E9DE34EE0}"/>
+              </a:ext>
+            </a:extLst>
+          </p:cNvPr>
+          <p:cNvSpPr txBox="1"/>
+          <p:nvPr/>
+        </p:nvSpPr>
+        <p:spPr>
+          <a:xfrm>
+            <a:off x="7136277" y="2921879"/>
+            <a:ext cx="832280" cy="246221"/>
+          </a:xfrm>
+          <a:prstGeom prst="rect">
+            <a:avLst/>
+          </a:prstGeom>
+          <a:noFill/>
+        </p:spPr>
+        <p:txBody>
+          <a:bodyPr wrap="none" rtlCol="0" anchor="ctr">
+            <a:spAutoFit/>
+          </a:bodyPr>
+          <a:lstStyle/>
+          <a:p>
+            <a:pPr algn="ctr"/>
+            <a:r>
+              <a:rPr lang="en-US" altLang="ko-KR" sz="1000">
+                <a:solidFill>
+                  <a:schemeClr val="tx2"/>
+                </a:solidFill>
+              </a:rPr>
+              <a:t>Credentials</a:t>
+            </a:r>
+            <a:endParaRPr lang="ko-KR" altLang="en-US" sz="1000">
+              <a:solidFill>
+                <a:schemeClr val="tx2"/>
+              </a:solidFill>
+            </a:endParaRPr>
+          </a:p>
+        </p:txBody>
+      </p:sp>
+      <p:sp>
+        <p:nvSpPr>
+          <p:cNvPr id="173" name="TextBox 172">
+            <a:extLst>
+              <a:ext uri="{FF2B5EF4-FFF2-40B4-BE49-F238E27FC236}">
+                <a16:creationId xmlns:a16="http://schemas.microsoft.com/office/drawing/2014/main" id="{03FA234C-EA5C-4639-B74C-BD3869DD8227}"/>
+              </a:ext>
+            </a:extLst>
+          </p:cNvPr>
+          <p:cNvSpPr txBox="1"/>
+          <p:nvPr/>
+        </p:nvSpPr>
+        <p:spPr>
+          <a:xfrm>
+            <a:off x="3917145" y="3014830"/>
+            <a:ext cx="942887" cy="400110"/>
+          </a:xfrm>
+          <a:prstGeom prst="rect">
+            <a:avLst/>
+          </a:prstGeom>
+          <a:noFill/>
+        </p:spPr>
+        <p:txBody>
+          <a:bodyPr wrap="none" rtlCol="0" anchor="ctr">
+            <a:spAutoFit/>
+          </a:bodyPr>
+          <a:lstStyle/>
+          <a:p>
+            <a:pPr algn="ctr"/>
+            <a:r>
+              <a:rPr lang="en-US" altLang="ko-KR" sz="1000">
+                <a:solidFill>
+                  <a:schemeClr val="tx2"/>
+                </a:solidFill>
+              </a:rPr>
+              <a:t>Request with</a:t>
+            </a:r>
+          </a:p>
+          <a:p>
+            <a:pPr algn="ctr"/>
+            <a:r>
+              <a:rPr lang="en-US" altLang="ko-KR" sz="1000">
+                <a:solidFill>
+                  <a:schemeClr val="tx2"/>
+                </a:solidFill>
+              </a:rPr>
+              <a:t>Credentials</a:t>
+            </a:r>
+            <a:endParaRPr lang="ko-KR" altLang="en-US" sz="1000">
+              <a:solidFill>
+                <a:schemeClr val="tx2"/>
+              </a:solidFill>
+            </a:endParaRPr>
+          </a:p>
+        </p:txBody>
+      </p:sp>
+      <p:cxnSp>
+        <p:nvCxnSpPr>
+          <p:cNvPr id="45" name="직선 화살표 연결선 44">
+            <a:extLst>
+              <a:ext uri="{FF2B5EF4-FFF2-40B4-BE49-F238E27FC236}">
+                <a16:creationId xmlns:a16="http://schemas.microsoft.com/office/drawing/2014/main" id="{3321DBD6-0FBD-4E11-AA5F-DEC0550FF1A0}"/>
+              </a:ext>
+            </a:extLst>
+          </p:cNvPr>
+          <p:cNvCxnSpPr>
+            <a:cxnSpLocks/>
+          </p:cNvCxnSpPr>
+          <p:nvPr/>
+        </p:nvCxnSpPr>
+        <p:spPr>
+          <a:xfrm flipV="1">
+            <a:off x="1001813" y="2833136"/>
+            <a:ext cx="0" cy="674718"/>
+          </a:xfrm>
+          <a:prstGeom prst="straightConnector1">
+            <a:avLst/>
+          </a:prstGeom>
+          <a:ln w="19050">
+            <a:solidFill>
+              <a:schemeClr val="accent3">
+                <a:lumMod val="75000"/>
+              </a:schemeClr>
+            </a:solidFill>
+            <a:headEnd type="none" w="med" len="med"/>
+            <a:tailEnd type="arrow" w="med" len="med"/>
+          </a:ln>
+        </p:spPr>
+        <p:style>
+          <a:lnRef idx="1">
+            <a:schemeClr val="accent1"/>
+          </a:lnRef>
+          <a:fillRef idx="0">
+            <a:schemeClr val="accent1"/>
+          </a:fillRef>
+          <a:effectRef idx="0">
+            <a:schemeClr val="accent1"/>
+          </a:effectRef>
+          <a:fontRef idx="minor">
+            <a:schemeClr val="tx1"/>
+          </a:fontRef>
+        </p:style>
+      </p:cxnSp>
+      <p:sp>
+        <p:nvSpPr>
+          <p:cNvPr id="50" name="타원 49">
+            <a:extLst>
+              <a:ext uri="{FF2B5EF4-FFF2-40B4-BE49-F238E27FC236}">
+                <a16:creationId xmlns:a16="http://schemas.microsoft.com/office/drawing/2014/main" id="{1DBEEB5C-40CF-4618-9F59-686C02BE169E}"/>
+              </a:ext>
+            </a:extLst>
+          </p:cNvPr>
+          <p:cNvSpPr/>
+          <p:nvPr/>
+        </p:nvSpPr>
+        <p:spPr>
+          <a:xfrm>
+            <a:off x="897766" y="3403807"/>
+            <a:ext cx="208094" cy="208094"/>
+          </a:xfrm>
+          <a:prstGeom prst="ellipse">
+            <a:avLst/>
+          </a:prstGeom>
+          <a:ln>
+            <a:solidFill>
+              <a:schemeClr val="accent3">
+                <a:lumMod val="75000"/>
+              </a:schemeClr>
+            </a:solidFill>
+          </a:ln>
+        </p:spPr>
+        <p:style>
+          <a:lnRef idx="2">
+            <a:schemeClr val="accent2"/>
+          </a:lnRef>
+          <a:fillRef idx="1">
+            <a:schemeClr val="lt1"/>
+          </a:fillRef>
+          <a:effectRef idx="0">
+            <a:schemeClr val="accent2"/>
+          </a:effectRef>
+          <a:fontRef idx="minor">
+            <a:schemeClr val="dk1"/>
+          </a:fontRef>
+        </p:style>
+        <p:txBody>
+          <a:bodyPr rtlCol="0" anchor="ctr"/>
+          <a:lstStyle/>
+          <a:p>
+            <a:pPr algn="ctr"/>
+            <a:r>
+              <a:rPr lang="en-US" altLang="ko-KR" sz="1100"/>
+              <a:t>1</a:t>
+            </a:r>
+            <a:endParaRPr lang="ko-KR" altLang="en-US" sz="1100"/>
+          </a:p>
+        </p:txBody>
+      </p:sp>
+      <p:sp>
+        <p:nvSpPr>
+          <p:cNvPr id="52" name="TextBox 51">
+            <a:extLst>
+              <a:ext uri="{FF2B5EF4-FFF2-40B4-BE49-F238E27FC236}">
+                <a16:creationId xmlns:a16="http://schemas.microsoft.com/office/drawing/2014/main" id="{6E04B739-4C8F-4DAE-BA22-322B8F242CB1}"/>
+              </a:ext>
+            </a:extLst>
+          </p:cNvPr>
+          <p:cNvSpPr txBox="1"/>
+          <p:nvPr/>
+        </p:nvSpPr>
+        <p:spPr>
+          <a:xfrm>
+            <a:off x="333382" y="2889895"/>
+            <a:ext cx="660757" cy="553998"/>
+          </a:xfrm>
+          <a:prstGeom prst="rect">
+            <a:avLst/>
+          </a:prstGeom>
+          <a:noFill/>
+        </p:spPr>
+        <p:txBody>
+          <a:bodyPr wrap="none" rtlCol="0" anchor="ctr">
+            <a:spAutoFit/>
+          </a:bodyPr>
+          <a:lstStyle/>
+          <a:p>
+            <a:pPr algn="ctr"/>
+            <a:r>
+              <a:rPr lang="en-US" altLang="ko-KR" sz="1000">
+                <a:solidFill>
+                  <a:schemeClr val="accent3">
+                    <a:lumMod val="75000"/>
+                  </a:schemeClr>
+                </a:solidFill>
+              </a:rPr>
+              <a:t>Request</a:t>
+            </a:r>
+          </a:p>
+          <a:p>
+            <a:pPr algn="ctr"/>
+            <a:r>
+              <a:rPr lang="en-US" altLang="ko-KR" sz="1000">
+                <a:solidFill>
+                  <a:schemeClr val="accent3">
+                    <a:lumMod val="75000"/>
+                  </a:schemeClr>
+                </a:solidFill>
+              </a:rPr>
+              <a:t>Service</a:t>
+            </a:r>
+          </a:p>
+          <a:p>
+            <a:pPr algn="ctr"/>
+            <a:r>
+              <a:rPr lang="en-US" altLang="ko-KR" sz="1000">
+                <a:solidFill>
+                  <a:schemeClr val="accent3">
+                    <a:lumMod val="75000"/>
+                  </a:schemeClr>
+                </a:solidFill>
+              </a:rPr>
+              <a:t>Account</a:t>
+            </a:r>
+            <a:endParaRPr lang="ko-KR" altLang="en-US" sz="1000">
+              <a:solidFill>
+                <a:schemeClr val="accent3">
+                  <a:lumMod val="75000"/>
+                </a:schemeClr>
+              </a:solidFill>
+            </a:endParaRPr>
+          </a:p>
+        </p:txBody>
+      </p:sp>
+    </p:spTree>
+    <p:extLst>
+      <p:ext uri="{BB962C8B-B14F-4D97-AF65-F5344CB8AC3E}">
+        <p14:creationId xmlns:p14="http://schemas.microsoft.com/office/powerpoint/2010/main" val="391008098"/>
+      </p:ext>
+    </p:extLst>
+  </p:cSld>
+  <p:clrMapOvr>
+    <a:masterClrMapping/>
+  </p:clrMapOvr>
+</p:sld>
+</file>
+
+<file path=ppt/slides/slide4.xml><?xml version="1.0" encoding="utf-8"?>
+<p:sld xmlns:a="http://schemas.openxmlformats.org/drawingml/2006/main" xmlns:r="http://schemas.openxmlformats.org/officeDocument/2006/relationships" xmlns:p="http://schemas.openxmlformats.org/presentationml/2006/main">
+  <p:cSld>
+    <p:spTree>
+      <p:nvGrpSpPr>
+        <p:cNvPr id="1" name=""/>
+        <p:cNvGrpSpPr/>
+        <p:nvPr/>
+      </p:nvGrpSpPr>
+      <p:grpSpPr>
+        <a:xfrm>
+          <a:off x="0" y="0"/>
+          <a:ext cx="0" cy="0"/>
+          <a:chOff x="0" y="0"/>
+          <a:chExt cx="0" cy="0"/>
+        </a:xfrm>
+      </p:grpSpPr>
+      <p:sp>
+        <p:nvSpPr>
+          <p:cNvPr id="2" name="제목 1"/>
+          <p:cNvSpPr>
+            <a:spLocks noGrp="1"/>
+          </p:cNvSpPr>
+          <p:nvPr>
+            <p:ph type="title"/>
+          </p:nvPr>
+        </p:nvSpPr>
+        <p:spPr>
+          <a:xfrm>
+            <a:off x="457200" y="-20538"/>
+            <a:ext cx="8229600" cy="720080"/>
+          </a:xfrm>
+        </p:spPr>
+        <p:txBody>
+          <a:bodyPr>
+            <a:normAutofit/>
+          </a:bodyPr>
+          <a:lstStyle/>
+          <a:p>
+            <a:r>
+              <a:rPr lang="en-US" altLang="ko-KR" sz="3600"/>
+              <a:t>AWS</a:t>
+            </a:r>
+            <a:endParaRPr lang="ko-KR" altLang="en-US" sz="3600" dirty="0"/>
+          </a:p>
+        </p:txBody>
+      </p:sp>
+      <p:sp>
+        <p:nvSpPr>
+          <p:cNvPr id="3" name="사각형: 둥근 모서리 2">
+            <a:extLst>
+              <a:ext uri="{FF2B5EF4-FFF2-40B4-BE49-F238E27FC236}">
+                <a16:creationId xmlns:a16="http://schemas.microsoft.com/office/drawing/2014/main" id="{D3D7A814-FC3C-4572-A544-F1EC3D78E5EF}"/>
+              </a:ext>
+            </a:extLst>
+          </p:cNvPr>
+          <p:cNvSpPr/>
+          <p:nvPr/>
+        </p:nvSpPr>
+        <p:spPr>
+          <a:xfrm>
+            <a:off x="1190776" y="1150306"/>
+            <a:ext cx="3888432" cy="504056"/>
+          </a:xfrm>
+          <a:prstGeom prst="roundRect">
+            <a:avLst/>
+          </a:prstGeom>
+        </p:spPr>
+        <p:style>
+          <a:lnRef idx="2">
+            <a:schemeClr val="dk1"/>
+          </a:lnRef>
+          <a:fillRef idx="1">
+            <a:schemeClr val="lt1"/>
+          </a:fillRef>
+          <a:effectRef idx="0">
+            <a:schemeClr val="dk1"/>
+          </a:effectRef>
+          <a:fontRef idx="minor">
+            <a:schemeClr val="dk1"/>
+          </a:fontRef>
+        </p:style>
+        <p:txBody>
+          <a:bodyPr rtlCol="0" anchor="ctr"/>
+          <a:lstStyle/>
+          <a:p>
+            <a:pPr algn="ctr"/>
+            <a:r>
+              <a:rPr lang="en-US" altLang="ko-KR" sz="1200"/>
+              <a:t>https://oidc.eks.&lt;region&gt;.amazonaws.com/id/&lt;id&gt;</a:t>
+            </a:r>
+            <a:endParaRPr lang="en-US" altLang="ko-KR" sz="1400"/>
+          </a:p>
+          <a:p>
+            <a:pPr algn="ctr"/>
+            <a:r>
+              <a:rPr lang="en-US" altLang="ko-KR" sz="1400" b="1"/>
+              <a:t>AWS EKS OIDC Identity Provider</a:t>
+            </a:r>
+            <a:endParaRPr lang="ko-KR" altLang="en-US" sz="1400" b="1"/>
+          </a:p>
+        </p:txBody>
+      </p:sp>
+      <p:sp>
+        <p:nvSpPr>
+          <p:cNvPr id="42" name="사각형: 둥근 모서리 41">
+            <a:extLst>
+              <a:ext uri="{FF2B5EF4-FFF2-40B4-BE49-F238E27FC236}">
+                <a16:creationId xmlns:a16="http://schemas.microsoft.com/office/drawing/2014/main" id="{0FDB96E6-2149-4CCF-BE68-82CB50955BBF}"/>
+              </a:ext>
+            </a:extLst>
+          </p:cNvPr>
+          <p:cNvSpPr/>
+          <p:nvPr/>
+        </p:nvSpPr>
+        <p:spPr>
+          <a:xfrm>
+            <a:off x="3425003" y="2329080"/>
+            <a:ext cx="2156282" cy="504056"/>
+          </a:xfrm>
+          <a:prstGeom prst="roundRect">
+            <a:avLst/>
+          </a:prstGeom>
+        </p:spPr>
+        <p:style>
+          <a:lnRef idx="2">
+            <a:schemeClr val="dk1"/>
+          </a:lnRef>
+          <a:fillRef idx="1">
+            <a:schemeClr val="lt1"/>
+          </a:fillRef>
+          <a:effectRef idx="0">
+            <a:schemeClr val="dk1"/>
+          </a:effectRef>
+          <a:fontRef idx="minor">
+            <a:schemeClr val="dk1"/>
+          </a:fontRef>
+        </p:style>
+        <p:txBody>
+          <a:bodyPr rtlCol="0" anchor="ctr"/>
+          <a:lstStyle/>
+          <a:p>
+            <a:pPr algn="ctr"/>
+            <a:r>
+              <a:rPr lang="en-US" altLang="ko-KR" sz="1400" b="1"/>
+              <a:t>P</a:t>
+            </a:r>
+            <a:r>
+              <a:rPr lang="ko-KR" altLang="en-US" sz="1400" b="1"/>
+              <a:t>od </a:t>
+            </a:r>
+            <a:r>
+              <a:rPr lang="en-US" altLang="ko-KR" sz="1400" b="1"/>
+              <a:t>I</a:t>
+            </a:r>
+            <a:r>
+              <a:rPr lang="ko-KR" altLang="en-US" sz="1400" b="1"/>
+              <a:t>dentity </a:t>
+            </a:r>
+            <a:r>
+              <a:rPr lang="en-US" altLang="ko-KR" sz="1400" b="1"/>
+              <a:t>W</a:t>
+            </a:r>
+            <a:r>
+              <a:rPr lang="ko-KR" altLang="en-US" sz="1400" b="1"/>
+              <a:t>ebhook</a:t>
+            </a:r>
+          </a:p>
+        </p:txBody>
+      </p:sp>
+      <p:sp>
+        <p:nvSpPr>
+          <p:cNvPr id="43" name="사각형: 둥근 모서리 42">
+            <a:extLst>
+              <a:ext uri="{FF2B5EF4-FFF2-40B4-BE49-F238E27FC236}">
+                <a16:creationId xmlns:a16="http://schemas.microsoft.com/office/drawing/2014/main" id="{62CE5840-0427-4D9B-9819-4254E0314D78}"/>
+              </a:ext>
+            </a:extLst>
+          </p:cNvPr>
+          <p:cNvSpPr/>
+          <p:nvPr/>
+        </p:nvSpPr>
+        <p:spPr>
+          <a:xfrm>
+            <a:off x="6162480" y="1140948"/>
+            <a:ext cx="2081928" cy="504056"/>
+          </a:xfrm>
+          <a:prstGeom prst="roundRect">
+            <a:avLst/>
+          </a:prstGeom>
+        </p:spPr>
+        <p:style>
+          <a:lnRef idx="2">
+            <a:schemeClr val="dk1"/>
+          </a:lnRef>
+          <a:fillRef idx="1">
+            <a:schemeClr val="lt1"/>
+          </a:fillRef>
+          <a:effectRef idx="0">
+            <a:schemeClr val="dk1"/>
+          </a:effectRef>
+          <a:fontRef idx="minor">
+            <a:schemeClr val="dk1"/>
+          </a:fontRef>
+        </p:style>
+        <p:txBody>
+          <a:bodyPr rtlCol="0" anchor="ctr"/>
+          <a:lstStyle/>
+          <a:p>
+            <a:pPr algn="ctr"/>
+            <a:r>
+              <a:rPr lang="en-US" altLang="ko-KR" sz="1400"/>
+              <a:t>AWS Services</a:t>
+            </a:r>
+            <a:endParaRPr lang="ko-KR" altLang="en-US" sz="1400"/>
+          </a:p>
+        </p:txBody>
+      </p:sp>
+      <p:sp>
+        <p:nvSpPr>
+          <p:cNvPr id="44" name="사각형: 둥근 모서리 43">
+            <a:extLst>
+              <a:ext uri="{FF2B5EF4-FFF2-40B4-BE49-F238E27FC236}">
+                <a16:creationId xmlns:a16="http://schemas.microsoft.com/office/drawing/2014/main" id="{FF2FFECE-A2E7-4297-A450-217C6FD8E690}"/>
+              </a:ext>
+            </a:extLst>
+          </p:cNvPr>
+          <p:cNvSpPr/>
+          <p:nvPr/>
+        </p:nvSpPr>
+        <p:spPr>
+          <a:xfrm>
+            <a:off x="3425003" y="3507854"/>
+            <a:ext cx="2156282" cy="504056"/>
+          </a:xfrm>
+          <a:prstGeom prst="roundRect">
+            <a:avLst/>
+          </a:prstGeom>
+        </p:spPr>
+        <p:style>
+          <a:lnRef idx="2">
+            <a:schemeClr val="dk1"/>
+          </a:lnRef>
+          <a:fillRef idx="1">
+            <a:schemeClr val="lt1"/>
+          </a:fillRef>
+          <a:effectRef idx="0">
+            <a:schemeClr val="dk1"/>
+          </a:effectRef>
+          <a:fontRef idx="minor">
+            <a:schemeClr val="dk1"/>
+          </a:fontRef>
+        </p:style>
+        <p:txBody>
+          <a:bodyPr rtlCol="0" anchor="ctr"/>
+          <a:lstStyle/>
+          <a:p>
+            <a:pPr algn="ctr"/>
+            <a:r>
+              <a:rPr lang="en-US" altLang="ko-KR" sz="1400"/>
+              <a:t>Pod</a:t>
+            </a:r>
+            <a:endParaRPr lang="ko-KR" altLang="en-US" sz="1400"/>
+          </a:p>
+        </p:txBody>
+      </p:sp>
+      <p:sp>
+        <p:nvSpPr>
+          <p:cNvPr id="47" name="사각형: 둥근 모서리 46">
+            <a:extLst>
+              <a:ext uri="{FF2B5EF4-FFF2-40B4-BE49-F238E27FC236}">
+                <a16:creationId xmlns:a16="http://schemas.microsoft.com/office/drawing/2014/main" id="{F6E37BFC-C0A5-4F70-AEE2-5F9124151167}"/>
+              </a:ext>
+            </a:extLst>
+          </p:cNvPr>
+          <p:cNvSpPr/>
+          <p:nvPr/>
+        </p:nvSpPr>
+        <p:spPr>
+          <a:xfrm>
+            <a:off x="688699" y="2329080"/>
+            <a:ext cx="2156282" cy="504056"/>
+          </a:xfrm>
+          <a:prstGeom prst="roundRect">
+            <a:avLst/>
+          </a:prstGeom>
+        </p:spPr>
+        <p:style>
+          <a:lnRef idx="2">
+            <a:schemeClr val="dk1"/>
+          </a:lnRef>
+          <a:fillRef idx="1">
+            <a:schemeClr val="lt1"/>
+          </a:fillRef>
+          <a:effectRef idx="0">
+            <a:schemeClr val="dk1"/>
+          </a:effectRef>
+          <a:fontRef idx="minor">
+            <a:schemeClr val="dk1"/>
+          </a:fontRef>
+        </p:style>
+        <p:txBody>
+          <a:bodyPr rtlCol="0" anchor="ctr"/>
+          <a:lstStyle/>
+          <a:p>
+            <a:pPr algn="ctr"/>
+            <a:r>
+              <a:rPr lang="en-US" altLang="ko-KR" sz="1400"/>
+              <a:t>AWS EKS (k8s) </a:t>
+            </a:r>
+          </a:p>
+          <a:p>
+            <a:pPr algn="ctr"/>
+            <a:r>
+              <a:rPr lang="en-US" altLang="ko-KR" sz="1400"/>
+              <a:t>API Server</a:t>
+            </a:r>
+          </a:p>
+        </p:txBody>
+      </p:sp>
+      <p:sp>
+        <p:nvSpPr>
+          <p:cNvPr id="48" name="사각형: 둥근 모서리 47">
+            <a:extLst>
+              <a:ext uri="{FF2B5EF4-FFF2-40B4-BE49-F238E27FC236}">
+                <a16:creationId xmlns:a16="http://schemas.microsoft.com/office/drawing/2014/main" id="{1BFD2B29-0C97-432D-87B6-B068177FDD1A}"/>
+              </a:ext>
+            </a:extLst>
+          </p:cNvPr>
+          <p:cNvSpPr/>
+          <p:nvPr/>
+        </p:nvSpPr>
+        <p:spPr>
+          <a:xfrm>
+            <a:off x="6162480" y="2319722"/>
+            <a:ext cx="2081928" cy="504056"/>
+          </a:xfrm>
+          <a:prstGeom prst="roundRect">
+            <a:avLst/>
+          </a:prstGeom>
+        </p:spPr>
+        <p:style>
+          <a:lnRef idx="2">
+            <a:schemeClr val="dk1"/>
+          </a:lnRef>
+          <a:fillRef idx="1">
+            <a:schemeClr val="lt1"/>
+          </a:fillRef>
+          <a:effectRef idx="0">
+            <a:schemeClr val="dk1"/>
+          </a:effectRef>
+          <a:fontRef idx="minor">
+            <a:schemeClr val="dk1"/>
+          </a:fontRef>
+        </p:style>
+        <p:txBody>
+          <a:bodyPr rtlCol="0" anchor="ctr"/>
+          <a:lstStyle/>
+          <a:p>
+            <a:pPr algn="ctr"/>
+            <a:r>
+              <a:rPr lang="en-US" altLang="ko-KR" sz="1400"/>
+              <a:t>AWS STS</a:t>
+            </a:r>
+            <a:endParaRPr lang="ko-KR" altLang="en-US" sz="1400"/>
+          </a:p>
+        </p:txBody>
+      </p:sp>
+      <p:cxnSp>
+        <p:nvCxnSpPr>
+          <p:cNvPr id="7" name="직선 화살표 연결선 6">
+            <a:extLst>
+              <a:ext uri="{FF2B5EF4-FFF2-40B4-BE49-F238E27FC236}">
+                <a16:creationId xmlns:a16="http://schemas.microsoft.com/office/drawing/2014/main" id="{89C6788B-84E5-4421-8886-4F82C6A1B227}"/>
+              </a:ext>
+            </a:extLst>
+          </p:cNvPr>
+          <p:cNvCxnSpPr>
+            <a:cxnSpLocks/>
+            <a:stCxn id="47" idx="2"/>
+            <a:endCxn id="44" idx="1"/>
+          </p:cNvCxnSpPr>
+          <p:nvPr/>
+        </p:nvCxnSpPr>
+        <p:spPr>
+          <a:xfrm>
+            <a:off x="1766840" y="2833136"/>
+            <a:ext cx="1658163" cy="926746"/>
+          </a:xfrm>
+          <a:prstGeom prst="straightConnector1">
+            <a:avLst/>
+          </a:prstGeom>
+          <a:ln w="19050">
+            <a:solidFill>
+              <a:srgbClr val="C00000"/>
+            </a:solidFill>
+            <a:headEnd type="none" w="med" len="med"/>
+            <a:tailEnd type="arrow" w="med" len="med"/>
+          </a:ln>
+        </p:spPr>
+        <p:style>
+          <a:lnRef idx="1">
+            <a:schemeClr val="accent1"/>
+          </a:lnRef>
+          <a:fillRef idx="0">
+            <a:schemeClr val="accent1"/>
+          </a:fillRef>
+          <a:effectRef idx="0">
+            <a:schemeClr val="accent1"/>
+          </a:effectRef>
+          <a:fontRef idx="minor">
+            <a:schemeClr val="tx1"/>
+          </a:fontRef>
+        </p:style>
+      </p:cxnSp>
+      <p:cxnSp>
+        <p:nvCxnSpPr>
+          <p:cNvPr id="51" name="직선 화살표 연결선 50">
+            <a:extLst>
+              <a:ext uri="{FF2B5EF4-FFF2-40B4-BE49-F238E27FC236}">
+                <a16:creationId xmlns:a16="http://schemas.microsoft.com/office/drawing/2014/main" id="{C5B48D1E-D833-4215-8230-080F9F3EE690}"/>
+              </a:ext>
+            </a:extLst>
+          </p:cNvPr>
+          <p:cNvCxnSpPr>
+            <a:cxnSpLocks/>
+          </p:cNvCxnSpPr>
+          <p:nvPr/>
+        </p:nvCxnSpPr>
+        <p:spPr>
+          <a:xfrm>
+            <a:off x="2844981" y="2499742"/>
+            <a:ext cx="580022" cy="0"/>
+          </a:xfrm>
+          <a:prstGeom prst="straightConnector1">
+            <a:avLst/>
+          </a:prstGeom>
+          <a:ln w="19050">
+            <a:solidFill>
+              <a:srgbClr val="C00000"/>
+            </a:solidFill>
+            <a:headEnd type="none" w="med" len="med"/>
+            <a:tailEnd type="arrow" w="med" len="med"/>
+          </a:ln>
+        </p:spPr>
+        <p:style>
+          <a:lnRef idx="1">
+            <a:schemeClr val="accent1"/>
+          </a:lnRef>
+          <a:fillRef idx="0">
+            <a:schemeClr val="accent1"/>
+          </a:fillRef>
+          <a:effectRef idx="0">
+            <a:schemeClr val="accent1"/>
+          </a:effectRef>
+          <a:fontRef idx="minor">
+            <a:schemeClr val="tx1"/>
+          </a:fontRef>
+        </p:style>
+      </p:cxnSp>
+      <p:cxnSp>
+        <p:nvCxnSpPr>
+          <p:cNvPr id="54" name="직선 화살표 연결선 53">
+            <a:extLst>
+              <a:ext uri="{FF2B5EF4-FFF2-40B4-BE49-F238E27FC236}">
+                <a16:creationId xmlns:a16="http://schemas.microsoft.com/office/drawing/2014/main" id="{79CC5ADD-8241-45FD-AC80-371CC10AF9D2}"/>
+              </a:ext>
+            </a:extLst>
+          </p:cNvPr>
+          <p:cNvCxnSpPr>
+            <a:cxnSpLocks/>
+          </p:cNvCxnSpPr>
+          <p:nvPr/>
+        </p:nvCxnSpPr>
+        <p:spPr>
+          <a:xfrm flipH="1" flipV="1">
+            <a:off x="2987824" y="1654362"/>
+            <a:ext cx="1368152" cy="674718"/>
+          </a:xfrm>
+          <a:prstGeom prst="straightConnector1">
+            <a:avLst/>
+          </a:prstGeom>
+          <a:ln w="19050">
+            <a:solidFill>
+              <a:srgbClr val="C00000"/>
+            </a:solidFill>
+            <a:headEnd type="none" w="med" len="med"/>
+            <a:tailEnd type="arrow" w="med" len="med"/>
+          </a:ln>
+        </p:spPr>
+        <p:style>
+          <a:lnRef idx="1">
+            <a:schemeClr val="accent1"/>
+          </a:lnRef>
+          <a:fillRef idx="0">
+            <a:schemeClr val="accent1"/>
+          </a:fillRef>
+          <a:effectRef idx="0">
+            <a:schemeClr val="accent1"/>
+          </a:effectRef>
+          <a:fontRef idx="minor">
+            <a:schemeClr val="tx1"/>
+          </a:fontRef>
+        </p:style>
+      </p:cxnSp>
+      <p:sp>
+        <p:nvSpPr>
+          <p:cNvPr id="59" name="사각형: 둥근 모서리 58">
+            <a:extLst>
+              <a:ext uri="{FF2B5EF4-FFF2-40B4-BE49-F238E27FC236}">
+                <a16:creationId xmlns:a16="http://schemas.microsoft.com/office/drawing/2014/main" id="{C6365AFE-66B5-433F-A1B8-99CDD034C192}"/>
+              </a:ext>
+            </a:extLst>
+          </p:cNvPr>
+          <p:cNvSpPr/>
+          <p:nvPr/>
+        </p:nvSpPr>
+        <p:spPr>
+          <a:xfrm>
+            <a:off x="688699" y="3507854"/>
+            <a:ext cx="2156282" cy="504056"/>
+          </a:xfrm>
+          <a:prstGeom prst="roundRect">
+            <a:avLst/>
+          </a:prstGeom>
+        </p:spPr>
+        <p:style>
+          <a:lnRef idx="2">
+            <a:schemeClr val="dk1"/>
+          </a:lnRef>
+          <a:fillRef idx="1">
+            <a:schemeClr val="lt1"/>
+          </a:fillRef>
+          <a:effectRef idx="0">
+            <a:schemeClr val="dk1"/>
+          </a:effectRef>
+          <a:fontRef idx="minor">
+            <a:schemeClr val="dk1"/>
+          </a:fontRef>
+        </p:style>
+        <p:txBody>
+          <a:bodyPr rtlCol="0" anchor="ctr"/>
+          <a:lstStyle/>
+          <a:p>
+            <a:pPr algn="ctr"/>
+            <a:r>
+              <a:rPr lang="en-US" altLang="ko-KR" sz="1400"/>
+              <a:t>kubectl (k8s Client)</a:t>
+            </a:r>
+          </a:p>
+        </p:txBody>
+      </p:sp>
+      <p:cxnSp>
+        <p:nvCxnSpPr>
+          <p:cNvPr id="60" name="직선 화살표 연결선 59">
+            <a:extLst>
+              <a:ext uri="{FF2B5EF4-FFF2-40B4-BE49-F238E27FC236}">
+                <a16:creationId xmlns:a16="http://schemas.microsoft.com/office/drawing/2014/main" id="{9A6148F8-B8C7-45A2-AB90-49DA6AD648D8}"/>
+              </a:ext>
+            </a:extLst>
+          </p:cNvPr>
+          <p:cNvCxnSpPr>
+            <a:cxnSpLocks/>
+            <a:stCxn id="59" idx="0"/>
+            <a:endCxn id="47" idx="2"/>
+          </p:cNvCxnSpPr>
+          <p:nvPr/>
+        </p:nvCxnSpPr>
+        <p:spPr>
+          <a:xfrm flipV="1">
+            <a:off x="1766840" y="2833136"/>
+            <a:ext cx="0" cy="674718"/>
+          </a:xfrm>
+          <a:prstGeom prst="straightConnector1">
+            <a:avLst/>
+          </a:prstGeom>
+          <a:ln w="19050">
+            <a:solidFill>
+              <a:srgbClr val="C00000"/>
+            </a:solidFill>
+            <a:headEnd type="none" w="med" len="med"/>
+            <a:tailEnd type="arrow" w="med" len="med"/>
+          </a:ln>
+        </p:spPr>
+        <p:style>
+          <a:lnRef idx="1">
+            <a:schemeClr val="accent1"/>
+          </a:lnRef>
+          <a:fillRef idx="0">
+            <a:schemeClr val="accent1"/>
+          </a:fillRef>
+          <a:effectRef idx="0">
+            <a:schemeClr val="accent1"/>
+          </a:effectRef>
+          <a:fontRef idx="minor">
+            <a:schemeClr val="tx1"/>
+          </a:fontRef>
+        </p:style>
+      </p:cxnSp>
+      <p:cxnSp>
+        <p:nvCxnSpPr>
+          <p:cNvPr id="78" name="직선 화살표 연결선 77">
+            <a:extLst>
+              <a:ext uri="{FF2B5EF4-FFF2-40B4-BE49-F238E27FC236}">
+                <a16:creationId xmlns:a16="http://schemas.microsoft.com/office/drawing/2014/main" id="{DA3050A3-35DB-462A-9C83-E244D633B56A}"/>
+              </a:ext>
+            </a:extLst>
+          </p:cNvPr>
+          <p:cNvCxnSpPr>
+            <a:cxnSpLocks/>
+          </p:cNvCxnSpPr>
+          <p:nvPr/>
+        </p:nvCxnSpPr>
+        <p:spPr>
+          <a:xfrm flipH="1" flipV="1">
+            <a:off x="3347864" y="1654362"/>
+            <a:ext cx="1368152" cy="674718"/>
+          </a:xfrm>
+          <a:prstGeom prst="straightConnector1">
+            <a:avLst/>
+          </a:prstGeom>
+          <a:ln w="19050">
+            <a:solidFill>
+              <a:srgbClr val="C00000"/>
+            </a:solidFill>
+            <a:headEnd type="arrow" w="med" len="med"/>
+            <a:tailEnd type="none" w="med" len="med"/>
+          </a:ln>
+        </p:spPr>
+        <p:style>
+          <a:lnRef idx="1">
+            <a:schemeClr val="accent1"/>
+          </a:lnRef>
+          <a:fillRef idx="0">
+            <a:schemeClr val="accent1"/>
+          </a:fillRef>
+          <a:effectRef idx="0">
+            <a:schemeClr val="accent1"/>
+          </a:effectRef>
+          <a:fontRef idx="minor">
+            <a:schemeClr val="tx1"/>
+          </a:fontRef>
+        </p:style>
+      </p:cxnSp>
+      <p:cxnSp>
+        <p:nvCxnSpPr>
+          <p:cNvPr id="80" name="직선 화살표 연결선 79">
+            <a:extLst>
+              <a:ext uri="{FF2B5EF4-FFF2-40B4-BE49-F238E27FC236}">
+                <a16:creationId xmlns:a16="http://schemas.microsoft.com/office/drawing/2014/main" id="{88BABD45-6362-4259-B96C-E401AF9CE238}"/>
+              </a:ext>
+            </a:extLst>
+          </p:cNvPr>
+          <p:cNvCxnSpPr>
+            <a:cxnSpLocks/>
+          </p:cNvCxnSpPr>
+          <p:nvPr/>
+        </p:nvCxnSpPr>
+        <p:spPr>
+          <a:xfrm>
+            <a:off x="2844981" y="2643758"/>
+            <a:ext cx="580022" cy="0"/>
+          </a:xfrm>
+          <a:prstGeom prst="straightConnector1">
+            <a:avLst/>
+          </a:prstGeom>
+          <a:ln w="19050">
+            <a:solidFill>
+              <a:srgbClr val="C00000"/>
+            </a:solidFill>
+            <a:headEnd type="arrow" w="med" len="med"/>
+            <a:tailEnd type="none" w="med" len="med"/>
+          </a:ln>
+        </p:spPr>
+        <p:style>
+          <a:lnRef idx="1">
+            <a:schemeClr val="accent1"/>
+          </a:lnRef>
+          <a:fillRef idx="0">
+            <a:schemeClr val="accent1"/>
+          </a:fillRef>
+          <a:effectRef idx="0">
+            <a:schemeClr val="accent1"/>
+          </a:effectRef>
+          <a:fontRef idx="minor">
+            <a:schemeClr val="tx1"/>
+          </a:fontRef>
+        </p:style>
+      </p:cxnSp>
+      <p:sp>
+        <p:nvSpPr>
+          <p:cNvPr id="38" name="타원 37">
+            <a:extLst>
+              <a:ext uri="{FF2B5EF4-FFF2-40B4-BE49-F238E27FC236}">
+                <a16:creationId xmlns:a16="http://schemas.microsoft.com/office/drawing/2014/main" id="{85E1D308-4AF2-4701-B3FC-D5E616A0DF27}"/>
+              </a:ext>
+            </a:extLst>
+          </p:cNvPr>
+          <p:cNvSpPr/>
+          <p:nvPr/>
+        </p:nvSpPr>
+        <p:spPr>
+          <a:xfrm>
+            <a:off x="1662792" y="3403807"/>
+            <a:ext cx="208094" cy="208094"/>
+          </a:xfrm>
+          <a:prstGeom prst="ellipse">
+            <a:avLst/>
+          </a:prstGeom>
+          <a:ln>
+            <a:solidFill>
+              <a:srgbClr val="C00000"/>
+            </a:solidFill>
+          </a:ln>
+        </p:spPr>
+        <p:style>
+          <a:lnRef idx="2">
+            <a:schemeClr val="accent2"/>
+          </a:lnRef>
+          <a:fillRef idx="1">
+            <a:schemeClr val="lt1"/>
+          </a:fillRef>
+          <a:effectRef idx="0">
+            <a:schemeClr val="accent2"/>
+          </a:effectRef>
+          <a:fontRef idx="minor">
+            <a:schemeClr val="dk1"/>
+          </a:fontRef>
+        </p:style>
+        <p:txBody>
+          <a:bodyPr rtlCol="0" anchor="ctr"/>
+          <a:lstStyle/>
+          <a:p>
+            <a:pPr algn="ctr"/>
+            <a:r>
+              <a:rPr lang="en-US" altLang="ko-KR" sz="1100"/>
+              <a:t>1</a:t>
+            </a:r>
+            <a:endParaRPr lang="ko-KR" altLang="en-US" sz="1100"/>
+          </a:p>
+        </p:txBody>
+      </p:sp>
+      <p:sp>
+        <p:nvSpPr>
+          <p:cNvPr id="86" name="타원 85">
+            <a:extLst>
+              <a:ext uri="{FF2B5EF4-FFF2-40B4-BE49-F238E27FC236}">
+                <a16:creationId xmlns:a16="http://schemas.microsoft.com/office/drawing/2014/main" id="{9479DF86-D158-446E-BD2F-A9522C1AFFA8}"/>
+              </a:ext>
+            </a:extLst>
+          </p:cNvPr>
+          <p:cNvSpPr/>
+          <p:nvPr/>
+        </p:nvSpPr>
+        <p:spPr>
+          <a:xfrm>
+            <a:off x="1966157" y="2792681"/>
+            <a:ext cx="208094" cy="208094"/>
+          </a:xfrm>
+          <a:prstGeom prst="ellipse">
+            <a:avLst/>
+          </a:prstGeom>
+          <a:ln>
+            <a:solidFill>
+              <a:srgbClr val="C00000"/>
+            </a:solidFill>
+          </a:ln>
+        </p:spPr>
+        <p:style>
+          <a:lnRef idx="2">
+            <a:schemeClr val="accent2"/>
+          </a:lnRef>
+          <a:fillRef idx="1">
+            <a:schemeClr val="lt1"/>
+          </a:fillRef>
+          <a:effectRef idx="0">
+            <a:schemeClr val="accent2"/>
+          </a:effectRef>
+          <a:fontRef idx="minor">
+            <a:schemeClr val="dk1"/>
+          </a:fontRef>
+        </p:style>
+        <p:txBody>
+          <a:bodyPr rtlCol="0" anchor="ctr"/>
+          <a:lstStyle/>
+          <a:p>
+            <a:pPr algn="ctr"/>
+            <a:r>
+              <a:rPr lang="en-US" altLang="ko-KR" sz="1100"/>
+              <a:t>6</a:t>
+            </a:r>
+            <a:endParaRPr lang="ko-KR" altLang="en-US" sz="1100"/>
+          </a:p>
+        </p:txBody>
+      </p:sp>
+      <p:sp>
+        <p:nvSpPr>
+          <p:cNvPr id="87" name="타원 86">
+            <a:extLst>
+              <a:ext uri="{FF2B5EF4-FFF2-40B4-BE49-F238E27FC236}">
+                <a16:creationId xmlns:a16="http://schemas.microsoft.com/office/drawing/2014/main" id="{122A7FEC-ED1B-4FE8-819D-04B025A9E604}"/>
+              </a:ext>
+            </a:extLst>
+          </p:cNvPr>
+          <p:cNvSpPr/>
+          <p:nvPr/>
+        </p:nvSpPr>
+        <p:spPr>
+          <a:xfrm>
+            <a:off x="2707755" y="2395695"/>
+            <a:ext cx="208094" cy="208094"/>
+          </a:xfrm>
+          <a:prstGeom prst="ellipse">
+            <a:avLst/>
+          </a:prstGeom>
+          <a:ln>
+            <a:solidFill>
+              <a:srgbClr val="C00000"/>
+            </a:solidFill>
+          </a:ln>
+        </p:spPr>
+        <p:style>
+          <a:lnRef idx="2">
+            <a:schemeClr val="accent2"/>
+          </a:lnRef>
+          <a:fillRef idx="1">
+            <a:schemeClr val="lt1"/>
+          </a:fillRef>
+          <a:effectRef idx="0">
+            <a:schemeClr val="accent2"/>
+          </a:effectRef>
+          <a:fontRef idx="minor">
+            <a:schemeClr val="dk1"/>
+          </a:fontRef>
+        </p:style>
+        <p:txBody>
+          <a:bodyPr rtlCol="0" anchor="ctr"/>
+          <a:lstStyle/>
+          <a:p>
+            <a:pPr algn="ctr"/>
+            <a:r>
+              <a:rPr lang="en-US" altLang="ko-KR" sz="1100"/>
+              <a:t>2</a:t>
+            </a:r>
+            <a:endParaRPr lang="ko-KR" altLang="en-US" sz="1100"/>
+          </a:p>
+        </p:txBody>
+      </p:sp>
+      <p:sp>
+        <p:nvSpPr>
+          <p:cNvPr id="88" name="타원 87">
+            <a:extLst>
+              <a:ext uri="{FF2B5EF4-FFF2-40B4-BE49-F238E27FC236}">
+                <a16:creationId xmlns:a16="http://schemas.microsoft.com/office/drawing/2014/main" id="{97C435A4-D442-4CBD-B4BD-23AF6147074E}"/>
+              </a:ext>
+            </a:extLst>
+          </p:cNvPr>
+          <p:cNvSpPr/>
+          <p:nvPr/>
+        </p:nvSpPr>
+        <p:spPr>
+          <a:xfrm>
+            <a:off x="3320956" y="2541789"/>
+            <a:ext cx="208094" cy="208094"/>
+          </a:xfrm>
+          <a:prstGeom prst="ellipse">
+            <a:avLst/>
+          </a:prstGeom>
+          <a:ln>
+            <a:solidFill>
+              <a:srgbClr val="C00000"/>
+            </a:solidFill>
+          </a:ln>
+        </p:spPr>
+        <p:style>
+          <a:lnRef idx="2">
+            <a:schemeClr val="accent2"/>
+          </a:lnRef>
+          <a:fillRef idx="1">
+            <a:schemeClr val="lt1"/>
+          </a:fillRef>
+          <a:effectRef idx="0">
+            <a:schemeClr val="accent2"/>
+          </a:effectRef>
+          <a:fontRef idx="minor">
+            <a:schemeClr val="dk1"/>
+          </a:fontRef>
+        </p:style>
+        <p:txBody>
+          <a:bodyPr rtlCol="0" anchor="ctr"/>
+          <a:lstStyle/>
+          <a:p>
+            <a:pPr algn="ctr"/>
+            <a:r>
+              <a:rPr lang="en-US" altLang="ko-KR" sz="1100"/>
+              <a:t>5</a:t>
+            </a:r>
+            <a:endParaRPr lang="ko-KR" altLang="en-US" sz="1100"/>
+          </a:p>
+        </p:txBody>
+      </p:sp>
+      <p:sp>
+        <p:nvSpPr>
+          <p:cNvPr id="89" name="타원 88">
+            <a:extLst>
+              <a:ext uri="{FF2B5EF4-FFF2-40B4-BE49-F238E27FC236}">
+                <a16:creationId xmlns:a16="http://schemas.microsoft.com/office/drawing/2014/main" id="{32D1DC52-7430-4118-A747-D0BFB655962C}"/>
+              </a:ext>
+            </a:extLst>
+          </p:cNvPr>
+          <p:cNvSpPr/>
+          <p:nvPr/>
+        </p:nvSpPr>
+        <p:spPr>
+          <a:xfrm>
+            <a:off x="4219890" y="2211710"/>
+            <a:ext cx="208094" cy="208094"/>
+          </a:xfrm>
+          <a:prstGeom prst="ellipse">
+            <a:avLst/>
+          </a:prstGeom>
+          <a:ln>
+            <a:solidFill>
+              <a:srgbClr val="C00000"/>
+            </a:solidFill>
+          </a:ln>
+        </p:spPr>
+        <p:style>
+          <a:lnRef idx="2">
+            <a:schemeClr val="accent2"/>
+          </a:lnRef>
+          <a:fillRef idx="1">
+            <a:schemeClr val="lt1"/>
+          </a:fillRef>
+          <a:effectRef idx="0">
+            <a:schemeClr val="accent2"/>
+          </a:effectRef>
+          <a:fontRef idx="minor">
+            <a:schemeClr val="dk1"/>
+          </a:fontRef>
+        </p:style>
+        <p:txBody>
+          <a:bodyPr rtlCol="0" anchor="ctr"/>
+          <a:lstStyle/>
+          <a:p>
+            <a:pPr algn="ctr"/>
+            <a:r>
+              <a:rPr lang="en-US" altLang="ko-KR" sz="1100"/>
+              <a:t>3</a:t>
+            </a:r>
+            <a:endParaRPr lang="ko-KR" altLang="en-US" sz="1100"/>
+          </a:p>
+        </p:txBody>
+      </p:sp>
+      <p:sp>
+        <p:nvSpPr>
+          <p:cNvPr id="90" name="타원 89">
+            <a:extLst>
+              <a:ext uri="{FF2B5EF4-FFF2-40B4-BE49-F238E27FC236}">
+                <a16:creationId xmlns:a16="http://schemas.microsoft.com/office/drawing/2014/main" id="{6576F18F-E536-46CA-997E-87904C76316A}"/>
+              </a:ext>
+            </a:extLst>
+          </p:cNvPr>
+          <p:cNvSpPr/>
+          <p:nvPr/>
+        </p:nvSpPr>
+        <p:spPr>
+          <a:xfrm>
+            <a:off x="3243817" y="1564933"/>
+            <a:ext cx="208094" cy="208094"/>
+          </a:xfrm>
+          <a:prstGeom prst="ellipse">
+            <a:avLst/>
+          </a:prstGeom>
+          <a:ln>
+            <a:solidFill>
+              <a:srgbClr val="C00000"/>
+            </a:solidFill>
+          </a:ln>
+        </p:spPr>
+        <p:style>
+          <a:lnRef idx="2">
+            <a:schemeClr val="accent2"/>
+          </a:lnRef>
+          <a:fillRef idx="1">
+            <a:schemeClr val="lt1"/>
+          </a:fillRef>
+          <a:effectRef idx="0">
+            <a:schemeClr val="accent2"/>
+          </a:effectRef>
+          <a:fontRef idx="minor">
+            <a:schemeClr val="dk1"/>
+          </a:fontRef>
+        </p:style>
+        <p:txBody>
+          <a:bodyPr rtlCol="0" anchor="ctr"/>
+          <a:lstStyle/>
+          <a:p>
+            <a:pPr algn="ctr"/>
+            <a:r>
+              <a:rPr lang="en-US" altLang="ko-KR" sz="1100"/>
+              <a:t>4</a:t>
+            </a:r>
+            <a:endParaRPr lang="ko-KR" altLang="en-US" sz="1100"/>
+          </a:p>
+        </p:txBody>
+      </p:sp>
+      <p:cxnSp>
+        <p:nvCxnSpPr>
+          <p:cNvPr id="91" name="직선 화살표 연결선 90">
+            <a:extLst>
+              <a:ext uri="{FF2B5EF4-FFF2-40B4-BE49-F238E27FC236}">
+                <a16:creationId xmlns:a16="http://schemas.microsoft.com/office/drawing/2014/main" id="{CEE858E5-8AA7-462E-A6C6-69013D6018FA}"/>
+              </a:ext>
+            </a:extLst>
+          </p:cNvPr>
+          <p:cNvCxnSpPr>
+            <a:cxnSpLocks/>
+          </p:cNvCxnSpPr>
+          <p:nvPr/>
+        </p:nvCxnSpPr>
+        <p:spPr>
+          <a:xfrm flipV="1">
+            <a:off x="5574687" y="2823779"/>
+            <a:ext cx="1411560" cy="814572"/>
+          </a:xfrm>
+          <a:prstGeom prst="straightConnector1">
+            <a:avLst/>
+          </a:prstGeom>
+          <a:ln w="19050">
+            <a:solidFill>
+              <a:schemeClr val="tx2"/>
+            </a:solidFill>
+            <a:headEnd type="none" w="med" len="med"/>
+            <a:tailEnd type="arrow" w="med" len="med"/>
+          </a:ln>
+        </p:spPr>
+        <p:style>
+          <a:lnRef idx="1">
+            <a:schemeClr val="accent1"/>
+          </a:lnRef>
+          <a:fillRef idx="0">
+            <a:schemeClr val="accent1"/>
+          </a:fillRef>
+          <a:effectRef idx="0">
+            <a:schemeClr val="accent1"/>
+          </a:effectRef>
+          <a:fontRef idx="minor">
+            <a:schemeClr val="tx1"/>
+          </a:fontRef>
+        </p:style>
+      </p:cxnSp>
+      <p:cxnSp>
+        <p:nvCxnSpPr>
+          <p:cNvPr id="97" name="직선 화살표 연결선 96">
+            <a:extLst>
+              <a:ext uri="{FF2B5EF4-FFF2-40B4-BE49-F238E27FC236}">
+                <a16:creationId xmlns:a16="http://schemas.microsoft.com/office/drawing/2014/main" id="{E7115422-6FFE-4EBC-9ACA-5BF6C8F60987}"/>
+              </a:ext>
+            </a:extLst>
+          </p:cNvPr>
+          <p:cNvCxnSpPr>
+            <a:cxnSpLocks/>
+          </p:cNvCxnSpPr>
+          <p:nvPr/>
+        </p:nvCxnSpPr>
+        <p:spPr>
+          <a:xfrm flipH="1" flipV="1">
+            <a:off x="5079208" y="1294322"/>
+            <a:ext cx="2343748" cy="1012188"/>
+          </a:xfrm>
+          <a:prstGeom prst="straightConnector1">
+            <a:avLst/>
+          </a:prstGeom>
+          <a:ln w="19050">
+            <a:solidFill>
+              <a:schemeClr val="tx2"/>
+            </a:solidFill>
+            <a:headEnd type="arrow" w="med" len="med"/>
+            <a:tailEnd type="none" w="med" len="med"/>
+          </a:ln>
+        </p:spPr>
+        <p:style>
+          <a:lnRef idx="1">
+            <a:schemeClr val="accent1"/>
+          </a:lnRef>
+          <a:fillRef idx="0">
+            <a:schemeClr val="accent1"/>
+          </a:fillRef>
+          <a:effectRef idx="0">
+            <a:schemeClr val="accent1"/>
+          </a:effectRef>
+          <a:fontRef idx="minor">
+            <a:schemeClr val="tx1"/>
+          </a:fontRef>
+        </p:style>
+      </p:cxnSp>
+      <p:cxnSp>
+        <p:nvCxnSpPr>
+          <p:cNvPr id="101" name="직선 화살표 연결선 100">
+            <a:extLst>
+              <a:ext uri="{FF2B5EF4-FFF2-40B4-BE49-F238E27FC236}">
+                <a16:creationId xmlns:a16="http://schemas.microsoft.com/office/drawing/2014/main" id="{10488E81-13E0-4BB2-BAC4-0B69A3CC1FD0}"/>
+              </a:ext>
+            </a:extLst>
+          </p:cNvPr>
+          <p:cNvCxnSpPr>
+            <a:cxnSpLocks/>
+          </p:cNvCxnSpPr>
+          <p:nvPr/>
+        </p:nvCxnSpPr>
+        <p:spPr>
+          <a:xfrm>
+            <a:off x="5082333" y="1481959"/>
+            <a:ext cx="1909269" cy="824551"/>
+          </a:xfrm>
+          <a:prstGeom prst="straightConnector1">
+            <a:avLst/>
+          </a:prstGeom>
+          <a:ln w="19050">
+            <a:solidFill>
+              <a:schemeClr val="tx2"/>
+            </a:solidFill>
+            <a:headEnd type="arrow" w="med" len="med"/>
+            <a:tailEnd type="none" w="med" len="med"/>
+          </a:ln>
+        </p:spPr>
+        <p:style>
+          <a:lnRef idx="1">
+            <a:schemeClr val="accent1"/>
+          </a:lnRef>
+          <a:fillRef idx="0">
+            <a:schemeClr val="accent1"/>
+          </a:fillRef>
+          <a:effectRef idx="0">
+            <a:schemeClr val="accent1"/>
+          </a:effectRef>
+          <a:fontRef idx="minor">
+            <a:schemeClr val="tx1"/>
+          </a:fontRef>
+        </p:style>
+      </p:cxnSp>
+      <p:cxnSp>
+        <p:nvCxnSpPr>
+          <p:cNvPr id="108" name="직선 화살표 연결선 107">
+            <a:extLst>
+              <a:ext uri="{FF2B5EF4-FFF2-40B4-BE49-F238E27FC236}">
+                <a16:creationId xmlns:a16="http://schemas.microsoft.com/office/drawing/2014/main" id="{82CF4214-DF0B-44E3-8BF4-4116C0E99FC1}"/>
+              </a:ext>
+            </a:extLst>
+          </p:cNvPr>
+          <p:cNvCxnSpPr>
+            <a:cxnSpLocks/>
+          </p:cNvCxnSpPr>
+          <p:nvPr/>
+        </p:nvCxnSpPr>
+        <p:spPr>
+          <a:xfrm flipV="1">
+            <a:off x="5569045" y="2823778"/>
+            <a:ext cx="1849250" cy="1067152"/>
+          </a:xfrm>
+          <a:prstGeom prst="straightConnector1">
+            <a:avLst/>
+          </a:prstGeom>
+          <a:ln w="19050">
+            <a:solidFill>
+              <a:schemeClr val="tx2"/>
+            </a:solidFill>
+            <a:headEnd type="arrow" w="med" len="med"/>
+            <a:tailEnd type="none" w="med" len="med"/>
+          </a:ln>
+        </p:spPr>
+        <p:style>
+          <a:lnRef idx="1">
+            <a:schemeClr val="accent1"/>
+          </a:lnRef>
+          <a:fillRef idx="0">
+            <a:schemeClr val="accent1"/>
+          </a:fillRef>
+          <a:effectRef idx="0">
+            <a:schemeClr val="accent1"/>
+          </a:effectRef>
+          <a:fontRef idx="minor">
+            <a:schemeClr val="tx1"/>
+          </a:fontRef>
+        </p:style>
+      </p:cxnSp>
+      <p:cxnSp>
+        <p:nvCxnSpPr>
+          <p:cNvPr id="126" name="직선 화살표 연결선 125">
+            <a:extLst>
+              <a:ext uri="{FF2B5EF4-FFF2-40B4-BE49-F238E27FC236}">
+                <a16:creationId xmlns:a16="http://schemas.microsoft.com/office/drawing/2014/main" id="{E457D12B-14E9-4076-B766-D7D09CCF16FD}"/>
+              </a:ext>
+            </a:extLst>
+          </p:cNvPr>
+          <p:cNvCxnSpPr>
+            <a:cxnSpLocks/>
+            <a:stCxn id="44" idx="0"/>
+            <a:endCxn id="43" idx="2"/>
+          </p:cNvCxnSpPr>
+          <p:nvPr/>
+        </p:nvCxnSpPr>
+        <p:spPr>
+          <a:xfrm flipV="1">
+            <a:off x="4503144" y="1645004"/>
+            <a:ext cx="2700300" cy="1862850"/>
+          </a:xfrm>
+          <a:prstGeom prst="straightConnector1">
+            <a:avLst/>
+          </a:prstGeom>
+          <a:ln w="19050">
+            <a:solidFill>
+              <a:schemeClr val="tx2"/>
+            </a:solidFill>
+            <a:headEnd type="none" w="med" len="med"/>
+            <a:tailEnd type="arrow" w="med" len="med"/>
+          </a:ln>
+        </p:spPr>
+        <p:style>
+          <a:lnRef idx="1">
+            <a:schemeClr val="accent1"/>
+          </a:lnRef>
+          <a:fillRef idx="0">
+            <a:schemeClr val="accent1"/>
+          </a:fillRef>
+          <a:effectRef idx="0">
+            <a:schemeClr val="accent1"/>
+          </a:effectRef>
+          <a:fontRef idx="minor">
+            <a:schemeClr val="tx1"/>
+          </a:fontRef>
+        </p:style>
+      </p:cxnSp>
+      <p:sp>
+        <p:nvSpPr>
+          <p:cNvPr id="130" name="타원 129">
+            <a:extLst>
+              <a:ext uri="{FF2B5EF4-FFF2-40B4-BE49-F238E27FC236}">
+                <a16:creationId xmlns:a16="http://schemas.microsoft.com/office/drawing/2014/main" id="{FC0476CB-AA75-4B94-9C39-724D0E33DEFE}"/>
+              </a:ext>
+            </a:extLst>
+          </p:cNvPr>
+          <p:cNvSpPr/>
+          <p:nvPr/>
+        </p:nvSpPr>
+        <p:spPr>
+          <a:xfrm>
+            <a:off x="5464998" y="3531339"/>
+            <a:ext cx="208094" cy="208094"/>
+          </a:xfrm>
+          <a:prstGeom prst="ellipse">
+            <a:avLst/>
+          </a:prstGeom>
+          <a:ln>
+            <a:solidFill>
+              <a:srgbClr val="002060"/>
+            </a:solidFill>
+          </a:ln>
+        </p:spPr>
+        <p:style>
+          <a:lnRef idx="2">
+            <a:schemeClr val="accent2"/>
+          </a:lnRef>
+          <a:fillRef idx="1">
+            <a:schemeClr val="lt1"/>
+          </a:fillRef>
+          <a:effectRef idx="0">
+            <a:schemeClr val="accent2"/>
+          </a:effectRef>
+          <a:fontRef idx="minor">
+            <a:schemeClr val="dk1"/>
+          </a:fontRef>
+        </p:style>
+        <p:txBody>
+          <a:bodyPr rtlCol="0" anchor="ctr"/>
+          <a:lstStyle/>
+          <a:p>
+            <a:pPr algn="ctr"/>
+            <a:r>
+              <a:rPr lang="en-US" altLang="ko-KR" sz="1100"/>
+              <a:t>1</a:t>
+            </a:r>
+            <a:endParaRPr lang="ko-KR" altLang="en-US" sz="1100"/>
+          </a:p>
+        </p:txBody>
+      </p:sp>
+      <p:sp>
+        <p:nvSpPr>
+          <p:cNvPr id="131" name="타원 130">
+            <a:extLst>
+              <a:ext uri="{FF2B5EF4-FFF2-40B4-BE49-F238E27FC236}">
+                <a16:creationId xmlns:a16="http://schemas.microsoft.com/office/drawing/2014/main" id="{454D2841-C8AB-49B4-AA88-52303939D329}"/>
+              </a:ext>
+            </a:extLst>
+          </p:cNvPr>
+          <p:cNvSpPr/>
+          <p:nvPr/>
+        </p:nvSpPr>
+        <p:spPr>
+          <a:xfrm>
+            <a:off x="6882200" y="2224992"/>
+            <a:ext cx="208094" cy="208094"/>
+          </a:xfrm>
+          <a:prstGeom prst="ellipse">
+            <a:avLst/>
+          </a:prstGeom>
+          <a:ln>
+            <a:solidFill>
+              <a:srgbClr val="002060"/>
+            </a:solidFill>
+          </a:ln>
+        </p:spPr>
+        <p:style>
+          <a:lnRef idx="2">
+            <a:schemeClr val="accent2"/>
+          </a:lnRef>
+          <a:fillRef idx="1">
+            <a:schemeClr val="lt1"/>
+          </a:fillRef>
+          <a:effectRef idx="0">
+            <a:schemeClr val="accent2"/>
+          </a:effectRef>
+          <a:fontRef idx="minor">
+            <a:schemeClr val="dk1"/>
+          </a:fontRef>
+        </p:style>
+        <p:txBody>
+          <a:bodyPr rtlCol="0" anchor="ctr"/>
+          <a:lstStyle/>
+          <a:p>
+            <a:pPr algn="ctr"/>
+            <a:r>
+              <a:rPr lang="en-US" altLang="ko-KR" sz="1100"/>
+              <a:t>2</a:t>
+            </a:r>
+            <a:endParaRPr lang="ko-KR" altLang="en-US" sz="1100"/>
+          </a:p>
+        </p:txBody>
+      </p:sp>
+      <p:sp>
+        <p:nvSpPr>
+          <p:cNvPr id="132" name="타원 131">
+            <a:extLst>
+              <a:ext uri="{FF2B5EF4-FFF2-40B4-BE49-F238E27FC236}">
+                <a16:creationId xmlns:a16="http://schemas.microsoft.com/office/drawing/2014/main" id="{3BF493AB-E180-424E-8D72-9ACB33B86528}"/>
+              </a:ext>
+            </a:extLst>
+          </p:cNvPr>
+          <p:cNvSpPr/>
+          <p:nvPr/>
+        </p:nvSpPr>
+        <p:spPr>
+          <a:xfrm>
+            <a:off x="4975161" y="1197178"/>
+            <a:ext cx="208094" cy="208094"/>
+          </a:xfrm>
+          <a:prstGeom prst="ellipse">
+            <a:avLst/>
+          </a:prstGeom>
+          <a:ln>
+            <a:solidFill>
+              <a:srgbClr val="002060"/>
+            </a:solidFill>
+          </a:ln>
+        </p:spPr>
+        <p:style>
+          <a:lnRef idx="2">
+            <a:schemeClr val="accent2"/>
+          </a:lnRef>
+          <a:fillRef idx="1">
+            <a:schemeClr val="lt1"/>
+          </a:fillRef>
+          <a:effectRef idx="0">
+            <a:schemeClr val="accent2"/>
+          </a:effectRef>
+          <a:fontRef idx="minor">
+            <a:schemeClr val="dk1"/>
+          </a:fontRef>
+        </p:style>
+        <p:txBody>
+          <a:bodyPr rtlCol="0" anchor="ctr"/>
+          <a:lstStyle/>
+          <a:p>
+            <a:pPr algn="ctr"/>
+            <a:r>
+              <a:rPr lang="en-US" altLang="ko-KR" sz="1100"/>
+              <a:t>3</a:t>
+            </a:r>
+            <a:endParaRPr lang="ko-KR" altLang="en-US" sz="1100"/>
+          </a:p>
+        </p:txBody>
+      </p:sp>
+      <p:sp>
+        <p:nvSpPr>
+          <p:cNvPr id="133" name="타원 132">
+            <a:extLst>
+              <a:ext uri="{FF2B5EF4-FFF2-40B4-BE49-F238E27FC236}">
+                <a16:creationId xmlns:a16="http://schemas.microsoft.com/office/drawing/2014/main" id="{5C93BE35-629E-4E16-8466-5A8AF93BED34}"/>
+              </a:ext>
+            </a:extLst>
+          </p:cNvPr>
+          <p:cNvSpPr/>
+          <p:nvPr/>
+        </p:nvSpPr>
+        <p:spPr>
+          <a:xfrm>
+            <a:off x="7314248" y="2727321"/>
+            <a:ext cx="208094" cy="208094"/>
+          </a:xfrm>
+          <a:prstGeom prst="ellipse">
+            <a:avLst/>
+          </a:prstGeom>
+          <a:ln>
+            <a:solidFill>
+              <a:srgbClr val="002060"/>
+            </a:solidFill>
+          </a:ln>
+        </p:spPr>
+        <p:style>
+          <a:lnRef idx="2">
+            <a:schemeClr val="accent2"/>
+          </a:lnRef>
+          <a:fillRef idx="1">
+            <a:schemeClr val="lt1"/>
+          </a:fillRef>
+          <a:effectRef idx="0">
+            <a:schemeClr val="accent2"/>
+          </a:effectRef>
+          <a:fontRef idx="minor">
+            <a:schemeClr val="dk1"/>
+          </a:fontRef>
+        </p:style>
+        <p:txBody>
+          <a:bodyPr rtlCol="0" anchor="ctr"/>
+          <a:lstStyle/>
+          <a:p>
+            <a:pPr algn="ctr"/>
+            <a:r>
+              <a:rPr lang="en-US" altLang="ko-KR" sz="1100"/>
+              <a:t>4</a:t>
+            </a:r>
+            <a:endParaRPr lang="ko-KR" altLang="en-US" sz="1100"/>
+          </a:p>
+        </p:txBody>
+      </p:sp>
+      <p:sp>
+        <p:nvSpPr>
+          <p:cNvPr id="134" name="타원 133">
+            <a:extLst>
+              <a:ext uri="{FF2B5EF4-FFF2-40B4-BE49-F238E27FC236}">
+                <a16:creationId xmlns:a16="http://schemas.microsoft.com/office/drawing/2014/main" id="{DFFD9A8E-059B-4F6A-856B-213B42A8B8DF}"/>
+              </a:ext>
+            </a:extLst>
+          </p:cNvPr>
+          <p:cNvSpPr/>
+          <p:nvPr/>
+        </p:nvSpPr>
+        <p:spPr>
+          <a:xfrm>
+            <a:off x="4424034" y="3404660"/>
+            <a:ext cx="208094" cy="208094"/>
+          </a:xfrm>
+          <a:prstGeom prst="ellipse">
+            <a:avLst/>
+          </a:prstGeom>
+          <a:ln>
+            <a:solidFill>
+              <a:srgbClr val="002060"/>
+            </a:solidFill>
+          </a:ln>
+        </p:spPr>
+        <p:style>
+          <a:lnRef idx="2">
+            <a:schemeClr val="accent2"/>
+          </a:lnRef>
+          <a:fillRef idx="1">
+            <a:schemeClr val="lt1"/>
+          </a:fillRef>
+          <a:effectRef idx="0">
+            <a:schemeClr val="accent2"/>
+          </a:effectRef>
+          <a:fontRef idx="minor">
+            <a:schemeClr val="dk1"/>
+          </a:fontRef>
+        </p:style>
+        <p:txBody>
+          <a:bodyPr rtlCol="0" anchor="ctr"/>
+          <a:lstStyle/>
+          <a:p>
+            <a:pPr algn="ctr"/>
+            <a:r>
+              <a:rPr lang="en-US" altLang="ko-KR" sz="1100"/>
+              <a:t>5</a:t>
+            </a:r>
+            <a:endParaRPr lang="ko-KR" altLang="en-US" sz="1100"/>
+          </a:p>
+        </p:txBody>
+      </p:sp>
+      <p:sp>
+        <p:nvSpPr>
+          <p:cNvPr id="94" name="TextBox 93">
+            <a:extLst>
+              <a:ext uri="{FF2B5EF4-FFF2-40B4-BE49-F238E27FC236}">
+                <a16:creationId xmlns:a16="http://schemas.microsoft.com/office/drawing/2014/main" id="{F8C65836-7A91-4C5C-B03B-FDCBD9CD6ED8}"/>
+              </a:ext>
+            </a:extLst>
+          </p:cNvPr>
+          <p:cNvSpPr txBox="1"/>
+          <p:nvPr/>
+        </p:nvSpPr>
+        <p:spPr>
+          <a:xfrm>
+            <a:off x="1001813" y="2979822"/>
+            <a:ext cx="833883" cy="400110"/>
+          </a:xfrm>
+          <a:prstGeom prst="rect">
+            <a:avLst/>
+          </a:prstGeom>
+          <a:noFill/>
+        </p:spPr>
+        <p:txBody>
+          <a:bodyPr wrap="none" rtlCol="0" anchor="ctr">
+            <a:spAutoFit/>
+          </a:bodyPr>
+          <a:lstStyle/>
+          <a:p>
+            <a:pPr algn="ctr"/>
+            <a:r>
+              <a:rPr lang="en-US" altLang="ko-KR" sz="1000"/>
+              <a:t>Request </a:t>
+            </a:r>
+          </a:p>
+          <a:p>
+            <a:pPr algn="ctr"/>
+            <a:r>
+              <a:rPr lang="en-US" altLang="ko-KR" sz="1000"/>
+              <a:t>Create Pod</a:t>
+            </a:r>
+            <a:endParaRPr lang="ko-KR" altLang="en-US" sz="1000"/>
+          </a:p>
+        </p:txBody>
+      </p:sp>
+      <p:sp>
+        <p:nvSpPr>
+          <p:cNvPr id="136" name="TextBox 135">
+            <a:extLst>
+              <a:ext uri="{FF2B5EF4-FFF2-40B4-BE49-F238E27FC236}">
+                <a16:creationId xmlns:a16="http://schemas.microsoft.com/office/drawing/2014/main" id="{447C64FA-2C15-43F1-AD84-A52DB2340C51}"/>
+              </a:ext>
+            </a:extLst>
+          </p:cNvPr>
+          <p:cNvSpPr txBox="1"/>
+          <p:nvPr/>
+        </p:nvSpPr>
+        <p:spPr>
+          <a:xfrm>
+            <a:off x="2732254" y="1995686"/>
+            <a:ext cx="833883" cy="400110"/>
+          </a:xfrm>
+          <a:prstGeom prst="rect">
+            <a:avLst/>
+          </a:prstGeom>
+          <a:noFill/>
+        </p:spPr>
+        <p:txBody>
+          <a:bodyPr wrap="none" rtlCol="0" anchor="ctr">
+            <a:spAutoFit/>
+          </a:bodyPr>
+          <a:lstStyle/>
+          <a:p>
+            <a:pPr algn="ctr"/>
+            <a:r>
+              <a:rPr lang="en-US" altLang="ko-KR" sz="1000"/>
+              <a:t>Request</a:t>
+            </a:r>
+          </a:p>
+          <a:p>
+            <a:pPr algn="ctr"/>
+            <a:r>
+              <a:rPr lang="en-US" altLang="ko-KR" sz="1000"/>
+              <a:t>Create Pod</a:t>
+            </a:r>
+            <a:endParaRPr lang="ko-KR" altLang="en-US" sz="1000"/>
+          </a:p>
+        </p:txBody>
+      </p:sp>
+      <p:sp>
+        <p:nvSpPr>
+          <p:cNvPr id="137" name="TextBox 136">
+            <a:extLst>
+              <a:ext uri="{FF2B5EF4-FFF2-40B4-BE49-F238E27FC236}">
+                <a16:creationId xmlns:a16="http://schemas.microsoft.com/office/drawing/2014/main" id="{D46A33C9-628B-4E5A-9375-F10969E60B56}"/>
+              </a:ext>
+            </a:extLst>
+          </p:cNvPr>
+          <p:cNvSpPr txBox="1"/>
+          <p:nvPr/>
+        </p:nvSpPr>
+        <p:spPr>
+          <a:xfrm>
+            <a:off x="2422993" y="1608188"/>
+            <a:ext cx="708847" cy="400110"/>
+          </a:xfrm>
+          <a:prstGeom prst="rect">
+            <a:avLst/>
+          </a:prstGeom>
+          <a:noFill/>
+        </p:spPr>
+        <p:txBody>
+          <a:bodyPr wrap="none" rtlCol="0" anchor="ctr">
+            <a:spAutoFit/>
+          </a:bodyPr>
+          <a:lstStyle/>
+          <a:p>
+            <a:pPr algn="ctr"/>
+            <a:r>
+              <a:rPr lang="en-US" altLang="ko-KR" sz="1000"/>
+              <a:t>Request</a:t>
+            </a:r>
+          </a:p>
+          <a:p>
+            <a:pPr algn="ctr"/>
+            <a:r>
+              <a:rPr lang="en-US" altLang="ko-KR" sz="1000"/>
+              <a:t>ID Token</a:t>
+            </a:r>
+            <a:endParaRPr lang="ko-KR" altLang="en-US" sz="1000"/>
+          </a:p>
+        </p:txBody>
+      </p:sp>
+      <p:sp>
+        <p:nvSpPr>
+          <p:cNvPr id="139" name="TextBox 138">
+            <a:extLst>
+              <a:ext uri="{FF2B5EF4-FFF2-40B4-BE49-F238E27FC236}">
+                <a16:creationId xmlns:a16="http://schemas.microsoft.com/office/drawing/2014/main" id="{5B11BA11-9885-4D46-9FEF-09A6A9CAA034}"/>
+              </a:ext>
+            </a:extLst>
+          </p:cNvPr>
+          <p:cNvSpPr txBox="1"/>
+          <p:nvPr/>
+        </p:nvSpPr>
+        <p:spPr>
+          <a:xfrm>
+            <a:off x="3571228" y="1614806"/>
+            <a:ext cx="708848" cy="246221"/>
+          </a:xfrm>
+          <a:prstGeom prst="rect">
+            <a:avLst/>
+          </a:prstGeom>
+          <a:noFill/>
+        </p:spPr>
+        <p:txBody>
+          <a:bodyPr wrap="none" rtlCol="0" anchor="ctr">
+            <a:spAutoFit/>
+          </a:bodyPr>
+          <a:lstStyle/>
+          <a:p>
+            <a:pPr algn="ctr"/>
+            <a:r>
+              <a:rPr lang="en-US" altLang="ko-KR" sz="1000"/>
+              <a:t>ID Token</a:t>
+            </a:r>
+            <a:endParaRPr lang="ko-KR" altLang="en-US" sz="1000"/>
+          </a:p>
+        </p:txBody>
+      </p:sp>
+      <p:sp>
+        <p:nvSpPr>
+          <p:cNvPr id="140" name="TextBox 139">
+            <a:extLst>
+              <a:ext uri="{FF2B5EF4-FFF2-40B4-BE49-F238E27FC236}">
+                <a16:creationId xmlns:a16="http://schemas.microsoft.com/office/drawing/2014/main" id="{CF357FE5-36F0-41D4-91C4-BD47505AB0E4}"/>
+              </a:ext>
+            </a:extLst>
+          </p:cNvPr>
+          <p:cNvSpPr txBox="1"/>
+          <p:nvPr/>
+        </p:nvSpPr>
+        <p:spPr>
+          <a:xfrm>
+            <a:off x="2730005" y="2665824"/>
+            <a:ext cx="833883" cy="553998"/>
+          </a:xfrm>
+          <a:prstGeom prst="rect">
+            <a:avLst/>
+          </a:prstGeom>
+          <a:noFill/>
+        </p:spPr>
+        <p:txBody>
+          <a:bodyPr wrap="none" rtlCol="0" anchor="ctr">
+            <a:spAutoFit/>
+          </a:bodyPr>
+          <a:lstStyle/>
+          <a:p>
+            <a:pPr algn="ctr"/>
+            <a:r>
+              <a:rPr lang="en-US" altLang="ko-KR" sz="1000"/>
+              <a:t>Mutated</a:t>
+            </a:r>
+          </a:p>
+          <a:p>
+            <a:pPr algn="ctr"/>
+            <a:r>
+              <a:rPr lang="en-US" altLang="ko-KR" sz="1000"/>
+              <a:t>Request</a:t>
+            </a:r>
+          </a:p>
+          <a:p>
+            <a:pPr algn="ctr"/>
+            <a:r>
+              <a:rPr lang="en-US" altLang="ko-KR" sz="1000"/>
+              <a:t>Create Pod</a:t>
+            </a:r>
+            <a:endParaRPr lang="ko-KR" altLang="en-US" sz="1000"/>
+          </a:p>
+        </p:txBody>
+      </p:sp>
+      <p:sp>
+        <p:nvSpPr>
+          <p:cNvPr id="146" name="TextBox 145">
+            <a:extLst>
+              <a:ext uri="{FF2B5EF4-FFF2-40B4-BE49-F238E27FC236}">
+                <a16:creationId xmlns:a16="http://schemas.microsoft.com/office/drawing/2014/main" id="{3A6CE7B2-F373-42B2-814B-329A0F50516E}"/>
+              </a:ext>
+            </a:extLst>
+          </p:cNvPr>
+          <p:cNvSpPr txBox="1"/>
+          <p:nvPr/>
+        </p:nvSpPr>
+        <p:spPr>
+          <a:xfrm>
+            <a:off x="2792523" y="3611800"/>
+            <a:ext cx="708847" cy="400110"/>
+          </a:xfrm>
+          <a:prstGeom prst="rect">
+            <a:avLst/>
+          </a:prstGeom>
+          <a:noFill/>
+        </p:spPr>
+        <p:txBody>
+          <a:bodyPr wrap="none" rtlCol="0" anchor="ctr">
+            <a:spAutoFit/>
+          </a:bodyPr>
+          <a:lstStyle/>
+          <a:p>
+            <a:pPr algn="ctr"/>
+            <a:r>
+              <a:rPr lang="en-US" altLang="ko-KR" sz="1000"/>
+              <a:t>Inject </a:t>
+            </a:r>
+          </a:p>
+          <a:p>
+            <a:pPr algn="ctr"/>
+            <a:r>
+              <a:rPr lang="en-US" altLang="ko-KR" sz="1000"/>
+              <a:t>ID Token</a:t>
+            </a:r>
+            <a:endParaRPr lang="ko-KR" altLang="en-US" sz="1000"/>
+          </a:p>
+        </p:txBody>
+      </p:sp>
+      <p:sp>
+        <p:nvSpPr>
+          <p:cNvPr id="150" name="TextBox 149">
+            <a:extLst>
+              <a:ext uri="{FF2B5EF4-FFF2-40B4-BE49-F238E27FC236}">
+                <a16:creationId xmlns:a16="http://schemas.microsoft.com/office/drawing/2014/main" id="{D09199DA-B8EA-4484-A0F1-FF79C4CB1ABF}"/>
+              </a:ext>
+            </a:extLst>
+          </p:cNvPr>
+          <p:cNvSpPr txBox="1"/>
+          <p:nvPr/>
+        </p:nvSpPr>
+        <p:spPr>
+          <a:xfrm>
+            <a:off x="5220072" y="3291830"/>
+            <a:ext cx="708848" cy="246221"/>
+          </a:xfrm>
+          <a:prstGeom prst="rect">
+            <a:avLst/>
+          </a:prstGeom>
+          <a:noFill/>
+        </p:spPr>
+        <p:txBody>
+          <a:bodyPr wrap="none" rtlCol="0" anchor="ctr">
+            <a:spAutoFit/>
+          </a:bodyPr>
+          <a:lstStyle/>
+          <a:p>
+            <a:pPr algn="ctr"/>
+            <a:r>
+              <a:rPr lang="en-US" altLang="ko-KR" sz="1000"/>
+              <a:t>ID Token</a:t>
+            </a:r>
+            <a:endParaRPr lang="ko-KR" altLang="en-US" sz="1000"/>
+          </a:p>
+        </p:txBody>
+      </p:sp>
+      <p:sp>
+        <p:nvSpPr>
+          <p:cNvPr id="163" name="TextBox 162">
+            <a:extLst>
+              <a:ext uri="{FF2B5EF4-FFF2-40B4-BE49-F238E27FC236}">
+                <a16:creationId xmlns:a16="http://schemas.microsoft.com/office/drawing/2014/main" id="{536F1EFE-F008-417A-A95B-99EB7F120C45}"/>
+              </a:ext>
+            </a:extLst>
+          </p:cNvPr>
+          <p:cNvSpPr txBox="1"/>
+          <p:nvPr/>
+        </p:nvSpPr>
+        <p:spPr>
+          <a:xfrm>
+            <a:off x="4773141" y="1595168"/>
+            <a:ext cx="891591" cy="400110"/>
+          </a:xfrm>
+          <a:prstGeom prst="rect">
+            <a:avLst/>
+          </a:prstGeom>
+          <a:noFill/>
+        </p:spPr>
+        <p:txBody>
+          <a:bodyPr wrap="none" rtlCol="0" anchor="ctr">
+            <a:spAutoFit/>
+          </a:bodyPr>
+          <a:lstStyle/>
+          <a:p>
+            <a:pPr algn="ctr"/>
+            <a:r>
+              <a:rPr lang="en-US" altLang="ko-KR" sz="1000"/>
+              <a:t>Request </a:t>
+            </a:r>
+          </a:p>
+          <a:p>
+            <a:pPr algn="ctr"/>
+            <a:r>
+              <a:rPr lang="en-US" altLang="ko-KR" sz="1000"/>
+              <a:t>Check Roles</a:t>
+            </a:r>
+          </a:p>
+        </p:txBody>
+      </p:sp>
+      <p:sp>
+        <p:nvSpPr>
+          <p:cNvPr id="165" name="TextBox 164">
+            <a:extLst>
+              <a:ext uri="{FF2B5EF4-FFF2-40B4-BE49-F238E27FC236}">
+                <a16:creationId xmlns:a16="http://schemas.microsoft.com/office/drawing/2014/main" id="{65C1951F-B882-4D30-8834-668405F6ABAD}"/>
+              </a:ext>
+            </a:extLst>
+          </p:cNvPr>
+          <p:cNvSpPr txBox="1"/>
+          <p:nvPr/>
+        </p:nvSpPr>
+        <p:spPr>
+          <a:xfrm>
+            <a:off x="5148186" y="987574"/>
+            <a:ext cx="891591" cy="400110"/>
+          </a:xfrm>
+          <a:prstGeom prst="rect">
+            <a:avLst/>
+          </a:prstGeom>
+          <a:noFill/>
+        </p:spPr>
+        <p:txBody>
+          <a:bodyPr wrap="none" rtlCol="0" anchor="ctr">
+            <a:spAutoFit/>
+          </a:bodyPr>
+          <a:lstStyle/>
+          <a:p>
+            <a:pPr algn="ctr"/>
+            <a:r>
+              <a:rPr lang="en-US" altLang="ko-KR" sz="1000"/>
+              <a:t>Response </a:t>
+            </a:r>
+          </a:p>
+          <a:p>
+            <a:pPr algn="ctr"/>
+            <a:r>
+              <a:rPr lang="en-US" altLang="ko-KR" sz="1000"/>
+              <a:t>Check Roles</a:t>
+            </a:r>
+          </a:p>
+        </p:txBody>
+      </p:sp>
+      <p:sp>
+        <p:nvSpPr>
+          <p:cNvPr id="168" name="TextBox 167">
+            <a:extLst>
+              <a:ext uri="{FF2B5EF4-FFF2-40B4-BE49-F238E27FC236}">
+                <a16:creationId xmlns:a16="http://schemas.microsoft.com/office/drawing/2014/main" id="{39F1D2AA-8D1D-4AD5-B7B9-813E9DE34EE0}"/>
+              </a:ext>
+            </a:extLst>
+          </p:cNvPr>
+          <p:cNvSpPr txBox="1"/>
+          <p:nvPr/>
+        </p:nvSpPr>
+        <p:spPr>
+          <a:xfrm>
+            <a:off x="7136277" y="2921879"/>
+            <a:ext cx="832280" cy="246221"/>
+          </a:xfrm>
+          <a:prstGeom prst="rect">
+            <a:avLst/>
+          </a:prstGeom>
+          <a:noFill/>
+        </p:spPr>
+        <p:txBody>
+          <a:bodyPr wrap="none" rtlCol="0" anchor="ctr">
+            <a:spAutoFit/>
+          </a:bodyPr>
+          <a:lstStyle/>
+          <a:p>
+            <a:pPr algn="ctr"/>
+            <a:r>
+              <a:rPr lang="en-US" altLang="ko-KR" sz="1000"/>
+              <a:t>Credentials</a:t>
+            </a:r>
+            <a:endParaRPr lang="ko-KR" altLang="en-US" sz="1000"/>
+          </a:p>
+        </p:txBody>
+      </p:sp>
+      <p:sp>
+        <p:nvSpPr>
+          <p:cNvPr id="173" name="TextBox 172">
+            <a:extLst>
+              <a:ext uri="{FF2B5EF4-FFF2-40B4-BE49-F238E27FC236}">
+                <a16:creationId xmlns:a16="http://schemas.microsoft.com/office/drawing/2014/main" id="{03FA234C-EA5C-4639-B74C-BD3869DD8227}"/>
+              </a:ext>
+            </a:extLst>
+          </p:cNvPr>
+          <p:cNvSpPr txBox="1"/>
+          <p:nvPr/>
+        </p:nvSpPr>
+        <p:spPr>
+          <a:xfrm>
+            <a:off x="3917145" y="3014830"/>
+            <a:ext cx="942887" cy="400110"/>
+          </a:xfrm>
+          <a:prstGeom prst="rect">
+            <a:avLst/>
+          </a:prstGeom>
+          <a:noFill/>
+        </p:spPr>
+        <p:txBody>
+          <a:bodyPr wrap="none" rtlCol="0" anchor="ctr">
+            <a:spAutoFit/>
+          </a:bodyPr>
+          <a:lstStyle/>
+          <a:p>
+            <a:pPr algn="ctr"/>
+            <a:r>
+              <a:rPr lang="en-US" altLang="ko-KR" sz="1000"/>
+              <a:t>Request with</a:t>
+            </a:r>
+          </a:p>
+          <a:p>
+            <a:pPr algn="ctr"/>
+            <a:r>
+              <a:rPr lang="en-US" altLang="ko-KR" sz="1000"/>
+              <a:t>Credentials</a:t>
+            </a:r>
+            <a:endParaRPr lang="ko-KR" altLang="en-US" sz="1000"/>
+          </a:p>
+        </p:txBody>
+      </p:sp>
+    </p:spTree>
+    <p:extLst>
+      <p:ext uri="{BB962C8B-B14F-4D97-AF65-F5344CB8AC3E}">
+        <p14:creationId xmlns:p14="http://schemas.microsoft.com/office/powerpoint/2010/main" val="2589616426"/>
       </p:ext>
     </p:extLst>
   </p:cSld>

--- a/images/theory_analysis/AWS_EKS_Service_Account_IAM_Role/AWS_EKS_Service_Account_IAM_Role.pptx
+++ b/images/theory_analysis/AWS_EKS_Service_Account_IAM_Role/AWS_EKS_Service_Account_IAM_Role.pptx
@@ -216,7 +216,7 @@
           <a:p>
             <a:fld id="{6CD5550B-26C4-49A9-A5BA-636EF7BE6CE9}" type="datetimeFigureOut">
               <a:rPr lang="ko-KR" altLang="en-US" smtClean="0"/>
-              <a:t>2021-04-18</a:t>
+              <a:t>2021-04-21</a:t>
             </a:fld>
             <a:endParaRPr lang="ko-KR" altLang="en-US"/>
           </a:p>
@@ -662,7 +662,7 @@
           <a:p>
             <a:fld id="{FB30EDBD-1C2D-4C1E-B459-B60219FAB484}" type="datetimeFigureOut">
               <a:rPr lang="ko-KR" altLang="en-US" smtClean="0"/>
-              <a:t>2021-04-18</a:t>
+              <a:t>2021-04-21</a:t>
             </a:fld>
             <a:endParaRPr lang="ko-KR" altLang="en-US"/>
           </a:p>
@@ -825,7 +825,7 @@
           <a:p>
             <a:fld id="{FB30EDBD-1C2D-4C1E-B459-B60219FAB484}" type="datetimeFigureOut">
               <a:rPr lang="ko-KR" altLang="en-US" smtClean="0"/>
-              <a:t>2021-04-18</a:t>
+              <a:t>2021-04-21</a:t>
             </a:fld>
             <a:endParaRPr lang="ko-KR" altLang="en-US"/>
           </a:p>
@@ -998,7 +998,7 @@
           <a:p>
             <a:fld id="{FB30EDBD-1C2D-4C1E-B459-B60219FAB484}" type="datetimeFigureOut">
               <a:rPr lang="ko-KR" altLang="en-US" smtClean="0"/>
-              <a:t>2021-04-18</a:t>
+              <a:t>2021-04-21</a:t>
             </a:fld>
             <a:endParaRPr lang="ko-KR" altLang="en-US"/>
           </a:p>
@@ -1161,7 +1161,7 @@
           <a:p>
             <a:fld id="{FB30EDBD-1C2D-4C1E-B459-B60219FAB484}" type="datetimeFigureOut">
               <a:rPr lang="ko-KR" altLang="en-US" smtClean="0"/>
-              <a:t>2021-04-18</a:t>
+              <a:t>2021-04-21</a:t>
             </a:fld>
             <a:endParaRPr lang="ko-KR" altLang="en-US"/>
           </a:p>
@@ -1401,7 +1401,7 @@
           <a:p>
             <a:fld id="{FB30EDBD-1C2D-4C1E-B459-B60219FAB484}" type="datetimeFigureOut">
               <a:rPr lang="ko-KR" altLang="en-US" smtClean="0"/>
-              <a:t>2021-04-18</a:t>
+              <a:t>2021-04-21</a:t>
             </a:fld>
             <a:endParaRPr lang="ko-KR" altLang="en-US"/>
           </a:p>
@@ -1681,7 +1681,7 @@
           <a:p>
             <a:fld id="{FB30EDBD-1C2D-4C1E-B459-B60219FAB484}" type="datetimeFigureOut">
               <a:rPr lang="ko-KR" altLang="en-US" smtClean="0"/>
-              <a:t>2021-04-18</a:t>
+              <a:t>2021-04-21</a:t>
             </a:fld>
             <a:endParaRPr lang="ko-KR" altLang="en-US"/>
           </a:p>
@@ -2095,7 +2095,7 @@
           <a:p>
             <a:fld id="{FB30EDBD-1C2D-4C1E-B459-B60219FAB484}" type="datetimeFigureOut">
               <a:rPr lang="ko-KR" altLang="en-US" smtClean="0"/>
-              <a:t>2021-04-18</a:t>
+              <a:t>2021-04-21</a:t>
             </a:fld>
             <a:endParaRPr lang="ko-KR" altLang="en-US"/>
           </a:p>
@@ -2207,7 +2207,7 @@
           <a:p>
             <a:fld id="{FB30EDBD-1C2D-4C1E-B459-B60219FAB484}" type="datetimeFigureOut">
               <a:rPr lang="ko-KR" altLang="en-US" smtClean="0"/>
-              <a:t>2021-04-18</a:t>
+              <a:t>2021-04-21</a:t>
             </a:fld>
             <a:endParaRPr lang="ko-KR" altLang="en-US"/>
           </a:p>
@@ -2297,7 +2297,7 @@
           <a:p>
             <a:fld id="{FB30EDBD-1C2D-4C1E-B459-B60219FAB484}" type="datetimeFigureOut">
               <a:rPr lang="ko-KR" altLang="en-US" smtClean="0"/>
-              <a:t>2021-04-18</a:t>
+              <a:t>2021-04-21</a:t>
             </a:fld>
             <a:endParaRPr lang="ko-KR" altLang="en-US"/>
           </a:p>
@@ -2567,7 +2567,7 @@
           <a:p>
             <a:fld id="{FB30EDBD-1C2D-4C1E-B459-B60219FAB484}" type="datetimeFigureOut">
               <a:rPr lang="ko-KR" altLang="en-US" smtClean="0"/>
-              <a:t>2021-04-18</a:t>
+              <a:t>2021-04-21</a:t>
             </a:fld>
             <a:endParaRPr lang="ko-KR" altLang="en-US"/>
           </a:p>
@@ -2814,7 +2814,7 @@
           <a:p>
             <a:fld id="{FB30EDBD-1C2D-4C1E-B459-B60219FAB484}" type="datetimeFigureOut">
               <a:rPr lang="ko-KR" altLang="en-US" smtClean="0"/>
-              <a:t>2021-04-18</a:t>
+              <a:t>2021-04-21</a:t>
             </a:fld>
             <a:endParaRPr lang="ko-KR" altLang="en-US"/>
           </a:p>
@@ -3020,7 +3020,7 @@
           <a:p>
             <a:fld id="{FB30EDBD-1C2D-4C1E-B459-B60219FAB484}" type="datetimeFigureOut">
               <a:rPr lang="ko-KR" altLang="en-US" smtClean="0"/>
-              <a:t>2021-04-18</a:t>
+              <a:t>2021-04-21</a:t>
             </a:fld>
             <a:endParaRPr lang="ko-KR" altLang="en-US"/>
           </a:p>
@@ -3404,7 +3404,7 @@
         </p:nvSpPr>
         <p:spPr>
           <a:xfrm>
-            <a:off x="6213772" y="1761805"/>
+            <a:off x="6213772" y="1977829"/>
             <a:ext cx="2174652" cy="2304256"/>
           </a:xfrm>
           <a:prstGeom prst="roundRect">
@@ -3455,7 +3455,7 @@
         </p:nvSpPr>
         <p:spPr>
           <a:xfrm>
-            <a:off x="637707" y="1761805"/>
+            <a:off x="637707" y="1977829"/>
             <a:ext cx="4692878" cy="2304256"/>
           </a:xfrm>
           <a:prstGeom prst="roundRect">
@@ -3536,7 +3536,7 @@
         </p:nvSpPr>
         <p:spPr>
           <a:xfrm>
-            <a:off x="3240341" y="1851670"/>
+            <a:off x="3240341" y="2067694"/>
             <a:ext cx="2016224" cy="504056"/>
           </a:xfrm>
           <a:prstGeom prst="roundRect">
@@ -3603,7 +3603,7 @@
         </p:nvSpPr>
         <p:spPr>
           <a:xfrm>
-            <a:off x="3240341" y="3201965"/>
+            <a:off x="3240341" y="3417989"/>
             <a:ext cx="2016224" cy="504056"/>
           </a:xfrm>
           <a:prstGeom prst="roundRect">
@@ -3657,7 +3657,7 @@
         </p:nvSpPr>
         <p:spPr>
           <a:xfrm>
-            <a:off x="385191" y="771550"/>
+            <a:off x="385191" y="987574"/>
             <a:ext cx="3589247" cy="432048"/>
           </a:xfrm>
           <a:prstGeom prst="roundRect">
@@ -3713,7 +3713,7 @@
         </p:nvSpPr>
         <p:spPr>
           <a:xfrm>
-            <a:off x="4439711" y="771550"/>
+            <a:off x="4439711" y="987574"/>
             <a:ext cx="1921740" cy="432048"/>
           </a:xfrm>
           <a:prstGeom prst="roundRect">
@@ -3761,7 +3761,7 @@
         </p:nvSpPr>
         <p:spPr>
           <a:xfrm>
-            <a:off x="6828461" y="774520"/>
+            <a:off x="6828461" y="990544"/>
             <a:ext cx="1921740" cy="432048"/>
           </a:xfrm>
           <a:prstGeom prst="roundRect">
@@ -3809,7 +3809,7 @@
         </p:nvSpPr>
         <p:spPr>
           <a:xfrm>
-            <a:off x="709716" y="2339433"/>
+            <a:off x="709716" y="2555457"/>
             <a:ext cx="2016224" cy="1008112"/>
           </a:xfrm>
           <a:prstGeom prst="roundRect">
@@ -3865,7 +3865,7 @@
         </p:nvSpPr>
         <p:spPr>
           <a:xfrm>
-            <a:off x="781724" y="2411441"/>
+            <a:off x="781724" y="2627465"/>
             <a:ext cx="1872208" cy="432048"/>
           </a:xfrm>
           <a:prstGeom prst="roundRect">
@@ -3922,7 +3922,7 @@
         </p:nvSpPr>
         <p:spPr>
           <a:xfrm>
-            <a:off x="6292986" y="3201965"/>
+            <a:off x="6292986" y="3417989"/>
             <a:ext cx="2016224" cy="504056"/>
           </a:xfrm>
           <a:prstGeom prst="roundRect">
@@ -3970,7 +3970,7 @@
         </p:nvSpPr>
         <p:spPr>
           <a:xfrm>
-            <a:off x="6292986" y="1835376"/>
+            <a:off x="6292986" y="2051400"/>
             <a:ext cx="2016224" cy="663963"/>
           </a:xfrm>
           <a:prstGeom prst="roundRect">
@@ -4018,7 +4018,7 @@
         </p:nvSpPr>
         <p:spPr>
           <a:xfrm>
-            <a:off x="3240341" y="4371950"/>
+            <a:off x="3240341" y="4587974"/>
             <a:ext cx="2016224" cy="504056"/>
           </a:xfrm>
           <a:prstGeom prst="roundRect">
@@ -4067,7 +4067,7 @@
         </p:nvCxnSpPr>
         <p:spPr>
           <a:xfrm flipV="1">
-            <a:off x="3699461" y="3706021"/>
+            <a:off x="3699461" y="3922045"/>
             <a:ext cx="0" cy="665929"/>
           </a:xfrm>
           <a:prstGeom prst="straightConnector1">
@@ -4112,7 +4112,7 @@
         </p:nvSpPr>
         <p:spPr>
           <a:xfrm>
-            <a:off x="3595414" y="4270416"/>
+            <a:off x="3595414" y="4486440"/>
             <a:ext cx="208094" cy="208094"/>
           </a:xfrm>
           <a:prstGeom prst="ellipse">
@@ -4167,7 +4167,7 @@
         </p:nvSpPr>
         <p:spPr>
           <a:xfrm>
-            <a:off x="3024846" y="3700282"/>
+            <a:off x="3024846" y="3916306"/>
             <a:ext cx="660758" cy="707886"/>
           </a:xfrm>
           <a:prstGeom prst="rect">
@@ -4259,7 +4259,7 @@
         </p:nvCxnSpPr>
         <p:spPr>
           <a:xfrm flipV="1">
-            <a:off x="4248453" y="3706021"/>
+            <a:off x="4248453" y="3922045"/>
             <a:ext cx="0" cy="665929"/>
           </a:xfrm>
           <a:prstGeom prst="straightConnector1">
@@ -4302,7 +4302,7 @@
         </p:nvSpPr>
         <p:spPr>
           <a:xfrm>
-            <a:off x="4150305" y="4265390"/>
+            <a:off x="4150305" y="4481414"/>
             <a:ext cx="208094" cy="208094"/>
           </a:xfrm>
           <a:prstGeom prst="ellipse">
@@ -4357,7 +4357,7 @@
         </p:nvCxnSpPr>
         <p:spPr>
           <a:xfrm flipV="1">
-            <a:off x="4427984" y="2355726"/>
+            <a:off x="4427984" y="2571750"/>
             <a:ext cx="0" cy="846239"/>
           </a:xfrm>
           <a:prstGeom prst="straightConnector1">
@@ -4402,7 +4402,7 @@
         </p:nvCxnSpPr>
         <p:spPr>
           <a:xfrm flipV="1">
-            <a:off x="4067944" y="2355726"/>
+            <a:off x="4067944" y="2571750"/>
             <a:ext cx="0" cy="846239"/>
           </a:xfrm>
           <a:prstGeom prst="straightConnector1">
@@ -4445,7 +4445,7 @@
         </p:nvSpPr>
         <p:spPr>
           <a:xfrm>
-            <a:off x="3958175" y="3093536"/>
+            <a:off x="3958175" y="3309560"/>
             <a:ext cx="208094" cy="208094"/>
           </a:xfrm>
           <a:prstGeom prst="ellipse">
@@ -4498,7 +4498,7 @@
         </p:nvSpPr>
         <p:spPr>
           <a:xfrm>
-            <a:off x="4323937" y="2247297"/>
+            <a:off x="4323937" y="2463321"/>
             <a:ext cx="208094" cy="208094"/>
           </a:xfrm>
           <a:prstGeom prst="ellipse">
@@ -4551,7 +4551,7 @@
         </p:nvSpPr>
         <p:spPr>
           <a:xfrm>
-            <a:off x="3455768" y="2462286"/>
+            <a:off x="3455768" y="2678310"/>
             <a:ext cx="652743" cy="553998"/>
           </a:xfrm>
           <a:prstGeom prst="rect">
@@ -4618,7 +4618,7 @@
         </p:nvSpPr>
         <p:spPr>
           <a:xfrm>
-            <a:off x="4386671" y="2501846"/>
+            <a:off x="4386671" y="2717870"/>
             <a:ext cx="950902" cy="553998"/>
           </a:xfrm>
           <a:prstGeom prst="rect">
@@ -4687,7 +4687,7 @@
         </p:nvCxnSpPr>
         <p:spPr>
           <a:xfrm flipH="1">
-            <a:off x="5256567" y="3254335"/>
+            <a:off x="5256567" y="3470359"/>
             <a:ext cx="1036419" cy="0"/>
           </a:xfrm>
           <a:prstGeom prst="straightConnector1">
@@ -4730,7 +4730,7 @@
         </p:nvSpPr>
         <p:spPr>
           <a:xfrm>
-            <a:off x="5137502" y="3155744"/>
+            <a:off x="5137502" y="3371768"/>
             <a:ext cx="208094" cy="208094"/>
           </a:xfrm>
           <a:prstGeom prst="ellipse">
@@ -4787,7 +4787,7 @@
         </p:nvCxnSpPr>
         <p:spPr>
           <a:xfrm>
-            <a:off x="7301098" y="2499339"/>
+            <a:off x="7301098" y="2715363"/>
             <a:ext cx="0" cy="702626"/>
           </a:xfrm>
           <a:prstGeom prst="straightConnector1">
@@ -4832,7 +4832,7 @@
         </p:nvCxnSpPr>
         <p:spPr>
           <a:xfrm flipH="1" flipV="1">
-            <a:off x="5004048" y="1203598"/>
+            <a:off x="5004048" y="1419622"/>
             <a:ext cx="2044533" cy="631778"/>
           </a:xfrm>
           <a:prstGeom prst="straightConnector1">
@@ -4879,7 +4879,7 @@
         </p:nvCxnSpPr>
         <p:spPr>
           <a:xfrm>
-            <a:off x="5400581" y="1203598"/>
+            <a:off x="5400581" y="1419622"/>
             <a:ext cx="1900517" cy="631778"/>
           </a:xfrm>
           <a:prstGeom prst="straightConnector1">
@@ -4922,7 +4922,7 @@
         </p:nvSpPr>
         <p:spPr>
           <a:xfrm>
-            <a:off x="5323896" y="1090762"/>
+            <a:off x="5323896" y="1306786"/>
             <a:ext cx="208094" cy="208094"/>
           </a:xfrm>
           <a:prstGeom prst="ellipse">
@@ -4955,7 +4955,7 @@
             <a:pPr algn="ctr"/>
             <a:r>
               <a:rPr lang="en-US" altLang="ko-KR" sz="1100"/>
-              <a:t>2</a:t>
+              <a:t>3</a:t>
             </a:r>
             <a:endParaRPr lang="ko-KR" altLang="en-US" sz="1100"/>
           </a:p>
@@ -4979,7 +4979,7 @@
         </p:nvCxnSpPr>
         <p:spPr>
           <a:xfrm flipV="1">
-            <a:off x="7301098" y="1206568"/>
+            <a:off x="7301098" y="1422592"/>
             <a:ext cx="488233" cy="628808"/>
           </a:xfrm>
           <a:prstGeom prst="straightConnector1">
@@ -5022,7 +5022,7 @@
         </p:nvSpPr>
         <p:spPr>
           <a:xfrm>
-            <a:off x="7316234" y="1563638"/>
+            <a:off x="7316234" y="1779662"/>
             <a:ext cx="208094" cy="208094"/>
           </a:xfrm>
           <a:prstGeom prst="ellipse">
@@ -5055,7 +5055,7 @@
             <a:pPr algn="ctr"/>
             <a:r>
               <a:rPr lang="en-US" altLang="ko-KR" sz="1100"/>
-              <a:t>3</a:t>
+              <a:t>4</a:t>
             </a:r>
             <a:endParaRPr lang="ko-KR" altLang="en-US" sz="1100"/>
           </a:p>
@@ -5075,7 +5075,7 @@
         </p:nvSpPr>
         <p:spPr>
           <a:xfrm>
-            <a:off x="6372200" y="1915559"/>
+            <a:off x="6372200" y="2131583"/>
             <a:ext cx="1862084" cy="287573"/>
           </a:xfrm>
           <a:prstGeom prst="roundRect">
@@ -5125,7 +5125,7 @@
         </p:nvSpPr>
         <p:spPr>
           <a:xfrm>
-            <a:off x="6804248" y="1736008"/>
+            <a:off x="6804248" y="1952032"/>
             <a:ext cx="208094" cy="208094"/>
           </a:xfrm>
           <a:prstGeom prst="ellipse">
@@ -5178,7 +5178,7 @@
         </p:nvSpPr>
         <p:spPr>
           <a:xfrm>
-            <a:off x="5295725" y="2694438"/>
+            <a:off x="5295725" y="2910462"/>
             <a:ext cx="950902" cy="553998"/>
           </a:xfrm>
           <a:prstGeom prst="rect">
@@ -5245,7 +5245,7 @@
         </p:nvSpPr>
         <p:spPr>
           <a:xfrm>
-            <a:off x="7197051" y="3093536"/>
+            <a:off x="7197051" y="3309560"/>
             <a:ext cx="208094" cy="208094"/>
           </a:xfrm>
           <a:prstGeom prst="ellipse">
@@ -5298,7 +5298,7 @@
         </p:nvSpPr>
         <p:spPr>
           <a:xfrm>
-            <a:off x="6667247" y="2562983"/>
+            <a:off x="6667247" y="2779007"/>
             <a:ext cx="678391" cy="553998"/>
           </a:xfrm>
           <a:prstGeom prst="rect">
@@ -5369,7 +5369,7 @@
         </p:nvCxnSpPr>
         <p:spPr>
           <a:xfrm flipH="1">
-            <a:off x="5256565" y="3453993"/>
+            <a:off x="5256565" y="3670017"/>
             <a:ext cx="1036421" cy="0"/>
           </a:xfrm>
           <a:prstGeom prst="straightConnector1">
@@ -5412,7 +5412,7 @@
         </p:nvSpPr>
         <p:spPr>
           <a:xfrm>
-            <a:off x="6193174" y="3349946"/>
+            <a:off x="6193174" y="3565970"/>
             <a:ext cx="208094" cy="208094"/>
           </a:xfrm>
           <a:prstGeom prst="ellipse">
@@ -5467,7 +5467,7 @@
         </p:nvCxnSpPr>
         <p:spPr>
           <a:xfrm flipH="1" flipV="1">
-            <a:off x="2653932" y="2499742"/>
+            <a:off x="2653932" y="2715766"/>
             <a:ext cx="586409" cy="826528"/>
           </a:xfrm>
           <a:prstGeom prst="straightConnector1">
@@ -5510,7 +5510,7 @@
         </p:nvSpPr>
         <p:spPr>
           <a:xfrm>
-            <a:off x="5724128" y="1558257"/>
+            <a:off x="5724128" y="1774281"/>
             <a:ext cx="736099" cy="246221"/>
           </a:xfrm>
           <a:prstGeom prst="rect">
@@ -5555,7 +5555,7 @@
         </p:nvSpPr>
         <p:spPr>
           <a:xfrm>
-            <a:off x="5720669" y="1168181"/>
+            <a:off x="5720669" y="1384205"/>
             <a:ext cx="832280" cy="246221"/>
           </a:xfrm>
           <a:prstGeom prst="rect">
@@ -5600,7 +5600,7 @@
         </p:nvSpPr>
         <p:spPr>
           <a:xfrm>
-            <a:off x="7621186" y="1286751"/>
+            <a:off x="7621186" y="1502775"/>
             <a:ext cx="942887" cy="400110"/>
           </a:xfrm>
           <a:prstGeom prst="rect">
@@ -5656,7 +5656,7 @@
         </p:nvSpPr>
         <p:spPr>
           <a:xfrm>
-            <a:off x="5403127" y="3242047"/>
+            <a:off x="5403127" y="3458071"/>
             <a:ext cx="736099" cy="400110"/>
           </a:xfrm>
           <a:prstGeom prst="rect">
@@ -5707,7 +5707,7 @@
         </p:nvSpPr>
         <p:spPr>
           <a:xfrm>
-            <a:off x="3058861" y="2815757"/>
+            <a:off x="3058861" y="3031781"/>
             <a:ext cx="736099" cy="400110"/>
           </a:xfrm>
           <a:prstGeom prst="rect">
@@ -5758,7 +5758,7 @@
         </p:nvSpPr>
         <p:spPr>
           <a:xfrm>
-            <a:off x="3136351" y="3215867"/>
+            <a:off x="3136351" y="3431891"/>
             <a:ext cx="208094" cy="208094"/>
           </a:xfrm>
           <a:prstGeom prst="ellipse">
@@ -5813,7 +5813,7 @@
         </p:nvCxnSpPr>
         <p:spPr>
           <a:xfrm flipH="1" flipV="1">
-            <a:off x="2653932" y="2754898"/>
+            <a:off x="2653932" y="2970922"/>
             <a:ext cx="586409" cy="826528"/>
           </a:xfrm>
           <a:prstGeom prst="straightConnector1">
@@ -5856,7 +5856,7 @@
         </p:nvSpPr>
         <p:spPr>
           <a:xfrm>
-            <a:off x="2495744" y="2646033"/>
+            <a:off x="2495744" y="2862057"/>
             <a:ext cx="208094" cy="208094"/>
           </a:xfrm>
           <a:prstGeom prst="ellipse">
@@ -5889,7 +5889,7 @@
             <a:pPr algn="ctr"/>
             <a:r>
               <a:rPr lang="en-US" altLang="ko-KR" sz="1100"/>
-              <a:t>5</a:t>
+              <a:t>3</a:t>
             </a:r>
             <a:endParaRPr lang="ko-KR" altLang="en-US" sz="1100"/>
           </a:p>
@@ -5897,10 +5897,10 @@
       </p:sp>
       <p:cxnSp>
         <p:nvCxnSpPr>
-          <p:cNvPr id="145" name="직선 화살표 연결선 144">
-            <a:extLst>
-              <a:ext uri="{FF2B5EF4-FFF2-40B4-BE49-F238E27FC236}">
-                <a16:creationId xmlns:a16="http://schemas.microsoft.com/office/drawing/2014/main" id="{25E5C7E7-05E1-499E-AB0E-4EA41DD46C72}"/>
+          <p:cNvPr id="155" name="직선 화살표 연결선 154">
+            <a:extLst>
+              <a:ext uri="{FF2B5EF4-FFF2-40B4-BE49-F238E27FC236}">
+                <a16:creationId xmlns:a16="http://schemas.microsoft.com/office/drawing/2014/main" id="{8D189832-DD63-4BC9-B15F-DBA0EC4CDE39}"/>
               </a:ext>
             </a:extLst>
           </p:cNvPr>
@@ -5910,54 +5910,9 @@
           <p:nvPr/>
         </p:nvCxnSpPr>
         <p:spPr>
-          <a:xfrm flipV="1">
-            <a:off x="1877765" y="1203598"/>
-            <a:ext cx="461987" cy="1207843"/>
-          </a:xfrm>
-          <a:prstGeom prst="straightConnector1">
-            <a:avLst/>
-          </a:prstGeom>
-          <a:ln w="19050">
-            <a:solidFill>
-              <a:schemeClr val="accent4"/>
-            </a:solidFill>
-            <a:headEnd type="none" w="med" len="med"/>
-            <a:tailEnd type="arrow" w="med" len="med"/>
-          </a:ln>
-        </p:spPr>
-        <p:style>
-          <a:lnRef idx="1">
-            <a:schemeClr val="accent1"/>
-          </a:lnRef>
-          <a:fillRef idx="0">
-            <a:schemeClr val="accent1"/>
-          </a:fillRef>
-          <a:effectRef idx="0">
-            <a:schemeClr val="accent1"/>
-          </a:effectRef>
-          <a:fontRef idx="minor">
-            <a:schemeClr val="tx1"/>
-          </a:fontRef>
-        </p:style>
-      </p:cxnSp>
-      <p:cxnSp>
-        <p:nvCxnSpPr>
-          <p:cNvPr id="147" name="직선 화살표 연결선 146">
-            <a:extLst>
-              <a:ext uri="{FF2B5EF4-FFF2-40B4-BE49-F238E27FC236}">
-                <a16:creationId xmlns:a16="http://schemas.microsoft.com/office/drawing/2014/main" id="{114BB162-A6E0-4712-BB31-BEB318C157B9}"/>
-              </a:ext>
-            </a:extLst>
-          </p:cNvPr>
-          <p:cNvCxnSpPr>
-            <a:cxnSpLocks/>
-          </p:cNvCxnSpPr>
-          <p:nvPr/>
-        </p:nvCxnSpPr>
-        <p:spPr>
-          <a:xfrm flipV="1">
-            <a:off x="1619672" y="1203598"/>
-            <a:ext cx="461987" cy="1207843"/>
+          <a:xfrm flipH="1">
+            <a:off x="5256567" y="3876181"/>
+            <a:ext cx="1036419" cy="0"/>
           </a:xfrm>
           <a:prstGeom prst="straightConnector1">
             <a:avLst/>
@@ -5987,10 +5942,10 @@
       </p:cxnSp>
       <p:sp>
         <p:nvSpPr>
-          <p:cNvPr id="148" name="타원 147">
-            <a:extLst>
-              <a:ext uri="{FF2B5EF4-FFF2-40B4-BE49-F238E27FC236}">
-                <a16:creationId xmlns:a16="http://schemas.microsoft.com/office/drawing/2014/main" id="{BA4CE044-DD7C-45E9-B341-DCC02CEAF91D}"/>
+          <p:cNvPr id="156" name="타원 155">
+            <a:extLst>
+              <a:ext uri="{FF2B5EF4-FFF2-40B4-BE49-F238E27FC236}">
+                <a16:creationId xmlns:a16="http://schemas.microsoft.com/office/drawing/2014/main" id="{710D55AC-D869-484F-9BF2-5278B069B0CF}"/>
               </a:ext>
             </a:extLst>
           </p:cNvPr>
@@ -5999,7 +5954,7 @@
         </p:nvSpPr>
         <p:spPr>
           <a:xfrm>
-            <a:off x="1771179" y="2273257"/>
+            <a:off x="5141085" y="3773755"/>
             <a:ext cx="208094" cy="208094"/>
           </a:xfrm>
           <a:prstGeom prst="ellipse">
@@ -6032,7 +5987,7 @@
             <a:pPr algn="ctr"/>
             <a:r>
               <a:rPr lang="en-US" altLang="ko-KR" sz="1100"/>
-              <a:t>3</a:t>
+              <a:t>4</a:t>
             </a:r>
             <a:endParaRPr lang="ko-KR" altLang="en-US" sz="1100"/>
           </a:p>
@@ -6040,10 +5995,10 @@
       </p:sp>
       <p:sp>
         <p:nvSpPr>
-          <p:cNvPr id="149" name="TextBox 148">
-            <a:extLst>
-              <a:ext uri="{FF2B5EF4-FFF2-40B4-BE49-F238E27FC236}">
-                <a16:creationId xmlns:a16="http://schemas.microsoft.com/office/drawing/2014/main" id="{E0858B33-3708-4EBB-8B5F-14F9401B705F}"/>
+          <p:cNvPr id="157" name="TextBox 156">
+            <a:extLst>
+              <a:ext uri="{FF2B5EF4-FFF2-40B4-BE49-F238E27FC236}">
+                <a16:creationId xmlns:a16="http://schemas.microsoft.com/office/drawing/2014/main" id="{BF772D9B-98B2-49E2-A7FA-B2D3F2C40E5C}"/>
               </a:ext>
             </a:extLst>
           </p:cNvPr>
@@ -6052,8 +6007,8 @@
         </p:nvSpPr>
         <p:spPr>
           <a:xfrm>
-            <a:off x="1989672" y="1835376"/>
-            <a:ext cx="708848" cy="400110"/>
+            <a:off x="5403128" y="3870776"/>
+            <a:ext cx="736099" cy="246221"/>
           </a:xfrm>
           <a:prstGeom prst="rect">
             <a:avLst/>
@@ -6073,9 +6028,105 @@
                   <a:schemeClr val="accent4"/>
                 </a:solidFill>
               </a:rPr>
+              <a:t>SA Token</a:t>
+            </a:r>
+          </a:p>
+        </p:txBody>
+      </p:sp>
+      <p:sp>
+        <p:nvSpPr>
+          <p:cNvPr id="158" name="TextBox 157">
+            <a:extLst>
+              <a:ext uri="{FF2B5EF4-FFF2-40B4-BE49-F238E27FC236}">
+                <a16:creationId xmlns:a16="http://schemas.microsoft.com/office/drawing/2014/main" id="{CEEF060C-56FB-439B-A8BC-F28BE24F26EB}"/>
+              </a:ext>
+            </a:extLst>
+          </p:cNvPr>
+          <p:cNvSpPr txBox="1"/>
+          <p:nvPr/>
+        </p:nvSpPr>
+        <p:spPr>
+          <a:xfrm>
+            <a:off x="4228437" y="3917550"/>
+            <a:ext cx="652743" cy="553998"/>
+          </a:xfrm>
+          <a:prstGeom prst="rect">
+            <a:avLst/>
+          </a:prstGeom>
+          <a:noFill/>
+        </p:spPr>
+        <p:txBody>
+          <a:bodyPr wrap="none" rtlCol="0" anchor="ctr">
+            <a:spAutoFit/>
+          </a:bodyPr>
+          <a:lstStyle/>
+          <a:p>
+            <a:pPr algn="ctr"/>
+            <a:r>
+              <a:rPr lang="en-US" altLang="ko-KR" sz="1000">
+                <a:solidFill>
+                  <a:srgbClr val="C00000"/>
+                </a:solidFill>
+              </a:rPr>
               <a:t>Request</a:t>
             </a:r>
           </a:p>
+          <a:p>
+            <a:pPr algn="ctr"/>
+            <a:r>
+              <a:rPr lang="en-US" altLang="ko-KR" sz="1000">
+                <a:solidFill>
+                  <a:srgbClr val="C00000"/>
+                </a:solidFill>
+              </a:rPr>
+              <a:t>Create</a:t>
+            </a:r>
+          </a:p>
+          <a:p>
+            <a:pPr algn="ctr"/>
+            <a:r>
+              <a:rPr lang="en-US" altLang="ko-KR" sz="1000">
+                <a:solidFill>
+                  <a:srgbClr val="C00000"/>
+                </a:solidFill>
+              </a:rPr>
+              <a:t>Pod</a:t>
+            </a:r>
+            <a:endParaRPr lang="ko-KR" altLang="en-US" sz="1000">
+              <a:solidFill>
+                <a:srgbClr val="C00000"/>
+              </a:solidFill>
+            </a:endParaRPr>
+          </a:p>
+        </p:txBody>
+      </p:sp>
+      <p:sp>
+        <p:nvSpPr>
+          <p:cNvPr id="159" name="TextBox 158">
+            <a:extLst>
+              <a:ext uri="{FF2B5EF4-FFF2-40B4-BE49-F238E27FC236}">
+                <a16:creationId xmlns:a16="http://schemas.microsoft.com/office/drawing/2014/main" id="{F959D2C3-1ABC-440D-8138-D7D403BE60F9}"/>
+              </a:ext>
+            </a:extLst>
+          </p:cNvPr>
+          <p:cNvSpPr txBox="1"/>
+          <p:nvPr/>
+        </p:nvSpPr>
+        <p:spPr>
+          <a:xfrm>
+            <a:off x="2475476" y="3581063"/>
+            <a:ext cx="736100" cy="246221"/>
+          </a:xfrm>
+          <a:prstGeom prst="rect">
+            <a:avLst/>
+          </a:prstGeom>
+          <a:noFill/>
+        </p:spPr>
+        <p:txBody>
+          <a:bodyPr wrap="none" rtlCol="0" anchor="ctr">
+            <a:spAutoFit/>
+          </a:bodyPr>
+          <a:lstStyle/>
           <a:p>
             <a:pPr algn="ctr"/>
             <a:r>
@@ -6084,17 +6135,113 @@
                   <a:schemeClr val="accent4"/>
                 </a:solidFill>
               </a:rPr>
-              <a:t>ID Token</a:t>
-            </a:r>
-          </a:p>
-        </p:txBody>
-      </p:sp>
-      <p:sp>
-        <p:nvSpPr>
-          <p:cNvPr id="151" name="타원 150">
-            <a:extLst>
-              <a:ext uri="{FF2B5EF4-FFF2-40B4-BE49-F238E27FC236}">
-                <a16:creationId xmlns:a16="http://schemas.microsoft.com/office/drawing/2014/main" id="{565CC922-E195-4C6D-A9E3-DC4DF7E6ABB5}"/>
+              <a:t>SA Token</a:t>
+            </a:r>
+          </a:p>
+        </p:txBody>
+      </p:sp>
+      <p:cxnSp>
+        <p:nvCxnSpPr>
+          <p:cNvPr id="160" name="직선 화살표 연결선 159">
+            <a:extLst>
+              <a:ext uri="{FF2B5EF4-FFF2-40B4-BE49-F238E27FC236}">
+                <a16:creationId xmlns:a16="http://schemas.microsoft.com/office/drawing/2014/main" id="{1A11A6EA-C533-4107-8465-9DFC7BD2C343}"/>
+              </a:ext>
+            </a:extLst>
+          </p:cNvPr>
+          <p:cNvCxnSpPr>
+            <a:cxnSpLocks/>
+          </p:cNvCxnSpPr>
+          <p:nvPr/>
+        </p:nvCxnSpPr>
+        <p:spPr>
+          <a:xfrm>
+            <a:off x="7740352" y="2419156"/>
+            <a:ext cx="0" cy="1012735"/>
+          </a:xfrm>
+          <a:prstGeom prst="straightConnector1">
+            <a:avLst/>
+          </a:prstGeom>
+          <a:ln w="19050">
+            <a:solidFill>
+              <a:schemeClr val="accent4"/>
+            </a:solidFill>
+            <a:headEnd type="arrow" w="med" len="med"/>
+            <a:tailEnd type="none" w="med" len="med"/>
+          </a:ln>
+        </p:spPr>
+        <p:style>
+          <a:lnRef idx="1">
+            <a:schemeClr val="accent1"/>
+          </a:lnRef>
+          <a:fillRef idx="0">
+            <a:schemeClr val="accent1"/>
+          </a:fillRef>
+          <a:effectRef idx="0">
+            <a:schemeClr val="accent1"/>
+          </a:effectRef>
+          <a:fontRef idx="minor">
+            <a:schemeClr val="tx1"/>
+          </a:fontRef>
+        </p:style>
+      </p:cxnSp>
+      <p:sp>
+        <p:nvSpPr>
+          <p:cNvPr id="162" name="TextBox 161">
+            <a:extLst>
+              <a:ext uri="{FF2B5EF4-FFF2-40B4-BE49-F238E27FC236}">
+                <a16:creationId xmlns:a16="http://schemas.microsoft.com/office/drawing/2014/main" id="{F6A31C68-7D55-47C1-857C-15841B5DF84F}"/>
+              </a:ext>
+            </a:extLst>
+          </p:cNvPr>
+          <p:cNvSpPr txBox="1"/>
+          <p:nvPr/>
+        </p:nvSpPr>
+        <p:spPr>
+          <a:xfrm>
+            <a:off x="7706636" y="2811370"/>
+            <a:ext cx="736099" cy="400110"/>
+          </a:xfrm>
+          <a:prstGeom prst="rect">
+            <a:avLst/>
+          </a:prstGeom>
+          <a:noFill/>
+        </p:spPr>
+        <p:txBody>
+          <a:bodyPr wrap="none" rtlCol="0" anchor="ctr">
+            <a:spAutoFit/>
+          </a:bodyPr>
+          <a:lstStyle/>
+          <a:p>
+            <a:pPr algn="ctr"/>
+            <a:r>
+              <a:rPr lang="en-US" altLang="ko-KR" sz="1000">
+                <a:solidFill>
+                  <a:schemeClr val="accent4"/>
+                </a:solidFill>
+              </a:rPr>
+              <a:t>Inject</a:t>
+            </a:r>
+          </a:p>
+          <a:p>
+            <a:pPr algn="ctr"/>
+            <a:r>
+              <a:rPr lang="en-US" altLang="ko-KR" sz="1000">
+                <a:solidFill>
+                  <a:schemeClr val="accent4"/>
+                </a:solidFill>
+              </a:rPr>
+              <a:t>SA Token</a:t>
+            </a:r>
+          </a:p>
+        </p:txBody>
+      </p:sp>
+      <p:sp>
+        <p:nvSpPr>
+          <p:cNvPr id="164" name="타원 163">
+            <a:extLst>
+              <a:ext uri="{FF2B5EF4-FFF2-40B4-BE49-F238E27FC236}">
+                <a16:creationId xmlns:a16="http://schemas.microsoft.com/office/drawing/2014/main" id="{9542EE46-3292-4531-8002-3F9FD015D4EC}"/>
               </a:ext>
             </a:extLst>
           </p:cNvPr>
@@ -6103,7 +6250,7 @@
         </p:nvSpPr>
         <p:spPr>
           <a:xfrm>
-            <a:off x="1970423" y="1143485"/>
+            <a:off x="7636306" y="3313942"/>
             <a:ext cx="208094" cy="208094"/>
           </a:xfrm>
           <a:prstGeom prst="ellipse">
@@ -6136,58 +6283,18 @@
             <a:pPr algn="ctr"/>
             <a:r>
               <a:rPr lang="en-US" altLang="ko-KR" sz="1100"/>
-              <a:t>4</a:t>
+              <a:t>5</a:t>
             </a:r>
             <a:endParaRPr lang="ko-KR" altLang="en-US" sz="1100"/>
-          </a:p>
-        </p:txBody>
-      </p:sp>
-      <p:sp>
-        <p:nvSpPr>
-          <p:cNvPr id="152" name="TextBox 151">
-            <a:extLst>
-              <a:ext uri="{FF2B5EF4-FFF2-40B4-BE49-F238E27FC236}">
-                <a16:creationId xmlns:a16="http://schemas.microsoft.com/office/drawing/2014/main" id="{8D654071-27CA-4F19-9C31-26B363F2D0F5}"/>
-              </a:ext>
-            </a:extLst>
-          </p:cNvPr>
-          <p:cNvSpPr txBox="1"/>
-          <p:nvPr/>
-        </p:nvSpPr>
-        <p:spPr>
-          <a:xfrm>
-            <a:off x="1097919" y="1912320"/>
-            <a:ext cx="708848" cy="246221"/>
-          </a:xfrm>
-          <a:prstGeom prst="rect">
-            <a:avLst/>
-          </a:prstGeom>
-          <a:noFill/>
-        </p:spPr>
-        <p:txBody>
-          <a:bodyPr wrap="none" rtlCol="0" anchor="ctr">
-            <a:spAutoFit/>
-          </a:bodyPr>
-          <a:lstStyle/>
-          <a:p>
-            <a:pPr algn="ctr"/>
-            <a:r>
-              <a:rPr lang="en-US" altLang="ko-KR" sz="1000">
-                <a:solidFill>
-                  <a:schemeClr val="accent4"/>
-                </a:solidFill>
-              </a:rPr>
-              <a:t>ID Token</a:t>
-            </a:r>
           </a:p>
         </p:txBody>
       </p:sp>
       <p:cxnSp>
         <p:nvCxnSpPr>
-          <p:cNvPr id="155" name="직선 화살표 연결선 154">
-            <a:extLst>
-              <a:ext uri="{FF2B5EF4-FFF2-40B4-BE49-F238E27FC236}">
-                <a16:creationId xmlns:a16="http://schemas.microsoft.com/office/drawing/2014/main" id="{8D189832-DD63-4BC9-B15F-DBA0EC4CDE39}"/>
+          <p:cNvPr id="167" name="직선 화살표 연결선 166">
+            <a:extLst>
+              <a:ext uri="{FF2B5EF4-FFF2-40B4-BE49-F238E27FC236}">
+                <a16:creationId xmlns:a16="http://schemas.microsoft.com/office/drawing/2014/main" id="{27B18424-54D8-472C-9DA4-0FA22A5654DF}"/>
               </a:ext>
             </a:extLst>
           </p:cNvPr>
@@ -6197,19 +6304,21 @@
           <p:nvPr/>
         </p:nvCxnSpPr>
         <p:spPr>
-          <a:xfrm flipH="1">
-            <a:off x="5256567" y="3660157"/>
-            <a:ext cx="1036419" cy="0"/>
+          <a:xfrm>
+            <a:off x="5436096" y="4681539"/>
+            <a:ext cx="374194" cy="1"/>
           </a:xfrm>
           <a:prstGeom prst="straightConnector1">
             <a:avLst/>
           </a:prstGeom>
           <a:ln w="19050">
             <a:solidFill>
-              <a:schemeClr val="accent4"/>
+              <a:schemeClr val="accent3">
+                <a:lumMod val="75000"/>
+              </a:schemeClr>
             </a:solidFill>
-            <a:headEnd type="arrow" w="med" len="med"/>
-            <a:tailEnd type="none" w="med" len="med"/>
+            <a:headEnd type="none" w="med" len="med"/>
+            <a:tailEnd type="arrow" w="med" len="med"/>
           </a:ln>
         </p:spPr>
         <p:style>
@@ -6229,10 +6338,336 @@
       </p:cxnSp>
       <p:sp>
         <p:nvSpPr>
-          <p:cNvPr id="156" name="타원 155">
-            <a:extLst>
-              <a:ext uri="{FF2B5EF4-FFF2-40B4-BE49-F238E27FC236}">
-                <a16:creationId xmlns:a16="http://schemas.microsoft.com/office/drawing/2014/main" id="{710D55AC-D869-484F-9BF2-5278B069B0CF}"/>
+          <p:cNvPr id="169" name="TextBox 168">
+            <a:extLst>
+              <a:ext uri="{FF2B5EF4-FFF2-40B4-BE49-F238E27FC236}">
+                <a16:creationId xmlns:a16="http://schemas.microsoft.com/office/drawing/2014/main" id="{B14DF2C7-3C99-401D-913D-9CB412A0D702}"/>
+              </a:ext>
+            </a:extLst>
+          </p:cNvPr>
+          <p:cNvSpPr txBox="1"/>
+          <p:nvPr/>
+        </p:nvSpPr>
+        <p:spPr>
+          <a:xfrm>
+            <a:off x="5806860" y="4561625"/>
+            <a:ext cx="1398140" cy="230832"/>
+          </a:xfrm>
+          <a:prstGeom prst="rect">
+            <a:avLst/>
+          </a:prstGeom>
+          <a:noFill/>
+        </p:spPr>
+        <p:txBody>
+          <a:bodyPr wrap="none" rtlCol="0" anchor="ctr">
+            <a:spAutoFit/>
+          </a:bodyPr>
+          <a:lstStyle/>
+          <a:p>
+            <a:r>
+              <a:rPr lang="en-US" altLang="ko-KR" sz="900"/>
+              <a:t>Create Service Account</a:t>
+            </a:r>
+            <a:endParaRPr lang="ko-KR" altLang="en-US" sz="900"/>
+          </a:p>
+        </p:txBody>
+      </p:sp>
+      <p:cxnSp>
+        <p:nvCxnSpPr>
+          <p:cNvPr id="170" name="직선 화살표 연결선 169">
+            <a:extLst>
+              <a:ext uri="{FF2B5EF4-FFF2-40B4-BE49-F238E27FC236}">
+                <a16:creationId xmlns:a16="http://schemas.microsoft.com/office/drawing/2014/main" id="{0FD39B26-DD32-4BF2-BB2A-4C77D38C9D83}"/>
+              </a:ext>
+            </a:extLst>
+          </p:cNvPr>
+          <p:cNvCxnSpPr>
+            <a:cxnSpLocks/>
+          </p:cNvCxnSpPr>
+          <p:nvPr/>
+        </p:nvCxnSpPr>
+        <p:spPr>
+          <a:xfrm>
+            <a:off x="5436096" y="4913217"/>
+            <a:ext cx="374194" cy="1"/>
+          </a:xfrm>
+          <a:prstGeom prst="straightConnector1">
+            <a:avLst/>
+          </a:prstGeom>
+          <a:ln w="19050">
+            <a:solidFill>
+              <a:srgbClr val="C00000"/>
+            </a:solidFill>
+            <a:headEnd type="none" w="med" len="med"/>
+            <a:tailEnd type="arrow" w="med" len="med"/>
+          </a:ln>
+        </p:spPr>
+        <p:style>
+          <a:lnRef idx="1">
+            <a:schemeClr val="accent1"/>
+          </a:lnRef>
+          <a:fillRef idx="0">
+            <a:schemeClr val="accent1"/>
+          </a:fillRef>
+          <a:effectRef idx="0">
+            <a:schemeClr val="accent1"/>
+          </a:effectRef>
+          <a:fontRef idx="minor">
+            <a:schemeClr val="tx1"/>
+          </a:fontRef>
+        </p:style>
+      </p:cxnSp>
+      <p:sp>
+        <p:nvSpPr>
+          <p:cNvPr id="171" name="TextBox 170">
+            <a:extLst>
+              <a:ext uri="{FF2B5EF4-FFF2-40B4-BE49-F238E27FC236}">
+                <a16:creationId xmlns:a16="http://schemas.microsoft.com/office/drawing/2014/main" id="{3F8955B8-E538-49CA-8996-1874D254F6F1}"/>
+              </a:ext>
+            </a:extLst>
+          </p:cNvPr>
+          <p:cNvSpPr txBox="1"/>
+          <p:nvPr/>
+        </p:nvSpPr>
+        <p:spPr>
+          <a:xfrm>
+            <a:off x="5806860" y="4793303"/>
+            <a:ext cx="766557" cy="230832"/>
+          </a:xfrm>
+          <a:prstGeom prst="rect">
+            <a:avLst/>
+          </a:prstGeom>
+          <a:noFill/>
+        </p:spPr>
+        <p:txBody>
+          <a:bodyPr wrap="none" rtlCol="0" anchor="ctr">
+            <a:spAutoFit/>
+          </a:bodyPr>
+          <a:lstStyle/>
+          <a:p>
+            <a:r>
+              <a:rPr lang="en-US" altLang="ko-KR" sz="900"/>
+              <a:t>Create Pod</a:t>
+            </a:r>
+            <a:endParaRPr lang="ko-KR" altLang="en-US" sz="900"/>
+          </a:p>
+        </p:txBody>
+      </p:sp>
+      <p:cxnSp>
+        <p:nvCxnSpPr>
+          <p:cNvPr id="172" name="직선 화살표 연결선 171">
+            <a:extLst>
+              <a:ext uri="{FF2B5EF4-FFF2-40B4-BE49-F238E27FC236}">
+                <a16:creationId xmlns:a16="http://schemas.microsoft.com/office/drawing/2014/main" id="{3E4589F8-CBBE-4D57-94B9-65F3285F6E86}"/>
+              </a:ext>
+            </a:extLst>
+          </p:cNvPr>
+          <p:cNvCxnSpPr>
+            <a:cxnSpLocks/>
+          </p:cNvCxnSpPr>
+          <p:nvPr/>
+        </p:nvCxnSpPr>
+        <p:spPr>
+          <a:xfrm>
+            <a:off x="7236296" y="4676755"/>
+            <a:ext cx="374194" cy="1"/>
+          </a:xfrm>
+          <a:prstGeom prst="straightConnector1">
+            <a:avLst/>
+          </a:prstGeom>
+          <a:ln w="19050">
+            <a:solidFill>
+              <a:schemeClr val="accent4"/>
+            </a:solidFill>
+            <a:headEnd type="none" w="med" len="med"/>
+            <a:tailEnd type="arrow" w="med" len="med"/>
+          </a:ln>
+        </p:spPr>
+        <p:style>
+          <a:lnRef idx="1">
+            <a:schemeClr val="accent1"/>
+          </a:lnRef>
+          <a:fillRef idx="0">
+            <a:schemeClr val="accent1"/>
+          </a:fillRef>
+          <a:effectRef idx="0">
+            <a:schemeClr val="accent1"/>
+          </a:effectRef>
+          <a:fontRef idx="minor">
+            <a:schemeClr val="tx1"/>
+          </a:fontRef>
+        </p:style>
+      </p:cxnSp>
+      <p:sp>
+        <p:nvSpPr>
+          <p:cNvPr id="174" name="TextBox 173">
+            <a:extLst>
+              <a:ext uri="{FF2B5EF4-FFF2-40B4-BE49-F238E27FC236}">
+                <a16:creationId xmlns:a16="http://schemas.microsoft.com/office/drawing/2014/main" id="{79D53839-2EBC-4704-8DA1-499975962DD5}"/>
+              </a:ext>
+            </a:extLst>
+          </p:cNvPr>
+          <p:cNvSpPr txBox="1"/>
+          <p:nvPr/>
+        </p:nvSpPr>
+        <p:spPr>
+          <a:xfrm>
+            <a:off x="7607060" y="4556841"/>
+            <a:ext cx="1446230" cy="230832"/>
+          </a:xfrm>
+          <a:prstGeom prst="rect">
+            <a:avLst/>
+          </a:prstGeom>
+          <a:noFill/>
+        </p:spPr>
+        <p:txBody>
+          <a:bodyPr wrap="none" rtlCol="0" anchor="ctr">
+            <a:spAutoFit/>
+          </a:bodyPr>
+          <a:lstStyle/>
+          <a:p>
+            <a:r>
+              <a:rPr lang="en-US" altLang="ko-KR" sz="900"/>
+              <a:t>Create/Rotate SA Token</a:t>
+            </a:r>
+            <a:endParaRPr lang="ko-KR" altLang="en-US" sz="900"/>
+          </a:p>
+        </p:txBody>
+      </p:sp>
+      <p:cxnSp>
+        <p:nvCxnSpPr>
+          <p:cNvPr id="175" name="직선 화살표 연결선 174">
+            <a:extLst>
+              <a:ext uri="{FF2B5EF4-FFF2-40B4-BE49-F238E27FC236}">
+                <a16:creationId xmlns:a16="http://schemas.microsoft.com/office/drawing/2014/main" id="{B44A8906-50BD-48BB-A504-365B907B63BA}"/>
+              </a:ext>
+            </a:extLst>
+          </p:cNvPr>
+          <p:cNvCxnSpPr>
+            <a:cxnSpLocks/>
+          </p:cNvCxnSpPr>
+          <p:nvPr/>
+        </p:nvCxnSpPr>
+        <p:spPr>
+          <a:xfrm>
+            <a:off x="7236296" y="4920414"/>
+            <a:ext cx="374194" cy="1"/>
+          </a:xfrm>
+          <a:prstGeom prst="straightConnector1">
+            <a:avLst/>
+          </a:prstGeom>
+          <a:ln w="19050">
+            <a:solidFill>
+              <a:schemeClr val="tx2"/>
+            </a:solidFill>
+            <a:headEnd type="none" w="med" len="med"/>
+            <a:tailEnd type="arrow" w="med" len="med"/>
+          </a:ln>
+        </p:spPr>
+        <p:style>
+          <a:lnRef idx="1">
+            <a:schemeClr val="accent1"/>
+          </a:lnRef>
+          <a:fillRef idx="0">
+            <a:schemeClr val="accent1"/>
+          </a:fillRef>
+          <a:effectRef idx="0">
+            <a:schemeClr val="accent1"/>
+          </a:effectRef>
+          <a:fontRef idx="minor">
+            <a:schemeClr val="tx1"/>
+          </a:fontRef>
+        </p:style>
+      </p:cxnSp>
+      <p:sp>
+        <p:nvSpPr>
+          <p:cNvPr id="176" name="TextBox 175">
+            <a:extLst>
+              <a:ext uri="{FF2B5EF4-FFF2-40B4-BE49-F238E27FC236}">
+                <a16:creationId xmlns:a16="http://schemas.microsoft.com/office/drawing/2014/main" id="{4A92B1C6-5EA6-436D-930A-BD4AF14DF852}"/>
+              </a:ext>
+            </a:extLst>
+          </p:cNvPr>
+          <p:cNvSpPr txBox="1"/>
+          <p:nvPr/>
+        </p:nvSpPr>
+        <p:spPr>
+          <a:xfrm>
+            <a:off x="7607060" y="4800500"/>
+            <a:ext cx="736099" cy="230832"/>
+          </a:xfrm>
+          <a:prstGeom prst="rect">
+            <a:avLst/>
+          </a:prstGeom>
+          <a:noFill/>
+        </p:spPr>
+        <p:txBody>
+          <a:bodyPr wrap="none" rtlCol="0" anchor="ctr">
+            <a:spAutoFit/>
+          </a:bodyPr>
+          <a:lstStyle/>
+          <a:p>
+            <a:r>
+              <a:rPr lang="en-US" altLang="ko-KR" sz="900"/>
+              <a:t>Use Token</a:t>
+            </a:r>
+            <a:endParaRPr lang="ko-KR" altLang="en-US" sz="900"/>
+          </a:p>
+        </p:txBody>
+      </p:sp>
+      <p:cxnSp>
+        <p:nvCxnSpPr>
+          <p:cNvPr id="73" name="직선 화살표 연결선 72">
+            <a:extLst>
+              <a:ext uri="{FF2B5EF4-FFF2-40B4-BE49-F238E27FC236}">
+                <a16:creationId xmlns:a16="http://schemas.microsoft.com/office/drawing/2014/main" id="{CFDD5BB8-91D5-4A92-8555-61FBAC8A200D}"/>
+              </a:ext>
+            </a:extLst>
+          </p:cNvPr>
+          <p:cNvCxnSpPr>
+            <a:cxnSpLocks/>
+            <a:stCxn id="57" idx="1"/>
+            <a:endCxn id="53" idx="3"/>
+          </p:cNvCxnSpPr>
+          <p:nvPr/>
+        </p:nvCxnSpPr>
+        <p:spPr>
+          <a:xfrm flipH="1">
+            <a:off x="3974438" y="1203598"/>
+            <a:ext cx="465273" cy="0"/>
+          </a:xfrm>
+          <a:prstGeom prst="straightConnector1">
+            <a:avLst/>
+          </a:prstGeom>
+          <a:ln w="19050">
+            <a:solidFill>
+              <a:schemeClr val="tx2"/>
+            </a:solidFill>
+            <a:headEnd type="arrow" w="med" len="med"/>
+            <a:tailEnd type="arrow" w="med" len="med"/>
+          </a:ln>
+        </p:spPr>
+        <p:style>
+          <a:lnRef idx="1">
+            <a:schemeClr val="accent1"/>
+          </a:lnRef>
+          <a:fillRef idx="0">
+            <a:schemeClr val="accent1"/>
+          </a:fillRef>
+          <a:effectRef idx="0">
+            <a:schemeClr val="accent1"/>
+          </a:effectRef>
+          <a:fontRef idx="minor">
+            <a:schemeClr val="tx1"/>
+          </a:fontRef>
+        </p:style>
+      </p:cxnSp>
+      <p:sp>
+        <p:nvSpPr>
+          <p:cNvPr id="78" name="타원 77">
+            <a:extLst>
+              <a:ext uri="{FF2B5EF4-FFF2-40B4-BE49-F238E27FC236}">
+                <a16:creationId xmlns:a16="http://schemas.microsoft.com/office/drawing/2014/main" id="{C4B425C5-FD97-4458-B4DA-09D2ECEED308}"/>
               </a:ext>
             </a:extLst>
           </p:cNvPr>
@@ -6241,7 +6676,7 @@
         </p:nvSpPr>
         <p:spPr>
           <a:xfrm>
-            <a:off x="5141085" y="3557731"/>
+            <a:off x="4098624" y="990544"/>
             <a:ext cx="208094" cy="208094"/>
           </a:xfrm>
           <a:prstGeom prst="ellipse">
@@ -6249,7 +6684,7 @@
           </a:prstGeom>
           <a:ln>
             <a:solidFill>
-              <a:schemeClr val="accent4"/>
+              <a:srgbClr val="002060"/>
             </a:solidFill>
           </a:ln>
         </p:spPr>
@@ -6274,7 +6709,7 @@
             <a:pPr algn="ctr"/>
             <a:r>
               <a:rPr lang="en-US" altLang="ko-KR" sz="1100"/>
-              <a:t>6</a:t>
+              <a:t>2</a:t>
             </a:r>
             <a:endParaRPr lang="ko-KR" altLang="en-US" sz="1100"/>
           </a:p>
@@ -6282,10 +6717,10 @@
       </p:sp>
       <p:sp>
         <p:nvSpPr>
-          <p:cNvPr id="157" name="TextBox 156">
-            <a:extLst>
-              <a:ext uri="{FF2B5EF4-FFF2-40B4-BE49-F238E27FC236}">
-                <a16:creationId xmlns:a16="http://schemas.microsoft.com/office/drawing/2014/main" id="{BF772D9B-98B2-49E2-A7FA-B2D3F2C40E5C}"/>
+          <p:cNvPr id="80" name="TextBox 79">
+            <a:extLst>
+              <a:ext uri="{FF2B5EF4-FFF2-40B4-BE49-F238E27FC236}">
+                <a16:creationId xmlns:a16="http://schemas.microsoft.com/office/drawing/2014/main" id="{D710B298-144D-46CC-94E6-DE8E8E666590}"/>
               </a:ext>
             </a:extLst>
           </p:cNvPr>
@@ -6294,8 +6729,8 @@
         </p:nvSpPr>
         <p:spPr>
           <a:xfrm>
-            <a:off x="5403128" y="3654752"/>
-            <a:ext cx="736099" cy="246221"/>
+            <a:off x="3856684" y="1259446"/>
+            <a:ext cx="736099" cy="400110"/>
           </a:xfrm>
           <a:prstGeom prst="rect">
             <a:avLst/>
@@ -6312,593 +6747,27 @@
             <a:r>
               <a:rPr lang="en-US" altLang="ko-KR" sz="1000">
                 <a:solidFill>
-                  <a:schemeClr val="accent4"/>
+                  <a:schemeClr val="tx2"/>
+                </a:solidFill>
+              </a:rPr>
+              <a:t>Verify </a:t>
+            </a:r>
+          </a:p>
+          <a:p>
+            <a:pPr algn="ctr"/>
+            <a:r>
+              <a:rPr lang="en-US" altLang="ko-KR" sz="1000">
+                <a:solidFill>
+                  <a:schemeClr val="tx2"/>
                 </a:solidFill>
               </a:rPr>
               <a:t>SA Token</a:t>
             </a:r>
-          </a:p>
-        </p:txBody>
-      </p:sp>
-      <p:sp>
-        <p:nvSpPr>
-          <p:cNvPr id="158" name="TextBox 157">
-            <a:extLst>
-              <a:ext uri="{FF2B5EF4-FFF2-40B4-BE49-F238E27FC236}">
-                <a16:creationId xmlns:a16="http://schemas.microsoft.com/office/drawing/2014/main" id="{CEEF060C-56FB-439B-A8BC-F28BE24F26EB}"/>
-              </a:ext>
-            </a:extLst>
-          </p:cNvPr>
-          <p:cNvSpPr txBox="1"/>
-          <p:nvPr/>
-        </p:nvSpPr>
-        <p:spPr>
-          <a:xfrm>
-            <a:off x="4228437" y="3701526"/>
-            <a:ext cx="652743" cy="553998"/>
-          </a:xfrm>
-          <a:prstGeom prst="rect">
-            <a:avLst/>
-          </a:prstGeom>
-          <a:noFill/>
-        </p:spPr>
-        <p:txBody>
-          <a:bodyPr wrap="none" rtlCol="0" anchor="ctr">
-            <a:spAutoFit/>
-          </a:bodyPr>
-          <a:lstStyle/>
-          <a:p>
-            <a:pPr algn="ctr"/>
-            <a:r>
-              <a:rPr lang="en-US" altLang="ko-KR" sz="1000">
-                <a:solidFill>
-                  <a:srgbClr val="C00000"/>
-                </a:solidFill>
-              </a:rPr>
-              <a:t>Request</a:t>
-            </a:r>
-          </a:p>
-          <a:p>
-            <a:pPr algn="ctr"/>
-            <a:r>
-              <a:rPr lang="en-US" altLang="ko-KR" sz="1000">
-                <a:solidFill>
-                  <a:srgbClr val="C00000"/>
-                </a:solidFill>
-              </a:rPr>
-              <a:t>Create</a:t>
-            </a:r>
-          </a:p>
-          <a:p>
-            <a:pPr algn="ctr"/>
-            <a:r>
-              <a:rPr lang="en-US" altLang="ko-KR" sz="1000">
-                <a:solidFill>
-                  <a:srgbClr val="C00000"/>
-                </a:solidFill>
-              </a:rPr>
-              <a:t>Pod</a:t>
-            </a:r>
             <a:endParaRPr lang="ko-KR" altLang="en-US" sz="1000">
               <a:solidFill>
-                <a:srgbClr val="C00000"/>
+                <a:schemeClr val="tx2"/>
               </a:solidFill>
             </a:endParaRPr>
-          </a:p>
-        </p:txBody>
-      </p:sp>
-      <p:sp>
-        <p:nvSpPr>
-          <p:cNvPr id="159" name="TextBox 158">
-            <a:extLst>
-              <a:ext uri="{FF2B5EF4-FFF2-40B4-BE49-F238E27FC236}">
-                <a16:creationId xmlns:a16="http://schemas.microsoft.com/office/drawing/2014/main" id="{F959D2C3-1ABC-440D-8138-D7D403BE60F9}"/>
-              </a:ext>
-            </a:extLst>
-          </p:cNvPr>
-          <p:cNvSpPr txBox="1"/>
-          <p:nvPr/>
-        </p:nvSpPr>
-        <p:spPr>
-          <a:xfrm>
-            <a:off x="2475476" y="3365039"/>
-            <a:ext cx="736100" cy="246221"/>
-          </a:xfrm>
-          <a:prstGeom prst="rect">
-            <a:avLst/>
-          </a:prstGeom>
-          <a:noFill/>
-        </p:spPr>
-        <p:txBody>
-          <a:bodyPr wrap="none" rtlCol="0" anchor="ctr">
-            <a:spAutoFit/>
-          </a:bodyPr>
-          <a:lstStyle/>
-          <a:p>
-            <a:pPr algn="ctr"/>
-            <a:r>
-              <a:rPr lang="en-US" altLang="ko-KR" sz="1000">
-                <a:solidFill>
-                  <a:schemeClr val="accent4"/>
-                </a:solidFill>
-              </a:rPr>
-              <a:t>SA Token</a:t>
-            </a:r>
-          </a:p>
-        </p:txBody>
-      </p:sp>
-      <p:cxnSp>
-        <p:nvCxnSpPr>
-          <p:cNvPr id="160" name="직선 화살표 연결선 159">
-            <a:extLst>
-              <a:ext uri="{FF2B5EF4-FFF2-40B4-BE49-F238E27FC236}">
-                <a16:creationId xmlns:a16="http://schemas.microsoft.com/office/drawing/2014/main" id="{1A11A6EA-C533-4107-8465-9DFC7BD2C343}"/>
-              </a:ext>
-            </a:extLst>
-          </p:cNvPr>
-          <p:cNvCxnSpPr>
-            <a:cxnSpLocks/>
-          </p:cNvCxnSpPr>
-          <p:nvPr/>
-        </p:nvCxnSpPr>
-        <p:spPr>
-          <a:xfrm>
-            <a:off x="7740352" y="2203132"/>
-            <a:ext cx="0" cy="1012735"/>
-          </a:xfrm>
-          <a:prstGeom prst="straightConnector1">
-            <a:avLst/>
-          </a:prstGeom>
-          <a:ln w="19050">
-            <a:solidFill>
-              <a:schemeClr val="accent4"/>
-            </a:solidFill>
-            <a:headEnd type="arrow" w="med" len="med"/>
-            <a:tailEnd type="none" w="med" len="med"/>
-          </a:ln>
-        </p:spPr>
-        <p:style>
-          <a:lnRef idx="1">
-            <a:schemeClr val="accent1"/>
-          </a:lnRef>
-          <a:fillRef idx="0">
-            <a:schemeClr val="accent1"/>
-          </a:fillRef>
-          <a:effectRef idx="0">
-            <a:schemeClr val="accent1"/>
-          </a:effectRef>
-          <a:fontRef idx="minor">
-            <a:schemeClr val="tx1"/>
-          </a:fontRef>
-        </p:style>
-      </p:cxnSp>
-      <p:sp>
-        <p:nvSpPr>
-          <p:cNvPr id="162" name="TextBox 161">
-            <a:extLst>
-              <a:ext uri="{FF2B5EF4-FFF2-40B4-BE49-F238E27FC236}">
-                <a16:creationId xmlns:a16="http://schemas.microsoft.com/office/drawing/2014/main" id="{F6A31C68-7D55-47C1-857C-15841B5DF84F}"/>
-              </a:ext>
-            </a:extLst>
-          </p:cNvPr>
-          <p:cNvSpPr txBox="1"/>
-          <p:nvPr/>
-        </p:nvSpPr>
-        <p:spPr>
-          <a:xfrm>
-            <a:off x="7706636" y="2595346"/>
-            <a:ext cx="736099" cy="400110"/>
-          </a:xfrm>
-          <a:prstGeom prst="rect">
-            <a:avLst/>
-          </a:prstGeom>
-          <a:noFill/>
-        </p:spPr>
-        <p:txBody>
-          <a:bodyPr wrap="none" rtlCol="0" anchor="ctr">
-            <a:spAutoFit/>
-          </a:bodyPr>
-          <a:lstStyle/>
-          <a:p>
-            <a:pPr algn="ctr"/>
-            <a:r>
-              <a:rPr lang="en-US" altLang="ko-KR" sz="1000">
-                <a:solidFill>
-                  <a:schemeClr val="accent4"/>
-                </a:solidFill>
-              </a:rPr>
-              <a:t>Inject</a:t>
-            </a:r>
-          </a:p>
-          <a:p>
-            <a:pPr algn="ctr"/>
-            <a:r>
-              <a:rPr lang="en-US" altLang="ko-KR" sz="1000">
-                <a:solidFill>
-                  <a:schemeClr val="accent4"/>
-                </a:solidFill>
-              </a:rPr>
-              <a:t>SA Token</a:t>
-            </a:r>
-          </a:p>
-        </p:txBody>
-      </p:sp>
-      <p:sp>
-        <p:nvSpPr>
-          <p:cNvPr id="164" name="타원 163">
-            <a:extLst>
-              <a:ext uri="{FF2B5EF4-FFF2-40B4-BE49-F238E27FC236}">
-                <a16:creationId xmlns:a16="http://schemas.microsoft.com/office/drawing/2014/main" id="{9542EE46-3292-4531-8002-3F9FD015D4EC}"/>
-              </a:ext>
-            </a:extLst>
-          </p:cNvPr>
-          <p:cNvSpPr/>
-          <p:nvPr/>
-        </p:nvSpPr>
-        <p:spPr>
-          <a:xfrm>
-            <a:off x="7636306" y="3097918"/>
-            <a:ext cx="208094" cy="208094"/>
-          </a:xfrm>
-          <a:prstGeom prst="ellipse">
-            <a:avLst/>
-          </a:prstGeom>
-          <a:ln>
-            <a:solidFill>
-              <a:schemeClr val="accent4"/>
-            </a:solidFill>
-          </a:ln>
-        </p:spPr>
-        <p:style>
-          <a:lnRef idx="2">
-            <a:schemeClr val="accent2"/>
-          </a:lnRef>
-          <a:fillRef idx="1">
-            <a:schemeClr val="lt1"/>
-          </a:fillRef>
-          <a:effectRef idx="0">
-            <a:schemeClr val="accent2"/>
-          </a:effectRef>
-          <a:fontRef idx="minor">
-            <a:schemeClr val="dk1"/>
-          </a:fontRef>
-        </p:style>
-        <p:txBody>
-          <a:bodyPr rtlCol="0" anchor="ctr"/>
-          <a:lstStyle/>
-          <a:p>
-            <a:pPr algn="ctr"/>
-            <a:r>
-              <a:rPr lang="en-US" altLang="ko-KR" sz="1100"/>
-              <a:t>7</a:t>
-            </a:r>
-            <a:endParaRPr lang="ko-KR" altLang="en-US" sz="1100"/>
-          </a:p>
-        </p:txBody>
-      </p:sp>
-      <p:cxnSp>
-        <p:nvCxnSpPr>
-          <p:cNvPr id="167" name="직선 화살표 연결선 166">
-            <a:extLst>
-              <a:ext uri="{FF2B5EF4-FFF2-40B4-BE49-F238E27FC236}">
-                <a16:creationId xmlns:a16="http://schemas.microsoft.com/office/drawing/2014/main" id="{27B18424-54D8-472C-9DA4-0FA22A5654DF}"/>
-              </a:ext>
-            </a:extLst>
-          </p:cNvPr>
-          <p:cNvCxnSpPr>
-            <a:cxnSpLocks/>
-          </p:cNvCxnSpPr>
-          <p:nvPr/>
-        </p:nvCxnSpPr>
-        <p:spPr>
-          <a:xfrm>
-            <a:off x="5436096" y="4465515"/>
-            <a:ext cx="374194" cy="1"/>
-          </a:xfrm>
-          <a:prstGeom prst="straightConnector1">
-            <a:avLst/>
-          </a:prstGeom>
-          <a:ln w="19050">
-            <a:solidFill>
-              <a:schemeClr val="accent3">
-                <a:lumMod val="75000"/>
-              </a:schemeClr>
-            </a:solidFill>
-            <a:headEnd type="none" w="med" len="med"/>
-            <a:tailEnd type="arrow" w="med" len="med"/>
-          </a:ln>
-        </p:spPr>
-        <p:style>
-          <a:lnRef idx="1">
-            <a:schemeClr val="accent1"/>
-          </a:lnRef>
-          <a:fillRef idx="0">
-            <a:schemeClr val="accent1"/>
-          </a:fillRef>
-          <a:effectRef idx="0">
-            <a:schemeClr val="accent1"/>
-          </a:effectRef>
-          <a:fontRef idx="minor">
-            <a:schemeClr val="tx1"/>
-          </a:fontRef>
-        </p:style>
-      </p:cxnSp>
-      <p:sp>
-        <p:nvSpPr>
-          <p:cNvPr id="169" name="TextBox 168">
-            <a:extLst>
-              <a:ext uri="{FF2B5EF4-FFF2-40B4-BE49-F238E27FC236}">
-                <a16:creationId xmlns:a16="http://schemas.microsoft.com/office/drawing/2014/main" id="{B14DF2C7-3C99-401D-913D-9CB412A0D702}"/>
-              </a:ext>
-            </a:extLst>
-          </p:cNvPr>
-          <p:cNvSpPr txBox="1"/>
-          <p:nvPr/>
-        </p:nvSpPr>
-        <p:spPr>
-          <a:xfrm>
-            <a:off x="5806860" y="4345601"/>
-            <a:ext cx="1398140" cy="230832"/>
-          </a:xfrm>
-          <a:prstGeom prst="rect">
-            <a:avLst/>
-          </a:prstGeom>
-          <a:noFill/>
-        </p:spPr>
-        <p:txBody>
-          <a:bodyPr wrap="none" rtlCol="0" anchor="ctr">
-            <a:spAutoFit/>
-          </a:bodyPr>
-          <a:lstStyle/>
-          <a:p>
-            <a:r>
-              <a:rPr lang="en-US" altLang="ko-KR" sz="900"/>
-              <a:t>Create Service Account</a:t>
-            </a:r>
-            <a:endParaRPr lang="ko-KR" altLang="en-US" sz="900"/>
-          </a:p>
-        </p:txBody>
-      </p:sp>
-      <p:cxnSp>
-        <p:nvCxnSpPr>
-          <p:cNvPr id="170" name="직선 화살표 연결선 169">
-            <a:extLst>
-              <a:ext uri="{FF2B5EF4-FFF2-40B4-BE49-F238E27FC236}">
-                <a16:creationId xmlns:a16="http://schemas.microsoft.com/office/drawing/2014/main" id="{0FD39B26-DD32-4BF2-BB2A-4C77D38C9D83}"/>
-              </a:ext>
-            </a:extLst>
-          </p:cNvPr>
-          <p:cNvCxnSpPr>
-            <a:cxnSpLocks/>
-          </p:cNvCxnSpPr>
-          <p:nvPr/>
-        </p:nvCxnSpPr>
-        <p:spPr>
-          <a:xfrm>
-            <a:off x="5436096" y="4697193"/>
-            <a:ext cx="374194" cy="1"/>
-          </a:xfrm>
-          <a:prstGeom prst="straightConnector1">
-            <a:avLst/>
-          </a:prstGeom>
-          <a:ln w="19050">
-            <a:solidFill>
-              <a:srgbClr val="C00000"/>
-            </a:solidFill>
-            <a:headEnd type="none" w="med" len="med"/>
-            <a:tailEnd type="arrow" w="med" len="med"/>
-          </a:ln>
-        </p:spPr>
-        <p:style>
-          <a:lnRef idx="1">
-            <a:schemeClr val="accent1"/>
-          </a:lnRef>
-          <a:fillRef idx="0">
-            <a:schemeClr val="accent1"/>
-          </a:fillRef>
-          <a:effectRef idx="0">
-            <a:schemeClr val="accent1"/>
-          </a:effectRef>
-          <a:fontRef idx="minor">
-            <a:schemeClr val="tx1"/>
-          </a:fontRef>
-        </p:style>
-      </p:cxnSp>
-      <p:sp>
-        <p:nvSpPr>
-          <p:cNvPr id="171" name="TextBox 170">
-            <a:extLst>
-              <a:ext uri="{FF2B5EF4-FFF2-40B4-BE49-F238E27FC236}">
-                <a16:creationId xmlns:a16="http://schemas.microsoft.com/office/drawing/2014/main" id="{3F8955B8-E538-49CA-8996-1874D254F6F1}"/>
-              </a:ext>
-            </a:extLst>
-          </p:cNvPr>
-          <p:cNvSpPr txBox="1"/>
-          <p:nvPr/>
-        </p:nvSpPr>
-        <p:spPr>
-          <a:xfrm>
-            <a:off x="5806860" y="4577279"/>
-            <a:ext cx="766557" cy="230832"/>
-          </a:xfrm>
-          <a:prstGeom prst="rect">
-            <a:avLst/>
-          </a:prstGeom>
-          <a:noFill/>
-        </p:spPr>
-        <p:txBody>
-          <a:bodyPr wrap="none" rtlCol="0" anchor="ctr">
-            <a:spAutoFit/>
-          </a:bodyPr>
-          <a:lstStyle/>
-          <a:p>
-            <a:r>
-              <a:rPr lang="en-US" altLang="ko-KR" sz="900"/>
-              <a:t>Create Pod</a:t>
-            </a:r>
-            <a:endParaRPr lang="ko-KR" altLang="en-US" sz="900"/>
-          </a:p>
-        </p:txBody>
-      </p:sp>
-      <p:cxnSp>
-        <p:nvCxnSpPr>
-          <p:cNvPr id="172" name="직선 화살표 연결선 171">
-            <a:extLst>
-              <a:ext uri="{FF2B5EF4-FFF2-40B4-BE49-F238E27FC236}">
-                <a16:creationId xmlns:a16="http://schemas.microsoft.com/office/drawing/2014/main" id="{3E4589F8-CBBE-4D57-94B9-65F3285F6E86}"/>
-              </a:ext>
-            </a:extLst>
-          </p:cNvPr>
-          <p:cNvCxnSpPr>
-            <a:cxnSpLocks/>
-          </p:cNvCxnSpPr>
-          <p:nvPr/>
-        </p:nvCxnSpPr>
-        <p:spPr>
-          <a:xfrm>
-            <a:off x="7236296" y="4460731"/>
-            <a:ext cx="374194" cy="1"/>
-          </a:xfrm>
-          <a:prstGeom prst="straightConnector1">
-            <a:avLst/>
-          </a:prstGeom>
-          <a:ln w="19050">
-            <a:solidFill>
-              <a:schemeClr val="accent4"/>
-            </a:solidFill>
-            <a:headEnd type="none" w="med" len="med"/>
-            <a:tailEnd type="arrow" w="med" len="med"/>
-          </a:ln>
-        </p:spPr>
-        <p:style>
-          <a:lnRef idx="1">
-            <a:schemeClr val="accent1"/>
-          </a:lnRef>
-          <a:fillRef idx="0">
-            <a:schemeClr val="accent1"/>
-          </a:fillRef>
-          <a:effectRef idx="0">
-            <a:schemeClr val="accent1"/>
-          </a:effectRef>
-          <a:fontRef idx="minor">
-            <a:schemeClr val="tx1"/>
-          </a:fontRef>
-        </p:style>
-      </p:cxnSp>
-      <p:sp>
-        <p:nvSpPr>
-          <p:cNvPr id="174" name="TextBox 173">
-            <a:extLst>
-              <a:ext uri="{FF2B5EF4-FFF2-40B4-BE49-F238E27FC236}">
-                <a16:creationId xmlns:a16="http://schemas.microsoft.com/office/drawing/2014/main" id="{79D53839-2EBC-4704-8DA1-499975962DD5}"/>
-              </a:ext>
-            </a:extLst>
-          </p:cNvPr>
-          <p:cNvSpPr txBox="1"/>
-          <p:nvPr/>
-        </p:nvSpPr>
-        <p:spPr>
-          <a:xfrm>
-            <a:off x="7607060" y="4340817"/>
-            <a:ext cx="1268296" cy="230832"/>
-          </a:xfrm>
-          <a:prstGeom prst="rect">
-            <a:avLst/>
-          </a:prstGeom>
-          <a:noFill/>
-        </p:spPr>
-        <p:txBody>
-          <a:bodyPr wrap="none" rtlCol="0" anchor="ctr">
-            <a:spAutoFit/>
-          </a:bodyPr>
-          <a:lstStyle/>
-          <a:p>
-            <a:r>
-              <a:rPr lang="en-US" altLang="ko-KR" sz="900"/>
-              <a:t>Create/Rotate Token</a:t>
-            </a:r>
-            <a:endParaRPr lang="ko-KR" altLang="en-US" sz="900"/>
-          </a:p>
-        </p:txBody>
-      </p:sp>
-      <p:cxnSp>
-        <p:nvCxnSpPr>
-          <p:cNvPr id="175" name="직선 화살표 연결선 174">
-            <a:extLst>
-              <a:ext uri="{FF2B5EF4-FFF2-40B4-BE49-F238E27FC236}">
-                <a16:creationId xmlns:a16="http://schemas.microsoft.com/office/drawing/2014/main" id="{B44A8906-50BD-48BB-A504-365B907B63BA}"/>
-              </a:ext>
-            </a:extLst>
-          </p:cNvPr>
-          <p:cNvCxnSpPr>
-            <a:cxnSpLocks/>
-          </p:cNvCxnSpPr>
-          <p:nvPr/>
-        </p:nvCxnSpPr>
-        <p:spPr>
-          <a:xfrm>
-            <a:off x="7236296" y="4704390"/>
-            <a:ext cx="374194" cy="1"/>
-          </a:xfrm>
-          <a:prstGeom prst="straightConnector1">
-            <a:avLst/>
-          </a:prstGeom>
-          <a:ln w="19050">
-            <a:solidFill>
-              <a:schemeClr val="tx2"/>
-            </a:solidFill>
-            <a:headEnd type="none" w="med" len="med"/>
-            <a:tailEnd type="arrow" w="med" len="med"/>
-          </a:ln>
-        </p:spPr>
-        <p:style>
-          <a:lnRef idx="1">
-            <a:schemeClr val="accent1"/>
-          </a:lnRef>
-          <a:fillRef idx="0">
-            <a:schemeClr val="accent1"/>
-          </a:fillRef>
-          <a:effectRef idx="0">
-            <a:schemeClr val="accent1"/>
-          </a:effectRef>
-          <a:fontRef idx="minor">
-            <a:schemeClr val="tx1"/>
-          </a:fontRef>
-        </p:style>
-      </p:cxnSp>
-      <p:sp>
-        <p:nvSpPr>
-          <p:cNvPr id="176" name="TextBox 175">
-            <a:extLst>
-              <a:ext uri="{FF2B5EF4-FFF2-40B4-BE49-F238E27FC236}">
-                <a16:creationId xmlns:a16="http://schemas.microsoft.com/office/drawing/2014/main" id="{4A92B1C6-5EA6-436D-930A-BD4AF14DF852}"/>
-              </a:ext>
-            </a:extLst>
-          </p:cNvPr>
-          <p:cNvSpPr txBox="1"/>
-          <p:nvPr/>
-        </p:nvSpPr>
-        <p:spPr>
-          <a:xfrm>
-            <a:off x="7607060" y="4584476"/>
-            <a:ext cx="736099" cy="230832"/>
-          </a:xfrm>
-          <a:prstGeom prst="rect">
-            <a:avLst/>
-          </a:prstGeom>
-          <a:noFill/>
-        </p:spPr>
-        <p:txBody>
-          <a:bodyPr wrap="none" rtlCol="0" anchor="ctr">
-            <a:spAutoFit/>
-          </a:bodyPr>
-          <a:lstStyle/>
-          <a:p>
-            <a:r>
-              <a:rPr lang="en-US" altLang="ko-KR" sz="900"/>
-              <a:t>Use Token</a:t>
-            </a:r>
-            <a:endParaRPr lang="ko-KR" altLang="en-US" sz="900"/>
           </a:p>
         </p:txBody>
       </p:sp>

--- a/images/theory_analysis/AWS_EKS_Service_Account_IAM_Role/AWS_EKS_Service_Account_IAM_Role.pptx
+++ b/images/theory_analysis/AWS_EKS_Service_Account_IAM_Role/AWS_EKS_Service_Account_IAM_Role.pptx
@@ -5,13 +5,14 @@
     <p:sldMasterId id="2147483648" r:id="rId1"/>
   </p:sldMasterIdLst>
   <p:notesMasterIdLst>
-    <p:notesMasterId r:id="rId6"/>
+    <p:notesMasterId r:id="rId7"/>
   </p:notesMasterIdLst>
   <p:sldIdLst>
-    <p:sldId id="361" r:id="rId2"/>
+    <p:sldId id="365" r:id="rId2"/>
     <p:sldId id="363" r:id="rId3"/>
-    <p:sldId id="364" r:id="rId4"/>
-    <p:sldId id="362" r:id="rId5"/>
+    <p:sldId id="361" r:id="rId4"/>
+    <p:sldId id="364" r:id="rId5"/>
+    <p:sldId id="362" r:id="rId6"/>
   </p:sldIdLst>
   <p:sldSz cx="9144000" cy="5143500" type="screen16x9"/>
   <p:notesSz cx="6858000" cy="9144000"/>
@@ -216,7 +217,7 @@
           <a:p>
             <a:fld id="{6CD5550B-26C4-49A9-A5BA-636EF7BE6CE9}" type="datetimeFigureOut">
               <a:rPr lang="ko-KR" altLang="en-US" smtClean="0"/>
-              <a:t>2021-04-21</a:t>
+              <a:t>2022-04-04</a:t>
             </a:fld>
             <a:endParaRPr lang="ko-KR" altLang="en-US"/>
           </a:p>
@@ -483,6 +484,90 @@
 </p:notesMaster>
 </file>
 
+<file path=ppt/notesSlides/notesSlide1.xml><?xml version="1.0" encoding="utf-8"?>
+<p:notes xmlns:a="http://schemas.openxmlformats.org/drawingml/2006/main" xmlns:r="http://schemas.openxmlformats.org/officeDocument/2006/relationships" xmlns:p="http://schemas.openxmlformats.org/presentationml/2006/main">
+  <p:cSld>
+    <p:spTree>
+      <p:nvGrpSpPr>
+        <p:cNvPr id="1" name=""/>
+        <p:cNvGrpSpPr/>
+        <p:nvPr/>
+      </p:nvGrpSpPr>
+      <p:grpSpPr>
+        <a:xfrm>
+          <a:off x="0" y="0"/>
+          <a:ext cx="0" cy="0"/>
+          <a:chOff x="0" y="0"/>
+          <a:chExt cx="0" cy="0"/>
+        </a:xfrm>
+      </p:grpSpPr>
+      <p:sp>
+        <p:nvSpPr>
+          <p:cNvPr id="2" name="슬라이드 이미지 개체 틀 1"/>
+          <p:cNvSpPr>
+            <a:spLocks noGrp="1" noRot="1" noChangeAspect="1"/>
+          </p:cNvSpPr>
+          <p:nvPr>
+            <p:ph type="sldImg"/>
+          </p:nvPr>
+        </p:nvSpPr>
+        <p:spPr/>
+      </p:sp>
+      <p:sp>
+        <p:nvSpPr>
+          <p:cNvPr id="3" name="슬라이드 노트 개체 틀 2"/>
+          <p:cNvSpPr>
+            <a:spLocks noGrp="1"/>
+          </p:cNvSpPr>
+          <p:nvPr>
+            <p:ph type="body" idx="1"/>
+          </p:nvPr>
+        </p:nvSpPr>
+        <p:spPr/>
+        <p:txBody>
+          <a:bodyPr/>
+          <a:lstStyle/>
+          <a:p>
+            <a:endParaRPr lang="ko-KR" altLang="en-US"/>
+          </a:p>
+        </p:txBody>
+      </p:sp>
+      <p:sp>
+        <p:nvSpPr>
+          <p:cNvPr id="4" name="슬라이드 번호 개체 틀 3"/>
+          <p:cNvSpPr>
+            <a:spLocks noGrp="1"/>
+          </p:cNvSpPr>
+          <p:nvPr>
+            <p:ph type="sldNum" sz="quarter" idx="5"/>
+          </p:nvPr>
+        </p:nvSpPr>
+        <p:spPr/>
+        <p:txBody>
+          <a:bodyPr/>
+          <a:lstStyle/>
+          <a:p>
+            <a:fld id="{BA5DFA43-8D57-47FB-BC46-057616015C3B}" type="slidenum">
+              <a:rPr lang="ko-KR" altLang="en-US" smtClean="0"/>
+              <a:t>1</a:t>
+            </a:fld>
+            <a:endParaRPr lang="ko-KR" altLang="en-US"/>
+          </a:p>
+        </p:txBody>
+      </p:sp>
+    </p:spTree>
+    <p:extLst>
+      <p:ext uri="{BB962C8B-B14F-4D97-AF65-F5344CB8AC3E}">
+        <p14:creationId xmlns:p14="http://schemas.microsoft.com/office/powerpoint/2010/main" val="2946739946"/>
+      </p:ext>
+    </p:extLst>
+  </p:cSld>
+  <p:clrMapOvr>
+    <a:masterClrMapping/>
+  </p:clrMapOvr>
+</p:notes>
+</file>
+
 <file path=ppt/slideLayouts/slideLayout1.xml><?xml version="1.0" encoding="utf-8"?>
 <p:sldLayout xmlns:a="http://schemas.openxmlformats.org/drawingml/2006/main" xmlns:r="http://schemas.openxmlformats.org/officeDocument/2006/relationships" xmlns:p="http://schemas.openxmlformats.org/presentationml/2006/main" type="title" preserve="1">
   <p:cSld name="제목 슬라이드">
@@ -662,7 +747,7 @@
           <a:p>
             <a:fld id="{FB30EDBD-1C2D-4C1E-B459-B60219FAB484}" type="datetimeFigureOut">
               <a:rPr lang="ko-KR" altLang="en-US" smtClean="0"/>
-              <a:t>2021-04-21</a:t>
+              <a:t>2022-04-04</a:t>
             </a:fld>
             <a:endParaRPr lang="ko-KR" altLang="en-US"/>
           </a:p>
@@ -825,7 +910,7 @@
           <a:p>
             <a:fld id="{FB30EDBD-1C2D-4C1E-B459-B60219FAB484}" type="datetimeFigureOut">
               <a:rPr lang="ko-KR" altLang="en-US" smtClean="0"/>
-              <a:t>2021-04-21</a:t>
+              <a:t>2022-04-04</a:t>
             </a:fld>
             <a:endParaRPr lang="ko-KR" altLang="en-US"/>
           </a:p>
@@ -998,7 +1083,7 @@
           <a:p>
             <a:fld id="{FB30EDBD-1C2D-4C1E-B459-B60219FAB484}" type="datetimeFigureOut">
               <a:rPr lang="ko-KR" altLang="en-US" smtClean="0"/>
-              <a:t>2021-04-21</a:t>
+              <a:t>2022-04-04</a:t>
             </a:fld>
             <a:endParaRPr lang="ko-KR" altLang="en-US"/>
           </a:p>
@@ -1161,7 +1246,7 @@
           <a:p>
             <a:fld id="{FB30EDBD-1C2D-4C1E-B459-B60219FAB484}" type="datetimeFigureOut">
               <a:rPr lang="ko-KR" altLang="en-US" smtClean="0"/>
-              <a:t>2021-04-21</a:t>
+              <a:t>2022-04-04</a:t>
             </a:fld>
             <a:endParaRPr lang="ko-KR" altLang="en-US"/>
           </a:p>
@@ -1401,7 +1486,7 @@
           <a:p>
             <a:fld id="{FB30EDBD-1C2D-4C1E-B459-B60219FAB484}" type="datetimeFigureOut">
               <a:rPr lang="ko-KR" altLang="en-US" smtClean="0"/>
-              <a:t>2021-04-21</a:t>
+              <a:t>2022-04-04</a:t>
             </a:fld>
             <a:endParaRPr lang="ko-KR" altLang="en-US"/>
           </a:p>
@@ -1681,7 +1766,7 @@
           <a:p>
             <a:fld id="{FB30EDBD-1C2D-4C1E-B459-B60219FAB484}" type="datetimeFigureOut">
               <a:rPr lang="ko-KR" altLang="en-US" smtClean="0"/>
-              <a:t>2021-04-21</a:t>
+              <a:t>2022-04-04</a:t>
             </a:fld>
             <a:endParaRPr lang="ko-KR" altLang="en-US"/>
           </a:p>
@@ -2095,7 +2180,7 @@
           <a:p>
             <a:fld id="{FB30EDBD-1C2D-4C1E-B459-B60219FAB484}" type="datetimeFigureOut">
               <a:rPr lang="ko-KR" altLang="en-US" smtClean="0"/>
-              <a:t>2021-04-21</a:t>
+              <a:t>2022-04-04</a:t>
             </a:fld>
             <a:endParaRPr lang="ko-KR" altLang="en-US"/>
           </a:p>
@@ -2207,7 +2292,7 @@
           <a:p>
             <a:fld id="{FB30EDBD-1C2D-4C1E-B459-B60219FAB484}" type="datetimeFigureOut">
               <a:rPr lang="ko-KR" altLang="en-US" smtClean="0"/>
-              <a:t>2021-04-21</a:t>
+              <a:t>2022-04-04</a:t>
             </a:fld>
             <a:endParaRPr lang="ko-KR" altLang="en-US"/>
           </a:p>
@@ -2297,7 +2382,7 @@
           <a:p>
             <a:fld id="{FB30EDBD-1C2D-4C1E-B459-B60219FAB484}" type="datetimeFigureOut">
               <a:rPr lang="ko-KR" altLang="en-US" smtClean="0"/>
-              <a:t>2021-04-21</a:t>
+              <a:t>2022-04-04</a:t>
             </a:fld>
             <a:endParaRPr lang="ko-KR" altLang="en-US"/>
           </a:p>
@@ -2567,7 +2652,7 @@
           <a:p>
             <a:fld id="{FB30EDBD-1C2D-4C1E-B459-B60219FAB484}" type="datetimeFigureOut">
               <a:rPr lang="ko-KR" altLang="en-US" smtClean="0"/>
-              <a:t>2021-04-21</a:t>
+              <a:t>2022-04-04</a:t>
             </a:fld>
             <a:endParaRPr lang="ko-KR" altLang="en-US"/>
           </a:p>
@@ -2814,7 +2899,7 @@
           <a:p>
             <a:fld id="{FB30EDBD-1C2D-4C1E-B459-B60219FAB484}" type="datetimeFigureOut">
               <a:rPr lang="ko-KR" altLang="en-US" smtClean="0"/>
-              <a:t>2021-04-21</a:t>
+              <a:t>2022-04-04</a:t>
             </a:fld>
             <a:endParaRPr lang="ko-KR" altLang="en-US"/>
           </a:p>
@@ -3020,7 +3105,7 @@
           <a:p>
             <a:fld id="{FB30EDBD-1C2D-4C1E-B459-B60219FAB484}" type="datetimeFigureOut">
               <a:rPr lang="ko-KR" altLang="en-US" smtClean="0"/>
-              <a:t>2021-04-21</a:t>
+              <a:t>2022-04-04</a:t>
             </a:fld>
             <a:endParaRPr lang="ko-KR" altLang="en-US"/>
           </a:p>
@@ -3998,7 +4083,7 @@
             <a:pPr algn="ctr"/>
             <a:r>
               <a:rPr lang="en-US" altLang="ko-KR" sz="1200"/>
-              <a:t>Pod</a:t>
+              <a:t>App Pod</a:t>
             </a:r>
             <a:endParaRPr lang="ko-KR" altLang="en-US" sz="1200"/>
           </a:p>
@@ -4955,7 +5040,7 @@
             <a:pPr algn="ctr"/>
             <a:r>
               <a:rPr lang="en-US" altLang="ko-KR" sz="1100"/>
-              <a:t>3</a:t>
+              <a:t>2</a:t>
             </a:r>
             <a:endParaRPr lang="ko-KR" altLang="en-US" sz="1100"/>
           </a:p>
@@ -5055,7 +5140,7 @@
             <a:pPr algn="ctr"/>
             <a:r>
               <a:rPr lang="en-US" altLang="ko-KR" sz="1100"/>
-              <a:t>4</a:t>
+              <a:t>3</a:t>
             </a:r>
             <a:endParaRPr lang="ko-KR" altLang="en-US" sz="1100"/>
           </a:p>
@@ -5510,8 +5595,8 @@
         </p:nvSpPr>
         <p:spPr>
           <a:xfrm>
-            <a:off x="5724128" y="1774281"/>
-            <a:ext cx="736099" cy="246221"/>
+            <a:off x="3778561" y="1600475"/>
+            <a:ext cx="2375970" cy="400110"/>
           </a:xfrm>
           <a:prstGeom prst="rect">
             <a:avLst/>
@@ -5531,13 +5616,23 @@
                   <a:schemeClr val="tx2"/>
                 </a:solidFill>
               </a:rPr>
-              <a:t>SA Token</a:t>
-            </a:r>
-            <a:endParaRPr lang="ko-KR" altLang="en-US" sz="1000">
-              <a:solidFill>
-                <a:schemeClr val="tx2"/>
-              </a:solidFill>
-            </a:endParaRPr>
+              <a:t>AssumeRoleWithWebIdentity</a:t>
+            </a:r>
+            <a:br>
+              <a:rPr lang="en-US" altLang="ko-KR" sz="1000">
+                <a:solidFill>
+                  <a:schemeClr val="tx2"/>
+                </a:solidFill>
+              </a:rPr>
+            </a:br>
+            <a:r>
+              <a:rPr lang="en-US" altLang="ko-KR" sz="1000">
+                <a:solidFill>
+                  <a:schemeClr val="tx2"/>
+                </a:solidFill>
+              </a:rPr>
+              <a:t>with Projected SA Token (JWT Token)</a:t>
+            </a:r>
           </a:p>
         </p:txBody>
       </p:sp>
@@ -6641,7 +6736,7 @@
           </a:prstGeom>
           <a:ln w="19050">
             <a:solidFill>
-              <a:schemeClr val="tx2"/>
+              <a:schemeClr val="tx1"/>
             </a:solidFill>
             <a:headEnd type="arrow" w="med" len="med"/>
             <a:tailEnd type="arrow" w="med" len="med"/>
@@ -6664,59 +6759,6 @@
       </p:cxnSp>
       <p:sp>
         <p:nvSpPr>
-          <p:cNvPr id="78" name="타원 77">
-            <a:extLst>
-              <a:ext uri="{FF2B5EF4-FFF2-40B4-BE49-F238E27FC236}">
-                <a16:creationId xmlns:a16="http://schemas.microsoft.com/office/drawing/2014/main" id="{C4B425C5-FD97-4458-B4DA-09D2ECEED308}"/>
-              </a:ext>
-            </a:extLst>
-          </p:cNvPr>
-          <p:cNvSpPr/>
-          <p:nvPr/>
-        </p:nvSpPr>
-        <p:spPr>
-          <a:xfrm>
-            <a:off x="4098624" y="990544"/>
-            <a:ext cx="208094" cy="208094"/>
-          </a:xfrm>
-          <a:prstGeom prst="ellipse">
-            <a:avLst/>
-          </a:prstGeom>
-          <a:ln>
-            <a:solidFill>
-              <a:srgbClr val="002060"/>
-            </a:solidFill>
-          </a:ln>
-        </p:spPr>
-        <p:style>
-          <a:lnRef idx="2">
-            <a:schemeClr val="accent2"/>
-          </a:lnRef>
-          <a:fillRef idx="1">
-            <a:schemeClr val="lt1"/>
-          </a:fillRef>
-          <a:effectRef idx="0">
-            <a:schemeClr val="accent2"/>
-          </a:effectRef>
-          <a:fontRef idx="minor">
-            <a:schemeClr val="dk1"/>
-          </a:fontRef>
-        </p:style>
-        <p:txBody>
-          <a:bodyPr rtlCol="0" anchor="ctr"/>
-          <a:lstStyle/>
-          <a:p>
-            <a:pPr algn="ctr"/>
-            <a:r>
-              <a:rPr lang="en-US" altLang="ko-KR" sz="1100"/>
-              <a:t>2</a:t>
-            </a:r>
-            <a:endParaRPr lang="ko-KR" altLang="en-US" sz="1100"/>
-          </a:p>
-        </p:txBody>
-      </p:sp>
-      <p:sp>
-        <p:nvSpPr>
           <p:cNvPr id="80" name="TextBox 79">
             <a:extLst>
               <a:ext uri="{FF2B5EF4-FFF2-40B4-BE49-F238E27FC236}">
@@ -6729,8 +6771,8 @@
         </p:nvSpPr>
         <p:spPr>
           <a:xfrm>
-            <a:off x="3856684" y="1259446"/>
-            <a:ext cx="736099" cy="400110"/>
+            <a:off x="3841457" y="1336390"/>
+            <a:ext cx="766557" cy="246221"/>
           </a:xfrm>
           <a:prstGeom prst="rect">
             <a:avLst/>
@@ -6747,34 +6789,164 @@
             <a:r>
               <a:rPr lang="en-US" altLang="ko-KR" sz="1000">
                 <a:solidFill>
-                  <a:schemeClr val="tx2"/>
+                  <a:sysClr val="windowText" lastClr="000000"/>
                 </a:solidFill>
               </a:rPr>
-              <a:t>Verify </a:t>
-            </a:r>
-          </a:p>
-          <a:p>
-            <a:pPr algn="ctr"/>
-            <a:r>
-              <a:rPr lang="en-US" altLang="ko-KR" sz="1000">
-                <a:solidFill>
-                  <a:schemeClr val="tx2"/>
-                </a:solidFill>
-              </a:rPr>
-              <a:t>SA Token</a:t>
+              <a:t>Federated</a:t>
             </a:r>
             <a:endParaRPr lang="ko-KR" altLang="en-US" sz="1000">
               <a:solidFill>
-                <a:schemeClr val="tx2"/>
+                <a:sysClr val="windowText" lastClr="000000"/>
               </a:solidFill>
             </a:endParaRPr>
           </a:p>
         </p:txBody>
       </p:sp>
+      <p:cxnSp>
+        <p:nvCxnSpPr>
+          <p:cNvPr id="86" name="직선 화살표 연결선 85">
+            <a:extLst>
+              <a:ext uri="{FF2B5EF4-FFF2-40B4-BE49-F238E27FC236}">
+                <a16:creationId xmlns:a16="http://schemas.microsoft.com/office/drawing/2014/main" id="{3CBDAE5E-363E-472E-BCD6-C8B34946818A}"/>
+              </a:ext>
+            </a:extLst>
+          </p:cNvPr>
+          <p:cNvCxnSpPr>
+            <a:cxnSpLocks/>
+            <a:stCxn id="61" idx="0"/>
+            <a:endCxn id="88" idx="2"/>
+          </p:cNvCxnSpPr>
+          <p:nvPr/>
+        </p:nvCxnSpPr>
+        <p:spPr>
+          <a:xfrm flipV="1">
+            <a:off x="1717828" y="2383381"/>
+            <a:ext cx="0" cy="244084"/>
+          </a:xfrm>
+          <a:prstGeom prst="straightConnector1">
+            <a:avLst/>
+          </a:prstGeom>
+          <a:ln w="19050">
+            <a:solidFill>
+              <a:schemeClr val="tx1"/>
+            </a:solidFill>
+            <a:headEnd type="arrow" w="med" len="med"/>
+            <a:tailEnd type="none" w="med" len="med"/>
+          </a:ln>
+        </p:spPr>
+        <p:style>
+          <a:lnRef idx="1">
+            <a:schemeClr val="accent1"/>
+          </a:lnRef>
+          <a:fillRef idx="0">
+            <a:schemeClr val="accent1"/>
+          </a:fillRef>
+          <a:effectRef idx="0">
+            <a:schemeClr val="accent1"/>
+          </a:effectRef>
+          <a:fontRef idx="minor">
+            <a:schemeClr val="tx1"/>
+          </a:fontRef>
+        </p:style>
+      </p:cxnSp>
+      <p:sp>
+        <p:nvSpPr>
+          <p:cNvPr id="88" name="사각형: 둥근 모서리 87">
+            <a:extLst>
+              <a:ext uri="{FF2B5EF4-FFF2-40B4-BE49-F238E27FC236}">
+                <a16:creationId xmlns:a16="http://schemas.microsoft.com/office/drawing/2014/main" id="{51FE28B6-4CD6-4F5A-BD38-A14FA24B3C37}"/>
+              </a:ext>
+            </a:extLst>
+          </p:cNvPr>
+          <p:cNvSpPr/>
+          <p:nvPr/>
+        </p:nvSpPr>
+        <p:spPr>
+          <a:xfrm>
+            <a:off x="887030" y="2059635"/>
+            <a:ext cx="1661596" cy="323746"/>
+          </a:xfrm>
+          <a:prstGeom prst="roundRect">
+            <a:avLst/>
+          </a:prstGeom>
+        </p:spPr>
+        <p:style>
+          <a:lnRef idx="2">
+            <a:schemeClr val="dk1"/>
+          </a:lnRef>
+          <a:fillRef idx="1">
+            <a:schemeClr val="lt1"/>
+          </a:fillRef>
+          <a:effectRef idx="0">
+            <a:schemeClr val="dk1"/>
+          </a:effectRef>
+          <a:fontRef idx="minor">
+            <a:schemeClr val="dk1"/>
+          </a:fontRef>
+        </p:style>
+        <p:txBody>
+          <a:bodyPr rtlCol="0" anchor="ctr"/>
+          <a:lstStyle/>
+          <a:p>
+            <a:pPr algn="ctr"/>
+            <a:r>
+              <a:rPr lang="en-US" altLang="ko-KR" sz="1100"/>
+              <a:t>Private/Public Key</a:t>
+            </a:r>
+          </a:p>
+        </p:txBody>
+      </p:sp>
+      <p:cxnSp>
+        <p:nvCxnSpPr>
+          <p:cNvPr id="89" name="직선 화살표 연결선 88">
+            <a:extLst>
+              <a:ext uri="{FF2B5EF4-FFF2-40B4-BE49-F238E27FC236}">
+                <a16:creationId xmlns:a16="http://schemas.microsoft.com/office/drawing/2014/main" id="{369227C9-E19E-42F8-8ADA-B3197E03AFFF}"/>
+              </a:ext>
+            </a:extLst>
+          </p:cNvPr>
+          <p:cNvCxnSpPr>
+            <a:cxnSpLocks/>
+            <a:stCxn id="53" idx="2"/>
+            <a:endCxn id="88" idx="0"/>
+          </p:cNvCxnSpPr>
+          <p:nvPr/>
+        </p:nvCxnSpPr>
+        <p:spPr>
+          <a:xfrm flipH="1">
+            <a:off x="1717828" y="1419622"/>
+            <a:ext cx="461987" cy="640013"/>
+          </a:xfrm>
+          <a:prstGeom prst="straightConnector1">
+            <a:avLst/>
+          </a:prstGeom>
+          <a:ln w="19050">
+            <a:solidFill>
+              <a:schemeClr val="tx1"/>
+            </a:solidFill>
+            <a:headEnd type="arrow" w="med" len="med"/>
+            <a:tailEnd type="none" w="med" len="med"/>
+          </a:ln>
+        </p:spPr>
+        <p:style>
+          <a:lnRef idx="1">
+            <a:schemeClr val="accent1"/>
+          </a:lnRef>
+          <a:fillRef idx="0">
+            <a:schemeClr val="accent1"/>
+          </a:fillRef>
+          <a:effectRef idx="0">
+            <a:schemeClr val="accent1"/>
+          </a:effectRef>
+          <a:fontRef idx="minor">
+            <a:schemeClr val="tx1"/>
+          </a:fontRef>
+        </p:style>
+      </p:cxnSp>
     </p:spTree>
     <p:extLst>
       <p:ext uri="{BB962C8B-B14F-4D97-AF65-F5344CB8AC3E}">
-        <p14:creationId xmlns:p14="http://schemas.microsoft.com/office/powerpoint/2010/main" val="1828382803"/>
+        <p14:creationId xmlns:p14="http://schemas.microsoft.com/office/powerpoint/2010/main" val="2190827545"/>
       </p:ext>
     </p:extLst>
   </p:cSld>
@@ -6833,6 +7005,3417 @@
       </p:grpSpPr>
       <p:sp>
         <p:nvSpPr>
+          <p:cNvPr id="69" name="사각형: 둥근 모서리 68">
+            <a:extLst>
+              <a:ext uri="{FF2B5EF4-FFF2-40B4-BE49-F238E27FC236}">
+                <a16:creationId xmlns:a16="http://schemas.microsoft.com/office/drawing/2014/main" id="{3DC0E73D-14C7-4C36-A254-E52DEDB1542F}"/>
+              </a:ext>
+            </a:extLst>
+          </p:cNvPr>
+          <p:cNvSpPr/>
+          <p:nvPr/>
+        </p:nvSpPr>
+        <p:spPr>
+          <a:xfrm>
+            <a:off x="6213772" y="1977829"/>
+            <a:ext cx="2174652" cy="2304256"/>
+          </a:xfrm>
+          <a:prstGeom prst="roundRect">
+            <a:avLst>
+              <a:gd name="adj" fmla="val 6060"/>
+            </a:avLst>
+          </a:prstGeom>
+          <a:ln>
+            <a:prstDash val="dash"/>
+          </a:ln>
+        </p:spPr>
+        <p:style>
+          <a:lnRef idx="2">
+            <a:schemeClr val="dk1"/>
+          </a:lnRef>
+          <a:fillRef idx="1">
+            <a:schemeClr val="lt1"/>
+          </a:fillRef>
+          <a:effectRef idx="0">
+            <a:schemeClr val="dk1"/>
+          </a:effectRef>
+          <a:fontRef idx="minor">
+            <a:schemeClr val="dk1"/>
+          </a:fontRef>
+        </p:style>
+        <p:txBody>
+          <a:bodyPr rtlCol="0" anchor="b"/>
+          <a:lstStyle/>
+          <a:p>
+            <a:r>
+              <a:rPr lang="en-US" altLang="ko-KR" sz="1200"/>
+              <a:t>EKS Worker Node</a:t>
+            </a:r>
+          </a:p>
+        </p:txBody>
+      </p:sp>
+      <p:sp>
+        <p:nvSpPr>
+          <p:cNvPr id="68" name="사각형: 둥근 모서리 67">
+            <a:extLst>
+              <a:ext uri="{FF2B5EF4-FFF2-40B4-BE49-F238E27FC236}">
+                <a16:creationId xmlns:a16="http://schemas.microsoft.com/office/drawing/2014/main" id="{86CCA4AC-047F-4BCC-8B5B-CFCB6D84A8E2}"/>
+              </a:ext>
+            </a:extLst>
+          </p:cNvPr>
+          <p:cNvSpPr/>
+          <p:nvPr/>
+        </p:nvSpPr>
+        <p:spPr>
+          <a:xfrm>
+            <a:off x="637707" y="1977829"/>
+            <a:ext cx="4692878" cy="2304256"/>
+          </a:xfrm>
+          <a:prstGeom prst="roundRect">
+            <a:avLst>
+              <a:gd name="adj" fmla="val 6060"/>
+            </a:avLst>
+          </a:prstGeom>
+          <a:ln>
+            <a:prstDash val="dash"/>
+          </a:ln>
+        </p:spPr>
+        <p:style>
+          <a:lnRef idx="2">
+            <a:schemeClr val="dk1"/>
+          </a:lnRef>
+          <a:fillRef idx="1">
+            <a:schemeClr val="lt1"/>
+          </a:fillRef>
+          <a:effectRef idx="0">
+            <a:schemeClr val="dk1"/>
+          </a:effectRef>
+          <a:fontRef idx="minor">
+            <a:schemeClr val="dk1"/>
+          </a:fontRef>
+        </p:style>
+        <p:txBody>
+          <a:bodyPr rtlCol="0" anchor="b"/>
+          <a:lstStyle/>
+          <a:p>
+            <a:r>
+              <a:rPr lang="en-US" altLang="ko-KR" sz="1200"/>
+              <a:t>EKS Control Plane</a:t>
+            </a:r>
+          </a:p>
+        </p:txBody>
+      </p:sp>
+      <p:sp>
+        <p:nvSpPr>
+          <p:cNvPr id="2" name="제목 1"/>
+          <p:cNvSpPr>
+            <a:spLocks noGrp="1"/>
+          </p:cNvSpPr>
+          <p:nvPr>
+            <p:ph type="title"/>
+          </p:nvPr>
+        </p:nvSpPr>
+        <p:spPr>
+          <a:xfrm>
+            <a:off x="457200" y="-20538"/>
+            <a:ext cx="8229600" cy="720080"/>
+          </a:xfrm>
+        </p:spPr>
+        <p:txBody>
+          <a:bodyPr>
+            <a:normAutofit/>
+          </a:bodyPr>
+          <a:lstStyle/>
+          <a:p>
+            <a:r>
+              <a:rPr lang="en-US" altLang="ko-KR" sz="3600"/>
+              <a:t>AWS</a:t>
+            </a:r>
+            <a:endParaRPr lang="ko-KR" altLang="en-US" sz="3600" dirty="0"/>
+          </a:p>
+        </p:txBody>
+      </p:sp>
+      <p:sp>
+        <p:nvSpPr>
+          <p:cNvPr id="55" name="사각형: 둥근 모서리 54">
+            <a:extLst>
+              <a:ext uri="{FF2B5EF4-FFF2-40B4-BE49-F238E27FC236}">
+                <a16:creationId xmlns:a16="http://schemas.microsoft.com/office/drawing/2014/main" id="{91C3F0A6-A416-4A50-87EB-F8635EB440EB}"/>
+              </a:ext>
+            </a:extLst>
+          </p:cNvPr>
+          <p:cNvSpPr/>
+          <p:nvPr/>
+        </p:nvSpPr>
+        <p:spPr>
+          <a:xfrm>
+            <a:off x="3240341" y="2067694"/>
+            <a:ext cx="2016224" cy="504056"/>
+          </a:xfrm>
+          <a:prstGeom prst="roundRect">
+            <a:avLst/>
+          </a:prstGeom>
+        </p:spPr>
+        <p:style>
+          <a:lnRef idx="2">
+            <a:schemeClr val="dk1"/>
+          </a:lnRef>
+          <a:fillRef idx="1">
+            <a:schemeClr val="lt1"/>
+          </a:fillRef>
+          <a:effectRef idx="0">
+            <a:schemeClr val="dk1"/>
+          </a:effectRef>
+          <a:fontRef idx="minor">
+            <a:schemeClr val="dk1"/>
+          </a:fontRef>
+        </p:style>
+        <p:txBody>
+          <a:bodyPr rtlCol="0" anchor="ctr"/>
+          <a:lstStyle/>
+          <a:p>
+            <a:pPr algn="ctr"/>
+            <a:r>
+              <a:rPr lang="en-US" altLang="ko-KR" sz="1200" b="1"/>
+              <a:t>P</a:t>
+            </a:r>
+            <a:r>
+              <a:rPr lang="ko-KR" altLang="en-US" sz="1200" b="1"/>
+              <a:t>od </a:t>
+            </a:r>
+            <a:r>
+              <a:rPr lang="en-US" altLang="ko-KR" sz="1200" b="1"/>
+              <a:t>I</a:t>
+            </a:r>
+            <a:r>
+              <a:rPr lang="ko-KR" altLang="en-US" sz="1200" b="1"/>
+              <a:t>dentity </a:t>
+            </a:r>
+            <a:r>
+              <a:rPr lang="en-US" altLang="ko-KR" sz="1200" b="1"/>
+              <a:t>W</a:t>
+            </a:r>
+            <a:r>
+              <a:rPr lang="ko-KR" altLang="en-US" sz="1200" b="1"/>
+              <a:t>ebhook</a:t>
+            </a:r>
+          </a:p>
+        </p:txBody>
+      </p:sp>
+      <p:sp>
+        <p:nvSpPr>
+          <p:cNvPr id="56" name="사각형: 둥근 모서리 55">
+            <a:extLst>
+              <a:ext uri="{FF2B5EF4-FFF2-40B4-BE49-F238E27FC236}">
+                <a16:creationId xmlns:a16="http://schemas.microsoft.com/office/drawing/2014/main" id="{E190258D-7580-4011-AA1D-0F2CC6C74000}"/>
+              </a:ext>
+            </a:extLst>
+          </p:cNvPr>
+          <p:cNvSpPr/>
+          <p:nvPr/>
+        </p:nvSpPr>
+        <p:spPr>
+          <a:xfrm>
+            <a:off x="3240341" y="3417989"/>
+            <a:ext cx="2016224" cy="504056"/>
+          </a:xfrm>
+          <a:prstGeom prst="roundRect">
+            <a:avLst/>
+          </a:prstGeom>
+        </p:spPr>
+        <p:style>
+          <a:lnRef idx="2">
+            <a:schemeClr val="dk1"/>
+          </a:lnRef>
+          <a:fillRef idx="1">
+            <a:schemeClr val="lt1"/>
+          </a:fillRef>
+          <a:effectRef idx="0">
+            <a:schemeClr val="dk1"/>
+          </a:effectRef>
+          <a:fontRef idx="minor">
+            <a:schemeClr val="dk1"/>
+          </a:fontRef>
+        </p:style>
+        <p:txBody>
+          <a:bodyPr rtlCol="0" anchor="ctr"/>
+          <a:lstStyle/>
+          <a:p>
+            <a:pPr algn="ctr"/>
+            <a:r>
+              <a:rPr lang="en-US" altLang="ko-KR" sz="1200"/>
+              <a:t>AWS EKS (k8s) </a:t>
+            </a:r>
+          </a:p>
+          <a:p>
+            <a:pPr algn="ctr"/>
+            <a:r>
+              <a:rPr lang="en-US" altLang="ko-KR" sz="1200"/>
+              <a:t>API Server</a:t>
+            </a:r>
+          </a:p>
+        </p:txBody>
+      </p:sp>
+      <p:sp>
+        <p:nvSpPr>
+          <p:cNvPr id="53" name="사각형: 둥근 모서리 52">
+            <a:extLst>
+              <a:ext uri="{FF2B5EF4-FFF2-40B4-BE49-F238E27FC236}">
+                <a16:creationId xmlns:a16="http://schemas.microsoft.com/office/drawing/2014/main" id="{4EDBFAC3-BC02-4D26-8CAD-5CE93FBBB003}"/>
+              </a:ext>
+            </a:extLst>
+          </p:cNvPr>
+          <p:cNvSpPr/>
+          <p:nvPr/>
+        </p:nvSpPr>
+        <p:spPr>
+          <a:xfrm>
+            <a:off x="385191" y="987574"/>
+            <a:ext cx="3589247" cy="432048"/>
+          </a:xfrm>
+          <a:prstGeom prst="roundRect">
+            <a:avLst/>
+          </a:prstGeom>
+        </p:spPr>
+        <p:style>
+          <a:lnRef idx="2">
+            <a:schemeClr val="dk1"/>
+          </a:lnRef>
+          <a:fillRef idx="1">
+            <a:schemeClr val="lt1"/>
+          </a:fillRef>
+          <a:effectRef idx="0">
+            <a:schemeClr val="dk1"/>
+          </a:effectRef>
+          <a:fontRef idx="minor">
+            <a:schemeClr val="dk1"/>
+          </a:fontRef>
+        </p:style>
+        <p:txBody>
+          <a:bodyPr rtlCol="0" anchor="ctr"/>
+          <a:lstStyle/>
+          <a:p>
+            <a:pPr algn="ctr"/>
+            <a:r>
+              <a:rPr lang="en-US" altLang="ko-KR" sz="1100"/>
+              <a:t>https://oidc.eks.&lt;region&gt;.amazonaws.com/id/&lt;id&gt;</a:t>
+            </a:r>
+            <a:endParaRPr lang="en-US" altLang="ko-KR" sz="1200"/>
+          </a:p>
+          <a:p>
+            <a:pPr algn="ctr"/>
+            <a:r>
+              <a:rPr lang="en-US" altLang="ko-KR" sz="1200" b="1"/>
+              <a:t>AWS EKS OIDC Identity Provider</a:t>
+            </a:r>
+            <a:endParaRPr lang="ko-KR" altLang="en-US" sz="1200" b="1"/>
+          </a:p>
+        </p:txBody>
+      </p:sp>
+      <p:sp>
+        <p:nvSpPr>
+          <p:cNvPr id="57" name="사각형: 둥근 모서리 56">
+            <a:extLst>
+              <a:ext uri="{FF2B5EF4-FFF2-40B4-BE49-F238E27FC236}">
+                <a16:creationId xmlns:a16="http://schemas.microsoft.com/office/drawing/2014/main" id="{862DCA16-D022-40A8-A1CE-34C25881B2F3}"/>
+              </a:ext>
+            </a:extLst>
+          </p:cNvPr>
+          <p:cNvSpPr/>
+          <p:nvPr/>
+        </p:nvSpPr>
+        <p:spPr>
+          <a:xfrm>
+            <a:off x="4439711" y="987574"/>
+            <a:ext cx="1921740" cy="432048"/>
+          </a:xfrm>
+          <a:prstGeom prst="roundRect">
+            <a:avLst/>
+          </a:prstGeom>
+        </p:spPr>
+        <p:style>
+          <a:lnRef idx="2">
+            <a:schemeClr val="dk1"/>
+          </a:lnRef>
+          <a:fillRef idx="1">
+            <a:schemeClr val="lt1"/>
+          </a:fillRef>
+          <a:effectRef idx="0">
+            <a:schemeClr val="dk1"/>
+          </a:effectRef>
+          <a:fontRef idx="minor">
+            <a:schemeClr val="dk1"/>
+          </a:fontRef>
+        </p:style>
+        <p:txBody>
+          <a:bodyPr rtlCol="0" anchor="ctr"/>
+          <a:lstStyle/>
+          <a:p>
+            <a:pPr algn="ctr"/>
+            <a:r>
+              <a:rPr lang="en-US" altLang="ko-KR" sz="1200"/>
+              <a:t>AWS STS/IAM</a:t>
+            </a:r>
+            <a:endParaRPr lang="ko-KR" altLang="en-US" sz="1200"/>
+          </a:p>
+        </p:txBody>
+      </p:sp>
+      <p:sp>
+        <p:nvSpPr>
+          <p:cNvPr id="58" name="사각형: 둥근 모서리 57">
+            <a:extLst>
+              <a:ext uri="{FF2B5EF4-FFF2-40B4-BE49-F238E27FC236}">
+                <a16:creationId xmlns:a16="http://schemas.microsoft.com/office/drawing/2014/main" id="{CECC978C-4AD3-46B1-BDCF-28286E7F0027}"/>
+              </a:ext>
+            </a:extLst>
+          </p:cNvPr>
+          <p:cNvSpPr/>
+          <p:nvPr/>
+        </p:nvSpPr>
+        <p:spPr>
+          <a:xfrm>
+            <a:off x="6828461" y="990544"/>
+            <a:ext cx="1921740" cy="432048"/>
+          </a:xfrm>
+          <a:prstGeom prst="roundRect">
+            <a:avLst/>
+          </a:prstGeom>
+        </p:spPr>
+        <p:style>
+          <a:lnRef idx="2">
+            <a:schemeClr val="dk1"/>
+          </a:lnRef>
+          <a:fillRef idx="1">
+            <a:schemeClr val="lt1"/>
+          </a:fillRef>
+          <a:effectRef idx="0">
+            <a:schemeClr val="dk1"/>
+          </a:effectRef>
+          <a:fontRef idx="minor">
+            <a:schemeClr val="dk1"/>
+          </a:fontRef>
+        </p:style>
+        <p:txBody>
+          <a:bodyPr rtlCol="0" anchor="ctr"/>
+          <a:lstStyle/>
+          <a:p>
+            <a:pPr algn="ctr"/>
+            <a:r>
+              <a:rPr lang="en-US" altLang="ko-KR" sz="1200"/>
+              <a:t>AWS Services</a:t>
+            </a:r>
+            <a:endParaRPr lang="ko-KR" altLang="en-US" sz="1200"/>
+          </a:p>
+        </p:txBody>
+      </p:sp>
+      <p:sp>
+        <p:nvSpPr>
+          <p:cNvPr id="62" name="사각형: 둥근 모서리 61">
+            <a:extLst>
+              <a:ext uri="{FF2B5EF4-FFF2-40B4-BE49-F238E27FC236}">
+                <a16:creationId xmlns:a16="http://schemas.microsoft.com/office/drawing/2014/main" id="{03FB28A7-3F69-45AB-B8CA-811FCC97195A}"/>
+              </a:ext>
+            </a:extLst>
+          </p:cNvPr>
+          <p:cNvSpPr/>
+          <p:nvPr/>
+        </p:nvSpPr>
+        <p:spPr>
+          <a:xfrm>
+            <a:off x="709716" y="2555457"/>
+            <a:ext cx="2016224" cy="1008112"/>
+          </a:xfrm>
+          <a:prstGeom prst="roundRect">
+            <a:avLst>
+              <a:gd name="adj" fmla="val 8474"/>
+            </a:avLst>
+          </a:prstGeom>
+        </p:spPr>
+        <p:style>
+          <a:lnRef idx="2">
+            <a:schemeClr val="dk1"/>
+          </a:lnRef>
+          <a:fillRef idx="1">
+            <a:schemeClr val="lt1"/>
+          </a:fillRef>
+          <a:effectRef idx="0">
+            <a:schemeClr val="dk1"/>
+          </a:effectRef>
+          <a:fontRef idx="minor">
+            <a:schemeClr val="dk1"/>
+          </a:fontRef>
+        </p:style>
+        <p:txBody>
+          <a:bodyPr rtlCol="0" anchor="b"/>
+          <a:lstStyle/>
+          <a:p>
+            <a:pPr algn="ctr"/>
+            <a:r>
+              <a:rPr lang="en-US" altLang="ko-KR" sz="1200"/>
+              <a:t>AWS EKS (k8s) </a:t>
+            </a:r>
+          </a:p>
+          <a:p>
+            <a:pPr algn="ctr"/>
+            <a:r>
+              <a:rPr lang="en-US" altLang="ko-KR" sz="1200"/>
+              <a:t>Controller manager</a:t>
+            </a:r>
+          </a:p>
+        </p:txBody>
+      </p:sp>
+      <p:sp>
+        <p:nvSpPr>
+          <p:cNvPr id="61" name="사각형: 둥근 모서리 60">
+            <a:extLst>
+              <a:ext uri="{FF2B5EF4-FFF2-40B4-BE49-F238E27FC236}">
+                <a16:creationId xmlns:a16="http://schemas.microsoft.com/office/drawing/2014/main" id="{B5CC1BC7-063B-478A-A7E8-980B11777761}"/>
+              </a:ext>
+            </a:extLst>
+          </p:cNvPr>
+          <p:cNvSpPr/>
+          <p:nvPr/>
+        </p:nvSpPr>
+        <p:spPr>
+          <a:xfrm>
+            <a:off x="781724" y="2627465"/>
+            <a:ext cx="1872208" cy="432048"/>
+          </a:xfrm>
+          <a:prstGeom prst="roundRect">
+            <a:avLst>
+              <a:gd name="adj" fmla="val 13936"/>
+            </a:avLst>
+          </a:prstGeom>
+        </p:spPr>
+        <p:style>
+          <a:lnRef idx="2">
+            <a:schemeClr val="dk1"/>
+          </a:lnRef>
+          <a:fillRef idx="1">
+            <a:schemeClr val="lt1"/>
+          </a:fillRef>
+          <a:effectRef idx="0">
+            <a:schemeClr val="dk1"/>
+          </a:effectRef>
+          <a:fontRef idx="minor">
+            <a:schemeClr val="dk1"/>
+          </a:fontRef>
+        </p:style>
+        <p:txBody>
+          <a:bodyPr rtlCol="0" anchor="ctr"/>
+          <a:lstStyle/>
+          <a:p>
+            <a:pPr algn="ctr"/>
+            <a:r>
+              <a:rPr lang="en-US" altLang="ko-KR" sz="1100" b="1"/>
+              <a:t>serviceaccount-token</a:t>
+            </a:r>
+          </a:p>
+          <a:p>
+            <a:pPr algn="ctr"/>
+            <a:r>
+              <a:rPr lang="en-US" altLang="ko-KR" sz="1100"/>
+              <a:t>Controller</a:t>
+            </a:r>
+            <a:endParaRPr lang="ko-KR" altLang="en-US" sz="1100"/>
+          </a:p>
+        </p:txBody>
+      </p:sp>
+      <p:sp>
+        <p:nvSpPr>
+          <p:cNvPr id="65" name="사각형: 둥근 모서리 64">
+            <a:extLst>
+              <a:ext uri="{FF2B5EF4-FFF2-40B4-BE49-F238E27FC236}">
+                <a16:creationId xmlns:a16="http://schemas.microsoft.com/office/drawing/2014/main" id="{AB9D8FB2-BE66-43E6-B2EC-A45837F7664C}"/>
+              </a:ext>
+            </a:extLst>
+          </p:cNvPr>
+          <p:cNvSpPr/>
+          <p:nvPr/>
+        </p:nvSpPr>
+        <p:spPr>
+          <a:xfrm>
+            <a:off x="6292986" y="3417989"/>
+            <a:ext cx="2016224" cy="504056"/>
+          </a:xfrm>
+          <a:prstGeom prst="roundRect">
+            <a:avLst/>
+          </a:prstGeom>
+        </p:spPr>
+        <p:style>
+          <a:lnRef idx="2">
+            <a:schemeClr val="dk1"/>
+          </a:lnRef>
+          <a:fillRef idx="1">
+            <a:schemeClr val="lt1"/>
+          </a:fillRef>
+          <a:effectRef idx="0">
+            <a:schemeClr val="dk1"/>
+          </a:effectRef>
+          <a:fontRef idx="minor">
+            <a:schemeClr val="dk1"/>
+          </a:fontRef>
+        </p:style>
+        <p:txBody>
+          <a:bodyPr rtlCol="0" anchor="ctr"/>
+          <a:lstStyle/>
+          <a:p>
+            <a:pPr algn="ctr"/>
+            <a:r>
+              <a:rPr lang="en-US" altLang="ko-KR" sz="1200"/>
+              <a:t>kubelet</a:t>
+            </a:r>
+            <a:endParaRPr lang="ko-KR" altLang="en-US" sz="1200"/>
+          </a:p>
+        </p:txBody>
+      </p:sp>
+      <p:sp>
+        <p:nvSpPr>
+          <p:cNvPr id="66" name="사각형: 둥근 모서리 65">
+            <a:extLst>
+              <a:ext uri="{FF2B5EF4-FFF2-40B4-BE49-F238E27FC236}">
+                <a16:creationId xmlns:a16="http://schemas.microsoft.com/office/drawing/2014/main" id="{F50A3FF7-B2FB-462F-8CAC-6232200B42EA}"/>
+              </a:ext>
+            </a:extLst>
+          </p:cNvPr>
+          <p:cNvSpPr/>
+          <p:nvPr/>
+        </p:nvSpPr>
+        <p:spPr>
+          <a:xfrm>
+            <a:off x="6292986" y="2051400"/>
+            <a:ext cx="2016224" cy="663963"/>
+          </a:xfrm>
+          <a:prstGeom prst="roundRect">
+            <a:avLst/>
+          </a:prstGeom>
+        </p:spPr>
+        <p:style>
+          <a:lnRef idx="2">
+            <a:schemeClr val="dk1"/>
+          </a:lnRef>
+          <a:fillRef idx="1">
+            <a:schemeClr val="lt1"/>
+          </a:fillRef>
+          <a:effectRef idx="0">
+            <a:schemeClr val="dk1"/>
+          </a:effectRef>
+          <a:fontRef idx="minor">
+            <a:schemeClr val="dk1"/>
+          </a:fontRef>
+        </p:style>
+        <p:txBody>
+          <a:bodyPr rtlCol="0" anchor="b"/>
+          <a:lstStyle/>
+          <a:p>
+            <a:pPr algn="ctr"/>
+            <a:r>
+              <a:rPr lang="en-US" altLang="ko-KR" sz="1200"/>
+              <a:t>Pod</a:t>
+            </a:r>
+            <a:endParaRPr lang="ko-KR" altLang="en-US" sz="1200"/>
+          </a:p>
+        </p:txBody>
+      </p:sp>
+      <p:sp>
+        <p:nvSpPr>
+          <p:cNvPr id="67" name="사각형: 둥근 모서리 66">
+            <a:extLst>
+              <a:ext uri="{FF2B5EF4-FFF2-40B4-BE49-F238E27FC236}">
+                <a16:creationId xmlns:a16="http://schemas.microsoft.com/office/drawing/2014/main" id="{A83626D8-9CC6-4F27-90EE-1ABB64DA476E}"/>
+              </a:ext>
+            </a:extLst>
+          </p:cNvPr>
+          <p:cNvSpPr/>
+          <p:nvPr/>
+        </p:nvSpPr>
+        <p:spPr>
+          <a:xfrm>
+            <a:off x="3240341" y="4587974"/>
+            <a:ext cx="2016224" cy="504056"/>
+          </a:xfrm>
+          <a:prstGeom prst="roundRect">
+            <a:avLst/>
+          </a:prstGeom>
+        </p:spPr>
+        <p:style>
+          <a:lnRef idx="2">
+            <a:schemeClr val="dk1"/>
+          </a:lnRef>
+          <a:fillRef idx="1">
+            <a:schemeClr val="lt1"/>
+          </a:fillRef>
+          <a:effectRef idx="0">
+            <a:schemeClr val="dk1"/>
+          </a:effectRef>
+          <a:fontRef idx="minor">
+            <a:schemeClr val="dk1"/>
+          </a:fontRef>
+        </p:style>
+        <p:txBody>
+          <a:bodyPr rtlCol="0" anchor="ctr"/>
+          <a:lstStyle/>
+          <a:p>
+            <a:pPr algn="ctr"/>
+            <a:r>
+              <a:rPr lang="en-US" altLang="ko-KR" sz="1200"/>
+              <a:t>kubectl (k8s Client)</a:t>
+            </a:r>
+          </a:p>
+        </p:txBody>
+      </p:sp>
+      <p:cxnSp>
+        <p:nvCxnSpPr>
+          <p:cNvPr id="70" name="직선 화살표 연결선 69">
+            <a:extLst>
+              <a:ext uri="{FF2B5EF4-FFF2-40B4-BE49-F238E27FC236}">
+                <a16:creationId xmlns:a16="http://schemas.microsoft.com/office/drawing/2014/main" id="{52F9E773-9FDA-4A2E-935B-D41B20C3B31F}"/>
+              </a:ext>
+            </a:extLst>
+          </p:cNvPr>
+          <p:cNvCxnSpPr>
+            <a:cxnSpLocks/>
+          </p:cNvCxnSpPr>
+          <p:nvPr/>
+        </p:nvCxnSpPr>
+        <p:spPr>
+          <a:xfrm flipV="1">
+            <a:off x="3699461" y="3922045"/>
+            <a:ext cx="0" cy="665929"/>
+          </a:xfrm>
+          <a:prstGeom prst="straightConnector1">
+            <a:avLst/>
+          </a:prstGeom>
+          <a:ln w="19050">
+            <a:solidFill>
+              <a:schemeClr val="accent3">
+                <a:lumMod val="75000"/>
+              </a:schemeClr>
+            </a:solidFill>
+            <a:headEnd type="none" w="med" len="med"/>
+            <a:tailEnd type="arrow" w="med" len="med"/>
+          </a:ln>
+        </p:spPr>
+        <p:style>
+          <a:lnRef idx="1">
+            <a:schemeClr val="accent1"/>
+          </a:lnRef>
+          <a:fillRef idx="0">
+            <a:schemeClr val="accent1"/>
+          </a:fillRef>
+          <a:effectRef idx="0">
+            <a:schemeClr val="accent1"/>
+          </a:effectRef>
+          <a:fontRef idx="minor">
+            <a:schemeClr val="tx1"/>
+          </a:fontRef>
+        </p:style>
+      </p:cxnSp>
+      <p:sp>
+        <p:nvSpPr>
+          <p:cNvPr id="71" name="타원 70">
+            <a:extLst>
+              <a:ext uri="{FF2B5EF4-FFF2-40B4-BE49-F238E27FC236}">
+                <a16:creationId xmlns:a16="http://schemas.microsoft.com/office/drawing/2014/main" id="{68A2EDAC-80FE-4FC7-B882-6072AB8D05A2}"/>
+              </a:ext>
+            </a:extLst>
+          </p:cNvPr>
+          <p:cNvSpPr/>
+          <p:nvPr/>
+        </p:nvSpPr>
+        <p:spPr>
+          <a:xfrm>
+            <a:off x="3595414" y="4486440"/>
+            <a:ext cx="208094" cy="208094"/>
+          </a:xfrm>
+          <a:prstGeom prst="ellipse">
+            <a:avLst/>
+          </a:prstGeom>
+          <a:ln>
+            <a:solidFill>
+              <a:schemeClr val="accent3">
+                <a:lumMod val="75000"/>
+              </a:schemeClr>
+            </a:solidFill>
+          </a:ln>
+        </p:spPr>
+        <p:style>
+          <a:lnRef idx="2">
+            <a:schemeClr val="accent2"/>
+          </a:lnRef>
+          <a:fillRef idx="1">
+            <a:schemeClr val="lt1"/>
+          </a:fillRef>
+          <a:effectRef idx="0">
+            <a:schemeClr val="accent2"/>
+          </a:effectRef>
+          <a:fontRef idx="minor">
+            <a:schemeClr val="dk1"/>
+          </a:fontRef>
+        </p:style>
+        <p:txBody>
+          <a:bodyPr rtlCol="0" anchor="ctr"/>
+          <a:lstStyle/>
+          <a:p>
+            <a:pPr algn="ctr"/>
+            <a:r>
+              <a:rPr lang="en-US" altLang="ko-KR" sz="1100"/>
+              <a:t>1</a:t>
+            </a:r>
+            <a:endParaRPr lang="ko-KR" altLang="en-US" sz="1100"/>
+          </a:p>
+        </p:txBody>
+      </p:sp>
+      <p:sp>
+        <p:nvSpPr>
+          <p:cNvPr id="72" name="TextBox 71">
+            <a:extLst>
+              <a:ext uri="{FF2B5EF4-FFF2-40B4-BE49-F238E27FC236}">
+                <a16:creationId xmlns:a16="http://schemas.microsoft.com/office/drawing/2014/main" id="{25EBABF8-0598-4006-A530-A0478A4786DA}"/>
+              </a:ext>
+            </a:extLst>
+          </p:cNvPr>
+          <p:cNvSpPr txBox="1"/>
+          <p:nvPr/>
+        </p:nvSpPr>
+        <p:spPr>
+          <a:xfrm>
+            <a:off x="3024846" y="3916306"/>
+            <a:ext cx="660758" cy="707886"/>
+          </a:xfrm>
+          <a:prstGeom prst="rect">
+            <a:avLst/>
+          </a:prstGeom>
+          <a:noFill/>
+        </p:spPr>
+        <p:txBody>
+          <a:bodyPr wrap="none" rtlCol="0" anchor="ctr">
+            <a:spAutoFit/>
+          </a:bodyPr>
+          <a:lstStyle/>
+          <a:p>
+            <a:pPr algn="ctr"/>
+            <a:r>
+              <a:rPr lang="en-US" altLang="ko-KR" sz="1000">
+                <a:solidFill>
+                  <a:schemeClr val="accent3">
+                    <a:lumMod val="75000"/>
+                  </a:schemeClr>
+                </a:solidFill>
+              </a:rPr>
+              <a:t>Request</a:t>
+            </a:r>
+          </a:p>
+          <a:p>
+            <a:pPr algn="ctr"/>
+            <a:r>
+              <a:rPr lang="en-US" altLang="ko-KR" sz="1000">
+                <a:solidFill>
+                  <a:schemeClr val="accent3">
+                    <a:lumMod val="75000"/>
+                  </a:schemeClr>
+                </a:solidFill>
+              </a:rPr>
+              <a:t>Create</a:t>
+            </a:r>
+          </a:p>
+          <a:p>
+            <a:pPr algn="ctr"/>
+            <a:r>
+              <a:rPr lang="en-US" altLang="ko-KR" sz="1000">
+                <a:solidFill>
+                  <a:schemeClr val="accent3">
+                    <a:lumMod val="75000"/>
+                  </a:schemeClr>
+                </a:solidFill>
+              </a:rPr>
+              <a:t>Service</a:t>
+            </a:r>
+          </a:p>
+          <a:p>
+            <a:pPr algn="ctr"/>
+            <a:r>
+              <a:rPr lang="en-US" altLang="ko-KR" sz="1000">
+                <a:solidFill>
+                  <a:schemeClr val="accent3">
+                    <a:lumMod val="75000"/>
+                  </a:schemeClr>
+                </a:solidFill>
+              </a:rPr>
+              <a:t>Account</a:t>
+            </a:r>
+            <a:endParaRPr lang="ko-KR" altLang="en-US" sz="1000">
+              <a:solidFill>
+                <a:schemeClr val="accent3">
+                  <a:lumMod val="75000"/>
+                </a:schemeClr>
+              </a:solidFill>
+            </a:endParaRPr>
+          </a:p>
+        </p:txBody>
+      </p:sp>
+      <p:cxnSp>
+        <p:nvCxnSpPr>
+          <p:cNvPr id="74" name="직선 화살표 연결선 73">
+            <a:extLst>
+              <a:ext uri="{FF2B5EF4-FFF2-40B4-BE49-F238E27FC236}">
+                <a16:creationId xmlns:a16="http://schemas.microsoft.com/office/drawing/2014/main" id="{9183BF93-4CEC-4DA2-A605-7585B84E58BB}"/>
+              </a:ext>
+            </a:extLst>
+          </p:cNvPr>
+          <p:cNvCxnSpPr>
+            <a:cxnSpLocks/>
+            <a:stCxn id="67" idx="0"/>
+            <a:endCxn id="56" idx="2"/>
+          </p:cNvCxnSpPr>
+          <p:nvPr/>
+        </p:nvCxnSpPr>
+        <p:spPr>
+          <a:xfrm flipV="1">
+            <a:off x="4248453" y="3922045"/>
+            <a:ext cx="0" cy="665929"/>
+          </a:xfrm>
+          <a:prstGeom prst="straightConnector1">
+            <a:avLst/>
+          </a:prstGeom>
+          <a:ln w="19050">
+            <a:solidFill>
+              <a:srgbClr val="C00000"/>
+            </a:solidFill>
+            <a:headEnd type="none" w="med" len="med"/>
+            <a:tailEnd type="arrow" w="med" len="med"/>
+          </a:ln>
+        </p:spPr>
+        <p:style>
+          <a:lnRef idx="1">
+            <a:schemeClr val="accent1"/>
+          </a:lnRef>
+          <a:fillRef idx="0">
+            <a:schemeClr val="accent1"/>
+          </a:fillRef>
+          <a:effectRef idx="0">
+            <a:schemeClr val="accent1"/>
+          </a:effectRef>
+          <a:fontRef idx="minor">
+            <a:schemeClr val="tx1"/>
+          </a:fontRef>
+        </p:style>
+      </p:cxnSp>
+      <p:sp>
+        <p:nvSpPr>
+          <p:cNvPr id="75" name="타원 74">
+            <a:extLst>
+              <a:ext uri="{FF2B5EF4-FFF2-40B4-BE49-F238E27FC236}">
+                <a16:creationId xmlns:a16="http://schemas.microsoft.com/office/drawing/2014/main" id="{06A92FA1-1196-457E-9296-D1706CAE4055}"/>
+              </a:ext>
+            </a:extLst>
+          </p:cNvPr>
+          <p:cNvSpPr/>
+          <p:nvPr/>
+        </p:nvSpPr>
+        <p:spPr>
+          <a:xfrm>
+            <a:off x="4150305" y="4481414"/>
+            <a:ext cx="208094" cy="208094"/>
+          </a:xfrm>
+          <a:prstGeom prst="ellipse">
+            <a:avLst/>
+          </a:prstGeom>
+          <a:ln>
+            <a:solidFill>
+              <a:srgbClr val="C00000"/>
+            </a:solidFill>
+          </a:ln>
+        </p:spPr>
+        <p:style>
+          <a:lnRef idx="2">
+            <a:schemeClr val="accent2"/>
+          </a:lnRef>
+          <a:fillRef idx="1">
+            <a:schemeClr val="lt1"/>
+          </a:fillRef>
+          <a:effectRef idx="0">
+            <a:schemeClr val="accent2"/>
+          </a:effectRef>
+          <a:fontRef idx="minor">
+            <a:schemeClr val="dk1"/>
+          </a:fontRef>
+        </p:style>
+        <p:txBody>
+          <a:bodyPr rtlCol="0" anchor="ctr"/>
+          <a:lstStyle/>
+          <a:p>
+            <a:pPr algn="ctr"/>
+            <a:r>
+              <a:rPr lang="en-US" altLang="ko-KR" sz="1100"/>
+              <a:t>1</a:t>
+            </a:r>
+            <a:endParaRPr lang="ko-KR" altLang="en-US" sz="1100"/>
+          </a:p>
+        </p:txBody>
+      </p:sp>
+      <p:cxnSp>
+        <p:nvCxnSpPr>
+          <p:cNvPr id="76" name="직선 화살표 연결선 75">
+            <a:extLst>
+              <a:ext uri="{FF2B5EF4-FFF2-40B4-BE49-F238E27FC236}">
+                <a16:creationId xmlns:a16="http://schemas.microsoft.com/office/drawing/2014/main" id="{617AE5FA-E004-43B4-8C84-92E925ED1CC5}"/>
+              </a:ext>
+            </a:extLst>
+          </p:cNvPr>
+          <p:cNvCxnSpPr>
+            <a:cxnSpLocks/>
+          </p:cNvCxnSpPr>
+          <p:nvPr/>
+        </p:nvCxnSpPr>
+        <p:spPr>
+          <a:xfrm flipV="1">
+            <a:off x="4427984" y="2571750"/>
+            <a:ext cx="0" cy="846239"/>
+          </a:xfrm>
+          <a:prstGeom prst="straightConnector1">
+            <a:avLst/>
+          </a:prstGeom>
+          <a:ln w="19050">
+            <a:solidFill>
+              <a:srgbClr val="C00000"/>
+            </a:solidFill>
+            <a:headEnd type="arrow" w="med" len="med"/>
+            <a:tailEnd type="none" w="med" len="med"/>
+          </a:ln>
+        </p:spPr>
+        <p:style>
+          <a:lnRef idx="1">
+            <a:schemeClr val="accent1"/>
+          </a:lnRef>
+          <a:fillRef idx="0">
+            <a:schemeClr val="accent1"/>
+          </a:fillRef>
+          <a:effectRef idx="0">
+            <a:schemeClr val="accent1"/>
+          </a:effectRef>
+          <a:fontRef idx="minor">
+            <a:schemeClr val="tx1"/>
+          </a:fontRef>
+        </p:style>
+      </p:cxnSp>
+      <p:cxnSp>
+        <p:nvCxnSpPr>
+          <p:cNvPr id="77" name="직선 화살표 연결선 76">
+            <a:extLst>
+              <a:ext uri="{FF2B5EF4-FFF2-40B4-BE49-F238E27FC236}">
+                <a16:creationId xmlns:a16="http://schemas.microsoft.com/office/drawing/2014/main" id="{A0AA02E3-CA5C-4FB3-AA81-41118C0D1DE2}"/>
+              </a:ext>
+            </a:extLst>
+          </p:cNvPr>
+          <p:cNvCxnSpPr>
+            <a:cxnSpLocks/>
+          </p:cNvCxnSpPr>
+          <p:nvPr/>
+        </p:nvCxnSpPr>
+        <p:spPr>
+          <a:xfrm flipV="1">
+            <a:off x="4067944" y="2571750"/>
+            <a:ext cx="0" cy="846239"/>
+          </a:xfrm>
+          <a:prstGeom prst="straightConnector1">
+            <a:avLst/>
+          </a:prstGeom>
+          <a:ln w="19050">
+            <a:solidFill>
+              <a:srgbClr val="C00000"/>
+            </a:solidFill>
+            <a:headEnd type="none" w="med" len="med"/>
+            <a:tailEnd type="arrow" w="med" len="med"/>
+          </a:ln>
+        </p:spPr>
+        <p:style>
+          <a:lnRef idx="1">
+            <a:schemeClr val="accent1"/>
+          </a:lnRef>
+          <a:fillRef idx="0">
+            <a:schemeClr val="accent1"/>
+          </a:fillRef>
+          <a:effectRef idx="0">
+            <a:schemeClr val="accent1"/>
+          </a:effectRef>
+          <a:fontRef idx="minor">
+            <a:schemeClr val="tx1"/>
+          </a:fontRef>
+        </p:style>
+      </p:cxnSp>
+      <p:sp>
+        <p:nvSpPr>
+          <p:cNvPr id="79" name="타원 78">
+            <a:extLst>
+              <a:ext uri="{FF2B5EF4-FFF2-40B4-BE49-F238E27FC236}">
+                <a16:creationId xmlns:a16="http://schemas.microsoft.com/office/drawing/2014/main" id="{88FC27C3-6EE6-416B-BD87-BDEEA7A3E681}"/>
+              </a:ext>
+            </a:extLst>
+          </p:cNvPr>
+          <p:cNvSpPr/>
+          <p:nvPr/>
+        </p:nvSpPr>
+        <p:spPr>
+          <a:xfrm>
+            <a:off x="3958175" y="3309560"/>
+            <a:ext cx="208094" cy="208094"/>
+          </a:xfrm>
+          <a:prstGeom prst="ellipse">
+            <a:avLst/>
+          </a:prstGeom>
+          <a:ln>
+            <a:solidFill>
+              <a:srgbClr val="C00000"/>
+            </a:solidFill>
+          </a:ln>
+        </p:spPr>
+        <p:style>
+          <a:lnRef idx="2">
+            <a:schemeClr val="accent2"/>
+          </a:lnRef>
+          <a:fillRef idx="1">
+            <a:schemeClr val="lt1"/>
+          </a:fillRef>
+          <a:effectRef idx="0">
+            <a:schemeClr val="accent2"/>
+          </a:effectRef>
+          <a:fontRef idx="minor">
+            <a:schemeClr val="dk1"/>
+          </a:fontRef>
+        </p:style>
+        <p:txBody>
+          <a:bodyPr rtlCol="0" anchor="ctr"/>
+          <a:lstStyle/>
+          <a:p>
+            <a:pPr algn="ctr"/>
+            <a:r>
+              <a:rPr lang="en-US" altLang="ko-KR" sz="1100"/>
+              <a:t>2</a:t>
+            </a:r>
+            <a:endParaRPr lang="ko-KR" altLang="en-US" sz="1100"/>
+          </a:p>
+        </p:txBody>
+      </p:sp>
+      <p:sp>
+        <p:nvSpPr>
+          <p:cNvPr id="81" name="타원 80">
+            <a:extLst>
+              <a:ext uri="{FF2B5EF4-FFF2-40B4-BE49-F238E27FC236}">
+                <a16:creationId xmlns:a16="http://schemas.microsoft.com/office/drawing/2014/main" id="{B1ED6542-60DA-4954-81AF-AFFF6FC12401}"/>
+              </a:ext>
+            </a:extLst>
+          </p:cNvPr>
+          <p:cNvSpPr/>
+          <p:nvPr/>
+        </p:nvSpPr>
+        <p:spPr>
+          <a:xfrm>
+            <a:off x="4323937" y="2463321"/>
+            <a:ext cx="208094" cy="208094"/>
+          </a:xfrm>
+          <a:prstGeom prst="ellipse">
+            <a:avLst/>
+          </a:prstGeom>
+          <a:ln>
+            <a:solidFill>
+              <a:srgbClr val="C00000"/>
+            </a:solidFill>
+          </a:ln>
+        </p:spPr>
+        <p:style>
+          <a:lnRef idx="2">
+            <a:schemeClr val="accent2"/>
+          </a:lnRef>
+          <a:fillRef idx="1">
+            <a:schemeClr val="lt1"/>
+          </a:fillRef>
+          <a:effectRef idx="0">
+            <a:schemeClr val="accent2"/>
+          </a:effectRef>
+          <a:fontRef idx="minor">
+            <a:schemeClr val="dk1"/>
+          </a:fontRef>
+        </p:style>
+        <p:txBody>
+          <a:bodyPr rtlCol="0" anchor="ctr"/>
+          <a:lstStyle/>
+          <a:p>
+            <a:pPr algn="ctr"/>
+            <a:r>
+              <a:rPr lang="en-US" altLang="ko-KR" sz="1100"/>
+              <a:t>3</a:t>
+            </a:r>
+            <a:endParaRPr lang="ko-KR" altLang="en-US" sz="1100"/>
+          </a:p>
+        </p:txBody>
+      </p:sp>
+      <p:sp>
+        <p:nvSpPr>
+          <p:cNvPr id="82" name="TextBox 81">
+            <a:extLst>
+              <a:ext uri="{FF2B5EF4-FFF2-40B4-BE49-F238E27FC236}">
+                <a16:creationId xmlns:a16="http://schemas.microsoft.com/office/drawing/2014/main" id="{B98B92B5-2833-41D8-8B04-ED673EEB9865}"/>
+              </a:ext>
+            </a:extLst>
+          </p:cNvPr>
+          <p:cNvSpPr txBox="1"/>
+          <p:nvPr/>
+        </p:nvSpPr>
+        <p:spPr>
+          <a:xfrm>
+            <a:off x="3455768" y="2678310"/>
+            <a:ext cx="652743" cy="553998"/>
+          </a:xfrm>
+          <a:prstGeom prst="rect">
+            <a:avLst/>
+          </a:prstGeom>
+          <a:noFill/>
+        </p:spPr>
+        <p:txBody>
+          <a:bodyPr wrap="none" rtlCol="0" anchor="ctr">
+            <a:spAutoFit/>
+          </a:bodyPr>
+          <a:lstStyle/>
+          <a:p>
+            <a:pPr algn="ctr"/>
+            <a:r>
+              <a:rPr lang="en-US" altLang="ko-KR" sz="1000">
+                <a:solidFill>
+                  <a:srgbClr val="C00000"/>
+                </a:solidFill>
+              </a:rPr>
+              <a:t>Request</a:t>
+            </a:r>
+          </a:p>
+          <a:p>
+            <a:pPr algn="ctr"/>
+            <a:r>
+              <a:rPr lang="en-US" altLang="ko-KR" sz="1000">
+                <a:solidFill>
+                  <a:srgbClr val="C00000"/>
+                </a:solidFill>
+              </a:rPr>
+              <a:t>Create</a:t>
+            </a:r>
+          </a:p>
+          <a:p>
+            <a:pPr algn="ctr"/>
+            <a:r>
+              <a:rPr lang="en-US" altLang="ko-KR" sz="1000">
+                <a:solidFill>
+                  <a:srgbClr val="C00000"/>
+                </a:solidFill>
+              </a:rPr>
+              <a:t>Pod</a:t>
+            </a:r>
+            <a:endParaRPr lang="ko-KR" altLang="en-US" sz="1000">
+              <a:solidFill>
+                <a:srgbClr val="C00000"/>
+              </a:solidFill>
+            </a:endParaRPr>
+          </a:p>
+        </p:txBody>
+      </p:sp>
+      <p:sp>
+        <p:nvSpPr>
+          <p:cNvPr id="83" name="TextBox 82">
+            <a:extLst>
+              <a:ext uri="{FF2B5EF4-FFF2-40B4-BE49-F238E27FC236}">
+                <a16:creationId xmlns:a16="http://schemas.microsoft.com/office/drawing/2014/main" id="{D045A945-FF71-4C47-8F7D-14AF5770C08B}"/>
+              </a:ext>
+            </a:extLst>
+          </p:cNvPr>
+          <p:cNvSpPr txBox="1"/>
+          <p:nvPr/>
+        </p:nvSpPr>
+        <p:spPr>
+          <a:xfrm>
+            <a:off x="4386671" y="2717870"/>
+            <a:ext cx="950902" cy="553998"/>
+          </a:xfrm>
+          <a:prstGeom prst="rect">
+            <a:avLst/>
+          </a:prstGeom>
+          <a:noFill/>
+        </p:spPr>
+        <p:txBody>
+          <a:bodyPr wrap="none" rtlCol="0" anchor="ctr">
+            <a:spAutoFit/>
+          </a:bodyPr>
+          <a:lstStyle/>
+          <a:p>
+            <a:pPr algn="ctr"/>
+            <a:r>
+              <a:rPr lang="en-US" altLang="ko-KR" sz="1000">
+                <a:solidFill>
+                  <a:srgbClr val="C00000"/>
+                </a:solidFill>
+              </a:rPr>
+              <a:t>Request</a:t>
+            </a:r>
+          </a:p>
+          <a:p>
+            <a:pPr algn="ctr"/>
+            <a:r>
+              <a:rPr lang="en-US" altLang="ko-KR" sz="1000">
+                <a:solidFill>
+                  <a:srgbClr val="C00000"/>
+                </a:solidFill>
+              </a:rPr>
+              <a:t>Create</a:t>
+            </a:r>
+          </a:p>
+          <a:p>
+            <a:pPr algn="ctr"/>
+            <a:r>
+              <a:rPr lang="en-US" altLang="ko-KR" sz="1000">
+                <a:solidFill>
+                  <a:srgbClr val="C00000"/>
+                </a:solidFill>
+              </a:rPr>
+              <a:t>Mutated Pod</a:t>
+            </a:r>
+            <a:endParaRPr lang="ko-KR" altLang="en-US" sz="1000">
+              <a:solidFill>
+                <a:srgbClr val="C00000"/>
+              </a:solidFill>
+            </a:endParaRPr>
+          </a:p>
+        </p:txBody>
+      </p:sp>
+      <p:cxnSp>
+        <p:nvCxnSpPr>
+          <p:cNvPr id="84" name="직선 화살표 연결선 83">
+            <a:extLst>
+              <a:ext uri="{FF2B5EF4-FFF2-40B4-BE49-F238E27FC236}">
+                <a16:creationId xmlns:a16="http://schemas.microsoft.com/office/drawing/2014/main" id="{28EAF5A8-C60E-40F7-94C8-8F58DAD6DF0D}"/>
+              </a:ext>
+            </a:extLst>
+          </p:cNvPr>
+          <p:cNvCxnSpPr>
+            <a:cxnSpLocks/>
+          </p:cNvCxnSpPr>
+          <p:nvPr/>
+        </p:nvCxnSpPr>
+        <p:spPr>
+          <a:xfrm flipH="1">
+            <a:off x="5256567" y="3470359"/>
+            <a:ext cx="1036419" cy="0"/>
+          </a:xfrm>
+          <a:prstGeom prst="straightConnector1">
+            <a:avLst/>
+          </a:prstGeom>
+          <a:ln w="19050">
+            <a:solidFill>
+              <a:srgbClr val="C00000"/>
+            </a:solidFill>
+            <a:headEnd type="arrow" w="med" len="med"/>
+            <a:tailEnd type="none" w="med" len="med"/>
+          </a:ln>
+        </p:spPr>
+        <p:style>
+          <a:lnRef idx="1">
+            <a:schemeClr val="accent1"/>
+          </a:lnRef>
+          <a:fillRef idx="0">
+            <a:schemeClr val="accent1"/>
+          </a:fillRef>
+          <a:effectRef idx="0">
+            <a:schemeClr val="accent1"/>
+          </a:effectRef>
+          <a:fontRef idx="minor">
+            <a:schemeClr val="tx1"/>
+          </a:fontRef>
+        </p:style>
+      </p:cxnSp>
+      <p:sp>
+        <p:nvSpPr>
+          <p:cNvPr id="93" name="타원 92">
+            <a:extLst>
+              <a:ext uri="{FF2B5EF4-FFF2-40B4-BE49-F238E27FC236}">
+                <a16:creationId xmlns:a16="http://schemas.microsoft.com/office/drawing/2014/main" id="{FF2E83FC-E21A-4B8E-ACB2-8C2262D7A51C}"/>
+              </a:ext>
+            </a:extLst>
+          </p:cNvPr>
+          <p:cNvSpPr/>
+          <p:nvPr/>
+        </p:nvSpPr>
+        <p:spPr>
+          <a:xfrm>
+            <a:off x="5137502" y="3371768"/>
+            <a:ext cx="208094" cy="208094"/>
+          </a:xfrm>
+          <a:prstGeom prst="ellipse">
+            <a:avLst/>
+          </a:prstGeom>
+          <a:ln>
+            <a:solidFill>
+              <a:srgbClr val="C00000"/>
+            </a:solidFill>
+          </a:ln>
+        </p:spPr>
+        <p:style>
+          <a:lnRef idx="2">
+            <a:schemeClr val="accent2"/>
+          </a:lnRef>
+          <a:fillRef idx="1">
+            <a:schemeClr val="lt1"/>
+          </a:fillRef>
+          <a:effectRef idx="0">
+            <a:schemeClr val="accent2"/>
+          </a:effectRef>
+          <a:fontRef idx="minor">
+            <a:schemeClr val="dk1"/>
+          </a:fontRef>
+        </p:style>
+        <p:txBody>
+          <a:bodyPr rtlCol="0" anchor="ctr"/>
+          <a:lstStyle/>
+          <a:p>
+            <a:pPr algn="ctr"/>
+            <a:r>
+              <a:rPr lang="en-US" altLang="ko-KR" sz="1100"/>
+              <a:t>4</a:t>
+            </a:r>
+            <a:endParaRPr lang="ko-KR" altLang="en-US" sz="1100"/>
+          </a:p>
+        </p:txBody>
+      </p:sp>
+      <p:cxnSp>
+        <p:nvCxnSpPr>
+          <p:cNvPr id="95" name="직선 화살표 연결선 94">
+            <a:extLst>
+              <a:ext uri="{FF2B5EF4-FFF2-40B4-BE49-F238E27FC236}">
+                <a16:creationId xmlns:a16="http://schemas.microsoft.com/office/drawing/2014/main" id="{E68AA666-0964-483D-8949-4F48C39CAF63}"/>
+              </a:ext>
+            </a:extLst>
+          </p:cNvPr>
+          <p:cNvCxnSpPr>
+            <a:cxnSpLocks/>
+            <a:stCxn id="66" idx="2"/>
+            <a:endCxn id="65" idx="0"/>
+          </p:cNvCxnSpPr>
+          <p:nvPr/>
+        </p:nvCxnSpPr>
+        <p:spPr>
+          <a:xfrm>
+            <a:off x="7301098" y="2715363"/>
+            <a:ext cx="0" cy="702626"/>
+          </a:xfrm>
+          <a:prstGeom prst="straightConnector1">
+            <a:avLst/>
+          </a:prstGeom>
+          <a:ln w="19050">
+            <a:solidFill>
+              <a:srgbClr val="C00000"/>
+            </a:solidFill>
+            <a:headEnd type="arrow" w="med" len="med"/>
+            <a:tailEnd type="none" w="med" len="med"/>
+          </a:ln>
+        </p:spPr>
+        <p:style>
+          <a:lnRef idx="1">
+            <a:schemeClr val="accent1"/>
+          </a:lnRef>
+          <a:fillRef idx="0">
+            <a:schemeClr val="accent1"/>
+          </a:fillRef>
+          <a:effectRef idx="0">
+            <a:schemeClr val="accent1"/>
+          </a:effectRef>
+          <a:fontRef idx="minor">
+            <a:schemeClr val="tx1"/>
+          </a:fontRef>
+        </p:style>
+      </p:cxnSp>
+      <p:cxnSp>
+        <p:nvCxnSpPr>
+          <p:cNvPr id="96" name="직선 화살표 연결선 95">
+            <a:extLst>
+              <a:ext uri="{FF2B5EF4-FFF2-40B4-BE49-F238E27FC236}">
+                <a16:creationId xmlns:a16="http://schemas.microsoft.com/office/drawing/2014/main" id="{3DFA7201-E3B5-49D1-B65F-1ABC5EFDFCA6}"/>
+              </a:ext>
+            </a:extLst>
+          </p:cNvPr>
+          <p:cNvCxnSpPr>
+            <a:cxnSpLocks/>
+          </p:cNvCxnSpPr>
+          <p:nvPr/>
+        </p:nvCxnSpPr>
+        <p:spPr>
+          <a:xfrm flipH="1" flipV="1">
+            <a:off x="5004048" y="1419622"/>
+            <a:ext cx="2044533" cy="631778"/>
+          </a:xfrm>
+          <a:prstGeom prst="straightConnector1">
+            <a:avLst/>
+          </a:prstGeom>
+          <a:ln w="19050">
+            <a:solidFill>
+              <a:schemeClr val="tx2"/>
+            </a:solidFill>
+            <a:headEnd type="none" w="med" len="med"/>
+            <a:tailEnd type="arrow" w="med" len="med"/>
+          </a:ln>
+        </p:spPr>
+        <p:style>
+          <a:lnRef idx="1">
+            <a:schemeClr val="accent1"/>
+          </a:lnRef>
+          <a:fillRef idx="0">
+            <a:schemeClr val="accent1"/>
+          </a:fillRef>
+          <a:effectRef idx="0">
+            <a:schemeClr val="accent1"/>
+          </a:effectRef>
+          <a:fontRef idx="minor">
+            <a:schemeClr val="tx1"/>
+          </a:fontRef>
+        </p:style>
+      </p:cxnSp>
+      <p:cxnSp>
+        <p:nvCxnSpPr>
+          <p:cNvPr id="98" name="직선 화살표 연결선 97">
+            <a:extLst>
+              <a:ext uri="{FF2B5EF4-FFF2-40B4-BE49-F238E27FC236}">
+                <a16:creationId xmlns:a16="http://schemas.microsoft.com/office/drawing/2014/main" id="{8C531752-C3E2-4741-8EB6-DCC5E0042A5F}"/>
+              </a:ext>
+            </a:extLst>
+          </p:cNvPr>
+          <p:cNvCxnSpPr>
+            <a:cxnSpLocks/>
+            <a:stCxn id="57" idx="2"/>
+            <a:endCxn id="66" idx="0"/>
+          </p:cNvCxnSpPr>
+          <p:nvPr/>
+        </p:nvCxnSpPr>
+        <p:spPr>
+          <a:xfrm>
+            <a:off x="5400581" y="1419622"/>
+            <a:ext cx="1900517" cy="631778"/>
+          </a:xfrm>
+          <a:prstGeom prst="straightConnector1">
+            <a:avLst/>
+          </a:prstGeom>
+          <a:ln w="19050">
+            <a:solidFill>
+              <a:schemeClr val="tx2"/>
+            </a:solidFill>
+            <a:headEnd type="none" w="med" len="med"/>
+            <a:tailEnd type="arrow" w="med" len="med"/>
+          </a:ln>
+        </p:spPr>
+        <p:style>
+          <a:lnRef idx="1">
+            <a:schemeClr val="accent1"/>
+          </a:lnRef>
+          <a:fillRef idx="0">
+            <a:schemeClr val="accent1"/>
+          </a:fillRef>
+          <a:effectRef idx="0">
+            <a:schemeClr val="accent1"/>
+          </a:effectRef>
+          <a:fontRef idx="minor">
+            <a:schemeClr val="tx1"/>
+          </a:fontRef>
+        </p:style>
+      </p:cxnSp>
+      <p:sp>
+        <p:nvSpPr>
+          <p:cNvPr id="100" name="타원 99">
+            <a:extLst>
+              <a:ext uri="{FF2B5EF4-FFF2-40B4-BE49-F238E27FC236}">
+                <a16:creationId xmlns:a16="http://schemas.microsoft.com/office/drawing/2014/main" id="{F4E99537-40FF-4B90-BB3D-A60A963AD5C0}"/>
+              </a:ext>
+            </a:extLst>
+          </p:cNvPr>
+          <p:cNvSpPr/>
+          <p:nvPr/>
+        </p:nvSpPr>
+        <p:spPr>
+          <a:xfrm>
+            <a:off x="5323896" y="1306786"/>
+            <a:ext cx="208094" cy="208094"/>
+          </a:xfrm>
+          <a:prstGeom prst="ellipse">
+            <a:avLst/>
+          </a:prstGeom>
+          <a:ln>
+            <a:solidFill>
+              <a:srgbClr val="002060"/>
+            </a:solidFill>
+          </a:ln>
+        </p:spPr>
+        <p:style>
+          <a:lnRef idx="2">
+            <a:schemeClr val="accent2"/>
+          </a:lnRef>
+          <a:fillRef idx="1">
+            <a:schemeClr val="lt1"/>
+          </a:fillRef>
+          <a:effectRef idx="0">
+            <a:schemeClr val="accent2"/>
+          </a:effectRef>
+          <a:fontRef idx="minor">
+            <a:schemeClr val="dk1"/>
+          </a:fontRef>
+        </p:style>
+        <p:txBody>
+          <a:bodyPr rtlCol="0" anchor="ctr"/>
+          <a:lstStyle/>
+          <a:p>
+            <a:pPr algn="ctr"/>
+            <a:r>
+              <a:rPr lang="en-US" altLang="ko-KR" sz="1100"/>
+              <a:t>3</a:t>
+            </a:r>
+            <a:endParaRPr lang="ko-KR" altLang="en-US" sz="1100"/>
+          </a:p>
+        </p:txBody>
+      </p:sp>
+      <p:cxnSp>
+        <p:nvCxnSpPr>
+          <p:cNvPr id="102" name="직선 화살표 연결선 101">
+            <a:extLst>
+              <a:ext uri="{FF2B5EF4-FFF2-40B4-BE49-F238E27FC236}">
+                <a16:creationId xmlns:a16="http://schemas.microsoft.com/office/drawing/2014/main" id="{5BA71101-B25B-4AEC-B6E1-2F533E214A03}"/>
+              </a:ext>
+            </a:extLst>
+          </p:cNvPr>
+          <p:cNvCxnSpPr>
+            <a:cxnSpLocks/>
+            <a:stCxn id="66" idx="0"/>
+            <a:endCxn id="58" idx="2"/>
+          </p:cNvCxnSpPr>
+          <p:nvPr/>
+        </p:nvCxnSpPr>
+        <p:spPr>
+          <a:xfrm flipV="1">
+            <a:off x="7301098" y="1422592"/>
+            <a:ext cx="488233" cy="628808"/>
+          </a:xfrm>
+          <a:prstGeom prst="straightConnector1">
+            <a:avLst/>
+          </a:prstGeom>
+          <a:ln w="19050">
+            <a:solidFill>
+              <a:schemeClr val="tx2"/>
+            </a:solidFill>
+            <a:headEnd type="none" w="med" len="med"/>
+            <a:tailEnd type="arrow" w="med" len="med"/>
+          </a:ln>
+        </p:spPr>
+        <p:style>
+          <a:lnRef idx="1">
+            <a:schemeClr val="accent1"/>
+          </a:lnRef>
+          <a:fillRef idx="0">
+            <a:schemeClr val="accent1"/>
+          </a:fillRef>
+          <a:effectRef idx="0">
+            <a:schemeClr val="accent1"/>
+          </a:effectRef>
+          <a:fontRef idx="minor">
+            <a:schemeClr val="tx1"/>
+          </a:fontRef>
+        </p:style>
+      </p:cxnSp>
+      <p:sp>
+        <p:nvSpPr>
+          <p:cNvPr id="103" name="타원 102">
+            <a:extLst>
+              <a:ext uri="{FF2B5EF4-FFF2-40B4-BE49-F238E27FC236}">
+                <a16:creationId xmlns:a16="http://schemas.microsoft.com/office/drawing/2014/main" id="{F3167E06-D7D9-4850-85D9-0C617B18F2AA}"/>
+              </a:ext>
+            </a:extLst>
+          </p:cNvPr>
+          <p:cNvSpPr/>
+          <p:nvPr/>
+        </p:nvSpPr>
+        <p:spPr>
+          <a:xfrm>
+            <a:off x="7316234" y="1779662"/>
+            <a:ext cx="208094" cy="208094"/>
+          </a:xfrm>
+          <a:prstGeom prst="ellipse">
+            <a:avLst/>
+          </a:prstGeom>
+          <a:ln>
+            <a:solidFill>
+              <a:srgbClr val="002060"/>
+            </a:solidFill>
+          </a:ln>
+        </p:spPr>
+        <p:style>
+          <a:lnRef idx="2">
+            <a:schemeClr val="accent2"/>
+          </a:lnRef>
+          <a:fillRef idx="1">
+            <a:schemeClr val="lt1"/>
+          </a:fillRef>
+          <a:effectRef idx="0">
+            <a:schemeClr val="accent2"/>
+          </a:effectRef>
+          <a:fontRef idx="minor">
+            <a:schemeClr val="dk1"/>
+          </a:fontRef>
+        </p:style>
+        <p:txBody>
+          <a:bodyPr rtlCol="0" anchor="ctr"/>
+          <a:lstStyle/>
+          <a:p>
+            <a:pPr algn="ctr"/>
+            <a:r>
+              <a:rPr lang="en-US" altLang="ko-KR" sz="1100"/>
+              <a:t>4</a:t>
+            </a:r>
+            <a:endParaRPr lang="ko-KR" altLang="en-US" sz="1100"/>
+          </a:p>
+        </p:txBody>
+      </p:sp>
+      <p:sp>
+        <p:nvSpPr>
+          <p:cNvPr id="106" name="사각형: 둥근 모서리 105">
+            <a:extLst>
+              <a:ext uri="{FF2B5EF4-FFF2-40B4-BE49-F238E27FC236}">
+                <a16:creationId xmlns:a16="http://schemas.microsoft.com/office/drawing/2014/main" id="{E699AFBD-CFBA-4CEE-B82C-BB02505CBE39}"/>
+              </a:ext>
+            </a:extLst>
+          </p:cNvPr>
+          <p:cNvSpPr/>
+          <p:nvPr/>
+        </p:nvSpPr>
+        <p:spPr>
+          <a:xfrm>
+            <a:off x="6372200" y="2131583"/>
+            <a:ext cx="1862084" cy="287573"/>
+          </a:xfrm>
+          <a:prstGeom prst="roundRect">
+            <a:avLst>
+              <a:gd name="adj" fmla="val 15988"/>
+            </a:avLst>
+          </a:prstGeom>
+        </p:spPr>
+        <p:style>
+          <a:lnRef idx="2">
+            <a:schemeClr val="dk1"/>
+          </a:lnRef>
+          <a:fillRef idx="1">
+            <a:schemeClr val="lt1"/>
+          </a:fillRef>
+          <a:effectRef idx="0">
+            <a:schemeClr val="dk1"/>
+          </a:effectRef>
+          <a:fontRef idx="minor">
+            <a:schemeClr val="dk1"/>
+          </a:fontRef>
+        </p:style>
+        <p:txBody>
+          <a:bodyPr rtlCol="0" anchor="ctr"/>
+          <a:lstStyle/>
+          <a:p>
+            <a:pPr algn="ctr"/>
+            <a:r>
+              <a:rPr lang="en-US" altLang="ko-KR" sz="1100" b="1"/>
+              <a:t>AWS SA Token</a:t>
+            </a:r>
+            <a:endParaRPr lang="ko-KR" altLang="en-US" sz="1100" b="1"/>
+          </a:p>
+        </p:txBody>
+      </p:sp>
+      <p:sp>
+        <p:nvSpPr>
+          <p:cNvPr id="99" name="타원 98">
+            <a:extLst>
+              <a:ext uri="{FF2B5EF4-FFF2-40B4-BE49-F238E27FC236}">
+                <a16:creationId xmlns:a16="http://schemas.microsoft.com/office/drawing/2014/main" id="{2C9551E3-6696-4F62-998F-CE014C2403F9}"/>
+              </a:ext>
+            </a:extLst>
+          </p:cNvPr>
+          <p:cNvSpPr/>
+          <p:nvPr/>
+        </p:nvSpPr>
+        <p:spPr>
+          <a:xfrm>
+            <a:off x="6804248" y="1952032"/>
+            <a:ext cx="208094" cy="208094"/>
+          </a:xfrm>
+          <a:prstGeom prst="ellipse">
+            <a:avLst/>
+          </a:prstGeom>
+          <a:ln>
+            <a:solidFill>
+              <a:srgbClr val="002060"/>
+            </a:solidFill>
+          </a:ln>
+        </p:spPr>
+        <p:style>
+          <a:lnRef idx="2">
+            <a:schemeClr val="accent2"/>
+          </a:lnRef>
+          <a:fillRef idx="1">
+            <a:schemeClr val="lt1"/>
+          </a:fillRef>
+          <a:effectRef idx="0">
+            <a:schemeClr val="accent2"/>
+          </a:effectRef>
+          <a:fontRef idx="minor">
+            <a:schemeClr val="dk1"/>
+          </a:fontRef>
+        </p:style>
+        <p:txBody>
+          <a:bodyPr rtlCol="0" anchor="ctr"/>
+          <a:lstStyle/>
+          <a:p>
+            <a:pPr algn="ctr"/>
+            <a:r>
+              <a:rPr lang="en-US" altLang="ko-KR" sz="1100"/>
+              <a:t>1</a:t>
+            </a:r>
+            <a:endParaRPr lang="ko-KR" altLang="en-US" sz="1100"/>
+          </a:p>
+        </p:txBody>
+      </p:sp>
+      <p:sp>
+        <p:nvSpPr>
+          <p:cNvPr id="113" name="TextBox 112">
+            <a:extLst>
+              <a:ext uri="{FF2B5EF4-FFF2-40B4-BE49-F238E27FC236}">
+                <a16:creationId xmlns:a16="http://schemas.microsoft.com/office/drawing/2014/main" id="{2B10E519-9CB1-4CC9-AE88-42A70E172D3B}"/>
+              </a:ext>
+            </a:extLst>
+          </p:cNvPr>
+          <p:cNvSpPr txBox="1"/>
+          <p:nvPr/>
+        </p:nvSpPr>
+        <p:spPr>
+          <a:xfrm>
+            <a:off x="5295725" y="2910462"/>
+            <a:ext cx="950902" cy="553998"/>
+          </a:xfrm>
+          <a:prstGeom prst="rect">
+            <a:avLst/>
+          </a:prstGeom>
+          <a:noFill/>
+        </p:spPr>
+        <p:txBody>
+          <a:bodyPr wrap="none" rtlCol="0" anchor="ctr">
+            <a:spAutoFit/>
+          </a:bodyPr>
+          <a:lstStyle/>
+          <a:p>
+            <a:pPr algn="ctr"/>
+            <a:r>
+              <a:rPr lang="en-US" altLang="ko-KR" sz="1000">
+                <a:solidFill>
+                  <a:srgbClr val="C00000"/>
+                </a:solidFill>
+              </a:rPr>
+              <a:t>Request</a:t>
+            </a:r>
+          </a:p>
+          <a:p>
+            <a:pPr algn="ctr"/>
+            <a:r>
+              <a:rPr lang="en-US" altLang="ko-KR" sz="1000">
+                <a:solidFill>
+                  <a:srgbClr val="C00000"/>
+                </a:solidFill>
+              </a:rPr>
+              <a:t>Create</a:t>
+            </a:r>
+          </a:p>
+          <a:p>
+            <a:pPr algn="ctr"/>
+            <a:r>
+              <a:rPr lang="en-US" altLang="ko-KR" sz="1000">
+                <a:solidFill>
+                  <a:srgbClr val="C00000"/>
+                </a:solidFill>
+              </a:rPr>
+              <a:t>Mutated Pod</a:t>
+            </a:r>
+            <a:endParaRPr lang="ko-KR" altLang="en-US" sz="1000">
+              <a:solidFill>
+                <a:srgbClr val="C00000"/>
+              </a:solidFill>
+            </a:endParaRPr>
+          </a:p>
+        </p:txBody>
+      </p:sp>
+      <p:sp>
+        <p:nvSpPr>
+          <p:cNvPr id="119" name="타원 118">
+            <a:extLst>
+              <a:ext uri="{FF2B5EF4-FFF2-40B4-BE49-F238E27FC236}">
+                <a16:creationId xmlns:a16="http://schemas.microsoft.com/office/drawing/2014/main" id="{5C471B6A-AD3C-4C5F-A004-0D13CB18A4E9}"/>
+              </a:ext>
+            </a:extLst>
+          </p:cNvPr>
+          <p:cNvSpPr/>
+          <p:nvPr/>
+        </p:nvSpPr>
+        <p:spPr>
+          <a:xfrm>
+            <a:off x="7197051" y="3309560"/>
+            <a:ext cx="208094" cy="208094"/>
+          </a:xfrm>
+          <a:prstGeom prst="ellipse">
+            <a:avLst/>
+          </a:prstGeom>
+          <a:ln>
+            <a:solidFill>
+              <a:srgbClr val="C00000"/>
+            </a:solidFill>
+          </a:ln>
+        </p:spPr>
+        <p:style>
+          <a:lnRef idx="2">
+            <a:schemeClr val="accent2"/>
+          </a:lnRef>
+          <a:fillRef idx="1">
+            <a:schemeClr val="lt1"/>
+          </a:fillRef>
+          <a:effectRef idx="0">
+            <a:schemeClr val="accent2"/>
+          </a:effectRef>
+          <a:fontRef idx="minor">
+            <a:schemeClr val="dk1"/>
+          </a:fontRef>
+        </p:style>
+        <p:txBody>
+          <a:bodyPr rtlCol="0" anchor="ctr"/>
+          <a:lstStyle/>
+          <a:p>
+            <a:pPr algn="ctr"/>
+            <a:r>
+              <a:rPr lang="en-US" altLang="ko-KR" sz="1100"/>
+              <a:t>5</a:t>
+            </a:r>
+            <a:endParaRPr lang="ko-KR" altLang="en-US" sz="1100"/>
+          </a:p>
+        </p:txBody>
+      </p:sp>
+      <p:sp>
+        <p:nvSpPr>
+          <p:cNvPr id="120" name="TextBox 119">
+            <a:extLst>
+              <a:ext uri="{FF2B5EF4-FFF2-40B4-BE49-F238E27FC236}">
+                <a16:creationId xmlns:a16="http://schemas.microsoft.com/office/drawing/2014/main" id="{2D7D4E97-5138-4A62-872F-C23C755EDB61}"/>
+              </a:ext>
+            </a:extLst>
+          </p:cNvPr>
+          <p:cNvSpPr txBox="1"/>
+          <p:nvPr/>
+        </p:nvSpPr>
+        <p:spPr>
+          <a:xfrm>
+            <a:off x="6667247" y="2779007"/>
+            <a:ext cx="678391" cy="553998"/>
+          </a:xfrm>
+          <a:prstGeom prst="rect">
+            <a:avLst/>
+          </a:prstGeom>
+          <a:noFill/>
+        </p:spPr>
+        <p:txBody>
+          <a:bodyPr wrap="none" rtlCol="0" anchor="ctr">
+            <a:spAutoFit/>
+          </a:bodyPr>
+          <a:lstStyle/>
+          <a:p>
+            <a:pPr algn="ctr"/>
+            <a:r>
+              <a:rPr lang="en-US" altLang="ko-KR" sz="1000">
+                <a:solidFill>
+                  <a:srgbClr val="C00000"/>
+                </a:solidFill>
+              </a:rPr>
+              <a:t>Create</a:t>
+            </a:r>
+          </a:p>
+          <a:p>
+            <a:pPr algn="ctr"/>
+            <a:r>
+              <a:rPr lang="en-US" altLang="ko-KR" sz="1000">
+                <a:solidFill>
+                  <a:srgbClr val="C00000"/>
+                </a:solidFill>
+              </a:rPr>
+              <a:t>Mutated</a:t>
+            </a:r>
+          </a:p>
+          <a:p>
+            <a:pPr algn="ctr"/>
+            <a:r>
+              <a:rPr lang="en-US" altLang="ko-KR" sz="1000">
+                <a:solidFill>
+                  <a:srgbClr val="C00000"/>
+                </a:solidFill>
+              </a:rPr>
+              <a:t>Pod</a:t>
+            </a:r>
+            <a:endParaRPr lang="ko-KR" altLang="en-US" sz="1000">
+              <a:solidFill>
+                <a:srgbClr val="C00000"/>
+              </a:solidFill>
+            </a:endParaRPr>
+          </a:p>
+        </p:txBody>
+      </p:sp>
+      <p:cxnSp>
+        <p:nvCxnSpPr>
+          <p:cNvPr id="121" name="직선 화살표 연결선 120">
+            <a:extLst>
+              <a:ext uri="{FF2B5EF4-FFF2-40B4-BE49-F238E27FC236}">
+                <a16:creationId xmlns:a16="http://schemas.microsoft.com/office/drawing/2014/main" id="{B27CD7DB-FC8F-4C11-B2A9-F1D2E1020353}"/>
+              </a:ext>
+            </a:extLst>
+          </p:cNvPr>
+          <p:cNvCxnSpPr>
+            <a:cxnSpLocks/>
+            <a:stCxn id="65" idx="1"/>
+            <a:endCxn id="56" idx="3"/>
+          </p:cNvCxnSpPr>
+          <p:nvPr/>
+        </p:nvCxnSpPr>
+        <p:spPr>
+          <a:xfrm flipH="1">
+            <a:off x="5256565" y="3670017"/>
+            <a:ext cx="1036421" cy="0"/>
+          </a:xfrm>
+          <a:prstGeom prst="straightConnector1">
+            <a:avLst/>
+          </a:prstGeom>
+          <a:ln w="19050">
+            <a:solidFill>
+              <a:schemeClr val="accent4"/>
+            </a:solidFill>
+            <a:headEnd type="none" w="med" len="med"/>
+            <a:tailEnd type="arrow" w="med" len="med"/>
+          </a:ln>
+        </p:spPr>
+        <p:style>
+          <a:lnRef idx="1">
+            <a:schemeClr val="accent1"/>
+          </a:lnRef>
+          <a:fillRef idx="0">
+            <a:schemeClr val="accent1"/>
+          </a:fillRef>
+          <a:effectRef idx="0">
+            <a:schemeClr val="accent1"/>
+          </a:effectRef>
+          <a:fontRef idx="minor">
+            <a:schemeClr val="tx1"/>
+          </a:fontRef>
+        </p:style>
+      </p:cxnSp>
+      <p:sp>
+        <p:nvSpPr>
+          <p:cNvPr id="122" name="타원 121">
+            <a:extLst>
+              <a:ext uri="{FF2B5EF4-FFF2-40B4-BE49-F238E27FC236}">
+                <a16:creationId xmlns:a16="http://schemas.microsoft.com/office/drawing/2014/main" id="{72E0FE82-FF3B-4BD1-A5ED-EE0B940BDF7C}"/>
+              </a:ext>
+            </a:extLst>
+          </p:cNvPr>
+          <p:cNvSpPr/>
+          <p:nvPr/>
+        </p:nvSpPr>
+        <p:spPr>
+          <a:xfrm>
+            <a:off x="6193174" y="3565970"/>
+            <a:ext cx="208094" cy="208094"/>
+          </a:xfrm>
+          <a:prstGeom prst="ellipse">
+            <a:avLst/>
+          </a:prstGeom>
+          <a:ln>
+            <a:solidFill>
+              <a:schemeClr val="accent4"/>
+            </a:solidFill>
+          </a:ln>
+        </p:spPr>
+        <p:style>
+          <a:lnRef idx="2">
+            <a:schemeClr val="accent2"/>
+          </a:lnRef>
+          <a:fillRef idx="1">
+            <a:schemeClr val="lt1"/>
+          </a:fillRef>
+          <a:effectRef idx="0">
+            <a:schemeClr val="accent2"/>
+          </a:effectRef>
+          <a:fontRef idx="minor">
+            <a:schemeClr val="dk1"/>
+          </a:fontRef>
+        </p:style>
+        <p:txBody>
+          <a:bodyPr rtlCol="0" anchor="ctr"/>
+          <a:lstStyle/>
+          <a:p>
+            <a:pPr algn="ctr"/>
+            <a:r>
+              <a:rPr lang="en-US" altLang="ko-KR" sz="1100"/>
+              <a:t>1</a:t>
+            </a:r>
+            <a:endParaRPr lang="ko-KR" altLang="en-US" sz="1100"/>
+          </a:p>
+        </p:txBody>
+      </p:sp>
+      <p:cxnSp>
+        <p:nvCxnSpPr>
+          <p:cNvPr id="123" name="직선 화살표 연결선 122">
+            <a:extLst>
+              <a:ext uri="{FF2B5EF4-FFF2-40B4-BE49-F238E27FC236}">
+                <a16:creationId xmlns:a16="http://schemas.microsoft.com/office/drawing/2014/main" id="{AE4D792E-5F64-4D4F-A3E0-7E9290D7A926}"/>
+              </a:ext>
+            </a:extLst>
+          </p:cNvPr>
+          <p:cNvCxnSpPr>
+            <a:cxnSpLocks/>
+          </p:cNvCxnSpPr>
+          <p:nvPr/>
+        </p:nvCxnSpPr>
+        <p:spPr>
+          <a:xfrm flipH="1" flipV="1">
+            <a:off x="2653932" y="2715766"/>
+            <a:ext cx="586409" cy="826528"/>
+          </a:xfrm>
+          <a:prstGeom prst="straightConnector1">
+            <a:avLst/>
+          </a:prstGeom>
+          <a:ln w="19050">
+            <a:solidFill>
+              <a:schemeClr val="accent4"/>
+            </a:solidFill>
+            <a:headEnd type="none" w="med" len="med"/>
+            <a:tailEnd type="arrow" w="med" len="med"/>
+          </a:ln>
+        </p:spPr>
+        <p:style>
+          <a:lnRef idx="1">
+            <a:schemeClr val="accent1"/>
+          </a:lnRef>
+          <a:fillRef idx="0">
+            <a:schemeClr val="accent1"/>
+          </a:fillRef>
+          <a:effectRef idx="0">
+            <a:schemeClr val="accent1"/>
+          </a:effectRef>
+          <a:fontRef idx="minor">
+            <a:schemeClr val="tx1"/>
+          </a:fontRef>
+        </p:style>
+      </p:cxnSp>
+      <p:sp>
+        <p:nvSpPr>
+          <p:cNvPr id="124" name="TextBox 123">
+            <a:extLst>
+              <a:ext uri="{FF2B5EF4-FFF2-40B4-BE49-F238E27FC236}">
+                <a16:creationId xmlns:a16="http://schemas.microsoft.com/office/drawing/2014/main" id="{7DD76318-11C9-4637-9AA8-3506ECA4A8EA}"/>
+              </a:ext>
+            </a:extLst>
+          </p:cNvPr>
+          <p:cNvSpPr txBox="1"/>
+          <p:nvPr/>
+        </p:nvSpPr>
+        <p:spPr>
+          <a:xfrm>
+            <a:off x="5724128" y="1774281"/>
+            <a:ext cx="736099" cy="246221"/>
+          </a:xfrm>
+          <a:prstGeom prst="rect">
+            <a:avLst/>
+          </a:prstGeom>
+          <a:noFill/>
+        </p:spPr>
+        <p:txBody>
+          <a:bodyPr wrap="none" rtlCol="0" anchor="ctr">
+            <a:spAutoFit/>
+          </a:bodyPr>
+          <a:lstStyle/>
+          <a:p>
+            <a:pPr algn="ctr"/>
+            <a:r>
+              <a:rPr lang="en-US" altLang="ko-KR" sz="1000">
+                <a:solidFill>
+                  <a:schemeClr val="tx2"/>
+                </a:solidFill>
+              </a:rPr>
+              <a:t>SA Token</a:t>
+            </a:r>
+            <a:endParaRPr lang="ko-KR" altLang="en-US" sz="1000">
+              <a:solidFill>
+                <a:schemeClr val="tx2"/>
+              </a:solidFill>
+            </a:endParaRPr>
+          </a:p>
+        </p:txBody>
+      </p:sp>
+      <p:sp>
+        <p:nvSpPr>
+          <p:cNvPr id="125" name="TextBox 124">
+            <a:extLst>
+              <a:ext uri="{FF2B5EF4-FFF2-40B4-BE49-F238E27FC236}">
+                <a16:creationId xmlns:a16="http://schemas.microsoft.com/office/drawing/2014/main" id="{AB66F878-F03F-46C1-83B3-D5943E82E897}"/>
+              </a:ext>
+            </a:extLst>
+          </p:cNvPr>
+          <p:cNvSpPr txBox="1"/>
+          <p:nvPr/>
+        </p:nvSpPr>
+        <p:spPr>
+          <a:xfrm>
+            <a:off x="5720669" y="1384205"/>
+            <a:ext cx="832280" cy="246221"/>
+          </a:xfrm>
+          <a:prstGeom prst="rect">
+            <a:avLst/>
+          </a:prstGeom>
+          <a:noFill/>
+        </p:spPr>
+        <p:txBody>
+          <a:bodyPr wrap="none" rtlCol="0" anchor="ctr">
+            <a:spAutoFit/>
+          </a:bodyPr>
+          <a:lstStyle/>
+          <a:p>
+            <a:pPr algn="ctr"/>
+            <a:r>
+              <a:rPr lang="en-US" altLang="ko-KR" sz="1000">
+                <a:solidFill>
+                  <a:schemeClr val="tx2"/>
+                </a:solidFill>
+              </a:rPr>
+              <a:t>Credentials</a:t>
+            </a:r>
+            <a:endParaRPr lang="ko-KR" altLang="en-US" sz="1000">
+              <a:solidFill>
+                <a:schemeClr val="tx2"/>
+              </a:solidFill>
+            </a:endParaRPr>
+          </a:p>
+        </p:txBody>
+      </p:sp>
+      <p:sp>
+        <p:nvSpPr>
+          <p:cNvPr id="128" name="TextBox 127">
+            <a:extLst>
+              <a:ext uri="{FF2B5EF4-FFF2-40B4-BE49-F238E27FC236}">
+                <a16:creationId xmlns:a16="http://schemas.microsoft.com/office/drawing/2014/main" id="{08DE7051-1232-4656-90F5-5A111403C004}"/>
+              </a:ext>
+            </a:extLst>
+          </p:cNvPr>
+          <p:cNvSpPr txBox="1"/>
+          <p:nvPr/>
+        </p:nvSpPr>
+        <p:spPr>
+          <a:xfrm>
+            <a:off x="7621186" y="1502775"/>
+            <a:ext cx="942887" cy="400110"/>
+          </a:xfrm>
+          <a:prstGeom prst="rect">
+            <a:avLst/>
+          </a:prstGeom>
+          <a:noFill/>
+        </p:spPr>
+        <p:txBody>
+          <a:bodyPr wrap="none" rtlCol="0" anchor="ctr">
+            <a:spAutoFit/>
+          </a:bodyPr>
+          <a:lstStyle/>
+          <a:p>
+            <a:pPr algn="ctr"/>
+            <a:r>
+              <a:rPr lang="en-US" altLang="ko-KR" sz="1000">
+                <a:solidFill>
+                  <a:schemeClr val="tx2"/>
+                </a:solidFill>
+              </a:rPr>
+              <a:t>Request with</a:t>
+            </a:r>
+          </a:p>
+          <a:p>
+            <a:pPr algn="ctr"/>
+            <a:r>
+              <a:rPr lang="en-US" altLang="ko-KR" sz="1000">
+                <a:solidFill>
+                  <a:schemeClr val="tx2"/>
+                </a:solidFill>
+              </a:rPr>
+              <a:t>Credentials</a:t>
+            </a:r>
+            <a:endParaRPr lang="ko-KR" altLang="en-US" sz="1000">
+              <a:solidFill>
+                <a:schemeClr val="tx2"/>
+              </a:solidFill>
+            </a:endParaRPr>
+          </a:p>
+        </p:txBody>
+      </p:sp>
+      <p:sp>
+        <p:nvSpPr>
+          <p:cNvPr id="135" name="TextBox 134">
+            <a:extLst>
+              <a:ext uri="{FF2B5EF4-FFF2-40B4-BE49-F238E27FC236}">
+                <a16:creationId xmlns:a16="http://schemas.microsoft.com/office/drawing/2014/main" id="{C652AD4D-2EF7-49A2-940F-F9FC852D59E9}"/>
+              </a:ext>
+            </a:extLst>
+          </p:cNvPr>
+          <p:cNvSpPr txBox="1"/>
+          <p:nvPr/>
+        </p:nvSpPr>
+        <p:spPr>
+          <a:xfrm>
+            <a:off x="5403127" y="3458071"/>
+            <a:ext cx="736099" cy="400110"/>
+          </a:xfrm>
+          <a:prstGeom prst="rect">
+            <a:avLst/>
+          </a:prstGeom>
+          <a:noFill/>
+        </p:spPr>
+        <p:txBody>
+          <a:bodyPr wrap="none" rtlCol="0" anchor="ctr">
+            <a:spAutoFit/>
+          </a:bodyPr>
+          <a:lstStyle/>
+          <a:p>
+            <a:pPr algn="ctr"/>
+            <a:r>
+              <a:rPr lang="en-US" altLang="ko-KR" sz="1000">
+                <a:solidFill>
+                  <a:schemeClr val="accent4"/>
+                </a:solidFill>
+              </a:rPr>
+              <a:t>Request</a:t>
+            </a:r>
+          </a:p>
+          <a:p>
+            <a:pPr algn="ctr"/>
+            <a:r>
+              <a:rPr lang="en-US" altLang="ko-KR" sz="1000">
+                <a:solidFill>
+                  <a:schemeClr val="accent4"/>
+                </a:solidFill>
+              </a:rPr>
+              <a:t>SA Token</a:t>
+            </a:r>
+          </a:p>
+        </p:txBody>
+      </p:sp>
+      <p:sp>
+        <p:nvSpPr>
+          <p:cNvPr id="138" name="TextBox 137">
+            <a:extLst>
+              <a:ext uri="{FF2B5EF4-FFF2-40B4-BE49-F238E27FC236}">
+                <a16:creationId xmlns:a16="http://schemas.microsoft.com/office/drawing/2014/main" id="{6C6E6535-C5B3-48AA-945A-1A1CF8D24F48}"/>
+              </a:ext>
+            </a:extLst>
+          </p:cNvPr>
+          <p:cNvSpPr txBox="1"/>
+          <p:nvPr/>
+        </p:nvSpPr>
+        <p:spPr>
+          <a:xfrm>
+            <a:off x="3058861" y="3031781"/>
+            <a:ext cx="736099" cy="400110"/>
+          </a:xfrm>
+          <a:prstGeom prst="rect">
+            <a:avLst/>
+          </a:prstGeom>
+          <a:noFill/>
+        </p:spPr>
+        <p:txBody>
+          <a:bodyPr wrap="none" rtlCol="0" anchor="ctr">
+            <a:spAutoFit/>
+          </a:bodyPr>
+          <a:lstStyle/>
+          <a:p>
+            <a:pPr algn="ctr"/>
+            <a:r>
+              <a:rPr lang="en-US" altLang="ko-KR" sz="1000">
+                <a:solidFill>
+                  <a:schemeClr val="accent4"/>
+                </a:solidFill>
+              </a:rPr>
+              <a:t>Request</a:t>
+            </a:r>
+          </a:p>
+          <a:p>
+            <a:pPr algn="ctr"/>
+            <a:r>
+              <a:rPr lang="en-US" altLang="ko-KR" sz="1000">
+                <a:solidFill>
+                  <a:schemeClr val="accent4"/>
+                </a:solidFill>
+              </a:rPr>
+              <a:t>SA Token</a:t>
+            </a:r>
+          </a:p>
+        </p:txBody>
+      </p:sp>
+      <p:sp>
+        <p:nvSpPr>
+          <p:cNvPr id="141" name="타원 140">
+            <a:extLst>
+              <a:ext uri="{FF2B5EF4-FFF2-40B4-BE49-F238E27FC236}">
+                <a16:creationId xmlns:a16="http://schemas.microsoft.com/office/drawing/2014/main" id="{970A51CE-D9AC-4451-9033-5EEBE3485E14}"/>
+              </a:ext>
+            </a:extLst>
+          </p:cNvPr>
+          <p:cNvSpPr/>
+          <p:nvPr/>
+        </p:nvSpPr>
+        <p:spPr>
+          <a:xfrm>
+            <a:off x="3136351" y="3431891"/>
+            <a:ext cx="208094" cy="208094"/>
+          </a:xfrm>
+          <a:prstGeom prst="ellipse">
+            <a:avLst/>
+          </a:prstGeom>
+          <a:ln>
+            <a:solidFill>
+              <a:schemeClr val="accent4"/>
+            </a:solidFill>
+          </a:ln>
+        </p:spPr>
+        <p:style>
+          <a:lnRef idx="2">
+            <a:schemeClr val="accent2"/>
+          </a:lnRef>
+          <a:fillRef idx="1">
+            <a:schemeClr val="lt1"/>
+          </a:fillRef>
+          <a:effectRef idx="0">
+            <a:schemeClr val="accent2"/>
+          </a:effectRef>
+          <a:fontRef idx="minor">
+            <a:schemeClr val="dk1"/>
+          </a:fontRef>
+        </p:style>
+        <p:txBody>
+          <a:bodyPr rtlCol="0" anchor="ctr"/>
+          <a:lstStyle/>
+          <a:p>
+            <a:pPr algn="ctr"/>
+            <a:r>
+              <a:rPr lang="en-US" altLang="ko-KR" sz="1100"/>
+              <a:t>2</a:t>
+            </a:r>
+            <a:endParaRPr lang="ko-KR" altLang="en-US" sz="1100"/>
+          </a:p>
+        </p:txBody>
+      </p:sp>
+      <p:cxnSp>
+        <p:nvCxnSpPr>
+          <p:cNvPr id="142" name="직선 화살표 연결선 141">
+            <a:extLst>
+              <a:ext uri="{FF2B5EF4-FFF2-40B4-BE49-F238E27FC236}">
+                <a16:creationId xmlns:a16="http://schemas.microsoft.com/office/drawing/2014/main" id="{4311362C-A49D-4666-A728-71CF6DB3FF38}"/>
+              </a:ext>
+            </a:extLst>
+          </p:cNvPr>
+          <p:cNvCxnSpPr>
+            <a:cxnSpLocks/>
+          </p:cNvCxnSpPr>
+          <p:nvPr/>
+        </p:nvCxnSpPr>
+        <p:spPr>
+          <a:xfrm flipH="1" flipV="1">
+            <a:off x="2653932" y="2970922"/>
+            <a:ext cx="586409" cy="826528"/>
+          </a:xfrm>
+          <a:prstGeom prst="straightConnector1">
+            <a:avLst/>
+          </a:prstGeom>
+          <a:ln w="19050">
+            <a:solidFill>
+              <a:schemeClr val="accent4"/>
+            </a:solidFill>
+            <a:headEnd type="arrow" w="med" len="med"/>
+            <a:tailEnd type="none" w="med" len="med"/>
+          </a:ln>
+        </p:spPr>
+        <p:style>
+          <a:lnRef idx="1">
+            <a:schemeClr val="accent1"/>
+          </a:lnRef>
+          <a:fillRef idx="0">
+            <a:schemeClr val="accent1"/>
+          </a:fillRef>
+          <a:effectRef idx="0">
+            <a:schemeClr val="accent1"/>
+          </a:effectRef>
+          <a:fontRef idx="minor">
+            <a:schemeClr val="tx1"/>
+          </a:fontRef>
+        </p:style>
+      </p:cxnSp>
+      <p:sp>
+        <p:nvSpPr>
+          <p:cNvPr id="144" name="타원 143">
+            <a:extLst>
+              <a:ext uri="{FF2B5EF4-FFF2-40B4-BE49-F238E27FC236}">
+                <a16:creationId xmlns:a16="http://schemas.microsoft.com/office/drawing/2014/main" id="{F7C54B1E-2594-45CB-A143-ADBD54FE41A8}"/>
+              </a:ext>
+            </a:extLst>
+          </p:cNvPr>
+          <p:cNvSpPr/>
+          <p:nvPr/>
+        </p:nvSpPr>
+        <p:spPr>
+          <a:xfrm>
+            <a:off x="2495744" y="2862057"/>
+            <a:ext cx="208094" cy="208094"/>
+          </a:xfrm>
+          <a:prstGeom prst="ellipse">
+            <a:avLst/>
+          </a:prstGeom>
+          <a:ln>
+            <a:solidFill>
+              <a:schemeClr val="accent4"/>
+            </a:solidFill>
+          </a:ln>
+        </p:spPr>
+        <p:style>
+          <a:lnRef idx="2">
+            <a:schemeClr val="accent2"/>
+          </a:lnRef>
+          <a:fillRef idx="1">
+            <a:schemeClr val="lt1"/>
+          </a:fillRef>
+          <a:effectRef idx="0">
+            <a:schemeClr val="accent2"/>
+          </a:effectRef>
+          <a:fontRef idx="minor">
+            <a:schemeClr val="dk1"/>
+          </a:fontRef>
+        </p:style>
+        <p:txBody>
+          <a:bodyPr rtlCol="0" anchor="ctr"/>
+          <a:lstStyle/>
+          <a:p>
+            <a:pPr algn="ctr"/>
+            <a:r>
+              <a:rPr lang="en-US" altLang="ko-KR" sz="1100"/>
+              <a:t>3</a:t>
+            </a:r>
+            <a:endParaRPr lang="ko-KR" altLang="en-US" sz="1100"/>
+          </a:p>
+        </p:txBody>
+      </p:sp>
+      <p:cxnSp>
+        <p:nvCxnSpPr>
+          <p:cNvPr id="155" name="직선 화살표 연결선 154">
+            <a:extLst>
+              <a:ext uri="{FF2B5EF4-FFF2-40B4-BE49-F238E27FC236}">
+                <a16:creationId xmlns:a16="http://schemas.microsoft.com/office/drawing/2014/main" id="{8D189832-DD63-4BC9-B15F-DBA0EC4CDE39}"/>
+              </a:ext>
+            </a:extLst>
+          </p:cNvPr>
+          <p:cNvCxnSpPr>
+            <a:cxnSpLocks/>
+          </p:cNvCxnSpPr>
+          <p:nvPr/>
+        </p:nvCxnSpPr>
+        <p:spPr>
+          <a:xfrm flipH="1">
+            <a:off x="5256567" y="3876181"/>
+            <a:ext cx="1036419" cy="0"/>
+          </a:xfrm>
+          <a:prstGeom prst="straightConnector1">
+            <a:avLst/>
+          </a:prstGeom>
+          <a:ln w="19050">
+            <a:solidFill>
+              <a:schemeClr val="accent4"/>
+            </a:solidFill>
+            <a:headEnd type="arrow" w="med" len="med"/>
+            <a:tailEnd type="none" w="med" len="med"/>
+          </a:ln>
+        </p:spPr>
+        <p:style>
+          <a:lnRef idx="1">
+            <a:schemeClr val="accent1"/>
+          </a:lnRef>
+          <a:fillRef idx="0">
+            <a:schemeClr val="accent1"/>
+          </a:fillRef>
+          <a:effectRef idx="0">
+            <a:schemeClr val="accent1"/>
+          </a:effectRef>
+          <a:fontRef idx="minor">
+            <a:schemeClr val="tx1"/>
+          </a:fontRef>
+        </p:style>
+      </p:cxnSp>
+      <p:sp>
+        <p:nvSpPr>
+          <p:cNvPr id="156" name="타원 155">
+            <a:extLst>
+              <a:ext uri="{FF2B5EF4-FFF2-40B4-BE49-F238E27FC236}">
+                <a16:creationId xmlns:a16="http://schemas.microsoft.com/office/drawing/2014/main" id="{710D55AC-D869-484F-9BF2-5278B069B0CF}"/>
+              </a:ext>
+            </a:extLst>
+          </p:cNvPr>
+          <p:cNvSpPr/>
+          <p:nvPr/>
+        </p:nvSpPr>
+        <p:spPr>
+          <a:xfrm>
+            <a:off x="5141085" y="3773755"/>
+            <a:ext cx="208094" cy="208094"/>
+          </a:xfrm>
+          <a:prstGeom prst="ellipse">
+            <a:avLst/>
+          </a:prstGeom>
+          <a:ln>
+            <a:solidFill>
+              <a:schemeClr val="accent4"/>
+            </a:solidFill>
+          </a:ln>
+        </p:spPr>
+        <p:style>
+          <a:lnRef idx="2">
+            <a:schemeClr val="accent2"/>
+          </a:lnRef>
+          <a:fillRef idx="1">
+            <a:schemeClr val="lt1"/>
+          </a:fillRef>
+          <a:effectRef idx="0">
+            <a:schemeClr val="accent2"/>
+          </a:effectRef>
+          <a:fontRef idx="minor">
+            <a:schemeClr val="dk1"/>
+          </a:fontRef>
+        </p:style>
+        <p:txBody>
+          <a:bodyPr rtlCol="0" anchor="ctr"/>
+          <a:lstStyle/>
+          <a:p>
+            <a:pPr algn="ctr"/>
+            <a:r>
+              <a:rPr lang="en-US" altLang="ko-KR" sz="1100"/>
+              <a:t>4</a:t>
+            </a:r>
+            <a:endParaRPr lang="ko-KR" altLang="en-US" sz="1100"/>
+          </a:p>
+        </p:txBody>
+      </p:sp>
+      <p:sp>
+        <p:nvSpPr>
+          <p:cNvPr id="157" name="TextBox 156">
+            <a:extLst>
+              <a:ext uri="{FF2B5EF4-FFF2-40B4-BE49-F238E27FC236}">
+                <a16:creationId xmlns:a16="http://schemas.microsoft.com/office/drawing/2014/main" id="{BF772D9B-98B2-49E2-A7FA-B2D3F2C40E5C}"/>
+              </a:ext>
+            </a:extLst>
+          </p:cNvPr>
+          <p:cNvSpPr txBox="1"/>
+          <p:nvPr/>
+        </p:nvSpPr>
+        <p:spPr>
+          <a:xfrm>
+            <a:off x="5403128" y="3870776"/>
+            <a:ext cx="736099" cy="246221"/>
+          </a:xfrm>
+          <a:prstGeom prst="rect">
+            <a:avLst/>
+          </a:prstGeom>
+          <a:noFill/>
+        </p:spPr>
+        <p:txBody>
+          <a:bodyPr wrap="none" rtlCol="0" anchor="ctr">
+            <a:spAutoFit/>
+          </a:bodyPr>
+          <a:lstStyle/>
+          <a:p>
+            <a:pPr algn="ctr"/>
+            <a:r>
+              <a:rPr lang="en-US" altLang="ko-KR" sz="1000">
+                <a:solidFill>
+                  <a:schemeClr val="accent4"/>
+                </a:solidFill>
+              </a:rPr>
+              <a:t>SA Token</a:t>
+            </a:r>
+          </a:p>
+        </p:txBody>
+      </p:sp>
+      <p:sp>
+        <p:nvSpPr>
+          <p:cNvPr id="158" name="TextBox 157">
+            <a:extLst>
+              <a:ext uri="{FF2B5EF4-FFF2-40B4-BE49-F238E27FC236}">
+                <a16:creationId xmlns:a16="http://schemas.microsoft.com/office/drawing/2014/main" id="{CEEF060C-56FB-439B-A8BC-F28BE24F26EB}"/>
+              </a:ext>
+            </a:extLst>
+          </p:cNvPr>
+          <p:cNvSpPr txBox="1"/>
+          <p:nvPr/>
+        </p:nvSpPr>
+        <p:spPr>
+          <a:xfrm>
+            <a:off x="4228437" y="3917550"/>
+            <a:ext cx="652743" cy="553998"/>
+          </a:xfrm>
+          <a:prstGeom prst="rect">
+            <a:avLst/>
+          </a:prstGeom>
+          <a:noFill/>
+        </p:spPr>
+        <p:txBody>
+          <a:bodyPr wrap="none" rtlCol="0" anchor="ctr">
+            <a:spAutoFit/>
+          </a:bodyPr>
+          <a:lstStyle/>
+          <a:p>
+            <a:pPr algn="ctr"/>
+            <a:r>
+              <a:rPr lang="en-US" altLang="ko-KR" sz="1000">
+                <a:solidFill>
+                  <a:srgbClr val="C00000"/>
+                </a:solidFill>
+              </a:rPr>
+              <a:t>Request</a:t>
+            </a:r>
+          </a:p>
+          <a:p>
+            <a:pPr algn="ctr"/>
+            <a:r>
+              <a:rPr lang="en-US" altLang="ko-KR" sz="1000">
+                <a:solidFill>
+                  <a:srgbClr val="C00000"/>
+                </a:solidFill>
+              </a:rPr>
+              <a:t>Create</a:t>
+            </a:r>
+          </a:p>
+          <a:p>
+            <a:pPr algn="ctr"/>
+            <a:r>
+              <a:rPr lang="en-US" altLang="ko-KR" sz="1000">
+                <a:solidFill>
+                  <a:srgbClr val="C00000"/>
+                </a:solidFill>
+              </a:rPr>
+              <a:t>Pod</a:t>
+            </a:r>
+            <a:endParaRPr lang="ko-KR" altLang="en-US" sz="1000">
+              <a:solidFill>
+                <a:srgbClr val="C00000"/>
+              </a:solidFill>
+            </a:endParaRPr>
+          </a:p>
+        </p:txBody>
+      </p:sp>
+      <p:sp>
+        <p:nvSpPr>
+          <p:cNvPr id="159" name="TextBox 158">
+            <a:extLst>
+              <a:ext uri="{FF2B5EF4-FFF2-40B4-BE49-F238E27FC236}">
+                <a16:creationId xmlns:a16="http://schemas.microsoft.com/office/drawing/2014/main" id="{F959D2C3-1ABC-440D-8138-D7D403BE60F9}"/>
+              </a:ext>
+            </a:extLst>
+          </p:cNvPr>
+          <p:cNvSpPr txBox="1"/>
+          <p:nvPr/>
+        </p:nvSpPr>
+        <p:spPr>
+          <a:xfrm>
+            <a:off x="2475476" y="3581063"/>
+            <a:ext cx="736100" cy="246221"/>
+          </a:xfrm>
+          <a:prstGeom prst="rect">
+            <a:avLst/>
+          </a:prstGeom>
+          <a:noFill/>
+        </p:spPr>
+        <p:txBody>
+          <a:bodyPr wrap="none" rtlCol="0" anchor="ctr">
+            <a:spAutoFit/>
+          </a:bodyPr>
+          <a:lstStyle/>
+          <a:p>
+            <a:pPr algn="ctr"/>
+            <a:r>
+              <a:rPr lang="en-US" altLang="ko-KR" sz="1000">
+                <a:solidFill>
+                  <a:schemeClr val="accent4"/>
+                </a:solidFill>
+              </a:rPr>
+              <a:t>SA Token</a:t>
+            </a:r>
+          </a:p>
+        </p:txBody>
+      </p:sp>
+      <p:cxnSp>
+        <p:nvCxnSpPr>
+          <p:cNvPr id="160" name="직선 화살표 연결선 159">
+            <a:extLst>
+              <a:ext uri="{FF2B5EF4-FFF2-40B4-BE49-F238E27FC236}">
+                <a16:creationId xmlns:a16="http://schemas.microsoft.com/office/drawing/2014/main" id="{1A11A6EA-C533-4107-8465-9DFC7BD2C343}"/>
+              </a:ext>
+            </a:extLst>
+          </p:cNvPr>
+          <p:cNvCxnSpPr>
+            <a:cxnSpLocks/>
+          </p:cNvCxnSpPr>
+          <p:nvPr/>
+        </p:nvCxnSpPr>
+        <p:spPr>
+          <a:xfrm>
+            <a:off x="7740352" y="2419156"/>
+            <a:ext cx="0" cy="1012735"/>
+          </a:xfrm>
+          <a:prstGeom prst="straightConnector1">
+            <a:avLst/>
+          </a:prstGeom>
+          <a:ln w="19050">
+            <a:solidFill>
+              <a:schemeClr val="accent4"/>
+            </a:solidFill>
+            <a:headEnd type="arrow" w="med" len="med"/>
+            <a:tailEnd type="none" w="med" len="med"/>
+          </a:ln>
+        </p:spPr>
+        <p:style>
+          <a:lnRef idx="1">
+            <a:schemeClr val="accent1"/>
+          </a:lnRef>
+          <a:fillRef idx="0">
+            <a:schemeClr val="accent1"/>
+          </a:fillRef>
+          <a:effectRef idx="0">
+            <a:schemeClr val="accent1"/>
+          </a:effectRef>
+          <a:fontRef idx="minor">
+            <a:schemeClr val="tx1"/>
+          </a:fontRef>
+        </p:style>
+      </p:cxnSp>
+      <p:sp>
+        <p:nvSpPr>
+          <p:cNvPr id="162" name="TextBox 161">
+            <a:extLst>
+              <a:ext uri="{FF2B5EF4-FFF2-40B4-BE49-F238E27FC236}">
+                <a16:creationId xmlns:a16="http://schemas.microsoft.com/office/drawing/2014/main" id="{F6A31C68-7D55-47C1-857C-15841B5DF84F}"/>
+              </a:ext>
+            </a:extLst>
+          </p:cNvPr>
+          <p:cNvSpPr txBox="1"/>
+          <p:nvPr/>
+        </p:nvSpPr>
+        <p:spPr>
+          <a:xfrm>
+            <a:off x="7706636" y="2811370"/>
+            <a:ext cx="736099" cy="400110"/>
+          </a:xfrm>
+          <a:prstGeom prst="rect">
+            <a:avLst/>
+          </a:prstGeom>
+          <a:noFill/>
+        </p:spPr>
+        <p:txBody>
+          <a:bodyPr wrap="none" rtlCol="0" anchor="ctr">
+            <a:spAutoFit/>
+          </a:bodyPr>
+          <a:lstStyle/>
+          <a:p>
+            <a:pPr algn="ctr"/>
+            <a:r>
+              <a:rPr lang="en-US" altLang="ko-KR" sz="1000">
+                <a:solidFill>
+                  <a:schemeClr val="accent4"/>
+                </a:solidFill>
+              </a:rPr>
+              <a:t>Inject</a:t>
+            </a:r>
+          </a:p>
+          <a:p>
+            <a:pPr algn="ctr"/>
+            <a:r>
+              <a:rPr lang="en-US" altLang="ko-KR" sz="1000">
+                <a:solidFill>
+                  <a:schemeClr val="accent4"/>
+                </a:solidFill>
+              </a:rPr>
+              <a:t>SA Token</a:t>
+            </a:r>
+          </a:p>
+        </p:txBody>
+      </p:sp>
+      <p:sp>
+        <p:nvSpPr>
+          <p:cNvPr id="164" name="타원 163">
+            <a:extLst>
+              <a:ext uri="{FF2B5EF4-FFF2-40B4-BE49-F238E27FC236}">
+                <a16:creationId xmlns:a16="http://schemas.microsoft.com/office/drawing/2014/main" id="{9542EE46-3292-4531-8002-3F9FD015D4EC}"/>
+              </a:ext>
+            </a:extLst>
+          </p:cNvPr>
+          <p:cNvSpPr/>
+          <p:nvPr/>
+        </p:nvSpPr>
+        <p:spPr>
+          <a:xfrm>
+            <a:off x="7636306" y="3313942"/>
+            <a:ext cx="208094" cy="208094"/>
+          </a:xfrm>
+          <a:prstGeom prst="ellipse">
+            <a:avLst/>
+          </a:prstGeom>
+          <a:ln>
+            <a:solidFill>
+              <a:schemeClr val="accent4"/>
+            </a:solidFill>
+          </a:ln>
+        </p:spPr>
+        <p:style>
+          <a:lnRef idx="2">
+            <a:schemeClr val="accent2"/>
+          </a:lnRef>
+          <a:fillRef idx="1">
+            <a:schemeClr val="lt1"/>
+          </a:fillRef>
+          <a:effectRef idx="0">
+            <a:schemeClr val="accent2"/>
+          </a:effectRef>
+          <a:fontRef idx="minor">
+            <a:schemeClr val="dk1"/>
+          </a:fontRef>
+        </p:style>
+        <p:txBody>
+          <a:bodyPr rtlCol="0" anchor="ctr"/>
+          <a:lstStyle/>
+          <a:p>
+            <a:pPr algn="ctr"/>
+            <a:r>
+              <a:rPr lang="en-US" altLang="ko-KR" sz="1100"/>
+              <a:t>5</a:t>
+            </a:r>
+            <a:endParaRPr lang="ko-KR" altLang="en-US" sz="1100"/>
+          </a:p>
+        </p:txBody>
+      </p:sp>
+      <p:cxnSp>
+        <p:nvCxnSpPr>
+          <p:cNvPr id="167" name="직선 화살표 연결선 166">
+            <a:extLst>
+              <a:ext uri="{FF2B5EF4-FFF2-40B4-BE49-F238E27FC236}">
+                <a16:creationId xmlns:a16="http://schemas.microsoft.com/office/drawing/2014/main" id="{27B18424-54D8-472C-9DA4-0FA22A5654DF}"/>
+              </a:ext>
+            </a:extLst>
+          </p:cNvPr>
+          <p:cNvCxnSpPr>
+            <a:cxnSpLocks/>
+          </p:cNvCxnSpPr>
+          <p:nvPr/>
+        </p:nvCxnSpPr>
+        <p:spPr>
+          <a:xfrm>
+            <a:off x="5436096" y="4681539"/>
+            <a:ext cx="374194" cy="1"/>
+          </a:xfrm>
+          <a:prstGeom prst="straightConnector1">
+            <a:avLst/>
+          </a:prstGeom>
+          <a:ln w="19050">
+            <a:solidFill>
+              <a:schemeClr val="accent3">
+                <a:lumMod val="75000"/>
+              </a:schemeClr>
+            </a:solidFill>
+            <a:headEnd type="none" w="med" len="med"/>
+            <a:tailEnd type="arrow" w="med" len="med"/>
+          </a:ln>
+        </p:spPr>
+        <p:style>
+          <a:lnRef idx="1">
+            <a:schemeClr val="accent1"/>
+          </a:lnRef>
+          <a:fillRef idx="0">
+            <a:schemeClr val="accent1"/>
+          </a:fillRef>
+          <a:effectRef idx="0">
+            <a:schemeClr val="accent1"/>
+          </a:effectRef>
+          <a:fontRef idx="minor">
+            <a:schemeClr val="tx1"/>
+          </a:fontRef>
+        </p:style>
+      </p:cxnSp>
+      <p:sp>
+        <p:nvSpPr>
+          <p:cNvPr id="169" name="TextBox 168">
+            <a:extLst>
+              <a:ext uri="{FF2B5EF4-FFF2-40B4-BE49-F238E27FC236}">
+                <a16:creationId xmlns:a16="http://schemas.microsoft.com/office/drawing/2014/main" id="{B14DF2C7-3C99-401D-913D-9CB412A0D702}"/>
+              </a:ext>
+            </a:extLst>
+          </p:cNvPr>
+          <p:cNvSpPr txBox="1"/>
+          <p:nvPr/>
+        </p:nvSpPr>
+        <p:spPr>
+          <a:xfrm>
+            <a:off x="5806860" y="4561625"/>
+            <a:ext cx="1398140" cy="230832"/>
+          </a:xfrm>
+          <a:prstGeom prst="rect">
+            <a:avLst/>
+          </a:prstGeom>
+          <a:noFill/>
+        </p:spPr>
+        <p:txBody>
+          <a:bodyPr wrap="none" rtlCol="0" anchor="ctr">
+            <a:spAutoFit/>
+          </a:bodyPr>
+          <a:lstStyle/>
+          <a:p>
+            <a:r>
+              <a:rPr lang="en-US" altLang="ko-KR" sz="900"/>
+              <a:t>Create Service Account</a:t>
+            </a:r>
+            <a:endParaRPr lang="ko-KR" altLang="en-US" sz="900"/>
+          </a:p>
+        </p:txBody>
+      </p:sp>
+      <p:cxnSp>
+        <p:nvCxnSpPr>
+          <p:cNvPr id="170" name="직선 화살표 연결선 169">
+            <a:extLst>
+              <a:ext uri="{FF2B5EF4-FFF2-40B4-BE49-F238E27FC236}">
+                <a16:creationId xmlns:a16="http://schemas.microsoft.com/office/drawing/2014/main" id="{0FD39B26-DD32-4BF2-BB2A-4C77D38C9D83}"/>
+              </a:ext>
+            </a:extLst>
+          </p:cNvPr>
+          <p:cNvCxnSpPr>
+            <a:cxnSpLocks/>
+          </p:cNvCxnSpPr>
+          <p:nvPr/>
+        </p:nvCxnSpPr>
+        <p:spPr>
+          <a:xfrm>
+            <a:off x="5436096" y="4913217"/>
+            <a:ext cx="374194" cy="1"/>
+          </a:xfrm>
+          <a:prstGeom prst="straightConnector1">
+            <a:avLst/>
+          </a:prstGeom>
+          <a:ln w="19050">
+            <a:solidFill>
+              <a:srgbClr val="C00000"/>
+            </a:solidFill>
+            <a:headEnd type="none" w="med" len="med"/>
+            <a:tailEnd type="arrow" w="med" len="med"/>
+          </a:ln>
+        </p:spPr>
+        <p:style>
+          <a:lnRef idx="1">
+            <a:schemeClr val="accent1"/>
+          </a:lnRef>
+          <a:fillRef idx="0">
+            <a:schemeClr val="accent1"/>
+          </a:fillRef>
+          <a:effectRef idx="0">
+            <a:schemeClr val="accent1"/>
+          </a:effectRef>
+          <a:fontRef idx="minor">
+            <a:schemeClr val="tx1"/>
+          </a:fontRef>
+        </p:style>
+      </p:cxnSp>
+      <p:sp>
+        <p:nvSpPr>
+          <p:cNvPr id="171" name="TextBox 170">
+            <a:extLst>
+              <a:ext uri="{FF2B5EF4-FFF2-40B4-BE49-F238E27FC236}">
+                <a16:creationId xmlns:a16="http://schemas.microsoft.com/office/drawing/2014/main" id="{3F8955B8-E538-49CA-8996-1874D254F6F1}"/>
+              </a:ext>
+            </a:extLst>
+          </p:cNvPr>
+          <p:cNvSpPr txBox="1"/>
+          <p:nvPr/>
+        </p:nvSpPr>
+        <p:spPr>
+          <a:xfrm>
+            <a:off x="5806860" y="4793303"/>
+            <a:ext cx="766557" cy="230832"/>
+          </a:xfrm>
+          <a:prstGeom prst="rect">
+            <a:avLst/>
+          </a:prstGeom>
+          <a:noFill/>
+        </p:spPr>
+        <p:txBody>
+          <a:bodyPr wrap="none" rtlCol="0" anchor="ctr">
+            <a:spAutoFit/>
+          </a:bodyPr>
+          <a:lstStyle/>
+          <a:p>
+            <a:r>
+              <a:rPr lang="en-US" altLang="ko-KR" sz="900"/>
+              <a:t>Create Pod</a:t>
+            </a:r>
+            <a:endParaRPr lang="ko-KR" altLang="en-US" sz="900"/>
+          </a:p>
+        </p:txBody>
+      </p:sp>
+      <p:cxnSp>
+        <p:nvCxnSpPr>
+          <p:cNvPr id="172" name="직선 화살표 연결선 171">
+            <a:extLst>
+              <a:ext uri="{FF2B5EF4-FFF2-40B4-BE49-F238E27FC236}">
+                <a16:creationId xmlns:a16="http://schemas.microsoft.com/office/drawing/2014/main" id="{3E4589F8-CBBE-4D57-94B9-65F3285F6E86}"/>
+              </a:ext>
+            </a:extLst>
+          </p:cNvPr>
+          <p:cNvCxnSpPr>
+            <a:cxnSpLocks/>
+          </p:cNvCxnSpPr>
+          <p:nvPr/>
+        </p:nvCxnSpPr>
+        <p:spPr>
+          <a:xfrm>
+            <a:off x="7236296" y="4676755"/>
+            <a:ext cx="374194" cy="1"/>
+          </a:xfrm>
+          <a:prstGeom prst="straightConnector1">
+            <a:avLst/>
+          </a:prstGeom>
+          <a:ln w="19050">
+            <a:solidFill>
+              <a:schemeClr val="accent4"/>
+            </a:solidFill>
+            <a:headEnd type="none" w="med" len="med"/>
+            <a:tailEnd type="arrow" w="med" len="med"/>
+          </a:ln>
+        </p:spPr>
+        <p:style>
+          <a:lnRef idx="1">
+            <a:schemeClr val="accent1"/>
+          </a:lnRef>
+          <a:fillRef idx="0">
+            <a:schemeClr val="accent1"/>
+          </a:fillRef>
+          <a:effectRef idx="0">
+            <a:schemeClr val="accent1"/>
+          </a:effectRef>
+          <a:fontRef idx="minor">
+            <a:schemeClr val="tx1"/>
+          </a:fontRef>
+        </p:style>
+      </p:cxnSp>
+      <p:sp>
+        <p:nvSpPr>
+          <p:cNvPr id="174" name="TextBox 173">
+            <a:extLst>
+              <a:ext uri="{FF2B5EF4-FFF2-40B4-BE49-F238E27FC236}">
+                <a16:creationId xmlns:a16="http://schemas.microsoft.com/office/drawing/2014/main" id="{79D53839-2EBC-4704-8DA1-499975962DD5}"/>
+              </a:ext>
+            </a:extLst>
+          </p:cNvPr>
+          <p:cNvSpPr txBox="1"/>
+          <p:nvPr/>
+        </p:nvSpPr>
+        <p:spPr>
+          <a:xfrm>
+            <a:off x="7607060" y="4556841"/>
+            <a:ext cx="1446230" cy="230832"/>
+          </a:xfrm>
+          <a:prstGeom prst="rect">
+            <a:avLst/>
+          </a:prstGeom>
+          <a:noFill/>
+        </p:spPr>
+        <p:txBody>
+          <a:bodyPr wrap="none" rtlCol="0" anchor="ctr">
+            <a:spAutoFit/>
+          </a:bodyPr>
+          <a:lstStyle/>
+          <a:p>
+            <a:r>
+              <a:rPr lang="en-US" altLang="ko-KR" sz="900"/>
+              <a:t>Create/Rotate SA Token</a:t>
+            </a:r>
+            <a:endParaRPr lang="ko-KR" altLang="en-US" sz="900"/>
+          </a:p>
+        </p:txBody>
+      </p:sp>
+      <p:cxnSp>
+        <p:nvCxnSpPr>
+          <p:cNvPr id="175" name="직선 화살표 연결선 174">
+            <a:extLst>
+              <a:ext uri="{FF2B5EF4-FFF2-40B4-BE49-F238E27FC236}">
+                <a16:creationId xmlns:a16="http://schemas.microsoft.com/office/drawing/2014/main" id="{B44A8906-50BD-48BB-A504-365B907B63BA}"/>
+              </a:ext>
+            </a:extLst>
+          </p:cNvPr>
+          <p:cNvCxnSpPr>
+            <a:cxnSpLocks/>
+          </p:cNvCxnSpPr>
+          <p:nvPr/>
+        </p:nvCxnSpPr>
+        <p:spPr>
+          <a:xfrm>
+            <a:off x="7236296" y="4920414"/>
+            <a:ext cx="374194" cy="1"/>
+          </a:xfrm>
+          <a:prstGeom prst="straightConnector1">
+            <a:avLst/>
+          </a:prstGeom>
+          <a:ln w="19050">
+            <a:solidFill>
+              <a:schemeClr val="tx2"/>
+            </a:solidFill>
+            <a:headEnd type="none" w="med" len="med"/>
+            <a:tailEnd type="arrow" w="med" len="med"/>
+          </a:ln>
+        </p:spPr>
+        <p:style>
+          <a:lnRef idx="1">
+            <a:schemeClr val="accent1"/>
+          </a:lnRef>
+          <a:fillRef idx="0">
+            <a:schemeClr val="accent1"/>
+          </a:fillRef>
+          <a:effectRef idx="0">
+            <a:schemeClr val="accent1"/>
+          </a:effectRef>
+          <a:fontRef idx="minor">
+            <a:schemeClr val="tx1"/>
+          </a:fontRef>
+        </p:style>
+      </p:cxnSp>
+      <p:sp>
+        <p:nvSpPr>
+          <p:cNvPr id="176" name="TextBox 175">
+            <a:extLst>
+              <a:ext uri="{FF2B5EF4-FFF2-40B4-BE49-F238E27FC236}">
+                <a16:creationId xmlns:a16="http://schemas.microsoft.com/office/drawing/2014/main" id="{4A92B1C6-5EA6-436D-930A-BD4AF14DF852}"/>
+              </a:ext>
+            </a:extLst>
+          </p:cNvPr>
+          <p:cNvSpPr txBox="1"/>
+          <p:nvPr/>
+        </p:nvSpPr>
+        <p:spPr>
+          <a:xfrm>
+            <a:off x="7607060" y="4800500"/>
+            <a:ext cx="736099" cy="230832"/>
+          </a:xfrm>
+          <a:prstGeom prst="rect">
+            <a:avLst/>
+          </a:prstGeom>
+          <a:noFill/>
+        </p:spPr>
+        <p:txBody>
+          <a:bodyPr wrap="none" rtlCol="0" anchor="ctr">
+            <a:spAutoFit/>
+          </a:bodyPr>
+          <a:lstStyle/>
+          <a:p>
+            <a:r>
+              <a:rPr lang="en-US" altLang="ko-KR" sz="900"/>
+              <a:t>Use Token</a:t>
+            </a:r>
+            <a:endParaRPr lang="ko-KR" altLang="en-US" sz="900"/>
+          </a:p>
+        </p:txBody>
+      </p:sp>
+      <p:cxnSp>
+        <p:nvCxnSpPr>
+          <p:cNvPr id="73" name="직선 화살표 연결선 72">
+            <a:extLst>
+              <a:ext uri="{FF2B5EF4-FFF2-40B4-BE49-F238E27FC236}">
+                <a16:creationId xmlns:a16="http://schemas.microsoft.com/office/drawing/2014/main" id="{CFDD5BB8-91D5-4A92-8555-61FBAC8A200D}"/>
+              </a:ext>
+            </a:extLst>
+          </p:cNvPr>
+          <p:cNvCxnSpPr>
+            <a:cxnSpLocks/>
+            <a:stCxn id="57" idx="1"/>
+            <a:endCxn id="53" idx="3"/>
+          </p:cNvCxnSpPr>
+          <p:nvPr/>
+        </p:nvCxnSpPr>
+        <p:spPr>
+          <a:xfrm flipH="1">
+            <a:off x="3974438" y="1203598"/>
+            <a:ext cx="465273" cy="0"/>
+          </a:xfrm>
+          <a:prstGeom prst="straightConnector1">
+            <a:avLst/>
+          </a:prstGeom>
+          <a:ln w="19050">
+            <a:solidFill>
+              <a:schemeClr val="tx2"/>
+            </a:solidFill>
+            <a:headEnd type="arrow" w="med" len="med"/>
+            <a:tailEnd type="arrow" w="med" len="med"/>
+          </a:ln>
+        </p:spPr>
+        <p:style>
+          <a:lnRef idx="1">
+            <a:schemeClr val="accent1"/>
+          </a:lnRef>
+          <a:fillRef idx="0">
+            <a:schemeClr val="accent1"/>
+          </a:fillRef>
+          <a:effectRef idx="0">
+            <a:schemeClr val="accent1"/>
+          </a:effectRef>
+          <a:fontRef idx="minor">
+            <a:schemeClr val="tx1"/>
+          </a:fontRef>
+        </p:style>
+      </p:cxnSp>
+      <p:sp>
+        <p:nvSpPr>
+          <p:cNvPr id="78" name="타원 77">
+            <a:extLst>
+              <a:ext uri="{FF2B5EF4-FFF2-40B4-BE49-F238E27FC236}">
+                <a16:creationId xmlns:a16="http://schemas.microsoft.com/office/drawing/2014/main" id="{C4B425C5-FD97-4458-B4DA-09D2ECEED308}"/>
+              </a:ext>
+            </a:extLst>
+          </p:cNvPr>
+          <p:cNvSpPr/>
+          <p:nvPr/>
+        </p:nvSpPr>
+        <p:spPr>
+          <a:xfrm>
+            <a:off x="4098624" y="990544"/>
+            <a:ext cx="208094" cy="208094"/>
+          </a:xfrm>
+          <a:prstGeom prst="ellipse">
+            <a:avLst/>
+          </a:prstGeom>
+          <a:ln>
+            <a:solidFill>
+              <a:srgbClr val="002060"/>
+            </a:solidFill>
+          </a:ln>
+        </p:spPr>
+        <p:style>
+          <a:lnRef idx="2">
+            <a:schemeClr val="accent2"/>
+          </a:lnRef>
+          <a:fillRef idx="1">
+            <a:schemeClr val="lt1"/>
+          </a:fillRef>
+          <a:effectRef idx="0">
+            <a:schemeClr val="accent2"/>
+          </a:effectRef>
+          <a:fontRef idx="minor">
+            <a:schemeClr val="dk1"/>
+          </a:fontRef>
+        </p:style>
+        <p:txBody>
+          <a:bodyPr rtlCol="0" anchor="ctr"/>
+          <a:lstStyle/>
+          <a:p>
+            <a:pPr algn="ctr"/>
+            <a:r>
+              <a:rPr lang="en-US" altLang="ko-KR" sz="1100"/>
+              <a:t>2</a:t>
+            </a:r>
+            <a:endParaRPr lang="ko-KR" altLang="en-US" sz="1100"/>
+          </a:p>
+        </p:txBody>
+      </p:sp>
+      <p:sp>
+        <p:nvSpPr>
+          <p:cNvPr id="80" name="TextBox 79">
+            <a:extLst>
+              <a:ext uri="{FF2B5EF4-FFF2-40B4-BE49-F238E27FC236}">
+                <a16:creationId xmlns:a16="http://schemas.microsoft.com/office/drawing/2014/main" id="{D710B298-144D-46CC-94E6-DE8E8E666590}"/>
+              </a:ext>
+            </a:extLst>
+          </p:cNvPr>
+          <p:cNvSpPr txBox="1"/>
+          <p:nvPr/>
+        </p:nvSpPr>
+        <p:spPr>
+          <a:xfrm>
+            <a:off x="3856684" y="1259446"/>
+            <a:ext cx="736099" cy="400110"/>
+          </a:xfrm>
+          <a:prstGeom prst="rect">
+            <a:avLst/>
+          </a:prstGeom>
+          <a:noFill/>
+        </p:spPr>
+        <p:txBody>
+          <a:bodyPr wrap="none" rtlCol="0" anchor="ctr">
+            <a:spAutoFit/>
+          </a:bodyPr>
+          <a:lstStyle/>
+          <a:p>
+            <a:pPr algn="ctr"/>
+            <a:r>
+              <a:rPr lang="en-US" altLang="ko-KR" sz="1000">
+                <a:solidFill>
+                  <a:schemeClr val="tx2"/>
+                </a:solidFill>
+              </a:rPr>
+              <a:t>Verify </a:t>
+            </a:r>
+          </a:p>
+          <a:p>
+            <a:pPr algn="ctr"/>
+            <a:r>
+              <a:rPr lang="en-US" altLang="ko-KR" sz="1000">
+                <a:solidFill>
+                  <a:schemeClr val="tx2"/>
+                </a:solidFill>
+              </a:rPr>
+              <a:t>SA Token</a:t>
+            </a:r>
+            <a:endParaRPr lang="ko-KR" altLang="en-US" sz="1000">
+              <a:solidFill>
+                <a:schemeClr val="tx2"/>
+              </a:solidFill>
+            </a:endParaRPr>
+          </a:p>
+        </p:txBody>
+      </p:sp>
+    </p:spTree>
+    <p:extLst>
+      <p:ext uri="{BB962C8B-B14F-4D97-AF65-F5344CB8AC3E}">
+        <p14:creationId xmlns:p14="http://schemas.microsoft.com/office/powerpoint/2010/main" val="1828382803"/>
+      </p:ext>
+    </p:extLst>
+  </p:cSld>
+  <p:clrMapOvr>
+    <a:masterClrMapping/>
+  </p:clrMapOvr>
+</p:sld>
+</file>
+
+<file path=ppt/slides/slide4.xml><?xml version="1.0" encoding="utf-8"?>
+<p:sld xmlns:a="http://schemas.openxmlformats.org/drawingml/2006/main" xmlns:r="http://schemas.openxmlformats.org/officeDocument/2006/relationships" xmlns:p="http://schemas.openxmlformats.org/presentationml/2006/main">
+  <p:cSld>
+    <p:spTree>
+      <p:nvGrpSpPr>
+        <p:cNvPr id="1" name=""/>
+        <p:cNvGrpSpPr/>
+        <p:nvPr/>
+      </p:nvGrpSpPr>
+      <p:grpSpPr>
+        <a:xfrm>
+          <a:off x="0" y="0"/>
+          <a:ext cx="0" cy="0"/>
+          <a:chOff x="0" y="0"/>
+          <a:chExt cx="0" cy="0"/>
+        </a:xfrm>
+      </p:grpSpPr>
+      <p:sp>
+        <p:nvSpPr>
           <p:cNvPr id="2" name="제목 1"/>
           <p:cNvSpPr>
             <a:spLocks noGrp="1"/>
@@ -8699,7 +12282,7 @@
 </p:sld>
 </file>
 
-<file path=ppt/slides/slide4.xml><?xml version="1.0" encoding="utf-8"?>
+<file path=ppt/slides/slide5.xml><?xml version="1.0" encoding="utf-8"?>
 <p:sld xmlns:a="http://schemas.openxmlformats.org/drawingml/2006/main" xmlns:r="http://schemas.openxmlformats.org/officeDocument/2006/relationships" xmlns:p="http://schemas.openxmlformats.org/presentationml/2006/main">
   <p:cSld>
     <p:spTree>

--- a/images/theory_analysis/AWS_EKS_Service_Account_IAM_Role/AWS_EKS_Service_Account_IAM_Role.pptx
+++ b/images/theory_analysis/AWS_EKS_Service_Account_IAM_Role/AWS_EKS_Service_Account_IAM_Role.pptx
@@ -5,14 +5,15 @@
     <p:sldMasterId id="2147483648" r:id="rId1"/>
   </p:sldMasterIdLst>
   <p:notesMasterIdLst>
-    <p:notesMasterId r:id="rId7"/>
+    <p:notesMasterId r:id="rId8"/>
   </p:notesMasterIdLst>
   <p:sldIdLst>
-    <p:sldId id="365" r:id="rId2"/>
+    <p:sldId id="366" r:id="rId2"/>
     <p:sldId id="363" r:id="rId3"/>
-    <p:sldId id="361" r:id="rId4"/>
-    <p:sldId id="364" r:id="rId5"/>
-    <p:sldId id="362" r:id="rId6"/>
+    <p:sldId id="365" r:id="rId4"/>
+    <p:sldId id="361" r:id="rId5"/>
+    <p:sldId id="364" r:id="rId6"/>
+    <p:sldId id="362" r:id="rId7"/>
   </p:sldIdLst>
   <p:sldSz cx="9144000" cy="5143500" type="screen16x9"/>
   <p:notesSz cx="6858000" cy="9144000"/>
@@ -217,7 +218,7 @@
           <a:p>
             <a:fld id="{6CD5550B-26C4-49A9-A5BA-636EF7BE6CE9}" type="datetimeFigureOut">
               <a:rPr lang="ko-KR" altLang="en-US" smtClean="0"/>
-              <a:t>2022-04-04</a:t>
+              <a:t>2022-04-05</a:t>
             </a:fld>
             <a:endParaRPr lang="ko-KR" altLang="en-US"/>
           </a:p>
@@ -558,6 +559,90 @@
     </p:spTree>
     <p:extLst>
       <p:ext uri="{BB962C8B-B14F-4D97-AF65-F5344CB8AC3E}">
+        <p14:creationId xmlns:p14="http://schemas.microsoft.com/office/powerpoint/2010/main" val="3404248080"/>
+      </p:ext>
+    </p:extLst>
+  </p:cSld>
+  <p:clrMapOvr>
+    <a:masterClrMapping/>
+  </p:clrMapOvr>
+</p:notes>
+</file>
+
+<file path=ppt/notesSlides/notesSlide2.xml><?xml version="1.0" encoding="utf-8"?>
+<p:notes xmlns:a="http://schemas.openxmlformats.org/drawingml/2006/main" xmlns:r="http://schemas.openxmlformats.org/officeDocument/2006/relationships" xmlns:p="http://schemas.openxmlformats.org/presentationml/2006/main">
+  <p:cSld>
+    <p:spTree>
+      <p:nvGrpSpPr>
+        <p:cNvPr id="1" name=""/>
+        <p:cNvGrpSpPr/>
+        <p:nvPr/>
+      </p:nvGrpSpPr>
+      <p:grpSpPr>
+        <a:xfrm>
+          <a:off x="0" y="0"/>
+          <a:ext cx="0" cy="0"/>
+          <a:chOff x="0" y="0"/>
+          <a:chExt cx="0" cy="0"/>
+        </a:xfrm>
+      </p:grpSpPr>
+      <p:sp>
+        <p:nvSpPr>
+          <p:cNvPr id="2" name="슬라이드 이미지 개체 틀 1"/>
+          <p:cNvSpPr>
+            <a:spLocks noGrp="1" noRot="1" noChangeAspect="1"/>
+          </p:cNvSpPr>
+          <p:nvPr>
+            <p:ph type="sldImg"/>
+          </p:nvPr>
+        </p:nvSpPr>
+        <p:spPr/>
+      </p:sp>
+      <p:sp>
+        <p:nvSpPr>
+          <p:cNvPr id="3" name="슬라이드 노트 개체 틀 2"/>
+          <p:cNvSpPr>
+            <a:spLocks noGrp="1"/>
+          </p:cNvSpPr>
+          <p:nvPr>
+            <p:ph type="body" idx="1"/>
+          </p:nvPr>
+        </p:nvSpPr>
+        <p:spPr/>
+        <p:txBody>
+          <a:bodyPr/>
+          <a:lstStyle/>
+          <a:p>
+            <a:endParaRPr lang="ko-KR" altLang="en-US"/>
+          </a:p>
+        </p:txBody>
+      </p:sp>
+      <p:sp>
+        <p:nvSpPr>
+          <p:cNvPr id="4" name="슬라이드 번호 개체 틀 3"/>
+          <p:cNvSpPr>
+            <a:spLocks noGrp="1"/>
+          </p:cNvSpPr>
+          <p:nvPr>
+            <p:ph type="sldNum" sz="quarter" idx="5"/>
+          </p:nvPr>
+        </p:nvSpPr>
+        <p:spPr/>
+        <p:txBody>
+          <a:bodyPr/>
+          <a:lstStyle/>
+          <a:p>
+            <a:fld id="{BA5DFA43-8D57-47FB-BC46-057616015C3B}" type="slidenum">
+              <a:rPr lang="ko-KR" altLang="en-US" smtClean="0"/>
+              <a:t>3</a:t>
+            </a:fld>
+            <a:endParaRPr lang="ko-KR" altLang="en-US"/>
+          </a:p>
+        </p:txBody>
+      </p:sp>
+    </p:spTree>
+    <p:extLst>
+      <p:ext uri="{BB962C8B-B14F-4D97-AF65-F5344CB8AC3E}">
         <p14:creationId xmlns:p14="http://schemas.microsoft.com/office/powerpoint/2010/main" val="2946739946"/>
       </p:ext>
     </p:extLst>
@@ -747,7 +832,7 @@
           <a:p>
             <a:fld id="{FB30EDBD-1C2D-4C1E-B459-B60219FAB484}" type="datetimeFigureOut">
               <a:rPr lang="ko-KR" altLang="en-US" smtClean="0"/>
-              <a:t>2022-04-04</a:t>
+              <a:t>2022-04-05</a:t>
             </a:fld>
             <a:endParaRPr lang="ko-KR" altLang="en-US"/>
           </a:p>
@@ -910,7 +995,7 @@
           <a:p>
             <a:fld id="{FB30EDBD-1C2D-4C1E-B459-B60219FAB484}" type="datetimeFigureOut">
               <a:rPr lang="ko-KR" altLang="en-US" smtClean="0"/>
-              <a:t>2022-04-04</a:t>
+              <a:t>2022-04-05</a:t>
             </a:fld>
             <a:endParaRPr lang="ko-KR" altLang="en-US"/>
           </a:p>
@@ -1083,7 +1168,7 @@
           <a:p>
             <a:fld id="{FB30EDBD-1C2D-4C1E-B459-B60219FAB484}" type="datetimeFigureOut">
               <a:rPr lang="ko-KR" altLang="en-US" smtClean="0"/>
-              <a:t>2022-04-04</a:t>
+              <a:t>2022-04-05</a:t>
             </a:fld>
             <a:endParaRPr lang="ko-KR" altLang="en-US"/>
           </a:p>
@@ -1246,7 +1331,7 @@
           <a:p>
             <a:fld id="{FB30EDBD-1C2D-4C1E-B459-B60219FAB484}" type="datetimeFigureOut">
               <a:rPr lang="ko-KR" altLang="en-US" smtClean="0"/>
-              <a:t>2022-04-04</a:t>
+              <a:t>2022-04-05</a:t>
             </a:fld>
             <a:endParaRPr lang="ko-KR" altLang="en-US"/>
           </a:p>
@@ -1486,7 +1571,7 @@
           <a:p>
             <a:fld id="{FB30EDBD-1C2D-4C1E-B459-B60219FAB484}" type="datetimeFigureOut">
               <a:rPr lang="ko-KR" altLang="en-US" smtClean="0"/>
-              <a:t>2022-04-04</a:t>
+              <a:t>2022-04-05</a:t>
             </a:fld>
             <a:endParaRPr lang="ko-KR" altLang="en-US"/>
           </a:p>
@@ -1766,7 +1851,7 @@
           <a:p>
             <a:fld id="{FB30EDBD-1C2D-4C1E-B459-B60219FAB484}" type="datetimeFigureOut">
               <a:rPr lang="ko-KR" altLang="en-US" smtClean="0"/>
-              <a:t>2022-04-04</a:t>
+              <a:t>2022-04-05</a:t>
             </a:fld>
             <a:endParaRPr lang="ko-KR" altLang="en-US"/>
           </a:p>
@@ -2180,7 +2265,7 @@
           <a:p>
             <a:fld id="{FB30EDBD-1C2D-4C1E-B459-B60219FAB484}" type="datetimeFigureOut">
               <a:rPr lang="ko-KR" altLang="en-US" smtClean="0"/>
-              <a:t>2022-04-04</a:t>
+              <a:t>2022-04-05</a:t>
             </a:fld>
             <a:endParaRPr lang="ko-KR" altLang="en-US"/>
           </a:p>
@@ -2292,7 +2377,7 @@
           <a:p>
             <a:fld id="{FB30EDBD-1C2D-4C1E-B459-B60219FAB484}" type="datetimeFigureOut">
               <a:rPr lang="ko-KR" altLang="en-US" smtClean="0"/>
-              <a:t>2022-04-04</a:t>
+              <a:t>2022-04-05</a:t>
             </a:fld>
             <a:endParaRPr lang="ko-KR" altLang="en-US"/>
           </a:p>
@@ -2382,7 +2467,7 @@
           <a:p>
             <a:fld id="{FB30EDBD-1C2D-4C1E-B459-B60219FAB484}" type="datetimeFigureOut">
               <a:rPr lang="ko-KR" altLang="en-US" smtClean="0"/>
-              <a:t>2022-04-04</a:t>
+              <a:t>2022-04-05</a:t>
             </a:fld>
             <a:endParaRPr lang="ko-KR" altLang="en-US"/>
           </a:p>
@@ -2652,7 +2737,7 @@
           <a:p>
             <a:fld id="{FB30EDBD-1C2D-4C1E-B459-B60219FAB484}" type="datetimeFigureOut">
               <a:rPr lang="ko-KR" altLang="en-US" smtClean="0"/>
-              <a:t>2022-04-04</a:t>
+              <a:t>2022-04-05</a:t>
             </a:fld>
             <a:endParaRPr lang="ko-KR" altLang="en-US"/>
           </a:p>
@@ -2899,7 +2984,7 @@
           <a:p>
             <a:fld id="{FB30EDBD-1C2D-4C1E-B459-B60219FAB484}" type="datetimeFigureOut">
               <a:rPr lang="ko-KR" altLang="en-US" smtClean="0"/>
-              <a:t>2022-04-04</a:t>
+              <a:t>2022-04-05</a:t>
             </a:fld>
             <a:endParaRPr lang="ko-KR" altLang="en-US"/>
           </a:p>
@@ -3105,7 +3190,7 @@
           <a:p>
             <a:fld id="{FB30EDBD-1C2D-4C1E-B459-B60219FAB484}" type="datetimeFigureOut">
               <a:rPr lang="ko-KR" altLang="en-US" smtClean="0"/>
-              <a:t>2022-04-04</a:t>
+              <a:t>2022-04-05</a:t>
             </a:fld>
             <a:endParaRPr lang="ko-KR" altLang="en-US"/>
           </a:p>
@@ -3716,7 +3801,7 @@
             <a:pPr algn="ctr"/>
             <a:r>
               <a:rPr lang="en-US" altLang="ko-KR" sz="1200"/>
-              <a:t>AWS EKS (k8s) </a:t>
+              <a:t>K8s</a:t>
             </a:r>
           </a:p>
           <a:p>
@@ -3877,119 +3962,6 @@
               <a:t>AWS Services</a:t>
             </a:r>
             <a:endParaRPr lang="ko-KR" altLang="en-US" sz="1200"/>
-          </a:p>
-        </p:txBody>
-      </p:sp>
-      <p:sp>
-        <p:nvSpPr>
-          <p:cNvPr id="62" name="사각형: 둥근 모서리 61">
-            <a:extLst>
-              <a:ext uri="{FF2B5EF4-FFF2-40B4-BE49-F238E27FC236}">
-                <a16:creationId xmlns:a16="http://schemas.microsoft.com/office/drawing/2014/main" id="{03FB28A7-3F69-45AB-B8CA-811FCC97195A}"/>
-              </a:ext>
-            </a:extLst>
-          </p:cNvPr>
-          <p:cNvSpPr/>
-          <p:nvPr/>
-        </p:nvSpPr>
-        <p:spPr>
-          <a:xfrm>
-            <a:off x="709716" y="2555457"/>
-            <a:ext cx="2016224" cy="1008112"/>
-          </a:xfrm>
-          <a:prstGeom prst="roundRect">
-            <a:avLst>
-              <a:gd name="adj" fmla="val 8474"/>
-            </a:avLst>
-          </a:prstGeom>
-        </p:spPr>
-        <p:style>
-          <a:lnRef idx="2">
-            <a:schemeClr val="dk1"/>
-          </a:lnRef>
-          <a:fillRef idx="1">
-            <a:schemeClr val="lt1"/>
-          </a:fillRef>
-          <a:effectRef idx="0">
-            <a:schemeClr val="dk1"/>
-          </a:effectRef>
-          <a:fontRef idx="minor">
-            <a:schemeClr val="dk1"/>
-          </a:fontRef>
-        </p:style>
-        <p:txBody>
-          <a:bodyPr rtlCol="0" anchor="b"/>
-          <a:lstStyle/>
-          <a:p>
-            <a:pPr algn="ctr"/>
-            <a:r>
-              <a:rPr lang="en-US" altLang="ko-KR" sz="1200"/>
-              <a:t>AWS EKS (k8s) </a:t>
-            </a:r>
-          </a:p>
-          <a:p>
-            <a:pPr algn="ctr"/>
-            <a:r>
-              <a:rPr lang="en-US" altLang="ko-KR" sz="1200"/>
-              <a:t>Controller manager</a:t>
-            </a:r>
-          </a:p>
-        </p:txBody>
-      </p:sp>
-      <p:sp>
-        <p:nvSpPr>
-          <p:cNvPr id="61" name="사각형: 둥근 모서리 60">
-            <a:extLst>
-              <a:ext uri="{FF2B5EF4-FFF2-40B4-BE49-F238E27FC236}">
-                <a16:creationId xmlns:a16="http://schemas.microsoft.com/office/drawing/2014/main" id="{B5CC1BC7-063B-478A-A7E8-980B11777761}"/>
-              </a:ext>
-            </a:extLst>
-          </p:cNvPr>
-          <p:cNvSpPr/>
-          <p:nvPr/>
-        </p:nvSpPr>
-        <p:spPr>
-          <a:xfrm>
-            <a:off x="781724" y="2627465"/>
-            <a:ext cx="1872208" cy="432048"/>
-          </a:xfrm>
-          <a:prstGeom prst="roundRect">
-            <a:avLst>
-              <a:gd name="adj" fmla="val 13936"/>
-            </a:avLst>
-          </a:prstGeom>
-        </p:spPr>
-        <p:style>
-          <a:lnRef idx="2">
-            <a:schemeClr val="dk1"/>
-          </a:lnRef>
-          <a:fillRef idx="1">
-            <a:schemeClr val="lt1"/>
-          </a:fillRef>
-          <a:effectRef idx="0">
-            <a:schemeClr val="dk1"/>
-          </a:effectRef>
-          <a:fontRef idx="minor">
-            <a:schemeClr val="dk1"/>
-          </a:fontRef>
-        </p:style>
-        <p:txBody>
-          <a:bodyPr rtlCol="0" anchor="ctr"/>
-          <a:lstStyle/>
-          <a:p>
-            <a:pPr algn="ctr"/>
-            <a:r>
-              <a:rPr lang="en-US" altLang="ko-KR" sz="1100" b="1"/>
-              <a:t>serviceaccount-token</a:t>
-            </a:r>
-          </a:p>
-          <a:p>
-            <a:pPr algn="ctr"/>
-            <a:r>
-              <a:rPr lang="en-US" altLang="ko-KR" sz="1100"/>
-              <a:t>Controller</a:t>
-            </a:r>
-            <a:endParaRPr lang="ko-KR" altLang="en-US" sz="1100"/>
           </a:p>
         </p:txBody>
       </p:sp>
@@ -5189,10 +5161,10 @@
           <a:p>
             <a:pPr algn="ctr"/>
             <a:r>
-              <a:rPr lang="en-US" altLang="ko-KR" sz="1100" b="1"/>
-              <a:t>AWS SA Token</a:t>
-            </a:r>
-            <a:endParaRPr lang="ko-KR" altLang="en-US" sz="1100" b="1"/>
+              <a:rPr lang="en-US" altLang="ko-KR" sz="1050" b="1"/>
+              <a:t>Projected SA Token</a:t>
+            </a:r>
+            <a:endParaRPr lang="ko-KR" altLang="en-US" sz="1050" b="1"/>
           </a:p>
         </p:txBody>
       </p:sp>
@@ -5536,51 +5508,6 @@
           </a:p>
         </p:txBody>
       </p:sp>
-      <p:cxnSp>
-        <p:nvCxnSpPr>
-          <p:cNvPr id="123" name="직선 화살표 연결선 122">
-            <a:extLst>
-              <a:ext uri="{FF2B5EF4-FFF2-40B4-BE49-F238E27FC236}">
-                <a16:creationId xmlns:a16="http://schemas.microsoft.com/office/drawing/2014/main" id="{AE4D792E-5F64-4D4F-A3E0-7E9290D7A926}"/>
-              </a:ext>
-            </a:extLst>
-          </p:cNvPr>
-          <p:cNvCxnSpPr>
-            <a:cxnSpLocks/>
-          </p:cNvCxnSpPr>
-          <p:nvPr/>
-        </p:nvCxnSpPr>
-        <p:spPr>
-          <a:xfrm flipH="1" flipV="1">
-            <a:off x="2653932" y="2715766"/>
-            <a:ext cx="586409" cy="826528"/>
-          </a:xfrm>
-          <a:prstGeom prst="straightConnector1">
-            <a:avLst/>
-          </a:prstGeom>
-          <a:ln w="19050">
-            <a:solidFill>
-              <a:schemeClr val="accent4"/>
-            </a:solidFill>
-            <a:headEnd type="none" w="med" len="med"/>
-            <a:tailEnd type="arrow" w="med" len="med"/>
-          </a:ln>
-        </p:spPr>
-        <p:style>
-          <a:lnRef idx="1">
-            <a:schemeClr val="accent1"/>
-          </a:lnRef>
-          <a:fillRef idx="0">
-            <a:schemeClr val="accent1"/>
-          </a:fillRef>
-          <a:effectRef idx="0">
-            <a:schemeClr val="accent1"/>
-          </a:effectRef>
-          <a:fontRef idx="minor">
-            <a:schemeClr val="tx1"/>
-          </a:fontRef>
-        </p:style>
-      </p:cxnSp>
       <p:sp>
         <p:nvSpPr>
           <p:cNvPr id="124" name="TextBox 123">
@@ -5788,116 +5715,12 @@
           </a:p>
         </p:txBody>
       </p:sp>
-      <p:sp>
-        <p:nvSpPr>
-          <p:cNvPr id="138" name="TextBox 137">
-            <a:extLst>
-              <a:ext uri="{FF2B5EF4-FFF2-40B4-BE49-F238E27FC236}">
-                <a16:creationId xmlns:a16="http://schemas.microsoft.com/office/drawing/2014/main" id="{6C6E6535-C5B3-48AA-945A-1A1CF8D24F48}"/>
-              </a:ext>
-            </a:extLst>
-          </p:cNvPr>
-          <p:cNvSpPr txBox="1"/>
-          <p:nvPr/>
-        </p:nvSpPr>
-        <p:spPr>
-          <a:xfrm>
-            <a:off x="3058861" y="3031781"/>
-            <a:ext cx="736099" cy="400110"/>
-          </a:xfrm>
-          <a:prstGeom prst="rect">
-            <a:avLst/>
-          </a:prstGeom>
-          <a:noFill/>
-        </p:spPr>
-        <p:txBody>
-          <a:bodyPr wrap="none" rtlCol="0" anchor="ctr">
-            <a:spAutoFit/>
-          </a:bodyPr>
-          <a:lstStyle/>
-          <a:p>
-            <a:pPr algn="ctr"/>
-            <a:r>
-              <a:rPr lang="en-US" altLang="ko-KR" sz="1000">
-                <a:solidFill>
-                  <a:schemeClr val="accent4"/>
-                </a:solidFill>
-              </a:rPr>
-              <a:t>Request</a:t>
-            </a:r>
-          </a:p>
-          <a:p>
-            <a:pPr algn="ctr"/>
-            <a:r>
-              <a:rPr lang="en-US" altLang="ko-KR" sz="1000">
-                <a:solidFill>
-                  <a:schemeClr val="accent4"/>
-                </a:solidFill>
-              </a:rPr>
-              <a:t>SA Token</a:t>
-            </a:r>
-          </a:p>
-        </p:txBody>
-      </p:sp>
-      <p:sp>
-        <p:nvSpPr>
-          <p:cNvPr id="141" name="타원 140">
-            <a:extLst>
-              <a:ext uri="{FF2B5EF4-FFF2-40B4-BE49-F238E27FC236}">
-                <a16:creationId xmlns:a16="http://schemas.microsoft.com/office/drawing/2014/main" id="{970A51CE-D9AC-4451-9033-5EEBE3485E14}"/>
-              </a:ext>
-            </a:extLst>
-          </p:cNvPr>
-          <p:cNvSpPr/>
-          <p:nvPr/>
-        </p:nvSpPr>
-        <p:spPr>
-          <a:xfrm>
-            <a:off x="3136351" y="3431891"/>
-            <a:ext cx="208094" cy="208094"/>
-          </a:xfrm>
-          <a:prstGeom prst="ellipse">
-            <a:avLst/>
-          </a:prstGeom>
-          <a:ln>
-            <a:solidFill>
-              <a:schemeClr val="accent4"/>
-            </a:solidFill>
-          </a:ln>
-        </p:spPr>
-        <p:style>
-          <a:lnRef idx="2">
-            <a:schemeClr val="accent2"/>
-          </a:lnRef>
-          <a:fillRef idx="1">
-            <a:schemeClr val="lt1"/>
-          </a:fillRef>
-          <a:effectRef idx="0">
-            <a:schemeClr val="accent2"/>
-          </a:effectRef>
-          <a:fontRef idx="minor">
-            <a:schemeClr val="dk1"/>
-          </a:fontRef>
-        </p:style>
-        <p:txBody>
-          <a:bodyPr rtlCol="0" anchor="ctr"/>
-          <a:lstStyle/>
-          <a:p>
-            <a:pPr algn="ctr"/>
-            <a:r>
-              <a:rPr lang="en-US" altLang="ko-KR" sz="1100"/>
-              <a:t>2</a:t>
-            </a:r>
-            <a:endParaRPr lang="ko-KR" altLang="en-US" sz="1100"/>
-          </a:p>
-        </p:txBody>
-      </p:sp>
       <p:cxnSp>
         <p:nvCxnSpPr>
-          <p:cNvPr id="142" name="직선 화살표 연결선 141">
-            <a:extLst>
-              <a:ext uri="{FF2B5EF4-FFF2-40B4-BE49-F238E27FC236}">
-                <a16:creationId xmlns:a16="http://schemas.microsoft.com/office/drawing/2014/main" id="{4311362C-A49D-4666-A728-71CF6DB3FF38}"/>
+          <p:cNvPr id="155" name="직선 화살표 연결선 154">
+            <a:extLst>
+              <a:ext uri="{FF2B5EF4-FFF2-40B4-BE49-F238E27FC236}">
+                <a16:creationId xmlns:a16="http://schemas.microsoft.com/office/drawing/2014/main" id="{8D189832-DD63-4BC9-B15F-DBA0EC4CDE39}"/>
               </a:ext>
             </a:extLst>
           </p:cNvPr>
@@ -5907,9 +5730,9 @@
           <p:nvPr/>
         </p:nvCxnSpPr>
         <p:spPr>
-          <a:xfrm flipH="1" flipV="1">
-            <a:off x="2653932" y="2970922"/>
-            <a:ext cx="586409" cy="826528"/>
+          <a:xfrm flipH="1">
+            <a:off x="5256567" y="3876181"/>
+            <a:ext cx="1036419" cy="0"/>
           </a:xfrm>
           <a:prstGeom prst="straightConnector1">
             <a:avLst/>
@@ -5939,10 +5762,10 @@
       </p:cxnSp>
       <p:sp>
         <p:nvSpPr>
-          <p:cNvPr id="144" name="타원 143">
-            <a:extLst>
-              <a:ext uri="{FF2B5EF4-FFF2-40B4-BE49-F238E27FC236}">
-                <a16:creationId xmlns:a16="http://schemas.microsoft.com/office/drawing/2014/main" id="{F7C54B1E-2594-45CB-A143-ADBD54FE41A8}"/>
+          <p:cNvPr id="156" name="타원 155">
+            <a:extLst>
+              <a:ext uri="{FF2B5EF4-FFF2-40B4-BE49-F238E27FC236}">
+                <a16:creationId xmlns:a16="http://schemas.microsoft.com/office/drawing/2014/main" id="{710D55AC-D869-484F-9BF2-5278B069B0CF}"/>
               </a:ext>
             </a:extLst>
           </p:cNvPr>
@@ -5951,7 +5774,7 @@
         </p:nvSpPr>
         <p:spPr>
           <a:xfrm>
-            <a:off x="2495744" y="2862057"/>
+            <a:off x="5141085" y="3773755"/>
             <a:ext cx="208094" cy="208094"/>
           </a:xfrm>
           <a:prstGeom prst="ellipse">
@@ -5984,18 +5807,125 @@
             <a:pPr algn="ctr"/>
             <a:r>
               <a:rPr lang="en-US" altLang="ko-KR" sz="1100"/>
-              <a:t>3</a:t>
+              <a:t>2</a:t>
             </a:r>
             <a:endParaRPr lang="ko-KR" altLang="en-US" sz="1100"/>
+          </a:p>
+        </p:txBody>
+      </p:sp>
+      <p:sp>
+        <p:nvSpPr>
+          <p:cNvPr id="157" name="TextBox 156">
+            <a:extLst>
+              <a:ext uri="{FF2B5EF4-FFF2-40B4-BE49-F238E27FC236}">
+                <a16:creationId xmlns:a16="http://schemas.microsoft.com/office/drawing/2014/main" id="{BF772D9B-98B2-49E2-A7FA-B2D3F2C40E5C}"/>
+              </a:ext>
+            </a:extLst>
+          </p:cNvPr>
+          <p:cNvSpPr txBox="1"/>
+          <p:nvPr/>
+        </p:nvSpPr>
+        <p:spPr>
+          <a:xfrm>
+            <a:off x="5403128" y="3870776"/>
+            <a:ext cx="736099" cy="246221"/>
+          </a:xfrm>
+          <a:prstGeom prst="rect">
+            <a:avLst/>
+          </a:prstGeom>
+          <a:noFill/>
+        </p:spPr>
+        <p:txBody>
+          <a:bodyPr wrap="none" rtlCol="0" anchor="ctr">
+            <a:spAutoFit/>
+          </a:bodyPr>
+          <a:lstStyle/>
+          <a:p>
+            <a:pPr algn="ctr"/>
+            <a:r>
+              <a:rPr lang="en-US" altLang="ko-KR" sz="1000">
+                <a:solidFill>
+                  <a:schemeClr val="accent4"/>
+                </a:solidFill>
+              </a:rPr>
+              <a:t>SA Token</a:t>
+            </a:r>
+          </a:p>
+        </p:txBody>
+      </p:sp>
+      <p:sp>
+        <p:nvSpPr>
+          <p:cNvPr id="158" name="TextBox 157">
+            <a:extLst>
+              <a:ext uri="{FF2B5EF4-FFF2-40B4-BE49-F238E27FC236}">
+                <a16:creationId xmlns:a16="http://schemas.microsoft.com/office/drawing/2014/main" id="{CEEF060C-56FB-439B-A8BC-F28BE24F26EB}"/>
+              </a:ext>
+            </a:extLst>
+          </p:cNvPr>
+          <p:cNvSpPr txBox="1"/>
+          <p:nvPr/>
+        </p:nvSpPr>
+        <p:spPr>
+          <a:xfrm>
+            <a:off x="4228437" y="3917550"/>
+            <a:ext cx="652743" cy="553998"/>
+          </a:xfrm>
+          <a:prstGeom prst="rect">
+            <a:avLst/>
+          </a:prstGeom>
+          <a:noFill/>
+        </p:spPr>
+        <p:txBody>
+          <a:bodyPr wrap="none" rtlCol="0" anchor="ctr">
+            <a:spAutoFit/>
+          </a:bodyPr>
+          <a:lstStyle/>
+          <a:p>
+            <a:pPr algn="ctr"/>
+            <a:r>
+              <a:rPr lang="en-US" altLang="ko-KR" sz="1000">
+                <a:solidFill>
+                  <a:srgbClr val="C00000"/>
+                </a:solidFill>
+              </a:rPr>
+              <a:t>Request</a:t>
+            </a:r>
+          </a:p>
+          <a:p>
+            <a:pPr algn="ctr"/>
+            <a:r>
+              <a:rPr lang="en-US" altLang="ko-KR" sz="1000">
+                <a:solidFill>
+                  <a:srgbClr val="C00000"/>
+                </a:solidFill>
+              </a:rPr>
+              <a:t>Create</a:t>
+            </a:r>
+          </a:p>
+          <a:p>
+            <a:pPr algn="ctr"/>
+            <a:r>
+              <a:rPr lang="en-US" altLang="ko-KR" sz="1000">
+                <a:solidFill>
+                  <a:srgbClr val="C00000"/>
+                </a:solidFill>
+              </a:rPr>
+              <a:t>Pod</a:t>
+            </a:r>
+            <a:endParaRPr lang="ko-KR" altLang="en-US" sz="1000">
+              <a:solidFill>
+                <a:srgbClr val="C00000"/>
+              </a:solidFill>
+            </a:endParaRPr>
           </a:p>
         </p:txBody>
       </p:sp>
       <p:cxnSp>
         <p:nvCxnSpPr>
-          <p:cNvPr id="155" name="직선 화살표 연결선 154">
-            <a:extLst>
-              <a:ext uri="{FF2B5EF4-FFF2-40B4-BE49-F238E27FC236}">
-                <a16:creationId xmlns:a16="http://schemas.microsoft.com/office/drawing/2014/main" id="{8D189832-DD63-4BC9-B15F-DBA0EC4CDE39}"/>
+          <p:cNvPr id="160" name="직선 화살표 연결선 159">
+            <a:extLst>
+              <a:ext uri="{FF2B5EF4-FFF2-40B4-BE49-F238E27FC236}">
+                <a16:creationId xmlns:a16="http://schemas.microsoft.com/office/drawing/2014/main" id="{1A11A6EA-C533-4107-8465-9DFC7BD2C343}"/>
               </a:ext>
             </a:extLst>
           </p:cNvPr>
@@ -6005,9 +5935,9 @@
           <p:nvPr/>
         </p:nvCxnSpPr>
         <p:spPr>
-          <a:xfrm flipH="1">
-            <a:off x="5256567" y="3876181"/>
-            <a:ext cx="1036419" cy="0"/>
+          <a:xfrm>
+            <a:off x="7740352" y="2419156"/>
+            <a:ext cx="0" cy="1012735"/>
           </a:xfrm>
           <a:prstGeom prst="straightConnector1">
             <a:avLst/>
@@ -6037,63 +5967,10 @@
       </p:cxnSp>
       <p:sp>
         <p:nvSpPr>
-          <p:cNvPr id="156" name="타원 155">
-            <a:extLst>
-              <a:ext uri="{FF2B5EF4-FFF2-40B4-BE49-F238E27FC236}">
-                <a16:creationId xmlns:a16="http://schemas.microsoft.com/office/drawing/2014/main" id="{710D55AC-D869-484F-9BF2-5278B069B0CF}"/>
-              </a:ext>
-            </a:extLst>
-          </p:cNvPr>
-          <p:cNvSpPr/>
-          <p:nvPr/>
-        </p:nvSpPr>
-        <p:spPr>
-          <a:xfrm>
-            <a:off x="5141085" y="3773755"/>
-            <a:ext cx="208094" cy="208094"/>
-          </a:xfrm>
-          <a:prstGeom prst="ellipse">
-            <a:avLst/>
-          </a:prstGeom>
-          <a:ln>
-            <a:solidFill>
-              <a:schemeClr val="accent4"/>
-            </a:solidFill>
-          </a:ln>
-        </p:spPr>
-        <p:style>
-          <a:lnRef idx="2">
-            <a:schemeClr val="accent2"/>
-          </a:lnRef>
-          <a:fillRef idx="1">
-            <a:schemeClr val="lt1"/>
-          </a:fillRef>
-          <a:effectRef idx="0">
-            <a:schemeClr val="accent2"/>
-          </a:effectRef>
-          <a:fontRef idx="minor">
-            <a:schemeClr val="dk1"/>
-          </a:fontRef>
-        </p:style>
-        <p:txBody>
-          <a:bodyPr rtlCol="0" anchor="ctr"/>
-          <a:lstStyle/>
-          <a:p>
-            <a:pPr algn="ctr"/>
-            <a:r>
-              <a:rPr lang="en-US" altLang="ko-KR" sz="1100"/>
-              <a:t>4</a:t>
-            </a:r>
-            <a:endParaRPr lang="ko-KR" altLang="en-US" sz="1100"/>
-          </a:p>
-        </p:txBody>
-      </p:sp>
-      <p:sp>
-        <p:nvSpPr>
-          <p:cNvPr id="157" name="TextBox 156">
-            <a:extLst>
-              <a:ext uri="{FF2B5EF4-FFF2-40B4-BE49-F238E27FC236}">
-                <a16:creationId xmlns:a16="http://schemas.microsoft.com/office/drawing/2014/main" id="{BF772D9B-98B2-49E2-A7FA-B2D3F2C40E5C}"/>
+          <p:cNvPr id="162" name="TextBox 161">
+            <a:extLst>
+              <a:ext uri="{FF2B5EF4-FFF2-40B4-BE49-F238E27FC236}">
+                <a16:creationId xmlns:a16="http://schemas.microsoft.com/office/drawing/2014/main" id="{F6A31C68-7D55-47C1-857C-15841B5DF84F}"/>
               </a:ext>
             </a:extLst>
           </p:cNvPr>
@@ -6102,8 +5979,8 @@
         </p:nvSpPr>
         <p:spPr>
           <a:xfrm>
-            <a:off x="5403128" y="3870776"/>
-            <a:ext cx="736099" cy="246221"/>
+            <a:off x="7706636" y="2811370"/>
+            <a:ext cx="736099" cy="400110"/>
           </a:xfrm>
           <a:prstGeom prst="rect">
             <a:avLst/>
@@ -6115,6 +5992,17 @@
             <a:spAutoFit/>
           </a:bodyPr>
           <a:lstStyle/>
+          <a:p>
+            <a:pPr algn="ctr"/>
+            <a:r>
+              <a:rPr lang="en-US" altLang="ko-KR" sz="1000">
+                <a:solidFill>
+                  <a:schemeClr val="accent4"/>
+                </a:solidFill>
+              </a:rPr>
+              <a:t>Project</a:t>
+            </a:r>
+          </a:p>
           <a:p>
             <a:pPr algn="ctr"/>
             <a:r>
@@ -6130,209 +6018,6 @@
       </p:sp>
       <p:sp>
         <p:nvSpPr>
-          <p:cNvPr id="158" name="TextBox 157">
-            <a:extLst>
-              <a:ext uri="{FF2B5EF4-FFF2-40B4-BE49-F238E27FC236}">
-                <a16:creationId xmlns:a16="http://schemas.microsoft.com/office/drawing/2014/main" id="{CEEF060C-56FB-439B-A8BC-F28BE24F26EB}"/>
-              </a:ext>
-            </a:extLst>
-          </p:cNvPr>
-          <p:cNvSpPr txBox="1"/>
-          <p:nvPr/>
-        </p:nvSpPr>
-        <p:spPr>
-          <a:xfrm>
-            <a:off x="4228437" y="3917550"/>
-            <a:ext cx="652743" cy="553998"/>
-          </a:xfrm>
-          <a:prstGeom prst="rect">
-            <a:avLst/>
-          </a:prstGeom>
-          <a:noFill/>
-        </p:spPr>
-        <p:txBody>
-          <a:bodyPr wrap="none" rtlCol="0" anchor="ctr">
-            <a:spAutoFit/>
-          </a:bodyPr>
-          <a:lstStyle/>
-          <a:p>
-            <a:pPr algn="ctr"/>
-            <a:r>
-              <a:rPr lang="en-US" altLang="ko-KR" sz="1000">
-                <a:solidFill>
-                  <a:srgbClr val="C00000"/>
-                </a:solidFill>
-              </a:rPr>
-              <a:t>Request</a:t>
-            </a:r>
-          </a:p>
-          <a:p>
-            <a:pPr algn="ctr"/>
-            <a:r>
-              <a:rPr lang="en-US" altLang="ko-KR" sz="1000">
-                <a:solidFill>
-                  <a:srgbClr val="C00000"/>
-                </a:solidFill>
-              </a:rPr>
-              <a:t>Create</a:t>
-            </a:r>
-          </a:p>
-          <a:p>
-            <a:pPr algn="ctr"/>
-            <a:r>
-              <a:rPr lang="en-US" altLang="ko-KR" sz="1000">
-                <a:solidFill>
-                  <a:srgbClr val="C00000"/>
-                </a:solidFill>
-              </a:rPr>
-              <a:t>Pod</a:t>
-            </a:r>
-            <a:endParaRPr lang="ko-KR" altLang="en-US" sz="1000">
-              <a:solidFill>
-                <a:srgbClr val="C00000"/>
-              </a:solidFill>
-            </a:endParaRPr>
-          </a:p>
-        </p:txBody>
-      </p:sp>
-      <p:sp>
-        <p:nvSpPr>
-          <p:cNvPr id="159" name="TextBox 158">
-            <a:extLst>
-              <a:ext uri="{FF2B5EF4-FFF2-40B4-BE49-F238E27FC236}">
-                <a16:creationId xmlns:a16="http://schemas.microsoft.com/office/drawing/2014/main" id="{F959D2C3-1ABC-440D-8138-D7D403BE60F9}"/>
-              </a:ext>
-            </a:extLst>
-          </p:cNvPr>
-          <p:cNvSpPr txBox="1"/>
-          <p:nvPr/>
-        </p:nvSpPr>
-        <p:spPr>
-          <a:xfrm>
-            <a:off x="2475476" y="3581063"/>
-            <a:ext cx="736100" cy="246221"/>
-          </a:xfrm>
-          <a:prstGeom prst="rect">
-            <a:avLst/>
-          </a:prstGeom>
-          <a:noFill/>
-        </p:spPr>
-        <p:txBody>
-          <a:bodyPr wrap="none" rtlCol="0" anchor="ctr">
-            <a:spAutoFit/>
-          </a:bodyPr>
-          <a:lstStyle/>
-          <a:p>
-            <a:pPr algn="ctr"/>
-            <a:r>
-              <a:rPr lang="en-US" altLang="ko-KR" sz="1000">
-                <a:solidFill>
-                  <a:schemeClr val="accent4"/>
-                </a:solidFill>
-              </a:rPr>
-              <a:t>SA Token</a:t>
-            </a:r>
-          </a:p>
-        </p:txBody>
-      </p:sp>
-      <p:cxnSp>
-        <p:nvCxnSpPr>
-          <p:cNvPr id="160" name="직선 화살표 연결선 159">
-            <a:extLst>
-              <a:ext uri="{FF2B5EF4-FFF2-40B4-BE49-F238E27FC236}">
-                <a16:creationId xmlns:a16="http://schemas.microsoft.com/office/drawing/2014/main" id="{1A11A6EA-C533-4107-8465-9DFC7BD2C343}"/>
-              </a:ext>
-            </a:extLst>
-          </p:cNvPr>
-          <p:cNvCxnSpPr>
-            <a:cxnSpLocks/>
-          </p:cNvCxnSpPr>
-          <p:nvPr/>
-        </p:nvCxnSpPr>
-        <p:spPr>
-          <a:xfrm>
-            <a:off x="7740352" y="2419156"/>
-            <a:ext cx="0" cy="1012735"/>
-          </a:xfrm>
-          <a:prstGeom prst="straightConnector1">
-            <a:avLst/>
-          </a:prstGeom>
-          <a:ln w="19050">
-            <a:solidFill>
-              <a:schemeClr val="accent4"/>
-            </a:solidFill>
-            <a:headEnd type="arrow" w="med" len="med"/>
-            <a:tailEnd type="none" w="med" len="med"/>
-          </a:ln>
-        </p:spPr>
-        <p:style>
-          <a:lnRef idx="1">
-            <a:schemeClr val="accent1"/>
-          </a:lnRef>
-          <a:fillRef idx="0">
-            <a:schemeClr val="accent1"/>
-          </a:fillRef>
-          <a:effectRef idx="0">
-            <a:schemeClr val="accent1"/>
-          </a:effectRef>
-          <a:fontRef idx="minor">
-            <a:schemeClr val="tx1"/>
-          </a:fontRef>
-        </p:style>
-      </p:cxnSp>
-      <p:sp>
-        <p:nvSpPr>
-          <p:cNvPr id="162" name="TextBox 161">
-            <a:extLst>
-              <a:ext uri="{FF2B5EF4-FFF2-40B4-BE49-F238E27FC236}">
-                <a16:creationId xmlns:a16="http://schemas.microsoft.com/office/drawing/2014/main" id="{F6A31C68-7D55-47C1-857C-15841B5DF84F}"/>
-              </a:ext>
-            </a:extLst>
-          </p:cNvPr>
-          <p:cNvSpPr txBox="1"/>
-          <p:nvPr/>
-        </p:nvSpPr>
-        <p:spPr>
-          <a:xfrm>
-            <a:off x="7706636" y="2811370"/>
-            <a:ext cx="736099" cy="400110"/>
-          </a:xfrm>
-          <a:prstGeom prst="rect">
-            <a:avLst/>
-          </a:prstGeom>
-          <a:noFill/>
-        </p:spPr>
-        <p:txBody>
-          <a:bodyPr wrap="none" rtlCol="0" anchor="ctr">
-            <a:spAutoFit/>
-          </a:bodyPr>
-          <a:lstStyle/>
-          <a:p>
-            <a:pPr algn="ctr"/>
-            <a:r>
-              <a:rPr lang="en-US" altLang="ko-KR" sz="1000">
-                <a:solidFill>
-                  <a:schemeClr val="accent4"/>
-                </a:solidFill>
-              </a:rPr>
-              <a:t>Inject</a:t>
-            </a:r>
-          </a:p>
-          <a:p>
-            <a:pPr algn="ctr"/>
-            <a:r>
-              <a:rPr lang="en-US" altLang="ko-KR" sz="1000">
-                <a:solidFill>
-                  <a:schemeClr val="accent4"/>
-                </a:solidFill>
-              </a:rPr>
-              <a:t>SA Token</a:t>
-            </a:r>
-          </a:p>
-        </p:txBody>
-      </p:sp>
-      <p:sp>
-        <p:nvSpPr>
           <p:cNvPr id="164" name="타원 163">
             <a:extLst>
               <a:ext uri="{FF2B5EF4-FFF2-40B4-BE49-F238E27FC236}">
@@ -6378,7 +6063,7 @@
             <a:pPr algn="ctr"/>
             <a:r>
               <a:rPr lang="en-US" altLang="ko-KR" sz="1100"/>
-              <a:t>5</a:t>
+              <a:t>3</a:t>
             </a:r>
             <a:endParaRPr lang="ko-KR" altLang="en-US" sz="1100"/>
           </a:p>
@@ -6813,15 +6498,15 @@
           </p:cNvPr>
           <p:cNvCxnSpPr>
             <a:cxnSpLocks/>
-            <a:stCxn id="61" idx="0"/>
+            <a:stCxn id="56" idx="1"/>
             <a:endCxn id="88" idx="2"/>
           </p:cNvCxnSpPr>
           <p:nvPr/>
         </p:nvCxnSpPr>
         <p:spPr>
-          <a:xfrm flipV="1">
-            <a:off x="1717828" y="2383381"/>
-            <a:ext cx="0" cy="244084"/>
+          <a:xfrm flipH="1" flipV="1">
+            <a:off x="1717828" y="3217879"/>
+            <a:ext cx="1522513" cy="452138"/>
           </a:xfrm>
           <a:prstGeom prst="straightConnector1">
             <a:avLst/>
@@ -6863,7 +6548,7 @@
         </p:nvSpPr>
         <p:spPr>
           <a:xfrm>
-            <a:off x="887030" y="2059635"/>
+            <a:off x="887030" y="2894133"/>
             <a:ext cx="1661596" cy="323746"/>
           </a:xfrm>
           <a:prstGeom prst="roundRect">
@@ -6915,7 +6600,7 @@
         <p:spPr>
           <a:xfrm flipH="1">
             <a:off x="1717828" y="1419622"/>
-            <a:ext cx="461987" cy="640013"/>
+            <a:ext cx="461987" cy="1474511"/>
           </a:xfrm>
           <a:prstGeom prst="straightConnector1">
             <a:avLst/>
@@ -6946,7 +6631,7 @@
     </p:spTree>
     <p:extLst>
       <p:ext uri="{BB962C8B-B14F-4D97-AF65-F5344CB8AC3E}">
-        <p14:creationId xmlns:p14="http://schemas.microsoft.com/office/powerpoint/2010/main" val="2190827545"/>
+        <p14:creationId xmlns:p14="http://schemas.microsoft.com/office/powerpoint/2010/main" val="3850947079"/>
       </p:ext>
     </p:extLst>
   </p:cSld>
@@ -7244,7 +6929,7 @@
             <a:pPr algn="ctr"/>
             <a:r>
               <a:rPr lang="en-US" altLang="ko-KR" sz="1200"/>
-              <a:t>AWS EKS (k8s) </a:t>
+              <a:t>K8s</a:t>
             </a:r>
           </a:p>
           <a:p>
@@ -7452,14 +7137,14 @@
             <a:pPr algn="ctr"/>
             <a:r>
               <a:rPr lang="en-US" altLang="ko-KR" sz="1200"/>
-              <a:t>AWS EKS (k8s) </a:t>
+              <a:t>K8s </a:t>
             </a:r>
           </a:p>
           <a:p>
             <a:pPr algn="ctr"/>
             <a:r>
               <a:rPr lang="en-US" altLang="ko-KR" sz="1200"/>
-              <a:t>Controller manager</a:t>
+              <a:t>Controller Manager</a:t>
             </a:r>
           </a:p>
         </p:txBody>
@@ -7611,7 +7296,7 @@
             <a:pPr algn="ctr"/>
             <a:r>
               <a:rPr lang="en-US" altLang="ko-KR" sz="1200"/>
-              <a:t>Pod</a:t>
+              <a:t>App Pod</a:t>
             </a:r>
             <a:endParaRPr lang="ko-KR" altLang="en-US" sz="1200"/>
           </a:p>
@@ -8568,7 +8253,7 @@
             <a:pPr algn="ctr"/>
             <a:r>
               <a:rPr lang="en-US" altLang="ko-KR" sz="1100"/>
-              <a:t>3</a:t>
+              <a:t>2</a:t>
             </a:r>
             <a:endParaRPr lang="ko-KR" altLang="en-US" sz="1100"/>
           </a:p>
@@ -8668,7 +8353,7 @@
             <a:pPr algn="ctr"/>
             <a:r>
               <a:rPr lang="en-US" altLang="ko-KR" sz="1100"/>
-              <a:t>4</a:t>
+              <a:t>3</a:t>
             </a:r>
             <a:endParaRPr lang="ko-KR" altLang="en-US" sz="1100"/>
           </a:p>
@@ -8717,10 +8402,10 @@
           <a:p>
             <a:pPr algn="ctr"/>
             <a:r>
-              <a:rPr lang="en-US" altLang="ko-KR" sz="1100" b="1"/>
-              <a:t>AWS SA Token</a:t>
-            </a:r>
-            <a:endParaRPr lang="ko-KR" altLang="en-US" sz="1100" b="1"/>
+              <a:rPr lang="en-US" altLang="ko-KR" sz="1050" b="1"/>
+              <a:t>Projected SA Token</a:t>
+            </a:r>
+            <a:endParaRPr lang="ko-KR" altLang="en-US" sz="1050" b="1"/>
           </a:p>
         </p:txBody>
       </p:sp>
@@ -9123,8 +8808,8 @@
         </p:nvSpPr>
         <p:spPr>
           <a:xfrm>
-            <a:off x="5724128" y="1774281"/>
-            <a:ext cx="736099" cy="246221"/>
+            <a:off x="3778561" y="1600475"/>
+            <a:ext cx="2375970" cy="400110"/>
           </a:xfrm>
           <a:prstGeom prst="rect">
             <a:avLst/>
@@ -9144,13 +8829,23 @@
                   <a:schemeClr val="tx2"/>
                 </a:solidFill>
               </a:rPr>
-              <a:t>SA Token</a:t>
-            </a:r>
-            <a:endParaRPr lang="ko-KR" altLang="en-US" sz="1000">
-              <a:solidFill>
-                <a:schemeClr val="tx2"/>
-              </a:solidFill>
-            </a:endParaRPr>
+              <a:t>AssumeRoleWithWebIdentity</a:t>
+            </a:r>
+            <a:br>
+              <a:rPr lang="en-US" altLang="ko-KR" sz="1000">
+                <a:solidFill>
+                  <a:schemeClr val="tx2"/>
+                </a:solidFill>
+              </a:rPr>
+            </a:br>
+            <a:r>
+              <a:rPr lang="en-US" altLang="ko-KR" sz="1000">
+                <a:solidFill>
+                  <a:schemeClr val="tx2"/>
+                </a:solidFill>
+              </a:rPr>
+              <a:t>with Projected SA Token (JWT Token)</a:t>
+            </a:r>
           </a:p>
         </p:txBody>
       </p:sp>
@@ -9833,7 +9528,7 @@
                   <a:schemeClr val="accent4"/>
                 </a:solidFill>
               </a:rPr>
-              <a:t>Inject</a:t>
+              <a:t>Project</a:t>
             </a:r>
           </a:p>
           <a:p>
@@ -10254,7 +9949,7 @@
           </a:prstGeom>
           <a:ln w="19050">
             <a:solidFill>
-              <a:schemeClr val="tx2"/>
+              <a:schemeClr val="tx1"/>
             </a:solidFill>
             <a:headEnd type="arrow" w="med" len="med"/>
             <a:tailEnd type="arrow" w="med" len="med"/>
@@ -10277,59 +9972,6 @@
       </p:cxnSp>
       <p:sp>
         <p:nvSpPr>
-          <p:cNvPr id="78" name="타원 77">
-            <a:extLst>
-              <a:ext uri="{FF2B5EF4-FFF2-40B4-BE49-F238E27FC236}">
-                <a16:creationId xmlns:a16="http://schemas.microsoft.com/office/drawing/2014/main" id="{C4B425C5-FD97-4458-B4DA-09D2ECEED308}"/>
-              </a:ext>
-            </a:extLst>
-          </p:cNvPr>
-          <p:cNvSpPr/>
-          <p:nvPr/>
-        </p:nvSpPr>
-        <p:spPr>
-          <a:xfrm>
-            <a:off x="4098624" y="990544"/>
-            <a:ext cx="208094" cy="208094"/>
-          </a:xfrm>
-          <a:prstGeom prst="ellipse">
-            <a:avLst/>
-          </a:prstGeom>
-          <a:ln>
-            <a:solidFill>
-              <a:srgbClr val="002060"/>
-            </a:solidFill>
-          </a:ln>
-        </p:spPr>
-        <p:style>
-          <a:lnRef idx="2">
-            <a:schemeClr val="accent2"/>
-          </a:lnRef>
-          <a:fillRef idx="1">
-            <a:schemeClr val="lt1"/>
-          </a:fillRef>
-          <a:effectRef idx="0">
-            <a:schemeClr val="accent2"/>
-          </a:effectRef>
-          <a:fontRef idx="minor">
-            <a:schemeClr val="dk1"/>
-          </a:fontRef>
-        </p:style>
-        <p:txBody>
-          <a:bodyPr rtlCol="0" anchor="ctr"/>
-          <a:lstStyle/>
-          <a:p>
-            <a:pPr algn="ctr"/>
-            <a:r>
-              <a:rPr lang="en-US" altLang="ko-KR" sz="1100"/>
-              <a:t>2</a:t>
-            </a:r>
-            <a:endParaRPr lang="ko-KR" altLang="en-US" sz="1100"/>
-          </a:p>
-        </p:txBody>
-      </p:sp>
-      <p:sp>
-        <p:nvSpPr>
           <p:cNvPr id="80" name="TextBox 79">
             <a:extLst>
               <a:ext uri="{FF2B5EF4-FFF2-40B4-BE49-F238E27FC236}">
@@ -10342,8 +9984,8 @@
         </p:nvSpPr>
         <p:spPr>
           <a:xfrm>
-            <a:off x="3856684" y="1259446"/>
-            <a:ext cx="736099" cy="400110"/>
+            <a:off x="3841457" y="1336390"/>
+            <a:ext cx="766557" cy="246221"/>
           </a:xfrm>
           <a:prstGeom prst="rect">
             <a:avLst/>
@@ -10360,34 +10002,164 @@
             <a:r>
               <a:rPr lang="en-US" altLang="ko-KR" sz="1000">
                 <a:solidFill>
-                  <a:schemeClr val="tx2"/>
+                  <a:sysClr val="windowText" lastClr="000000"/>
                 </a:solidFill>
               </a:rPr>
-              <a:t>Verify </a:t>
-            </a:r>
-          </a:p>
-          <a:p>
-            <a:pPr algn="ctr"/>
-            <a:r>
-              <a:rPr lang="en-US" altLang="ko-KR" sz="1000">
-                <a:solidFill>
-                  <a:schemeClr val="tx2"/>
-                </a:solidFill>
-              </a:rPr>
-              <a:t>SA Token</a:t>
+              <a:t>Federated</a:t>
             </a:r>
             <a:endParaRPr lang="ko-KR" altLang="en-US" sz="1000">
               <a:solidFill>
-                <a:schemeClr val="tx2"/>
+                <a:sysClr val="windowText" lastClr="000000"/>
               </a:solidFill>
             </a:endParaRPr>
           </a:p>
         </p:txBody>
       </p:sp>
+      <p:cxnSp>
+        <p:nvCxnSpPr>
+          <p:cNvPr id="86" name="직선 화살표 연결선 85">
+            <a:extLst>
+              <a:ext uri="{FF2B5EF4-FFF2-40B4-BE49-F238E27FC236}">
+                <a16:creationId xmlns:a16="http://schemas.microsoft.com/office/drawing/2014/main" id="{3CBDAE5E-363E-472E-BCD6-C8B34946818A}"/>
+              </a:ext>
+            </a:extLst>
+          </p:cNvPr>
+          <p:cNvCxnSpPr>
+            <a:cxnSpLocks/>
+            <a:stCxn id="61" idx="0"/>
+            <a:endCxn id="88" idx="2"/>
+          </p:cNvCxnSpPr>
+          <p:nvPr/>
+        </p:nvCxnSpPr>
+        <p:spPr>
+          <a:xfrm flipV="1">
+            <a:off x="1717828" y="2383381"/>
+            <a:ext cx="0" cy="244084"/>
+          </a:xfrm>
+          <a:prstGeom prst="straightConnector1">
+            <a:avLst/>
+          </a:prstGeom>
+          <a:ln w="19050">
+            <a:solidFill>
+              <a:schemeClr val="tx1"/>
+            </a:solidFill>
+            <a:headEnd type="arrow" w="med" len="med"/>
+            <a:tailEnd type="none" w="med" len="med"/>
+          </a:ln>
+        </p:spPr>
+        <p:style>
+          <a:lnRef idx="1">
+            <a:schemeClr val="accent1"/>
+          </a:lnRef>
+          <a:fillRef idx="0">
+            <a:schemeClr val="accent1"/>
+          </a:fillRef>
+          <a:effectRef idx="0">
+            <a:schemeClr val="accent1"/>
+          </a:effectRef>
+          <a:fontRef idx="minor">
+            <a:schemeClr val="tx1"/>
+          </a:fontRef>
+        </p:style>
+      </p:cxnSp>
+      <p:sp>
+        <p:nvSpPr>
+          <p:cNvPr id="88" name="사각형: 둥근 모서리 87">
+            <a:extLst>
+              <a:ext uri="{FF2B5EF4-FFF2-40B4-BE49-F238E27FC236}">
+                <a16:creationId xmlns:a16="http://schemas.microsoft.com/office/drawing/2014/main" id="{51FE28B6-4CD6-4F5A-BD38-A14FA24B3C37}"/>
+              </a:ext>
+            </a:extLst>
+          </p:cNvPr>
+          <p:cNvSpPr/>
+          <p:nvPr/>
+        </p:nvSpPr>
+        <p:spPr>
+          <a:xfrm>
+            <a:off x="887030" y="2059635"/>
+            <a:ext cx="1661596" cy="323746"/>
+          </a:xfrm>
+          <a:prstGeom prst="roundRect">
+            <a:avLst/>
+          </a:prstGeom>
+        </p:spPr>
+        <p:style>
+          <a:lnRef idx="2">
+            <a:schemeClr val="dk1"/>
+          </a:lnRef>
+          <a:fillRef idx="1">
+            <a:schemeClr val="lt1"/>
+          </a:fillRef>
+          <a:effectRef idx="0">
+            <a:schemeClr val="dk1"/>
+          </a:effectRef>
+          <a:fontRef idx="minor">
+            <a:schemeClr val="dk1"/>
+          </a:fontRef>
+        </p:style>
+        <p:txBody>
+          <a:bodyPr rtlCol="0" anchor="ctr"/>
+          <a:lstStyle/>
+          <a:p>
+            <a:pPr algn="ctr"/>
+            <a:r>
+              <a:rPr lang="en-US" altLang="ko-KR" sz="1100"/>
+              <a:t>Private/Public Key</a:t>
+            </a:r>
+          </a:p>
+        </p:txBody>
+      </p:sp>
+      <p:cxnSp>
+        <p:nvCxnSpPr>
+          <p:cNvPr id="89" name="직선 화살표 연결선 88">
+            <a:extLst>
+              <a:ext uri="{FF2B5EF4-FFF2-40B4-BE49-F238E27FC236}">
+                <a16:creationId xmlns:a16="http://schemas.microsoft.com/office/drawing/2014/main" id="{369227C9-E19E-42F8-8ADA-B3197E03AFFF}"/>
+              </a:ext>
+            </a:extLst>
+          </p:cNvPr>
+          <p:cNvCxnSpPr>
+            <a:cxnSpLocks/>
+            <a:stCxn id="53" idx="2"/>
+            <a:endCxn id="88" idx="0"/>
+          </p:cNvCxnSpPr>
+          <p:nvPr/>
+        </p:nvCxnSpPr>
+        <p:spPr>
+          <a:xfrm flipH="1">
+            <a:off x="1717828" y="1419622"/>
+            <a:ext cx="461987" cy="640013"/>
+          </a:xfrm>
+          <a:prstGeom prst="straightConnector1">
+            <a:avLst/>
+          </a:prstGeom>
+          <a:ln w="19050">
+            <a:solidFill>
+              <a:schemeClr val="tx1"/>
+            </a:solidFill>
+            <a:headEnd type="arrow" w="med" len="med"/>
+            <a:tailEnd type="none" w="med" len="med"/>
+          </a:ln>
+        </p:spPr>
+        <p:style>
+          <a:lnRef idx="1">
+            <a:schemeClr val="accent1"/>
+          </a:lnRef>
+          <a:fillRef idx="0">
+            <a:schemeClr val="accent1"/>
+          </a:fillRef>
+          <a:effectRef idx="0">
+            <a:schemeClr val="accent1"/>
+          </a:effectRef>
+          <a:fontRef idx="minor">
+            <a:schemeClr val="tx1"/>
+          </a:fontRef>
+        </p:style>
+      </p:cxnSp>
     </p:spTree>
     <p:extLst>
       <p:ext uri="{BB962C8B-B14F-4D97-AF65-F5344CB8AC3E}">
-        <p14:creationId xmlns:p14="http://schemas.microsoft.com/office/powerpoint/2010/main" val="1828382803"/>
+        <p14:creationId xmlns:p14="http://schemas.microsoft.com/office/powerpoint/2010/main" val="2190827545"/>
       </p:ext>
     </p:extLst>
   </p:cSld>
@@ -10416,6 +10188,3417 @@
       </p:grpSpPr>
       <p:sp>
         <p:nvSpPr>
+          <p:cNvPr id="69" name="사각형: 둥근 모서리 68">
+            <a:extLst>
+              <a:ext uri="{FF2B5EF4-FFF2-40B4-BE49-F238E27FC236}">
+                <a16:creationId xmlns:a16="http://schemas.microsoft.com/office/drawing/2014/main" id="{3DC0E73D-14C7-4C36-A254-E52DEDB1542F}"/>
+              </a:ext>
+            </a:extLst>
+          </p:cNvPr>
+          <p:cNvSpPr/>
+          <p:nvPr/>
+        </p:nvSpPr>
+        <p:spPr>
+          <a:xfrm>
+            <a:off x="6213772" y="1977829"/>
+            <a:ext cx="2174652" cy="2304256"/>
+          </a:xfrm>
+          <a:prstGeom prst="roundRect">
+            <a:avLst>
+              <a:gd name="adj" fmla="val 6060"/>
+            </a:avLst>
+          </a:prstGeom>
+          <a:ln>
+            <a:prstDash val="dash"/>
+          </a:ln>
+        </p:spPr>
+        <p:style>
+          <a:lnRef idx="2">
+            <a:schemeClr val="dk1"/>
+          </a:lnRef>
+          <a:fillRef idx="1">
+            <a:schemeClr val="lt1"/>
+          </a:fillRef>
+          <a:effectRef idx="0">
+            <a:schemeClr val="dk1"/>
+          </a:effectRef>
+          <a:fontRef idx="minor">
+            <a:schemeClr val="dk1"/>
+          </a:fontRef>
+        </p:style>
+        <p:txBody>
+          <a:bodyPr rtlCol="0" anchor="b"/>
+          <a:lstStyle/>
+          <a:p>
+            <a:r>
+              <a:rPr lang="en-US" altLang="ko-KR" sz="1200"/>
+              <a:t>EKS Worker Node</a:t>
+            </a:r>
+          </a:p>
+        </p:txBody>
+      </p:sp>
+      <p:sp>
+        <p:nvSpPr>
+          <p:cNvPr id="68" name="사각형: 둥근 모서리 67">
+            <a:extLst>
+              <a:ext uri="{FF2B5EF4-FFF2-40B4-BE49-F238E27FC236}">
+                <a16:creationId xmlns:a16="http://schemas.microsoft.com/office/drawing/2014/main" id="{86CCA4AC-047F-4BCC-8B5B-CFCB6D84A8E2}"/>
+              </a:ext>
+            </a:extLst>
+          </p:cNvPr>
+          <p:cNvSpPr/>
+          <p:nvPr/>
+        </p:nvSpPr>
+        <p:spPr>
+          <a:xfrm>
+            <a:off x="637707" y="1977829"/>
+            <a:ext cx="4692878" cy="2304256"/>
+          </a:xfrm>
+          <a:prstGeom prst="roundRect">
+            <a:avLst>
+              <a:gd name="adj" fmla="val 6060"/>
+            </a:avLst>
+          </a:prstGeom>
+          <a:ln>
+            <a:prstDash val="dash"/>
+          </a:ln>
+        </p:spPr>
+        <p:style>
+          <a:lnRef idx="2">
+            <a:schemeClr val="dk1"/>
+          </a:lnRef>
+          <a:fillRef idx="1">
+            <a:schemeClr val="lt1"/>
+          </a:fillRef>
+          <a:effectRef idx="0">
+            <a:schemeClr val="dk1"/>
+          </a:effectRef>
+          <a:fontRef idx="minor">
+            <a:schemeClr val="dk1"/>
+          </a:fontRef>
+        </p:style>
+        <p:txBody>
+          <a:bodyPr rtlCol="0" anchor="b"/>
+          <a:lstStyle/>
+          <a:p>
+            <a:r>
+              <a:rPr lang="en-US" altLang="ko-KR" sz="1200"/>
+              <a:t>EKS Control Plane</a:t>
+            </a:r>
+          </a:p>
+        </p:txBody>
+      </p:sp>
+      <p:sp>
+        <p:nvSpPr>
+          <p:cNvPr id="2" name="제목 1"/>
+          <p:cNvSpPr>
+            <a:spLocks noGrp="1"/>
+          </p:cNvSpPr>
+          <p:nvPr>
+            <p:ph type="title"/>
+          </p:nvPr>
+        </p:nvSpPr>
+        <p:spPr>
+          <a:xfrm>
+            <a:off x="457200" y="-20538"/>
+            <a:ext cx="8229600" cy="720080"/>
+          </a:xfrm>
+        </p:spPr>
+        <p:txBody>
+          <a:bodyPr>
+            <a:normAutofit/>
+          </a:bodyPr>
+          <a:lstStyle/>
+          <a:p>
+            <a:r>
+              <a:rPr lang="en-US" altLang="ko-KR" sz="3600"/>
+              <a:t>AWS</a:t>
+            </a:r>
+            <a:endParaRPr lang="ko-KR" altLang="en-US" sz="3600" dirty="0"/>
+          </a:p>
+        </p:txBody>
+      </p:sp>
+      <p:sp>
+        <p:nvSpPr>
+          <p:cNvPr id="55" name="사각형: 둥근 모서리 54">
+            <a:extLst>
+              <a:ext uri="{FF2B5EF4-FFF2-40B4-BE49-F238E27FC236}">
+                <a16:creationId xmlns:a16="http://schemas.microsoft.com/office/drawing/2014/main" id="{91C3F0A6-A416-4A50-87EB-F8635EB440EB}"/>
+              </a:ext>
+            </a:extLst>
+          </p:cNvPr>
+          <p:cNvSpPr/>
+          <p:nvPr/>
+        </p:nvSpPr>
+        <p:spPr>
+          <a:xfrm>
+            <a:off x="3240341" y="2067694"/>
+            <a:ext cx="2016224" cy="504056"/>
+          </a:xfrm>
+          <a:prstGeom prst="roundRect">
+            <a:avLst/>
+          </a:prstGeom>
+        </p:spPr>
+        <p:style>
+          <a:lnRef idx="2">
+            <a:schemeClr val="dk1"/>
+          </a:lnRef>
+          <a:fillRef idx="1">
+            <a:schemeClr val="lt1"/>
+          </a:fillRef>
+          <a:effectRef idx="0">
+            <a:schemeClr val="dk1"/>
+          </a:effectRef>
+          <a:fontRef idx="minor">
+            <a:schemeClr val="dk1"/>
+          </a:fontRef>
+        </p:style>
+        <p:txBody>
+          <a:bodyPr rtlCol="0" anchor="ctr"/>
+          <a:lstStyle/>
+          <a:p>
+            <a:pPr algn="ctr"/>
+            <a:r>
+              <a:rPr lang="en-US" altLang="ko-KR" sz="1200" b="1"/>
+              <a:t>P</a:t>
+            </a:r>
+            <a:r>
+              <a:rPr lang="ko-KR" altLang="en-US" sz="1200" b="1"/>
+              <a:t>od </a:t>
+            </a:r>
+            <a:r>
+              <a:rPr lang="en-US" altLang="ko-KR" sz="1200" b="1"/>
+              <a:t>I</a:t>
+            </a:r>
+            <a:r>
+              <a:rPr lang="ko-KR" altLang="en-US" sz="1200" b="1"/>
+              <a:t>dentity </a:t>
+            </a:r>
+            <a:r>
+              <a:rPr lang="en-US" altLang="ko-KR" sz="1200" b="1"/>
+              <a:t>W</a:t>
+            </a:r>
+            <a:r>
+              <a:rPr lang="ko-KR" altLang="en-US" sz="1200" b="1"/>
+              <a:t>ebhook</a:t>
+            </a:r>
+          </a:p>
+        </p:txBody>
+      </p:sp>
+      <p:sp>
+        <p:nvSpPr>
+          <p:cNvPr id="56" name="사각형: 둥근 모서리 55">
+            <a:extLst>
+              <a:ext uri="{FF2B5EF4-FFF2-40B4-BE49-F238E27FC236}">
+                <a16:creationId xmlns:a16="http://schemas.microsoft.com/office/drawing/2014/main" id="{E190258D-7580-4011-AA1D-0F2CC6C74000}"/>
+              </a:ext>
+            </a:extLst>
+          </p:cNvPr>
+          <p:cNvSpPr/>
+          <p:nvPr/>
+        </p:nvSpPr>
+        <p:spPr>
+          <a:xfrm>
+            <a:off x="3240341" y="3417989"/>
+            <a:ext cx="2016224" cy="504056"/>
+          </a:xfrm>
+          <a:prstGeom prst="roundRect">
+            <a:avLst/>
+          </a:prstGeom>
+        </p:spPr>
+        <p:style>
+          <a:lnRef idx="2">
+            <a:schemeClr val="dk1"/>
+          </a:lnRef>
+          <a:fillRef idx="1">
+            <a:schemeClr val="lt1"/>
+          </a:fillRef>
+          <a:effectRef idx="0">
+            <a:schemeClr val="dk1"/>
+          </a:effectRef>
+          <a:fontRef idx="minor">
+            <a:schemeClr val="dk1"/>
+          </a:fontRef>
+        </p:style>
+        <p:txBody>
+          <a:bodyPr rtlCol="0" anchor="ctr"/>
+          <a:lstStyle/>
+          <a:p>
+            <a:pPr algn="ctr"/>
+            <a:r>
+              <a:rPr lang="en-US" altLang="ko-KR" sz="1200"/>
+              <a:t>AWS EKS (k8s) </a:t>
+            </a:r>
+          </a:p>
+          <a:p>
+            <a:pPr algn="ctr"/>
+            <a:r>
+              <a:rPr lang="en-US" altLang="ko-KR" sz="1200"/>
+              <a:t>API Server</a:t>
+            </a:r>
+          </a:p>
+        </p:txBody>
+      </p:sp>
+      <p:sp>
+        <p:nvSpPr>
+          <p:cNvPr id="53" name="사각형: 둥근 모서리 52">
+            <a:extLst>
+              <a:ext uri="{FF2B5EF4-FFF2-40B4-BE49-F238E27FC236}">
+                <a16:creationId xmlns:a16="http://schemas.microsoft.com/office/drawing/2014/main" id="{4EDBFAC3-BC02-4D26-8CAD-5CE93FBBB003}"/>
+              </a:ext>
+            </a:extLst>
+          </p:cNvPr>
+          <p:cNvSpPr/>
+          <p:nvPr/>
+        </p:nvSpPr>
+        <p:spPr>
+          <a:xfrm>
+            <a:off x="385191" y="987574"/>
+            <a:ext cx="3589247" cy="432048"/>
+          </a:xfrm>
+          <a:prstGeom prst="roundRect">
+            <a:avLst/>
+          </a:prstGeom>
+        </p:spPr>
+        <p:style>
+          <a:lnRef idx="2">
+            <a:schemeClr val="dk1"/>
+          </a:lnRef>
+          <a:fillRef idx="1">
+            <a:schemeClr val="lt1"/>
+          </a:fillRef>
+          <a:effectRef idx="0">
+            <a:schemeClr val="dk1"/>
+          </a:effectRef>
+          <a:fontRef idx="minor">
+            <a:schemeClr val="dk1"/>
+          </a:fontRef>
+        </p:style>
+        <p:txBody>
+          <a:bodyPr rtlCol="0" anchor="ctr"/>
+          <a:lstStyle/>
+          <a:p>
+            <a:pPr algn="ctr"/>
+            <a:r>
+              <a:rPr lang="en-US" altLang="ko-KR" sz="1100"/>
+              <a:t>https://oidc.eks.&lt;region&gt;.amazonaws.com/id/&lt;id&gt;</a:t>
+            </a:r>
+            <a:endParaRPr lang="en-US" altLang="ko-KR" sz="1200"/>
+          </a:p>
+          <a:p>
+            <a:pPr algn="ctr"/>
+            <a:r>
+              <a:rPr lang="en-US" altLang="ko-KR" sz="1200" b="1"/>
+              <a:t>AWS EKS OIDC Identity Provider</a:t>
+            </a:r>
+            <a:endParaRPr lang="ko-KR" altLang="en-US" sz="1200" b="1"/>
+          </a:p>
+        </p:txBody>
+      </p:sp>
+      <p:sp>
+        <p:nvSpPr>
+          <p:cNvPr id="57" name="사각형: 둥근 모서리 56">
+            <a:extLst>
+              <a:ext uri="{FF2B5EF4-FFF2-40B4-BE49-F238E27FC236}">
+                <a16:creationId xmlns:a16="http://schemas.microsoft.com/office/drawing/2014/main" id="{862DCA16-D022-40A8-A1CE-34C25881B2F3}"/>
+              </a:ext>
+            </a:extLst>
+          </p:cNvPr>
+          <p:cNvSpPr/>
+          <p:nvPr/>
+        </p:nvSpPr>
+        <p:spPr>
+          <a:xfrm>
+            <a:off x="4439711" y="987574"/>
+            <a:ext cx="1921740" cy="432048"/>
+          </a:xfrm>
+          <a:prstGeom prst="roundRect">
+            <a:avLst/>
+          </a:prstGeom>
+        </p:spPr>
+        <p:style>
+          <a:lnRef idx="2">
+            <a:schemeClr val="dk1"/>
+          </a:lnRef>
+          <a:fillRef idx="1">
+            <a:schemeClr val="lt1"/>
+          </a:fillRef>
+          <a:effectRef idx="0">
+            <a:schemeClr val="dk1"/>
+          </a:effectRef>
+          <a:fontRef idx="minor">
+            <a:schemeClr val="dk1"/>
+          </a:fontRef>
+        </p:style>
+        <p:txBody>
+          <a:bodyPr rtlCol="0" anchor="ctr"/>
+          <a:lstStyle/>
+          <a:p>
+            <a:pPr algn="ctr"/>
+            <a:r>
+              <a:rPr lang="en-US" altLang="ko-KR" sz="1200"/>
+              <a:t>AWS STS/IAM</a:t>
+            </a:r>
+            <a:endParaRPr lang="ko-KR" altLang="en-US" sz="1200"/>
+          </a:p>
+        </p:txBody>
+      </p:sp>
+      <p:sp>
+        <p:nvSpPr>
+          <p:cNvPr id="58" name="사각형: 둥근 모서리 57">
+            <a:extLst>
+              <a:ext uri="{FF2B5EF4-FFF2-40B4-BE49-F238E27FC236}">
+                <a16:creationId xmlns:a16="http://schemas.microsoft.com/office/drawing/2014/main" id="{CECC978C-4AD3-46B1-BDCF-28286E7F0027}"/>
+              </a:ext>
+            </a:extLst>
+          </p:cNvPr>
+          <p:cNvSpPr/>
+          <p:nvPr/>
+        </p:nvSpPr>
+        <p:spPr>
+          <a:xfrm>
+            <a:off x="6828461" y="990544"/>
+            <a:ext cx="1921740" cy="432048"/>
+          </a:xfrm>
+          <a:prstGeom prst="roundRect">
+            <a:avLst/>
+          </a:prstGeom>
+        </p:spPr>
+        <p:style>
+          <a:lnRef idx="2">
+            <a:schemeClr val="dk1"/>
+          </a:lnRef>
+          <a:fillRef idx="1">
+            <a:schemeClr val="lt1"/>
+          </a:fillRef>
+          <a:effectRef idx="0">
+            <a:schemeClr val="dk1"/>
+          </a:effectRef>
+          <a:fontRef idx="minor">
+            <a:schemeClr val="dk1"/>
+          </a:fontRef>
+        </p:style>
+        <p:txBody>
+          <a:bodyPr rtlCol="0" anchor="ctr"/>
+          <a:lstStyle/>
+          <a:p>
+            <a:pPr algn="ctr"/>
+            <a:r>
+              <a:rPr lang="en-US" altLang="ko-KR" sz="1200"/>
+              <a:t>AWS Services</a:t>
+            </a:r>
+            <a:endParaRPr lang="ko-KR" altLang="en-US" sz="1200"/>
+          </a:p>
+        </p:txBody>
+      </p:sp>
+      <p:sp>
+        <p:nvSpPr>
+          <p:cNvPr id="62" name="사각형: 둥근 모서리 61">
+            <a:extLst>
+              <a:ext uri="{FF2B5EF4-FFF2-40B4-BE49-F238E27FC236}">
+                <a16:creationId xmlns:a16="http://schemas.microsoft.com/office/drawing/2014/main" id="{03FB28A7-3F69-45AB-B8CA-811FCC97195A}"/>
+              </a:ext>
+            </a:extLst>
+          </p:cNvPr>
+          <p:cNvSpPr/>
+          <p:nvPr/>
+        </p:nvSpPr>
+        <p:spPr>
+          <a:xfrm>
+            <a:off x="709716" y="2555457"/>
+            <a:ext cx="2016224" cy="1008112"/>
+          </a:xfrm>
+          <a:prstGeom prst="roundRect">
+            <a:avLst>
+              <a:gd name="adj" fmla="val 8474"/>
+            </a:avLst>
+          </a:prstGeom>
+        </p:spPr>
+        <p:style>
+          <a:lnRef idx="2">
+            <a:schemeClr val="dk1"/>
+          </a:lnRef>
+          <a:fillRef idx="1">
+            <a:schemeClr val="lt1"/>
+          </a:fillRef>
+          <a:effectRef idx="0">
+            <a:schemeClr val="dk1"/>
+          </a:effectRef>
+          <a:fontRef idx="minor">
+            <a:schemeClr val="dk1"/>
+          </a:fontRef>
+        </p:style>
+        <p:txBody>
+          <a:bodyPr rtlCol="0" anchor="b"/>
+          <a:lstStyle/>
+          <a:p>
+            <a:pPr algn="ctr"/>
+            <a:r>
+              <a:rPr lang="en-US" altLang="ko-KR" sz="1200"/>
+              <a:t>AWS EKS (k8s) </a:t>
+            </a:r>
+          </a:p>
+          <a:p>
+            <a:pPr algn="ctr"/>
+            <a:r>
+              <a:rPr lang="en-US" altLang="ko-KR" sz="1200"/>
+              <a:t>Controller manager</a:t>
+            </a:r>
+          </a:p>
+        </p:txBody>
+      </p:sp>
+      <p:sp>
+        <p:nvSpPr>
+          <p:cNvPr id="61" name="사각형: 둥근 모서리 60">
+            <a:extLst>
+              <a:ext uri="{FF2B5EF4-FFF2-40B4-BE49-F238E27FC236}">
+                <a16:creationId xmlns:a16="http://schemas.microsoft.com/office/drawing/2014/main" id="{B5CC1BC7-063B-478A-A7E8-980B11777761}"/>
+              </a:ext>
+            </a:extLst>
+          </p:cNvPr>
+          <p:cNvSpPr/>
+          <p:nvPr/>
+        </p:nvSpPr>
+        <p:spPr>
+          <a:xfrm>
+            <a:off x="781724" y="2627465"/>
+            <a:ext cx="1872208" cy="432048"/>
+          </a:xfrm>
+          <a:prstGeom prst="roundRect">
+            <a:avLst>
+              <a:gd name="adj" fmla="val 13936"/>
+            </a:avLst>
+          </a:prstGeom>
+        </p:spPr>
+        <p:style>
+          <a:lnRef idx="2">
+            <a:schemeClr val="dk1"/>
+          </a:lnRef>
+          <a:fillRef idx="1">
+            <a:schemeClr val="lt1"/>
+          </a:fillRef>
+          <a:effectRef idx="0">
+            <a:schemeClr val="dk1"/>
+          </a:effectRef>
+          <a:fontRef idx="minor">
+            <a:schemeClr val="dk1"/>
+          </a:fontRef>
+        </p:style>
+        <p:txBody>
+          <a:bodyPr rtlCol="0" anchor="ctr"/>
+          <a:lstStyle/>
+          <a:p>
+            <a:pPr algn="ctr"/>
+            <a:r>
+              <a:rPr lang="en-US" altLang="ko-KR" sz="1100" b="1"/>
+              <a:t>serviceaccount-token</a:t>
+            </a:r>
+          </a:p>
+          <a:p>
+            <a:pPr algn="ctr"/>
+            <a:r>
+              <a:rPr lang="en-US" altLang="ko-KR" sz="1100"/>
+              <a:t>Controller</a:t>
+            </a:r>
+            <a:endParaRPr lang="ko-KR" altLang="en-US" sz="1100"/>
+          </a:p>
+        </p:txBody>
+      </p:sp>
+      <p:sp>
+        <p:nvSpPr>
+          <p:cNvPr id="65" name="사각형: 둥근 모서리 64">
+            <a:extLst>
+              <a:ext uri="{FF2B5EF4-FFF2-40B4-BE49-F238E27FC236}">
+                <a16:creationId xmlns:a16="http://schemas.microsoft.com/office/drawing/2014/main" id="{AB9D8FB2-BE66-43E6-B2EC-A45837F7664C}"/>
+              </a:ext>
+            </a:extLst>
+          </p:cNvPr>
+          <p:cNvSpPr/>
+          <p:nvPr/>
+        </p:nvSpPr>
+        <p:spPr>
+          <a:xfrm>
+            <a:off x="6292986" y="3417989"/>
+            <a:ext cx="2016224" cy="504056"/>
+          </a:xfrm>
+          <a:prstGeom prst="roundRect">
+            <a:avLst/>
+          </a:prstGeom>
+        </p:spPr>
+        <p:style>
+          <a:lnRef idx="2">
+            <a:schemeClr val="dk1"/>
+          </a:lnRef>
+          <a:fillRef idx="1">
+            <a:schemeClr val="lt1"/>
+          </a:fillRef>
+          <a:effectRef idx="0">
+            <a:schemeClr val="dk1"/>
+          </a:effectRef>
+          <a:fontRef idx="minor">
+            <a:schemeClr val="dk1"/>
+          </a:fontRef>
+        </p:style>
+        <p:txBody>
+          <a:bodyPr rtlCol="0" anchor="ctr"/>
+          <a:lstStyle/>
+          <a:p>
+            <a:pPr algn="ctr"/>
+            <a:r>
+              <a:rPr lang="en-US" altLang="ko-KR" sz="1200"/>
+              <a:t>kubelet</a:t>
+            </a:r>
+            <a:endParaRPr lang="ko-KR" altLang="en-US" sz="1200"/>
+          </a:p>
+        </p:txBody>
+      </p:sp>
+      <p:sp>
+        <p:nvSpPr>
+          <p:cNvPr id="66" name="사각형: 둥근 모서리 65">
+            <a:extLst>
+              <a:ext uri="{FF2B5EF4-FFF2-40B4-BE49-F238E27FC236}">
+                <a16:creationId xmlns:a16="http://schemas.microsoft.com/office/drawing/2014/main" id="{F50A3FF7-B2FB-462F-8CAC-6232200B42EA}"/>
+              </a:ext>
+            </a:extLst>
+          </p:cNvPr>
+          <p:cNvSpPr/>
+          <p:nvPr/>
+        </p:nvSpPr>
+        <p:spPr>
+          <a:xfrm>
+            <a:off x="6292986" y="2051400"/>
+            <a:ext cx="2016224" cy="663963"/>
+          </a:xfrm>
+          <a:prstGeom prst="roundRect">
+            <a:avLst/>
+          </a:prstGeom>
+        </p:spPr>
+        <p:style>
+          <a:lnRef idx="2">
+            <a:schemeClr val="dk1"/>
+          </a:lnRef>
+          <a:fillRef idx="1">
+            <a:schemeClr val="lt1"/>
+          </a:fillRef>
+          <a:effectRef idx="0">
+            <a:schemeClr val="dk1"/>
+          </a:effectRef>
+          <a:fontRef idx="minor">
+            <a:schemeClr val="dk1"/>
+          </a:fontRef>
+        </p:style>
+        <p:txBody>
+          <a:bodyPr rtlCol="0" anchor="b"/>
+          <a:lstStyle/>
+          <a:p>
+            <a:pPr algn="ctr"/>
+            <a:r>
+              <a:rPr lang="en-US" altLang="ko-KR" sz="1200"/>
+              <a:t>Pod</a:t>
+            </a:r>
+            <a:endParaRPr lang="ko-KR" altLang="en-US" sz="1200"/>
+          </a:p>
+        </p:txBody>
+      </p:sp>
+      <p:sp>
+        <p:nvSpPr>
+          <p:cNvPr id="67" name="사각형: 둥근 모서리 66">
+            <a:extLst>
+              <a:ext uri="{FF2B5EF4-FFF2-40B4-BE49-F238E27FC236}">
+                <a16:creationId xmlns:a16="http://schemas.microsoft.com/office/drawing/2014/main" id="{A83626D8-9CC6-4F27-90EE-1ABB64DA476E}"/>
+              </a:ext>
+            </a:extLst>
+          </p:cNvPr>
+          <p:cNvSpPr/>
+          <p:nvPr/>
+        </p:nvSpPr>
+        <p:spPr>
+          <a:xfrm>
+            <a:off x="3240341" y="4587974"/>
+            <a:ext cx="2016224" cy="504056"/>
+          </a:xfrm>
+          <a:prstGeom prst="roundRect">
+            <a:avLst/>
+          </a:prstGeom>
+        </p:spPr>
+        <p:style>
+          <a:lnRef idx="2">
+            <a:schemeClr val="dk1"/>
+          </a:lnRef>
+          <a:fillRef idx="1">
+            <a:schemeClr val="lt1"/>
+          </a:fillRef>
+          <a:effectRef idx="0">
+            <a:schemeClr val="dk1"/>
+          </a:effectRef>
+          <a:fontRef idx="minor">
+            <a:schemeClr val="dk1"/>
+          </a:fontRef>
+        </p:style>
+        <p:txBody>
+          <a:bodyPr rtlCol="0" anchor="ctr"/>
+          <a:lstStyle/>
+          <a:p>
+            <a:pPr algn="ctr"/>
+            <a:r>
+              <a:rPr lang="en-US" altLang="ko-KR" sz="1200"/>
+              <a:t>kubectl (k8s Client)</a:t>
+            </a:r>
+          </a:p>
+        </p:txBody>
+      </p:sp>
+      <p:cxnSp>
+        <p:nvCxnSpPr>
+          <p:cNvPr id="70" name="직선 화살표 연결선 69">
+            <a:extLst>
+              <a:ext uri="{FF2B5EF4-FFF2-40B4-BE49-F238E27FC236}">
+                <a16:creationId xmlns:a16="http://schemas.microsoft.com/office/drawing/2014/main" id="{52F9E773-9FDA-4A2E-935B-D41B20C3B31F}"/>
+              </a:ext>
+            </a:extLst>
+          </p:cNvPr>
+          <p:cNvCxnSpPr>
+            <a:cxnSpLocks/>
+          </p:cNvCxnSpPr>
+          <p:nvPr/>
+        </p:nvCxnSpPr>
+        <p:spPr>
+          <a:xfrm flipV="1">
+            <a:off x="3699461" y="3922045"/>
+            <a:ext cx="0" cy="665929"/>
+          </a:xfrm>
+          <a:prstGeom prst="straightConnector1">
+            <a:avLst/>
+          </a:prstGeom>
+          <a:ln w="19050">
+            <a:solidFill>
+              <a:schemeClr val="accent3">
+                <a:lumMod val="75000"/>
+              </a:schemeClr>
+            </a:solidFill>
+            <a:headEnd type="none" w="med" len="med"/>
+            <a:tailEnd type="arrow" w="med" len="med"/>
+          </a:ln>
+        </p:spPr>
+        <p:style>
+          <a:lnRef idx="1">
+            <a:schemeClr val="accent1"/>
+          </a:lnRef>
+          <a:fillRef idx="0">
+            <a:schemeClr val="accent1"/>
+          </a:fillRef>
+          <a:effectRef idx="0">
+            <a:schemeClr val="accent1"/>
+          </a:effectRef>
+          <a:fontRef idx="minor">
+            <a:schemeClr val="tx1"/>
+          </a:fontRef>
+        </p:style>
+      </p:cxnSp>
+      <p:sp>
+        <p:nvSpPr>
+          <p:cNvPr id="71" name="타원 70">
+            <a:extLst>
+              <a:ext uri="{FF2B5EF4-FFF2-40B4-BE49-F238E27FC236}">
+                <a16:creationId xmlns:a16="http://schemas.microsoft.com/office/drawing/2014/main" id="{68A2EDAC-80FE-4FC7-B882-6072AB8D05A2}"/>
+              </a:ext>
+            </a:extLst>
+          </p:cNvPr>
+          <p:cNvSpPr/>
+          <p:nvPr/>
+        </p:nvSpPr>
+        <p:spPr>
+          <a:xfrm>
+            <a:off x="3595414" y="4486440"/>
+            <a:ext cx="208094" cy="208094"/>
+          </a:xfrm>
+          <a:prstGeom prst="ellipse">
+            <a:avLst/>
+          </a:prstGeom>
+          <a:ln>
+            <a:solidFill>
+              <a:schemeClr val="accent3">
+                <a:lumMod val="75000"/>
+              </a:schemeClr>
+            </a:solidFill>
+          </a:ln>
+        </p:spPr>
+        <p:style>
+          <a:lnRef idx="2">
+            <a:schemeClr val="accent2"/>
+          </a:lnRef>
+          <a:fillRef idx="1">
+            <a:schemeClr val="lt1"/>
+          </a:fillRef>
+          <a:effectRef idx="0">
+            <a:schemeClr val="accent2"/>
+          </a:effectRef>
+          <a:fontRef idx="minor">
+            <a:schemeClr val="dk1"/>
+          </a:fontRef>
+        </p:style>
+        <p:txBody>
+          <a:bodyPr rtlCol="0" anchor="ctr"/>
+          <a:lstStyle/>
+          <a:p>
+            <a:pPr algn="ctr"/>
+            <a:r>
+              <a:rPr lang="en-US" altLang="ko-KR" sz="1100"/>
+              <a:t>1</a:t>
+            </a:r>
+            <a:endParaRPr lang="ko-KR" altLang="en-US" sz="1100"/>
+          </a:p>
+        </p:txBody>
+      </p:sp>
+      <p:sp>
+        <p:nvSpPr>
+          <p:cNvPr id="72" name="TextBox 71">
+            <a:extLst>
+              <a:ext uri="{FF2B5EF4-FFF2-40B4-BE49-F238E27FC236}">
+                <a16:creationId xmlns:a16="http://schemas.microsoft.com/office/drawing/2014/main" id="{25EBABF8-0598-4006-A530-A0478A4786DA}"/>
+              </a:ext>
+            </a:extLst>
+          </p:cNvPr>
+          <p:cNvSpPr txBox="1"/>
+          <p:nvPr/>
+        </p:nvSpPr>
+        <p:spPr>
+          <a:xfrm>
+            <a:off x="3024846" y="3916306"/>
+            <a:ext cx="660758" cy="707886"/>
+          </a:xfrm>
+          <a:prstGeom prst="rect">
+            <a:avLst/>
+          </a:prstGeom>
+          <a:noFill/>
+        </p:spPr>
+        <p:txBody>
+          <a:bodyPr wrap="none" rtlCol="0" anchor="ctr">
+            <a:spAutoFit/>
+          </a:bodyPr>
+          <a:lstStyle/>
+          <a:p>
+            <a:pPr algn="ctr"/>
+            <a:r>
+              <a:rPr lang="en-US" altLang="ko-KR" sz="1000">
+                <a:solidFill>
+                  <a:schemeClr val="accent3">
+                    <a:lumMod val="75000"/>
+                  </a:schemeClr>
+                </a:solidFill>
+              </a:rPr>
+              <a:t>Request</a:t>
+            </a:r>
+          </a:p>
+          <a:p>
+            <a:pPr algn="ctr"/>
+            <a:r>
+              <a:rPr lang="en-US" altLang="ko-KR" sz="1000">
+                <a:solidFill>
+                  <a:schemeClr val="accent3">
+                    <a:lumMod val="75000"/>
+                  </a:schemeClr>
+                </a:solidFill>
+              </a:rPr>
+              <a:t>Create</a:t>
+            </a:r>
+          </a:p>
+          <a:p>
+            <a:pPr algn="ctr"/>
+            <a:r>
+              <a:rPr lang="en-US" altLang="ko-KR" sz="1000">
+                <a:solidFill>
+                  <a:schemeClr val="accent3">
+                    <a:lumMod val="75000"/>
+                  </a:schemeClr>
+                </a:solidFill>
+              </a:rPr>
+              <a:t>Service</a:t>
+            </a:r>
+          </a:p>
+          <a:p>
+            <a:pPr algn="ctr"/>
+            <a:r>
+              <a:rPr lang="en-US" altLang="ko-KR" sz="1000">
+                <a:solidFill>
+                  <a:schemeClr val="accent3">
+                    <a:lumMod val="75000"/>
+                  </a:schemeClr>
+                </a:solidFill>
+              </a:rPr>
+              <a:t>Account</a:t>
+            </a:r>
+            <a:endParaRPr lang="ko-KR" altLang="en-US" sz="1000">
+              <a:solidFill>
+                <a:schemeClr val="accent3">
+                  <a:lumMod val="75000"/>
+                </a:schemeClr>
+              </a:solidFill>
+            </a:endParaRPr>
+          </a:p>
+        </p:txBody>
+      </p:sp>
+      <p:cxnSp>
+        <p:nvCxnSpPr>
+          <p:cNvPr id="74" name="직선 화살표 연결선 73">
+            <a:extLst>
+              <a:ext uri="{FF2B5EF4-FFF2-40B4-BE49-F238E27FC236}">
+                <a16:creationId xmlns:a16="http://schemas.microsoft.com/office/drawing/2014/main" id="{9183BF93-4CEC-4DA2-A605-7585B84E58BB}"/>
+              </a:ext>
+            </a:extLst>
+          </p:cNvPr>
+          <p:cNvCxnSpPr>
+            <a:cxnSpLocks/>
+            <a:stCxn id="67" idx="0"/>
+            <a:endCxn id="56" idx="2"/>
+          </p:cNvCxnSpPr>
+          <p:nvPr/>
+        </p:nvCxnSpPr>
+        <p:spPr>
+          <a:xfrm flipV="1">
+            <a:off x="4248453" y="3922045"/>
+            <a:ext cx="0" cy="665929"/>
+          </a:xfrm>
+          <a:prstGeom prst="straightConnector1">
+            <a:avLst/>
+          </a:prstGeom>
+          <a:ln w="19050">
+            <a:solidFill>
+              <a:srgbClr val="C00000"/>
+            </a:solidFill>
+            <a:headEnd type="none" w="med" len="med"/>
+            <a:tailEnd type="arrow" w="med" len="med"/>
+          </a:ln>
+        </p:spPr>
+        <p:style>
+          <a:lnRef idx="1">
+            <a:schemeClr val="accent1"/>
+          </a:lnRef>
+          <a:fillRef idx="0">
+            <a:schemeClr val="accent1"/>
+          </a:fillRef>
+          <a:effectRef idx="0">
+            <a:schemeClr val="accent1"/>
+          </a:effectRef>
+          <a:fontRef idx="minor">
+            <a:schemeClr val="tx1"/>
+          </a:fontRef>
+        </p:style>
+      </p:cxnSp>
+      <p:sp>
+        <p:nvSpPr>
+          <p:cNvPr id="75" name="타원 74">
+            <a:extLst>
+              <a:ext uri="{FF2B5EF4-FFF2-40B4-BE49-F238E27FC236}">
+                <a16:creationId xmlns:a16="http://schemas.microsoft.com/office/drawing/2014/main" id="{06A92FA1-1196-457E-9296-D1706CAE4055}"/>
+              </a:ext>
+            </a:extLst>
+          </p:cNvPr>
+          <p:cNvSpPr/>
+          <p:nvPr/>
+        </p:nvSpPr>
+        <p:spPr>
+          <a:xfrm>
+            <a:off x="4150305" y="4481414"/>
+            <a:ext cx="208094" cy="208094"/>
+          </a:xfrm>
+          <a:prstGeom prst="ellipse">
+            <a:avLst/>
+          </a:prstGeom>
+          <a:ln>
+            <a:solidFill>
+              <a:srgbClr val="C00000"/>
+            </a:solidFill>
+          </a:ln>
+        </p:spPr>
+        <p:style>
+          <a:lnRef idx="2">
+            <a:schemeClr val="accent2"/>
+          </a:lnRef>
+          <a:fillRef idx="1">
+            <a:schemeClr val="lt1"/>
+          </a:fillRef>
+          <a:effectRef idx="0">
+            <a:schemeClr val="accent2"/>
+          </a:effectRef>
+          <a:fontRef idx="minor">
+            <a:schemeClr val="dk1"/>
+          </a:fontRef>
+        </p:style>
+        <p:txBody>
+          <a:bodyPr rtlCol="0" anchor="ctr"/>
+          <a:lstStyle/>
+          <a:p>
+            <a:pPr algn="ctr"/>
+            <a:r>
+              <a:rPr lang="en-US" altLang="ko-KR" sz="1100"/>
+              <a:t>1</a:t>
+            </a:r>
+            <a:endParaRPr lang="ko-KR" altLang="en-US" sz="1100"/>
+          </a:p>
+        </p:txBody>
+      </p:sp>
+      <p:cxnSp>
+        <p:nvCxnSpPr>
+          <p:cNvPr id="76" name="직선 화살표 연결선 75">
+            <a:extLst>
+              <a:ext uri="{FF2B5EF4-FFF2-40B4-BE49-F238E27FC236}">
+                <a16:creationId xmlns:a16="http://schemas.microsoft.com/office/drawing/2014/main" id="{617AE5FA-E004-43B4-8C84-92E925ED1CC5}"/>
+              </a:ext>
+            </a:extLst>
+          </p:cNvPr>
+          <p:cNvCxnSpPr>
+            <a:cxnSpLocks/>
+          </p:cNvCxnSpPr>
+          <p:nvPr/>
+        </p:nvCxnSpPr>
+        <p:spPr>
+          <a:xfrm flipV="1">
+            <a:off x="4427984" y="2571750"/>
+            <a:ext cx="0" cy="846239"/>
+          </a:xfrm>
+          <a:prstGeom prst="straightConnector1">
+            <a:avLst/>
+          </a:prstGeom>
+          <a:ln w="19050">
+            <a:solidFill>
+              <a:srgbClr val="C00000"/>
+            </a:solidFill>
+            <a:headEnd type="arrow" w="med" len="med"/>
+            <a:tailEnd type="none" w="med" len="med"/>
+          </a:ln>
+        </p:spPr>
+        <p:style>
+          <a:lnRef idx="1">
+            <a:schemeClr val="accent1"/>
+          </a:lnRef>
+          <a:fillRef idx="0">
+            <a:schemeClr val="accent1"/>
+          </a:fillRef>
+          <a:effectRef idx="0">
+            <a:schemeClr val="accent1"/>
+          </a:effectRef>
+          <a:fontRef idx="minor">
+            <a:schemeClr val="tx1"/>
+          </a:fontRef>
+        </p:style>
+      </p:cxnSp>
+      <p:cxnSp>
+        <p:nvCxnSpPr>
+          <p:cNvPr id="77" name="직선 화살표 연결선 76">
+            <a:extLst>
+              <a:ext uri="{FF2B5EF4-FFF2-40B4-BE49-F238E27FC236}">
+                <a16:creationId xmlns:a16="http://schemas.microsoft.com/office/drawing/2014/main" id="{A0AA02E3-CA5C-4FB3-AA81-41118C0D1DE2}"/>
+              </a:ext>
+            </a:extLst>
+          </p:cNvPr>
+          <p:cNvCxnSpPr>
+            <a:cxnSpLocks/>
+          </p:cNvCxnSpPr>
+          <p:nvPr/>
+        </p:nvCxnSpPr>
+        <p:spPr>
+          <a:xfrm flipV="1">
+            <a:off x="4067944" y="2571750"/>
+            <a:ext cx="0" cy="846239"/>
+          </a:xfrm>
+          <a:prstGeom prst="straightConnector1">
+            <a:avLst/>
+          </a:prstGeom>
+          <a:ln w="19050">
+            <a:solidFill>
+              <a:srgbClr val="C00000"/>
+            </a:solidFill>
+            <a:headEnd type="none" w="med" len="med"/>
+            <a:tailEnd type="arrow" w="med" len="med"/>
+          </a:ln>
+        </p:spPr>
+        <p:style>
+          <a:lnRef idx="1">
+            <a:schemeClr val="accent1"/>
+          </a:lnRef>
+          <a:fillRef idx="0">
+            <a:schemeClr val="accent1"/>
+          </a:fillRef>
+          <a:effectRef idx="0">
+            <a:schemeClr val="accent1"/>
+          </a:effectRef>
+          <a:fontRef idx="minor">
+            <a:schemeClr val="tx1"/>
+          </a:fontRef>
+        </p:style>
+      </p:cxnSp>
+      <p:sp>
+        <p:nvSpPr>
+          <p:cNvPr id="79" name="타원 78">
+            <a:extLst>
+              <a:ext uri="{FF2B5EF4-FFF2-40B4-BE49-F238E27FC236}">
+                <a16:creationId xmlns:a16="http://schemas.microsoft.com/office/drawing/2014/main" id="{88FC27C3-6EE6-416B-BD87-BDEEA7A3E681}"/>
+              </a:ext>
+            </a:extLst>
+          </p:cNvPr>
+          <p:cNvSpPr/>
+          <p:nvPr/>
+        </p:nvSpPr>
+        <p:spPr>
+          <a:xfrm>
+            <a:off x="3958175" y="3309560"/>
+            <a:ext cx="208094" cy="208094"/>
+          </a:xfrm>
+          <a:prstGeom prst="ellipse">
+            <a:avLst/>
+          </a:prstGeom>
+          <a:ln>
+            <a:solidFill>
+              <a:srgbClr val="C00000"/>
+            </a:solidFill>
+          </a:ln>
+        </p:spPr>
+        <p:style>
+          <a:lnRef idx="2">
+            <a:schemeClr val="accent2"/>
+          </a:lnRef>
+          <a:fillRef idx="1">
+            <a:schemeClr val="lt1"/>
+          </a:fillRef>
+          <a:effectRef idx="0">
+            <a:schemeClr val="accent2"/>
+          </a:effectRef>
+          <a:fontRef idx="minor">
+            <a:schemeClr val="dk1"/>
+          </a:fontRef>
+        </p:style>
+        <p:txBody>
+          <a:bodyPr rtlCol="0" anchor="ctr"/>
+          <a:lstStyle/>
+          <a:p>
+            <a:pPr algn="ctr"/>
+            <a:r>
+              <a:rPr lang="en-US" altLang="ko-KR" sz="1100"/>
+              <a:t>2</a:t>
+            </a:r>
+            <a:endParaRPr lang="ko-KR" altLang="en-US" sz="1100"/>
+          </a:p>
+        </p:txBody>
+      </p:sp>
+      <p:sp>
+        <p:nvSpPr>
+          <p:cNvPr id="81" name="타원 80">
+            <a:extLst>
+              <a:ext uri="{FF2B5EF4-FFF2-40B4-BE49-F238E27FC236}">
+                <a16:creationId xmlns:a16="http://schemas.microsoft.com/office/drawing/2014/main" id="{B1ED6542-60DA-4954-81AF-AFFF6FC12401}"/>
+              </a:ext>
+            </a:extLst>
+          </p:cNvPr>
+          <p:cNvSpPr/>
+          <p:nvPr/>
+        </p:nvSpPr>
+        <p:spPr>
+          <a:xfrm>
+            <a:off x="4323937" y="2463321"/>
+            <a:ext cx="208094" cy="208094"/>
+          </a:xfrm>
+          <a:prstGeom prst="ellipse">
+            <a:avLst/>
+          </a:prstGeom>
+          <a:ln>
+            <a:solidFill>
+              <a:srgbClr val="C00000"/>
+            </a:solidFill>
+          </a:ln>
+        </p:spPr>
+        <p:style>
+          <a:lnRef idx="2">
+            <a:schemeClr val="accent2"/>
+          </a:lnRef>
+          <a:fillRef idx="1">
+            <a:schemeClr val="lt1"/>
+          </a:fillRef>
+          <a:effectRef idx="0">
+            <a:schemeClr val="accent2"/>
+          </a:effectRef>
+          <a:fontRef idx="minor">
+            <a:schemeClr val="dk1"/>
+          </a:fontRef>
+        </p:style>
+        <p:txBody>
+          <a:bodyPr rtlCol="0" anchor="ctr"/>
+          <a:lstStyle/>
+          <a:p>
+            <a:pPr algn="ctr"/>
+            <a:r>
+              <a:rPr lang="en-US" altLang="ko-KR" sz="1100"/>
+              <a:t>3</a:t>
+            </a:r>
+            <a:endParaRPr lang="ko-KR" altLang="en-US" sz="1100"/>
+          </a:p>
+        </p:txBody>
+      </p:sp>
+      <p:sp>
+        <p:nvSpPr>
+          <p:cNvPr id="82" name="TextBox 81">
+            <a:extLst>
+              <a:ext uri="{FF2B5EF4-FFF2-40B4-BE49-F238E27FC236}">
+                <a16:creationId xmlns:a16="http://schemas.microsoft.com/office/drawing/2014/main" id="{B98B92B5-2833-41D8-8B04-ED673EEB9865}"/>
+              </a:ext>
+            </a:extLst>
+          </p:cNvPr>
+          <p:cNvSpPr txBox="1"/>
+          <p:nvPr/>
+        </p:nvSpPr>
+        <p:spPr>
+          <a:xfrm>
+            <a:off x="3455768" y="2678310"/>
+            <a:ext cx="652743" cy="553998"/>
+          </a:xfrm>
+          <a:prstGeom prst="rect">
+            <a:avLst/>
+          </a:prstGeom>
+          <a:noFill/>
+        </p:spPr>
+        <p:txBody>
+          <a:bodyPr wrap="none" rtlCol="0" anchor="ctr">
+            <a:spAutoFit/>
+          </a:bodyPr>
+          <a:lstStyle/>
+          <a:p>
+            <a:pPr algn="ctr"/>
+            <a:r>
+              <a:rPr lang="en-US" altLang="ko-KR" sz="1000">
+                <a:solidFill>
+                  <a:srgbClr val="C00000"/>
+                </a:solidFill>
+              </a:rPr>
+              <a:t>Request</a:t>
+            </a:r>
+          </a:p>
+          <a:p>
+            <a:pPr algn="ctr"/>
+            <a:r>
+              <a:rPr lang="en-US" altLang="ko-KR" sz="1000">
+                <a:solidFill>
+                  <a:srgbClr val="C00000"/>
+                </a:solidFill>
+              </a:rPr>
+              <a:t>Create</a:t>
+            </a:r>
+          </a:p>
+          <a:p>
+            <a:pPr algn="ctr"/>
+            <a:r>
+              <a:rPr lang="en-US" altLang="ko-KR" sz="1000">
+                <a:solidFill>
+                  <a:srgbClr val="C00000"/>
+                </a:solidFill>
+              </a:rPr>
+              <a:t>Pod</a:t>
+            </a:r>
+            <a:endParaRPr lang="ko-KR" altLang="en-US" sz="1000">
+              <a:solidFill>
+                <a:srgbClr val="C00000"/>
+              </a:solidFill>
+            </a:endParaRPr>
+          </a:p>
+        </p:txBody>
+      </p:sp>
+      <p:sp>
+        <p:nvSpPr>
+          <p:cNvPr id="83" name="TextBox 82">
+            <a:extLst>
+              <a:ext uri="{FF2B5EF4-FFF2-40B4-BE49-F238E27FC236}">
+                <a16:creationId xmlns:a16="http://schemas.microsoft.com/office/drawing/2014/main" id="{D045A945-FF71-4C47-8F7D-14AF5770C08B}"/>
+              </a:ext>
+            </a:extLst>
+          </p:cNvPr>
+          <p:cNvSpPr txBox="1"/>
+          <p:nvPr/>
+        </p:nvSpPr>
+        <p:spPr>
+          <a:xfrm>
+            <a:off x="4386671" y="2717870"/>
+            <a:ext cx="950902" cy="553998"/>
+          </a:xfrm>
+          <a:prstGeom prst="rect">
+            <a:avLst/>
+          </a:prstGeom>
+          <a:noFill/>
+        </p:spPr>
+        <p:txBody>
+          <a:bodyPr wrap="none" rtlCol="0" anchor="ctr">
+            <a:spAutoFit/>
+          </a:bodyPr>
+          <a:lstStyle/>
+          <a:p>
+            <a:pPr algn="ctr"/>
+            <a:r>
+              <a:rPr lang="en-US" altLang="ko-KR" sz="1000">
+                <a:solidFill>
+                  <a:srgbClr val="C00000"/>
+                </a:solidFill>
+              </a:rPr>
+              <a:t>Request</a:t>
+            </a:r>
+          </a:p>
+          <a:p>
+            <a:pPr algn="ctr"/>
+            <a:r>
+              <a:rPr lang="en-US" altLang="ko-KR" sz="1000">
+                <a:solidFill>
+                  <a:srgbClr val="C00000"/>
+                </a:solidFill>
+              </a:rPr>
+              <a:t>Create</a:t>
+            </a:r>
+          </a:p>
+          <a:p>
+            <a:pPr algn="ctr"/>
+            <a:r>
+              <a:rPr lang="en-US" altLang="ko-KR" sz="1000">
+                <a:solidFill>
+                  <a:srgbClr val="C00000"/>
+                </a:solidFill>
+              </a:rPr>
+              <a:t>Mutated Pod</a:t>
+            </a:r>
+            <a:endParaRPr lang="ko-KR" altLang="en-US" sz="1000">
+              <a:solidFill>
+                <a:srgbClr val="C00000"/>
+              </a:solidFill>
+            </a:endParaRPr>
+          </a:p>
+        </p:txBody>
+      </p:sp>
+      <p:cxnSp>
+        <p:nvCxnSpPr>
+          <p:cNvPr id="84" name="직선 화살표 연결선 83">
+            <a:extLst>
+              <a:ext uri="{FF2B5EF4-FFF2-40B4-BE49-F238E27FC236}">
+                <a16:creationId xmlns:a16="http://schemas.microsoft.com/office/drawing/2014/main" id="{28EAF5A8-C60E-40F7-94C8-8F58DAD6DF0D}"/>
+              </a:ext>
+            </a:extLst>
+          </p:cNvPr>
+          <p:cNvCxnSpPr>
+            <a:cxnSpLocks/>
+          </p:cNvCxnSpPr>
+          <p:nvPr/>
+        </p:nvCxnSpPr>
+        <p:spPr>
+          <a:xfrm flipH="1">
+            <a:off x="5256567" y="3470359"/>
+            <a:ext cx="1036419" cy="0"/>
+          </a:xfrm>
+          <a:prstGeom prst="straightConnector1">
+            <a:avLst/>
+          </a:prstGeom>
+          <a:ln w="19050">
+            <a:solidFill>
+              <a:srgbClr val="C00000"/>
+            </a:solidFill>
+            <a:headEnd type="arrow" w="med" len="med"/>
+            <a:tailEnd type="none" w="med" len="med"/>
+          </a:ln>
+        </p:spPr>
+        <p:style>
+          <a:lnRef idx="1">
+            <a:schemeClr val="accent1"/>
+          </a:lnRef>
+          <a:fillRef idx="0">
+            <a:schemeClr val="accent1"/>
+          </a:fillRef>
+          <a:effectRef idx="0">
+            <a:schemeClr val="accent1"/>
+          </a:effectRef>
+          <a:fontRef idx="minor">
+            <a:schemeClr val="tx1"/>
+          </a:fontRef>
+        </p:style>
+      </p:cxnSp>
+      <p:sp>
+        <p:nvSpPr>
+          <p:cNvPr id="93" name="타원 92">
+            <a:extLst>
+              <a:ext uri="{FF2B5EF4-FFF2-40B4-BE49-F238E27FC236}">
+                <a16:creationId xmlns:a16="http://schemas.microsoft.com/office/drawing/2014/main" id="{FF2E83FC-E21A-4B8E-ACB2-8C2262D7A51C}"/>
+              </a:ext>
+            </a:extLst>
+          </p:cNvPr>
+          <p:cNvSpPr/>
+          <p:nvPr/>
+        </p:nvSpPr>
+        <p:spPr>
+          <a:xfrm>
+            <a:off x="5137502" y="3371768"/>
+            <a:ext cx="208094" cy="208094"/>
+          </a:xfrm>
+          <a:prstGeom prst="ellipse">
+            <a:avLst/>
+          </a:prstGeom>
+          <a:ln>
+            <a:solidFill>
+              <a:srgbClr val="C00000"/>
+            </a:solidFill>
+          </a:ln>
+        </p:spPr>
+        <p:style>
+          <a:lnRef idx="2">
+            <a:schemeClr val="accent2"/>
+          </a:lnRef>
+          <a:fillRef idx="1">
+            <a:schemeClr val="lt1"/>
+          </a:fillRef>
+          <a:effectRef idx="0">
+            <a:schemeClr val="accent2"/>
+          </a:effectRef>
+          <a:fontRef idx="minor">
+            <a:schemeClr val="dk1"/>
+          </a:fontRef>
+        </p:style>
+        <p:txBody>
+          <a:bodyPr rtlCol="0" anchor="ctr"/>
+          <a:lstStyle/>
+          <a:p>
+            <a:pPr algn="ctr"/>
+            <a:r>
+              <a:rPr lang="en-US" altLang="ko-KR" sz="1100"/>
+              <a:t>4</a:t>
+            </a:r>
+            <a:endParaRPr lang="ko-KR" altLang="en-US" sz="1100"/>
+          </a:p>
+        </p:txBody>
+      </p:sp>
+      <p:cxnSp>
+        <p:nvCxnSpPr>
+          <p:cNvPr id="95" name="직선 화살표 연결선 94">
+            <a:extLst>
+              <a:ext uri="{FF2B5EF4-FFF2-40B4-BE49-F238E27FC236}">
+                <a16:creationId xmlns:a16="http://schemas.microsoft.com/office/drawing/2014/main" id="{E68AA666-0964-483D-8949-4F48C39CAF63}"/>
+              </a:ext>
+            </a:extLst>
+          </p:cNvPr>
+          <p:cNvCxnSpPr>
+            <a:cxnSpLocks/>
+            <a:stCxn id="66" idx="2"/>
+            <a:endCxn id="65" idx="0"/>
+          </p:cNvCxnSpPr>
+          <p:nvPr/>
+        </p:nvCxnSpPr>
+        <p:spPr>
+          <a:xfrm>
+            <a:off x="7301098" y="2715363"/>
+            <a:ext cx="0" cy="702626"/>
+          </a:xfrm>
+          <a:prstGeom prst="straightConnector1">
+            <a:avLst/>
+          </a:prstGeom>
+          <a:ln w="19050">
+            <a:solidFill>
+              <a:srgbClr val="C00000"/>
+            </a:solidFill>
+            <a:headEnd type="arrow" w="med" len="med"/>
+            <a:tailEnd type="none" w="med" len="med"/>
+          </a:ln>
+        </p:spPr>
+        <p:style>
+          <a:lnRef idx="1">
+            <a:schemeClr val="accent1"/>
+          </a:lnRef>
+          <a:fillRef idx="0">
+            <a:schemeClr val="accent1"/>
+          </a:fillRef>
+          <a:effectRef idx="0">
+            <a:schemeClr val="accent1"/>
+          </a:effectRef>
+          <a:fontRef idx="minor">
+            <a:schemeClr val="tx1"/>
+          </a:fontRef>
+        </p:style>
+      </p:cxnSp>
+      <p:cxnSp>
+        <p:nvCxnSpPr>
+          <p:cNvPr id="96" name="직선 화살표 연결선 95">
+            <a:extLst>
+              <a:ext uri="{FF2B5EF4-FFF2-40B4-BE49-F238E27FC236}">
+                <a16:creationId xmlns:a16="http://schemas.microsoft.com/office/drawing/2014/main" id="{3DFA7201-E3B5-49D1-B65F-1ABC5EFDFCA6}"/>
+              </a:ext>
+            </a:extLst>
+          </p:cNvPr>
+          <p:cNvCxnSpPr>
+            <a:cxnSpLocks/>
+          </p:cNvCxnSpPr>
+          <p:nvPr/>
+        </p:nvCxnSpPr>
+        <p:spPr>
+          <a:xfrm flipH="1" flipV="1">
+            <a:off x="5004048" y="1419622"/>
+            <a:ext cx="2044533" cy="631778"/>
+          </a:xfrm>
+          <a:prstGeom prst="straightConnector1">
+            <a:avLst/>
+          </a:prstGeom>
+          <a:ln w="19050">
+            <a:solidFill>
+              <a:schemeClr val="tx2"/>
+            </a:solidFill>
+            <a:headEnd type="none" w="med" len="med"/>
+            <a:tailEnd type="arrow" w="med" len="med"/>
+          </a:ln>
+        </p:spPr>
+        <p:style>
+          <a:lnRef idx="1">
+            <a:schemeClr val="accent1"/>
+          </a:lnRef>
+          <a:fillRef idx="0">
+            <a:schemeClr val="accent1"/>
+          </a:fillRef>
+          <a:effectRef idx="0">
+            <a:schemeClr val="accent1"/>
+          </a:effectRef>
+          <a:fontRef idx="minor">
+            <a:schemeClr val="tx1"/>
+          </a:fontRef>
+        </p:style>
+      </p:cxnSp>
+      <p:cxnSp>
+        <p:nvCxnSpPr>
+          <p:cNvPr id="98" name="직선 화살표 연결선 97">
+            <a:extLst>
+              <a:ext uri="{FF2B5EF4-FFF2-40B4-BE49-F238E27FC236}">
+                <a16:creationId xmlns:a16="http://schemas.microsoft.com/office/drawing/2014/main" id="{8C531752-C3E2-4741-8EB6-DCC5E0042A5F}"/>
+              </a:ext>
+            </a:extLst>
+          </p:cNvPr>
+          <p:cNvCxnSpPr>
+            <a:cxnSpLocks/>
+            <a:stCxn id="57" idx="2"/>
+            <a:endCxn id="66" idx="0"/>
+          </p:cNvCxnSpPr>
+          <p:nvPr/>
+        </p:nvCxnSpPr>
+        <p:spPr>
+          <a:xfrm>
+            <a:off x="5400581" y="1419622"/>
+            <a:ext cx="1900517" cy="631778"/>
+          </a:xfrm>
+          <a:prstGeom prst="straightConnector1">
+            <a:avLst/>
+          </a:prstGeom>
+          <a:ln w="19050">
+            <a:solidFill>
+              <a:schemeClr val="tx2"/>
+            </a:solidFill>
+            <a:headEnd type="none" w="med" len="med"/>
+            <a:tailEnd type="arrow" w="med" len="med"/>
+          </a:ln>
+        </p:spPr>
+        <p:style>
+          <a:lnRef idx="1">
+            <a:schemeClr val="accent1"/>
+          </a:lnRef>
+          <a:fillRef idx="0">
+            <a:schemeClr val="accent1"/>
+          </a:fillRef>
+          <a:effectRef idx="0">
+            <a:schemeClr val="accent1"/>
+          </a:effectRef>
+          <a:fontRef idx="minor">
+            <a:schemeClr val="tx1"/>
+          </a:fontRef>
+        </p:style>
+      </p:cxnSp>
+      <p:sp>
+        <p:nvSpPr>
+          <p:cNvPr id="100" name="타원 99">
+            <a:extLst>
+              <a:ext uri="{FF2B5EF4-FFF2-40B4-BE49-F238E27FC236}">
+                <a16:creationId xmlns:a16="http://schemas.microsoft.com/office/drawing/2014/main" id="{F4E99537-40FF-4B90-BB3D-A60A963AD5C0}"/>
+              </a:ext>
+            </a:extLst>
+          </p:cNvPr>
+          <p:cNvSpPr/>
+          <p:nvPr/>
+        </p:nvSpPr>
+        <p:spPr>
+          <a:xfrm>
+            <a:off x="5323896" y="1306786"/>
+            <a:ext cx="208094" cy="208094"/>
+          </a:xfrm>
+          <a:prstGeom prst="ellipse">
+            <a:avLst/>
+          </a:prstGeom>
+          <a:ln>
+            <a:solidFill>
+              <a:srgbClr val="002060"/>
+            </a:solidFill>
+          </a:ln>
+        </p:spPr>
+        <p:style>
+          <a:lnRef idx="2">
+            <a:schemeClr val="accent2"/>
+          </a:lnRef>
+          <a:fillRef idx="1">
+            <a:schemeClr val="lt1"/>
+          </a:fillRef>
+          <a:effectRef idx="0">
+            <a:schemeClr val="accent2"/>
+          </a:effectRef>
+          <a:fontRef idx="minor">
+            <a:schemeClr val="dk1"/>
+          </a:fontRef>
+        </p:style>
+        <p:txBody>
+          <a:bodyPr rtlCol="0" anchor="ctr"/>
+          <a:lstStyle/>
+          <a:p>
+            <a:pPr algn="ctr"/>
+            <a:r>
+              <a:rPr lang="en-US" altLang="ko-KR" sz="1100"/>
+              <a:t>3</a:t>
+            </a:r>
+            <a:endParaRPr lang="ko-KR" altLang="en-US" sz="1100"/>
+          </a:p>
+        </p:txBody>
+      </p:sp>
+      <p:cxnSp>
+        <p:nvCxnSpPr>
+          <p:cNvPr id="102" name="직선 화살표 연결선 101">
+            <a:extLst>
+              <a:ext uri="{FF2B5EF4-FFF2-40B4-BE49-F238E27FC236}">
+                <a16:creationId xmlns:a16="http://schemas.microsoft.com/office/drawing/2014/main" id="{5BA71101-B25B-4AEC-B6E1-2F533E214A03}"/>
+              </a:ext>
+            </a:extLst>
+          </p:cNvPr>
+          <p:cNvCxnSpPr>
+            <a:cxnSpLocks/>
+            <a:stCxn id="66" idx="0"/>
+            <a:endCxn id="58" idx="2"/>
+          </p:cNvCxnSpPr>
+          <p:nvPr/>
+        </p:nvCxnSpPr>
+        <p:spPr>
+          <a:xfrm flipV="1">
+            <a:off x="7301098" y="1422592"/>
+            <a:ext cx="488233" cy="628808"/>
+          </a:xfrm>
+          <a:prstGeom prst="straightConnector1">
+            <a:avLst/>
+          </a:prstGeom>
+          <a:ln w="19050">
+            <a:solidFill>
+              <a:schemeClr val="tx2"/>
+            </a:solidFill>
+            <a:headEnd type="none" w="med" len="med"/>
+            <a:tailEnd type="arrow" w="med" len="med"/>
+          </a:ln>
+        </p:spPr>
+        <p:style>
+          <a:lnRef idx="1">
+            <a:schemeClr val="accent1"/>
+          </a:lnRef>
+          <a:fillRef idx="0">
+            <a:schemeClr val="accent1"/>
+          </a:fillRef>
+          <a:effectRef idx="0">
+            <a:schemeClr val="accent1"/>
+          </a:effectRef>
+          <a:fontRef idx="minor">
+            <a:schemeClr val="tx1"/>
+          </a:fontRef>
+        </p:style>
+      </p:cxnSp>
+      <p:sp>
+        <p:nvSpPr>
+          <p:cNvPr id="103" name="타원 102">
+            <a:extLst>
+              <a:ext uri="{FF2B5EF4-FFF2-40B4-BE49-F238E27FC236}">
+                <a16:creationId xmlns:a16="http://schemas.microsoft.com/office/drawing/2014/main" id="{F3167E06-D7D9-4850-85D9-0C617B18F2AA}"/>
+              </a:ext>
+            </a:extLst>
+          </p:cNvPr>
+          <p:cNvSpPr/>
+          <p:nvPr/>
+        </p:nvSpPr>
+        <p:spPr>
+          <a:xfrm>
+            <a:off x="7316234" y="1779662"/>
+            <a:ext cx="208094" cy="208094"/>
+          </a:xfrm>
+          <a:prstGeom prst="ellipse">
+            <a:avLst/>
+          </a:prstGeom>
+          <a:ln>
+            <a:solidFill>
+              <a:srgbClr val="002060"/>
+            </a:solidFill>
+          </a:ln>
+        </p:spPr>
+        <p:style>
+          <a:lnRef idx="2">
+            <a:schemeClr val="accent2"/>
+          </a:lnRef>
+          <a:fillRef idx="1">
+            <a:schemeClr val="lt1"/>
+          </a:fillRef>
+          <a:effectRef idx="0">
+            <a:schemeClr val="accent2"/>
+          </a:effectRef>
+          <a:fontRef idx="minor">
+            <a:schemeClr val="dk1"/>
+          </a:fontRef>
+        </p:style>
+        <p:txBody>
+          <a:bodyPr rtlCol="0" anchor="ctr"/>
+          <a:lstStyle/>
+          <a:p>
+            <a:pPr algn="ctr"/>
+            <a:r>
+              <a:rPr lang="en-US" altLang="ko-KR" sz="1100"/>
+              <a:t>4</a:t>
+            </a:r>
+            <a:endParaRPr lang="ko-KR" altLang="en-US" sz="1100"/>
+          </a:p>
+        </p:txBody>
+      </p:sp>
+      <p:sp>
+        <p:nvSpPr>
+          <p:cNvPr id="106" name="사각형: 둥근 모서리 105">
+            <a:extLst>
+              <a:ext uri="{FF2B5EF4-FFF2-40B4-BE49-F238E27FC236}">
+                <a16:creationId xmlns:a16="http://schemas.microsoft.com/office/drawing/2014/main" id="{E699AFBD-CFBA-4CEE-B82C-BB02505CBE39}"/>
+              </a:ext>
+            </a:extLst>
+          </p:cNvPr>
+          <p:cNvSpPr/>
+          <p:nvPr/>
+        </p:nvSpPr>
+        <p:spPr>
+          <a:xfrm>
+            <a:off x="6372200" y="2131583"/>
+            <a:ext cx="1862084" cy="287573"/>
+          </a:xfrm>
+          <a:prstGeom prst="roundRect">
+            <a:avLst>
+              <a:gd name="adj" fmla="val 15988"/>
+            </a:avLst>
+          </a:prstGeom>
+        </p:spPr>
+        <p:style>
+          <a:lnRef idx="2">
+            <a:schemeClr val="dk1"/>
+          </a:lnRef>
+          <a:fillRef idx="1">
+            <a:schemeClr val="lt1"/>
+          </a:fillRef>
+          <a:effectRef idx="0">
+            <a:schemeClr val="dk1"/>
+          </a:effectRef>
+          <a:fontRef idx="minor">
+            <a:schemeClr val="dk1"/>
+          </a:fontRef>
+        </p:style>
+        <p:txBody>
+          <a:bodyPr rtlCol="0" anchor="ctr"/>
+          <a:lstStyle/>
+          <a:p>
+            <a:pPr algn="ctr"/>
+            <a:r>
+              <a:rPr lang="en-US" altLang="ko-KR" sz="1100" b="1"/>
+              <a:t>AWS SA Token</a:t>
+            </a:r>
+            <a:endParaRPr lang="ko-KR" altLang="en-US" sz="1100" b="1"/>
+          </a:p>
+        </p:txBody>
+      </p:sp>
+      <p:sp>
+        <p:nvSpPr>
+          <p:cNvPr id="99" name="타원 98">
+            <a:extLst>
+              <a:ext uri="{FF2B5EF4-FFF2-40B4-BE49-F238E27FC236}">
+                <a16:creationId xmlns:a16="http://schemas.microsoft.com/office/drawing/2014/main" id="{2C9551E3-6696-4F62-998F-CE014C2403F9}"/>
+              </a:ext>
+            </a:extLst>
+          </p:cNvPr>
+          <p:cNvSpPr/>
+          <p:nvPr/>
+        </p:nvSpPr>
+        <p:spPr>
+          <a:xfrm>
+            <a:off x="6804248" y="1952032"/>
+            <a:ext cx="208094" cy="208094"/>
+          </a:xfrm>
+          <a:prstGeom prst="ellipse">
+            <a:avLst/>
+          </a:prstGeom>
+          <a:ln>
+            <a:solidFill>
+              <a:srgbClr val="002060"/>
+            </a:solidFill>
+          </a:ln>
+        </p:spPr>
+        <p:style>
+          <a:lnRef idx="2">
+            <a:schemeClr val="accent2"/>
+          </a:lnRef>
+          <a:fillRef idx="1">
+            <a:schemeClr val="lt1"/>
+          </a:fillRef>
+          <a:effectRef idx="0">
+            <a:schemeClr val="accent2"/>
+          </a:effectRef>
+          <a:fontRef idx="minor">
+            <a:schemeClr val="dk1"/>
+          </a:fontRef>
+        </p:style>
+        <p:txBody>
+          <a:bodyPr rtlCol="0" anchor="ctr"/>
+          <a:lstStyle/>
+          <a:p>
+            <a:pPr algn="ctr"/>
+            <a:r>
+              <a:rPr lang="en-US" altLang="ko-KR" sz="1100"/>
+              <a:t>1</a:t>
+            </a:r>
+            <a:endParaRPr lang="ko-KR" altLang="en-US" sz="1100"/>
+          </a:p>
+        </p:txBody>
+      </p:sp>
+      <p:sp>
+        <p:nvSpPr>
+          <p:cNvPr id="113" name="TextBox 112">
+            <a:extLst>
+              <a:ext uri="{FF2B5EF4-FFF2-40B4-BE49-F238E27FC236}">
+                <a16:creationId xmlns:a16="http://schemas.microsoft.com/office/drawing/2014/main" id="{2B10E519-9CB1-4CC9-AE88-42A70E172D3B}"/>
+              </a:ext>
+            </a:extLst>
+          </p:cNvPr>
+          <p:cNvSpPr txBox="1"/>
+          <p:nvPr/>
+        </p:nvSpPr>
+        <p:spPr>
+          <a:xfrm>
+            <a:off x="5295725" y="2910462"/>
+            <a:ext cx="950902" cy="553998"/>
+          </a:xfrm>
+          <a:prstGeom prst="rect">
+            <a:avLst/>
+          </a:prstGeom>
+          <a:noFill/>
+        </p:spPr>
+        <p:txBody>
+          <a:bodyPr wrap="none" rtlCol="0" anchor="ctr">
+            <a:spAutoFit/>
+          </a:bodyPr>
+          <a:lstStyle/>
+          <a:p>
+            <a:pPr algn="ctr"/>
+            <a:r>
+              <a:rPr lang="en-US" altLang="ko-KR" sz="1000">
+                <a:solidFill>
+                  <a:srgbClr val="C00000"/>
+                </a:solidFill>
+              </a:rPr>
+              <a:t>Request</a:t>
+            </a:r>
+          </a:p>
+          <a:p>
+            <a:pPr algn="ctr"/>
+            <a:r>
+              <a:rPr lang="en-US" altLang="ko-KR" sz="1000">
+                <a:solidFill>
+                  <a:srgbClr val="C00000"/>
+                </a:solidFill>
+              </a:rPr>
+              <a:t>Create</a:t>
+            </a:r>
+          </a:p>
+          <a:p>
+            <a:pPr algn="ctr"/>
+            <a:r>
+              <a:rPr lang="en-US" altLang="ko-KR" sz="1000">
+                <a:solidFill>
+                  <a:srgbClr val="C00000"/>
+                </a:solidFill>
+              </a:rPr>
+              <a:t>Mutated Pod</a:t>
+            </a:r>
+            <a:endParaRPr lang="ko-KR" altLang="en-US" sz="1000">
+              <a:solidFill>
+                <a:srgbClr val="C00000"/>
+              </a:solidFill>
+            </a:endParaRPr>
+          </a:p>
+        </p:txBody>
+      </p:sp>
+      <p:sp>
+        <p:nvSpPr>
+          <p:cNvPr id="119" name="타원 118">
+            <a:extLst>
+              <a:ext uri="{FF2B5EF4-FFF2-40B4-BE49-F238E27FC236}">
+                <a16:creationId xmlns:a16="http://schemas.microsoft.com/office/drawing/2014/main" id="{5C471B6A-AD3C-4C5F-A004-0D13CB18A4E9}"/>
+              </a:ext>
+            </a:extLst>
+          </p:cNvPr>
+          <p:cNvSpPr/>
+          <p:nvPr/>
+        </p:nvSpPr>
+        <p:spPr>
+          <a:xfrm>
+            <a:off x="7197051" y="3309560"/>
+            <a:ext cx="208094" cy="208094"/>
+          </a:xfrm>
+          <a:prstGeom prst="ellipse">
+            <a:avLst/>
+          </a:prstGeom>
+          <a:ln>
+            <a:solidFill>
+              <a:srgbClr val="C00000"/>
+            </a:solidFill>
+          </a:ln>
+        </p:spPr>
+        <p:style>
+          <a:lnRef idx="2">
+            <a:schemeClr val="accent2"/>
+          </a:lnRef>
+          <a:fillRef idx="1">
+            <a:schemeClr val="lt1"/>
+          </a:fillRef>
+          <a:effectRef idx="0">
+            <a:schemeClr val="accent2"/>
+          </a:effectRef>
+          <a:fontRef idx="minor">
+            <a:schemeClr val="dk1"/>
+          </a:fontRef>
+        </p:style>
+        <p:txBody>
+          <a:bodyPr rtlCol="0" anchor="ctr"/>
+          <a:lstStyle/>
+          <a:p>
+            <a:pPr algn="ctr"/>
+            <a:r>
+              <a:rPr lang="en-US" altLang="ko-KR" sz="1100"/>
+              <a:t>5</a:t>
+            </a:r>
+            <a:endParaRPr lang="ko-KR" altLang="en-US" sz="1100"/>
+          </a:p>
+        </p:txBody>
+      </p:sp>
+      <p:sp>
+        <p:nvSpPr>
+          <p:cNvPr id="120" name="TextBox 119">
+            <a:extLst>
+              <a:ext uri="{FF2B5EF4-FFF2-40B4-BE49-F238E27FC236}">
+                <a16:creationId xmlns:a16="http://schemas.microsoft.com/office/drawing/2014/main" id="{2D7D4E97-5138-4A62-872F-C23C755EDB61}"/>
+              </a:ext>
+            </a:extLst>
+          </p:cNvPr>
+          <p:cNvSpPr txBox="1"/>
+          <p:nvPr/>
+        </p:nvSpPr>
+        <p:spPr>
+          <a:xfrm>
+            <a:off x="6667247" y="2779007"/>
+            <a:ext cx="678391" cy="553998"/>
+          </a:xfrm>
+          <a:prstGeom prst="rect">
+            <a:avLst/>
+          </a:prstGeom>
+          <a:noFill/>
+        </p:spPr>
+        <p:txBody>
+          <a:bodyPr wrap="none" rtlCol="0" anchor="ctr">
+            <a:spAutoFit/>
+          </a:bodyPr>
+          <a:lstStyle/>
+          <a:p>
+            <a:pPr algn="ctr"/>
+            <a:r>
+              <a:rPr lang="en-US" altLang="ko-KR" sz="1000">
+                <a:solidFill>
+                  <a:srgbClr val="C00000"/>
+                </a:solidFill>
+              </a:rPr>
+              <a:t>Create</a:t>
+            </a:r>
+          </a:p>
+          <a:p>
+            <a:pPr algn="ctr"/>
+            <a:r>
+              <a:rPr lang="en-US" altLang="ko-KR" sz="1000">
+                <a:solidFill>
+                  <a:srgbClr val="C00000"/>
+                </a:solidFill>
+              </a:rPr>
+              <a:t>Mutated</a:t>
+            </a:r>
+          </a:p>
+          <a:p>
+            <a:pPr algn="ctr"/>
+            <a:r>
+              <a:rPr lang="en-US" altLang="ko-KR" sz="1000">
+                <a:solidFill>
+                  <a:srgbClr val="C00000"/>
+                </a:solidFill>
+              </a:rPr>
+              <a:t>Pod</a:t>
+            </a:r>
+            <a:endParaRPr lang="ko-KR" altLang="en-US" sz="1000">
+              <a:solidFill>
+                <a:srgbClr val="C00000"/>
+              </a:solidFill>
+            </a:endParaRPr>
+          </a:p>
+        </p:txBody>
+      </p:sp>
+      <p:cxnSp>
+        <p:nvCxnSpPr>
+          <p:cNvPr id="121" name="직선 화살표 연결선 120">
+            <a:extLst>
+              <a:ext uri="{FF2B5EF4-FFF2-40B4-BE49-F238E27FC236}">
+                <a16:creationId xmlns:a16="http://schemas.microsoft.com/office/drawing/2014/main" id="{B27CD7DB-FC8F-4C11-B2A9-F1D2E1020353}"/>
+              </a:ext>
+            </a:extLst>
+          </p:cNvPr>
+          <p:cNvCxnSpPr>
+            <a:cxnSpLocks/>
+            <a:stCxn id="65" idx="1"/>
+            <a:endCxn id="56" idx="3"/>
+          </p:cNvCxnSpPr>
+          <p:nvPr/>
+        </p:nvCxnSpPr>
+        <p:spPr>
+          <a:xfrm flipH="1">
+            <a:off x="5256565" y="3670017"/>
+            <a:ext cx="1036421" cy="0"/>
+          </a:xfrm>
+          <a:prstGeom prst="straightConnector1">
+            <a:avLst/>
+          </a:prstGeom>
+          <a:ln w="19050">
+            <a:solidFill>
+              <a:schemeClr val="accent4"/>
+            </a:solidFill>
+            <a:headEnd type="none" w="med" len="med"/>
+            <a:tailEnd type="arrow" w="med" len="med"/>
+          </a:ln>
+        </p:spPr>
+        <p:style>
+          <a:lnRef idx="1">
+            <a:schemeClr val="accent1"/>
+          </a:lnRef>
+          <a:fillRef idx="0">
+            <a:schemeClr val="accent1"/>
+          </a:fillRef>
+          <a:effectRef idx="0">
+            <a:schemeClr val="accent1"/>
+          </a:effectRef>
+          <a:fontRef idx="minor">
+            <a:schemeClr val="tx1"/>
+          </a:fontRef>
+        </p:style>
+      </p:cxnSp>
+      <p:sp>
+        <p:nvSpPr>
+          <p:cNvPr id="122" name="타원 121">
+            <a:extLst>
+              <a:ext uri="{FF2B5EF4-FFF2-40B4-BE49-F238E27FC236}">
+                <a16:creationId xmlns:a16="http://schemas.microsoft.com/office/drawing/2014/main" id="{72E0FE82-FF3B-4BD1-A5ED-EE0B940BDF7C}"/>
+              </a:ext>
+            </a:extLst>
+          </p:cNvPr>
+          <p:cNvSpPr/>
+          <p:nvPr/>
+        </p:nvSpPr>
+        <p:spPr>
+          <a:xfrm>
+            <a:off x="6193174" y="3565970"/>
+            <a:ext cx="208094" cy="208094"/>
+          </a:xfrm>
+          <a:prstGeom prst="ellipse">
+            <a:avLst/>
+          </a:prstGeom>
+          <a:ln>
+            <a:solidFill>
+              <a:schemeClr val="accent4"/>
+            </a:solidFill>
+          </a:ln>
+        </p:spPr>
+        <p:style>
+          <a:lnRef idx="2">
+            <a:schemeClr val="accent2"/>
+          </a:lnRef>
+          <a:fillRef idx="1">
+            <a:schemeClr val="lt1"/>
+          </a:fillRef>
+          <a:effectRef idx="0">
+            <a:schemeClr val="accent2"/>
+          </a:effectRef>
+          <a:fontRef idx="minor">
+            <a:schemeClr val="dk1"/>
+          </a:fontRef>
+        </p:style>
+        <p:txBody>
+          <a:bodyPr rtlCol="0" anchor="ctr"/>
+          <a:lstStyle/>
+          <a:p>
+            <a:pPr algn="ctr"/>
+            <a:r>
+              <a:rPr lang="en-US" altLang="ko-KR" sz="1100"/>
+              <a:t>1</a:t>
+            </a:r>
+            <a:endParaRPr lang="ko-KR" altLang="en-US" sz="1100"/>
+          </a:p>
+        </p:txBody>
+      </p:sp>
+      <p:cxnSp>
+        <p:nvCxnSpPr>
+          <p:cNvPr id="123" name="직선 화살표 연결선 122">
+            <a:extLst>
+              <a:ext uri="{FF2B5EF4-FFF2-40B4-BE49-F238E27FC236}">
+                <a16:creationId xmlns:a16="http://schemas.microsoft.com/office/drawing/2014/main" id="{AE4D792E-5F64-4D4F-A3E0-7E9290D7A926}"/>
+              </a:ext>
+            </a:extLst>
+          </p:cNvPr>
+          <p:cNvCxnSpPr>
+            <a:cxnSpLocks/>
+          </p:cNvCxnSpPr>
+          <p:nvPr/>
+        </p:nvCxnSpPr>
+        <p:spPr>
+          <a:xfrm flipH="1" flipV="1">
+            <a:off x="2653932" y="2715766"/>
+            <a:ext cx="586409" cy="826528"/>
+          </a:xfrm>
+          <a:prstGeom prst="straightConnector1">
+            <a:avLst/>
+          </a:prstGeom>
+          <a:ln w="19050">
+            <a:solidFill>
+              <a:schemeClr val="accent4"/>
+            </a:solidFill>
+            <a:headEnd type="none" w="med" len="med"/>
+            <a:tailEnd type="arrow" w="med" len="med"/>
+          </a:ln>
+        </p:spPr>
+        <p:style>
+          <a:lnRef idx="1">
+            <a:schemeClr val="accent1"/>
+          </a:lnRef>
+          <a:fillRef idx="0">
+            <a:schemeClr val="accent1"/>
+          </a:fillRef>
+          <a:effectRef idx="0">
+            <a:schemeClr val="accent1"/>
+          </a:effectRef>
+          <a:fontRef idx="minor">
+            <a:schemeClr val="tx1"/>
+          </a:fontRef>
+        </p:style>
+      </p:cxnSp>
+      <p:sp>
+        <p:nvSpPr>
+          <p:cNvPr id="124" name="TextBox 123">
+            <a:extLst>
+              <a:ext uri="{FF2B5EF4-FFF2-40B4-BE49-F238E27FC236}">
+                <a16:creationId xmlns:a16="http://schemas.microsoft.com/office/drawing/2014/main" id="{7DD76318-11C9-4637-9AA8-3506ECA4A8EA}"/>
+              </a:ext>
+            </a:extLst>
+          </p:cNvPr>
+          <p:cNvSpPr txBox="1"/>
+          <p:nvPr/>
+        </p:nvSpPr>
+        <p:spPr>
+          <a:xfrm>
+            <a:off x="5724128" y="1774281"/>
+            <a:ext cx="736099" cy="246221"/>
+          </a:xfrm>
+          <a:prstGeom prst="rect">
+            <a:avLst/>
+          </a:prstGeom>
+          <a:noFill/>
+        </p:spPr>
+        <p:txBody>
+          <a:bodyPr wrap="none" rtlCol="0" anchor="ctr">
+            <a:spAutoFit/>
+          </a:bodyPr>
+          <a:lstStyle/>
+          <a:p>
+            <a:pPr algn="ctr"/>
+            <a:r>
+              <a:rPr lang="en-US" altLang="ko-KR" sz="1000">
+                <a:solidFill>
+                  <a:schemeClr val="tx2"/>
+                </a:solidFill>
+              </a:rPr>
+              <a:t>SA Token</a:t>
+            </a:r>
+            <a:endParaRPr lang="ko-KR" altLang="en-US" sz="1000">
+              <a:solidFill>
+                <a:schemeClr val="tx2"/>
+              </a:solidFill>
+            </a:endParaRPr>
+          </a:p>
+        </p:txBody>
+      </p:sp>
+      <p:sp>
+        <p:nvSpPr>
+          <p:cNvPr id="125" name="TextBox 124">
+            <a:extLst>
+              <a:ext uri="{FF2B5EF4-FFF2-40B4-BE49-F238E27FC236}">
+                <a16:creationId xmlns:a16="http://schemas.microsoft.com/office/drawing/2014/main" id="{AB66F878-F03F-46C1-83B3-D5943E82E897}"/>
+              </a:ext>
+            </a:extLst>
+          </p:cNvPr>
+          <p:cNvSpPr txBox="1"/>
+          <p:nvPr/>
+        </p:nvSpPr>
+        <p:spPr>
+          <a:xfrm>
+            <a:off x="5720669" y="1384205"/>
+            <a:ext cx="832280" cy="246221"/>
+          </a:xfrm>
+          <a:prstGeom prst="rect">
+            <a:avLst/>
+          </a:prstGeom>
+          <a:noFill/>
+        </p:spPr>
+        <p:txBody>
+          <a:bodyPr wrap="none" rtlCol="0" anchor="ctr">
+            <a:spAutoFit/>
+          </a:bodyPr>
+          <a:lstStyle/>
+          <a:p>
+            <a:pPr algn="ctr"/>
+            <a:r>
+              <a:rPr lang="en-US" altLang="ko-KR" sz="1000">
+                <a:solidFill>
+                  <a:schemeClr val="tx2"/>
+                </a:solidFill>
+              </a:rPr>
+              <a:t>Credentials</a:t>
+            </a:r>
+            <a:endParaRPr lang="ko-KR" altLang="en-US" sz="1000">
+              <a:solidFill>
+                <a:schemeClr val="tx2"/>
+              </a:solidFill>
+            </a:endParaRPr>
+          </a:p>
+        </p:txBody>
+      </p:sp>
+      <p:sp>
+        <p:nvSpPr>
+          <p:cNvPr id="128" name="TextBox 127">
+            <a:extLst>
+              <a:ext uri="{FF2B5EF4-FFF2-40B4-BE49-F238E27FC236}">
+                <a16:creationId xmlns:a16="http://schemas.microsoft.com/office/drawing/2014/main" id="{08DE7051-1232-4656-90F5-5A111403C004}"/>
+              </a:ext>
+            </a:extLst>
+          </p:cNvPr>
+          <p:cNvSpPr txBox="1"/>
+          <p:nvPr/>
+        </p:nvSpPr>
+        <p:spPr>
+          <a:xfrm>
+            <a:off x="7621186" y="1502775"/>
+            <a:ext cx="942887" cy="400110"/>
+          </a:xfrm>
+          <a:prstGeom prst="rect">
+            <a:avLst/>
+          </a:prstGeom>
+          <a:noFill/>
+        </p:spPr>
+        <p:txBody>
+          <a:bodyPr wrap="none" rtlCol="0" anchor="ctr">
+            <a:spAutoFit/>
+          </a:bodyPr>
+          <a:lstStyle/>
+          <a:p>
+            <a:pPr algn="ctr"/>
+            <a:r>
+              <a:rPr lang="en-US" altLang="ko-KR" sz="1000">
+                <a:solidFill>
+                  <a:schemeClr val="tx2"/>
+                </a:solidFill>
+              </a:rPr>
+              <a:t>Request with</a:t>
+            </a:r>
+          </a:p>
+          <a:p>
+            <a:pPr algn="ctr"/>
+            <a:r>
+              <a:rPr lang="en-US" altLang="ko-KR" sz="1000">
+                <a:solidFill>
+                  <a:schemeClr val="tx2"/>
+                </a:solidFill>
+              </a:rPr>
+              <a:t>Credentials</a:t>
+            </a:r>
+            <a:endParaRPr lang="ko-KR" altLang="en-US" sz="1000">
+              <a:solidFill>
+                <a:schemeClr val="tx2"/>
+              </a:solidFill>
+            </a:endParaRPr>
+          </a:p>
+        </p:txBody>
+      </p:sp>
+      <p:sp>
+        <p:nvSpPr>
+          <p:cNvPr id="135" name="TextBox 134">
+            <a:extLst>
+              <a:ext uri="{FF2B5EF4-FFF2-40B4-BE49-F238E27FC236}">
+                <a16:creationId xmlns:a16="http://schemas.microsoft.com/office/drawing/2014/main" id="{C652AD4D-2EF7-49A2-940F-F9FC852D59E9}"/>
+              </a:ext>
+            </a:extLst>
+          </p:cNvPr>
+          <p:cNvSpPr txBox="1"/>
+          <p:nvPr/>
+        </p:nvSpPr>
+        <p:spPr>
+          <a:xfrm>
+            <a:off x="5403127" y="3458071"/>
+            <a:ext cx="736099" cy="400110"/>
+          </a:xfrm>
+          <a:prstGeom prst="rect">
+            <a:avLst/>
+          </a:prstGeom>
+          <a:noFill/>
+        </p:spPr>
+        <p:txBody>
+          <a:bodyPr wrap="none" rtlCol="0" anchor="ctr">
+            <a:spAutoFit/>
+          </a:bodyPr>
+          <a:lstStyle/>
+          <a:p>
+            <a:pPr algn="ctr"/>
+            <a:r>
+              <a:rPr lang="en-US" altLang="ko-KR" sz="1000">
+                <a:solidFill>
+                  <a:schemeClr val="accent4"/>
+                </a:solidFill>
+              </a:rPr>
+              <a:t>Request</a:t>
+            </a:r>
+          </a:p>
+          <a:p>
+            <a:pPr algn="ctr"/>
+            <a:r>
+              <a:rPr lang="en-US" altLang="ko-KR" sz="1000">
+                <a:solidFill>
+                  <a:schemeClr val="accent4"/>
+                </a:solidFill>
+              </a:rPr>
+              <a:t>SA Token</a:t>
+            </a:r>
+          </a:p>
+        </p:txBody>
+      </p:sp>
+      <p:sp>
+        <p:nvSpPr>
+          <p:cNvPr id="138" name="TextBox 137">
+            <a:extLst>
+              <a:ext uri="{FF2B5EF4-FFF2-40B4-BE49-F238E27FC236}">
+                <a16:creationId xmlns:a16="http://schemas.microsoft.com/office/drawing/2014/main" id="{6C6E6535-C5B3-48AA-945A-1A1CF8D24F48}"/>
+              </a:ext>
+            </a:extLst>
+          </p:cNvPr>
+          <p:cNvSpPr txBox="1"/>
+          <p:nvPr/>
+        </p:nvSpPr>
+        <p:spPr>
+          <a:xfrm>
+            <a:off x="3058861" y="3031781"/>
+            <a:ext cx="736099" cy="400110"/>
+          </a:xfrm>
+          <a:prstGeom prst="rect">
+            <a:avLst/>
+          </a:prstGeom>
+          <a:noFill/>
+        </p:spPr>
+        <p:txBody>
+          <a:bodyPr wrap="none" rtlCol="0" anchor="ctr">
+            <a:spAutoFit/>
+          </a:bodyPr>
+          <a:lstStyle/>
+          <a:p>
+            <a:pPr algn="ctr"/>
+            <a:r>
+              <a:rPr lang="en-US" altLang="ko-KR" sz="1000">
+                <a:solidFill>
+                  <a:schemeClr val="accent4"/>
+                </a:solidFill>
+              </a:rPr>
+              <a:t>Request</a:t>
+            </a:r>
+          </a:p>
+          <a:p>
+            <a:pPr algn="ctr"/>
+            <a:r>
+              <a:rPr lang="en-US" altLang="ko-KR" sz="1000">
+                <a:solidFill>
+                  <a:schemeClr val="accent4"/>
+                </a:solidFill>
+              </a:rPr>
+              <a:t>SA Token</a:t>
+            </a:r>
+          </a:p>
+        </p:txBody>
+      </p:sp>
+      <p:sp>
+        <p:nvSpPr>
+          <p:cNvPr id="141" name="타원 140">
+            <a:extLst>
+              <a:ext uri="{FF2B5EF4-FFF2-40B4-BE49-F238E27FC236}">
+                <a16:creationId xmlns:a16="http://schemas.microsoft.com/office/drawing/2014/main" id="{970A51CE-D9AC-4451-9033-5EEBE3485E14}"/>
+              </a:ext>
+            </a:extLst>
+          </p:cNvPr>
+          <p:cNvSpPr/>
+          <p:nvPr/>
+        </p:nvSpPr>
+        <p:spPr>
+          <a:xfrm>
+            <a:off x="3136351" y="3431891"/>
+            <a:ext cx="208094" cy="208094"/>
+          </a:xfrm>
+          <a:prstGeom prst="ellipse">
+            <a:avLst/>
+          </a:prstGeom>
+          <a:ln>
+            <a:solidFill>
+              <a:schemeClr val="accent4"/>
+            </a:solidFill>
+          </a:ln>
+        </p:spPr>
+        <p:style>
+          <a:lnRef idx="2">
+            <a:schemeClr val="accent2"/>
+          </a:lnRef>
+          <a:fillRef idx="1">
+            <a:schemeClr val="lt1"/>
+          </a:fillRef>
+          <a:effectRef idx="0">
+            <a:schemeClr val="accent2"/>
+          </a:effectRef>
+          <a:fontRef idx="minor">
+            <a:schemeClr val="dk1"/>
+          </a:fontRef>
+        </p:style>
+        <p:txBody>
+          <a:bodyPr rtlCol="0" anchor="ctr"/>
+          <a:lstStyle/>
+          <a:p>
+            <a:pPr algn="ctr"/>
+            <a:r>
+              <a:rPr lang="en-US" altLang="ko-KR" sz="1100"/>
+              <a:t>2</a:t>
+            </a:r>
+            <a:endParaRPr lang="ko-KR" altLang="en-US" sz="1100"/>
+          </a:p>
+        </p:txBody>
+      </p:sp>
+      <p:cxnSp>
+        <p:nvCxnSpPr>
+          <p:cNvPr id="142" name="직선 화살표 연결선 141">
+            <a:extLst>
+              <a:ext uri="{FF2B5EF4-FFF2-40B4-BE49-F238E27FC236}">
+                <a16:creationId xmlns:a16="http://schemas.microsoft.com/office/drawing/2014/main" id="{4311362C-A49D-4666-A728-71CF6DB3FF38}"/>
+              </a:ext>
+            </a:extLst>
+          </p:cNvPr>
+          <p:cNvCxnSpPr>
+            <a:cxnSpLocks/>
+          </p:cNvCxnSpPr>
+          <p:nvPr/>
+        </p:nvCxnSpPr>
+        <p:spPr>
+          <a:xfrm flipH="1" flipV="1">
+            <a:off x="2653932" y="2970922"/>
+            <a:ext cx="586409" cy="826528"/>
+          </a:xfrm>
+          <a:prstGeom prst="straightConnector1">
+            <a:avLst/>
+          </a:prstGeom>
+          <a:ln w="19050">
+            <a:solidFill>
+              <a:schemeClr val="accent4"/>
+            </a:solidFill>
+            <a:headEnd type="arrow" w="med" len="med"/>
+            <a:tailEnd type="none" w="med" len="med"/>
+          </a:ln>
+        </p:spPr>
+        <p:style>
+          <a:lnRef idx="1">
+            <a:schemeClr val="accent1"/>
+          </a:lnRef>
+          <a:fillRef idx="0">
+            <a:schemeClr val="accent1"/>
+          </a:fillRef>
+          <a:effectRef idx="0">
+            <a:schemeClr val="accent1"/>
+          </a:effectRef>
+          <a:fontRef idx="minor">
+            <a:schemeClr val="tx1"/>
+          </a:fontRef>
+        </p:style>
+      </p:cxnSp>
+      <p:sp>
+        <p:nvSpPr>
+          <p:cNvPr id="144" name="타원 143">
+            <a:extLst>
+              <a:ext uri="{FF2B5EF4-FFF2-40B4-BE49-F238E27FC236}">
+                <a16:creationId xmlns:a16="http://schemas.microsoft.com/office/drawing/2014/main" id="{F7C54B1E-2594-45CB-A143-ADBD54FE41A8}"/>
+              </a:ext>
+            </a:extLst>
+          </p:cNvPr>
+          <p:cNvSpPr/>
+          <p:nvPr/>
+        </p:nvSpPr>
+        <p:spPr>
+          <a:xfrm>
+            <a:off x="2495744" y="2862057"/>
+            <a:ext cx="208094" cy="208094"/>
+          </a:xfrm>
+          <a:prstGeom prst="ellipse">
+            <a:avLst/>
+          </a:prstGeom>
+          <a:ln>
+            <a:solidFill>
+              <a:schemeClr val="accent4"/>
+            </a:solidFill>
+          </a:ln>
+        </p:spPr>
+        <p:style>
+          <a:lnRef idx="2">
+            <a:schemeClr val="accent2"/>
+          </a:lnRef>
+          <a:fillRef idx="1">
+            <a:schemeClr val="lt1"/>
+          </a:fillRef>
+          <a:effectRef idx="0">
+            <a:schemeClr val="accent2"/>
+          </a:effectRef>
+          <a:fontRef idx="minor">
+            <a:schemeClr val="dk1"/>
+          </a:fontRef>
+        </p:style>
+        <p:txBody>
+          <a:bodyPr rtlCol="0" anchor="ctr"/>
+          <a:lstStyle/>
+          <a:p>
+            <a:pPr algn="ctr"/>
+            <a:r>
+              <a:rPr lang="en-US" altLang="ko-KR" sz="1100"/>
+              <a:t>3</a:t>
+            </a:r>
+            <a:endParaRPr lang="ko-KR" altLang="en-US" sz="1100"/>
+          </a:p>
+        </p:txBody>
+      </p:sp>
+      <p:cxnSp>
+        <p:nvCxnSpPr>
+          <p:cNvPr id="155" name="직선 화살표 연결선 154">
+            <a:extLst>
+              <a:ext uri="{FF2B5EF4-FFF2-40B4-BE49-F238E27FC236}">
+                <a16:creationId xmlns:a16="http://schemas.microsoft.com/office/drawing/2014/main" id="{8D189832-DD63-4BC9-B15F-DBA0EC4CDE39}"/>
+              </a:ext>
+            </a:extLst>
+          </p:cNvPr>
+          <p:cNvCxnSpPr>
+            <a:cxnSpLocks/>
+          </p:cNvCxnSpPr>
+          <p:nvPr/>
+        </p:nvCxnSpPr>
+        <p:spPr>
+          <a:xfrm flipH="1">
+            <a:off x="5256567" y="3876181"/>
+            <a:ext cx="1036419" cy="0"/>
+          </a:xfrm>
+          <a:prstGeom prst="straightConnector1">
+            <a:avLst/>
+          </a:prstGeom>
+          <a:ln w="19050">
+            <a:solidFill>
+              <a:schemeClr val="accent4"/>
+            </a:solidFill>
+            <a:headEnd type="arrow" w="med" len="med"/>
+            <a:tailEnd type="none" w="med" len="med"/>
+          </a:ln>
+        </p:spPr>
+        <p:style>
+          <a:lnRef idx="1">
+            <a:schemeClr val="accent1"/>
+          </a:lnRef>
+          <a:fillRef idx="0">
+            <a:schemeClr val="accent1"/>
+          </a:fillRef>
+          <a:effectRef idx="0">
+            <a:schemeClr val="accent1"/>
+          </a:effectRef>
+          <a:fontRef idx="minor">
+            <a:schemeClr val="tx1"/>
+          </a:fontRef>
+        </p:style>
+      </p:cxnSp>
+      <p:sp>
+        <p:nvSpPr>
+          <p:cNvPr id="156" name="타원 155">
+            <a:extLst>
+              <a:ext uri="{FF2B5EF4-FFF2-40B4-BE49-F238E27FC236}">
+                <a16:creationId xmlns:a16="http://schemas.microsoft.com/office/drawing/2014/main" id="{710D55AC-D869-484F-9BF2-5278B069B0CF}"/>
+              </a:ext>
+            </a:extLst>
+          </p:cNvPr>
+          <p:cNvSpPr/>
+          <p:nvPr/>
+        </p:nvSpPr>
+        <p:spPr>
+          <a:xfrm>
+            <a:off x="5141085" y="3773755"/>
+            <a:ext cx="208094" cy="208094"/>
+          </a:xfrm>
+          <a:prstGeom prst="ellipse">
+            <a:avLst/>
+          </a:prstGeom>
+          <a:ln>
+            <a:solidFill>
+              <a:schemeClr val="accent4"/>
+            </a:solidFill>
+          </a:ln>
+        </p:spPr>
+        <p:style>
+          <a:lnRef idx="2">
+            <a:schemeClr val="accent2"/>
+          </a:lnRef>
+          <a:fillRef idx="1">
+            <a:schemeClr val="lt1"/>
+          </a:fillRef>
+          <a:effectRef idx="0">
+            <a:schemeClr val="accent2"/>
+          </a:effectRef>
+          <a:fontRef idx="minor">
+            <a:schemeClr val="dk1"/>
+          </a:fontRef>
+        </p:style>
+        <p:txBody>
+          <a:bodyPr rtlCol="0" anchor="ctr"/>
+          <a:lstStyle/>
+          <a:p>
+            <a:pPr algn="ctr"/>
+            <a:r>
+              <a:rPr lang="en-US" altLang="ko-KR" sz="1100"/>
+              <a:t>4</a:t>
+            </a:r>
+            <a:endParaRPr lang="ko-KR" altLang="en-US" sz="1100"/>
+          </a:p>
+        </p:txBody>
+      </p:sp>
+      <p:sp>
+        <p:nvSpPr>
+          <p:cNvPr id="157" name="TextBox 156">
+            <a:extLst>
+              <a:ext uri="{FF2B5EF4-FFF2-40B4-BE49-F238E27FC236}">
+                <a16:creationId xmlns:a16="http://schemas.microsoft.com/office/drawing/2014/main" id="{BF772D9B-98B2-49E2-A7FA-B2D3F2C40E5C}"/>
+              </a:ext>
+            </a:extLst>
+          </p:cNvPr>
+          <p:cNvSpPr txBox="1"/>
+          <p:nvPr/>
+        </p:nvSpPr>
+        <p:spPr>
+          <a:xfrm>
+            <a:off x="5403128" y="3870776"/>
+            <a:ext cx="736099" cy="246221"/>
+          </a:xfrm>
+          <a:prstGeom prst="rect">
+            <a:avLst/>
+          </a:prstGeom>
+          <a:noFill/>
+        </p:spPr>
+        <p:txBody>
+          <a:bodyPr wrap="none" rtlCol="0" anchor="ctr">
+            <a:spAutoFit/>
+          </a:bodyPr>
+          <a:lstStyle/>
+          <a:p>
+            <a:pPr algn="ctr"/>
+            <a:r>
+              <a:rPr lang="en-US" altLang="ko-KR" sz="1000">
+                <a:solidFill>
+                  <a:schemeClr val="accent4"/>
+                </a:solidFill>
+              </a:rPr>
+              <a:t>SA Token</a:t>
+            </a:r>
+          </a:p>
+        </p:txBody>
+      </p:sp>
+      <p:sp>
+        <p:nvSpPr>
+          <p:cNvPr id="158" name="TextBox 157">
+            <a:extLst>
+              <a:ext uri="{FF2B5EF4-FFF2-40B4-BE49-F238E27FC236}">
+                <a16:creationId xmlns:a16="http://schemas.microsoft.com/office/drawing/2014/main" id="{CEEF060C-56FB-439B-A8BC-F28BE24F26EB}"/>
+              </a:ext>
+            </a:extLst>
+          </p:cNvPr>
+          <p:cNvSpPr txBox="1"/>
+          <p:nvPr/>
+        </p:nvSpPr>
+        <p:spPr>
+          <a:xfrm>
+            <a:off x="4228437" y="3917550"/>
+            <a:ext cx="652743" cy="553998"/>
+          </a:xfrm>
+          <a:prstGeom prst="rect">
+            <a:avLst/>
+          </a:prstGeom>
+          <a:noFill/>
+        </p:spPr>
+        <p:txBody>
+          <a:bodyPr wrap="none" rtlCol="0" anchor="ctr">
+            <a:spAutoFit/>
+          </a:bodyPr>
+          <a:lstStyle/>
+          <a:p>
+            <a:pPr algn="ctr"/>
+            <a:r>
+              <a:rPr lang="en-US" altLang="ko-KR" sz="1000">
+                <a:solidFill>
+                  <a:srgbClr val="C00000"/>
+                </a:solidFill>
+              </a:rPr>
+              <a:t>Request</a:t>
+            </a:r>
+          </a:p>
+          <a:p>
+            <a:pPr algn="ctr"/>
+            <a:r>
+              <a:rPr lang="en-US" altLang="ko-KR" sz="1000">
+                <a:solidFill>
+                  <a:srgbClr val="C00000"/>
+                </a:solidFill>
+              </a:rPr>
+              <a:t>Create</a:t>
+            </a:r>
+          </a:p>
+          <a:p>
+            <a:pPr algn="ctr"/>
+            <a:r>
+              <a:rPr lang="en-US" altLang="ko-KR" sz="1000">
+                <a:solidFill>
+                  <a:srgbClr val="C00000"/>
+                </a:solidFill>
+              </a:rPr>
+              <a:t>Pod</a:t>
+            </a:r>
+            <a:endParaRPr lang="ko-KR" altLang="en-US" sz="1000">
+              <a:solidFill>
+                <a:srgbClr val="C00000"/>
+              </a:solidFill>
+            </a:endParaRPr>
+          </a:p>
+        </p:txBody>
+      </p:sp>
+      <p:sp>
+        <p:nvSpPr>
+          <p:cNvPr id="159" name="TextBox 158">
+            <a:extLst>
+              <a:ext uri="{FF2B5EF4-FFF2-40B4-BE49-F238E27FC236}">
+                <a16:creationId xmlns:a16="http://schemas.microsoft.com/office/drawing/2014/main" id="{F959D2C3-1ABC-440D-8138-D7D403BE60F9}"/>
+              </a:ext>
+            </a:extLst>
+          </p:cNvPr>
+          <p:cNvSpPr txBox="1"/>
+          <p:nvPr/>
+        </p:nvSpPr>
+        <p:spPr>
+          <a:xfrm>
+            <a:off x="2475476" y="3581063"/>
+            <a:ext cx="736100" cy="246221"/>
+          </a:xfrm>
+          <a:prstGeom prst="rect">
+            <a:avLst/>
+          </a:prstGeom>
+          <a:noFill/>
+        </p:spPr>
+        <p:txBody>
+          <a:bodyPr wrap="none" rtlCol="0" anchor="ctr">
+            <a:spAutoFit/>
+          </a:bodyPr>
+          <a:lstStyle/>
+          <a:p>
+            <a:pPr algn="ctr"/>
+            <a:r>
+              <a:rPr lang="en-US" altLang="ko-KR" sz="1000">
+                <a:solidFill>
+                  <a:schemeClr val="accent4"/>
+                </a:solidFill>
+              </a:rPr>
+              <a:t>SA Token</a:t>
+            </a:r>
+          </a:p>
+        </p:txBody>
+      </p:sp>
+      <p:cxnSp>
+        <p:nvCxnSpPr>
+          <p:cNvPr id="160" name="직선 화살표 연결선 159">
+            <a:extLst>
+              <a:ext uri="{FF2B5EF4-FFF2-40B4-BE49-F238E27FC236}">
+                <a16:creationId xmlns:a16="http://schemas.microsoft.com/office/drawing/2014/main" id="{1A11A6EA-C533-4107-8465-9DFC7BD2C343}"/>
+              </a:ext>
+            </a:extLst>
+          </p:cNvPr>
+          <p:cNvCxnSpPr>
+            <a:cxnSpLocks/>
+          </p:cNvCxnSpPr>
+          <p:nvPr/>
+        </p:nvCxnSpPr>
+        <p:spPr>
+          <a:xfrm>
+            <a:off x="7740352" y="2419156"/>
+            <a:ext cx="0" cy="1012735"/>
+          </a:xfrm>
+          <a:prstGeom prst="straightConnector1">
+            <a:avLst/>
+          </a:prstGeom>
+          <a:ln w="19050">
+            <a:solidFill>
+              <a:schemeClr val="accent4"/>
+            </a:solidFill>
+            <a:headEnd type="arrow" w="med" len="med"/>
+            <a:tailEnd type="none" w="med" len="med"/>
+          </a:ln>
+        </p:spPr>
+        <p:style>
+          <a:lnRef idx="1">
+            <a:schemeClr val="accent1"/>
+          </a:lnRef>
+          <a:fillRef idx="0">
+            <a:schemeClr val="accent1"/>
+          </a:fillRef>
+          <a:effectRef idx="0">
+            <a:schemeClr val="accent1"/>
+          </a:effectRef>
+          <a:fontRef idx="minor">
+            <a:schemeClr val="tx1"/>
+          </a:fontRef>
+        </p:style>
+      </p:cxnSp>
+      <p:sp>
+        <p:nvSpPr>
+          <p:cNvPr id="162" name="TextBox 161">
+            <a:extLst>
+              <a:ext uri="{FF2B5EF4-FFF2-40B4-BE49-F238E27FC236}">
+                <a16:creationId xmlns:a16="http://schemas.microsoft.com/office/drawing/2014/main" id="{F6A31C68-7D55-47C1-857C-15841B5DF84F}"/>
+              </a:ext>
+            </a:extLst>
+          </p:cNvPr>
+          <p:cNvSpPr txBox="1"/>
+          <p:nvPr/>
+        </p:nvSpPr>
+        <p:spPr>
+          <a:xfrm>
+            <a:off x="7706636" y="2811370"/>
+            <a:ext cx="736099" cy="400110"/>
+          </a:xfrm>
+          <a:prstGeom prst="rect">
+            <a:avLst/>
+          </a:prstGeom>
+          <a:noFill/>
+        </p:spPr>
+        <p:txBody>
+          <a:bodyPr wrap="none" rtlCol="0" anchor="ctr">
+            <a:spAutoFit/>
+          </a:bodyPr>
+          <a:lstStyle/>
+          <a:p>
+            <a:pPr algn="ctr"/>
+            <a:r>
+              <a:rPr lang="en-US" altLang="ko-KR" sz="1000">
+                <a:solidFill>
+                  <a:schemeClr val="accent4"/>
+                </a:solidFill>
+              </a:rPr>
+              <a:t>Inject</a:t>
+            </a:r>
+          </a:p>
+          <a:p>
+            <a:pPr algn="ctr"/>
+            <a:r>
+              <a:rPr lang="en-US" altLang="ko-KR" sz="1000">
+                <a:solidFill>
+                  <a:schemeClr val="accent4"/>
+                </a:solidFill>
+              </a:rPr>
+              <a:t>SA Token</a:t>
+            </a:r>
+          </a:p>
+        </p:txBody>
+      </p:sp>
+      <p:sp>
+        <p:nvSpPr>
+          <p:cNvPr id="164" name="타원 163">
+            <a:extLst>
+              <a:ext uri="{FF2B5EF4-FFF2-40B4-BE49-F238E27FC236}">
+                <a16:creationId xmlns:a16="http://schemas.microsoft.com/office/drawing/2014/main" id="{9542EE46-3292-4531-8002-3F9FD015D4EC}"/>
+              </a:ext>
+            </a:extLst>
+          </p:cNvPr>
+          <p:cNvSpPr/>
+          <p:nvPr/>
+        </p:nvSpPr>
+        <p:spPr>
+          <a:xfrm>
+            <a:off x="7636306" y="3313942"/>
+            <a:ext cx="208094" cy="208094"/>
+          </a:xfrm>
+          <a:prstGeom prst="ellipse">
+            <a:avLst/>
+          </a:prstGeom>
+          <a:ln>
+            <a:solidFill>
+              <a:schemeClr val="accent4"/>
+            </a:solidFill>
+          </a:ln>
+        </p:spPr>
+        <p:style>
+          <a:lnRef idx="2">
+            <a:schemeClr val="accent2"/>
+          </a:lnRef>
+          <a:fillRef idx="1">
+            <a:schemeClr val="lt1"/>
+          </a:fillRef>
+          <a:effectRef idx="0">
+            <a:schemeClr val="accent2"/>
+          </a:effectRef>
+          <a:fontRef idx="minor">
+            <a:schemeClr val="dk1"/>
+          </a:fontRef>
+        </p:style>
+        <p:txBody>
+          <a:bodyPr rtlCol="0" anchor="ctr"/>
+          <a:lstStyle/>
+          <a:p>
+            <a:pPr algn="ctr"/>
+            <a:r>
+              <a:rPr lang="en-US" altLang="ko-KR" sz="1100"/>
+              <a:t>5</a:t>
+            </a:r>
+            <a:endParaRPr lang="ko-KR" altLang="en-US" sz="1100"/>
+          </a:p>
+        </p:txBody>
+      </p:sp>
+      <p:cxnSp>
+        <p:nvCxnSpPr>
+          <p:cNvPr id="167" name="직선 화살표 연결선 166">
+            <a:extLst>
+              <a:ext uri="{FF2B5EF4-FFF2-40B4-BE49-F238E27FC236}">
+                <a16:creationId xmlns:a16="http://schemas.microsoft.com/office/drawing/2014/main" id="{27B18424-54D8-472C-9DA4-0FA22A5654DF}"/>
+              </a:ext>
+            </a:extLst>
+          </p:cNvPr>
+          <p:cNvCxnSpPr>
+            <a:cxnSpLocks/>
+          </p:cNvCxnSpPr>
+          <p:nvPr/>
+        </p:nvCxnSpPr>
+        <p:spPr>
+          <a:xfrm>
+            <a:off x="5436096" y="4681539"/>
+            <a:ext cx="374194" cy="1"/>
+          </a:xfrm>
+          <a:prstGeom prst="straightConnector1">
+            <a:avLst/>
+          </a:prstGeom>
+          <a:ln w="19050">
+            <a:solidFill>
+              <a:schemeClr val="accent3">
+                <a:lumMod val="75000"/>
+              </a:schemeClr>
+            </a:solidFill>
+            <a:headEnd type="none" w="med" len="med"/>
+            <a:tailEnd type="arrow" w="med" len="med"/>
+          </a:ln>
+        </p:spPr>
+        <p:style>
+          <a:lnRef idx="1">
+            <a:schemeClr val="accent1"/>
+          </a:lnRef>
+          <a:fillRef idx="0">
+            <a:schemeClr val="accent1"/>
+          </a:fillRef>
+          <a:effectRef idx="0">
+            <a:schemeClr val="accent1"/>
+          </a:effectRef>
+          <a:fontRef idx="minor">
+            <a:schemeClr val="tx1"/>
+          </a:fontRef>
+        </p:style>
+      </p:cxnSp>
+      <p:sp>
+        <p:nvSpPr>
+          <p:cNvPr id="169" name="TextBox 168">
+            <a:extLst>
+              <a:ext uri="{FF2B5EF4-FFF2-40B4-BE49-F238E27FC236}">
+                <a16:creationId xmlns:a16="http://schemas.microsoft.com/office/drawing/2014/main" id="{B14DF2C7-3C99-401D-913D-9CB412A0D702}"/>
+              </a:ext>
+            </a:extLst>
+          </p:cNvPr>
+          <p:cNvSpPr txBox="1"/>
+          <p:nvPr/>
+        </p:nvSpPr>
+        <p:spPr>
+          <a:xfrm>
+            <a:off x="5806860" y="4561625"/>
+            <a:ext cx="1398140" cy="230832"/>
+          </a:xfrm>
+          <a:prstGeom prst="rect">
+            <a:avLst/>
+          </a:prstGeom>
+          <a:noFill/>
+        </p:spPr>
+        <p:txBody>
+          <a:bodyPr wrap="none" rtlCol="0" anchor="ctr">
+            <a:spAutoFit/>
+          </a:bodyPr>
+          <a:lstStyle/>
+          <a:p>
+            <a:r>
+              <a:rPr lang="en-US" altLang="ko-KR" sz="900"/>
+              <a:t>Create Service Account</a:t>
+            </a:r>
+            <a:endParaRPr lang="ko-KR" altLang="en-US" sz="900"/>
+          </a:p>
+        </p:txBody>
+      </p:sp>
+      <p:cxnSp>
+        <p:nvCxnSpPr>
+          <p:cNvPr id="170" name="직선 화살표 연결선 169">
+            <a:extLst>
+              <a:ext uri="{FF2B5EF4-FFF2-40B4-BE49-F238E27FC236}">
+                <a16:creationId xmlns:a16="http://schemas.microsoft.com/office/drawing/2014/main" id="{0FD39B26-DD32-4BF2-BB2A-4C77D38C9D83}"/>
+              </a:ext>
+            </a:extLst>
+          </p:cNvPr>
+          <p:cNvCxnSpPr>
+            <a:cxnSpLocks/>
+          </p:cNvCxnSpPr>
+          <p:nvPr/>
+        </p:nvCxnSpPr>
+        <p:spPr>
+          <a:xfrm>
+            <a:off x="5436096" y="4913217"/>
+            <a:ext cx="374194" cy="1"/>
+          </a:xfrm>
+          <a:prstGeom prst="straightConnector1">
+            <a:avLst/>
+          </a:prstGeom>
+          <a:ln w="19050">
+            <a:solidFill>
+              <a:srgbClr val="C00000"/>
+            </a:solidFill>
+            <a:headEnd type="none" w="med" len="med"/>
+            <a:tailEnd type="arrow" w="med" len="med"/>
+          </a:ln>
+        </p:spPr>
+        <p:style>
+          <a:lnRef idx="1">
+            <a:schemeClr val="accent1"/>
+          </a:lnRef>
+          <a:fillRef idx="0">
+            <a:schemeClr val="accent1"/>
+          </a:fillRef>
+          <a:effectRef idx="0">
+            <a:schemeClr val="accent1"/>
+          </a:effectRef>
+          <a:fontRef idx="minor">
+            <a:schemeClr val="tx1"/>
+          </a:fontRef>
+        </p:style>
+      </p:cxnSp>
+      <p:sp>
+        <p:nvSpPr>
+          <p:cNvPr id="171" name="TextBox 170">
+            <a:extLst>
+              <a:ext uri="{FF2B5EF4-FFF2-40B4-BE49-F238E27FC236}">
+                <a16:creationId xmlns:a16="http://schemas.microsoft.com/office/drawing/2014/main" id="{3F8955B8-E538-49CA-8996-1874D254F6F1}"/>
+              </a:ext>
+            </a:extLst>
+          </p:cNvPr>
+          <p:cNvSpPr txBox="1"/>
+          <p:nvPr/>
+        </p:nvSpPr>
+        <p:spPr>
+          <a:xfrm>
+            <a:off x="5806860" y="4793303"/>
+            <a:ext cx="766557" cy="230832"/>
+          </a:xfrm>
+          <a:prstGeom prst="rect">
+            <a:avLst/>
+          </a:prstGeom>
+          <a:noFill/>
+        </p:spPr>
+        <p:txBody>
+          <a:bodyPr wrap="none" rtlCol="0" anchor="ctr">
+            <a:spAutoFit/>
+          </a:bodyPr>
+          <a:lstStyle/>
+          <a:p>
+            <a:r>
+              <a:rPr lang="en-US" altLang="ko-KR" sz="900"/>
+              <a:t>Create Pod</a:t>
+            </a:r>
+            <a:endParaRPr lang="ko-KR" altLang="en-US" sz="900"/>
+          </a:p>
+        </p:txBody>
+      </p:sp>
+      <p:cxnSp>
+        <p:nvCxnSpPr>
+          <p:cNvPr id="172" name="직선 화살표 연결선 171">
+            <a:extLst>
+              <a:ext uri="{FF2B5EF4-FFF2-40B4-BE49-F238E27FC236}">
+                <a16:creationId xmlns:a16="http://schemas.microsoft.com/office/drawing/2014/main" id="{3E4589F8-CBBE-4D57-94B9-65F3285F6E86}"/>
+              </a:ext>
+            </a:extLst>
+          </p:cNvPr>
+          <p:cNvCxnSpPr>
+            <a:cxnSpLocks/>
+          </p:cNvCxnSpPr>
+          <p:nvPr/>
+        </p:nvCxnSpPr>
+        <p:spPr>
+          <a:xfrm>
+            <a:off x="7236296" y="4676755"/>
+            <a:ext cx="374194" cy="1"/>
+          </a:xfrm>
+          <a:prstGeom prst="straightConnector1">
+            <a:avLst/>
+          </a:prstGeom>
+          <a:ln w="19050">
+            <a:solidFill>
+              <a:schemeClr val="accent4"/>
+            </a:solidFill>
+            <a:headEnd type="none" w="med" len="med"/>
+            <a:tailEnd type="arrow" w="med" len="med"/>
+          </a:ln>
+        </p:spPr>
+        <p:style>
+          <a:lnRef idx="1">
+            <a:schemeClr val="accent1"/>
+          </a:lnRef>
+          <a:fillRef idx="0">
+            <a:schemeClr val="accent1"/>
+          </a:fillRef>
+          <a:effectRef idx="0">
+            <a:schemeClr val="accent1"/>
+          </a:effectRef>
+          <a:fontRef idx="minor">
+            <a:schemeClr val="tx1"/>
+          </a:fontRef>
+        </p:style>
+      </p:cxnSp>
+      <p:sp>
+        <p:nvSpPr>
+          <p:cNvPr id="174" name="TextBox 173">
+            <a:extLst>
+              <a:ext uri="{FF2B5EF4-FFF2-40B4-BE49-F238E27FC236}">
+                <a16:creationId xmlns:a16="http://schemas.microsoft.com/office/drawing/2014/main" id="{79D53839-2EBC-4704-8DA1-499975962DD5}"/>
+              </a:ext>
+            </a:extLst>
+          </p:cNvPr>
+          <p:cNvSpPr txBox="1"/>
+          <p:nvPr/>
+        </p:nvSpPr>
+        <p:spPr>
+          <a:xfrm>
+            <a:off x="7607060" y="4556841"/>
+            <a:ext cx="1446230" cy="230832"/>
+          </a:xfrm>
+          <a:prstGeom prst="rect">
+            <a:avLst/>
+          </a:prstGeom>
+          <a:noFill/>
+        </p:spPr>
+        <p:txBody>
+          <a:bodyPr wrap="none" rtlCol="0" anchor="ctr">
+            <a:spAutoFit/>
+          </a:bodyPr>
+          <a:lstStyle/>
+          <a:p>
+            <a:r>
+              <a:rPr lang="en-US" altLang="ko-KR" sz="900"/>
+              <a:t>Create/Rotate SA Token</a:t>
+            </a:r>
+            <a:endParaRPr lang="ko-KR" altLang="en-US" sz="900"/>
+          </a:p>
+        </p:txBody>
+      </p:sp>
+      <p:cxnSp>
+        <p:nvCxnSpPr>
+          <p:cNvPr id="175" name="직선 화살표 연결선 174">
+            <a:extLst>
+              <a:ext uri="{FF2B5EF4-FFF2-40B4-BE49-F238E27FC236}">
+                <a16:creationId xmlns:a16="http://schemas.microsoft.com/office/drawing/2014/main" id="{B44A8906-50BD-48BB-A504-365B907B63BA}"/>
+              </a:ext>
+            </a:extLst>
+          </p:cNvPr>
+          <p:cNvCxnSpPr>
+            <a:cxnSpLocks/>
+          </p:cNvCxnSpPr>
+          <p:nvPr/>
+        </p:nvCxnSpPr>
+        <p:spPr>
+          <a:xfrm>
+            <a:off x="7236296" y="4920414"/>
+            <a:ext cx="374194" cy="1"/>
+          </a:xfrm>
+          <a:prstGeom prst="straightConnector1">
+            <a:avLst/>
+          </a:prstGeom>
+          <a:ln w="19050">
+            <a:solidFill>
+              <a:schemeClr val="tx2"/>
+            </a:solidFill>
+            <a:headEnd type="none" w="med" len="med"/>
+            <a:tailEnd type="arrow" w="med" len="med"/>
+          </a:ln>
+        </p:spPr>
+        <p:style>
+          <a:lnRef idx="1">
+            <a:schemeClr val="accent1"/>
+          </a:lnRef>
+          <a:fillRef idx="0">
+            <a:schemeClr val="accent1"/>
+          </a:fillRef>
+          <a:effectRef idx="0">
+            <a:schemeClr val="accent1"/>
+          </a:effectRef>
+          <a:fontRef idx="minor">
+            <a:schemeClr val="tx1"/>
+          </a:fontRef>
+        </p:style>
+      </p:cxnSp>
+      <p:sp>
+        <p:nvSpPr>
+          <p:cNvPr id="176" name="TextBox 175">
+            <a:extLst>
+              <a:ext uri="{FF2B5EF4-FFF2-40B4-BE49-F238E27FC236}">
+                <a16:creationId xmlns:a16="http://schemas.microsoft.com/office/drawing/2014/main" id="{4A92B1C6-5EA6-436D-930A-BD4AF14DF852}"/>
+              </a:ext>
+            </a:extLst>
+          </p:cNvPr>
+          <p:cNvSpPr txBox="1"/>
+          <p:nvPr/>
+        </p:nvSpPr>
+        <p:spPr>
+          <a:xfrm>
+            <a:off x="7607060" y="4800500"/>
+            <a:ext cx="736099" cy="230832"/>
+          </a:xfrm>
+          <a:prstGeom prst="rect">
+            <a:avLst/>
+          </a:prstGeom>
+          <a:noFill/>
+        </p:spPr>
+        <p:txBody>
+          <a:bodyPr wrap="none" rtlCol="0" anchor="ctr">
+            <a:spAutoFit/>
+          </a:bodyPr>
+          <a:lstStyle/>
+          <a:p>
+            <a:r>
+              <a:rPr lang="en-US" altLang="ko-KR" sz="900"/>
+              <a:t>Use Token</a:t>
+            </a:r>
+            <a:endParaRPr lang="ko-KR" altLang="en-US" sz="900"/>
+          </a:p>
+        </p:txBody>
+      </p:sp>
+      <p:cxnSp>
+        <p:nvCxnSpPr>
+          <p:cNvPr id="73" name="직선 화살표 연결선 72">
+            <a:extLst>
+              <a:ext uri="{FF2B5EF4-FFF2-40B4-BE49-F238E27FC236}">
+                <a16:creationId xmlns:a16="http://schemas.microsoft.com/office/drawing/2014/main" id="{CFDD5BB8-91D5-4A92-8555-61FBAC8A200D}"/>
+              </a:ext>
+            </a:extLst>
+          </p:cNvPr>
+          <p:cNvCxnSpPr>
+            <a:cxnSpLocks/>
+            <a:stCxn id="57" idx="1"/>
+            <a:endCxn id="53" idx="3"/>
+          </p:cNvCxnSpPr>
+          <p:nvPr/>
+        </p:nvCxnSpPr>
+        <p:spPr>
+          <a:xfrm flipH="1">
+            <a:off x="3974438" y="1203598"/>
+            <a:ext cx="465273" cy="0"/>
+          </a:xfrm>
+          <a:prstGeom prst="straightConnector1">
+            <a:avLst/>
+          </a:prstGeom>
+          <a:ln w="19050">
+            <a:solidFill>
+              <a:schemeClr val="tx2"/>
+            </a:solidFill>
+            <a:headEnd type="arrow" w="med" len="med"/>
+            <a:tailEnd type="arrow" w="med" len="med"/>
+          </a:ln>
+        </p:spPr>
+        <p:style>
+          <a:lnRef idx="1">
+            <a:schemeClr val="accent1"/>
+          </a:lnRef>
+          <a:fillRef idx="0">
+            <a:schemeClr val="accent1"/>
+          </a:fillRef>
+          <a:effectRef idx="0">
+            <a:schemeClr val="accent1"/>
+          </a:effectRef>
+          <a:fontRef idx="minor">
+            <a:schemeClr val="tx1"/>
+          </a:fontRef>
+        </p:style>
+      </p:cxnSp>
+      <p:sp>
+        <p:nvSpPr>
+          <p:cNvPr id="78" name="타원 77">
+            <a:extLst>
+              <a:ext uri="{FF2B5EF4-FFF2-40B4-BE49-F238E27FC236}">
+                <a16:creationId xmlns:a16="http://schemas.microsoft.com/office/drawing/2014/main" id="{C4B425C5-FD97-4458-B4DA-09D2ECEED308}"/>
+              </a:ext>
+            </a:extLst>
+          </p:cNvPr>
+          <p:cNvSpPr/>
+          <p:nvPr/>
+        </p:nvSpPr>
+        <p:spPr>
+          <a:xfrm>
+            <a:off x="4098624" y="990544"/>
+            <a:ext cx="208094" cy="208094"/>
+          </a:xfrm>
+          <a:prstGeom prst="ellipse">
+            <a:avLst/>
+          </a:prstGeom>
+          <a:ln>
+            <a:solidFill>
+              <a:srgbClr val="002060"/>
+            </a:solidFill>
+          </a:ln>
+        </p:spPr>
+        <p:style>
+          <a:lnRef idx="2">
+            <a:schemeClr val="accent2"/>
+          </a:lnRef>
+          <a:fillRef idx="1">
+            <a:schemeClr val="lt1"/>
+          </a:fillRef>
+          <a:effectRef idx="0">
+            <a:schemeClr val="accent2"/>
+          </a:effectRef>
+          <a:fontRef idx="minor">
+            <a:schemeClr val="dk1"/>
+          </a:fontRef>
+        </p:style>
+        <p:txBody>
+          <a:bodyPr rtlCol="0" anchor="ctr"/>
+          <a:lstStyle/>
+          <a:p>
+            <a:pPr algn="ctr"/>
+            <a:r>
+              <a:rPr lang="en-US" altLang="ko-KR" sz="1100"/>
+              <a:t>2</a:t>
+            </a:r>
+            <a:endParaRPr lang="ko-KR" altLang="en-US" sz="1100"/>
+          </a:p>
+        </p:txBody>
+      </p:sp>
+      <p:sp>
+        <p:nvSpPr>
+          <p:cNvPr id="80" name="TextBox 79">
+            <a:extLst>
+              <a:ext uri="{FF2B5EF4-FFF2-40B4-BE49-F238E27FC236}">
+                <a16:creationId xmlns:a16="http://schemas.microsoft.com/office/drawing/2014/main" id="{D710B298-144D-46CC-94E6-DE8E8E666590}"/>
+              </a:ext>
+            </a:extLst>
+          </p:cNvPr>
+          <p:cNvSpPr txBox="1"/>
+          <p:nvPr/>
+        </p:nvSpPr>
+        <p:spPr>
+          <a:xfrm>
+            <a:off x="3856684" y="1259446"/>
+            <a:ext cx="736099" cy="400110"/>
+          </a:xfrm>
+          <a:prstGeom prst="rect">
+            <a:avLst/>
+          </a:prstGeom>
+          <a:noFill/>
+        </p:spPr>
+        <p:txBody>
+          <a:bodyPr wrap="none" rtlCol="0" anchor="ctr">
+            <a:spAutoFit/>
+          </a:bodyPr>
+          <a:lstStyle/>
+          <a:p>
+            <a:pPr algn="ctr"/>
+            <a:r>
+              <a:rPr lang="en-US" altLang="ko-KR" sz="1000">
+                <a:solidFill>
+                  <a:schemeClr val="tx2"/>
+                </a:solidFill>
+              </a:rPr>
+              <a:t>Verify </a:t>
+            </a:r>
+          </a:p>
+          <a:p>
+            <a:pPr algn="ctr"/>
+            <a:r>
+              <a:rPr lang="en-US" altLang="ko-KR" sz="1000">
+                <a:solidFill>
+                  <a:schemeClr val="tx2"/>
+                </a:solidFill>
+              </a:rPr>
+              <a:t>SA Token</a:t>
+            </a:r>
+            <a:endParaRPr lang="ko-KR" altLang="en-US" sz="1000">
+              <a:solidFill>
+                <a:schemeClr val="tx2"/>
+              </a:solidFill>
+            </a:endParaRPr>
+          </a:p>
+        </p:txBody>
+      </p:sp>
+    </p:spTree>
+    <p:extLst>
+      <p:ext uri="{BB962C8B-B14F-4D97-AF65-F5344CB8AC3E}">
+        <p14:creationId xmlns:p14="http://schemas.microsoft.com/office/powerpoint/2010/main" val="1828382803"/>
+      </p:ext>
+    </p:extLst>
+  </p:cSld>
+  <p:clrMapOvr>
+    <a:masterClrMapping/>
+  </p:clrMapOvr>
+</p:sld>
+</file>
+
+<file path=ppt/slides/slide5.xml><?xml version="1.0" encoding="utf-8"?>
+<p:sld xmlns:a="http://schemas.openxmlformats.org/drawingml/2006/main" xmlns:r="http://schemas.openxmlformats.org/officeDocument/2006/relationships" xmlns:p="http://schemas.openxmlformats.org/presentationml/2006/main">
+  <p:cSld>
+    <p:spTree>
+      <p:nvGrpSpPr>
+        <p:cNvPr id="1" name=""/>
+        <p:cNvGrpSpPr/>
+        <p:nvPr/>
+      </p:nvGrpSpPr>
+      <p:grpSpPr>
+        <a:xfrm>
+          <a:off x="0" y="0"/>
+          <a:ext cx="0" cy="0"/>
+          <a:chOff x="0" y="0"/>
+          <a:chExt cx="0" cy="0"/>
+        </a:xfrm>
+      </p:grpSpPr>
+      <p:sp>
+        <p:nvSpPr>
           <p:cNvPr id="2" name="제목 1"/>
           <p:cNvSpPr>
             <a:spLocks noGrp="1"/>
@@ -12282,7 +15465,7 @@
 </p:sld>
 </file>
 
-<file path=ppt/slides/slide5.xml><?xml version="1.0" encoding="utf-8"?>
+<file path=ppt/slides/slide6.xml><?xml version="1.0" encoding="utf-8"?>
 <p:sld xmlns:a="http://schemas.openxmlformats.org/drawingml/2006/main" xmlns:r="http://schemas.openxmlformats.org/officeDocument/2006/relationships" xmlns:p="http://schemas.openxmlformats.org/presentationml/2006/main">
   <p:cSld>
     <p:spTree>

--- a/images/theory_analysis/AWS_EKS_Service_Account_IAM_Role/AWS_EKS_Service_Account_IAM_Role.pptx
+++ b/images/theory_analysis/AWS_EKS_Service_Account_IAM_Role/AWS_EKS_Service_Account_IAM_Role.pptx
@@ -4675,8 +4675,8 @@
         </p:nvSpPr>
         <p:spPr>
           <a:xfrm>
-            <a:off x="4386671" y="2717870"/>
-            <a:ext cx="950902" cy="553998"/>
+            <a:off x="4445182" y="2717870"/>
+            <a:ext cx="833883" cy="553998"/>
           </a:xfrm>
           <a:prstGeom prst="rect">
             <a:avLst/>
@@ -4688,6 +4688,17 @@
             <a:spAutoFit/>
           </a:bodyPr>
           <a:lstStyle/>
+          <a:p>
+            <a:pPr algn="ctr"/>
+            <a:r>
+              <a:rPr lang="en-US" altLang="ko-KR" sz="1000">
+                <a:solidFill>
+                  <a:srgbClr val="C00000"/>
+                </a:solidFill>
+              </a:rPr>
+              <a:t>Mutated</a:t>
+            </a:r>
+          </a:p>
           <a:p>
             <a:pPr algn="ctr"/>
             <a:r>
@@ -4707,18 +4718,7 @@
                   <a:srgbClr val="C00000"/>
                 </a:solidFill>
               </a:rPr>
-              <a:t>Create</a:t>
-            </a:r>
-          </a:p>
-          <a:p>
-            <a:pPr algn="ctr"/>
-            <a:r>
-              <a:rPr lang="en-US" altLang="ko-KR" sz="1000">
-                <a:solidFill>
-                  <a:srgbClr val="C00000"/>
-                </a:solidFill>
-              </a:rPr>
-              <a:t>Mutated Pod</a:t>
+              <a:t>Create Pod</a:t>
             </a:r>
             <a:endParaRPr lang="ko-KR" altLang="en-US" sz="1000">
               <a:solidFill>
@@ -5235,8 +5235,8 @@
         </p:nvSpPr>
         <p:spPr>
           <a:xfrm>
-            <a:off x="5295725" y="2910462"/>
-            <a:ext cx="950902" cy="553998"/>
+            <a:off x="5354235" y="2910462"/>
+            <a:ext cx="833882" cy="553998"/>
           </a:xfrm>
           <a:prstGeom prst="rect">
             <a:avLst/>
@@ -5248,6 +5248,17 @@
             <a:spAutoFit/>
           </a:bodyPr>
           <a:lstStyle/>
+          <a:p>
+            <a:pPr algn="ctr"/>
+            <a:r>
+              <a:rPr lang="en-US" altLang="ko-KR" sz="1000">
+                <a:solidFill>
+                  <a:srgbClr val="C00000"/>
+                </a:solidFill>
+              </a:rPr>
+              <a:t>Mutated</a:t>
+            </a:r>
+          </a:p>
           <a:p>
             <a:pPr algn="ctr"/>
             <a:r>
@@ -5267,18 +5278,7 @@
                   <a:srgbClr val="C00000"/>
                 </a:solidFill>
               </a:rPr>
-              <a:t>Create</a:t>
-            </a:r>
-          </a:p>
-          <a:p>
-            <a:pPr algn="ctr"/>
-            <a:r>
-              <a:rPr lang="en-US" altLang="ko-KR" sz="1000">
-                <a:solidFill>
-                  <a:srgbClr val="C00000"/>
-                </a:solidFill>
-              </a:rPr>
-              <a:t>Mutated Pod</a:t>
+              <a:t>Create Pod</a:t>
             </a:r>
             <a:endParaRPr lang="ko-KR" altLang="en-US" sz="1000">
               <a:solidFill>

--- a/images/theory_analysis/AWS_EKS_Service_Account_IAM_Role/AWS_EKS_Service_Account_IAM_Role.pptx
+++ b/images/theory_analysis/AWS_EKS_Service_Account_IAM_Role/AWS_EKS_Service_Account_IAM_Role.pptx
@@ -5,15 +5,16 @@
     <p:sldMasterId id="2147483648" r:id="rId1"/>
   </p:sldMasterIdLst>
   <p:notesMasterIdLst>
-    <p:notesMasterId r:id="rId8"/>
+    <p:notesMasterId r:id="rId9"/>
   </p:notesMasterIdLst>
   <p:sldIdLst>
-    <p:sldId id="366" r:id="rId2"/>
+    <p:sldId id="367" r:id="rId2"/>
     <p:sldId id="363" r:id="rId3"/>
-    <p:sldId id="365" r:id="rId4"/>
-    <p:sldId id="361" r:id="rId5"/>
-    <p:sldId id="364" r:id="rId6"/>
-    <p:sldId id="362" r:id="rId7"/>
+    <p:sldId id="366" r:id="rId4"/>
+    <p:sldId id="365" r:id="rId5"/>
+    <p:sldId id="361" r:id="rId6"/>
+    <p:sldId id="364" r:id="rId7"/>
+    <p:sldId id="362" r:id="rId8"/>
   </p:sldIdLst>
   <p:sldSz cx="9144000" cy="5143500" type="screen16x9"/>
   <p:notesSz cx="6858000" cy="9144000"/>
@@ -218,7 +219,7 @@
           <a:p>
             <a:fld id="{6CD5550B-26C4-49A9-A5BA-636EF7BE6CE9}" type="datetimeFigureOut">
               <a:rPr lang="ko-KR" altLang="en-US" smtClean="0"/>
-              <a:t>2022-04-05</a:t>
+              <a:t>2022-04-06</a:t>
             </a:fld>
             <a:endParaRPr lang="ko-KR" altLang="en-US"/>
           </a:p>
@@ -559,7 +560,7 @@
     </p:spTree>
     <p:extLst>
       <p:ext uri="{BB962C8B-B14F-4D97-AF65-F5344CB8AC3E}">
-        <p14:creationId xmlns:p14="http://schemas.microsoft.com/office/powerpoint/2010/main" val="3404248080"/>
+        <p14:creationId xmlns:p14="http://schemas.microsoft.com/office/powerpoint/2010/main" val="1692879409"/>
       </p:ext>
     </p:extLst>
   </p:cSld>
@@ -635,6 +636,90 @@
             <a:fld id="{BA5DFA43-8D57-47FB-BC46-057616015C3B}" type="slidenum">
               <a:rPr lang="ko-KR" altLang="en-US" smtClean="0"/>
               <a:t>3</a:t>
+            </a:fld>
+            <a:endParaRPr lang="ko-KR" altLang="en-US"/>
+          </a:p>
+        </p:txBody>
+      </p:sp>
+    </p:spTree>
+    <p:extLst>
+      <p:ext uri="{BB962C8B-B14F-4D97-AF65-F5344CB8AC3E}">
+        <p14:creationId xmlns:p14="http://schemas.microsoft.com/office/powerpoint/2010/main" val="3404248080"/>
+      </p:ext>
+    </p:extLst>
+  </p:cSld>
+  <p:clrMapOvr>
+    <a:masterClrMapping/>
+  </p:clrMapOvr>
+</p:notes>
+</file>
+
+<file path=ppt/notesSlides/notesSlide3.xml><?xml version="1.0" encoding="utf-8"?>
+<p:notes xmlns:a="http://schemas.openxmlformats.org/drawingml/2006/main" xmlns:r="http://schemas.openxmlformats.org/officeDocument/2006/relationships" xmlns:p="http://schemas.openxmlformats.org/presentationml/2006/main">
+  <p:cSld>
+    <p:spTree>
+      <p:nvGrpSpPr>
+        <p:cNvPr id="1" name=""/>
+        <p:cNvGrpSpPr/>
+        <p:nvPr/>
+      </p:nvGrpSpPr>
+      <p:grpSpPr>
+        <a:xfrm>
+          <a:off x="0" y="0"/>
+          <a:ext cx="0" cy="0"/>
+          <a:chOff x="0" y="0"/>
+          <a:chExt cx="0" cy="0"/>
+        </a:xfrm>
+      </p:grpSpPr>
+      <p:sp>
+        <p:nvSpPr>
+          <p:cNvPr id="2" name="슬라이드 이미지 개체 틀 1"/>
+          <p:cNvSpPr>
+            <a:spLocks noGrp="1" noRot="1" noChangeAspect="1"/>
+          </p:cNvSpPr>
+          <p:nvPr>
+            <p:ph type="sldImg"/>
+          </p:nvPr>
+        </p:nvSpPr>
+        <p:spPr/>
+      </p:sp>
+      <p:sp>
+        <p:nvSpPr>
+          <p:cNvPr id="3" name="슬라이드 노트 개체 틀 2"/>
+          <p:cNvSpPr>
+            <a:spLocks noGrp="1"/>
+          </p:cNvSpPr>
+          <p:nvPr>
+            <p:ph type="body" idx="1"/>
+          </p:nvPr>
+        </p:nvSpPr>
+        <p:spPr/>
+        <p:txBody>
+          <a:bodyPr/>
+          <a:lstStyle/>
+          <a:p>
+            <a:endParaRPr lang="ko-KR" altLang="en-US"/>
+          </a:p>
+        </p:txBody>
+      </p:sp>
+      <p:sp>
+        <p:nvSpPr>
+          <p:cNvPr id="4" name="슬라이드 번호 개체 틀 3"/>
+          <p:cNvSpPr>
+            <a:spLocks noGrp="1"/>
+          </p:cNvSpPr>
+          <p:nvPr>
+            <p:ph type="sldNum" sz="quarter" idx="5"/>
+          </p:nvPr>
+        </p:nvSpPr>
+        <p:spPr/>
+        <p:txBody>
+          <a:bodyPr/>
+          <a:lstStyle/>
+          <a:p>
+            <a:fld id="{BA5DFA43-8D57-47FB-BC46-057616015C3B}" type="slidenum">
+              <a:rPr lang="ko-KR" altLang="en-US" smtClean="0"/>
+              <a:t>4</a:t>
             </a:fld>
             <a:endParaRPr lang="ko-KR" altLang="en-US"/>
           </a:p>
@@ -832,7 +917,7 @@
           <a:p>
             <a:fld id="{FB30EDBD-1C2D-4C1E-B459-B60219FAB484}" type="datetimeFigureOut">
               <a:rPr lang="ko-KR" altLang="en-US" smtClean="0"/>
-              <a:t>2022-04-05</a:t>
+              <a:t>2022-04-06</a:t>
             </a:fld>
             <a:endParaRPr lang="ko-KR" altLang="en-US"/>
           </a:p>
@@ -995,7 +1080,7 @@
           <a:p>
             <a:fld id="{FB30EDBD-1C2D-4C1E-B459-B60219FAB484}" type="datetimeFigureOut">
               <a:rPr lang="ko-KR" altLang="en-US" smtClean="0"/>
-              <a:t>2022-04-05</a:t>
+              <a:t>2022-04-06</a:t>
             </a:fld>
             <a:endParaRPr lang="ko-KR" altLang="en-US"/>
           </a:p>
@@ -1168,7 +1253,7 @@
           <a:p>
             <a:fld id="{FB30EDBD-1C2D-4C1E-B459-B60219FAB484}" type="datetimeFigureOut">
               <a:rPr lang="ko-KR" altLang="en-US" smtClean="0"/>
-              <a:t>2022-04-05</a:t>
+              <a:t>2022-04-06</a:t>
             </a:fld>
             <a:endParaRPr lang="ko-KR" altLang="en-US"/>
           </a:p>
@@ -1331,7 +1416,7 @@
           <a:p>
             <a:fld id="{FB30EDBD-1C2D-4C1E-B459-B60219FAB484}" type="datetimeFigureOut">
               <a:rPr lang="ko-KR" altLang="en-US" smtClean="0"/>
-              <a:t>2022-04-05</a:t>
+              <a:t>2022-04-06</a:t>
             </a:fld>
             <a:endParaRPr lang="ko-KR" altLang="en-US"/>
           </a:p>
@@ -1571,7 +1656,7 @@
           <a:p>
             <a:fld id="{FB30EDBD-1C2D-4C1E-B459-B60219FAB484}" type="datetimeFigureOut">
               <a:rPr lang="ko-KR" altLang="en-US" smtClean="0"/>
-              <a:t>2022-04-05</a:t>
+              <a:t>2022-04-06</a:t>
             </a:fld>
             <a:endParaRPr lang="ko-KR" altLang="en-US"/>
           </a:p>
@@ -1851,7 +1936,7 @@
           <a:p>
             <a:fld id="{FB30EDBD-1C2D-4C1E-B459-B60219FAB484}" type="datetimeFigureOut">
               <a:rPr lang="ko-KR" altLang="en-US" smtClean="0"/>
-              <a:t>2022-04-05</a:t>
+              <a:t>2022-04-06</a:t>
             </a:fld>
             <a:endParaRPr lang="ko-KR" altLang="en-US"/>
           </a:p>
@@ -2265,7 +2350,7 @@
           <a:p>
             <a:fld id="{FB30EDBD-1C2D-4C1E-B459-B60219FAB484}" type="datetimeFigureOut">
               <a:rPr lang="ko-KR" altLang="en-US" smtClean="0"/>
-              <a:t>2022-04-05</a:t>
+              <a:t>2022-04-06</a:t>
             </a:fld>
             <a:endParaRPr lang="ko-KR" altLang="en-US"/>
           </a:p>
@@ -2377,7 +2462,7 @@
           <a:p>
             <a:fld id="{FB30EDBD-1C2D-4C1E-B459-B60219FAB484}" type="datetimeFigureOut">
               <a:rPr lang="ko-KR" altLang="en-US" smtClean="0"/>
-              <a:t>2022-04-05</a:t>
+              <a:t>2022-04-06</a:t>
             </a:fld>
             <a:endParaRPr lang="ko-KR" altLang="en-US"/>
           </a:p>
@@ -2467,7 +2552,7 @@
           <a:p>
             <a:fld id="{FB30EDBD-1C2D-4C1E-B459-B60219FAB484}" type="datetimeFigureOut">
               <a:rPr lang="ko-KR" altLang="en-US" smtClean="0"/>
-              <a:t>2022-04-05</a:t>
+              <a:t>2022-04-06</a:t>
             </a:fld>
             <a:endParaRPr lang="ko-KR" altLang="en-US"/>
           </a:p>
@@ -2737,7 +2822,7 @@
           <a:p>
             <a:fld id="{FB30EDBD-1C2D-4C1E-B459-B60219FAB484}" type="datetimeFigureOut">
               <a:rPr lang="ko-KR" altLang="en-US" smtClean="0"/>
-              <a:t>2022-04-05</a:t>
+              <a:t>2022-04-06</a:t>
             </a:fld>
             <a:endParaRPr lang="ko-KR" altLang="en-US"/>
           </a:p>
@@ -2984,7 +3069,7 @@
           <a:p>
             <a:fld id="{FB30EDBD-1C2D-4C1E-B459-B60219FAB484}" type="datetimeFigureOut">
               <a:rPr lang="ko-KR" altLang="en-US" smtClean="0"/>
-              <a:t>2022-04-05</a:t>
+              <a:t>2022-04-06</a:t>
             </a:fld>
             <a:endParaRPr lang="ko-KR" altLang="en-US"/>
           </a:p>
@@ -3190,7 +3275,7 @@
           <a:p>
             <a:fld id="{FB30EDBD-1C2D-4C1E-B459-B60219FAB484}" type="datetimeFigureOut">
               <a:rPr lang="ko-KR" altLang="en-US" smtClean="0"/>
-              <a:t>2022-04-05</a:t>
+              <a:t>2022-04-06</a:t>
             </a:fld>
             <a:endParaRPr lang="ko-KR" altLang="en-US"/>
           </a:p>
@@ -6631,7 +6716,7 @@
     </p:spTree>
     <p:extLst>
       <p:ext uri="{BB962C8B-B14F-4D97-AF65-F5344CB8AC3E}">
-        <p14:creationId xmlns:p14="http://schemas.microsoft.com/office/powerpoint/2010/main" val="3850947079"/>
+        <p14:creationId xmlns:p14="http://schemas.microsoft.com/office/powerpoint/2010/main" val="919351729"/>
       </p:ext>
     </p:extLst>
   </p:cSld>
@@ -7095,119 +7180,6 @@
       </p:sp>
       <p:sp>
         <p:nvSpPr>
-          <p:cNvPr id="62" name="사각형: 둥근 모서리 61">
-            <a:extLst>
-              <a:ext uri="{FF2B5EF4-FFF2-40B4-BE49-F238E27FC236}">
-                <a16:creationId xmlns:a16="http://schemas.microsoft.com/office/drawing/2014/main" id="{03FB28A7-3F69-45AB-B8CA-811FCC97195A}"/>
-              </a:ext>
-            </a:extLst>
-          </p:cNvPr>
-          <p:cNvSpPr/>
-          <p:nvPr/>
-        </p:nvSpPr>
-        <p:spPr>
-          <a:xfrm>
-            <a:off x="709716" y="2555457"/>
-            <a:ext cx="2016224" cy="1008112"/>
-          </a:xfrm>
-          <a:prstGeom prst="roundRect">
-            <a:avLst>
-              <a:gd name="adj" fmla="val 8474"/>
-            </a:avLst>
-          </a:prstGeom>
-        </p:spPr>
-        <p:style>
-          <a:lnRef idx="2">
-            <a:schemeClr val="dk1"/>
-          </a:lnRef>
-          <a:fillRef idx="1">
-            <a:schemeClr val="lt1"/>
-          </a:fillRef>
-          <a:effectRef idx="0">
-            <a:schemeClr val="dk1"/>
-          </a:effectRef>
-          <a:fontRef idx="minor">
-            <a:schemeClr val="dk1"/>
-          </a:fontRef>
-        </p:style>
-        <p:txBody>
-          <a:bodyPr rtlCol="0" anchor="b"/>
-          <a:lstStyle/>
-          <a:p>
-            <a:pPr algn="ctr"/>
-            <a:r>
-              <a:rPr lang="en-US" altLang="ko-KR" sz="1200"/>
-              <a:t>K8s </a:t>
-            </a:r>
-          </a:p>
-          <a:p>
-            <a:pPr algn="ctr"/>
-            <a:r>
-              <a:rPr lang="en-US" altLang="ko-KR" sz="1200"/>
-              <a:t>Controller Manager</a:t>
-            </a:r>
-          </a:p>
-        </p:txBody>
-      </p:sp>
-      <p:sp>
-        <p:nvSpPr>
-          <p:cNvPr id="61" name="사각형: 둥근 모서리 60">
-            <a:extLst>
-              <a:ext uri="{FF2B5EF4-FFF2-40B4-BE49-F238E27FC236}">
-                <a16:creationId xmlns:a16="http://schemas.microsoft.com/office/drawing/2014/main" id="{B5CC1BC7-063B-478A-A7E8-980B11777761}"/>
-              </a:ext>
-            </a:extLst>
-          </p:cNvPr>
-          <p:cNvSpPr/>
-          <p:nvPr/>
-        </p:nvSpPr>
-        <p:spPr>
-          <a:xfrm>
-            <a:off x="781724" y="2627465"/>
-            <a:ext cx="1872208" cy="432048"/>
-          </a:xfrm>
-          <a:prstGeom prst="roundRect">
-            <a:avLst>
-              <a:gd name="adj" fmla="val 13936"/>
-            </a:avLst>
-          </a:prstGeom>
-        </p:spPr>
-        <p:style>
-          <a:lnRef idx="2">
-            <a:schemeClr val="dk1"/>
-          </a:lnRef>
-          <a:fillRef idx="1">
-            <a:schemeClr val="lt1"/>
-          </a:fillRef>
-          <a:effectRef idx="0">
-            <a:schemeClr val="dk1"/>
-          </a:effectRef>
-          <a:fontRef idx="minor">
-            <a:schemeClr val="dk1"/>
-          </a:fontRef>
-        </p:style>
-        <p:txBody>
-          <a:bodyPr rtlCol="0" anchor="ctr"/>
-          <a:lstStyle/>
-          <a:p>
-            <a:pPr algn="ctr"/>
-            <a:r>
-              <a:rPr lang="en-US" altLang="ko-KR" sz="1100" b="1"/>
-              <a:t>serviceaccount-token</a:t>
-            </a:r>
-          </a:p>
-          <a:p>
-            <a:pPr algn="ctr"/>
-            <a:r>
-              <a:rPr lang="en-US" altLang="ko-KR" sz="1100"/>
-              <a:t>Controller</a:t>
-            </a:r>
-            <a:endParaRPr lang="ko-KR" altLang="en-US" sz="1100"/>
-          </a:p>
-        </p:txBody>
-      </p:sp>
-      <p:sp>
-        <p:nvSpPr>
           <p:cNvPr id="65" name="사각형: 둥근 모서리 64">
             <a:extLst>
               <a:ext uri="{FF2B5EF4-FFF2-40B4-BE49-F238E27FC236}">
@@ -7488,19 +7460,6 @@
                   </a:schemeClr>
                 </a:solidFill>
               </a:rPr>
-              <a:t>Request</a:t>
-            </a:r>
-          </a:p>
-          <a:p>
-            <a:pPr algn="ctr"/>
-            <a:r>
-              <a:rPr lang="en-US" altLang="ko-KR" sz="1000">
-                <a:solidFill>
-                  <a:schemeClr val="accent3">
-                    <a:lumMod val="75000"/>
-                  </a:schemeClr>
-                </a:solidFill>
-              </a:rPr>
               <a:t>Create</a:t>
             </a:r>
           </a:p>
@@ -7529,6 +7488,19 @@
               </a:rPr>
               <a:t>Account</a:t>
             </a:r>
+          </a:p>
+          <a:p>
+            <a:pPr algn="ctr"/>
+            <a:r>
+              <a:rPr lang="en-US" altLang="ko-KR" sz="1000">
+                <a:solidFill>
+                  <a:schemeClr val="accent3">
+                    <a:lumMod val="75000"/>
+                  </a:schemeClr>
+                </a:solidFill>
+              </a:rPr>
+              <a:t>Request</a:t>
+            </a:r>
             <a:endParaRPr lang="ko-KR" altLang="en-US" sz="1000">
               <a:solidFill>
                 <a:schemeClr val="accent3">
@@ -7870,17 +7842,6 @@
                   <a:srgbClr val="C00000"/>
                 </a:solidFill>
               </a:rPr>
-              <a:t>Request</a:t>
-            </a:r>
-          </a:p>
-          <a:p>
-            <a:pPr algn="ctr"/>
-            <a:r>
-              <a:rPr lang="en-US" altLang="ko-KR" sz="1000">
-                <a:solidFill>
-                  <a:srgbClr val="C00000"/>
-                </a:solidFill>
-              </a:rPr>
               <a:t>Create</a:t>
             </a:r>
           </a:p>
@@ -7894,41 +7855,7 @@
               </a:rPr>
               <a:t>Pod</a:t>
             </a:r>
-            <a:endParaRPr lang="ko-KR" altLang="en-US" sz="1000">
-              <a:solidFill>
-                <a:srgbClr val="C00000"/>
-              </a:solidFill>
-            </a:endParaRPr>
-          </a:p>
-        </p:txBody>
-      </p:sp>
-      <p:sp>
-        <p:nvSpPr>
-          <p:cNvPr id="83" name="TextBox 82">
-            <a:extLst>
-              <a:ext uri="{FF2B5EF4-FFF2-40B4-BE49-F238E27FC236}">
-                <a16:creationId xmlns:a16="http://schemas.microsoft.com/office/drawing/2014/main" id="{D045A945-FF71-4C47-8F7D-14AF5770C08B}"/>
-              </a:ext>
-            </a:extLst>
-          </p:cNvPr>
-          <p:cNvSpPr txBox="1"/>
-          <p:nvPr/>
-        </p:nvSpPr>
-        <p:spPr>
-          <a:xfrm>
-            <a:off x="4386671" y="2717870"/>
-            <a:ext cx="950902" cy="553998"/>
-          </a:xfrm>
-          <a:prstGeom prst="rect">
-            <a:avLst/>
-          </a:prstGeom>
-          <a:noFill/>
-        </p:spPr>
-        <p:txBody>
-          <a:bodyPr wrap="none" rtlCol="0" anchor="ctr">
-            <a:spAutoFit/>
-          </a:bodyPr>
-          <a:lstStyle/>
+          </a:p>
           <a:p>
             <a:pPr algn="ctr"/>
             <a:r>
@@ -7939,7 +7866,41 @@
               </a:rPr>
               <a:t>Request</a:t>
             </a:r>
-          </a:p>
+            <a:endParaRPr lang="ko-KR" altLang="en-US" sz="1000">
+              <a:solidFill>
+                <a:srgbClr val="C00000"/>
+              </a:solidFill>
+            </a:endParaRPr>
+          </a:p>
+        </p:txBody>
+      </p:sp>
+      <p:sp>
+        <p:nvSpPr>
+          <p:cNvPr id="83" name="TextBox 82">
+            <a:extLst>
+              <a:ext uri="{FF2B5EF4-FFF2-40B4-BE49-F238E27FC236}">
+                <a16:creationId xmlns:a16="http://schemas.microsoft.com/office/drawing/2014/main" id="{D045A945-FF71-4C47-8F7D-14AF5770C08B}"/>
+              </a:ext>
+            </a:extLst>
+          </p:cNvPr>
+          <p:cNvSpPr txBox="1"/>
+          <p:nvPr/>
+        </p:nvSpPr>
+        <p:spPr>
+          <a:xfrm>
+            <a:off x="4445182" y="2717870"/>
+            <a:ext cx="833883" cy="553998"/>
+          </a:xfrm>
+          <a:prstGeom prst="rect">
+            <a:avLst/>
+          </a:prstGeom>
+          <a:noFill/>
+        </p:spPr>
+        <p:txBody>
+          <a:bodyPr wrap="none" rtlCol="0" anchor="ctr">
+            <a:spAutoFit/>
+          </a:bodyPr>
+          <a:lstStyle/>
           <a:p>
             <a:pPr algn="ctr"/>
             <a:r>
@@ -7948,7 +7909,7 @@
                   <a:srgbClr val="C00000"/>
                 </a:solidFill>
               </a:rPr>
-              <a:t>Create</a:t>
+              <a:t>Mutated</a:t>
             </a:r>
           </a:p>
           <a:p>
@@ -7959,7 +7920,18 @@
                   <a:srgbClr val="C00000"/>
                 </a:solidFill>
               </a:rPr>
-              <a:t>Mutated Pod</a:t>
+              <a:t>Create Pod</a:t>
+            </a:r>
+          </a:p>
+          <a:p>
+            <a:pPr algn="ctr"/>
+            <a:r>
+              <a:rPr lang="en-US" altLang="ko-KR" sz="1000">
+                <a:solidFill>
+                  <a:srgbClr val="C00000"/>
+                </a:solidFill>
+              </a:rPr>
+              <a:t>Request</a:t>
             </a:r>
             <a:endParaRPr lang="ko-KR" altLang="en-US" sz="1000">
               <a:solidFill>
@@ -8476,8 +8448,8 @@
         </p:nvSpPr>
         <p:spPr>
           <a:xfrm>
-            <a:off x="5295725" y="2910462"/>
-            <a:ext cx="950902" cy="553998"/>
+            <a:off x="5354235" y="2910462"/>
+            <a:ext cx="833882" cy="553998"/>
           </a:xfrm>
           <a:prstGeom prst="rect">
             <a:avLst/>
@@ -8489,6 +8461,28 @@
             <a:spAutoFit/>
           </a:bodyPr>
           <a:lstStyle/>
+          <a:p>
+            <a:pPr algn="ctr"/>
+            <a:r>
+              <a:rPr lang="en-US" altLang="ko-KR" sz="1000">
+                <a:solidFill>
+                  <a:srgbClr val="C00000"/>
+                </a:solidFill>
+              </a:rPr>
+              <a:t>Mutated</a:t>
+            </a:r>
+          </a:p>
+          <a:p>
+            <a:pPr algn="ctr"/>
+            <a:r>
+              <a:rPr lang="en-US" altLang="ko-KR" sz="1000">
+                <a:solidFill>
+                  <a:srgbClr val="C00000"/>
+                </a:solidFill>
+              </a:rPr>
+              <a:t>Create Pod</a:t>
+            </a:r>
+          </a:p>
           <a:p>
             <a:pPr algn="ctr"/>
             <a:r>
@@ -8498,28 +8492,6 @@
                 </a:solidFill>
               </a:rPr>
               <a:t>Request</a:t>
-            </a:r>
-          </a:p>
-          <a:p>
-            <a:pPr algn="ctr"/>
-            <a:r>
-              <a:rPr lang="en-US" altLang="ko-KR" sz="1000">
-                <a:solidFill>
-                  <a:srgbClr val="C00000"/>
-                </a:solidFill>
-              </a:rPr>
-              <a:t>Create</a:t>
-            </a:r>
-          </a:p>
-          <a:p>
-            <a:pPr algn="ctr"/>
-            <a:r>
-              <a:rPr lang="en-US" altLang="ko-KR" sz="1000">
-                <a:solidFill>
-                  <a:srgbClr val="C00000"/>
-                </a:solidFill>
-              </a:rPr>
-              <a:t>Mutated Pod</a:t>
             </a:r>
             <a:endParaRPr lang="ko-KR" altLang="en-US" sz="1000">
               <a:solidFill>
@@ -8749,51 +8721,6 @@
           </a:p>
         </p:txBody>
       </p:sp>
-      <p:cxnSp>
-        <p:nvCxnSpPr>
-          <p:cNvPr id="123" name="직선 화살표 연결선 122">
-            <a:extLst>
-              <a:ext uri="{FF2B5EF4-FFF2-40B4-BE49-F238E27FC236}">
-                <a16:creationId xmlns:a16="http://schemas.microsoft.com/office/drawing/2014/main" id="{AE4D792E-5F64-4D4F-A3E0-7E9290D7A926}"/>
-              </a:ext>
-            </a:extLst>
-          </p:cNvPr>
-          <p:cNvCxnSpPr>
-            <a:cxnSpLocks/>
-          </p:cNvCxnSpPr>
-          <p:nvPr/>
-        </p:nvCxnSpPr>
-        <p:spPr>
-          <a:xfrm flipH="1" flipV="1">
-            <a:off x="2653932" y="2715766"/>
-            <a:ext cx="586409" cy="826528"/>
-          </a:xfrm>
-          <a:prstGeom prst="straightConnector1">
-            <a:avLst/>
-          </a:prstGeom>
-          <a:ln w="19050">
-            <a:solidFill>
-              <a:schemeClr val="accent4"/>
-            </a:solidFill>
-            <a:headEnd type="none" w="med" len="med"/>
-            <a:tailEnd type="arrow" w="med" len="med"/>
-          </a:ln>
-        </p:spPr>
-        <p:style>
-          <a:lnRef idx="1">
-            <a:schemeClr val="accent1"/>
-          </a:lnRef>
-          <a:fillRef idx="0">
-            <a:schemeClr val="accent1"/>
-          </a:fillRef>
-          <a:effectRef idx="0">
-            <a:schemeClr val="accent1"/>
-          </a:effectRef>
-          <a:fontRef idx="minor">
-            <a:schemeClr val="tx1"/>
-          </a:fontRef>
-        </p:style>
-      </p:cxnSp>
       <p:sp>
         <p:nvSpPr>
           <p:cNvPr id="124" name="TextBox 123">
@@ -8985,49 +8912,9 @@
                   <a:schemeClr val="accent4"/>
                 </a:solidFill>
               </a:rPr>
-              <a:t>Request</a:t>
-            </a:r>
-          </a:p>
-          <a:p>
-            <a:pPr algn="ctr"/>
-            <a:r>
-              <a:rPr lang="en-US" altLang="ko-KR" sz="1000">
-                <a:solidFill>
-                  <a:schemeClr val="accent4"/>
-                </a:solidFill>
-              </a:rPr>
               <a:t>SA Token</a:t>
             </a:r>
           </a:p>
-        </p:txBody>
-      </p:sp>
-      <p:sp>
-        <p:nvSpPr>
-          <p:cNvPr id="138" name="TextBox 137">
-            <a:extLst>
-              <a:ext uri="{FF2B5EF4-FFF2-40B4-BE49-F238E27FC236}">
-                <a16:creationId xmlns:a16="http://schemas.microsoft.com/office/drawing/2014/main" id="{6C6E6535-C5B3-48AA-945A-1A1CF8D24F48}"/>
-              </a:ext>
-            </a:extLst>
-          </p:cNvPr>
-          <p:cNvSpPr txBox="1"/>
-          <p:nvPr/>
-        </p:nvSpPr>
-        <p:spPr>
-          <a:xfrm>
-            <a:off x="3058861" y="3031781"/>
-            <a:ext cx="736099" cy="400110"/>
-          </a:xfrm>
-          <a:prstGeom prst="rect">
-            <a:avLst/>
-          </a:prstGeom>
-          <a:noFill/>
-        </p:spPr>
-        <p:txBody>
-          <a:bodyPr wrap="none" rtlCol="0" anchor="ctr">
-            <a:spAutoFit/>
-          </a:bodyPr>
-          <a:lstStyle/>
           <a:p>
             <a:pPr algn="ctr"/>
             <a:r>
@@ -9039,78 +8926,14 @@
               <a:t>Request</a:t>
             </a:r>
           </a:p>
-          <a:p>
-            <a:pPr algn="ctr"/>
-            <a:r>
-              <a:rPr lang="en-US" altLang="ko-KR" sz="1000">
-                <a:solidFill>
-                  <a:schemeClr val="accent4"/>
-                </a:solidFill>
-              </a:rPr>
-              <a:t>SA Token</a:t>
-            </a:r>
-          </a:p>
-        </p:txBody>
-      </p:sp>
-      <p:sp>
-        <p:nvSpPr>
-          <p:cNvPr id="141" name="타원 140">
-            <a:extLst>
-              <a:ext uri="{FF2B5EF4-FFF2-40B4-BE49-F238E27FC236}">
-                <a16:creationId xmlns:a16="http://schemas.microsoft.com/office/drawing/2014/main" id="{970A51CE-D9AC-4451-9033-5EEBE3485E14}"/>
-              </a:ext>
-            </a:extLst>
-          </p:cNvPr>
-          <p:cNvSpPr/>
-          <p:nvPr/>
-        </p:nvSpPr>
-        <p:spPr>
-          <a:xfrm>
-            <a:off x="3136351" y="3431891"/>
-            <a:ext cx="208094" cy="208094"/>
-          </a:xfrm>
-          <a:prstGeom prst="ellipse">
-            <a:avLst/>
-          </a:prstGeom>
-          <a:ln>
-            <a:solidFill>
-              <a:schemeClr val="accent4"/>
-            </a:solidFill>
-          </a:ln>
-        </p:spPr>
-        <p:style>
-          <a:lnRef idx="2">
-            <a:schemeClr val="accent2"/>
-          </a:lnRef>
-          <a:fillRef idx="1">
-            <a:schemeClr val="lt1"/>
-          </a:fillRef>
-          <a:effectRef idx="0">
-            <a:schemeClr val="accent2"/>
-          </a:effectRef>
-          <a:fontRef idx="minor">
-            <a:schemeClr val="dk1"/>
-          </a:fontRef>
-        </p:style>
-        <p:txBody>
-          <a:bodyPr rtlCol="0" anchor="ctr"/>
-          <a:lstStyle/>
-          <a:p>
-            <a:pPr algn="ctr"/>
-            <a:r>
-              <a:rPr lang="en-US" altLang="ko-KR" sz="1100"/>
-              <a:t>2</a:t>
-            </a:r>
-            <a:endParaRPr lang="ko-KR" altLang="en-US" sz="1100"/>
-          </a:p>
         </p:txBody>
       </p:sp>
       <p:cxnSp>
         <p:nvCxnSpPr>
-          <p:cNvPr id="142" name="직선 화살표 연결선 141">
-            <a:extLst>
-              <a:ext uri="{FF2B5EF4-FFF2-40B4-BE49-F238E27FC236}">
-                <a16:creationId xmlns:a16="http://schemas.microsoft.com/office/drawing/2014/main" id="{4311362C-A49D-4666-A728-71CF6DB3FF38}"/>
+          <p:cNvPr id="155" name="직선 화살표 연결선 154">
+            <a:extLst>
+              <a:ext uri="{FF2B5EF4-FFF2-40B4-BE49-F238E27FC236}">
+                <a16:creationId xmlns:a16="http://schemas.microsoft.com/office/drawing/2014/main" id="{8D189832-DD63-4BC9-B15F-DBA0EC4CDE39}"/>
               </a:ext>
             </a:extLst>
           </p:cNvPr>
@@ -9120,9 +8943,9 @@
           <p:nvPr/>
         </p:nvCxnSpPr>
         <p:spPr>
-          <a:xfrm flipH="1" flipV="1">
-            <a:off x="2653932" y="2970922"/>
-            <a:ext cx="586409" cy="826528"/>
+          <a:xfrm flipH="1">
+            <a:off x="5256567" y="3876181"/>
+            <a:ext cx="1036419" cy="0"/>
           </a:xfrm>
           <a:prstGeom prst="straightConnector1">
             <a:avLst/>
@@ -9152,10 +8975,10 @@
       </p:cxnSp>
       <p:sp>
         <p:nvSpPr>
-          <p:cNvPr id="144" name="타원 143">
-            <a:extLst>
-              <a:ext uri="{FF2B5EF4-FFF2-40B4-BE49-F238E27FC236}">
-                <a16:creationId xmlns:a16="http://schemas.microsoft.com/office/drawing/2014/main" id="{F7C54B1E-2594-45CB-A143-ADBD54FE41A8}"/>
+          <p:cNvPr id="156" name="타원 155">
+            <a:extLst>
+              <a:ext uri="{FF2B5EF4-FFF2-40B4-BE49-F238E27FC236}">
+                <a16:creationId xmlns:a16="http://schemas.microsoft.com/office/drawing/2014/main" id="{710D55AC-D869-484F-9BF2-5278B069B0CF}"/>
               </a:ext>
             </a:extLst>
           </p:cNvPr>
@@ -9164,7 +8987,7 @@
         </p:nvSpPr>
         <p:spPr>
           <a:xfrm>
-            <a:off x="2495744" y="2862057"/>
+            <a:off x="5141085" y="3773755"/>
             <a:ext cx="208094" cy="208094"/>
           </a:xfrm>
           <a:prstGeom prst="ellipse">
@@ -9197,18 +9020,125 @@
             <a:pPr algn="ctr"/>
             <a:r>
               <a:rPr lang="en-US" altLang="ko-KR" sz="1100"/>
-              <a:t>3</a:t>
+              <a:t>2</a:t>
             </a:r>
             <a:endParaRPr lang="ko-KR" altLang="en-US" sz="1100"/>
+          </a:p>
+        </p:txBody>
+      </p:sp>
+      <p:sp>
+        <p:nvSpPr>
+          <p:cNvPr id="157" name="TextBox 156">
+            <a:extLst>
+              <a:ext uri="{FF2B5EF4-FFF2-40B4-BE49-F238E27FC236}">
+                <a16:creationId xmlns:a16="http://schemas.microsoft.com/office/drawing/2014/main" id="{BF772D9B-98B2-49E2-A7FA-B2D3F2C40E5C}"/>
+              </a:ext>
+            </a:extLst>
+          </p:cNvPr>
+          <p:cNvSpPr txBox="1"/>
+          <p:nvPr/>
+        </p:nvSpPr>
+        <p:spPr>
+          <a:xfrm>
+            <a:off x="5403128" y="3870776"/>
+            <a:ext cx="736099" cy="246221"/>
+          </a:xfrm>
+          <a:prstGeom prst="rect">
+            <a:avLst/>
+          </a:prstGeom>
+          <a:noFill/>
+        </p:spPr>
+        <p:txBody>
+          <a:bodyPr wrap="none" rtlCol="0" anchor="ctr">
+            <a:spAutoFit/>
+          </a:bodyPr>
+          <a:lstStyle/>
+          <a:p>
+            <a:pPr algn="ctr"/>
+            <a:r>
+              <a:rPr lang="en-US" altLang="ko-KR" sz="1000">
+                <a:solidFill>
+                  <a:schemeClr val="accent4"/>
+                </a:solidFill>
+              </a:rPr>
+              <a:t>SA Token</a:t>
+            </a:r>
+          </a:p>
+        </p:txBody>
+      </p:sp>
+      <p:sp>
+        <p:nvSpPr>
+          <p:cNvPr id="158" name="TextBox 157">
+            <a:extLst>
+              <a:ext uri="{FF2B5EF4-FFF2-40B4-BE49-F238E27FC236}">
+                <a16:creationId xmlns:a16="http://schemas.microsoft.com/office/drawing/2014/main" id="{CEEF060C-56FB-439B-A8BC-F28BE24F26EB}"/>
+              </a:ext>
+            </a:extLst>
+          </p:cNvPr>
+          <p:cNvSpPr txBox="1"/>
+          <p:nvPr/>
+        </p:nvSpPr>
+        <p:spPr>
+          <a:xfrm>
+            <a:off x="4228437" y="3917550"/>
+            <a:ext cx="652743" cy="553998"/>
+          </a:xfrm>
+          <a:prstGeom prst="rect">
+            <a:avLst/>
+          </a:prstGeom>
+          <a:noFill/>
+        </p:spPr>
+        <p:txBody>
+          <a:bodyPr wrap="none" rtlCol="0" anchor="ctr">
+            <a:spAutoFit/>
+          </a:bodyPr>
+          <a:lstStyle/>
+          <a:p>
+            <a:pPr algn="ctr"/>
+            <a:r>
+              <a:rPr lang="en-US" altLang="ko-KR" sz="1000">
+                <a:solidFill>
+                  <a:srgbClr val="C00000"/>
+                </a:solidFill>
+              </a:rPr>
+              <a:t>Create</a:t>
+            </a:r>
+          </a:p>
+          <a:p>
+            <a:pPr algn="ctr"/>
+            <a:r>
+              <a:rPr lang="en-US" altLang="ko-KR" sz="1000">
+                <a:solidFill>
+                  <a:srgbClr val="C00000"/>
+                </a:solidFill>
+              </a:rPr>
+              <a:t>Pod</a:t>
+            </a:r>
+          </a:p>
+          <a:p>
+            <a:pPr algn="ctr"/>
+            <a:r>
+              <a:rPr lang="en-US" altLang="ko-KR" sz="1000">
+                <a:solidFill>
+                  <a:srgbClr val="C00000"/>
+                </a:solidFill>
+              </a:rPr>
+              <a:t>Request</a:t>
+            </a:r>
+            <a:endParaRPr lang="ko-KR" altLang="en-US" sz="1000">
+              <a:solidFill>
+                <a:srgbClr val="C00000"/>
+              </a:solidFill>
+            </a:endParaRPr>
           </a:p>
         </p:txBody>
       </p:sp>
       <p:cxnSp>
         <p:nvCxnSpPr>
-          <p:cNvPr id="155" name="직선 화살표 연결선 154">
-            <a:extLst>
-              <a:ext uri="{FF2B5EF4-FFF2-40B4-BE49-F238E27FC236}">
-                <a16:creationId xmlns:a16="http://schemas.microsoft.com/office/drawing/2014/main" id="{8D189832-DD63-4BC9-B15F-DBA0EC4CDE39}"/>
+          <p:cNvPr id="160" name="직선 화살표 연결선 159">
+            <a:extLst>
+              <a:ext uri="{FF2B5EF4-FFF2-40B4-BE49-F238E27FC236}">
+                <a16:creationId xmlns:a16="http://schemas.microsoft.com/office/drawing/2014/main" id="{1A11A6EA-C533-4107-8465-9DFC7BD2C343}"/>
               </a:ext>
             </a:extLst>
           </p:cNvPr>
@@ -9218,9 +9148,9 @@
           <p:nvPr/>
         </p:nvCxnSpPr>
         <p:spPr>
-          <a:xfrm flipH="1">
-            <a:off x="5256567" y="3876181"/>
-            <a:ext cx="1036419" cy="0"/>
+          <a:xfrm>
+            <a:off x="7740352" y="2419156"/>
+            <a:ext cx="0" cy="1012735"/>
           </a:xfrm>
           <a:prstGeom prst="straightConnector1">
             <a:avLst/>
@@ -9250,63 +9180,10 @@
       </p:cxnSp>
       <p:sp>
         <p:nvSpPr>
-          <p:cNvPr id="156" name="타원 155">
-            <a:extLst>
-              <a:ext uri="{FF2B5EF4-FFF2-40B4-BE49-F238E27FC236}">
-                <a16:creationId xmlns:a16="http://schemas.microsoft.com/office/drawing/2014/main" id="{710D55AC-D869-484F-9BF2-5278B069B0CF}"/>
-              </a:ext>
-            </a:extLst>
-          </p:cNvPr>
-          <p:cNvSpPr/>
-          <p:nvPr/>
-        </p:nvSpPr>
-        <p:spPr>
-          <a:xfrm>
-            <a:off x="5141085" y="3773755"/>
-            <a:ext cx="208094" cy="208094"/>
-          </a:xfrm>
-          <a:prstGeom prst="ellipse">
-            <a:avLst/>
-          </a:prstGeom>
-          <a:ln>
-            <a:solidFill>
-              <a:schemeClr val="accent4"/>
-            </a:solidFill>
-          </a:ln>
-        </p:spPr>
-        <p:style>
-          <a:lnRef idx="2">
-            <a:schemeClr val="accent2"/>
-          </a:lnRef>
-          <a:fillRef idx="1">
-            <a:schemeClr val="lt1"/>
-          </a:fillRef>
-          <a:effectRef idx="0">
-            <a:schemeClr val="accent2"/>
-          </a:effectRef>
-          <a:fontRef idx="minor">
-            <a:schemeClr val="dk1"/>
-          </a:fontRef>
-        </p:style>
-        <p:txBody>
-          <a:bodyPr rtlCol="0" anchor="ctr"/>
-          <a:lstStyle/>
-          <a:p>
-            <a:pPr algn="ctr"/>
-            <a:r>
-              <a:rPr lang="en-US" altLang="ko-KR" sz="1100"/>
-              <a:t>4</a:t>
-            </a:r>
-            <a:endParaRPr lang="ko-KR" altLang="en-US" sz="1100"/>
-          </a:p>
-        </p:txBody>
-      </p:sp>
-      <p:sp>
-        <p:nvSpPr>
-          <p:cNvPr id="157" name="TextBox 156">
-            <a:extLst>
-              <a:ext uri="{FF2B5EF4-FFF2-40B4-BE49-F238E27FC236}">
-                <a16:creationId xmlns:a16="http://schemas.microsoft.com/office/drawing/2014/main" id="{BF772D9B-98B2-49E2-A7FA-B2D3F2C40E5C}"/>
+          <p:cNvPr id="162" name="TextBox 161">
+            <a:extLst>
+              <a:ext uri="{FF2B5EF4-FFF2-40B4-BE49-F238E27FC236}">
+                <a16:creationId xmlns:a16="http://schemas.microsoft.com/office/drawing/2014/main" id="{F6A31C68-7D55-47C1-857C-15841B5DF84F}"/>
               </a:ext>
             </a:extLst>
           </p:cNvPr>
@@ -9315,8 +9192,8 @@
         </p:nvSpPr>
         <p:spPr>
           <a:xfrm>
-            <a:off x="5403128" y="3870776"/>
-            <a:ext cx="736099" cy="246221"/>
+            <a:off x="7706636" y="2811370"/>
+            <a:ext cx="736099" cy="400110"/>
           </a:xfrm>
           <a:prstGeom prst="rect">
             <a:avLst/>
@@ -9328,6 +9205,17 @@
             <a:spAutoFit/>
           </a:bodyPr>
           <a:lstStyle/>
+          <a:p>
+            <a:pPr algn="ctr"/>
+            <a:r>
+              <a:rPr lang="en-US" altLang="ko-KR" sz="1000">
+                <a:solidFill>
+                  <a:schemeClr val="accent4"/>
+                </a:solidFill>
+              </a:rPr>
+              <a:t>Project</a:t>
+            </a:r>
+          </a:p>
           <a:p>
             <a:pPr algn="ctr"/>
             <a:r>
@@ -9343,209 +9231,6 @@
       </p:sp>
       <p:sp>
         <p:nvSpPr>
-          <p:cNvPr id="158" name="TextBox 157">
-            <a:extLst>
-              <a:ext uri="{FF2B5EF4-FFF2-40B4-BE49-F238E27FC236}">
-                <a16:creationId xmlns:a16="http://schemas.microsoft.com/office/drawing/2014/main" id="{CEEF060C-56FB-439B-A8BC-F28BE24F26EB}"/>
-              </a:ext>
-            </a:extLst>
-          </p:cNvPr>
-          <p:cNvSpPr txBox="1"/>
-          <p:nvPr/>
-        </p:nvSpPr>
-        <p:spPr>
-          <a:xfrm>
-            <a:off x="4228437" y="3917550"/>
-            <a:ext cx="652743" cy="553998"/>
-          </a:xfrm>
-          <a:prstGeom prst="rect">
-            <a:avLst/>
-          </a:prstGeom>
-          <a:noFill/>
-        </p:spPr>
-        <p:txBody>
-          <a:bodyPr wrap="none" rtlCol="0" anchor="ctr">
-            <a:spAutoFit/>
-          </a:bodyPr>
-          <a:lstStyle/>
-          <a:p>
-            <a:pPr algn="ctr"/>
-            <a:r>
-              <a:rPr lang="en-US" altLang="ko-KR" sz="1000">
-                <a:solidFill>
-                  <a:srgbClr val="C00000"/>
-                </a:solidFill>
-              </a:rPr>
-              <a:t>Request</a:t>
-            </a:r>
-          </a:p>
-          <a:p>
-            <a:pPr algn="ctr"/>
-            <a:r>
-              <a:rPr lang="en-US" altLang="ko-KR" sz="1000">
-                <a:solidFill>
-                  <a:srgbClr val="C00000"/>
-                </a:solidFill>
-              </a:rPr>
-              <a:t>Create</a:t>
-            </a:r>
-          </a:p>
-          <a:p>
-            <a:pPr algn="ctr"/>
-            <a:r>
-              <a:rPr lang="en-US" altLang="ko-KR" sz="1000">
-                <a:solidFill>
-                  <a:srgbClr val="C00000"/>
-                </a:solidFill>
-              </a:rPr>
-              <a:t>Pod</a:t>
-            </a:r>
-            <a:endParaRPr lang="ko-KR" altLang="en-US" sz="1000">
-              <a:solidFill>
-                <a:srgbClr val="C00000"/>
-              </a:solidFill>
-            </a:endParaRPr>
-          </a:p>
-        </p:txBody>
-      </p:sp>
-      <p:sp>
-        <p:nvSpPr>
-          <p:cNvPr id="159" name="TextBox 158">
-            <a:extLst>
-              <a:ext uri="{FF2B5EF4-FFF2-40B4-BE49-F238E27FC236}">
-                <a16:creationId xmlns:a16="http://schemas.microsoft.com/office/drawing/2014/main" id="{F959D2C3-1ABC-440D-8138-D7D403BE60F9}"/>
-              </a:ext>
-            </a:extLst>
-          </p:cNvPr>
-          <p:cNvSpPr txBox="1"/>
-          <p:nvPr/>
-        </p:nvSpPr>
-        <p:spPr>
-          <a:xfrm>
-            <a:off x="2475476" y="3581063"/>
-            <a:ext cx="736100" cy="246221"/>
-          </a:xfrm>
-          <a:prstGeom prst="rect">
-            <a:avLst/>
-          </a:prstGeom>
-          <a:noFill/>
-        </p:spPr>
-        <p:txBody>
-          <a:bodyPr wrap="none" rtlCol="0" anchor="ctr">
-            <a:spAutoFit/>
-          </a:bodyPr>
-          <a:lstStyle/>
-          <a:p>
-            <a:pPr algn="ctr"/>
-            <a:r>
-              <a:rPr lang="en-US" altLang="ko-KR" sz="1000">
-                <a:solidFill>
-                  <a:schemeClr val="accent4"/>
-                </a:solidFill>
-              </a:rPr>
-              <a:t>SA Token</a:t>
-            </a:r>
-          </a:p>
-        </p:txBody>
-      </p:sp>
-      <p:cxnSp>
-        <p:nvCxnSpPr>
-          <p:cNvPr id="160" name="직선 화살표 연결선 159">
-            <a:extLst>
-              <a:ext uri="{FF2B5EF4-FFF2-40B4-BE49-F238E27FC236}">
-                <a16:creationId xmlns:a16="http://schemas.microsoft.com/office/drawing/2014/main" id="{1A11A6EA-C533-4107-8465-9DFC7BD2C343}"/>
-              </a:ext>
-            </a:extLst>
-          </p:cNvPr>
-          <p:cNvCxnSpPr>
-            <a:cxnSpLocks/>
-          </p:cNvCxnSpPr>
-          <p:nvPr/>
-        </p:nvCxnSpPr>
-        <p:spPr>
-          <a:xfrm>
-            <a:off x="7740352" y="2419156"/>
-            <a:ext cx="0" cy="1012735"/>
-          </a:xfrm>
-          <a:prstGeom prst="straightConnector1">
-            <a:avLst/>
-          </a:prstGeom>
-          <a:ln w="19050">
-            <a:solidFill>
-              <a:schemeClr val="accent4"/>
-            </a:solidFill>
-            <a:headEnd type="arrow" w="med" len="med"/>
-            <a:tailEnd type="none" w="med" len="med"/>
-          </a:ln>
-        </p:spPr>
-        <p:style>
-          <a:lnRef idx="1">
-            <a:schemeClr val="accent1"/>
-          </a:lnRef>
-          <a:fillRef idx="0">
-            <a:schemeClr val="accent1"/>
-          </a:fillRef>
-          <a:effectRef idx="0">
-            <a:schemeClr val="accent1"/>
-          </a:effectRef>
-          <a:fontRef idx="minor">
-            <a:schemeClr val="tx1"/>
-          </a:fontRef>
-        </p:style>
-      </p:cxnSp>
-      <p:sp>
-        <p:nvSpPr>
-          <p:cNvPr id="162" name="TextBox 161">
-            <a:extLst>
-              <a:ext uri="{FF2B5EF4-FFF2-40B4-BE49-F238E27FC236}">
-                <a16:creationId xmlns:a16="http://schemas.microsoft.com/office/drawing/2014/main" id="{F6A31C68-7D55-47C1-857C-15841B5DF84F}"/>
-              </a:ext>
-            </a:extLst>
-          </p:cNvPr>
-          <p:cNvSpPr txBox="1"/>
-          <p:nvPr/>
-        </p:nvSpPr>
-        <p:spPr>
-          <a:xfrm>
-            <a:off x="7706636" y="2811370"/>
-            <a:ext cx="736099" cy="400110"/>
-          </a:xfrm>
-          <a:prstGeom prst="rect">
-            <a:avLst/>
-          </a:prstGeom>
-          <a:noFill/>
-        </p:spPr>
-        <p:txBody>
-          <a:bodyPr wrap="none" rtlCol="0" anchor="ctr">
-            <a:spAutoFit/>
-          </a:bodyPr>
-          <a:lstStyle/>
-          <a:p>
-            <a:pPr algn="ctr"/>
-            <a:r>
-              <a:rPr lang="en-US" altLang="ko-KR" sz="1000">
-                <a:solidFill>
-                  <a:schemeClr val="accent4"/>
-                </a:solidFill>
-              </a:rPr>
-              <a:t>Project</a:t>
-            </a:r>
-          </a:p>
-          <a:p>
-            <a:pPr algn="ctr"/>
-            <a:r>
-              <a:rPr lang="en-US" altLang="ko-KR" sz="1000">
-                <a:solidFill>
-                  <a:schemeClr val="accent4"/>
-                </a:solidFill>
-              </a:rPr>
-              <a:t>SA Token</a:t>
-            </a:r>
-          </a:p>
-        </p:txBody>
-      </p:sp>
-      <p:sp>
-        <p:nvSpPr>
           <p:cNvPr id="164" name="타원 163">
             <a:extLst>
               <a:ext uri="{FF2B5EF4-FFF2-40B4-BE49-F238E27FC236}">
@@ -9591,7 +9276,7 @@
             <a:pPr algn="ctr"/>
             <a:r>
               <a:rPr lang="en-US" altLang="ko-KR" sz="1100"/>
-              <a:t>5</a:t>
+              <a:t>3</a:t>
             </a:r>
             <a:endParaRPr lang="ko-KR" altLang="en-US" sz="1100"/>
           </a:p>
@@ -10026,15 +9711,15 @@
           </p:cNvPr>
           <p:cNvCxnSpPr>
             <a:cxnSpLocks/>
-            <a:stCxn id="61" idx="0"/>
+            <a:stCxn id="56" idx="1"/>
             <a:endCxn id="88" idx="2"/>
           </p:cNvCxnSpPr>
           <p:nvPr/>
         </p:nvCxnSpPr>
         <p:spPr>
-          <a:xfrm flipV="1">
-            <a:off x="1717828" y="2383381"/>
-            <a:ext cx="0" cy="244084"/>
+          <a:xfrm flipH="1" flipV="1">
+            <a:off x="1717828" y="3217879"/>
+            <a:ext cx="1522513" cy="452138"/>
           </a:xfrm>
           <a:prstGeom prst="straightConnector1">
             <a:avLst/>
@@ -10076,7 +9761,7 @@
         </p:nvSpPr>
         <p:spPr>
           <a:xfrm>
-            <a:off x="887030" y="2059635"/>
+            <a:off x="887030" y="2894133"/>
             <a:ext cx="1661596" cy="323746"/>
           </a:xfrm>
           <a:prstGeom prst="roundRect">
@@ -10128,7 +9813,7 @@
         <p:spPr>
           <a:xfrm flipH="1">
             <a:off x="1717828" y="1419622"/>
-            <a:ext cx="461987" cy="640013"/>
+            <a:ext cx="461987" cy="1474511"/>
           </a:xfrm>
           <a:prstGeom prst="straightConnector1">
             <a:avLst/>
@@ -10159,7 +9844,7 @@
     </p:spTree>
     <p:extLst>
       <p:ext uri="{BB962C8B-B14F-4D97-AF65-F5344CB8AC3E}">
-        <p14:creationId xmlns:p14="http://schemas.microsoft.com/office/powerpoint/2010/main" val="2190827545"/>
+        <p14:creationId xmlns:p14="http://schemas.microsoft.com/office/powerpoint/2010/main" val="3850947079"/>
       </p:ext>
     </p:extLst>
   </p:cSld>
@@ -10427,7 +10112,7 @@
             <a:pPr algn="ctr"/>
             <a:r>
               <a:rPr lang="en-US" altLang="ko-KR" sz="1200"/>
-              <a:t>AWS EKS (k8s) </a:t>
+              <a:t>K8s</a:t>
             </a:r>
           </a:p>
           <a:p>
@@ -10635,14 +10320,14 @@
             <a:pPr algn="ctr"/>
             <a:r>
               <a:rPr lang="en-US" altLang="ko-KR" sz="1200"/>
-              <a:t>AWS EKS (k8s) </a:t>
+              <a:t>K8s </a:t>
             </a:r>
           </a:p>
           <a:p>
             <a:pPr algn="ctr"/>
             <a:r>
               <a:rPr lang="en-US" altLang="ko-KR" sz="1200"/>
-              <a:t>Controller manager</a:t>
+              <a:t>Controller Manager</a:t>
             </a:r>
           </a:p>
         </p:txBody>
@@ -10794,7 +10479,7 @@
             <a:pPr algn="ctr"/>
             <a:r>
               <a:rPr lang="en-US" altLang="ko-KR" sz="1200"/>
-              <a:t>Pod</a:t>
+              <a:t>App Pod</a:t>
             </a:r>
             <a:endParaRPr lang="ko-KR" altLang="en-US" sz="1200"/>
           </a:p>
@@ -11751,7 +11436,7 @@
             <a:pPr algn="ctr"/>
             <a:r>
               <a:rPr lang="en-US" altLang="ko-KR" sz="1100"/>
-              <a:t>3</a:t>
+              <a:t>2</a:t>
             </a:r>
             <a:endParaRPr lang="ko-KR" altLang="en-US" sz="1100"/>
           </a:p>
@@ -11851,7 +11536,7 @@
             <a:pPr algn="ctr"/>
             <a:r>
               <a:rPr lang="en-US" altLang="ko-KR" sz="1100"/>
-              <a:t>4</a:t>
+              <a:t>3</a:t>
             </a:r>
             <a:endParaRPr lang="ko-KR" altLang="en-US" sz="1100"/>
           </a:p>
@@ -11900,10 +11585,10 @@
           <a:p>
             <a:pPr algn="ctr"/>
             <a:r>
-              <a:rPr lang="en-US" altLang="ko-KR" sz="1100" b="1"/>
-              <a:t>AWS SA Token</a:t>
-            </a:r>
-            <a:endParaRPr lang="ko-KR" altLang="en-US" sz="1100" b="1"/>
+              <a:rPr lang="en-US" altLang="ko-KR" sz="1050" b="1"/>
+              <a:t>Projected SA Token</a:t>
+            </a:r>
+            <a:endParaRPr lang="ko-KR" altLang="en-US" sz="1050" b="1"/>
           </a:p>
         </p:txBody>
       </p:sp>
@@ -12306,8 +11991,8 @@
         </p:nvSpPr>
         <p:spPr>
           <a:xfrm>
-            <a:off x="5724128" y="1774281"/>
-            <a:ext cx="736099" cy="246221"/>
+            <a:off x="3778561" y="1600475"/>
+            <a:ext cx="2375970" cy="400110"/>
           </a:xfrm>
           <a:prstGeom prst="rect">
             <a:avLst/>
@@ -12327,13 +12012,23 @@
                   <a:schemeClr val="tx2"/>
                 </a:solidFill>
               </a:rPr>
-              <a:t>SA Token</a:t>
-            </a:r>
-            <a:endParaRPr lang="ko-KR" altLang="en-US" sz="1000">
-              <a:solidFill>
-                <a:schemeClr val="tx2"/>
-              </a:solidFill>
-            </a:endParaRPr>
+              <a:t>AssumeRoleWithWebIdentity</a:t>
+            </a:r>
+            <a:br>
+              <a:rPr lang="en-US" altLang="ko-KR" sz="1000">
+                <a:solidFill>
+                  <a:schemeClr val="tx2"/>
+                </a:solidFill>
+              </a:rPr>
+            </a:br>
+            <a:r>
+              <a:rPr lang="en-US" altLang="ko-KR" sz="1000">
+                <a:solidFill>
+                  <a:schemeClr val="tx2"/>
+                </a:solidFill>
+              </a:rPr>
+              <a:t>with Projected SA Token (JWT Token)</a:t>
+            </a:r>
           </a:p>
         </p:txBody>
       </p:sp>
@@ -13016,7 +12711,7 @@
                   <a:schemeClr val="accent4"/>
                 </a:solidFill>
               </a:rPr>
-              <a:t>Inject</a:t>
+              <a:t>Project</a:t>
             </a:r>
           </a:p>
           <a:p>
@@ -13437,7 +13132,7 @@
           </a:prstGeom>
           <a:ln w="19050">
             <a:solidFill>
-              <a:schemeClr val="tx2"/>
+              <a:schemeClr val="tx1"/>
             </a:solidFill>
             <a:headEnd type="arrow" w="med" len="med"/>
             <a:tailEnd type="arrow" w="med" len="med"/>
@@ -13460,59 +13155,6 @@
       </p:cxnSp>
       <p:sp>
         <p:nvSpPr>
-          <p:cNvPr id="78" name="타원 77">
-            <a:extLst>
-              <a:ext uri="{FF2B5EF4-FFF2-40B4-BE49-F238E27FC236}">
-                <a16:creationId xmlns:a16="http://schemas.microsoft.com/office/drawing/2014/main" id="{C4B425C5-FD97-4458-B4DA-09D2ECEED308}"/>
-              </a:ext>
-            </a:extLst>
-          </p:cNvPr>
-          <p:cNvSpPr/>
-          <p:nvPr/>
-        </p:nvSpPr>
-        <p:spPr>
-          <a:xfrm>
-            <a:off x="4098624" y="990544"/>
-            <a:ext cx="208094" cy="208094"/>
-          </a:xfrm>
-          <a:prstGeom prst="ellipse">
-            <a:avLst/>
-          </a:prstGeom>
-          <a:ln>
-            <a:solidFill>
-              <a:srgbClr val="002060"/>
-            </a:solidFill>
-          </a:ln>
-        </p:spPr>
-        <p:style>
-          <a:lnRef idx="2">
-            <a:schemeClr val="accent2"/>
-          </a:lnRef>
-          <a:fillRef idx="1">
-            <a:schemeClr val="lt1"/>
-          </a:fillRef>
-          <a:effectRef idx="0">
-            <a:schemeClr val="accent2"/>
-          </a:effectRef>
-          <a:fontRef idx="minor">
-            <a:schemeClr val="dk1"/>
-          </a:fontRef>
-        </p:style>
-        <p:txBody>
-          <a:bodyPr rtlCol="0" anchor="ctr"/>
-          <a:lstStyle/>
-          <a:p>
-            <a:pPr algn="ctr"/>
-            <a:r>
-              <a:rPr lang="en-US" altLang="ko-KR" sz="1100"/>
-              <a:t>2</a:t>
-            </a:r>
-            <a:endParaRPr lang="ko-KR" altLang="en-US" sz="1100"/>
-          </a:p>
-        </p:txBody>
-      </p:sp>
-      <p:sp>
-        <p:nvSpPr>
           <p:cNvPr id="80" name="TextBox 79">
             <a:extLst>
               <a:ext uri="{FF2B5EF4-FFF2-40B4-BE49-F238E27FC236}">
@@ -13525,8 +13167,8 @@
         </p:nvSpPr>
         <p:spPr>
           <a:xfrm>
-            <a:off x="3856684" y="1259446"/>
-            <a:ext cx="736099" cy="400110"/>
+            <a:off x="3841457" y="1336390"/>
+            <a:ext cx="766557" cy="246221"/>
           </a:xfrm>
           <a:prstGeom prst="rect">
             <a:avLst/>
@@ -13543,34 +13185,164 @@
             <a:r>
               <a:rPr lang="en-US" altLang="ko-KR" sz="1000">
                 <a:solidFill>
-                  <a:schemeClr val="tx2"/>
+                  <a:sysClr val="windowText" lastClr="000000"/>
                 </a:solidFill>
               </a:rPr>
-              <a:t>Verify </a:t>
-            </a:r>
-          </a:p>
-          <a:p>
-            <a:pPr algn="ctr"/>
-            <a:r>
-              <a:rPr lang="en-US" altLang="ko-KR" sz="1000">
-                <a:solidFill>
-                  <a:schemeClr val="tx2"/>
-                </a:solidFill>
-              </a:rPr>
-              <a:t>SA Token</a:t>
+              <a:t>Federated</a:t>
             </a:r>
             <a:endParaRPr lang="ko-KR" altLang="en-US" sz="1000">
               <a:solidFill>
-                <a:schemeClr val="tx2"/>
+                <a:sysClr val="windowText" lastClr="000000"/>
               </a:solidFill>
             </a:endParaRPr>
           </a:p>
         </p:txBody>
       </p:sp>
+      <p:cxnSp>
+        <p:nvCxnSpPr>
+          <p:cNvPr id="86" name="직선 화살표 연결선 85">
+            <a:extLst>
+              <a:ext uri="{FF2B5EF4-FFF2-40B4-BE49-F238E27FC236}">
+                <a16:creationId xmlns:a16="http://schemas.microsoft.com/office/drawing/2014/main" id="{3CBDAE5E-363E-472E-BCD6-C8B34946818A}"/>
+              </a:ext>
+            </a:extLst>
+          </p:cNvPr>
+          <p:cNvCxnSpPr>
+            <a:cxnSpLocks/>
+            <a:stCxn id="61" idx="0"/>
+            <a:endCxn id="88" idx="2"/>
+          </p:cNvCxnSpPr>
+          <p:nvPr/>
+        </p:nvCxnSpPr>
+        <p:spPr>
+          <a:xfrm flipV="1">
+            <a:off x="1717828" y="2383381"/>
+            <a:ext cx="0" cy="244084"/>
+          </a:xfrm>
+          <a:prstGeom prst="straightConnector1">
+            <a:avLst/>
+          </a:prstGeom>
+          <a:ln w="19050">
+            <a:solidFill>
+              <a:schemeClr val="tx1"/>
+            </a:solidFill>
+            <a:headEnd type="arrow" w="med" len="med"/>
+            <a:tailEnd type="none" w="med" len="med"/>
+          </a:ln>
+        </p:spPr>
+        <p:style>
+          <a:lnRef idx="1">
+            <a:schemeClr val="accent1"/>
+          </a:lnRef>
+          <a:fillRef idx="0">
+            <a:schemeClr val="accent1"/>
+          </a:fillRef>
+          <a:effectRef idx="0">
+            <a:schemeClr val="accent1"/>
+          </a:effectRef>
+          <a:fontRef idx="minor">
+            <a:schemeClr val="tx1"/>
+          </a:fontRef>
+        </p:style>
+      </p:cxnSp>
+      <p:sp>
+        <p:nvSpPr>
+          <p:cNvPr id="88" name="사각형: 둥근 모서리 87">
+            <a:extLst>
+              <a:ext uri="{FF2B5EF4-FFF2-40B4-BE49-F238E27FC236}">
+                <a16:creationId xmlns:a16="http://schemas.microsoft.com/office/drawing/2014/main" id="{51FE28B6-4CD6-4F5A-BD38-A14FA24B3C37}"/>
+              </a:ext>
+            </a:extLst>
+          </p:cNvPr>
+          <p:cNvSpPr/>
+          <p:nvPr/>
+        </p:nvSpPr>
+        <p:spPr>
+          <a:xfrm>
+            <a:off x="887030" y="2059635"/>
+            <a:ext cx="1661596" cy="323746"/>
+          </a:xfrm>
+          <a:prstGeom prst="roundRect">
+            <a:avLst/>
+          </a:prstGeom>
+        </p:spPr>
+        <p:style>
+          <a:lnRef idx="2">
+            <a:schemeClr val="dk1"/>
+          </a:lnRef>
+          <a:fillRef idx="1">
+            <a:schemeClr val="lt1"/>
+          </a:fillRef>
+          <a:effectRef idx="0">
+            <a:schemeClr val="dk1"/>
+          </a:effectRef>
+          <a:fontRef idx="minor">
+            <a:schemeClr val="dk1"/>
+          </a:fontRef>
+        </p:style>
+        <p:txBody>
+          <a:bodyPr rtlCol="0" anchor="ctr"/>
+          <a:lstStyle/>
+          <a:p>
+            <a:pPr algn="ctr"/>
+            <a:r>
+              <a:rPr lang="en-US" altLang="ko-KR" sz="1100"/>
+              <a:t>Private/Public Key</a:t>
+            </a:r>
+          </a:p>
+        </p:txBody>
+      </p:sp>
+      <p:cxnSp>
+        <p:nvCxnSpPr>
+          <p:cNvPr id="89" name="직선 화살표 연결선 88">
+            <a:extLst>
+              <a:ext uri="{FF2B5EF4-FFF2-40B4-BE49-F238E27FC236}">
+                <a16:creationId xmlns:a16="http://schemas.microsoft.com/office/drawing/2014/main" id="{369227C9-E19E-42F8-8ADA-B3197E03AFFF}"/>
+              </a:ext>
+            </a:extLst>
+          </p:cNvPr>
+          <p:cNvCxnSpPr>
+            <a:cxnSpLocks/>
+            <a:stCxn id="53" idx="2"/>
+            <a:endCxn id="88" idx="0"/>
+          </p:cNvCxnSpPr>
+          <p:nvPr/>
+        </p:nvCxnSpPr>
+        <p:spPr>
+          <a:xfrm flipH="1">
+            <a:off x="1717828" y="1419622"/>
+            <a:ext cx="461987" cy="640013"/>
+          </a:xfrm>
+          <a:prstGeom prst="straightConnector1">
+            <a:avLst/>
+          </a:prstGeom>
+          <a:ln w="19050">
+            <a:solidFill>
+              <a:schemeClr val="tx1"/>
+            </a:solidFill>
+            <a:headEnd type="arrow" w="med" len="med"/>
+            <a:tailEnd type="none" w="med" len="med"/>
+          </a:ln>
+        </p:spPr>
+        <p:style>
+          <a:lnRef idx="1">
+            <a:schemeClr val="accent1"/>
+          </a:lnRef>
+          <a:fillRef idx="0">
+            <a:schemeClr val="accent1"/>
+          </a:fillRef>
+          <a:effectRef idx="0">
+            <a:schemeClr val="accent1"/>
+          </a:effectRef>
+          <a:fontRef idx="minor">
+            <a:schemeClr val="tx1"/>
+          </a:fontRef>
+        </p:style>
+      </p:cxnSp>
     </p:spTree>
     <p:extLst>
       <p:ext uri="{BB962C8B-B14F-4D97-AF65-F5344CB8AC3E}">
-        <p14:creationId xmlns:p14="http://schemas.microsoft.com/office/powerpoint/2010/main" val="1828382803"/>
+        <p14:creationId xmlns:p14="http://schemas.microsoft.com/office/powerpoint/2010/main" val="2190827545"/>
       </p:ext>
     </p:extLst>
   </p:cSld>
@@ -13599,6 +13371,3417 @@
       </p:grpSpPr>
       <p:sp>
         <p:nvSpPr>
+          <p:cNvPr id="69" name="사각형: 둥근 모서리 68">
+            <a:extLst>
+              <a:ext uri="{FF2B5EF4-FFF2-40B4-BE49-F238E27FC236}">
+                <a16:creationId xmlns:a16="http://schemas.microsoft.com/office/drawing/2014/main" id="{3DC0E73D-14C7-4C36-A254-E52DEDB1542F}"/>
+              </a:ext>
+            </a:extLst>
+          </p:cNvPr>
+          <p:cNvSpPr/>
+          <p:nvPr/>
+        </p:nvSpPr>
+        <p:spPr>
+          <a:xfrm>
+            <a:off x="6213772" y="1977829"/>
+            <a:ext cx="2174652" cy="2304256"/>
+          </a:xfrm>
+          <a:prstGeom prst="roundRect">
+            <a:avLst>
+              <a:gd name="adj" fmla="val 6060"/>
+            </a:avLst>
+          </a:prstGeom>
+          <a:ln>
+            <a:prstDash val="dash"/>
+          </a:ln>
+        </p:spPr>
+        <p:style>
+          <a:lnRef idx="2">
+            <a:schemeClr val="dk1"/>
+          </a:lnRef>
+          <a:fillRef idx="1">
+            <a:schemeClr val="lt1"/>
+          </a:fillRef>
+          <a:effectRef idx="0">
+            <a:schemeClr val="dk1"/>
+          </a:effectRef>
+          <a:fontRef idx="minor">
+            <a:schemeClr val="dk1"/>
+          </a:fontRef>
+        </p:style>
+        <p:txBody>
+          <a:bodyPr rtlCol="0" anchor="b"/>
+          <a:lstStyle/>
+          <a:p>
+            <a:r>
+              <a:rPr lang="en-US" altLang="ko-KR" sz="1200"/>
+              <a:t>EKS Worker Node</a:t>
+            </a:r>
+          </a:p>
+        </p:txBody>
+      </p:sp>
+      <p:sp>
+        <p:nvSpPr>
+          <p:cNvPr id="68" name="사각형: 둥근 모서리 67">
+            <a:extLst>
+              <a:ext uri="{FF2B5EF4-FFF2-40B4-BE49-F238E27FC236}">
+                <a16:creationId xmlns:a16="http://schemas.microsoft.com/office/drawing/2014/main" id="{86CCA4AC-047F-4BCC-8B5B-CFCB6D84A8E2}"/>
+              </a:ext>
+            </a:extLst>
+          </p:cNvPr>
+          <p:cNvSpPr/>
+          <p:nvPr/>
+        </p:nvSpPr>
+        <p:spPr>
+          <a:xfrm>
+            <a:off x="637707" y="1977829"/>
+            <a:ext cx="4692878" cy="2304256"/>
+          </a:xfrm>
+          <a:prstGeom prst="roundRect">
+            <a:avLst>
+              <a:gd name="adj" fmla="val 6060"/>
+            </a:avLst>
+          </a:prstGeom>
+          <a:ln>
+            <a:prstDash val="dash"/>
+          </a:ln>
+        </p:spPr>
+        <p:style>
+          <a:lnRef idx="2">
+            <a:schemeClr val="dk1"/>
+          </a:lnRef>
+          <a:fillRef idx="1">
+            <a:schemeClr val="lt1"/>
+          </a:fillRef>
+          <a:effectRef idx="0">
+            <a:schemeClr val="dk1"/>
+          </a:effectRef>
+          <a:fontRef idx="minor">
+            <a:schemeClr val="dk1"/>
+          </a:fontRef>
+        </p:style>
+        <p:txBody>
+          <a:bodyPr rtlCol="0" anchor="b"/>
+          <a:lstStyle/>
+          <a:p>
+            <a:r>
+              <a:rPr lang="en-US" altLang="ko-KR" sz="1200"/>
+              <a:t>EKS Control Plane</a:t>
+            </a:r>
+          </a:p>
+        </p:txBody>
+      </p:sp>
+      <p:sp>
+        <p:nvSpPr>
+          <p:cNvPr id="2" name="제목 1"/>
+          <p:cNvSpPr>
+            <a:spLocks noGrp="1"/>
+          </p:cNvSpPr>
+          <p:nvPr>
+            <p:ph type="title"/>
+          </p:nvPr>
+        </p:nvSpPr>
+        <p:spPr>
+          <a:xfrm>
+            <a:off x="457200" y="-20538"/>
+            <a:ext cx="8229600" cy="720080"/>
+          </a:xfrm>
+        </p:spPr>
+        <p:txBody>
+          <a:bodyPr>
+            <a:normAutofit/>
+          </a:bodyPr>
+          <a:lstStyle/>
+          <a:p>
+            <a:r>
+              <a:rPr lang="en-US" altLang="ko-KR" sz="3600"/>
+              <a:t>AWS</a:t>
+            </a:r>
+            <a:endParaRPr lang="ko-KR" altLang="en-US" sz="3600" dirty="0"/>
+          </a:p>
+        </p:txBody>
+      </p:sp>
+      <p:sp>
+        <p:nvSpPr>
+          <p:cNvPr id="55" name="사각형: 둥근 모서리 54">
+            <a:extLst>
+              <a:ext uri="{FF2B5EF4-FFF2-40B4-BE49-F238E27FC236}">
+                <a16:creationId xmlns:a16="http://schemas.microsoft.com/office/drawing/2014/main" id="{91C3F0A6-A416-4A50-87EB-F8635EB440EB}"/>
+              </a:ext>
+            </a:extLst>
+          </p:cNvPr>
+          <p:cNvSpPr/>
+          <p:nvPr/>
+        </p:nvSpPr>
+        <p:spPr>
+          <a:xfrm>
+            <a:off x="3240341" y="2067694"/>
+            <a:ext cx="2016224" cy="504056"/>
+          </a:xfrm>
+          <a:prstGeom prst="roundRect">
+            <a:avLst/>
+          </a:prstGeom>
+        </p:spPr>
+        <p:style>
+          <a:lnRef idx="2">
+            <a:schemeClr val="dk1"/>
+          </a:lnRef>
+          <a:fillRef idx="1">
+            <a:schemeClr val="lt1"/>
+          </a:fillRef>
+          <a:effectRef idx="0">
+            <a:schemeClr val="dk1"/>
+          </a:effectRef>
+          <a:fontRef idx="minor">
+            <a:schemeClr val="dk1"/>
+          </a:fontRef>
+        </p:style>
+        <p:txBody>
+          <a:bodyPr rtlCol="0" anchor="ctr"/>
+          <a:lstStyle/>
+          <a:p>
+            <a:pPr algn="ctr"/>
+            <a:r>
+              <a:rPr lang="en-US" altLang="ko-KR" sz="1200" b="1"/>
+              <a:t>P</a:t>
+            </a:r>
+            <a:r>
+              <a:rPr lang="ko-KR" altLang="en-US" sz="1200" b="1"/>
+              <a:t>od </a:t>
+            </a:r>
+            <a:r>
+              <a:rPr lang="en-US" altLang="ko-KR" sz="1200" b="1"/>
+              <a:t>I</a:t>
+            </a:r>
+            <a:r>
+              <a:rPr lang="ko-KR" altLang="en-US" sz="1200" b="1"/>
+              <a:t>dentity </a:t>
+            </a:r>
+            <a:r>
+              <a:rPr lang="en-US" altLang="ko-KR" sz="1200" b="1"/>
+              <a:t>W</a:t>
+            </a:r>
+            <a:r>
+              <a:rPr lang="ko-KR" altLang="en-US" sz="1200" b="1"/>
+              <a:t>ebhook</a:t>
+            </a:r>
+          </a:p>
+        </p:txBody>
+      </p:sp>
+      <p:sp>
+        <p:nvSpPr>
+          <p:cNvPr id="56" name="사각형: 둥근 모서리 55">
+            <a:extLst>
+              <a:ext uri="{FF2B5EF4-FFF2-40B4-BE49-F238E27FC236}">
+                <a16:creationId xmlns:a16="http://schemas.microsoft.com/office/drawing/2014/main" id="{E190258D-7580-4011-AA1D-0F2CC6C74000}"/>
+              </a:ext>
+            </a:extLst>
+          </p:cNvPr>
+          <p:cNvSpPr/>
+          <p:nvPr/>
+        </p:nvSpPr>
+        <p:spPr>
+          <a:xfrm>
+            <a:off x="3240341" y="3417989"/>
+            <a:ext cx="2016224" cy="504056"/>
+          </a:xfrm>
+          <a:prstGeom prst="roundRect">
+            <a:avLst/>
+          </a:prstGeom>
+        </p:spPr>
+        <p:style>
+          <a:lnRef idx="2">
+            <a:schemeClr val="dk1"/>
+          </a:lnRef>
+          <a:fillRef idx="1">
+            <a:schemeClr val="lt1"/>
+          </a:fillRef>
+          <a:effectRef idx="0">
+            <a:schemeClr val="dk1"/>
+          </a:effectRef>
+          <a:fontRef idx="minor">
+            <a:schemeClr val="dk1"/>
+          </a:fontRef>
+        </p:style>
+        <p:txBody>
+          <a:bodyPr rtlCol="0" anchor="ctr"/>
+          <a:lstStyle/>
+          <a:p>
+            <a:pPr algn="ctr"/>
+            <a:r>
+              <a:rPr lang="en-US" altLang="ko-KR" sz="1200"/>
+              <a:t>AWS EKS (k8s) </a:t>
+            </a:r>
+          </a:p>
+          <a:p>
+            <a:pPr algn="ctr"/>
+            <a:r>
+              <a:rPr lang="en-US" altLang="ko-KR" sz="1200"/>
+              <a:t>API Server</a:t>
+            </a:r>
+          </a:p>
+        </p:txBody>
+      </p:sp>
+      <p:sp>
+        <p:nvSpPr>
+          <p:cNvPr id="53" name="사각형: 둥근 모서리 52">
+            <a:extLst>
+              <a:ext uri="{FF2B5EF4-FFF2-40B4-BE49-F238E27FC236}">
+                <a16:creationId xmlns:a16="http://schemas.microsoft.com/office/drawing/2014/main" id="{4EDBFAC3-BC02-4D26-8CAD-5CE93FBBB003}"/>
+              </a:ext>
+            </a:extLst>
+          </p:cNvPr>
+          <p:cNvSpPr/>
+          <p:nvPr/>
+        </p:nvSpPr>
+        <p:spPr>
+          <a:xfrm>
+            <a:off x="385191" y="987574"/>
+            <a:ext cx="3589247" cy="432048"/>
+          </a:xfrm>
+          <a:prstGeom prst="roundRect">
+            <a:avLst/>
+          </a:prstGeom>
+        </p:spPr>
+        <p:style>
+          <a:lnRef idx="2">
+            <a:schemeClr val="dk1"/>
+          </a:lnRef>
+          <a:fillRef idx="1">
+            <a:schemeClr val="lt1"/>
+          </a:fillRef>
+          <a:effectRef idx="0">
+            <a:schemeClr val="dk1"/>
+          </a:effectRef>
+          <a:fontRef idx="minor">
+            <a:schemeClr val="dk1"/>
+          </a:fontRef>
+        </p:style>
+        <p:txBody>
+          <a:bodyPr rtlCol="0" anchor="ctr"/>
+          <a:lstStyle/>
+          <a:p>
+            <a:pPr algn="ctr"/>
+            <a:r>
+              <a:rPr lang="en-US" altLang="ko-KR" sz="1100"/>
+              <a:t>https://oidc.eks.&lt;region&gt;.amazonaws.com/id/&lt;id&gt;</a:t>
+            </a:r>
+            <a:endParaRPr lang="en-US" altLang="ko-KR" sz="1200"/>
+          </a:p>
+          <a:p>
+            <a:pPr algn="ctr"/>
+            <a:r>
+              <a:rPr lang="en-US" altLang="ko-KR" sz="1200" b="1"/>
+              <a:t>AWS EKS OIDC Identity Provider</a:t>
+            </a:r>
+            <a:endParaRPr lang="ko-KR" altLang="en-US" sz="1200" b="1"/>
+          </a:p>
+        </p:txBody>
+      </p:sp>
+      <p:sp>
+        <p:nvSpPr>
+          <p:cNvPr id="57" name="사각형: 둥근 모서리 56">
+            <a:extLst>
+              <a:ext uri="{FF2B5EF4-FFF2-40B4-BE49-F238E27FC236}">
+                <a16:creationId xmlns:a16="http://schemas.microsoft.com/office/drawing/2014/main" id="{862DCA16-D022-40A8-A1CE-34C25881B2F3}"/>
+              </a:ext>
+            </a:extLst>
+          </p:cNvPr>
+          <p:cNvSpPr/>
+          <p:nvPr/>
+        </p:nvSpPr>
+        <p:spPr>
+          <a:xfrm>
+            <a:off x="4439711" y="987574"/>
+            <a:ext cx="1921740" cy="432048"/>
+          </a:xfrm>
+          <a:prstGeom prst="roundRect">
+            <a:avLst/>
+          </a:prstGeom>
+        </p:spPr>
+        <p:style>
+          <a:lnRef idx="2">
+            <a:schemeClr val="dk1"/>
+          </a:lnRef>
+          <a:fillRef idx="1">
+            <a:schemeClr val="lt1"/>
+          </a:fillRef>
+          <a:effectRef idx="0">
+            <a:schemeClr val="dk1"/>
+          </a:effectRef>
+          <a:fontRef idx="minor">
+            <a:schemeClr val="dk1"/>
+          </a:fontRef>
+        </p:style>
+        <p:txBody>
+          <a:bodyPr rtlCol="0" anchor="ctr"/>
+          <a:lstStyle/>
+          <a:p>
+            <a:pPr algn="ctr"/>
+            <a:r>
+              <a:rPr lang="en-US" altLang="ko-KR" sz="1200"/>
+              <a:t>AWS STS/IAM</a:t>
+            </a:r>
+            <a:endParaRPr lang="ko-KR" altLang="en-US" sz="1200"/>
+          </a:p>
+        </p:txBody>
+      </p:sp>
+      <p:sp>
+        <p:nvSpPr>
+          <p:cNvPr id="58" name="사각형: 둥근 모서리 57">
+            <a:extLst>
+              <a:ext uri="{FF2B5EF4-FFF2-40B4-BE49-F238E27FC236}">
+                <a16:creationId xmlns:a16="http://schemas.microsoft.com/office/drawing/2014/main" id="{CECC978C-4AD3-46B1-BDCF-28286E7F0027}"/>
+              </a:ext>
+            </a:extLst>
+          </p:cNvPr>
+          <p:cNvSpPr/>
+          <p:nvPr/>
+        </p:nvSpPr>
+        <p:spPr>
+          <a:xfrm>
+            <a:off x="6828461" y="990544"/>
+            <a:ext cx="1921740" cy="432048"/>
+          </a:xfrm>
+          <a:prstGeom prst="roundRect">
+            <a:avLst/>
+          </a:prstGeom>
+        </p:spPr>
+        <p:style>
+          <a:lnRef idx="2">
+            <a:schemeClr val="dk1"/>
+          </a:lnRef>
+          <a:fillRef idx="1">
+            <a:schemeClr val="lt1"/>
+          </a:fillRef>
+          <a:effectRef idx="0">
+            <a:schemeClr val="dk1"/>
+          </a:effectRef>
+          <a:fontRef idx="minor">
+            <a:schemeClr val="dk1"/>
+          </a:fontRef>
+        </p:style>
+        <p:txBody>
+          <a:bodyPr rtlCol="0" anchor="ctr"/>
+          <a:lstStyle/>
+          <a:p>
+            <a:pPr algn="ctr"/>
+            <a:r>
+              <a:rPr lang="en-US" altLang="ko-KR" sz="1200"/>
+              <a:t>AWS Services</a:t>
+            </a:r>
+            <a:endParaRPr lang="ko-KR" altLang="en-US" sz="1200"/>
+          </a:p>
+        </p:txBody>
+      </p:sp>
+      <p:sp>
+        <p:nvSpPr>
+          <p:cNvPr id="62" name="사각형: 둥근 모서리 61">
+            <a:extLst>
+              <a:ext uri="{FF2B5EF4-FFF2-40B4-BE49-F238E27FC236}">
+                <a16:creationId xmlns:a16="http://schemas.microsoft.com/office/drawing/2014/main" id="{03FB28A7-3F69-45AB-B8CA-811FCC97195A}"/>
+              </a:ext>
+            </a:extLst>
+          </p:cNvPr>
+          <p:cNvSpPr/>
+          <p:nvPr/>
+        </p:nvSpPr>
+        <p:spPr>
+          <a:xfrm>
+            <a:off x="709716" y="2555457"/>
+            <a:ext cx="2016224" cy="1008112"/>
+          </a:xfrm>
+          <a:prstGeom prst="roundRect">
+            <a:avLst>
+              <a:gd name="adj" fmla="val 8474"/>
+            </a:avLst>
+          </a:prstGeom>
+        </p:spPr>
+        <p:style>
+          <a:lnRef idx="2">
+            <a:schemeClr val="dk1"/>
+          </a:lnRef>
+          <a:fillRef idx="1">
+            <a:schemeClr val="lt1"/>
+          </a:fillRef>
+          <a:effectRef idx="0">
+            <a:schemeClr val="dk1"/>
+          </a:effectRef>
+          <a:fontRef idx="minor">
+            <a:schemeClr val="dk1"/>
+          </a:fontRef>
+        </p:style>
+        <p:txBody>
+          <a:bodyPr rtlCol="0" anchor="b"/>
+          <a:lstStyle/>
+          <a:p>
+            <a:pPr algn="ctr"/>
+            <a:r>
+              <a:rPr lang="en-US" altLang="ko-KR" sz="1200"/>
+              <a:t>AWS EKS (k8s) </a:t>
+            </a:r>
+          </a:p>
+          <a:p>
+            <a:pPr algn="ctr"/>
+            <a:r>
+              <a:rPr lang="en-US" altLang="ko-KR" sz="1200"/>
+              <a:t>Controller manager</a:t>
+            </a:r>
+          </a:p>
+        </p:txBody>
+      </p:sp>
+      <p:sp>
+        <p:nvSpPr>
+          <p:cNvPr id="61" name="사각형: 둥근 모서리 60">
+            <a:extLst>
+              <a:ext uri="{FF2B5EF4-FFF2-40B4-BE49-F238E27FC236}">
+                <a16:creationId xmlns:a16="http://schemas.microsoft.com/office/drawing/2014/main" id="{B5CC1BC7-063B-478A-A7E8-980B11777761}"/>
+              </a:ext>
+            </a:extLst>
+          </p:cNvPr>
+          <p:cNvSpPr/>
+          <p:nvPr/>
+        </p:nvSpPr>
+        <p:spPr>
+          <a:xfrm>
+            <a:off x="781724" y="2627465"/>
+            <a:ext cx="1872208" cy="432048"/>
+          </a:xfrm>
+          <a:prstGeom prst="roundRect">
+            <a:avLst>
+              <a:gd name="adj" fmla="val 13936"/>
+            </a:avLst>
+          </a:prstGeom>
+        </p:spPr>
+        <p:style>
+          <a:lnRef idx="2">
+            <a:schemeClr val="dk1"/>
+          </a:lnRef>
+          <a:fillRef idx="1">
+            <a:schemeClr val="lt1"/>
+          </a:fillRef>
+          <a:effectRef idx="0">
+            <a:schemeClr val="dk1"/>
+          </a:effectRef>
+          <a:fontRef idx="minor">
+            <a:schemeClr val="dk1"/>
+          </a:fontRef>
+        </p:style>
+        <p:txBody>
+          <a:bodyPr rtlCol="0" anchor="ctr"/>
+          <a:lstStyle/>
+          <a:p>
+            <a:pPr algn="ctr"/>
+            <a:r>
+              <a:rPr lang="en-US" altLang="ko-KR" sz="1100" b="1"/>
+              <a:t>serviceaccount-token</a:t>
+            </a:r>
+          </a:p>
+          <a:p>
+            <a:pPr algn="ctr"/>
+            <a:r>
+              <a:rPr lang="en-US" altLang="ko-KR" sz="1100"/>
+              <a:t>Controller</a:t>
+            </a:r>
+            <a:endParaRPr lang="ko-KR" altLang="en-US" sz="1100"/>
+          </a:p>
+        </p:txBody>
+      </p:sp>
+      <p:sp>
+        <p:nvSpPr>
+          <p:cNvPr id="65" name="사각형: 둥근 모서리 64">
+            <a:extLst>
+              <a:ext uri="{FF2B5EF4-FFF2-40B4-BE49-F238E27FC236}">
+                <a16:creationId xmlns:a16="http://schemas.microsoft.com/office/drawing/2014/main" id="{AB9D8FB2-BE66-43E6-B2EC-A45837F7664C}"/>
+              </a:ext>
+            </a:extLst>
+          </p:cNvPr>
+          <p:cNvSpPr/>
+          <p:nvPr/>
+        </p:nvSpPr>
+        <p:spPr>
+          <a:xfrm>
+            <a:off x="6292986" y="3417989"/>
+            <a:ext cx="2016224" cy="504056"/>
+          </a:xfrm>
+          <a:prstGeom prst="roundRect">
+            <a:avLst/>
+          </a:prstGeom>
+        </p:spPr>
+        <p:style>
+          <a:lnRef idx="2">
+            <a:schemeClr val="dk1"/>
+          </a:lnRef>
+          <a:fillRef idx="1">
+            <a:schemeClr val="lt1"/>
+          </a:fillRef>
+          <a:effectRef idx="0">
+            <a:schemeClr val="dk1"/>
+          </a:effectRef>
+          <a:fontRef idx="minor">
+            <a:schemeClr val="dk1"/>
+          </a:fontRef>
+        </p:style>
+        <p:txBody>
+          <a:bodyPr rtlCol="0" anchor="ctr"/>
+          <a:lstStyle/>
+          <a:p>
+            <a:pPr algn="ctr"/>
+            <a:r>
+              <a:rPr lang="en-US" altLang="ko-KR" sz="1200"/>
+              <a:t>kubelet</a:t>
+            </a:r>
+            <a:endParaRPr lang="ko-KR" altLang="en-US" sz="1200"/>
+          </a:p>
+        </p:txBody>
+      </p:sp>
+      <p:sp>
+        <p:nvSpPr>
+          <p:cNvPr id="66" name="사각형: 둥근 모서리 65">
+            <a:extLst>
+              <a:ext uri="{FF2B5EF4-FFF2-40B4-BE49-F238E27FC236}">
+                <a16:creationId xmlns:a16="http://schemas.microsoft.com/office/drawing/2014/main" id="{F50A3FF7-B2FB-462F-8CAC-6232200B42EA}"/>
+              </a:ext>
+            </a:extLst>
+          </p:cNvPr>
+          <p:cNvSpPr/>
+          <p:nvPr/>
+        </p:nvSpPr>
+        <p:spPr>
+          <a:xfrm>
+            <a:off x="6292986" y="2051400"/>
+            <a:ext cx="2016224" cy="663963"/>
+          </a:xfrm>
+          <a:prstGeom prst="roundRect">
+            <a:avLst/>
+          </a:prstGeom>
+        </p:spPr>
+        <p:style>
+          <a:lnRef idx="2">
+            <a:schemeClr val="dk1"/>
+          </a:lnRef>
+          <a:fillRef idx="1">
+            <a:schemeClr val="lt1"/>
+          </a:fillRef>
+          <a:effectRef idx="0">
+            <a:schemeClr val="dk1"/>
+          </a:effectRef>
+          <a:fontRef idx="minor">
+            <a:schemeClr val="dk1"/>
+          </a:fontRef>
+        </p:style>
+        <p:txBody>
+          <a:bodyPr rtlCol="0" anchor="b"/>
+          <a:lstStyle/>
+          <a:p>
+            <a:pPr algn="ctr"/>
+            <a:r>
+              <a:rPr lang="en-US" altLang="ko-KR" sz="1200"/>
+              <a:t>Pod</a:t>
+            </a:r>
+            <a:endParaRPr lang="ko-KR" altLang="en-US" sz="1200"/>
+          </a:p>
+        </p:txBody>
+      </p:sp>
+      <p:sp>
+        <p:nvSpPr>
+          <p:cNvPr id="67" name="사각형: 둥근 모서리 66">
+            <a:extLst>
+              <a:ext uri="{FF2B5EF4-FFF2-40B4-BE49-F238E27FC236}">
+                <a16:creationId xmlns:a16="http://schemas.microsoft.com/office/drawing/2014/main" id="{A83626D8-9CC6-4F27-90EE-1ABB64DA476E}"/>
+              </a:ext>
+            </a:extLst>
+          </p:cNvPr>
+          <p:cNvSpPr/>
+          <p:nvPr/>
+        </p:nvSpPr>
+        <p:spPr>
+          <a:xfrm>
+            <a:off x="3240341" y="4587974"/>
+            <a:ext cx="2016224" cy="504056"/>
+          </a:xfrm>
+          <a:prstGeom prst="roundRect">
+            <a:avLst/>
+          </a:prstGeom>
+        </p:spPr>
+        <p:style>
+          <a:lnRef idx="2">
+            <a:schemeClr val="dk1"/>
+          </a:lnRef>
+          <a:fillRef idx="1">
+            <a:schemeClr val="lt1"/>
+          </a:fillRef>
+          <a:effectRef idx="0">
+            <a:schemeClr val="dk1"/>
+          </a:effectRef>
+          <a:fontRef idx="minor">
+            <a:schemeClr val="dk1"/>
+          </a:fontRef>
+        </p:style>
+        <p:txBody>
+          <a:bodyPr rtlCol="0" anchor="ctr"/>
+          <a:lstStyle/>
+          <a:p>
+            <a:pPr algn="ctr"/>
+            <a:r>
+              <a:rPr lang="en-US" altLang="ko-KR" sz="1200"/>
+              <a:t>kubectl (k8s Client)</a:t>
+            </a:r>
+          </a:p>
+        </p:txBody>
+      </p:sp>
+      <p:cxnSp>
+        <p:nvCxnSpPr>
+          <p:cNvPr id="70" name="직선 화살표 연결선 69">
+            <a:extLst>
+              <a:ext uri="{FF2B5EF4-FFF2-40B4-BE49-F238E27FC236}">
+                <a16:creationId xmlns:a16="http://schemas.microsoft.com/office/drawing/2014/main" id="{52F9E773-9FDA-4A2E-935B-D41B20C3B31F}"/>
+              </a:ext>
+            </a:extLst>
+          </p:cNvPr>
+          <p:cNvCxnSpPr>
+            <a:cxnSpLocks/>
+          </p:cNvCxnSpPr>
+          <p:nvPr/>
+        </p:nvCxnSpPr>
+        <p:spPr>
+          <a:xfrm flipV="1">
+            <a:off x="3699461" y="3922045"/>
+            <a:ext cx="0" cy="665929"/>
+          </a:xfrm>
+          <a:prstGeom prst="straightConnector1">
+            <a:avLst/>
+          </a:prstGeom>
+          <a:ln w="19050">
+            <a:solidFill>
+              <a:schemeClr val="accent3">
+                <a:lumMod val="75000"/>
+              </a:schemeClr>
+            </a:solidFill>
+            <a:headEnd type="none" w="med" len="med"/>
+            <a:tailEnd type="arrow" w="med" len="med"/>
+          </a:ln>
+        </p:spPr>
+        <p:style>
+          <a:lnRef idx="1">
+            <a:schemeClr val="accent1"/>
+          </a:lnRef>
+          <a:fillRef idx="0">
+            <a:schemeClr val="accent1"/>
+          </a:fillRef>
+          <a:effectRef idx="0">
+            <a:schemeClr val="accent1"/>
+          </a:effectRef>
+          <a:fontRef idx="minor">
+            <a:schemeClr val="tx1"/>
+          </a:fontRef>
+        </p:style>
+      </p:cxnSp>
+      <p:sp>
+        <p:nvSpPr>
+          <p:cNvPr id="71" name="타원 70">
+            <a:extLst>
+              <a:ext uri="{FF2B5EF4-FFF2-40B4-BE49-F238E27FC236}">
+                <a16:creationId xmlns:a16="http://schemas.microsoft.com/office/drawing/2014/main" id="{68A2EDAC-80FE-4FC7-B882-6072AB8D05A2}"/>
+              </a:ext>
+            </a:extLst>
+          </p:cNvPr>
+          <p:cNvSpPr/>
+          <p:nvPr/>
+        </p:nvSpPr>
+        <p:spPr>
+          <a:xfrm>
+            <a:off x="3595414" y="4486440"/>
+            <a:ext cx="208094" cy="208094"/>
+          </a:xfrm>
+          <a:prstGeom prst="ellipse">
+            <a:avLst/>
+          </a:prstGeom>
+          <a:ln>
+            <a:solidFill>
+              <a:schemeClr val="accent3">
+                <a:lumMod val="75000"/>
+              </a:schemeClr>
+            </a:solidFill>
+          </a:ln>
+        </p:spPr>
+        <p:style>
+          <a:lnRef idx="2">
+            <a:schemeClr val="accent2"/>
+          </a:lnRef>
+          <a:fillRef idx="1">
+            <a:schemeClr val="lt1"/>
+          </a:fillRef>
+          <a:effectRef idx="0">
+            <a:schemeClr val="accent2"/>
+          </a:effectRef>
+          <a:fontRef idx="minor">
+            <a:schemeClr val="dk1"/>
+          </a:fontRef>
+        </p:style>
+        <p:txBody>
+          <a:bodyPr rtlCol="0" anchor="ctr"/>
+          <a:lstStyle/>
+          <a:p>
+            <a:pPr algn="ctr"/>
+            <a:r>
+              <a:rPr lang="en-US" altLang="ko-KR" sz="1100"/>
+              <a:t>1</a:t>
+            </a:r>
+            <a:endParaRPr lang="ko-KR" altLang="en-US" sz="1100"/>
+          </a:p>
+        </p:txBody>
+      </p:sp>
+      <p:sp>
+        <p:nvSpPr>
+          <p:cNvPr id="72" name="TextBox 71">
+            <a:extLst>
+              <a:ext uri="{FF2B5EF4-FFF2-40B4-BE49-F238E27FC236}">
+                <a16:creationId xmlns:a16="http://schemas.microsoft.com/office/drawing/2014/main" id="{25EBABF8-0598-4006-A530-A0478A4786DA}"/>
+              </a:ext>
+            </a:extLst>
+          </p:cNvPr>
+          <p:cNvSpPr txBox="1"/>
+          <p:nvPr/>
+        </p:nvSpPr>
+        <p:spPr>
+          <a:xfrm>
+            <a:off x="3024846" y="3916306"/>
+            <a:ext cx="660758" cy="707886"/>
+          </a:xfrm>
+          <a:prstGeom prst="rect">
+            <a:avLst/>
+          </a:prstGeom>
+          <a:noFill/>
+        </p:spPr>
+        <p:txBody>
+          <a:bodyPr wrap="none" rtlCol="0" anchor="ctr">
+            <a:spAutoFit/>
+          </a:bodyPr>
+          <a:lstStyle/>
+          <a:p>
+            <a:pPr algn="ctr"/>
+            <a:r>
+              <a:rPr lang="en-US" altLang="ko-KR" sz="1000">
+                <a:solidFill>
+                  <a:schemeClr val="accent3">
+                    <a:lumMod val="75000"/>
+                  </a:schemeClr>
+                </a:solidFill>
+              </a:rPr>
+              <a:t>Request</a:t>
+            </a:r>
+          </a:p>
+          <a:p>
+            <a:pPr algn="ctr"/>
+            <a:r>
+              <a:rPr lang="en-US" altLang="ko-KR" sz="1000">
+                <a:solidFill>
+                  <a:schemeClr val="accent3">
+                    <a:lumMod val="75000"/>
+                  </a:schemeClr>
+                </a:solidFill>
+              </a:rPr>
+              <a:t>Create</a:t>
+            </a:r>
+          </a:p>
+          <a:p>
+            <a:pPr algn="ctr"/>
+            <a:r>
+              <a:rPr lang="en-US" altLang="ko-KR" sz="1000">
+                <a:solidFill>
+                  <a:schemeClr val="accent3">
+                    <a:lumMod val="75000"/>
+                  </a:schemeClr>
+                </a:solidFill>
+              </a:rPr>
+              <a:t>Service</a:t>
+            </a:r>
+          </a:p>
+          <a:p>
+            <a:pPr algn="ctr"/>
+            <a:r>
+              <a:rPr lang="en-US" altLang="ko-KR" sz="1000">
+                <a:solidFill>
+                  <a:schemeClr val="accent3">
+                    <a:lumMod val="75000"/>
+                  </a:schemeClr>
+                </a:solidFill>
+              </a:rPr>
+              <a:t>Account</a:t>
+            </a:r>
+            <a:endParaRPr lang="ko-KR" altLang="en-US" sz="1000">
+              <a:solidFill>
+                <a:schemeClr val="accent3">
+                  <a:lumMod val="75000"/>
+                </a:schemeClr>
+              </a:solidFill>
+            </a:endParaRPr>
+          </a:p>
+        </p:txBody>
+      </p:sp>
+      <p:cxnSp>
+        <p:nvCxnSpPr>
+          <p:cNvPr id="74" name="직선 화살표 연결선 73">
+            <a:extLst>
+              <a:ext uri="{FF2B5EF4-FFF2-40B4-BE49-F238E27FC236}">
+                <a16:creationId xmlns:a16="http://schemas.microsoft.com/office/drawing/2014/main" id="{9183BF93-4CEC-4DA2-A605-7585B84E58BB}"/>
+              </a:ext>
+            </a:extLst>
+          </p:cNvPr>
+          <p:cNvCxnSpPr>
+            <a:cxnSpLocks/>
+            <a:stCxn id="67" idx="0"/>
+            <a:endCxn id="56" idx="2"/>
+          </p:cNvCxnSpPr>
+          <p:nvPr/>
+        </p:nvCxnSpPr>
+        <p:spPr>
+          <a:xfrm flipV="1">
+            <a:off x="4248453" y="3922045"/>
+            <a:ext cx="0" cy="665929"/>
+          </a:xfrm>
+          <a:prstGeom prst="straightConnector1">
+            <a:avLst/>
+          </a:prstGeom>
+          <a:ln w="19050">
+            <a:solidFill>
+              <a:srgbClr val="C00000"/>
+            </a:solidFill>
+            <a:headEnd type="none" w="med" len="med"/>
+            <a:tailEnd type="arrow" w="med" len="med"/>
+          </a:ln>
+        </p:spPr>
+        <p:style>
+          <a:lnRef idx="1">
+            <a:schemeClr val="accent1"/>
+          </a:lnRef>
+          <a:fillRef idx="0">
+            <a:schemeClr val="accent1"/>
+          </a:fillRef>
+          <a:effectRef idx="0">
+            <a:schemeClr val="accent1"/>
+          </a:effectRef>
+          <a:fontRef idx="minor">
+            <a:schemeClr val="tx1"/>
+          </a:fontRef>
+        </p:style>
+      </p:cxnSp>
+      <p:sp>
+        <p:nvSpPr>
+          <p:cNvPr id="75" name="타원 74">
+            <a:extLst>
+              <a:ext uri="{FF2B5EF4-FFF2-40B4-BE49-F238E27FC236}">
+                <a16:creationId xmlns:a16="http://schemas.microsoft.com/office/drawing/2014/main" id="{06A92FA1-1196-457E-9296-D1706CAE4055}"/>
+              </a:ext>
+            </a:extLst>
+          </p:cNvPr>
+          <p:cNvSpPr/>
+          <p:nvPr/>
+        </p:nvSpPr>
+        <p:spPr>
+          <a:xfrm>
+            <a:off x="4150305" y="4481414"/>
+            <a:ext cx="208094" cy="208094"/>
+          </a:xfrm>
+          <a:prstGeom prst="ellipse">
+            <a:avLst/>
+          </a:prstGeom>
+          <a:ln>
+            <a:solidFill>
+              <a:srgbClr val="C00000"/>
+            </a:solidFill>
+          </a:ln>
+        </p:spPr>
+        <p:style>
+          <a:lnRef idx="2">
+            <a:schemeClr val="accent2"/>
+          </a:lnRef>
+          <a:fillRef idx="1">
+            <a:schemeClr val="lt1"/>
+          </a:fillRef>
+          <a:effectRef idx="0">
+            <a:schemeClr val="accent2"/>
+          </a:effectRef>
+          <a:fontRef idx="minor">
+            <a:schemeClr val="dk1"/>
+          </a:fontRef>
+        </p:style>
+        <p:txBody>
+          <a:bodyPr rtlCol="0" anchor="ctr"/>
+          <a:lstStyle/>
+          <a:p>
+            <a:pPr algn="ctr"/>
+            <a:r>
+              <a:rPr lang="en-US" altLang="ko-KR" sz="1100"/>
+              <a:t>1</a:t>
+            </a:r>
+            <a:endParaRPr lang="ko-KR" altLang="en-US" sz="1100"/>
+          </a:p>
+        </p:txBody>
+      </p:sp>
+      <p:cxnSp>
+        <p:nvCxnSpPr>
+          <p:cNvPr id="76" name="직선 화살표 연결선 75">
+            <a:extLst>
+              <a:ext uri="{FF2B5EF4-FFF2-40B4-BE49-F238E27FC236}">
+                <a16:creationId xmlns:a16="http://schemas.microsoft.com/office/drawing/2014/main" id="{617AE5FA-E004-43B4-8C84-92E925ED1CC5}"/>
+              </a:ext>
+            </a:extLst>
+          </p:cNvPr>
+          <p:cNvCxnSpPr>
+            <a:cxnSpLocks/>
+          </p:cNvCxnSpPr>
+          <p:nvPr/>
+        </p:nvCxnSpPr>
+        <p:spPr>
+          <a:xfrm flipV="1">
+            <a:off x="4427984" y="2571750"/>
+            <a:ext cx="0" cy="846239"/>
+          </a:xfrm>
+          <a:prstGeom prst="straightConnector1">
+            <a:avLst/>
+          </a:prstGeom>
+          <a:ln w="19050">
+            <a:solidFill>
+              <a:srgbClr val="C00000"/>
+            </a:solidFill>
+            <a:headEnd type="arrow" w="med" len="med"/>
+            <a:tailEnd type="none" w="med" len="med"/>
+          </a:ln>
+        </p:spPr>
+        <p:style>
+          <a:lnRef idx="1">
+            <a:schemeClr val="accent1"/>
+          </a:lnRef>
+          <a:fillRef idx="0">
+            <a:schemeClr val="accent1"/>
+          </a:fillRef>
+          <a:effectRef idx="0">
+            <a:schemeClr val="accent1"/>
+          </a:effectRef>
+          <a:fontRef idx="minor">
+            <a:schemeClr val="tx1"/>
+          </a:fontRef>
+        </p:style>
+      </p:cxnSp>
+      <p:cxnSp>
+        <p:nvCxnSpPr>
+          <p:cNvPr id="77" name="직선 화살표 연결선 76">
+            <a:extLst>
+              <a:ext uri="{FF2B5EF4-FFF2-40B4-BE49-F238E27FC236}">
+                <a16:creationId xmlns:a16="http://schemas.microsoft.com/office/drawing/2014/main" id="{A0AA02E3-CA5C-4FB3-AA81-41118C0D1DE2}"/>
+              </a:ext>
+            </a:extLst>
+          </p:cNvPr>
+          <p:cNvCxnSpPr>
+            <a:cxnSpLocks/>
+          </p:cNvCxnSpPr>
+          <p:nvPr/>
+        </p:nvCxnSpPr>
+        <p:spPr>
+          <a:xfrm flipV="1">
+            <a:off x="4067944" y="2571750"/>
+            <a:ext cx="0" cy="846239"/>
+          </a:xfrm>
+          <a:prstGeom prst="straightConnector1">
+            <a:avLst/>
+          </a:prstGeom>
+          <a:ln w="19050">
+            <a:solidFill>
+              <a:srgbClr val="C00000"/>
+            </a:solidFill>
+            <a:headEnd type="none" w="med" len="med"/>
+            <a:tailEnd type="arrow" w="med" len="med"/>
+          </a:ln>
+        </p:spPr>
+        <p:style>
+          <a:lnRef idx="1">
+            <a:schemeClr val="accent1"/>
+          </a:lnRef>
+          <a:fillRef idx="0">
+            <a:schemeClr val="accent1"/>
+          </a:fillRef>
+          <a:effectRef idx="0">
+            <a:schemeClr val="accent1"/>
+          </a:effectRef>
+          <a:fontRef idx="minor">
+            <a:schemeClr val="tx1"/>
+          </a:fontRef>
+        </p:style>
+      </p:cxnSp>
+      <p:sp>
+        <p:nvSpPr>
+          <p:cNvPr id="79" name="타원 78">
+            <a:extLst>
+              <a:ext uri="{FF2B5EF4-FFF2-40B4-BE49-F238E27FC236}">
+                <a16:creationId xmlns:a16="http://schemas.microsoft.com/office/drawing/2014/main" id="{88FC27C3-6EE6-416B-BD87-BDEEA7A3E681}"/>
+              </a:ext>
+            </a:extLst>
+          </p:cNvPr>
+          <p:cNvSpPr/>
+          <p:nvPr/>
+        </p:nvSpPr>
+        <p:spPr>
+          <a:xfrm>
+            <a:off x="3958175" y="3309560"/>
+            <a:ext cx="208094" cy="208094"/>
+          </a:xfrm>
+          <a:prstGeom prst="ellipse">
+            <a:avLst/>
+          </a:prstGeom>
+          <a:ln>
+            <a:solidFill>
+              <a:srgbClr val="C00000"/>
+            </a:solidFill>
+          </a:ln>
+        </p:spPr>
+        <p:style>
+          <a:lnRef idx="2">
+            <a:schemeClr val="accent2"/>
+          </a:lnRef>
+          <a:fillRef idx="1">
+            <a:schemeClr val="lt1"/>
+          </a:fillRef>
+          <a:effectRef idx="0">
+            <a:schemeClr val="accent2"/>
+          </a:effectRef>
+          <a:fontRef idx="minor">
+            <a:schemeClr val="dk1"/>
+          </a:fontRef>
+        </p:style>
+        <p:txBody>
+          <a:bodyPr rtlCol="0" anchor="ctr"/>
+          <a:lstStyle/>
+          <a:p>
+            <a:pPr algn="ctr"/>
+            <a:r>
+              <a:rPr lang="en-US" altLang="ko-KR" sz="1100"/>
+              <a:t>2</a:t>
+            </a:r>
+            <a:endParaRPr lang="ko-KR" altLang="en-US" sz="1100"/>
+          </a:p>
+        </p:txBody>
+      </p:sp>
+      <p:sp>
+        <p:nvSpPr>
+          <p:cNvPr id="81" name="타원 80">
+            <a:extLst>
+              <a:ext uri="{FF2B5EF4-FFF2-40B4-BE49-F238E27FC236}">
+                <a16:creationId xmlns:a16="http://schemas.microsoft.com/office/drawing/2014/main" id="{B1ED6542-60DA-4954-81AF-AFFF6FC12401}"/>
+              </a:ext>
+            </a:extLst>
+          </p:cNvPr>
+          <p:cNvSpPr/>
+          <p:nvPr/>
+        </p:nvSpPr>
+        <p:spPr>
+          <a:xfrm>
+            <a:off x="4323937" y="2463321"/>
+            <a:ext cx="208094" cy="208094"/>
+          </a:xfrm>
+          <a:prstGeom prst="ellipse">
+            <a:avLst/>
+          </a:prstGeom>
+          <a:ln>
+            <a:solidFill>
+              <a:srgbClr val="C00000"/>
+            </a:solidFill>
+          </a:ln>
+        </p:spPr>
+        <p:style>
+          <a:lnRef idx="2">
+            <a:schemeClr val="accent2"/>
+          </a:lnRef>
+          <a:fillRef idx="1">
+            <a:schemeClr val="lt1"/>
+          </a:fillRef>
+          <a:effectRef idx="0">
+            <a:schemeClr val="accent2"/>
+          </a:effectRef>
+          <a:fontRef idx="minor">
+            <a:schemeClr val="dk1"/>
+          </a:fontRef>
+        </p:style>
+        <p:txBody>
+          <a:bodyPr rtlCol="0" anchor="ctr"/>
+          <a:lstStyle/>
+          <a:p>
+            <a:pPr algn="ctr"/>
+            <a:r>
+              <a:rPr lang="en-US" altLang="ko-KR" sz="1100"/>
+              <a:t>3</a:t>
+            </a:r>
+            <a:endParaRPr lang="ko-KR" altLang="en-US" sz="1100"/>
+          </a:p>
+        </p:txBody>
+      </p:sp>
+      <p:sp>
+        <p:nvSpPr>
+          <p:cNvPr id="82" name="TextBox 81">
+            <a:extLst>
+              <a:ext uri="{FF2B5EF4-FFF2-40B4-BE49-F238E27FC236}">
+                <a16:creationId xmlns:a16="http://schemas.microsoft.com/office/drawing/2014/main" id="{B98B92B5-2833-41D8-8B04-ED673EEB9865}"/>
+              </a:ext>
+            </a:extLst>
+          </p:cNvPr>
+          <p:cNvSpPr txBox="1"/>
+          <p:nvPr/>
+        </p:nvSpPr>
+        <p:spPr>
+          <a:xfrm>
+            <a:off x="3455768" y="2678310"/>
+            <a:ext cx="652743" cy="553998"/>
+          </a:xfrm>
+          <a:prstGeom prst="rect">
+            <a:avLst/>
+          </a:prstGeom>
+          <a:noFill/>
+        </p:spPr>
+        <p:txBody>
+          <a:bodyPr wrap="none" rtlCol="0" anchor="ctr">
+            <a:spAutoFit/>
+          </a:bodyPr>
+          <a:lstStyle/>
+          <a:p>
+            <a:pPr algn="ctr"/>
+            <a:r>
+              <a:rPr lang="en-US" altLang="ko-KR" sz="1000">
+                <a:solidFill>
+                  <a:srgbClr val="C00000"/>
+                </a:solidFill>
+              </a:rPr>
+              <a:t>Request</a:t>
+            </a:r>
+          </a:p>
+          <a:p>
+            <a:pPr algn="ctr"/>
+            <a:r>
+              <a:rPr lang="en-US" altLang="ko-KR" sz="1000">
+                <a:solidFill>
+                  <a:srgbClr val="C00000"/>
+                </a:solidFill>
+              </a:rPr>
+              <a:t>Create</a:t>
+            </a:r>
+          </a:p>
+          <a:p>
+            <a:pPr algn="ctr"/>
+            <a:r>
+              <a:rPr lang="en-US" altLang="ko-KR" sz="1000">
+                <a:solidFill>
+                  <a:srgbClr val="C00000"/>
+                </a:solidFill>
+              </a:rPr>
+              <a:t>Pod</a:t>
+            </a:r>
+            <a:endParaRPr lang="ko-KR" altLang="en-US" sz="1000">
+              <a:solidFill>
+                <a:srgbClr val="C00000"/>
+              </a:solidFill>
+            </a:endParaRPr>
+          </a:p>
+        </p:txBody>
+      </p:sp>
+      <p:sp>
+        <p:nvSpPr>
+          <p:cNvPr id="83" name="TextBox 82">
+            <a:extLst>
+              <a:ext uri="{FF2B5EF4-FFF2-40B4-BE49-F238E27FC236}">
+                <a16:creationId xmlns:a16="http://schemas.microsoft.com/office/drawing/2014/main" id="{D045A945-FF71-4C47-8F7D-14AF5770C08B}"/>
+              </a:ext>
+            </a:extLst>
+          </p:cNvPr>
+          <p:cNvSpPr txBox="1"/>
+          <p:nvPr/>
+        </p:nvSpPr>
+        <p:spPr>
+          <a:xfrm>
+            <a:off x="4386671" y="2717870"/>
+            <a:ext cx="950902" cy="553998"/>
+          </a:xfrm>
+          <a:prstGeom prst="rect">
+            <a:avLst/>
+          </a:prstGeom>
+          <a:noFill/>
+        </p:spPr>
+        <p:txBody>
+          <a:bodyPr wrap="none" rtlCol="0" anchor="ctr">
+            <a:spAutoFit/>
+          </a:bodyPr>
+          <a:lstStyle/>
+          <a:p>
+            <a:pPr algn="ctr"/>
+            <a:r>
+              <a:rPr lang="en-US" altLang="ko-KR" sz="1000">
+                <a:solidFill>
+                  <a:srgbClr val="C00000"/>
+                </a:solidFill>
+              </a:rPr>
+              <a:t>Request</a:t>
+            </a:r>
+          </a:p>
+          <a:p>
+            <a:pPr algn="ctr"/>
+            <a:r>
+              <a:rPr lang="en-US" altLang="ko-KR" sz="1000">
+                <a:solidFill>
+                  <a:srgbClr val="C00000"/>
+                </a:solidFill>
+              </a:rPr>
+              <a:t>Create</a:t>
+            </a:r>
+          </a:p>
+          <a:p>
+            <a:pPr algn="ctr"/>
+            <a:r>
+              <a:rPr lang="en-US" altLang="ko-KR" sz="1000">
+                <a:solidFill>
+                  <a:srgbClr val="C00000"/>
+                </a:solidFill>
+              </a:rPr>
+              <a:t>Mutated Pod</a:t>
+            </a:r>
+            <a:endParaRPr lang="ko-KR" altLang="en-US" sz="1000">
+              <a:solidFill>
+                <a:srgbClr val="C00000"/>
+              </a:solidFill>
+            </a:endParaRPr>
+          </a:p>
+        </p:txBody>
+      </p:sp>
+      <p:cxnSp>
+        <p:nvCxnSpPr>
+          <p:cNvPr id="84" name="직선 화살표 연결선 83">
+            <a:extLst>
+              <a:ext uri="{FF2B5EF4-FFF2-40B4-BE49-F238E27FC236}">
+                <a16:creationId xmlns:a16="http://schemas.microsoft.com/office/drawing/2014/main" id="{28EAF5A8-C60E-40F7-94C8-8F58DAD6DF0D}"/>
+              </a:ext>
+            </a:extLst>
+          </p:cNvPr>
+          <p:cNvCxnSpPr>
+            <a:cxnSpLocks/>
+          </p:cNvCxnSpPr>
+          <p:nvPr/>
+        </p:nvCxnSpPr>
+        <p:spPr>
+          <a:xfrm flipH="1">
+            <a:off x="5256567" y="3470359"/>
+            <a:ext cx="1036419" cy="0"/>
+          </a:xfrm>
+          <a:prstGeom prst="straightConnector1">
+            <a:avLst/>
+          </a:prstGeom>
+          <a:ln w="19050">
+            <a:solidFill>
+              <a:srgbClr val="C00000"/>
+            </a:solidFill>
+            <a:headEnd type="arrow" w="med" len="med"/>
+            <a:tailEnd type="none" w="med" len="med"/>
+          </a:ln>
+        </p:spPr>
+        <p:style>
+          <a:lnRef idx="1">
+            <a:schemeClr val="accent1"/>
+          </a:lnRef>
+          <a:fillRef idx="0">
+            <a:schemeClr val="accent1"/>
+          </a:fillRef>
+          <a:effectRef idx="0">
+            <a:schemeClr val="accent1"/>
+          </a:effectRef>
+          <a:fontRef idx="minor">
+            <a:schemeClr val="tx1"/>
+          </a:fontRef>
+        </p:style>
+      </p:cxnSp>
+      <p:sp>
+        <p:nvSpPr>
+          <p:cNvPr id="93" name="타원 92">
+            <a:extLst>
+              <a:ext uri="{FF2B5EF4-FFF2-40B4-BE49-F238E27FC236}">
+                <a16:creationId xmlns:a16="http://schemas.microsoft.com/office/drawing/2014/main" id="{FF2E83FC-E21A-4B8E-ACB2-8C2262D7A51C}"/>
+              </a:ext>
+            </a:extLst>
+          </p:cNvPr>
+          <p:cNvSpPr/>
+          <p:nvPr/>
+        </p:nvSpPr>
+        <p:spPr>
+          <a:xfrm>
+            <a:off x="5137502" y="3371768"/>
+            <a:ext cx="208094" cy="208094"/>
+          </a:xfrm>
+          <a:prstGeom prst="ellipse">
+            <a:avLst/>
+          </a:prstGeom>
+          <a:ln>
+            <a:solidFill>
+              <a:srgbClr val="C00000"/>
+            </a:solidFill>
+          </a:ln>
+        </p:spPr>
+        <p:style>
+          <a:lnRef idx="2">
+            <a:schemeClr val="accent2"/>
+          </a:lnRef>
+          <a:fillRef idx="1">
+            <a:schemeClr val="lt1"/>
+          </a:fillRef>
+          <a:effectRef idx="0">
+            <a:schemeClr val="accent2"/>
+          </a:effectRef>
+          <a:fontRef idx="minor">
+            <a:schemeClr val="dk1"/>
+          </a:fontRef>
+        </p:style>
+        <p:txBody>
+          <a:bodyPr rtlCol="0" anchor="ctr"/>
+          <a:lstStyle/>
+          <a:p>
+            <a:pPr algn="ctr"/>
+            <a:r>
+              <a:rPr lang="en-US" altLang="ko-KR" sz="1100"/>
+              <a:t>4</a:t>
+            </a:r>
+            <a:endParaRPr lang="ko-KR" altLang="en-US" sz="1100"/>
+          </a:p>
+        </p:txBody>
+      </p:sp>
+      <p:cxnSp>
+        <p:nvCxnSpPr>
+          <p:cNvPr id="95" name="직선 화살표 연결선 94">
+            <a:extLst>
+              <a:ext uri="{FF2B5EF4-FFF2-40B4-BE49-F238E27FC236}">
+                <a16:creationId xmlns:a16="http://schemas.microsoft.com/office/drawing/2014/main" id="{E68AA666-0964-483D-8949-4F48C39CAF63}"/>
+              </a:ext>
+            </a:extLst>
+          </p:cNvPr>
+          <p:cNvCxnSpPr>
+            <a:cxnSpLocks/>
+            <a:stCxn id="66" idx="2"/>
+            <a:endCxn id="65" idx="0"/>
+          </p:cNvCxnSpPr>
+          <p:nvPr/>
+        </p:nvCxnSpPr>
+        <p:spPr>
+          <a:xfrm>
+            <a:off x="7301098" y="2715363"/>
+            <a:ext cx="0" cy="702626"/>
+          </a:xfrm>
+          <a:prstGeom prst="straightConnector1">
+            <a:avLst/>
+          </a:prstGeom>
+          <a:ln w="19050">
+            <a:solidFill>
+              <a:srgbClr val="C00000"/>
+            </a:solidFill>
+            <a:headEnd type="arrow" w="med" len="med"/>
+            <a:tailEnd type="none" w="med" len="med"/>
+          </a:ln>
+        </p:spPr>
+        <p:style>
+          <a:lnRef idx="1">
+            <a:schemeClr val="accent1"/>
+          </a:lnRef>
+          <a:fillRef idx="0">
+            <a:schemeClr val="accent1"/>
+          </a:fillRef>
+          <a:effectRef idx="0">
+            <a:schemeClr val="accent1"/>
+          </a:effectRef>
+          <a:fontRef idx="minor">
+            <a:schemeClr val="tx1"/>
+          </a:fontRef>
+        </p:style>
+      </p:cxnSp>
+      <p:cxnSp>
+        <p:nvCxnSpPr>
+          <p:cNvPr id="96" name="직선 화살표 연결선 95">
+            <a:extLst>
+              <a:ext uri="{FF2B5EF4-FFF2-40B4-BE49-F238E27FC236}">
+                <a16:creationId xmlns:a16="http://schemas.microsoft.com/office/drawing/2014/main" id="{3DFA7201-E3B5-49D1-B65F-1ABC5EFDFCA6}"/>
+              </a:ext>
+            </a:extLst>
+          </p:cNvPr>
+          <p:cNvCxnSpPr>
+            <a:cxnSpLocks/>
+          </p:cNvCxnSpPr>
+          <p:nvPr/>
+        </p:nvCxnSpPr>
+        <p:spPr>
+          <a:xfrm flipH="1" flipV="1">
+            <a:off x="5004048" y="1419622"/>
+            <a:ext cx="2044533" cy="631778"/>
+          </a:xfrm>
+          <a:prstGeom prst="straightConnector1">
+            <a:avLst/>
+          </a:prstGeom>
+          <a:ln w="19050">
+            <a:solidFill>
+              <a:schemeClr val="tx2"/>
+            </a:solidFill>
+            <a:headEnd type="none" w="med" len="med"/>
+            <a:tailEnd type="arrow" w="med" len="med"/>
+          </a:ln>
+        </p:spPr>
+        <p:style>
+          <a:lnRef idx="1">
+            <a:schemeClr val="accent1"/>
+          </a:lnRef>
+          <a:fillRef idx="0">
+            <a:schemeClr val="accent1"/>
+          </a:fillRef>
+          <a:effectRef idx="0">
+            <a:schemeClr val="accent1"/>
+          </a:effectRef>
+          <a:fontRef idx="minor">
+            <a:schemeClr val="tx1"/>
+          </a:fontRef>
+        </p:style>
+      </p:cxnSp>
+      <p:cxnSp>
+        <p:nvCxnSpPr>
+          <p:cNvPr id="98" name="직선 화살표 연결선 97">
+            <a:extLst>
+              <a:ext uri="{FF2B5EF4-FFF2-40B4-BE49-F238E27FC236}">
+                <a16:creationId xmlns:a16="http://schemas.microsoft.com/office/drawing/2014/main" id="{8C531752-C3E2-4741-8EB6-DCC5E0042A5F}"/>
+              </a:ext>
+            </a:extLst>
+          </p:cNvPr>
+          <p:cNvCxnSpPr>
+            <a:cxnSpLocks/>
+            <a:stCxn id="57" idx="2"/>
+            <a:endCxn id="66" idx="0"/>
+          </p:cNvCxnSpPr>
+          <p:nvPr/>
+        </p:nvCxnSpPr>
+        <p:spPr>
+          <a:xfrm>
+            <a:off x="5400581" y="1419622"/>
+            <a:ext cx="1900517" cy="631778"/>
+          </a:xfrm>
+          <a:prstGeom prst="straightConnector1">
+            <a:avLst/>
+          </a:prstGeom>
+          <a:ln w="19050">
+            <a:solidFill>
+              <a:schemeClr val="tx2"/>
+            </a:solidFill>
+            <a:headEnd type="none" w="med" len="med"/>
+            <a:tailEnd type="arrow" w="med" len="med"/>
+          </a:ln>
+        </p:spPr>
+        <p:style>
+          <a:lnRef idx="1">
+            <a:schemeClr val="accent1"/>
+          </a:lnRef>
+          <a:fillRef idx="0">
+            <a:schemeClr val="accent1"/>
+          </a:fillRef>
+          <a:effectRef idx="0">
+            <a:schemeClr val="accent1"/>
+          </a:effectRef>
+          <a:fontRef idx="minor">
+            <a:schemeClr val="tx1"/>
+          </a:fontRef>
+        </p:style>
+      </p:cxnSp>
+      <p:sp>
+        <p:nvSpPr>
+          <p:cNvPr id="100" name="타원 99">
+            <a:extLst>
+              <a:ext uri="{FF2B5EF4-FFF2-40B4-BE49-F238E27FC236}">
+                <a16:creationId xmlns:a16="http://schemas.microsoft.com/office/drawing/2014/main" id="{F4E99537-40FF-4B90-BB3D-A60A963AD5C0}"/>
+              </a:ext>
+            </a:extLst>
+          </p:cNvPr>
+          <p:cNvSpPr/>
+          <p:nvPr/>
+        </p:nvSpPr>
+        <p:spPr>
+          <a:xfrm>
+            <a:off x="5323896" y="1306786"/>
+            <a:ext cx="208094" cy="208094"/>
+          </a:xfrm>
+          <a:prstGeom prst="ellipse">
+            <a:avLst/>
+          </a:prstGeom>
+          <a:ln>
+            <a:solidFill>
+              <a:srgbClr val="002060"/>
+            </a:solidFill>
+          </a:ln>
+        </p:spPr>
+        <p:style>
+          <a:lnRef idx="2">
+            <a:schemeClr val="accent2"/>
+          </a:lnRef>
+          <a:fillRef idx="1">
+            <a:schemeClr val="lt1"/>
+          </a:fillRef>
+          <a:effectRef idx="0">
+            <a:schemeClr val="accent2"/>
+          </a:effectRef>
+          <a:fontRef idx="minor">
+            <a:schemeClr val="dk1"/>
+          </a:fontRef>
+        </p:style>
+        <p:txBody>
+          <a:bodyPr rtlCol="0" anchor="ctr"/>
+          <a:lstStyle/>
+          <a:p>
+            <a:pPr algn="ctr"/>
+            <a:r>
+              <a:rPr lang="en-US" altLang="ko-KR" sz="1100"/>
+              <a:t>3</a:t>
+            </a:r>
+            <a:endParaRPr lang="ko-KR" altLang="en-US" sz="1100"/>
+          </a:p>
+        </p:txBody>
+      </p:sp>
+      <p:cxnSp>
+        <p:nvCxnSpPr>
+          <p:cNvPr id="102" name="직선 화살표 연결선 101">
+            <a:extLst>
+              <a:ext uri="{FF2B5EF4-FFF2-40B4-BE49-F238E27FC236}">
+                <a16:creationId xmlns:a16="http://schemas.microsoft.com/office/drawing/2014/main" id="{5BA71101-B25B-4AEC-B6E1-2F533E214A03}"/>
+              </a:ext>
+            </a:extLst>
+          </p:cNvPr>
+          <p:cNvCxnSpPr>
+            <a:cxnSpLocks/>
+            <a:stCxn id="66" idx="0"/>
+            <a:endCxn id="58" idx="2"/>
+          </p:cNvCxnSpPr>
+          <p:nvPr/>
+        </p:nvCxnSpPr>
+        <p:spPr>
+          <a:xfrm flipV="1">
+            <a:off x="7301098" y="1422592"/>
+            <a:ext cx="488233" cy="628808"/>
+          </a:xfrm>
+          <a:prstGeom prst="straightConnector1">
+            <a:avLst/>
+          </a:prstGeom>
+          <a:ln w="19050">
+            <a:solidFill>
+              <a:schemeClr val="tx2"/>
+            </a:solidFill>
+            <a:headEnd type="none" w="med" len="med"/>
+            <a:tailEnd type="arrow" w="med" len="med"/>
+          </a:ln>
+        </p:spPr>
+        <p:style>
+          <a:lnRef idx="1">
+            <a:schemeClr val="accent1"/>
+          </a:lnRef>
+          <a:fillRef idx="0">
+            <a:schemeClr val="accent1"/>
+          </a:fillRef>
+          <a:effectRef idx="0">
+            <a:schemeClr val="accent1"/>
+          </a:effectRef>
+          <a:fontRef idx="minor">
+            <a:schemeClr val="tx1"/>
+          </a:fontRef>
+        </p:style>
+      </p:cxnSp>
+      <p:sp>
+        <p:nvSpPr>
+          <p:cNvPr id="103" name="타원 102">
+            <a:extLst>
+              <a:ext uri="{FF2B5EF4-FFF2-40B4-BE49-F238E27FC236}">
+                <a16:creationId xmlns:a16="http://schemas.microsoft.com/office/drawing/2014/main" id="{F3167E06-D7D9-4850-85D9-0C617B18F2AA}"/>
+              </a:ext>
+            </a:extLst>
+          </p:cNvPr>
+          <p:cNvSpPr/>
+          <p:nvPr/>
+        </p:nvSpPr>
+        <p:spPr>
+          <a:xfrm>
+            <a:off x="7316234" y="1779662"/>
+            <a:ext cx="208094" cy="208094"/>
+          </a:xfrm>
+          <a:prstGeom prst="ellipse">
+            <a:avLst/>
+          </a:prstGeom>
+          <a:ln>
+            <a:solidFill>
+              <a:srgbClr val="002060"/>
+            </a:solidFill>
+          </a:ln>
+        </p:spPr>
+        <p:style>
+          <a:lnRef idx="2">
+            <a:schemeClr val="accent2"/>
+          </a:lnRef>
+          <a:fillRef idx="1">
+            <a:schemeClr val="lt1"/>
+          </a:fillRef>
+          <a:effectRef idx="0">
+            <a:schemeClr val="accent2"/>
+          </a:effectRef>
+          <a:fontRef idx="minor">
+            <a:schemeClr val="dk1"/>
+          </a:fontRef>
+        </p:style>
+        <p:txBody>
+          <a:bodyPr rtlCol="0" anchor="ctr"/>
+          <a:lstStyle/>
+          <a:p>
+            <a:pPr algn="ctr"/>
+            <a:r>
+              <a:rPr lang="en-US" altLang="ko-KR" sz="1100"/>
+              <a:t>4</a:t>
+            </a:r>
+            <a:endParaRPr lang="ko-KR" altLang="en-US" sz="1100"/>
+          </a:p>
+        </p:txBody>
+      </p:sp>
+      <p:sp>
+        <p:nvSpPr>
+          <p:cNvPr id="106" name="사각형: 둥근 모서리 105">
+            <a:extLst>
+              <a:ext uri="{FF2B5EF4-FFF2-40B4-BE49-F238E27FC236}">
+                <a16:creationId xmlns:a16="http://schemas.microsoft.com/office/drawing/2014/main" id="{E699AFBD-CFBA-4CEE-B82C-BB02505CBE39}"/>
+              </a:ext>
+            </a:extLst>
+          </p:cNvPr>
+          <p:cNvSpPr/>
+          <p:nvPr/>
+        </p:nvSpPr>
+        <p:spPr>
+          <a:xfrm>
+            <a:off x="6372200" y="2131583"/>
+            <a:ext cx="1862084" cy="287573"/>
+          </a:xfrm>
+          <a:prstGeom prst="roundRect">
+            <a:avLst>
+              <a:gd name="adj" fmla="val 15988"/>
+            </a:avLst>
+          </a:prstGeom>
+        </p:spPr>
+        <p:style>
+          <a:lnRef idx="2">
+            <a:schemeClr val="dk1"/>
+          </a:lnRef>
+          <a:fillRef idx="1">
+            <a:schemeClr val="lt1"/>
+          </a:fillRef>
+          <a:effectRef idx="0">
+            <a:schemeClr val="dk1"/>
+          </a:effectRef>
+          <a:fontRef idx="minor">
+            <a:schemeClr val="dk1"/>
+          </a:fontRef>
+        </p:style>
+        <p:txBody>
+          <a:bodyPr rtlCol="0" anchor="ctr"/>
+          <a:lstStyle/>
+          <a:p>
+            <a:pPr algn="ctr"/>
+            <a:r>
+              <a:rPr lang="en-US" altLang="ko-KR" sz="1100" b="1"/>
+              <a:t>AWS SA Token</a:t>
+            </a:r>
+            <a:endParaRPr lang="ko-KR" altLang="en-US" sz="1100" b="1"/>
+          </a:p>
+        </p:txBody>
+      </p:sp>
+      <p:sp>
+        <p:nvSpPr>
+          <p:cNvPr id="99" name="타원 98">
+            <a:extLst>
+              <a:ext uri="{FF2B5EF4-FFF2-40B4-BE49-F238E27FC236}">
+                <a16:creationId xmlns:a16="http://schemas.microsoft.com/office/drawing/2014/main" id="{2C9551E3-6696-4F62-998F-CE014C2403F9}"/>
+              </a:ext>
+            </a:extLst>
+          </p:cNvPr>
+          <p:cNvSpPr/>
+          <p:nvPr/>
+        </p:nvSpPr>
+        <p:spPr>
+          <a:xfrm>
+            <a:off x="6804248" y="1952032"/>
+            <a:ext cx="208094" cy="208094"/>
+          </a:xfrm>
+          <a:prstGeom prst="ellipse">
+            <a:avLst/>
+          </a:prstGeom>
+          <a:ln>
+            <a:solidFill>
+              <a:srgbClr val="002060"/>
+            </a:solidFill>
+          </a:ln>
+        </p:spPr>
+        <p:style>
+          <a:lnRef idx="2">
+            <a:schemeClr val="accent2"/>
+          </a:lnRef>
+          <a:fillRef idx="1">
+            <a:schemeClr val="lt1"/>
+          </a:fillRef>
+          <a:effectRef idx="0">
+            <a:schemeClr val="accent2"/>
+          </a:effectRef>
+          <a:fontRef idx="minor">
+            <a:schemeClr val="dk1"/>
+          </a:fontRef>
+        </p:style>
+        <p:txBody>
+          <a:bodyPr rtlCol="0" anchor="ctr"/>
+          <a:lstStyle/>
+          <a:p>
+            <a:pPr algn="ctr"/>
+            <a:r>
+              <a:rPr lang="en-US" altLang="ko-KR" sz="1100"/>
+              <a:t>1</a:t>
+            </a:r>
+            <a:endParaRPr lang="ko-KR" altLang="en-US" sz="1100"/>
+          </a:p>
+        </p:txBody>
+      </p:sp>
+      <p:sp>
+        <p:nvSpPr>
+          <p:cNvPr id="113" name="TextBox 112">
+            <a:extLst>
+              <a:ext uri="{FF2B5EF4-FFF2-40B4-BE49-F238E27FC236}">
+                <a16:creationId xmlns:a16="http://schemas.microsoft.com/office/drawing/2014/main" id="{2B10E519-9CB1-4CC9-AE88-42A70E172D3B}"/>
+              </a:ext>
+            </a:extLst>
+          </p:cNvPr>
+          <p:cNvSpPr txBox="1"/>
+          <p:nvPr/>
+        </p:nvSpPr>
+        <p:spPr>
+          <a:xfrm>
+            <a:off x="5295725" y="2910462"/>
+            <a:ext cx="950902" cy="553998"/>
+          </a:xfrm>
+          <a:prstGeom prst="rect">
+            <a:avLst/>
+          </a:prstGeom>
+          <a:noFill/>
+        </p:spPr>
+        <p:txBody>
+          <a:bodyPr wrap="none" rtlCol="0" anchor="ctr">
+            <a:spAutoFit/>
+          </a:bodyPr>
+          <a:lstStyle/>
+          <a:p>
+            <a:pPr algn="ctr"/>
+            <a:r>
+              <a:rPr lang="en-US" altLang="ko-KR" sz="1000">
+                <a:solidFill>
+                  <a:srgbClr val="C00000"/>
+                </a:solidFill>
+              </a:rPr>
+              <a:t>Request</a:t>
+            </a:r>
+          </a:p>
+          <a:p>
+            <a:pPr algn="ctr"/>
+            <a:r>
+              <a:rPr lang="en-US" altLang="ko-KR" sz="1000">
+                <a:solidFill>
+                  <a:srgbClr val="C00000"/>
+                </a:solidFill>
+              </a:rPr>
+              <a:t>Create</a:t>
+            </a:r>
+          </a:p>
+          <a:p>
+            <a:pPr algn="ctr"/>
+            <a:r>
+              <a:rPr lang="en-US" altLang="ko-KR" sz="1000">
+                <a:solidFill>
+                  <a:srgbClr val="C00000"/>
+                </a:solidFill>
+              </a:rPr>
+              <a:t>Mutated Pod</a:t>
+            </a:r>
+            <a:endParaRPr lang="ko-KR" altLang="en-US" sz="1000">
+              <a:solidFill>
+                <a:srgbClr val="C00000"/>
+              </a:solidFill>
+            </a:endParaRPr>
+          </a:p>
+        </p:txBody>
+      </p:sp>
+      <p:sp>
+        <p:nvSpPr>
+          <p:cNvPr id="119" name="타원 118">
+            <a:extLst>
+              <a:ext uri="{FF2B5EF4-FFF2-40B4-BE49-F238E27FC236}">
+                <a16:creationId xmlns:a16="http://schemas.microsoft.com/office/drawing/2014/main" id="{5C471B6A-AD3C-4C5F-A004-0D13CB18A4E9}"/>
+              </a:ext>
+            </a:extLst>
+          </p:cNvPr>
+          <p:cNvSpPr/>
+          <p:nvPr/>
+        </p:nvSpPr>
+        <p:spPr>
+          <a:xfrm>
+            <a:off x="7197051" y="3309560"/>
+            <a:ext cx="208094" cy="208094"/>
+          </a:xfrm>
+          <a:prstGeom prst="ellipse">
+            <a:avLst/>
+          </a:prstGeom>
+          <a:ln>
+            <a:solidFill>
+              <a:srgbClr val="C00000"/>
+            </a:solidFill>
+          </a:ln>
+        </p:spPr>
+        <p:style>
+          <a:lnRef idx="2">
+            <a:schemeClr val="accent2"/>
+          </a:lnRef>
+          <a:fillRef idx="1">
+            <a:schemeClr val="lt1"/>
+          </a:fillRef>
+          <a:effectRef idx="0">
+            <a:schemeClr val="accent2"/>
+          </a:effectRef>
+          <a:fontRef idx="minor">
+            <a:schemeClr val="dk1"/>
+          </a:fontRef>
+        </p:style>
+        <p:txBody>
+          <a:bodyPr rtlCol="0" anchor="ctr"/>
+          <a:lstStyle/>
+          <a:p>
+            <a:pPr algn="ctr"/>
+            <a:r>
+              <a:rPr lang="en-US" altLang="ko-KR" sz="1100"/>
+              <a:t>5</a:t>
+            </a:r>
+            <a:endParaRPr lang="ko-KR" altLang="en-US" sz="1100"/>
+          </a:p>
+        </p:txBody>
+      </p:sp>
+      <p:sp>
+        <p:nvSpPr>
+          <p:cNvPr id="120" name="TextBox 119">
+            <a:extLst>
+              <a:ext uri="{FF2B5EF4-FFF2-40B4-BE49-F238E27FC236}">
+                <a16:creationId xmlns:a16="http://schemas.microsoft.com/office/drawing/2014/main" id="{2D7D4E97-5138-4A62-872F-C23C755EDB61}"/>
+              </a:ext>
+            </a:extLst>
+          </p:cNvPr>
+          <p:cNvSpPr txBox="1"/>
+          <p:nvPr/>
+        </p:nvSpPr>
+        <p:spPr>
+          <a:xfrm>
+            <a:off x="6667247" y="2779007"/>
+            <a:ext cx="678391" cy="553998"/>
+          </a:xfrm>
+          <a:prstGeom prst="rect">
+            <a:avLst/>
+          </a:prstGeom>
+          <a:noFill/>
+        </p:spPr>
+        <p:txBody>
+          <a:bodyPr wrap="none" rtlCol="0" anchor="ctr">
+            <a:spAutoFit/>
+          </a:bodyPr>
+          <a:lstStyle/>
+          <a:p>
+            <a:pPr algn="ctr"/>
+            <a:r>
+              <a:rPr lang="en-US" altLang="ko-KR" sz="1000">
+                <a:solidFill>
+                  <a:srgbClr val="C00000"/>
+                </a:solidFill>
+              </a:rPr>
+              <a:t>Create</a:t>
+            </a:r>
+          </a:p>
+          <a:p>
+            <a:pPr algn="ctr"/>
+            <a:r>
+              <a:rPr lang="en-US" altLang="ko-KR" sz="1000">
+                <a:solidFill>
+                  <a:srgbClr val="C00000"/>
+                </a:solidFill>
+              </a:rPr>
+              <a:t>Mutated</a:t>
+            </a:r>
+          </a:p>
+          <a:p>
+            <a:pPr algn="ctr"/>
+            <a:r>
+              <a:rPr lang="en-US" altLang="ko-KR" sz="1000">
+                <a:solidFill>
+                  <a:srgbClr val="C00000"/>
+                </a:solidFill>
+              </a:rPr>
+              <a:t>Pod</a:t>
+            </a:r>
+            <a:endParaRPr lang="ko-KR" altLang="en-US" sz="1000">
+              <a:solidFill>
+                <a:srgbClr val="C00000"/>
+              </a:solidFill>
+            </a:endParaRPr>
+          </a:p>
+        </p:txBody>
+      </p:sp>
+      <p:cxnSp>
+        <p:nvCxnSpPr>
+          <p:cNvPr id="121" name="직선 화살표 연결선 120">
+            <a:extLst>
+              <a:ext uri="{FF2B5EF4-FFF2-40B4-BE49-F238E27FC236}">
+                <a16:creationId xmlns:a16="http://schemas.microsoft.com/office/drawing/2014/main" id="{B27CD7DB-FC8F-4C11-B2A9-F1D2E1020353}"/>
+              </a:ext>
+            </a:extLst>
+          </p:cNvPr>
+          <p:cNvCxnSpPr>
+            <a:cxnSpLocks/>
+            <a:stCxn id="65" idx="1"/>
+            <a:endCxn id="56" idx="3"/>
+          </p:cNvCxnSpPr>
+          <p:nvPr/>
+        </p:nvCxnSpPr>
+        <p:spPr>
+          <a:xfrm flipH="1">
+            <a:off x="5256565" y="3670017"/>
+            <a:ext cx="1036421" cy="0"/>
+          </a:xfrm>
+          <a:prstGeom prst="straightConnector1">
+            <a:avLst/>
+          </a:prstGeom>
+          <a:ln w="19050">
+            <a:solidFill>
+              <a:schemeClr val="accent4"/>
+            </a:solidFill>
+            <a:headEnd type="none" w="med" len="med"/>
+            <a:tailEnd type="arrow" w="med" len="med"/>
+          </a:ln>
+        </p:spPr>
+        <p:style>
+          <a:lnRef idx="1">
+            <a:schemeClr val="accent1"/>
+          </a:lnRef>
+          <a:fillRef idx="0">
+            <a:schemeClr val="accent1"/>
+          </a:fillRef>
+          <a:effectRef idx="0">
+            <a:schemeClr val="accent1"/>
+          </a:effectRef>
+          <a:fontRef idx="minor">
+            <a:schemeClr val="tx1"/>
+          </a:fontRef>
+        </p:style>
+      </p:cxnSp>
+      <p:sp>
+        <p:nvSpPr>
+          <p:cNvPr id="122" name="타원 121">
+            <a:extLst>
+              <a:ext uri="{FF2B5EF4-FFF2-40B4-BE49-F238E27FC236}">
+                <a16:creationId xmlns:a16="http://schemas.microsoft.com/office/drawing/2014/main" id="{72E0FE82-FF3B-4BD1-A5ED-EE0B940BDF7C}"/>
+              </a:ext>
+            </a:extLst>
+          </p:cNvPr>
+          <p:cNvSpPr/>
+          <p:nvPr/>
+        </p:nvSpPr>
+        <p:spPr>
+          <a:xfrm>
+            <a:off x="6193174" y="3565970"/>
+            <a:ext cx="208094" cy="208094"/>
+          </a:xfrm>
+          <a:prstGeom prst="ellipse">
+            <a:avLst/>
+          </a:prstGeom>
+          <a:ln>
+            <a:solidFill>
+              <a:schemeClr val="accent4"/>
+            </a:solidFill>
+          </a:ln>
+        </p:spPr>
+        <p:style>
+          <a:lnRef idx="2">
+            <a:schemeClr val="accent2"/>
+          </a:lnRef>
+          <a:fillRef idx="1">
+            <a:schemeClr val="lt1"/>
+          </a:fillRef>
+          <a:effectRef idx="0">
+            <a:schemeClr val="accent2"/>
+          </a:effectRef>
+          <a:fontRef idx="minor">
+            <a:schemeClr val="dk1"/>
+          </a:fontRef>
+        </p:style>
+        <p:txBody>
+          <a:bodyPr rtlCol="0" anchor="ctr"/>
+          <a:lstStyle/>
+          <a:p>
+            <a:pPr algn="ctr"/>
+            <a:r>
+              <a:rPr lang="en-US" altLang="ko-KR" sz="1100"/>
+              <a:t>1</a:t>
+            </a:r>
+            <a:endParaRPr lang="ko-KR" altLang="en-US" sz="1100"/>
+          </a:p>
+        </p:txBody>
+      </p:sp>
+      <p:cxnSp>
+        <p:nvCxnSpPr>
+          <p:cNvPr id="123" name="직선 화살표 연결선 122">
+            <a:extLst>
+              <a:ext uri="{FF2B5EF4-FFF2-40B4-BE49-F238E27FC236}">
+                <a16:creationId xmlns:a16="http://schemas.microsoft.com/office/drawing/2014/main" id="{AE4D792E-5F64-4D4F-A3E0-7E9290D7A926}"/>
+              </a:ext>
+            </a:extLst>
+          </p:cNvPr>
+          <p:cNvCxnSpPr>
+            <a:cxnSpLocks/>
+          </p:cNvCxnSpPr>
+          <p:nvPr/>
+        </p:nvCxnSpPr>
+        <p:spPr>
+          <a:xfrm flipH="1" flipV="1">
+            <a:off x="2653932" y="2715766"/>
+            <a:ext cx="586409" cy="826528"/>
+          </a:xfrm>
+          <a:prstGeom prst="straightConnector1">
+            <a:avLst/>
+          </a:prstGeom>
+          <a:ln w="19050">
+            <a:solidFill>
+              <a:schemeClr val="accent4"/>
+            </a:solidFill>
+            <a:headEnd type="none" w="med" len="med"/>
+            <a:tailEnd type="arrow" w="med" len="med"/>
+          </a:ln>
+        </p:spPr>
+        <p:style>
+          <a:lnRef idx="1">
+            <a:schemeClr val="accent1"/>
+          </a:lnRef>
+          <a:fillRef idx="0">
+            <a:schemeClr val="accent1"/>
+          </a:fillRef>
+          <a:effectRef idx="0">
+            <a:schemeClr val="accent1"/>
+          </a:effectRef>
+          <a:fontRef idx="minor">
+            <a:schemeClr val="tx1"/>
+          </a:fontRef>
+        </p:style>
+      </p:cxnSp>
+      <p:sp>
+        <p:nvSpPr>
+          <p:cNvPr id="124" name="TextBox 123">
+            <a:extLst>
+              <a:ext uri="{FF2B5EF4-FFF2-40B4-BE49-F238E27FC236}">
+                <a16:creationId xmlns:a16="http://schemas.microsoft.com/office/drawing/2014/main" id="{7DD76318-11C9-4637-9AA8-3506ECA4A8EA}"/>
+              </a:ext>
+            </a:extLst>
+          </p:cNvPr>
+          <p:cNvSpPr txBox="1"/>
+          <p:nvPr/>
+        </p:nvSpPr>
+        <p:spPr>
+          <a:xfrm>
+            <a:off x="5724128" y="1774281"/>
+            <a:ext cx="736099" cy="246221"/>
+          </a:xfrm>
+          <a:prstGeom prst="rect">
+            <a:avLst/>
+          </a:prstGeom>
+          <a:noFill/>
+        </p:spPr>
+        <p:txBody>
+          <a:bodyPr wrap="none" rtlCol="0" anchor="ctr">
+            <a:spAutoFit/>
+          </a:bodyPr>
+          <a:lstStyle/>
+          <a:p>
+            <a:pPr algn="ctr"/>
+            <a:r>
+              <a:rPr lang="en-US" altLang="ko-KR" sz="1000">
+                <a:solidFill>
+                  <a:schemeClr val="tx2"/>
+                </a:solidFill>
+              </a:rPr>
+              <a:t>SA Token</a:t>
+            </a:r>
+            <a:endParaRPr lang="ko-KR" altLang="en-US" sz="1000">
+              <a:solidFill>
+                <a:schemeClr val="tx2"/>
+              </a:solidFill>
+            </a:endParaRPr>
+          </a:p>
+        </p:txBody>
+      </p:sp>
+      <p:sp>
+        <p:nvSpPr>
+          <p:cNvPr id="125" name="TextBox 124">
+            <a:extLst>
+              <a:ext uri="{FF2B5EF4-FFF2-40B4-BE49-F238E27FC236}">
+                <a16:creationId xmlns:a16="http://schemas.microsoft.com/office/drawing/2014/main" id="{AB66F878-F03F-46C1-83B3-D5943E82E897}"/>
+              </a:ext>
+            </a:extLst>
+          </p:cNvPr>
+          <p:cNvSpPr txBox="1"/>
+          <p:nvPr/>
+        </p:nvSpPr>
+        <p:spPr>
+          <a:xfrm>
+            <a:off x="5720669" y="1384205"/>
+            <a:ext cx="832280" cy="246221"/>
+          </a:xfrm>
+          <a:prstGeom prst="rect">
+            <a:avLst/>
+          </a:prstGeom>
+          <a:noFill/>
+        </p:spPr>
+        <p:txBody>
+          <a:bodyPr wrap="none" rtlCol="0" anchor="ctr">
+            <a:spAutoFit/>
+          </a:bodyPr>
+          <a:lstStyle/>
+          <a:p>
+            <a:pPr algn="ctr"/>
+            <a:r>
+              <a:rPr lang="en-US" altLang="ko-KR" sz="1000">
+                <a:solidFill>
+                  <a:schemeClr val="tx2"/>
+                </a:solidFill>
+              </a:rPr>
+              <a:t>Credentials</a:t>
+            </a:r>
+            <a:endParaRPr lang="ko-KR" altLang="en-US" sz="1000">
+              <a:solidFill>
+                <a:schemeClr val="tx2"/>
+              </a:solidFill>
+            </a:endParaRPr>
+          </a:p>
+        </p:txBody>
+      </p:sp>
+      <p:sp>
+        <p:nvSpPr>
+          <p:cNvPr id="128" name="TextBox 127">
+            <a:extLst>
+              <a:ext uri="{FF2B5EF4-FFF2-40B4-BE49-F238E27FC236}">
+                <a16:creationId xmlns:a16="http://schemas.microsoft.com/office/drawing/2014/main" id="{08DE7051-1232-4656-90F5-5A111403C004}"/>
+              </a:ext>
+            </a:extLst>
+          </p:cNvPr>
+          <p:cNvSpPr txBox="1"/>
+          <p:nvPr/>
+        </p:nvSpPr>
+        <p:spPr>
+          <a:xfrm>
+            <a:off x="7621186" y="1502775"/>
+            <a:ext cx="942887" cy="400110"/>
+          </a:xfrm>
+          <a:prstGeom prst="rect">
+            <a:avLst/>
+          </a:prstGeom>
+          <a:noFill/>
+        </p:spPr>
+        <p:txBody>
+          <a:bodyPr wrap="none" rtlCol="0" anchor="ctr">
+            <a:spAutoFit/>
+          </a:bodyPr>
+          <a:lstStyle/>
+          <a:p>
+            <a:pPr algn="ctr"/>
+            <a:r>
+              <a:rPr lang="en-US" altLang="ko-KR" sz="1000">
+                <a:solidFill>
+                  <a:schemeClr val="tx2"/>
+                </a:solidFill>
+              </a:rPr>
+              <a:t>Request with</a:t>
+            </a:r>
+          </a:p>
+          <a:p>
+            <a:pPr algn="ctr"/>
+            <a:r>
+              <a:rPr lang="en-US" altLang="ko-KR" sz="1000">
+                <a:solidFill>
+                  <a:schemeClr val="tx2"/>
+                </a:solidFill>
+              </a:rPr>
+              <a:t>Credentials</a:t>
+            </a:r>
+            <a:endParaRPr lang="ko-KR" altLang="en-US" sz="1000">
+              <a:solidFill>
+                <a:schemeClr val="tx2"/>
+              </a:solidFill>
+            </a:endParaRPr>
+          </a:p>
+        </p:txBody>
+      </p:sp>
+      <p:sp>
+        <p:nvSpPr>
+          <p:cNvPr id="135" name="TextBox 134">
+            <a:extLst>
+              <a:ext uri="{FF2B5EF4-FFF2-40B4-BE49-F238E27FC236}">
+                <a16:creationId xmlns:a16="http://schemas.microsoft.com/office/drawing/2014/main" id="{C652AD4D-2EF7-49A2-940F-F9FC852D59E9}"/>
+              </a:ext>
+            </a:extLst>
+          </p:cNvPr>
+          <p:cNvSpPr txBox="1"/>
+          <p:nvPr/>
+        </p:nvSpPr>
+        <p:spPr>
+          <a:xfrm>
+            <a:off x="5403127" y="3458071"/>
+            <a:ext cx="736099" cy="400110"/>
+          </a:xfrm>
+          <a:prstGeom prst="rect">
+            <a:avLst/>
+          </a:prstGeom>
+          <a:noFill/>
+        </p:spPr>
+        <p:txBody>
+          <a:bodyPr wrap="none" rtlCol="0" anchor="ctr">
+            <a:spAutoFit/>
+          </a:bodyPr>
+          <a:lstStyle/>
+          <a:p>
+            <a:pPr algn="ctr"/>
+            <a:r>
+              <a:rPr lang="en-US" altLang="ko-KR" sz="1000">
+                <a:solidFill>
+                  <a:schemeClr val="accent4"/>
+                </a:solidFill>
+              </a:rPr>
+              <a:t>Request</a:t>
+            </a:r>
+          </a:p>
+          <a:p>
+            <a:pPr algn="ctr"/>
+            <a:r>
+              <a:rPr lang="en-US" altLang="ko-KR" sz="1000">
+                <a:solidFill>
+                  <a:schemeClr val="accent4"/>
+                </a:solidFill>
+              </a:rPr>
+              <a:t>SA Token</a:t>
+            </a:r>
+          </a:p>
+        </p:txBody>
+      </p:sp>
+      <p:sp>
+        <p:nvSpPr>
+          <p:cNvPr id="138" name="TextBox 137">
+            <a:extLst>
+              <a:ext uri="{FF2B5EF4-FFF2-40B4-BE49-F238E27FC236}">
+                <a16:creationId xmlns:a16="http://schemas.microsoft.com/office/drawing/2014/main" id="{6C6E6535-C5B3-48AA-945A-1A1CF8D24F48}"/>
+              </a:ext>
+            </a:extLst>
+          </p:cNvPr>
+          <p:cNvSpPr txBox="1"/>
+          <p:nvPr/>
+        </p:nvSpPr>
+        <p:spPr>
+          <a:xfrm>
+            <a:off x="3058861" y="3031781"/>
+            <a:ext cx="736099" cy="400110"/>
+          </a:xfrm>
+          <a:prstGeom prst="rect">
+            <a:avLst/>
+          </a:prstGeom>
+          <a:noFill/>
+        </p:spPr>
+        <p:txBody>
+          <a:bodyPr wrap="none" rtlCol="0" anchor="ctr">
+            <a:spAutoFit/>
+          </a:bodyPr>
+          <a:lstStyle/>
+          <a:p>
+            <a:pPr algn="ctr"/>
+            <a:r>
+              <a:rPr lang="en-US" altLang="ko-KR" sz="1000">
+                <a:solidFill>
+                  <a:schemeClr val="accent4"/>
+                </a:solidFill>
+              </a:rPr>
+              <a:t>Request</a:t>
+            </a:r>
+          </a:p>
+          <a:p>
+            <a:pPr algn="ctr"/>
+            <a:r>
+              <a:rPr lang="en-US" altLang="ko-KR" sz="1000">
+                <a:solidFill>
+                  <a:schemeClr val="accent4"/>
+                </a:solidFill>
+              </a:rPr>
+              <a:t>SA Token</a:t>
+            </a:r>
+          </a:p>
+        </p:txBody>
+      </p:sp>
+      <p:sp>
+        <p:nvSpPr>
+          <p:cNvPr id="141" name="타원 140">
+            <a:extLst>
+              <a:ext uri="{FF2B5EF4-FFF2-40B4-BE49-F238E27FC236}">
+                <a16:creationId xmlns:a16="http://schemas.microsoft.com/office/drawing/2014/main" id="{970A51CE-D9AC-4451-9033-5EEBE3485E14}"/>
+              </a:ext>
+            </a:extLst>
+          </p:cNvPr>
+          <p:cNvSpPr/>
+          <p:nvPr/>
+        </p:nvSpPr>
+        <p:spPr>
+          <a:xfrm>
+            <a:off x="3136351" y="3431891"/>
+            <a:ext cx="208094" cy="208094"/>
+          </a:xfrm>
+          <a:prstGeom prst="ellipse">
+            <a:avLst/>
+          </a:prstGeom>
+          <a:ln>
+            <a:solidFill>
+              <a:schemeClr val="accent4"/>
+            </a:solidFill>
+          </a:ln>
+        </p:spPr>
+        <p:style>
+          <a:lnRef idx="2">
+            <a:schemeClr val="accent2"/>
+          </a:lnRef>
+          <a:fillRef idx="1">
+            <a:schemeClr val="lt1"/>
+          </a:fillRef>
+          <a:effectRef idx="0">
+            <a:schemeClr val="accent2"/>
+          </a:effectRef>
+          <a:fontRef idx="minor">
+            <a:schemeClr val="dk1"/>
+          </a:fontRef>
+        </p:style>
+        <p:txBody>
+          <a:bodyPr rtlCol="0" anchor="ctr"/>
+          <a:lstStyle/>
+          <a:p>
+            <a:pPr algn="ctr"/>
+            <a:r>
+              <a:rPr lang="en-US" altLang="ko-KR" sz="1100"/>
+              <a:t>2</a:t>
+            </a:r>
+            <a:endParaRPr lang="ko-KR" altLang="en-US" sz="1100"/>
+          </a:p>
+        </p:txBody>
+      </p:sp>
+      <p:cxnSp>
+        <p:nvCxnSpPr>
+          <p:cNvPr id="142" name="직선 화살표 연결선 141">
+            <a:extLst>
+              <a:ext uri="{FF2B5EF4-FFF2-40B4-BE49-F238E27FC236}">
+                <a16:creationId xmlns:a16="http://schemas.microsoft.com/office/drawing/2014/main" id="{4311362C-A49D-4666-A728-71CF6DB3FF38}"/>
+              </a:ext>
+            </a:extLst>
+          </p:cNvPr>
+          <p:cNvCxnSpPr>
+            <a:cxnSpLocks/>
+          </p:cNvCxnSpPr>
+          <p:nvPr/>
+        </p:nvCxnSpPr>
+        <p:spPr>
+          <a:xfrm flipH="1" flipV="1">
+            <a:off x="2653932" y="2970922"/>
+            <a:ext cx="586409" cy="826528"/>
+          </a:xfrm>
+          <a:prstGeom prst="straightConnector1">
+            <a:avLst/>
+          </a:prstGeom>
+          <a:ln w="19050">
+            <a:solidFill>
+              <a:schemeClr val="accent4"/>
+            </a:solidFill>
+            <a:headEnd type="arrow" w="med" len="med"/>
+            <a:tailEnd type="none" w="med" len="med"/>
+          </a:ln>
+        </p:spPr>
+        <p:style>
+          <a:lnRef idx="1">
+            <a:schemeClr val="accent1"/>
+          </a:lnRef>
+          <a:fillRef idx="0">
+            <a:schemeClr val="accent1"/>
+          </a:fillRef>
+          <a:effectRef idx="0">
+            <a:schemeClr val="accent1"/>
+          </a:effectRef>
+          <a:fontRef idx="minor">
+            <a:schemeClr val="tx1"/>
+          </a:fontRef>
+        </p:style>
+      </p:cxnSp>
+      <p:sp>
+        <p:nvSpPr>
+          <p:cNvPr id="144" name="타원 143">
+            <a:extLst>
+              <a:ext uri="{FF2B5EF4-FFF2-40B4-BE49-F238E27FC236}">
+                <a16:creationId xmlns:a16="http://schemas.microsoft.com/office/drawing/2014/main" id="{F7C54B1E-2594-45CB-A143-ADBD54FE41A8}"/>
+              </a:ext>
+            </a:extLst>
+          </p:cNvPr>
+          <p:cNvSpPr/>
+          <p:nvPr/>
+        </p:nvSpPr>
+        <p:spPr>
+          <a:xfrm>
+            <a:off x="2495744" y="2862057"/>
+            <a:ext cx="208094" cy="208094"/>
+          </a:xfrm>
+          <a:prstGeom prst="ellipse">
+            <a:avLst/>
+          </a:prstGeom>
+          <a:ln>
+            <a:solidFill>
+              <a:schemeClr val="accent4"/>
+            </a:solidFill>
+          </a:ln>
+        </p:spPr>
+        <p:style>
+          <a:lnRef idx="2">
+            <a:schemeClr val="accent2"/>
+          </a:lnRef>
+          <a:fillRef idx="1">
+            <a:schemeClr val="lt1"/>
+          </a:fillRef>
+          <a:effectRef idx="0">
+            <a:schemeClr val="accent2"/>
+          </a:effectRef>
+          <a:fontRef idx="minor">
+            <a:schemeClr val="dk1"/>
+          </a:fontRef>
+        </p:style>
+        <p:txBody>
+          <a:bodyPr rtlCol="0" anchor="ctr"/>
+          <a:lstStyle/>
+          <a:p>
+            <a:pPr algn="ctr"/>
+            <a:r>
+              <a:rPr lang="en-US" altLang="ko-KR" sz="1100"/>
+              <a:t>3</a:t>
+            </a:r>
+            <a:endParaRPr lang="ko-KR" altLang="en-US" sz="1100"/>
+          </a:p>
+        </p:txBody>
+      </p:sp>
+      <p:cxnSp>
+        <p:nvCxnSpPr>
+          <p:cNvPr id="155" name="직선 화살표 연결선 154">
+            <a:extLst>
+              <a:ext uri="{FF2B5EF4-FFF2-40B4-BE49-F238E27FC236}">
+                <a16:creationId xmlns:a16="http://schemas.microsoft.com/office/drawing/2014/main" id="{8D189832-DD63-4BC9-B15F-DBA0EC4CDE39}"/>
+              </a:ext>
+            </a:extLst>
+          </p:cNvPr>
+          <p:cNvCxnSpPr>
+            <a:cxnSpLocks/>
+          </p:cNvCxnSpPr>
+          <p:nvPr/>
+        </p:nvCxnSpPr>
+        <p:spPr>
+          <a:xfrm flipH="1">
+            <a:off x="5256567" y="3876181"/>
+            <a:ext cx="1036419" cy="0"/>
+          </a:xfrm>
+          <a:prstGeom prst="straightConnector1">
+            <a:avLst/>
+          </a:prstGeom>
+          <a:ln w="19050">
+            <a:solidFill>
+              <a:schemeClr val="accent4"/>
+            </a:solidFill>
+            <a:headEnd type="arrow" w="med" len="med"/>
+            <a:tailEnd type="none" w="med" len="med"/>
+          </a:ln>
+        </p:spPr>
+        <p:style>
+          <a:lnRef idx="1">
+            <a:schemeClr val="accent1"/>
+          </a:lnRef>
+          <a:fillRef idx="0">
+            <a:schemeClr val="accent1"/>
+          </a:fillRef>
+          <a:effectRef idx="0">
+            <a:schemeClr val="accent1"/>
+          </a:effectRef>
+          <a:fontRef idx="minor">
+            <a:schemeClr val="tx1"/>
+          </a:fontRef>
+        </p:style>
+      </p:cxnSp>
+      <p:sp>
+        <p:nvSpPr>
+          <p:cNvPr id="156" name="타원 155">
+            <a:extLst>
+              <a:ext uri="{FF2B5EF4-FFF2-40B4-BE49-F238E27FC236}">
+                <a16:creationId xmlns:a16="http://schemas.microsoft.com/office/drawing/2014/main" id="{710D55AC-D869-484F-9BF2-5278B069B0CF}"/>
+              </a:ext>
+            </a:extLst>
+          </p:cNvPr>
+          <p:cNvSpPr/>
+          <p:nvPr/>
+        </p:nvSpPr>
+        <p:spPr>
+          <a:xfrm>
+            <a:off x="5141085" y="3773755"/>
+            <a:ext cx="208094" cy="208094"/>
+          </a:xfrm>
+          <a:prstGeom prst="ellipse">
+            <a:avLst/>
+          </a:prstGeom>
+          <a:ln>
+            <a:solidFill>
+              <a:schemeClr val="accent4"/>
+            </a:solidFill>
+          </a:ln>
+        </p:spPr>
+        <p:style>
+          <a:lnRef idx="2">
+            <a:schemeClr val="accent2"/>
+          </a:lnRef>
+          <a:fillRef idx="1">
+            <a:schemeClr val="lt1"/>
+          </a:fillRef>
+          <a:effectRef idx="0">
+            <a:schemeClr val="accent2"/>
+          </a:effectRef>
+          <a:fontRef idx="minor">
+            <a:schemeClr val="dk1"/>
+          </a:fontRef>
+        </p:style>
+        <p:txBody>
+          <a:bodyPr rtlCol="0" anchor="ctr"/>
+          <a:lstStyle/>
+          <a:p>
+            <a:pPr algn="ctr"/>
+            <a:r>
+              <a:rPr lang="en-US" altLang="ko-KR" sz="1100"/>
+              <a:t>4</a:t>
+            </a:r>
+            <a:endParaRPr lang="ko-KR" altLang="en-US" sz="1100"/>
+          </a:p>
+        </p:txBody>
+      </p:sp>
+      <p:sp>
+        <p:nvSpPr>
+          <p:cNvPr id="157" name="TextBox 156">
+            <a:extLst>
+              <a:ext uri="{FF2B5EF4-FFF2-40B4-BE49-F238E27FC236}">
+                <a16:creationId xmlns:a16="http://schemas.microsoft.com/office/drawing/2014/main" id="{BF772D9B-98B2-49E2-A7FA-B2D3F2C40E5C}"/>
+              </a:ext>
+            </a:extLst>
+          </p:cNvPr>
+          <p:cNvSpPr txBox="1"/>
+          <p:nvPr/>
+        </p:nvSpPr>
+        <p:spPr>
+          <a:xfrm>
+            <a:off x="5403128" y="3870776"/>
+            <a:ext cx="736099" cy="246221"/>
+          </a:xfrm>
+          <a:prstGeom prst="rect">
+            <a:avLst/>
+          </a:prstGeom>
+          <a:noFill/>
+        </p:spPr>
+        <p:txBody>
+          <a:bodyPr wrap="none" rtlCol="0" anchor="ctr">
+            <a:spAutoFit/>
+          </a:bodyPr>
+          <a:lstStyle/>
+          <a:p>
+            <a:pPr algn="ctr"/>
+            <a:r>
+              <a:rPr lang="en-US" altLang="ko-KR" sz="1000">
+                <a:solidFill>
+                  <a:schemeClr val="accent4"/>
+                </a:solidFill>
+              </a:rPr>
+              <a:t>SA Token</a:t>
+            </a:r>
+          </a:p>
+        </p:txBody>
+      </p:sp>
+      <p:sp>
+        <p:nvSpPr>
+          <p:cNvPr id="158" name="TextBox 157">
+            <a:extLst>
+              <a:ext uri="{FF2B5EF4-FFF2-40B4-BE49-F238E27FC236}">
+                <a16:creationId xmlns:a16="http://schemas.microsoft.com/office/drawing/2014/main" id="{CEEF060C-56FB-439B-A8BC-F28BE24F26EB}"/>
+              </a:ext>
+            </a:extLst>
+          </p:cNvPr>
+          <p:cNvSpPr txBox="1"/>
+          <p:nvPr/>
+        </p:nvSpPr>
+        <p:spPr>
+          <a:xfrm>
+            <a:off x="4228437" y="3917550"/>
+            <a:ext cx="652743" cy="553998"/>
+          </a:xfrm>
+          <a:prstGeom prst="rect">
+            <a:avLst/>
+          </a:prstGeom>
+          <a:noFill/>
+        </p:spPr>
+        <p:txBody>
+          <a:bodyPr wrap="none" rtlCol="0" anchor="ctr">
+            <a:spAutoFit/>
+          </a:bodyPr>
+          <a:lstStyle/>
+          <a:p>
+            <a:pPr algn="ctr"/>
+            <a:r>
+              <a:rPr lang="en-US" altLang="ko-KR" sz="1000">
+                <a:solidFill>
+                  <a:srgbClr val="C00000"/>
+                </a:solidFill>
+              </a:rPr>
+              <a:t>Request</a:t>
+            </a:r>
+          </a:p>
+          <a:p>
+            <a:pPr algn="ctr"/>
+            <a:r>
+              <a:rPr lang="en-US" altLang="ko-KR" sz="1000">
+                <a:solidFill>
+                  <a:srgbClr val="C00000"/>
+                </a:solidFill>
+              </a:rPr>
+              <a:t>Create</a:t>
+            </a:r>
+          </a:p>
+          <a:p>
+            <a:pPr algn="ctr"/>
+            <a:r>
+              <a:rPr lang="en-US" altLang="ko-KR" sz="1000">
+                <a:solidFill>
+                  <a:srgbClr val="C00000"/>
+                </a:solidFill>
+              </a:rPr>
+              <a:t>Pod</a:t>
+            </a:r>
+            <a:endParaRPr lang="ko-KR" altLang="en-US" sz="1000">
+              <a:solidFill>
+                <a:srgbClr val="C00000"/>
+              </a:solidFill>
+            </a:endParaRPr>
+          </a:p>
+        </p:txBody>
+      </p:sp>
+      <p:sp>
+        <p:nvSpPr>
+          <p:cNvPr id="159" name="TextBox 158">
+            <a:extLst>
+              <a:ext uri="{FF2B5EF4-FFF2-40B4-BE49-F238E27FC236}">
+                <a16:creationId xmlns:a16="http://schemas.microsoft.com/office/drawing/2014/main" id="{F959D2C3-1ABC-440D-8138-D7D403BE60F9}"/>
+              </a:ext>
+            </a:extLst>
+          </p:cNvPr>
+          <p:cNvSpPr txBox="1"/>
+          <p:nvPr/>
+        </p:nvSpPr>
+        <p:spPr>
+          <a:xfrm>
+            <a:off x="2475476" y="3581063"/>
+            <a:ext cx="736100" cy="246221"/>
+          </a:xfrm>
+          <a:prstGeom prst="rect">
+            <a:avLst/>
+          </a:prstGeom>
+          <a:noFill/>
+        </p:spPr>
+        <p:txBody>
+          <a:bodyPr wrap="none" rtlCol="0" anchor="ctr">
+            <a:spAutoFit/>
+          </a:bodyPr>
+          <a:lstStyle/>
+          <a:p>
+            <a:pPr algn="ctr"/>
+            <a:r>
+              <a:rPr lang="en-US" altLang="ko-KR" sz="1000">
+                <a:solidFill>
+                  <a:schemeClr val="accent4"/>
+                </a:solidFill>
+              </a:rPr>
+              <a:t>SA Token</a:t>
+            </a:r>
+          </a:p>
+        </p:txBody>
+      </p:sp>
+      <p:cxnSp>
+        <p:nvCxnSpPr>
+          <p:cNvPr id="160" name="직선 화살표 연결선 159">
+            <a:extLst>
+              <a:ext uri="{FF2B5EF4-FFF2-40B4-BE49-F238E27FC236}">
+                <a16:creationId xmlns:a16="http://schemas.microsoft.com/office/drawing/2014/main" id="{1A11A6EA-C533-4107-8465-9DFC7BD2C343}"/>
+              </a:ext>
+            </a:extLst>
+          </p:cNvPr>
+          <p:cNvCxnSpPr>
+            <a:cxnSpLocks/>
+          </p:cNvCxnSpPr>
+          <p:nvPr/>
+        </p:nvCxnSpPr>
+        <p:spPr>
+          <a:xfrm>
+            <a:off x="7740352" y="2419156"/>
+            <a:ext cx="0" cy="1012735"/>
+          </a:xfrm>
+          <a:prstGeom prst="straightConnector1">
+            <a:avLst/>
+          </a:prstGeom>
+          <a:ln w="19050">
+            <a:solidFill>
+              <a:schemeClr val="accent4"/>
+            </a:solidFill>
+            <a:headEnd type="arrow" w="med" len="med"/>
+            <a:tailEnd type="none" w="med" len="med"/>
+          </a:ln>
+        </p:spPr>
+        <p:style>
+          <a:lnRef idx="1">
+            <a:schemeClr val="accent1"/>
+          </a:lnRef>
+          <a:fillRef idx="0">
+            <a:schemeClr val="accent1"/>
+          </a:fillRef>
+          <a:effectRef idx="0">
+            <a:schemeClr val="accent1"/>
+          </a:effectRef>
+          <a:fontRef idx="minor">
+            <a:schemeClr val="tx1"/>
+          </a:fontRef>
+        </p:style>
+      </p:cxnSp>
+      <p:sp>
+        <p:nvSpPr>
+          <p:cNvPr id="162" name="TextBox 161">
+            <a:extLst>
+              <a:ext uri="{FF2B5EF4-FFF2-40B4-BE49-F238E27FC236}">
+                <a16:creationId xmlns:a16="http://schemas.microsoft.com/office/drawing/2014/main" id="{F6A31C68-7D55-47C1-857C-15841B5DF84F}"/>
+              </a:ext>
+            </a:extLst>
+          </p:cNvPr>
+          <p:cNvSpPr txBox="1"/>
+          <p:nvPr/>
+        </p:nvSpPr>
+        <p:spPr>
+          <a:xfrm>
+            <a:off x="7706636" y="2811370"/>
+            <a:ext cx="736099" cy="400110"/>
+          </a:xfrm>
+          <a:prstGeom prst="rect">
+            <a:avLst/>
+          </a:prstGeom>
+          <a:noFill/>
+        </p:spPr>
+        <p:txBody>
+          <a:bodyPr wrap="none" rtlCol="0" anchor="ctr">
+            <a:spAutoFit/>
+          </a:bodyPr>
+          <a:lstStyle/>
+          <a:p>
+            <a:pPr algn="ctr"/>
+            <a:r>
+              <a:rPr lang="en-US" altLang="ko-KR" sz="1000">
+                <a:solidFill>
+                  <a:schemeClr val="accent4"/>
+                </a:solidFill>
+              </a:rPr>
+              <a:t>Inject</a:t>
+            </a:r>
+          </a:p>
+          <a:p>
+            <a:pPr algn="ctr"/>
+            <a:r>
+              <a:rPr lang="en-US" altLang="ko-KR" sz="1000">
+                <a:solidFill>
+                  <a:schemeClr val="accent4"/>
+                </a:solidFill>
+              </a:rPr>
+              <a:t>SA Token</a:t>
+            </a:r>
+          </a:p>
+        </p:txBody>
+      </p:sp>
+      <p:sp>
+        <p:nvSpPr>
+          <p:cNvPr id="164" name="타원 163">
+            <a:extLst>
+              <a:ext uri="{FF2B5EF4-FFF2-40B4-BE49-F238E27FC236}">
+                <a16:creationId xmlns:a16="http://schemas.microsoft.com/office/drawing/2014/main" id="{9542EE46-3292-4531-8002-3F9FD015D4EC}"/>
+              </a:ext>
+            </a:extLst>
+          </p:cNvPr>
+          <p:cNvSpPr/>
+          <p:nvPr/>
+        </p:nvSpPr>
+        <p:spPr>
+          <a:xfrm>
+            <a:off x="7636306" y="3313942"/>
+            <a:ext cx="208094" cy="208094"/>
+          </a:xfrm>
+          <a:prstGeom prst="ellipse">
+            <a:avLst/>
+          </a:prstGeom>
+          <a:ln>
+            <a:solidFill>
+              <a:schemeClr val="accent4"/>
+            </a:solidFill>
+          </a:ln>
+        </p:spPr>
+        <p:style>
+          <a:lnRef idx="2">
+            <a:schemeClr val="accent2"/>
+          </a:lnRef>
+          <a:fillRef idx="1">
+            <a:schemeClr val="lt1"/>
+          </a:fillRef>
+          <a:effectRef idx="0">
+            <a:schemeClr val="accent2"/>
+          </a:effectRef>
+          <a:fontRef idx="minor">
+            <a:schemeClr val="dk1"/>
+          </a:fontRef>
+        </p:style>
+        <p:txBody>
+          <a:bodyPr rtlCol="0" anchor="ctr"/>
+          <a:lstStyle/>
+          <a:p>
+            <a:pPr algn="ctr"/>
+            <a:r>
+              <a:rPr lang="en-US" altLang="ko-KR" sz="1100"/>
+              <a:t>5</a:t>
+            </a:r>
+            <a:endParaRPr lang="ko-KR" altLang="en-US" sz="1100"/>
+          </a:p>
+        </p:txBody>
+      </p:sp>
+      <p:cxnSp>
+        <p:nvCxnSpPr>
+          <p:cNvPr id="167" name="직선 화살표 연결선 166">
+            <a:extLst>
+              <a:ext uri="{FF2B5EF4-FFF2-40B4-BE49-F238E27FC236}">
+                <a16:creationId xmlns:a16="http://schemas.microsoft.com/office/drawing/2014/main" id="{27B18424-54D8-472C-9DA4-0FA22A5654DF}"/>
+              </a:ext>
+            </a:extLst>
+          </p:cNvPr>
+          <p:cNvCxnSpPr>
+            <a:cxnSpLocks/>
+          </p:cNvCxnSpPr>
+          <p:nvPr/>
+        </p:nvCxnSpPr>
+        <p:spPr>
+          <a:xfrm>
+            <a:off x="5436096" y="4681539"/>
+            <a:ext cx="374194" cy="1"/>
+          </a:xfrm>
+          <a:prstGeom prst="straightConnector1">
+            <a:avLst/>
+          </a:prstGeom>
+          <a:ln w="19050">
+            <a:solidFill>
+              <a:schemeClr val="accent3">
+                <a:lumMod val="75000"/>
+              </a:schemeClr>
+            </a:solidFill>
+            <a:headEnd type="none" w="med" len="med"/>
+            <a:tailEnd type="arrow" w="med" len="med"/>
+          </a:ln>
+        </p:spPr>
+        <p:style>
+          <a:lnRef idx="1">
+            <a:schemeClr val="accent1"/>
+          </a:lnRef>
+          <a:fillRef idx="0">
+            <a:schemeClr val="accent1"/>
+          </a:fillRef>
+          <a:effectRef idx="0">
+            <a:schemeClr val="accent1"/>
+          </a:effectRef>
+          <a:fontRef idx="minor">
+            <a:schemeClr val="tx1"/>
+          </a:fontRef>
+        </p:style>
+      </p:cxnSp>
+      <p:sp>
+        <p:nvSpPr>
+          <p:cNvPr id="169" name="TextBox 168">
+            <a:extLst>
+              <a:ext uri="{FF2B5EF4-FFF2-40B4-BE49-F238E27FC236}">
+                <a16:creationId xmlns:a16="http://schemas.microsoft.com/office/drawing/2014/main" id="{B14DF2C7-3C99-401D-913D-9CB412A0D702}"/>
+              </a:ext>
+            </a:extLst>
+          </p:cNvPr>
+          <p:cNvSpPr txBox="1"/>
+          <p:nvPr/>
+        </p:nvSpPr>
+        <p:spPr>
+          <a:xfrm>
+            <a:off x="5806860" y="4561625"/>
+            <a:ext cx="1398140" cy="230832"/>
+          </a:xfrm>
+          <a:prstGeom prst="rect">
+            <a:avLst/>
+          </a:prstGeom>
+          <a:noFill/>
+        </p:spPr>
+        <p:txBody>
+          <a:bodyPr wrap="none" rtlCol="0" anchor="ctr">
+            <a:spAutoFit/>
+          </a:bodyPr>
+          <a:lstStyle/>
+          <a:p>
+            <a:r>
+              <a:rPr lang="en-US" altLang="ko-KR" sz="900"/>
+              <a:t>Create Service Account</a:t>
+            </a:r>
+            <a:endParaRPr lang="ko-KR" altLang="en-US" sz="900"/>
+          </a:p>
+        </p:txBody>
+      </p:sp>
+      <p:cxnSp>
+        <p:nvCxnSpPr>
+          <p:cNvPr id="170" name="직선 화살표 연결선 169">
+            <a:extLst>
+              <a:ext uri="{FF2B5EF4-FFF2-40B4-BE49-F238E27FC236}">
+                <a16:creationId xmlns:a16="http://schemas.microsoft.com/office/drawing/2014/main" id="{0FD39B26-DD32-4BF2-BB2A-4C77D38C9D83}"/>
+              </a:ext>
+            </a:extLst>
+          </p:cNvPr>
+          <p:cNvCxnSpPr>
+            <a:cxnSpLocks/>
+          </p:cNvCxnSpPr>
+          <p:nvPr/>
+        </p:nvCxnSpPr>
+        <p:spPr>
+          <a:xfrm>
+            <a:off x="5436096" y="4913217"/>
+            <a:ext cx="374194" cy="1"/>
+          </a:xfrm>
+          <a:prstGeom prst="straightConnector1">
+            <a:avLst/>
+          </a:prstGeom>
+          <a:ln w="19050">
+            <a:solidFill>
+              <a:srgbClr val="C00000"/>
+            </a:solidFill>
+            <a:headEnd type="none" w="med" len="med"/>
+            <a:tailEnd type="arrow" w="med" len="med"/>
+          </a:ln>
+        </p:spPr>
+        <p:style>
+          <a:lnRef idx="1">
+            <a:schemeClr val="accent1"/>
+          </a:lnRef>
+          <a:fillRef idx="0">
+            <a:schemeClr val="accent1"/>
+          </a:fillRef>
+          <a:effectRef idx="0">
+            <a:schemeClr val="accent1"/>
+          </a:effectRef>
+          <a:fontRef idx="minor">
+            <a:schemeClr val="tx1"/>
+          </a:fontRef>
+        </p:style>
+      </p:cxnSp>
+      <p:sp>
+        <p:nvSpPr>
+          <p:cNvPr id="171" name="TextBox 170">
+            <a:extLst>
+              <a:ext uri="{FF2B5EF4-FFF2-40B4-BE49-F238E27FC236}">
+                <a16:creationId xmlns:a16="http://schemas.microsoft.com/office/drawing/2014/main" id="{3F8955B8-E538-49CA-8996-1874D254F6F1}"/>
+              </a:ext>
+            </a:extLst>
+          </p:cNvPr>
+          <p:cNvSpPr txBox="1"/>
+          <p:nvPr/>
+        </p:nvSpPr>
+        <p:spPr>
+          <a:xfrm>
+            <a:off x="5806860" y="4793303"/>
+            <a:ext cx="766557" cy="230832"/>
+          </a:xfrm>
+          <a:prstGeom prst="rect">
+            <a:avLst/>
+          </a:prstGeom>
+          <a:noFill/>
+        </p:spPr>
+        <p:txBody>
+          <a:bodyPr wrap="none" rtlCol="0" anchor="ctr">
+            <a:spAutoFit/>
+          </a:bodyPr>
+          <a:lstStyle/>
+          <a:p>
+            <a:r>
+              <a:rPr lang="en-US" altLang="ko-KR" sz="900"/>
+              <a:t>Create Pod</a:t>
+            </a:r>
+            <a:endParaRPr lang="ko-KR" altLang="en-US" sz="900"/>
+          </a:p>
+        </p:txBody>
+      </p:sp>
+      <p:cxnSp>
+        <p:nvCxnSpPr>
+          <p:cNvPr id="172" name="직선 화살표 연결선 171">
+            <a:extLst>
+              <a:ext uri="{FF2B5EF4-FFF2-40B4-BE49-F238E27FC236}">
+                <a16:creationId xmlns:a16="http://schemas.microsoft.com/office/drawing/2014/main" id="{3E4589F8-CBBE-4D57-94B9-65F3285F6E86}"/>
+              </a:ext>
+            </a:extLst>
+          </p:cNvPr>
+          <p:cNvCxnSpPr>
+            <a:cxnSpLocks/>
+          </p:cNvCxnSpPr>
+          <p:nvPr/>
+        </p:nvCxnSpPr>
+        <p:spPr>
+          <a:xfrm>
+            <a:off x="7236296" y="4676755"/>
+            <a:ext cx="374194" cy="1"/>
+          </a:xfrm>
+          <a:prstGeom prst="straightConnector1">
+            <a:avLst/>
+          </a:prstGeom>
+          <a:ln w="19050">
+            <a:solidFill>
+              <a:schemeClr val="accent4"/>
+            </a:solidFill>
+            <a:headEnd type="none" w="med" len="med"/>
+            <a:tailEnd type="arrow" w="med" len="med"/>
+          </a:ln>
+        </p:spPr>
+        <p:style>
+          <a:lnRef idx="1">
+            <a:schemeClr val="accent1"/>
+          </a:lnRef>
+          <a:fillRef idx="0">
+            <a:schemeClr val="accent1"/>
+          </a:fillRef>
+          <a:effectRef idx="0">
+            <a:schemeClr val="accent1"/>
+          </a:effectRef>
+          <a:fontRef idx="minor">
+            <a:schemeClr val="tx1"/>
+          </a:fontRef>
+        </p:style>
+      </p:cxnSp>
+      <p:sp>
+        <p:nvSpPr>
+          <p:cNvPr id="174" name="TextBox 173">
+            <a:extLst>
+              <a:ext uri="{FF2B5EF4-FFF2-40B4-BE49-F238E27FC236}">
+                <a16:creationId xmlns:a16="http://schemas.microsoft.com/office/drawing/2014/main" id="{79D53839-2EBC-4704-8DA1-499975962DD5}"/>
+              </a:ext>
+            </a:extLst>
+          </p:cNvPr>
+          <p:cNvSpPr txBox="1"/>
+          <p:nvPr/>
+        </p:nvSpPr>
+        <p:spPr>
+          <a:xfrm>
+            <a:off x="7607060" y="4556841"/>
+            <a:ext cx="1446230" cy="230832"/>
+          </a:xfrm>
+          <a:prstGeom prst="rect">
+            <a:avLst/>
+          </a:prstGeom>
+          <a:noFill/>
+        </p:spPr>
+        <p:txBody>
+          <a:bodyPr wrap="none" rtlCol="0" anchor="ctr">
+            <a:spAutoFit/>
+          </a:bodyPr>
+          <a:lstStyle/>
+          <a:p>
+            <a:r>
+              <a:rPr lang="en-US" altLang="ko-KR" sz="900"/>
+              <a:t>Create/Rotate SA Token</a:t>
+            </a:r>
+            <a:endParaRPr lang="ko-KR" altLang="en-US" sz="900"/>
+          </a:p>
+        </p:txBody>
+      </p:sp>
+      <p:cxnSp>
+        <p:nvCxnSpPr>
+          <p:cNvPr id="175" name="직선 화살표 연결선 174">
+            <a:extLst>
+              <a:ext uri="{FF2B5EF4-FFF2-40B4-BE49-F238E27FC236}">
+                <a16:creationId xmlns:a16="http://schemas.microsoft.com/office/drawing/2014/main" id="{B44A8906-50BD-48BB-A504-365B907B63BA}"/>
+              </a:ext>
+            </a:extLst>
+          </p:cNvPr>
+          <p:cNvCxnSpPr>
+            <a:cxnSpLocks/>
+          </p:cNvCxnSpPr>
+          <p:nvPr/>
+        </p:nvCxnSpPr>
+        <p:spPr>
+          <a:xfrm>
+            <a:off x="7236296" y="4920414"/>
+            <a:ext cx="374194" cy="1"/>
+          </a:xfrm>
+          <a:prstGeom prst="straightConnector1">
+            <a:avLst/>
+          </a:prstGeom>
+          <a:ln w="19050">
+            <a:solidFill>
+              <a:schemeClr val="tx2"/>
+            </a:solidFill>
+            <a:headEnd type="none" w="med" len="med"/>
+            <a:tailEnd type="arrow" w="med" len="med"/>
+          </a:ln>
+        </p:spPr>
+        <p:style>
+          <a:lnRef idx="1">
+            <a:schemeClr val="accent1"/>
+          </a:lnRef>
+          <a:fillRef idx="0">
+            <a:schemeClr val="accent1"/>
+          </a:fillRef>
+          <a:effectRef idx="0">
+            <a:schemeClr val="accent1"/>
+          </a:effectRef>
+          <a:fontRef idx="minor">
+            <a:schemeClr val="tx1"/>
+          </a:fontRef>
+        </p:style>
+      </p:cxnSp>
+      <p:sp>
+        <p:nvSpPr>
+          <p:cNvPr id="176" name="TextBox 175">
+            <a:extLst>
+              <a:ext uri="{FF2B5EF4-FFF2-40B4-BE49-F238E27FC236}">
+                <a16:creationId xmlns:a16="http://schemas.microsoft.com/office/drawing/2014/main" id="{4A92B1C6-5EA6-436D-930A-BD4AF14DF852}"/>
+              </a:ext>
+            </a:extLst>
+          </p:cNvPr>
+          <p:cNvSpPr txBox="1"/>
+          <p:nvPr/>
+        </p:nvSpPr>
+        <p:spPr>
+          <a:xfrm>
+            <a:off x="7607060" y="4800500"/>
+            <a:ext cx="736099" cy="230832"/>
+          </a:xfrm>
+          <a:prstGeom prst="rect">
+            <a:avLst/>
+          </a:prstGeom>
+          <a:noFill/>
+        </p:spPr>
+        <p:txBody>
+          <a:bodyPr wrap="none" rtlCol="0" anchor="ctr">
+            <a:spAutoFit/>
+          </a:bodyPr>
+          <a:lstStyle/>
+          <a:p>
+            <a:r>
+              <a:rPr lang="en-US" altLang="ko-KR" sz="900"/>
+              <a:t>Use Token</a:t>
+            </a:r>
+            <a:endParaRPr lang="ko-KR" altLang="en-US" sz="900"/>
+          </a:p>
+        </p:txBody>
+      </p:sp>
+      <p:cxnSp>
+        <p:nvCxnSpPr>
+          <p:cNvPr id="73" name="직선 화살표 연결선 72">
+            <a:extLst>
+              <a:ext uri="{FF2B5EF4-FFF2-40B4-BE49-F238E27FC236}">
+                <a16:creationId xmlns:a16="http://schemas.microsoft.com/office/drawing/2014/main" id="{CFDD5BB8-91D5-4A92-8555-61FBAC8A200D}"/>
+              </a:ext>
+            </a:extLst>
+          </p:cNvPr>
+          <p:cNvCxnSpPr>
+            <a:cxnSpLocks/>
+            <a:stCxn id="57" idx="1"/>
+            <a:endCxn id="53" idx="3"/>
+          </p:cNvCxnSpPr>
+          <p:nvPr/>
+        </p:nvCxnSpPr>
+        <p:spPr>
+          <a:xfrm flipH="1">
+            <a:off x="3974438" y="1203598"/>
+            <a:ext cx="465273" cy="0"/>
+          </a:xfrm>
+          <a:prstGeom prst="straightConnector1">
+            <a:avLst/>
+          </a:prstGeom>
+          <a:ln w="19050">
+            <a:solidFill>
+              <a:schemeClr val="tx2"/>
+            </a:solidFill>
+            <a:headEnd type="arrow" w="med" len="med"/>
+            <a:tailEnd type="arrow" w="med" len="med"/>
+          </a:ln>
+        </p:spPr>
+        <p:style>
+          <a:lnRef idx="1">
+            <a:schemeClr val="accent1"/>
+          </a:lnRef>
+          <a:fillRef idx="0">
+            <a:schemeClr val="accent1"/>
+          </a:fillRef>
+          <a:effectRef idx="0">
+            <a:schemeClr val="accent1"/>
+          </a:effectRef>
+          <a:fontRef idx="minor">
+            <a:schemeClr val="tx1"/>
+          </a:fontRef>
+        </p:style>
+      </p:cxnSp>
+      <p:sp>
+        <p:nvSpPr>
+          <p:cNvPr id="78" name="타원 77">
+            <a:extLst>
+              <a:ext uri="{FF2B5EF4-FFF2-40B4-BE49-F238E27FC236}">
+                <a16:creationId xmlns:a16="http://schemas.microsoft.com/office/drawing/2014/main" id="{C4B425C5-FD97-4458-B4DA-09D2ECEED308}"/>
+              </a:ext>
+            </a:extLst>
+          </p:cNvPr>
+          <p:cNvSpPr/>
+          <p:nvPr/>
+        </p:nvSpPr>
+        <p:spPr>
+          <a:xfrm>
+            <a:off x="4098624" y="990544"/>
+            <a:ext cx="208094" cy="208094"/>
+          </a:xfrm>
+          <a:prstGeom prst="ellipse">
+            <a:avLst/>
+          </a:prstGeom>
+          <a:ln>
+            <a:solidFill>
+              <a:srgbClr val="002060"/>
+            </a:solidFill>
+          </a:ln>
+        </p:spPr>
+        <p:style>
+          <a:lnRef idx="2">
+            <a:schemeClr val="accent2"/>
+          </a:lnRef>
+          <a:fillRef idx="1">
+            <a:schemeClr val="lt1"/>
+          </a:fillRef>
+          <a:effectRef idx="0">
+            <a:schemeClr val="accent2"/>
+          </a:effectRef>
+          <a:fontRef idx="minor">
+            <a:schemeClr val="dk1"/>
+          </a:fontRef>
+        </p:style>
+        <p:txBody>
+          <a:bodyPr rtlCol="0" anchor="ctr"/>
+          <a:lstStyle/>
+          <a:p>
+            <a:pPr algn="ctr"/>
+            <a:r>
+              <a:rPr lang="en-US" altLang="ko-KR" sz="1100"/>
+              <a:t>2</a:t>
+            </a:r>
+            <a:endParaRPr lang="ko-KR" altLang="en-US" sz="1100"/>
+          </a:p>
+        </p:txBody>
+      </p:sp>
+      <p:sp>
+        <p:nvSpPr>
+          <p:cNvPr id="80" name="TextBox 79">
+            <a:extLst>
+              <a:ext uri="{FF2B5EF4-FFF2-40B4-BE49-F238E27FC236}">
+                <a16:creationId xmlns:a16="http://schemas.microsoft.com/office/drawing/2014/main" id="{D710B298-144D-46CC-94E6-DE8E8E666590}"/>
+              </a:ext>
+            </a:extLst>
+          </p:cNvPr>
+          <p:cNvSpPr txBox="1"/>
+          <p:nvPr/>
+        </p:nvSpPr>
+        <p:spPr>
+          <a:xfrm>
+            <a:off x="3856684" y="1259446"/>
+            <a:ext cx="736099" cy="400110"/>
+          </a:xfrm>
+          <a:prstGeom prst="rect">
+            <a:avLst/>
+          </a:prstGeom>
+          <a:noFill/>
+        </p:spPr>
+        <p:txBody>
+          <a:bodyPr wrap="none" rtlCol="0" anchor="ctr">
+            <a:spAutoFit/>
+          </a:bodyPr>
+          <a:lstStyle/>
+          <a:p>
+            <a:pPr algn="ctr"/>
+            <a:r>
+              <a:rPr lang="en-US" altLang="ko-KR" sz="1000">
+                <a:solidFill>
+                  <a:schemeClr val="tx2"/>
+                </a:solidFill>
+              </a:rPr>
+              <a:t>Verify </a:t>
+            </a:r>
+          </a:p>
+          <a:p>
+            <a:pPr algn="ctr"/>
+            <a:r>
+              <a:rPr lang="en-US" altLang="ko-KR" sz="1000">
+                <a:solidFill>
+                  <a:schemeClr val="tx2"/>
+                </a:solidFill>
+              </a:rPr>
+              <a:t>SA Token</a:t>
+            </a:r>
+            <a:endParaRPr lang="ko-KR" altLang="en-US" sz="1000">
+              <a:solidFill>
+                <a:schemeClr val="tx2"/>
+              </a:solidFill>
+            </a:endParaRPr>
+          </a:p>
+        </p:txBody>
+      </p:sp>
+    </p:spTree>
+    <p:extLst>
+      <p:ext uri="{BB962C8B-B14F-4D97-AF65-F5344CB8AC3E}">
+        <p14:creationId xmlns:p14="http://schemas.microsoft.com/office/powerpoint/2010/main" val="1828382803"/>
+      </p:ext>
+    </p:extLst>
+  </p:cSld>
+  <p:clrMapOvr>
+    <a:masterClrMapping/>
+  </p:clrMapOvr>
+</p:sld>
+</file>
+
+<file path=ppt/slides/slide6.xml><?xml version="1.0" encoding="utf-8"?>
+<p:sld xmlns:a="http://schemas.openxmlformats.org/drawingml/2006/main" xmlns:r="http://schemas.openxmlformats.org/officeDocument/2006/relationships" xmlns:p="http://schemas.openxmlformats.org/presentationml/2006/main">
+  <p:cSld>
+    <p:spTree>
+      <p:nvGrpSpPr>
+        <p:cNvPr id="1" name=""/>
+        <p:cNvGrpSpPr/>
+        <p:nvPr/>
+      </p:nvGrpSpPr>
+      <p:grpSpPr>
+        <a:xfrm>
+          <a:off x="0" y="0"/>
+          <a:ext cx="0" cy="0"/>
+          <a:chOff x="0" y="0"/>
+          <a:chExt cx="0" cy="0"/>
+        </a:xfrm>
+      </p:grpSpPr>
+      <p:sp>
+        <p:nvSpPr>
           <p:cNvPr id="2" name="제목 1"/>
           <p:cNvSpPr>
             <a:spLocks noGrp="1"/>
@@ -15465,7 +18648,7 @@
 </p:sld>
 </file>
 
-<file path=ppt/slides/slide6.xml><?xml version="1.0" encoding="utf-8"?>
+<file path=ppt/slides/slide7.xml><?xml version="1.0" encoding="utf-8"?>
 <p:sld xmlns:a="http://schemas.openxmlformats.org/drawingml/2006/main" xmlns:r="http://schemas.openxmlformats.org/officeDocument/2006/relationships" xmlns:p="http://schemas.openxmlformats.org/presentationml/2006/main">
   <p:cSld>
     <p:spTree>

--- a/images/theory_analysis/AWS_EKS_Service_Account_IAM_Role/AWS_EKS_Service_Account_IAM_Role.pptx
+++ b/images/theory_analysis/AWS_EKS_Service_Account_IAM_Role/AWS_EKS_Service_Account_IAM_Role.pptx
@@ -6660,7 +6660,7 @@
           <a:p>
             <a:pPr algn="ctr"/>
             <a:r>
-              <a:rPr lang="en-US" altLang="ko-KR" sz="1100"/>
+              <a:rPr lang="en-US" altLang="ko-KR" sz="1100" b="1"/>
               <a:t>Private/Public Key</a:t>
             </a:r>
           </a:p>
